--- a/draft-gandhi-spring-sr-enhanced-plm-01.pptx
+++ b/draft-gandhi-spring-sr-enhanced-plm-01.pptx
@@ -18,17 +18,17 @@
     <p:sldId id="1659" r:id="rId6"/>
     <p:sldId id="1662" r:id="rId7"/>
     <p:sldId id="1666" r:id="rId8"/>
-    <p:sldId id="1660" r:id="rId9"/>
+    <p:sldId id="1667" r:id="rId9"/>
     <p:sldId id="1658" r:id="rId10"/>
     <p:sldId id="1663" r:id="rId11"/>
     <p:sldId id="318" r:id="rId12"/>
     <p:sldId id="303" r:id="rId13"/>
-    <p:sldId id="1655" r:id="rId14"/>
-    <p:sldId id="1661" r:id="rId15"/>
-    <p:sldId id="1654" r:id="rId16"/>
-    <p:sldId id="1664" r:id="rId17"/>
-    <p:sldId id="1642" r:id="rId18"/>
-    <p:sldId id="1665" r:id="rId19"/>
+    <p:sldId id="1664" r:id="rId14"/>
+    <p:sldId id="1642" r:id="rId15"/>
+    <p:sldId id="1665" r:id="rId16"/>
+    <p:sldId id="1668" r:id="rId17"/>
+    <p:sldId id="1661" r:id="rId18"/>
+    <p:sldId id="1669" r:id="rId19"/>
   </p:sldIdLst>
   <p:sldSz cx="9144000" cy="5143500" type="screen16x9"/>
   <p:notesSz cx="6858000" cy="9144000"/>
@@ -261,7 +261,7 @@
           <a:p>
             <a:fld id="{E8FA3DB5-7722-3F4F-947D-12B203669AD7}" type="datetimeFigureOut">
               <a:rPr lang="en-US" smtClean="0"/>
-              <a:t>4/16/20</a:t>
+              <a:t>4/21/20</a:t>
             </a:fld>
             <a:endParaRPr lang="en-US"/>
           </a:p>
@@ -1102,18 +1102,35 @@
           <a:bodyPr/>
           <a:lstStyle/>
           <a:p>
-            <a:endParaRPr lang="en-CA" dirty="0"/>
-          </a:p>
-        </p:txBody>
-      </p:sp>
-      <p:sp>
-        <p:nvSpPr>
-          <p:cNvPr id="4" name="Slide Number Placeholder 3"/>
+            <a:pPr marL="171450" marR="0" lvl="0" indent="-171450" algn="l" defTabSz="457200" rtl="0" eaLnBrk="0" fontAlgn="base" latinLnBrk="0" hangingPunct="0">
+              <a:lnSpc>
+                <a:spcPct val="100000"/>
+              </a:lnSpc>
+              <a:spcBef>
+                <a:spcPct val="30000"/>
+              </a:spcBef>
+              <a:spcAft>
+                <a:spcPct val="0"/>
+              </a:spcAft>
+              <a:buClrTx/>
+              <a:buSzTx/>
+              <a:buFont typeface="Arial" charset="0"/>
+              <a:buNone/>
+              <a:tabLst/>
+              <a:defRPr/>
+            </a:pPr>
+            <a:endParaRPr lang="en-US" dirty="0"/>
+          </a:p>
+        </p:txBody>
+      </p:sp>
+      <p:sp>
+        <p:nvSpPr>
+          <p:cNvPr id="4" name="Header Placeholder 3"/>
           <p:cNvSpPr>
             <a:spLocks noGrp="1"/>
           </p:cNvSpPr>
           <p:nvPr>
-            <p:ph type="sldNum" sz="quarter" idx="10"/>
+            <p:ph type="hdr" sz="quarter" idx="10"/>
           </p:nvPr>
         </p:nvSpPr>
         <p:spPr/>
@@ -1124,21 +1141,65 @@
             <a:pPr>
               <a:defRPr/>
             </a:pPr>
-            <a:fld id="{100938BD-FD70-4535-B0C2-13FC38CDF1BE}" type="slidenum">
-              <a:rPr lang="en-US" altLang="zh-CN" smtClean="0"/>
+            <a:endParaRPr lang="en-US"/>
+          </a:p>
+        </p:txBody>
+      </p:sp>
+      <p:sp>
+        <p:nvSpPr>
+          <p:cNvPr id="5" name="Footer Placeholder 4"/>
+          <p:cNvSpPr>
+            <a:spLocks noGrp="1"/>
+          </p:cNvSpPr>
+          <p:nvPr>
+            <p:ph type="ftr" sz="quarter" idx="11"/>
+          </p:nvPr>
+        </p:nvSpPr>
+        <p:spPr/>
+        <p:txBody>
+          <a:bodyPr/>
+          <a:lstStyle/>
+          <a:p>
+            <a:pPr>
+              <a:defRPr/>
+            </a:pPr>
+            <a:endParaRPr lang="en-US"/>
+          </a:p>
+        </p:txBody>
+      </p:sp>
+      <p:sp>
+        <p:nvSpPr>
+          <p:cNvPr id="6" name="Slide Number Placeholder 5"/>
+          <p:cNvSpPr>
+            <a:spLocks noGrp="1"/>
+          </p:cNvSpPr>
+          <p:nvPr>
+            <p:ph type="sldNum" sz="quarter" idx="12"/>
+          </p:nvPr>
+        </p:nvSpPr>
+        <p:spPr/>
+        <p:txBody>
+          <a:bodyPr/>
+          <a:lstStyle/>
+          <a:p>
+            <a:pPr>
+              <a:defRPr/>
+            </a:pPr>
+            <a:fld id="{F97A1FA6-25DE-9E4E-A34D-CF67DE7DBDC7}" type="slidenum">
+              <a:rPr lang="en-US" smtClean="0"/>
               <a:pPr>
                 <a:defRPr/>
               </a:pPr>
               <a:t>13</a:t>
             </a:fld>
-            <a:endParaRPr lang="en-US" altLang="zh-CN"/>
+            <a:endParaRPr lang="en-US"/>
           </a:p>
         </p:txBody>
       </p:sp>
     </p:spTree>
     <p:extLst>
       <p:ext uri="{BB962C8B-B14F-4D97-AF65-F5344CB8AC3E}">
-        <p14:creationId xmlns:p14="http://schemas.microsoft.com/office/powerpoint/2010/main" val="127127535"/>
+        <p14:creationId xmlns:p14="http://schemas.microsoft.com/office/powerpoint/2010/main" val="2106992105"/>
       </p:ext>
     </p:extLst>
   </p:cSld>
@@ -1192,18 +1253,35 @@
           <a:bodyPr/>
           <a:lstStyle/>
           <a:p>
-            <a:endParaRPr lang="en-CA" dirty="0"/>
-          </a:p>
-        </p:txBody>
-      </p:sp>
-      <p:sp>
-        <p:nvSpPr>
-          <p:cNvPr id="4" name="Slide Number Placeholder 3"/>
+            <a:pPr marL="171450" marR="0" lvl="0" indent="-171450" algn="l" defTabSz="457200" rtl="0" eaLnBrk="0" fontAlgn="base" latinLnBrk="0" hangingPunct="0">
+              <a:lnSpc>
+                <a:spcPct val="100000"/>
+              </a:lnSpc>
+              <a:spcBef>
+                <a:spcPct val="30000"/>
+              </a:spcBef>
+              <a:spcAft>
+                <a:spcPct val="0"/>
+              </a:spcAft>
+              <a:buClrTx/>
+              <a:buSzTx/>
+              <a:buFont typeface="Arial" charset="0"/>
+              <a:buNone/>
+              <a:tabLst/>
+              <a:defRPr/>
+            </a:pPr>
+            <a:endParaRPr lang="en-US" dirty="0"/>
+          </a:p>
+        </p:txBody>
+      </p:sp>
+      <p:sp>
+        <p:nvSpPr>
+          <p:cNvPr id="4" name="Header Placeholder 3"/>
           <p:cNvSpPr>
             <a:spLocks noGrp="1"/>
           </p:cNvSpPr>
           <p:nvPr>
-            <p:ph type="sldNum" sz="quarter" idx="10"/>
+            <p:ph type="hdr" sz="quarter" idx="10"/>
           </p:nvPr>
         </p:nvSpPr>
         <p:spPr/>
@@ -1214,21 +1292,65 @@
             <a:pPr>
               <a:defRPr/>
             </a:pPr>
-            <a:fld id="{100938BD-FD70-4535-B0C2-13FC38CDF1BE}" type="slidenum">
-              <a:rPr lang="en-US" altLang="zh-CN" smtClean="0"/>
+            <a:endParaRPr lang="en-US"/>
+          </a:p>
+        </p:txBody>
+      </p:sp>
+      <p:sp>
+        <p:nvSpPr>
+          <p:cNvPr id="5" name="Footer Placeholder 4"/>
+          <p:cNvSpPr>
+            <a:spLocks noGrp="1"/>
+          </p:cNvSpPr>
+          <p:nvPr>
+            <p:ph type="ftr" sz="quarter" idx="11"/>
+          </p:nvPr>
+        </p:nvSpPr>
+        <p:spPr/>
+        <p:txBody>
+          <a:bodyPr/>
+          <a:lstStyle/>
+          <a:p>
+            <a:pPr>
+              <a:defRPr/>
+            </a:pPr>
+            <a:endParaRPr lang="en-US"/>
+          </a:p>
+        </p:txBody>
+      </p:sp>
+      <p:sp>
+        <p:nvSpPr>
+          <p:cNvPr id="6" name="Slide Number Placeholder 5"/>
+          <p:cNvSpPr>
+            <a:spLocks noGrp="1"/>
+          </p:cNvSpPr>
+          <p:nvPr>
+            <p:ph type="sldNum" sz="quarter" idx="12"/>
+          </p:nvPr>
+        </p:nvSpPr>
+        <p:spPr/>
+        <p:txBody>
+          <a:bodyPr/>
+          <a:lstStyle/>
+          <a:p>
+            <a:pPr>
+              <a:defRPr/>
+            </a:pPr>
+            <a:fld id="{F97A1FA6-25DE-9E4E-A34D-CF67DE7DBDC7}" type="slidenum">
+              <a:rPr lang="en-US" smtClean="0"/>
               <a:pPr>
                 <a:defRPr/>
               </a:pPr>
               <a:t>14</a:t>
             </a:fld>
-            <a:endParaRPr lang="en-US" altLang="zh-CN"/>
+            <a:endParaRPr lang="en-US"/>
           </a:p>
         </p:txBody>
       </p:sp>
     </p:spTree>
     <p:extLst>
       <p:ext uri="{BB962C8B-B14F-4D97-AF65-F5344CB8AC3E}">
-        <p14:creationId xmlns:p14="http://schemas.microsoft.com/office/powerpoint/2010/main" val="3523175849"/>
+        <p14:creationId xmlns:p14="http://schemas.microsoft.com/office/powerpoint/2010/main" val="3881026240"/>
       </p:ext>
     </p:extLst>
   </p:cSld>
@@ -1318,7 +1440,7 @@
     </p:spTree>
     <p:extLst>
       <p:ext uri="{BB962C8B-B14F-4D97-AF65-F5344CB8AC3E}">
-        <p14:creationId xmlns:p14="http://schemas.microsoft.com/office/powerpoint/2010/main" val="2642803163"/>
+        <p14:creationId xmlns:p14="http://schemas.microsoft.com/office/powerpoint/2010/main" val="1737264485"/>
       </p:ext>
     </p:extLst>
   </p:cSld>
@@ -1372,35 +1494,18 @@
           <a:bodyPr/>
           <a:lstStyle/>
           <a:p>
-            <a:pPr marL="171450" marR="0" lvl="0" indent="-171450" algn="l" defTabSz="457200" rtl="0" eaLnBrk="0" fontAlgn="base" latinLnBrk="0" hangingPunct="0">
-              <a:lnSpc>
-                <a:spcPct val="100000"/>
-              </a:lnSpc>
-              <a:spcBef>
-                <a:spcPct val="30000"/>
-              </a:spcBef>
-              <a:spcAft>
-                <a:spcPct val="0"/>
-              </a:spcAft>
-              <a:buClrTx/>
-              <a:buSzTx/>
-              <a:buFont typeface="Arial" charset="0"/>
-              <a:buNone/>
-              <a:tabLst/>
-              <a:defRPr/>
-            </a:pPr>
             <a:endParaRPr lang="en-US" dirty="0"/>
           </a:p>
         </p:txBody>
       </p:sp>
       <p:sp>
         <p:nvSpPr>
-          <p:cNvPr id="4" name="Header Placeholder 3"/>
+          <p:cNvPr id="4" name="Slide Number Placeholder 3"/>
           <p:cNvSpPr>
             <a:spLocks noGrp="1"/>
           </p:cNvSpPr>
           <p:nvPr>
-            <p:ph type="hdr" sz="quarter" idx="10"/>
+            <p:ph type="sldNum" sz="quarter" idx="10"/>
           </p:nvPr>
         </p:nvSpPr>
         <p:spPr/>
@@ -1411,65 +1516,21 @@
             <a:pPr>
               <a:defRPr/>
             </a:pPr>
-            <a:endParaRPr lang="en-US"/>
-          </a:p>
-        </p:txBody>
-      </p:sp>
-      <p:sp>
-        <p:nvSpPr>
-          <p:cNvPr id="5" name="Footer Placeholder 4"/>
-          <p:cNvSpPr>
-            <a:spLocks noGrp="1"/>
-          </p:cNvSpPr>
-          <p:nvPr>
-            <p:ph type="ftr" sz="quarter" idx="11"/>
-          </p:nvPr>
-        </p:nvSpPr>
-        <p:spPr/>
-        <p:txBody>
-          <a:bodyPr/>
-          <a:lstStyle/>
-          <a:p>
-            <a:pPr>
-              <a:defRPr/>
-            </a:pPr>
-            <a:endParaRPr lang="en-US"/>
-          </a:p>
-        </p:txBody>
-      </p:sp>
-      <p:sp>
-        <p:nvSpPr>
-          <p:cNvPr id="6" name="Slide Number Placeholder 5"/>
-          <p:cNvSpPr>
-            <a:spLocks noGrp="1"/>
-          </p:cNvSpPr>
-          <p:nvPr>
-            <p:ph type="sldNum" sz="quarter" idx="12"/>
-          </p:nvPr>
-        </p:nvSpPr>
-        <p:spPr/>
-        <p:txBody>
-          <a:bodyPr/>
-          <a:lstStyle/>
-          <a:p>
-            <a:pPr>
-              <a:defRPr/>
-            </a:pPr>
-            <a:fld id="{F97A1FA6-25DE-9E4E-A34D-CF67DE7DBDC7}" type="slidenum">
-              <a:rPr lang="en-US" smtClean="0"/>
+            <a:fld id="{100938BD-FD70-4535-B0C2-13FC38CDF1BE}" type="slidenum">
+              <a:rPr lang="en-US" altLang="zh-CN" smtClean="0"/>
               <a:pPr>
                 <a:defRPr/>
               </a:pPr>
               <a:t>16</a:t>
             </a:fld>
-            <a:endParaRPr lang="en-US"/>
+            <a:endParaRPr lang="en-US" altLang="zh-CN"/>
           </a:p>
         </p:txBody>
       </p:sp>
     </p:spTree>
     <p:extLst>
       <p:ext uri="{BB962C8B-B14F-4D97-AF65-F5344CB8AC3E}">
-        <p14:creationId xmlns:p14="http://schemas.microsoft.com/office/powerpoint/2010/main" val="2106992105"/>
+        <p14:creationId xmlns:p14="http://schemas.microsoft.com/office/powerpoint/2010/main" val="4176910369"/>
       </p:ext>
     </p:extLst>
   </p:cSld>
@@ -1523,35 +1584,18 @@
           <a:bodyPr/>
           <a:lstStyle/>
           <a:p>
-            <a:pPr marL="171450" marR="0" lvl="0" indent="-171450" algn="l" defTabSz="457200" rtl="0" eaLnBrk="0" fontAlgn="base" latinLnBrk="0" hangingPunct="0">
-              <a:lnSpc>
-                <a:spcPct val="100000"/>
-              </a:lnSpc>
-              <a:spcBef>
-                <a:spcPct val="30000"/>
-              </a:spcBef>
-              <a:spcAft>
-                <a:spcPct val="0"/>
-              </a:spcAft>
-              <a:buClrTx/>
-              <a:buSzTx/>
-              <a:buFont typeface="Arial" charset="0"/>
-              <a:buNone/>
-              <a:tabLst/>
-              <a:defRPr/>
-            </a:pPr>
-            <a:endParaRPr lang="en-US" dirty="0"/>
-          </a:p>
-        </p:txBody>
-      </p:sp>
-      <p:sp>
-        <p:nvSpPr>
-          <p:cNvPr id="4" name="Header Placeholder 3"/>
+            <a:endParaRPr lang="en-CA" dirty="0"/>
+          </a:p>
+        </p:txBody>
+      </p:sp>
+      <p:sp>
+        <p:nvSpPr>
+          <p:cNvPr id="4" name="Slide Number Placeholder 3"/>
           <p:cNvSpPr>
             <a:spLocks noGrp="1"/>
           </p:cNvSpPr>
           <p:nvPr>
-            <p:ph type="hdr" sz="quarter" idx="10"/>
+            <p:ph type="sldNum" sz="quarter" idx="10"/>
           </p:nvPr>
         </p:nvSpPr>
         <p:spPr/>
@@ -1562,65 +1606,21 @@
             <a:pPr>
               <a:defRPr/>
             </a:pPr>
-            <a:endParaRPr lang="en-US"/>
-          </a:p>
-        </p:txBody>
-      </p:sp>
-      <p:sp>
-        <p:nvSpPr>
-          <p:cNvPr id="5" name="Footer Placeholder 4"/>
-          <p:cNvSpPr>
-            <a:spLocks noGrp="1"/>
-          </p:cNvSpPr>
-          <p:nvPr>
-            <p:ph type="ftr" sz="quarter" idx="11"/>
-          </p:nvPr>
-        </p:nvSpPr>
-        <p:spPr/>
-        <p:txBody>
-          <a:bodyPr/>
-          <a:lstStyle/>
-          <a:p>
-            <a:pPr>
-              <a:defRPr/>
-            </a:pPr>
-            <a:endParaRPr lang="en-US"/>
-          </a:p>
-        </p:txBody>
-      </p:sp>
-      <p:sp>
-        <p:nvSpPr>
-          <p:cNvPr id="6" name="Slide Number Placeholder 5"/>
-          <p:cNvSpPr>
-            <a:spLocks noGrp="1"/>
-          </p:cNvSpPr>
-          <p:nvPr>
-            <p:ph type="sldNum" sz="quarter" idx="12"/>
-          </p:nvPr>
-        </p:nvSpPr>
-        <p:spPr/>
-        <p:txBody>
-          <a:bodyPr/>
-          <a:lstStyle/>
-          <a:p>
-            <a:pPr>
-              <a:defRPr/>
-            </a:pPr>
-            <a:fld id="{F97A1FA6-25DE-9E4E-A34D-CF67DE7DBDC7}" type="slidenum">
-              <a:rPr lang="en-US" smtClean="0"/>
+            <a:fld id="{100938BD-FD70-4535-B0C2-13FC38CDF1BE}" type="slidenum">
+              <a:rPr lang="en-US" altLang="zh-CN" smtClean="0"/>
               <a:pPr>
                 <a:defRPr/>
               </a:pPr>
               <a:t>17</a:t>
             </a:fld>
-            <a:endParaRPr lang="en-US"/>
+            <a:endParaRPr lang="en-US" altLang="zh-CN"/>
           </a:p>
         </p:txBody>
       </p:sp>
     </p:spTree>
     <p:extLst>
       <p:ext uri="{BB962C8B-B14F-4D97-AF65-F5344CB8AC3E}">
-        <p14:creationId xmlns:p14="http://schemas.microsoft.com/office/powerpoint/2010/main" val="3881026240"/>
+        <p14:creationId xmlns:p14="http://schemas.microsoft.com/office/powerpoint/2010/main" val="1788599029"/>
       </p:ext>
     </p:extLst>
   </p:cSld>
@@ -1674,7 +1674,7 @@
           <a:bodyPr/>
           <a:lstStyle/>
           <a:p>
-            <a:endParaRPr lang="en-US" dirty="0"/>
+            <a:endParaRPr lang="en-CA" dirty="0"/>
           </a:p>
         </p:txBody>
       </p:sp>
@@ -1710,7 +1710,7 @@
     </p:spTree>
     <p:extLst>
       <p:ext uri="{BB962C8B-B14F-4D97-AF65-F5344CB8AC3E}">
-        <p14:creationId xmlns:p14="http://schemas.microsoft.com/office/powerpoint/2010/main" val="1737264485"/>
+        <p14:creationId xmlns:p14="http://schemas.microsoft.com/office/powerpoint/2010/main" val="870300071"/>
       </p:ext>
     </p:extLst>
   </p:cSld>
@@ -2340,7 +2340,7 @@
     </p:spTree>
     <p:extLst>
       <p:ext uri="{BB962C8B-B14F-4D97-AF65-F5344CB8AC3E}">
-        <p14:creationId xmlns:p14="http://schemas.microsoft.com/office/powerpoint/2010/main" val="675579335"/>
+        <p14:creationId xmlns:p14="http://schemas.microsoft.com/office/powerpoint/2010/main" val="2021630429"/>
       </p:ext>
     </p:extLst>
   </p:cSld>
@@ -5724,7 +5724,7 @@
           <a:p>
             <a:r>
               <a:rPr lang="en-US" sz="2400" i="1" dirty="0"/>
-              <a:t>draft-gandhi-spring-sr-enhanced-plm-00</a:t>
+              <a:t>draft-gandhi-spring-sr-enhanced-plm-01</a:t>
             </a:r>
           </a:p>
         </p:txBody>
@@ -5944,7 +5944,7 @@
           <a:p>
             <a:r>
               <a:rPr lang="en-CA" dirty="0"/>
-              <a:t>IETF MPLS WG Interim – April 2020 </a:t>
+              <a:t>IETF – April 2020 </a:t>
             </a:r>
           </a:p>
         </p:txBody>
@@ -6070,7 +6070,7 @@
           <a:p>
             <a:r>
               <a:rPr lang="en-CA" dirty="0"/>
-              <a:t>IETF MPLS WG Interim – April 2020 </a:t>
+              <a:t>IETF  – April 2020 </a:t>
             </a:r>
           </a:p>
         </p:txBody>
@@ -6124,7 +6124,7 @@
         </p:nvSpPr>
         <p:spPr>
           <a:xfrm>
-            <a:off x="1066800" y="825427"/>
+            <a:off x="990600" y="825427"/>
             <a:ext cx="7010400" cy="3779817"/>
           </a:xfrm>
           <a:prstGeom prst="rect">
@@ -6204,7 +6204,7 @@
               <a:rPr lang="en-CA" sz="1200" dirty="0">
                 <a:latin typeface="Courier" pitchFamily="2" charset="0"/>
               </a:rPr>
-              <a:t>  Measurement Protocol           /    \      Timestamp Offset</a:t>
+              <a:t>  Measurement Protocol           /    \      Timestamp2 Offset</a:t>
             </a:r>
           </a:p>
           <a:p>
@@ -6505,7 +6505,7 @@
           <a:p>
             <a:r>
               <a:rPr lang="en-CA" dirty="0"/>
-              <a:t>IETF MPLS WG Interim – April 2020 </a:t>
+              <a:t>IETF  – April 2020 </a:t>
             </a:r>
           </a:p>
         </p:txBody>
@@ -6591,7 +6591,7 @@
           <a:p>
             <a:r>
               <a:rPr lang="en-CA" dirty="0"/>
-              <a:t>IETF MPLS WG Interim – April 2020 </a:t>
+              <a:t>IETF  – April 2020 </a:t>
             </a:r>
           </a:p>
         </p:txBody>
@@ -6828,818 +6828,6 @@
 </file>
 
 <file path=ppt/slides/slide13.xml><?xml version="1.0" encoding="utf-8"?>
-<p:sld xmlns:a="http://schemas.openxmlformats.org/drawingml/2006/main" xmlns:r="http://schemas.openxmlformats.org/officeDocument/2006/relationships" xmlns:p="http://schemas.openxmlformats.org/presentationml/2006/main">
-  <p:cSld>
-    <p:spTree>
-      <p:nvGrpSpPr>
-        <p:cNvPr id="1" name=""/>
-        <p:cNvGrpSpPr/>
-        <p:nvPr/>
-      </p:nvGrpSpPr>
-      <p:grpSpPr>
-        <a:xfrm>
-          <a:off x="0" y="0"/>
-          <a:ext cx="0" cy="0"/>
-          <a:chOff x="0" y="0"/>
-          <a:chExt cx="0" cy="0"/>
-        </a:xfrm>
-      </p:grpSpPr>
-      <p:sp>
-        <p:nvSpPr>
-          <p:cNvPr id="6" name="Footer Placeholder 3"/>
-          <p:cNvSpPr>
-            <a:spLocks noGrp="1"/>
-          </p:cNvSpPr>
-          <p:nvPr>
-            <p:ph type="ftr" sz="quarter" idx="11"/>
-          </p:nvPr>
-        </p:nvSpPr>
-        <p:spPr>
-          <a:xfrm>
-            <a:off x="3124200" y="4786312"/>
-            <a:ext cx="2895600" cy="357188"/>
-          </a:xfrm>
-        </p:spPr>
-        <p:txBody>
-          <a:bodyPr/>
-          <a:lstStyle/>
-          <a:p>
-            <a:r>
-              <a:rPr lang="en-CA" dirty="0"/>
-              <a:t>IETF MPLS WG Interim – April 2020 </a:t>
-            </a:r>
-          </a:p>
-        </p:txBody>
-      </p:sp>
-      <p:sp>
-        <p:nvSpPr>
-          <p:cNvPr id="3" name="Slide Number Placeholder 2"/>
-          <p:cNvSpPr>
-            <a:spLocks noGrp="1"/>
-          </p:cNvSpPr>
-          <p:nvPr>
-            <p:ph type="sldNum" sz="quarter" idx="12"/>
-          </p:nvPr>
-        </p:nvSpPr>
-        <p:spPr/>
-        <p:txBody>
-          <a:bodyPr/>
-          <a:lstStyle/>
-          <a:p>
-            <a:pPr>
-              <a:defRPr/>
-            </a:pPr>
-            <a:fld id="{D5EE1D1A-EEC2-4D53-94A7-85D62C853479}" type="slidenum">
-              <a:rPr lang="en-US" altLang="zh-CN" smtClean="0"/>
-              <a:pPr>
-                <a:defRPr/>
-              </a:pPr>
-              <a:t>13</a:t>
-            </a:fld>
-            <a:endParaRPr lang="en-US" altLang="zh-CN"/>
-          </a:p>
-        </p:txBody>
-      </p:sp>
-      <p:sp>
-        <p:nvSpPr>
-          <p:cNvPr id="8" name="Title 7">
-            <a:extLst>
-              <a:ext uri="{FF2B5EF4-FFF2-40B4-BE49-F238E27FC236}">
-                <a16:creationId xmlns:a16="http://schemas.microsoft.com/office/drawing/2014/main" id="{EAE0D9DC-8575-A84F-A04B-3BD8C30794A3}"/>
-              </a:ext>
-            </a:extLst>
-          </p:cNvPr>
-          <p:cNvSpPr>
-            <a:spLocks noGrp="1"/>
-          </p:cNvSpPr>
-          <p:nvPr>
-            <p:ph type="ctrTitle"/>
-          </p:nvPr>
-        </p:nvSpPr>
-        <p:spPr/>
-        <p:txBody>
-          <a:bodyPr/>
-          <a:lstStyle/>
-          <a:p>
-            <a:r>
-              <a:rPr lang="en-US" dirty="0"/>
-              <a:t>Backup</a:t>
-            </a:r>
-          </a:p>
-        </p:txBody>
-      </p:sp>
-    </p:spTree>
-    <p:extLst>
-      <p:ext uri="{BB962C8B-B14F-4D97-AF65-F5344CB8AC3E}">
-        <p14:creationId xmlns:p14="http://schemas.microsoft.com/office/powerpoint/2010/main" val="1607707434"/>
-      </p:ext>
-    </p:extLst>
-  </p:cSld>
-  <p:clrMapOvr>
-    <a:masterClrMapping/>
-  </p:clrMapOvr>
-</p:sld>
-</file>
-
-<file path=ppt/slides/slide14.xml><?xml version="1.0" encoding="utf-8"?>
-<p:sld xmlns:a="http://schemas.openxmlformats.org/drawingml/2006/main" xmlns:r="http://schemas.openxmlformats.org/officeDocument/2006/relationships" xmlns:p="http://schemas.openxmlformats.org/presentationml/2006/main">
-  <p:cSld>
-    <p:spTree>
-      <p:nvGrpSpPr>
-        <p:cNvPr id="1" name=""/>
-        <p:cNvGrpSpPr/>
-        <p:nvPr/>
-      </p:nvGrpSpPr>
-      <p:grpSpPr>
-        <a:xfrm>
-          <a:off x="0" y="0"/>
-          <a:ext cx="0" cy="0"/>
-          <a:chOff x="0" y="0"/>
-          <a:chExt cx="0" cy="0"/>
-        </a:xfrm>
-      </p:grpSpPr>
-      <p:sp>
-        <p:nvSpPr>
-          <p:cNvPr id="2" name="Title 1"/>
-          <p:cNvSpPr>
-            <a:spLocks noGrp="1"/>
-          </p:cNvSpPr>
-          <p:nvPr>
-            <p:ph type="title"/>
-          </p:nvPr>
-        </p:nvSpPr>
-        <p:spPr>
-          <a:xfrm>
-            <a:off x="457200" y="0"/>
-            <a:ext cx="8458200" cy="857250"/>
-          </a:xfrm>
-        </p:spPr>
-        <p:txBody>
-          <a:bodyPr/>
-          <a:lstStyle/>
-          <a:p>
-            <a:r>
-              <a:rPr lang="en-US" sz="3600" dirty="0">
-                <a:solidFill>
-                  <a:srgbClr val="0070C0"/>
-                </a:solidFill>
-                <a:latin typeface="Calibri Light" panose="020F0302020204030204" pitchFamily="34" charset="0"/>
-                <a:cs typeface="Calibri Light" panose="020F0302020204030204" pitchFamily="34" charset="0"/>
-              </a:rPr>
-              <a:t>SRv6 with Timestamp and Forward Function</a:t>
-            </a:r>
-          </a:p>
-        </p:txBody>
-      </p:sp>
-      <p:sp>
-        <p:nvSpPr>
-          <p:cNvPr id="4" name="Footer Placeholder 3"/>
-          <p:cNvSpPr>
-            <a:spLocks noGrp="1"/>
-          </p:cNvSpPr>
-          <p:nvPr>
-            <p:ph type="ftr" sz="quarter" idx="11"/>
-          </p:nvPr>
-        </p:nvSpPr>
-        <p:spPr>
-          <a:xfrm>
-            <a:off x="3124200" y="4788339"/>
-            <a:ext cx="2895600" cy="357188"/>
-          </a:xfrm>
-        </p:spPr>
-        <p:txBody>
-          <a:bodyPr/>
-          <a:lstStyle/>
-          <a:p>
-            <a:r>
-              <a:rPr lang="en-CA" dirty="0"/>
-              <a:t>IETF MPLS WG Interim – April 2020 </a:t>
-            </a:r>
-          </a:p>
-        </p:txBody>
-      </p:sp>
-      <p:sp>
-        <p:nvSpPr>
-          <p:cNvPr id="5" name="Slide Number Placeholder 4"/>
-          <p:cNvSpPr>
-            <a:spLocks noGrp="1"/>
-          </p:cNvSpPr>
-          <p:nvPr>
-            <p:ph type="sldNum" sz="quarter" idx="12"/>
-          </p:nvPr>
-        </p:nvSpPr>
-        <p:spPr/>
-        <p:txBody>
-          <a:bodyPr/>
-          <a:lstStyle/>
-          <a:p>
-            <a:pPr>
-              <a:defRPr/>
-            </a:pPr>
-            <a:fld id="{BD6E0F59-1DD8-40FC-9C92-B6295CBA6CCA}" type="slidenum">
-              <a:rPr lang="en-US" altLang="zh-CN" smtClean="0"/>
-              <a:pPr>
-                <a:defRPr/>
-              </a:pPr>
-              <a:t>14</a:t>
-            </a:fld>
-            <a:endParaRPr lang="en-US" altLang="zh-CN"/>
-          </a:p>
-        </p:txBody>
-      </p:sp>
-      <p:sp>
-        <p:nvSpPr>
-          <p:cNvPr id="6" name="Rectangle 5">
-            <a:extLst>
-              <a:ext uri="{FF2B5EF4-FFF2-40B4-BE49-F238E27FC236}">
-                <a16:creationId xmlns:a16="http://schemas.microsoft.com/office/drawing/2014/main" id="{4C15A4CE-6545-5142-97A8-EDA8B07CB60B}"/>
-              </a:ext>
-            </a:extLst>
-          </p:cNvPr>
-          <p:cNvSpPr/>
-          <p:nvPr/>
-        </p:nvSpPr>
-        <p:spPr>
-          <a:xfrm>
-            <a:off x="262054" y="886522"/>
-            <a:ext cx="5410200" cy="3785652"/>
-          </a:xfrm>
-          <a:prstGeom prst="rect">
-            <a:avLst/>
-          </a:prstGeom>
-          <a:solidFill>
-            <a:schemeClr val="accent6">
-              <a:lumMod val="20000"/>
-              <a:lumOff val="80000"/>
-            </a:schemeClr>
-          </a:solidFill>
-        </p:spPr>
-        <p:txBody>
-          <a:bodyPr wrap="square">
-            <a:spAutoFit/>
-          </a:bodyPr>
-          <a:lstStyle/>
-          <a:p>
-            <a:r>
-              <a:rPr lang="en-CA" sz="1000" dirty="0">
-                <a:latin typeface="Courier" pitchFamily="2" charset="0"/>
-              </a:rPr>
-              <a:t>  +---------------------------------------------------------------+</a:t>
-            </a:r>
-          </a:p>
-          <a:p>
-            <a:r>
-              <a:rPr lang="en-CA" sz="1000" dirty="0">
-                <a:latin typeface="Courier" pitchFamily="2" charset="0"/>
-              </a:rPr>
-              <a:t>  | IP Header                                                     |</a:t>
-            </a:r>
-          </a:p>
-          <a:p>
-            <a:r>
-              <a:rPr lang="en-CA" sz="1000" dirty="0">
-                <a:latin typeface="Courier" pitchFamily="2" charset="0"/>
-              </a:rPr>
-              <a:t>  .  Source IP Address = </a:t>
-            </a:r>
-            <a:r>
-              <a:rPr lang="en-CA" sz="1000" b="1" dirty="0">
-                <a:latin typeface="Courier" pitchFamily="2" charset="0"/>
-              </a:rPr>
-              <a:t>Endpoint</a:t>
-            </a:r>
-            <a:r>
-              <a:rPr lang="en-CA" sz="1000" dirty="0">
-                <a:latin typeface="Courier" pitchFamily="2" charset="0"/>
-              </a:rPr>
-              <a:t> IPv6 Address                    .</a:t>
-            </a:r>
-          </a:p>
-          <a:p>
-            <a:r>
-              <a:rPr lang="en-CA" sz="1000" dirty="0">
-                <a:latin typeface="Courier" pitchFamily="2" charset="0"/>
-              </a:rPr>
-              <a:t>  .  Destination IP Address = </a:t>
-            </a:r>
-            <a:r>
-              <a:rPr lang="en-CA" sz="1000" b="1" dirty="0">
-                <a:latin typeface="Courier" pitchFamily="2" charset="0"/>
-              </a:rPr>
-              <a:t>Sender</a:t>
-            </a:r>
-            <a:r>
-              <a:rPr lang="en-CA" sz="1000" dirty="0">
-                <a:latin typeface="Courier" pitchFamily="2" charset="0"/>
-              </a:rPr>
-              <a:t> IPv6 Address                 .</a:t>
-            </a:r>
-          </a:p>
-          <a:p>
-            <a:r>
-              <a:rPr lang="en-CA" sz="1000" dirty="0">
-                <a:latin typeface="Courier" pitchFamily="2" charset="0"/>
-              </a:rPr>
-              <a:t>  .  Next Header = 43 (Routing Header)                            .</a:t>
-            </a:r>
-          </a:p>
-          <a:p>
-            <a:r>
-              <a:rPr lang="en-CA" sz="1000" dirty="0">
-                <a:latin typeface="Courier" pitchFamily="2" charset="0"/>
-              </a:rPr>
-              <a:t>  .                                                               .</a:t>
-            </a:r>
-          </a:p>
-          <a:p>
-            <a:r>
-              <a:rPr lang="en-CA" sz="1000" dirty="0">
-                <a:latin typeface="Courier" pitchFamily="2" charset="0"/>
-              </a:rPr>
-              <a:t>  +---------------------------------------------------------------+</a:t>
-            </a:r>
-          </a:p>
-          <a:p>
-            <a:r>
-              <a:rPr lang="en-CA" sz="1000" dirty="0">
-                <a:latin typeface="Courier" pitchFamily="2" charset="0"/>
-              </a:rPr>
-              <a:t>  |  SRH                                                          |</a:t>
-            </a:r>
-          </a:p>
-          <a:p>
-            <a:r>
-              <a:rPr lang="en-CA" sz="1000" dirty="0">
-                <a:latin typeface="Courier" pitchFamily="2" charset="0"/>
-              </a:rPr>
-              <a:t>  .  &lt;Segment List&gt;                                               .</a:t>
-            </a:r>
-          </a:p>
-          <a:p>
-            <a:r>
-              <a:rPr lang="en-CA" sz="1000" dirty="0">
-                <a:latin typeface="Courier" pitchFamily="2" charset="0"/>
-              </a:rPr>
-              <a:t>  .  END.TSF with Target SID                                      .</a:t>
-            </a:r>
-          </a:p>
-          <a:p>
-            <a:r>
-              <a:rPr lang="en-CA" sz="1000" dirty="0">
-                <a:latin typeface="Courier" pitchFamily="2" charset="0"/>
-              </a:rPr>
-              <a:t>  .  Next Header = 17 (UDP)                                       .</a:t>
-            </a:r>
-          </a:p>
-          <a:p>
-            <a:r>
-              <a:rPr lang="en-CA" sz="1000" dirty="0">
-                <a:latin typeface="Courier" pitchFamily="2" charset="0"/>
-              </a:rPr>
-              <a:t>  .                                                               .</a:t>
-            </a:r>
-          </a:p>
-          <a:p>
-            <a:r>
-              <a:rPr lang="en-CA" sz="1000" dirty="0">
-                <a:latin typeface="Courier" pitchFamily="2" charset="0"/>
-              </a:rPr>
-              <a:t>  +---------------------------------------------------------------+</a:t>
-            </a:r>
-          </a:p>
-          <a:p>
-            <a:r>
-              <a:rPr lang="en-CA" sz="1000" dirty="0">
-                <a:latin typeface="Courier" pitchFamily="2" charset="0"/>
-              </a:rPr>
-              <a:t>  | UDP Header                                                    |</a:t>
-            </a:r>
-          </a:p>
-          <a:p>
-            <a:r>
-              <a:rPr lang="en-CA" sz="1000" dirty="0">
-                <a:latin typeface="Courier" pitchFamily="2" charset="0"/>
-              </a:rPr>
-              <a:t>  .  Source Port = As chosen by Sender                            .</a:t>
-            </a:r>
-          </a:p>
-          <a:p>
-            <a:r>
-              <a:rPr lang="en-CA" sz="1000" dirty="0">
-                <a:latin typeface="Courier" pitchFamily="2" charset="0"/>
-              </a:rPr>
-              <a:t>  .  Destination Port = User-configured Port                      .</a:t>
-            </a:r>
-          </a:p>
-          <a:p>
-            <a:r>
-              <a:rPr lang="en-CA" sz="1000" dirty="0">
-                <a:latin typeface="Courier" pitchFamily="2" charset="0"/>
-              </a:rPr>
-              <a:t>  .                                                               .</a:t>
-            </a:r>
-          </a:p>
-          <a:p>
-            <a:r>
-              <a:rPr lang="en-CA" sz="1000" dirty="0">
-                <a:latin typeface="Courier" pitchFamily="2" charset="0"/>
-              </a:rPr>
-              <a:t>  +-+-+-+-+-+-+-+-+-+-+-+-+-+-+-+-+-+-+-+-+-+-+-+-+-+-+-+-+-+-+-+-+</a:t>
-            </a:r>
-          </a:p>
-          <a:p>
-            <a:r>
-              <a:rPr lang="en-CA" sz="1000" dirty="0">
-                <a:latin typeface="Courier" pitchFamily="2" charset="0"/>
-              </a:rPr>
-              <a:t>  |  Payload as defined in Section 4.2.1 of RFC 5357 |            |</a:t>
-            </a:r>
-          </a:p>
-          <a:p>
-            <a:r>
-              <a:rPr lang="en-CA" sz="1000" dirty="0">
-                <a:latin typeface="Courier" pitchFamily="2" charset="0"/>
-              </a:rPr>
-              <a:t>  |  Payload as defined in Section 4.2 of RFC 8762                |</a:t>
-            </a:r>
-          </a:p>
-          <a:p>
-            <a:r>
-              <a:rPr lang="en-CA" sz="1000" dirty="0">
-                <a:latin typeface="Courier" pitchFamily="2" charset="0"/>
-              </a:rPr>
-              <a:t>  .                                                               .</a:t>
-            </a:r>
-          </a:p>
-          <a:p>
-            <a:r>
-              <a:rPr lang="en-CA" sz="1000" dirty="0">
-                <a:latin typeface="Courier" pitchFamily="2" charset="0"/>
-              </a:rPr>
-              <a:t>  +---------------------------------------------------------------+</a:t>
-            </a:r>
-          </a:p>
-          <a:p>
-            <a:r>
-              <a:rPr lang="en-CA" sz="1000" dirty="0">
-                <a:latin typeface="Courier" pitchFamily="2" charset="0"/>
-              </a:rPr>
-              <a:t> </a:t>
-            </a:r>
-          </a:p>
-          <a:p>
-            <a:r>
-              <a:rPr lang="en-CA" sz="1000" dirty="0">
-                <a:latin typeface="Courier" pitchFamily="2" charset="0"/>
-              </a:rPr>
-              <a:t>    Figure: Example Probe Message for SRv6 with Endpoint Function</a:t>
-            </a:r>
-            <a:endParaRPr lang="en-US" sz="1000" dirty="0">
-              <a:latin typeface="Courier" pitchFamily="2" charset="0"/>
-            </a:endParaRPr>
-          </a:p>
-        </p:txBody>
-      </p:sp>
-      <p:sp>
-        <p:nvSpPr>
-          <p:cNvPr id="8" name="Content Placeholder 7">
-            <a:extLst>
-              <a:ext uri="{FF2B5EF4-FFF2-40B4-BE49-F238E27FC236}">
-                <a16:creationId xmlns:a16="http://schemas.microsoft.com/office/drawing/2014/main" id="{FC6E1890-536D-9D49-8207-C42BBF301FF3}"/>
-              </a:ext>
-            </a:extLst>
-          </p:cNvPr>
-          <p:cNvSpPr>
-            <a:spLocks noGrp="1"/>
-          </p:cNvSpPr>
-          <p:nvPr>
-            <p:ph idx="1"/>
-          </p:nvPr>
-        </p:nvSpPr>
-        <p:spPr>
-          <a:xfrm>
-            <a:off x="5768897" y="1200150"/>
-            <a:ext cx="3113049" cy="2484552"/>
-          </a:xfrm>
-        </p:spPr>
-        <p:txBody>
-          <a:bodyPr/>
-          <a:lstStyle/>
-          <a:p>
-            <a:r>
-              <a:rPr lang="en-US" sz="1600" dirty="0"/>
-              <a:t>Endpoint Function END.TSF is defined for Timestamp and Forward</a:t>
-            </a:r>
-          </a:p>
-          <a:p>
-            <a:r>
-              <a:rPr lang="en-US" sz="1600" dirty="0"/>
-              <a:t>Source and Destination Addresses are swapped for the Reverse direction path in the inner IPv6 header</a:t>
-            </a:r>
-          </a:p>
-          <a:p>
-            <a:r>
-              <a:rPr lang="en-US" sz="1600" dirty="0"/>
-              <a:t>Optionally, Reverse direction SR path can be carried in SRH</a:t>
-            </a:r>
-          </a:p>
-          <a:p>
-            <a:endParaRPr lang="en-US" sz="1600" dirty="0"/>
-          </a:p>
-          <a:p>
-            <a:endParaRPr lang="en-US" sz="1600" dirty="0"/>
-          </a:p>
-        </p:txBody>
-      </p:sp>
-    </p:spTree>
-    <p:extLst>
-      <p:ext uri="{BB962C8B-B14F-4D97-AF65-F5344CB8AC3E}">
-        <p14:creationId xmlns:p14="http://schemas.microsoft.com/office/powerpoint/2010/main" val="2794794225"/>
-      </p:ext>
-    </p:extLst>
-  </p:cSld>
-  <p:clrMapOvr>
-    <a:masterClrMapping/>
-  </p:clrMapOvr>
-</p:sld>
-</file>
-
-<file path=ppt/slides/slide15.xml><?xml version="1.0" encoding="utf-8"?>
-<p:sld xmlns:a="http://schemas.openxmlformats.org/drawingml/2006/main" xmlns:r="http://schemas.openxmlformats.org/officeDocument/2006/relationships" xmlns:p="http://schemas.openxmlformats.org/presentationml/2006/main">
-  <p:cSld>
-    <p:spTree>
-      <p:nvGrpSpPr>
-        <p:cNvPr id="1" name=""/>
-        <p:cNvGrpSpPr/>
-        <p:nvPr/>
-      </p:nvGrpSpPr>
-      <p:grpSpPr>
-        <a:xfrm>
-          <a:off x="0" y="0"/>
-          <a:ext cx="0" cy="0"/>
-          <a:chOff x="0" y="0"/>
-          <a:chExt cx="0" cy="0"/>
-        </a:xfrm>
-      </p:grpSpPr>
-      <p:sp>
-        <p:nvSpPr>
-          <p:cNvPr id="4" name="Footer Placeholder 3"/>
-          <p:cNvSpPr>
-            <a:spLocks noGrp="1"/>
-          </p:cNvSpPr>
-          <p:nvPr>
-            <p:ph type="ftr" sz="quarter" idx="11"/>
-          </p:nvPr>
-        </p:nvSpPr>
-        <p:spPr>
-          <a:xfrm>
-            <a:off x="3124200" y="4775368"/>
-            <a:ext cx="2895600" cy="357188"/>
-          </a:xfrm>
-        </p:spPr>
-        <p:txBody>
-          <a:bodyPr/>
-          <a:lstStyle/>
-          <a:p>
-            <a:r>
-              <a:rPr lang="en-CA" dirty="0"/>
-              <a:t>IETF MPLS WG Interim – April 2020 </a:t>
-            </a:r>
-          </a:p>
-        </p:txBody>
-      </p:sp>
-      <p:sp>
-        <p:nvSpPr>
-          <p:cNvPr id="5" name="Rectangle 2"/>
-          <p:cNvSpPr txBox="1">
-            <a:spLocks noChangeArrowheads="1"/>
-          </p:cNvSpPr>
-          <p:nvPr/>
-        </p:nvSpPr>
-        <p:spPr bwMode="auto">
-          <a:xfrm>
-            <a:off x="685800" y="1657350"/>
-            <a:ext cx="7772400" cy="1102519"/>
-          </a:xfrm>
-          <a:prstGeom prst="rect">
-            <a:avLst/>
-          </a:prstGeom>
-          <a:noFill/>
-          <a:ln w="9525">
-            <a:noFill/>
-            <a:miter lim="800000"/>
-            <a:headEnd/>
-            <a:tailEnd/>
-          </a:ln>
-          <a:effectLst/>
-        </p:spPr>
-        <p:txBody>
-          <a:bodyPr vert="horz" wrap="square" lIns="91440" tIns="45720" rIns="91440" bIns="45720" numCol="1" anchor="ctr" anchorCtr="0" compatLnSpc="1">
-            <a:prstTxWarp prst="textNoShape">
-              <a:avLst/>
-            </a:prstTxWarp>
-          </a:bodyPr>
-          <a:lstStyle>
-            <a:lvl1pPr algn="ctr" rtl="0" eaLnBrk="0" fontAlgn="base" hangingPunct="0">
-              <a:spcBef>
-                <a:spcPct val="0"/>
-              </a:spcBef>
-              <a:spcAft>
-                <a:spcPct val="0"/>
-              </a:spcAft>
-              <a:defRPr sz="4400">
-                <a:solidFill>
-                  <a:schemeClr val="tx2"/>
-                </a:solidFill>
-                <a:latin typeface="+mj-lt"/>
-                <a:ea typeface="+mj-ea"/>
-                <a:cs typeface="+mj-cs"/>
-              </a:defRPr>
-            </a:lvl1pPr>
-            <a:lvl2pPr algn="ctr" rtl="0" eaLnBrk="0" fontAlgn="base" hangingPunct="0">
-              <a:spcBef>
-                <a:spcPct val="0"/>
-              </a:spcBef>
-              <a:spcAft>
-                <a:spcPct val="0"/>
-              </a:spcAft>
-              <a:defRPr sz="4400">
-                <a:solidFill>
-                  <a:schemeClr val="tx2"/>
-                </a:solidFill>
-                <a:latin typeface="Arial" charset="0"/>
-                <a:ea typeface="宋体" pitchFamily="2" charset="-122"/>
-              </a:defRPr>
-            </a:lvl2pPr>
-            <a:lvl3pPr algn="ctr" rtl="0" eaLnBrk="0" fontAlgn="base" hangingPunct="0">
-              <a:spcBef>
-                <a:spcPct val="0"/>
-              </a:spcBef>
-              <a:spcAft>
-                <a:spcPct val="0"/>
-              </a:spcAft>
-              <a:defRPr sz="4400">
-                <a:solidFill>
-                  <a:schemeClr val="tx2"/>
-                </a:solidFill>
-                <a:latin typeface="Arial" charset="0"/>
-                <a:ea typeface="宋体" pitchFamily="2" charset="-122"/>
-              </a:defRPr>
-            </a:lvl3pPr>
-            <a:lvl4pPr algn="ctr" rtl="0" eaLnBrk="0" fontAlgn="base" hangingPunct="0">
-              <a:spcBef>
-                <a:spcPct val="0"/>
-              </a:spcBef>
-              <a:spcAft>
-                <a:spcPct val="0"/>
-              </a:spcAft>
-              <a:defRPr sz="4400">
-                <a:solidFill>
-                  <a:schemeClr val="tx2"/>
-                </a:solidFill>
-                <a:latin typeface="Arial" charset="0"/>
-                <a:ea typeface="宋体" pitchFamily="2" charset="-122"/>
-              </a:defRPr>
-            </a:lvl4pPr>
-            <a:lvl5pPr algn="ctr" rtl="0" eaLnBrk="0" fontAlgn="base" hangingPunct="0">
-              <a:spcBef>
-                <a:spcPct val="0"/>
-              </a:spcBef>
-              <a:spcAft>
-                <a:spcPct val="0"/>
-              </a:spcAft>
-              <a:defRPr sz="4400">
-                <a:solidFill>
-                  <a:schemeClr val="tx2"/>
-                </a:solidFill>
-                <a:latin typeface="Arial" charset="0"/>
-                <a:ea typeface="宋体" pitchFamily="2" charset="-122"/>
-              </a:defRPr>
-            </a:lvl5pPr>
-            <a:lvl6pPr marL="457200" algn="ctr" rtl="0" fontAlgn="base">
-              <a:spcBef>
-                <a:spcPct val="0"/>
-              </a:spcBef>
-              <a:spcAft>
-                <a:spcPct val="0"/>
-              </a:spcAft>
-              <a:defRPr sz="4400">
-                <a:solidFill>
-                  <a:schemeClr val="tx2"/>
-                </a:solidFill>
-                <a:latin typeface="Arial" charset="0"/>
-                <a:ea typeface="宋体" pitchFamily="2" charset="-122"/>
-              </a:defRPr>
-            </a:lvl6pPr>
-            <a:lvl7pPr marL="914400" algn="ctr" rtl="0" fontAlgn="base">
-              <a:spcBef>
-                <a:spcPct val="0"/>
-              </a:spcBef>
-              <a:spcAft>
-                <a:spcPct val="0"/>
-              </a:spcAft>
-              <a:defRPr sz="4400">
-                <a:solidFill>
-                  <a:schemeClr val="tx2"/>
-                </a:solidFill>
-                <a:latin typeface="Arial" charset="0"/>
-                <a:ea typeface="宋体" pitchFamily="2" charset="-122"/>
-              </a:defRPr>
-            </a:lvl7pPr>
-            <a:lvl8pPr marL="1371600" algn="ctr" rtl="0" fontAlgn="base">
-              <a:spcBef>
-                <a:spcPct val="0"/>
-              </a:spcBef>
-              <a:spcAft>
-                <a:spcPct val="0"/>
-              </a:spcAft>
-              <a:defRPr sz="4400">
-                <a:solidFill>
-                  <a:schemeClr val="tx2"/>
-                </a:solidFill>
-                <a:latin typeface="Arial" charset="0"/>
-                <a:ea typeface="宋体" pitchFamily="2" charset="-122"/>
-              </a:defRPr>
-            </a:lvl8pPr>
-            <a:lvl9pPr marL="1828800" algn="ctr" rtl="0" fontAlgn="base">
-              <a:spcBef>
-                <a:spcPct val="0"/>
-              </a:spcBef>
-              <a:spcAft>
-                <a:spcPct val="0"/>
-              </a:spcAft>
-              <a:defRPr sz="4400">
-                <a:solidFill>
-                  <a:schemeClr val="tx2"/>
-                </a:solidFill>
-                <a:latin typeface="Arial" charset="0"/>
-                <a:ea typeface="宋体" pitchFamily="2" charset="-122"/>
-              </a:defRPr>
-            </a:lvl9pPr>
-          </a:lstStyle>
-          <a:p>
-            <a:pPr eaLnBrk="1" hangingPunct="1">
-              <a:defRPr/>
-            </a:pPr>
-            <a:r>
-              <a:rPr lang="en-US" altLang="zh-CN" sz="4000" kern="0" dirty="0">
-                <a:effectLst>
-                  <a:outerShdw blurRad="38100" dist="38100" dir="2700000" algn="tl">
-                    <a:srgbClr val="C0C0C0"/>
-                  </a:outerShdw>
-                </a:effectLst>
-                <a:latin typeface="Calibri" charset="0"/>
-                <a:ea typeface="Calibri" charset="0"/>
-                <a:cs typeface="Calibri" charset="0"/>
-              </a:rPr>
-              <a:t>Thank you</a:t>
-            </a:r>
-          </a:p>
-        </p:txBody>
-      </p:sp>
-      <p:sp>
-        <p:nvSpPr>
-          <p:cNvPr id="2" name="Slide Number Placeholder 1"/>
-          <p:cNvSpPr>
-            <a:spLocks noGrp="1"/>
-          </p:cNvSpPr>
-          <p:nvPr>
-            <p:ph type="sldNum" sz="quarter" idx="12"/>
-          </p:nvPr>
-        </p:nvSpPr>
-        <p:spPr/>
-        <p:txBody>
-          <a:bodyPr/>
-          <a:lstStyle/>
-          <a:p>
-            <a:pPr>
-              <a:defRPr/>
-            </a:pPr>
-            <a:fld id="{BD6E0F59-1DD8-40FC-9C92-B6295CBA6CCA}" type="slidenum">
-              <a:rPr lang="en-US" altLang="zh-CN" smtClean="0"/>
-              <a:pPr>
-                <a:defRPr/>
-              </a:pPr>
-              <a:t>15</a:t>
-            </a:fld>
-            <a:endParaRPr lang="en-US" altLang="zh-CN" dirty="0"/>
-          </a:p>
-        </p:txBody>
-      </p:sp>
-    </p:spTree>
-    <p:extLst>
-      <p:ext uri="{BB962C8B-B14F-4D97-AF65-F5344CB8AC3E}">
-        <p14:creationId xmlns:p14="http://schemas.microsoft.com/office/powerpoint/2010/main" val="668811118"/>
-      </p:ext>
-    </p:extLst>
-  </p:cSld>
-  <p:clrMapOvr>
-    <a:masterClrMapping/>
-  </p:clrMapOvr>
-</p:sld>
-</file>
-
-<file path=ppt/slides/slide16.xml><?xml version="1.0" encoding="utf-8"?>
 <p:sld xmlns:a="http://schemas.openxmlformats.org/drawingml/2006/main" xmlns:r="http://schemas.openxmlformats.org/officeDocument/2006/relationships" xmlns:p="http://schemas.openxmlformats.org/presentationml/2006/main">
   <p:cSld>
     <p:spTree>
@@ -8918,7 +8106,7 @@
           <a:p>
             <a:r>
               <a:rPr lang="en-CA" dirty="0"/>
-              <a:t>IETF MPLS WG Interim – April 2020 </a:t>
+              <a:t>IETF  – April 2020 </a:t>
             </a:r>
           </a:p>
         </p:txBody>
@@ -8936,7 +8124,7 @@
 </p:sld>
 </file>
 
-<file path=ppt/slides/slide17.xml><?xml version="1.0" encoding="utf-8"?>
+<file path=ppt/slides/slide14.xml><?xml version="1.0" encoding="utf-8"?>
 <p:sld xmlns:a="http://schemas.openxmlformats.org/drawingml/2006/main" xmlns:r="http://schemas.openxmlformats.org/officeDocument/2006/relationships" xmlns:p="http://schemas.openxmlformats.org/presentationml/2006/main">
   <p:cSld>
     <p:spTree>
@@ -10407,7 +9595,7 @@
           <a:p>
             <a:r>
               <a:rPr lang="en-CA" dirty="0"/>
-              <a:t>IETF MPLS WG Interim – April 2020 </a:t>
+              <a:t>IETF  – April 2020 </a:t>
             </a:r>
           </a:p>
         </p:txBody>
@@ -10425,7 +9613,7 @@
 </p:sld>
 </file>
 
-<file path=ppt/slides/slide18.xml><?xml version="1.0" encoding="utf-8"?>
+<file path=ppt/slides/slide15.xml><?xml version="1.0" encoding="utf-8"?>
 <p:sld xmlns:a="http://schemas.openxmlformats.org/drawingml/2006/main" xmlns:r="http://schemas.openxmlformats.org/officeDocument/2006/relationships" xmlns:p="http://schemas.openxmlformats.org/presentationml/2006/main">
   <p:cSld>
     <p:spTree>
@@ -10464,7 +9652,7 @@
           <a:p>
             <a:r>
               <a:rPr lang="en-CA" dirty="0"/>
-              <a:t>IETF MPLS WG Interim – April 2020 </a:t>
+              <a:t>IETF  – April 2020 </a:t>
             </a:r>
           </a:p>
         </p:txBody>
@@ -10681,7 +9869,7 @@
               <a:pPr>
                 <a:defRPr/>
               </a:pPr>
-              <a:t>18</a:t>
+              <a:t>15</a:t>
             </a:fld>
             <a:endParaRPr lang="en-US" altLang="zh-CN"/>
           </a:p>
@@ -10691,6 +9879,1205 @@
     <p:extLst>
       <p:ext uri="{BB962C8B-B14F-4D97-AF65-F5344CB8AC3E}">
         <p14:creationId xmlns:p14="http://schemas.microsoft.com/office/powerpoint/2010/main" val="3961810131"/>
+      </p:ext>
+    </p:extLst>
+  </p:cSld>
+  <p:clrMapOvr>
+    <a:masterClrMapping/>
+  </p:clrMapOvr>
+</p:sld>
+</file>
+
+<file path=ppt/slides/slide16.xml><?xml version="1.0" encoding="utf-8"?>
+<p:sld xmlns:a="http://schemas.openxmlformats.org/drawingml/2006/main" xmlns:r="http://schemas.openxmlformats.org/officeDocument/2006/relationships" xmlns:p="http://schemas.openxmlformats.org/presentationml/2006/main">
+  <p:cSld>
+    <p:spTree>
+      <p:nvGrpSpPr>
+        <p:cNvPr id="1" name=""/>
+        <p:cNvGrpSpPr/>
+        <p:nvPr/>
+      </p:nvGrpSpPr>
+      <p:grpSpPr>
+        <a:xfrm>
+          <a:off x="0" y="0"/>
+          <a:ext cx="0" cy="0"/>
+          <a:chOff x="0" y="0"/>
+          <a:chExt cx="0" cy="0"/>
+        </a:xfrm>
+      </p:grpSpPr>
+      <p:sp>
+        <p:nvSpPr>
+          <p:cNvPr id="4" name="Footer Placeholder 3"/>
+          <p:cNvSpPr>
+            <a:spLocks noGrp="1"/>
+          </p:cNvSpPr>
+          <p:nvPr>
+            <p:ph type="ftr" sz="quarter" idx="11"/>
+          </p:nvPr>
+        </p:nvSpPr>
+        <p:spPr>
+          <a:xfrm>
+            <a:off x="3124200" y="4786312"/>
+            <a:ext cx="2895600" cy="357188"/>
+          </a:xfrm>
+        </p:spPr>
+        <p:txBody>
+          <a:bodyPr/>
+          <a:lstStyle/>
+          <a:p>
+            <a:r>
+              <a:rPr lang="en-CA" dirty="0"/>
+              <a:t>IETF  – April 2020 </a:t>
+            </a:r>
+          </a:p>
+        </p:txBody>
+      </p:sp>
+      <p:sp>
+        <p:nvSpPr>
+          <p:cNvPr id="5" name="Rectangle 2"/>
+          <p:cNvSpPr txBox="1">
+            <a:spLocks noChangeArrowheads="1"/>
+          </p:cNvSpPr>
+          <p:nvPr/>
+        </p:nvSpPr>
+        <p:spPr bwMode="auto">
+          <a:xfrm>
+            <a:off x="685800" y="1657350"/>
+            <a:ext cx="7772400" cy="1102519"/>
+          </a:xfrm>
+          <a:prstGeom prst="rect">
+            <a:avLst/>
+          </a:prstGeom>
+          <a:noFill/>
+          <a:ln w="9525">
+            <a:noFill/>
+            <a:miter lim="800000"/>
+            <a:headEnd/>
+            <a:tailEnd/>
+          </a:ln>
+          <a:effectLst/>
+        </p:spPr>
+        <p:txBody>
+          <a:bodyPr vert="horz" wrap="square" lIns="91440" tIns="45720" rIns="91440" bIns="45720" numCol="1" anchor="ctr" anchorCtr="0" compatLnSpc="1">
+            <a:prstTxWarp prst="textNoShape">
+              <a:avLst/>
+            </a:prstTxWarp>
+          </a:bodyPr>
+          <a:lstStyle>
+            <a:lvl1pPr algn="ctr" rtl="0" eaLnBrk="0" fontAlgn="base" hangingPunct="0">
+              <a:spcBef>
+                <a:spcPct val="0"/>
+              </a:spcBef>
+              <a:spcAft>
+                <a:spcPct val="0"/>
+              </a:spcAft>
+              <a:defRPr sz="4400">
+                <a:solidFill>
+                  <a:schemeClr val="tx2"/>
+                </a:solidFill>
+                <a:latin typeface="+mj-lt"/>
+                <a:ea typeface="+mj-ea"/>
+                <a:cs typeface="+mj-cs"/>
+              </a:defRPr>
+            </a:lvl1pPr>
+            <a:lvl2pPr algn="ctr" rtl="0" eaLnBrk="0" fontAlgn="base" hangingPunct="0">
+              <a:spcBef>
+                <a:spcPct val="0"/>
+              </a:spcBef>
+              <a:spcAft>
+                <a:spcPct val="0"/>
+              </a:spcAft>
+              <a:defRPr sz="4400">
+                <a:solidFill>
+                  <a:schemeClr val="tx2"/>
+                </a:solidFill>
+                <a:latin typeface="Arial" charset="0"/>
+                <a:ea typeface="宋体" pitchFamily="2" charset="-122"/>
+              </a:defRPr>
+            </a:lvl2pPr>
+            <a:lvl3pPr algn="ctr" rtl="0" eaLnBrk="0" fontAlgn="base" hangingPunct="0">
+              <a:spcBef>
+                <a:spcPct val="0"/>
+              </a:spcBef>
+              <a:spcAft>
+                <a:spcPct val="0"/>
+              </a:spcAft>
+              <a:defRPr sz="4400">
+                <a:solidFill>
+                  <a:schemeClr val="tx2"/>
+                </a:solidFill>
+                <a:latin typeface="Arial" charset="0"/>
+                <a:ea typeface="宋体" pitchFamily="2" charset="-122"/>
+              </a:defRPr>
+            </a:lvl3pPr>
+            <a:lvl4pPr algn="ctr" rtl="0" eaLnBrk="0" fontAlgn="base" hangingPunct="0">
+              <a:spcBef>
+                <a:spcPct val="0"/>
+              </a:spcBef>
+              <a:spcAft>
+                <a:spcPct val="0"/>
+              </a:spcAft>
+              <a:defRPr sz="4400">
+                <a:solidFill>
+                  <a:schemeClr val="tx2"/>
+                </a:solidFill>
+                <a:latin typeface="Arial" charset="0"/>
+                <a:ea typeface="宋体" pitchFamily="2" charset="-122"/>
+              </a:defRPr>
+            </a:lvl4pPr>
+            <a:lvl5pPr algn="ctr" rtl="0" eaLnBrk="0" fontAlgn="base" hangingPunct="0">
+              <a:spcBef>
+                <a:spcPct val="0"/>
+              </a:spcBef>
+              <a:spcAft>
+                <a:spcPct val="0"/>
+              </a:spcAft>
+              <a:defRPr sz="4400">
+                <a:solidFill>
+                  <a:schemeClr val="tx2"/>
+                </a:solidFill>
+                <a:latin typeface="Arial" charset="0"/>
+                <a:ea typeface="宋体" pitchFamily="2" charset="-122"/>
+              </a:defRPr>
+            </a:lvl5pPr>
+            <a:lvl6pPr marL="457200" algn="ctr" rtl="0" fontAlgn="base">
+              <a:spcBef>
+                <a:spcPct val="0"/>
+              </a:spcBef>
+              <a:spcAft>
+                <a:spcPct val="0"/>
+              </a:spcAft>
+              <a:defRPr sz="4400">
+                <a:solidFill>
+                  <a:schemeClr val="tx2"/>
+                </a:solidFill>
+                <a:latin typeface="Arial" charset="0"/>
+                <a:ea typeface="宋体" pitchFamily="2" charset="-122"/>
+              </a:defRPr>
+            </a:lvl6pPr>
+            <a:lvl7pPr marL="914400" algn="ctr" rtl="0" fontAlgn="base">
+              <a:spcBef>
+                <a:spcPct val="0"/>
+              </a:spcBef>
+              <a:spcAft>
+                <a:spcPct val="0"/>
+              </a:spcAft>
+              <a:defRPr sz="4400">
+                <a:solidFill>
+                  <a:schemeClr val="tx2"/>
+                </a:solidFill>
+                <a:latin typeface="Arial" charset="0"/>
+                <a:ea typeface="宋体" pitchFamily="2" charset="-122"/>
+              </a:defRPr>
+            </a:lvl7pPr>
+            <a:lvl8pPr marL="1371600" algn="ctr" rtl="0" fontAlgn="base">
+              <a:spcBef>
+                <a:spcPct val="0"/>
+              </a:spcBef>
+              <a:spcAft>
+                <a:spcPct val="0"/>
+              </a:spcAft>
+              <a:defRPr sz="4400">
+                <a:solidFill>
+                  <a:schemeClr val="tx2"/>
+                </a:solidFill>
+                <a:latin typeface="Arial" charset="0"/>
+                <a:ea typeface="宋体" pitchFamily="2" charset="-122"/>
+              </a:defRPr>
+            </a:lvl8pPr>
+            <a:lvl9pPr marL="1828800" algn="ctr" rtl="0" fontAlgn="base">
+              <a:spcBef>
+                <a:spcPct val="0"/>
+              </a:spcBef>
+              <a:spcAft>
+                <a:spcPct val="0"/>
+              </a:spcAft>
+              <a:defRPr sz="4400">
+                <a:solidFill>
+                  <a:schemeClr val="tx2"/>
+                </a:solidFill>
+                <a:latin typeface="Arial" charset="0"/>
+                <a:ea typeface="宋体" pitchFamily="2" charset="-122"/>
+              </a:defRPr>
+            </a:lvl9pPr>
+          </a:lstStyle>
+          <a:p>
+            <a:pPr eaLnBrk="1" hangingPunct="1">
+              <a:defRPr/>
+            </a:pPr>
+            <a:r>
+              <a:rPr lang="en-US" altLang="zh-CN" sz="4000" kern="0" dirty="0">
+                <a:effectLst>
+                  <a:outerShdw blurRad="38100" dist="38100" dir="2700000" algn="tl">
+                    <a:srgbClr val="C0C0C0"/>
+                  </a:outerShdw>
+                </a:effectLst>
+                <a:latin typeface="Calibri" charset="0"/>
+                <a:ea typeface="Calibri" charset="0"/>
+                <a:cs typeface="Calibri" charset="0"/>
+              </a:rPr>
+              <a:t>Backup</a:t>
+            </a:r>
+          </a:p>
+        </p:txBody>
+      </p:sp>
+      <p:sp>
+        <p:nvSpPr>
+          <p:cNvPr id="2" name="Slide Number Placeholder 1"/>
+          <p:cNvSpPr>
+            <a:spLocks noGrp="1"/>
+          </p:cNvSpPr>
+          <p:nvPr>
+            <p:ph type="sldNum" sz="quarter" idx="12"/>
+          </p:nvPr>
+        </p:nvSpPr>
+        <p:spPr/>
+        <p:txBody>
+          <a:bodyPr/>
+          <a:lstStyle/>
+          <a:p>
+            <a:pPr>
+              <a:defRPr/>
+            </a:pPr>
+            <a:fld id="{BD6E0F59-1DD8-40FC-9C92-B6295CBA6CCA}" type="slidenum">
+              <a:rPr lang="en-US" altLang="zh-CN" smtClean="0"/>
+              <a:pPr>
+                <a:defRPr/>
+              </a:pPr>
+              <a:t>16</a:t>
+            </a:fld>
+            <a:endParaRPr lang="en-US" altLang="zh-CN"/>
+          </a:p>
+        </p:txBody>
+      </p:sp>
+    </p:spTree>
+    <p:extLst>
+      <p:ext uri="{BB962C8B-B14F-4D97-AF65-F5344CB8AC3E}">
+        <p14:creationId xmlns:p14="http://schemas.microsoft.com/office/powerpoint/2010/main" val="3744222723"/>
+      </p:ext>
+    </p:extLst>
+  </p:cSld>
+  <p:clrMapOvr>
+    <a:masterClrMapping/>
+  </p:clrMapOvr>
+</p:sld>
+</file>
+
+<file path=ppt/slides/slide17.xml><?xml version="1.0" encoding="utf-8"?>
+<p:sld xmlns:a="http://schemas.openxmlformats.org/drawingml/2006/main" xmlns:r="http://schemas.openxmlformats.org/officeDocument/2006/relationships" xmlns:p="http://schemas.openxmlformats.org/presentationml/2006/main">
+  <p:cSld>
+    <p:spTree>
+      <p:nvGrpSpPr>
+        <p:cNvPr id="1" name=""/>
+        <p:cNvGrpSpPr/>
+        <p:nvPr/>
+      </p:nvGrpSpPr>
+      <p:grpSpPr>
+        <a:xfrm>
+          <a:off x="0" y="0"/>
+          <a:ext cx="0" cy="0"/>
+          <a:chOff x="0" y="0"/>
+          <a:chExt cx="0" cy="0"/>
+        </a:xfrm>
+      </p:grpSpPr>
+      <p:sp>
+        <p:nvSpPr>
+          <p:cNvPr id="2" name="Title 1"/>
+          <p:cNvSpPr>
+            <a:spLocks noGrp="1"/>
+          </p:cNvSpPr>
+          <p:nvPr>
+            <p:ph type="title"/>
+          </p:nvPr>
+        </p:nvSpPr>
+        <p:spPr>
+          <a:xfrm>
+            <a:off x="0" y="0"/>
+            <a:ext cx="9144000" cy="742950"/>
+          </a:xfrm>
+        </p:spPr>
+        <p:txBody>
+          <a:bodyPr/>
+          <a:lstStyle/>
+          <a:p>
+            <a:r>
+              <a:rPr lang="en-US" sz="3000" dirty="0">
+                <a:solidFill>
+                  <a:srgbClr val="0070C0"/>
+                </a:solidFill>
+                <a:latin typeface="Calibri Light" panose="020F0302020204030204" pitchFamily="34" charset="0"/>
+                <a:cs typeface="Calibri Light" panose="020F0302020204030204" pitchFamily="34" charset="0"/>
+              </a:rPr>
+              <a:t>SRv6 with Timestamp and Forward Function Example 1</a:t>
+            </a:r>
+          </a:p>
+        </p:txBody>
+      </p:sp>
+      <p:sp>
+        <p:nvSpPr>
+          <p:cNvPr id="4" name="Footer Placeholder 3"/>
+          <p:cNvSpPr>
+            <a:spLocks noGrp="1"/>
+          </p:cNvSpPr>
+          <p:nvPr>
+            <p:ph type="ftr" sz="quarter" idx="11"/>
+          </p:nvPr>
+        </p:nvSpPr>
+        <p:spPr>
+          <a:xfrm>
+            <a:off x="3124200" y="4788339"/>
+            <a:ext cx="2895600" cy="357188"/>
+          </a:xfrm>
+        </p:spPr>
+        <p:txBody>
+          <a:bodyPr/>
+          <a:lstStyle/>
+          <a:p>
+            <a:r>
+              <a:rPr lang="en-CA" dirty="0"/>
+              <a:t>IETF I – April 2020 </a:t>
+            </a:r>
+          </a:p>
+        </p:txBody>
+      </p:sp>
+      <p:sp>
+        <p:nvSpPr>
+          <p:cNvPr id="5" name="Slide Number Placeholder 4"/>
+          <p:cNvSpPr>
+            <a:spLocks noGrp="1"/>
+          </p:cNvSpPr>
+          <p:nvPr>
+            <p:ph type="sldNum" sz="quarter" idx="12"/>
+          </p:nvPr>
+        </p:nvSpPr>
+        <p:spPr/>
+        <p:txBody>
+          <a:bodyPr/>
+          <a:lstStyle/>
+          <a:p>
+            <a:pPr>
+              <a:defRPr/>
+            </a:pPr>
+            <a:fld id="{BD6E0F59-1DD8-40FC-9C92-B6295CBA6CCA}" type="slidenum">
+              <a:rPr lang="en-US" altLang="zh-CN" smtClean="0"/>
+              <a:pPr>
+                <a:defRPr/>
+              </a:pPr>
+              <a:t>17</a:t>
+            </a:fld>
+            <a:endParaRPr lang="en-US" altLang="zh-CN"/>
+          </a:p>
+        </p:txBody>
+      </p:sp>
+      <p:sp>
+        <p:nvSpPr>
+          <p:cNvPr id="6" name="Rectangle 5">
+            <a:extLst>
+              <a:ext uri="{FF2B5EF4-FFF2-40B4-BE49-F238E27FC236}">
+                <a16:creationId xmlns:a16="http://schemas.microsoft.com/office/drawing/2014/main" id="{4C15A4CE-6545-5142-97A8-EDA8B07CB60B}"/>
+              </a:ext>
+            </a:extLst>
+          </p:cNvPr>
+          <p:cNvSpPr/>
+          <p:nvPr/>
+        </p:nvSpPr>
+        <p:spPr>
+          <a:xfrm>
+            <a:off x="262054" y="819150"/>
+            <a:ext cx="5410200" cy="3785652"/>
+          </a:xfrm>
+          <a:prstGeom prst="rect">
+            <a:avLst/>
+          </a:prstGeom>
+          <a:solidFill>
+            <a:schemeClr val="accent6">
+              <a:lumMod val="20000"/>
+              <a:lumOff val="80000"/>
+            </a:schemeClr>
+          </a:solidFill>
+        </p:spPr>
+        <p:txBody>
+          <a:bodyPr wrap="square">
+            <a:spAutoFit/>
+          </a:bodyPr>
+          <a:lstStyle/>
+          <a:p>
+            <a:r>
+              <a:rPr lang="en-CA" sz="1000" dirty="0">
+                <a:latin typeface="Courier" pitchFamily="2" charset="0"/>
+              </a:rPr>
+              <a:t>  +---------------------------------------------------------------+</a:t>
+            </a:r>
+          </a:p>
+          <a:p>
+            <a:r>
+              <a:rPr lang="en-CA" sz="1000" dirty="0">
+                <a:latin typeface="Courier" pitchFamily="2" charset="0"/>
+              </a:rPr>
+              <a:t>  | IP Header                                                     |</a:t>
+            </a:r>
+          </a:p>
+          <a:p>
+            <a:r>
+              <a:rPr lang="en-CA" sz="1000" dirty="0">
+                <a:latin typeface="Courier" pitchFamily="2" charset="0"/>
+              </a:rPr>
+              <a:t>  .  Source IP Address = </a:t>
+            </a:r>
+            <a:r>
+              <a:rPr lang="en-CA" sz="1000" b="1" dirty="0">
+                <a:latin typeface="Courier" pitchFamily="2" charset="0"/>
+              </a:rPr>
+              <a:t>Reflector</a:t>
+            </a:r>
+            <a:r>
+              <a:rPr lang="en-CA" sz="1000" dirty="0">
+                <a:latin typeface="Courier" pitchFamily="2" charset="0"/>
+              </a:rPr>
+              <a:t> IPv6 Address                   .</a:t>
+            </a:r>
+          </a:p>
+          <a:p>
+            <a:r>
+              <a:rPr lang="en-CA" sz="1000" dirty="0">
+                <a:latin typeface="Courier" pitchFamily="2" charset="0"/>
+              </a:rPr>
+              <a:t>  .  Destination IP Address = </a:t>
+            </a:r>
+            <a:r>
+              <a:rPr lang="en-CA" sz="1000" b="1" dirty="0">
+                <a:latin typeface="Courier" pitchFamily="2" charset="0"/>
+              </a:rPr>
+              <a:t>Sender</a:t>
+            </a:r>
+            <a:r>
+              <a:rPr lang="en-CA" sz="1000" dirty="0">
+                <a:latin typeface="Courier" pitchFamily="2" charset="0"/>
+              </a:rPr>
+              <a:t> IPv6 Address                 .</a:t>
+            </a:r>
+          </a:p>
+          <a:p>
+            <a:r>
+              <a:rPr lang="en-CA" sz="1000" dirty="0">
+                <a:latin typeface="Courier" pitchFamily="2" charset="0"/>
+              </a:rPr>
+              <a:t>  .  Next Header = 43 (Routing Header)                            .</a:t>
+            </a:r>
+          </a:p>
+          <a:p>
+            <a:r>
+              <a:rPr lang="en-CA" sz="1000" dirty="0">
+                <a:latin typeface="Courier" pitchFamily="2" charset="0"/>
+              </a:rPr>
+              <a:t>  .                                                               .</a:t>
+            </a:r>
+          </a:p>
+          <a:p>
+            <a:r>
+              <a:rPr lang="en-CA" sz="1000" dirty="0">
+                <a:latin typeface="Courier" pitchFamily="2" charset="0"/>
+              </a:rPr>
+              <a:t>  +---------------------------------------------------------------+</a:t>
+            </a:r>
+          </a:p>
+          <a:p>
+            <a:r>
+              <a:rPr lang="en-CA" sz="1000" dirty="0">
+                <a:latin typeface="Courier" pitchFamily="2" charset="0"/>
+              </a:rPr>
+              <a:t>  |  SRH                                                          |</a:t>
+            </a:r>
+          </a:p>
+          <a:p>
+            <a:r>
+              <a:rPr lang="en-CA" sz="1000" dirty="0">
+                <a:latin typeface="Courier" pitchFamily="2" charset="0"/>
+              </a:rPr>
+              <a:t>  .  &lt;Segment List&gt;                                               .</a:t>
+            </a:r>
+          </a:p>
+          <a:p>
+            <a:r>
+              <a:rPr lang="en-CA" sz="1000" dirty="0">
+                <a:latin typeface="Courier" pitchFamily="2" charset="0"/>
+              </a:rPr>
+              <a:t>  .  END.TSF with Target SID                                      .</a:t>
+            </a:r>
+          </a:p>
+          <a:p>
+            <a:r>
+              <a:rPr lang="en-CA" sz="1000" dirty="0">
+                <a:latin typeface="Courier" pitchFamily="2" charset="0"/>
+              </a:rPr>
+              <a:t>  .  Next Header = 17 (UDP)                                       .</a:t>
+            </a:r>
+          </a:p>
+          <a:p>
+            <a:r>
+              <a:rPr lang="en-CA" sz="1000" dirty="0">
+                <a:latin typeface="Courier" pitchFamily="2" charset="0"/>
+              </a:rPr>
+              <a:t>  .                                                               .</a:t>
+            </a:r>
+          </a:p>
+          <a:p>
+            <a:r>
+              <a:rPr lang="en-CA" sz="1000" dirty="0">
+                <a:latin typeface="Courier" pitchFamily="2" charset="0"/>
+              </a:rPr>
+              <a:t>  +---------------------------------------------------------------+</a:t>
+            </a:r>
+          </a:p>
+          <a:p>
+            <a:r>
+              <a:rPr lang="en-CA" sz="1000" dirty="0">
+                <a:latin typeface="Courier" pitchFamily="2" charset="0"/>
+              </a:rPr>
+              <a:t>  | UDP Header                                                    |</a:t>
+            </a:r>
+          </a:p>
+          <a:p>
+            <a:r>
+              <a:rPr lang="en-CA" sz="1000" dirty="0">
+                <a:latin typeface="Courier" pitchFamily="2" charset="0"/>
+              </a:rPr>
+              <a:t>  .  Source Port = As chosen by Sender                            .</a:t>
+            </a:r>
+          </a:p>
+          <a:p>
+            <a:r>
+              <a:rPr lang="en-CA" sz="1000" dirty="0">
+                <a:latin typeface="Courier" pitchFamily="2" charset="0"/>
+              </a:rPr>
+              <a:t>  .  Destination Port = User-configured Port                      .</a:t>
+            </a:r>
+          </a:p>
+          <a:p>
+            <a:r>
+              <a:rPr lang="en-CA" sz="1000" dirty="0">
+                <a:latin typeface="Courier" pitchFamily="2" charset="0"/>
+              </a:rPr>
+              <a:t>  .                                                               .</a:t>
+            </a:r>
+          </a:p>
+          <a:p>
+            <a:r>
+              <a:rPr lang="en-CA" sz="1000" dirty="0">
+                <a:latin typeface="Courier" pitchFamily="2" charset="0"/>
+              </a:rPr>
+              <a:t>  +-+-+-+-+-+-+-+-+-+-+-+-+-+-+-+-+-+-+-+-+-+-+-+-+-+-+-+-+-+-+-+-+</a:t>
+            </a:r>
+          </a:p>
+          <a:p>
+            <a:r>
+              <a:rPr lang="en-CA" sz="1000" dirty="0">
+                <a:latin typeface="Courier" pitchFamily="2" charset="0"/>
+              </a:rPr>
+              <a:t>  |  Payload as defined in Section 4.2.1 of RFC 5357 |            |</a:t>
+            </a:r>
+          </a:p>
+          <a:p>
+            <a:r>
+              <a:rPr lang="en-CA" sz="1000" dirty="0">
+                <a:latin typeface="Courier" pitchFamily="2" charset="0"/>
+              </a:rPr>
+              <a:t>  |  Payload as defined in Section 4.2 of RFC 8762                |</a:t>
+            </a:r>
+          </a:p>
+          <a:p>
+            <a:r>
+              <a:rPr lang="en-CA" sz="1000" dirty="0">
+                <a:latin typeface="Courier" pitchFamily="2" charset="0"/>
+              </a:rPr>
+              <a:t>  .                                                               .</a:t>
+            </a:r>
+          </a:p>
+          <a:p>
+            <a:r>
+              <a:rPr lang="en-CA" sz="1000" dirty="0">
+                <a:latin typeface="Courier" pitchFamily="2" charset="0"/>
+              </a:rPr>
+              <a:t>  +---------------------------------------------------------------+</a:t>
+            </a:r>
+          </a:p>
+          <a:p>
+            <a:r>
+              <a:rPr lang="en-CA" sz="1000" dirty="0">
+                <a:latin typeface="Courier" pitchFamily="2" charset="0"/>
+              </a:rPr>
+              <a:t> </a:t>
+            </a:r>
+          </a:p>
+          <a:p>
+            <a:r>
+              <a:rPr lang="en-CA" sz="1000" dirty="0">
+                <a:latin typeface="Courier" pitchFamily="2" charset="0"/>
+              </a:rPr>
+              <a:t>   Figure: Example 1 Probe Message for SRv6 with Endpoint Function</a:t>
+            </a:r>
+            <a:endParaRPr lang="en-US" sz="1000" dirty="0">
+              <a:latin typeface="Courier" pitchFamily="2" charset="0"/>
+            </a:endParaRPr>
+          </a:p>
+        </p:txBody>
+      </p:sp>
+      <p:sp>
+        <p:nvSpPr>
+          <p:cNvPr id="8" name="Content Placeholder 7">
+            <a:extLst>
+              <a:ext uri="{FF2B5EF4-FFF2-40B4-BE49-F238E27FC236}">
+                <a16:creationId xmlns:a16="http://schemas.microsoft.com/office/drawing/2014/main" id="{FC6E1890-536D-9D49-8207-C42BBF301FF3}"/>
+              </a:ext>
+            </a:extLst>
+          </p:cNvPr>
+          <p:cNvSpPr>
+            <a:spLocks noGrp="1"/>
+          </p:cNvSpPr>
+          <p:nvPr>
+            <p:ph idx="1"/>
+          </p:nvPr>
+        </p:nvSpPr>
+        <p:spPr>
+          <a:xfrm>
+            <a:off x="5659243" y="959931"/>
+            <a:ext cx="3222703" cy="3611427"/>
+          </a:xfrm>
+        </p:spPr>
+        <p:txBody>
+          <a:bodyPr/>
+          <a:lstStyle/>
+          <a:p>
+            <a:r>
+              <a:rPr lang="en-US" sz="1600" dirty="0"/>
+              <a:t>Endpoint Function END.TSF is defined for Timestamp and Forward and carried for the Reflector node SID</a:t>
+            </a:r>
+          </a:p>
+          <a:p>
+            <a:r>
+              <a:rPr lang="en-US" sz="1600" dirty="0"/>
+              <a:t>Reflector node does not remove the SRH, Sender node removes the SRH</a:t>
+            </a:r>
+          </a:p>
+          <a:p>
+            <a:r>
+              <a:rPr lang="en-US" sz="1600" dirty="0"/>
+              <a:t>Reverse direction SR path  carried in SRH</a:t>
+            </a:r>
+          </a:p>
+          <a:p>
+            <a:r>
+              <a:rPr lang="en-US" sz="1600" dirty="0"/>
+              <a:t>Source and Destination Addresses are swapped for the Reverse direction path in the </a:t>
+            </a:r>
+            <a:r>
+              <a:rPr lang="en-US" sz="1600" b="1" dirty="0"/>
+              <a:t>outer</a:t>
+            </a:r>
+            <a:r>
+              <a:rPr lang="en-US" sz="1600" dirty="0"/>
+              <a:t> IPv6 header</a:t>
+            </a:r>
+          </a:p>
+          <a:p>
+            <a:endParaRPr lang="en-US" sz="1600" dirty="0"/>
+          </a:p>
+        </p:txBody>
+      </p:sp>
+    </p:spTree>
+    <p:extLst>
+      <p:ext uri="{BB962C8B-B14F-4D97-AF65-F5344CB8AC3E}">
+        <p14:creationId xmlns:p14="http://schemas.microsoft.com/office/powerpoint/2010/main" val="1703487410"/>
+      </p:ext>
+    </p:extLst>
+  </p:cSld>
+  <p:clrMapOvr>
+    <a:masterClrMapping/>
+  </p:clrMapOvr>
+</p:sld>
+</file>
+
+<file path=ppt/slides/slide18.xml><?xml version="1.0" encoding="utf-8"?>
+<p:sld xmlns:a="http://schemas.openxmlformats.org/drawingml/2006/main" xmlns:r="http://schemas.openxmlformats.org/officeDocument/2006/relationships" xmlns:p="http://schemas.openxmlformats.org/presentationml/2006/main">
+  <p:cSld>
+    <p:spTree>
+      <p:nvGrpSpPr>
+        <p:cNvPr id="1" name=""/>
+        <p:cNvGrpSpPr/>
+        <p:nvPr/>
+      </p:nvGrpSpPr>
+      <p:grpSpPr>
+        <a:xfrm>
+          <a:off x="0" y="0"/>
+          <a:ext cx="0" cy="0"/>
+          <a:chOff x="0" y="0"/>
+          <a:chExt cx="0" cy="0"/>
+        </a:xfrm>
+      </p:grpSpPr>
+      <p:sp>
+        <p:nvSpPr>
+          <p:cNvPr id="2" name="Title 1"/>
+          <p:cNvSpPr>
+            <a:spLocks noGrp="1"/>
+          </p:cNvSpPr>
+          <p:nvPr>
+            <p:ph type="title"/>
+          </p:nvPr>
+        </p:nvSpPr>
+        <p:spPr>
+          <a:xfrm>
+            <a:off x="0" y="0"/>
+            <a:ext cx="9144000" cy="640642"/>
+          </a:xfrm>
+        </p:spPr>
+        <p:txBody>
+          <a:bodyPr/>
+          <a:lstStyle/>
+          <a:p>
+            <a:r>
+              <a:rPr lang="en-US" sz="3000" dirty="0">
+                <a:solidFill>
+                  <a:srgbClr val="0070C0"/>
+                </a:solidFill>
+                <a:latin typeface="Calibri Light" panose="020F0302020204030204" pitchFamily="34" charset="0"/>
+                <a:cs typeface="Calibri Light" panose="020F0302020204030204" pitchFamily="34" charset="0"/>
+              </a:rPr>
+              <a:t>SRv6 with Timestamp and Forward Function Example 2</a:t>
+            </a:r>
+          </a:p>
+        </p:txBody>
+      </p:sp>
+      <p:sp>
+        <p:nvSpPr>
+          <p:cNvPr id="4" name="Footer Placeholder 3"/>
+          <p:cNvSpPr>
+            <a:spLocks noGrp="1"/>
+          </p:cNvSpPr>
+          <p:nvPr>
+            <p:ph type="ftr" sz="quarter" idx="11"/>
+          </p:nvPr>
+        </p:nvSpPr>
+        <p:spPr>
+          <a:xfrm>
+            <a:off x="2836126" y="4786312"/>
+            <a:ext cx="2895600" cy="357188"/>
+          </a:xfrm>
+        </p:spPr>
+        <p:txBody>
+          <a:bodyPr/>
+          <a:lstStyle/>
+          <a:p>
+            <a:r>
+              <a:rPr lang="en-CA" dirty="0"/>
+              <a:t>IETF  – April 2020 </a:t>
+            </a:r>
+          </a:p>
+        </p:txBody>
+      </p:sp>
+      <p:sp>
+        <p:nvSpPr>
+          <p:cNvPr id="5" name="Slide Number Placeholder 4"/>
+          <p:cNvSpPr>
+            <a:spLocks noGrp="1"/>
+          </p:cNvSpPr>
+          <p:nvPr>
+            <p:ph type="sldNum" sz="quarter" idx="12"/>
+          </p:nvPr>
+        </p:nvSpPr>
+        <p:spPr/>
+        <p:txBody>
+          <a:bodyPr/>
+          <a:lstStyle/>
+          <a:p>
+            <a:pPr>
+              <a:defRPr/>
+            </a:pPr>
+            <a:fld id="{BD6E0F59-1DD8-40FC-9C92-B6295CBA6CCA}" type="slidenum">
+              <a:rPr lang="en-US" altLang="zh-CN" smtClean="0"/>
+              <a:pPr>
+                <a:defRPr/>
+              </a:pPr>
+              <a:t>18</a:t>
+            </a:fld>
+            <a:endParaRPr lang="en-US" altLang="zh-CN"/>
+          </a:p>
+        </p:txBody>
+      </p:sp>
+      <p:sp>
+        <p:nvSpPr>
+          <p:cNvPr id="6" name="Rectangle 5">
+            <a:extLst>
+              <a:ext uri="{FF2B5EF4-FFF2-40B4-BE49-F238E27FC236}">
+                <a16:creationId xmlns:a16="http://schemas.microsoft.com/office/drawing/2014/main" id="{4C15A4CE-6545-5142-97A8-EDA8B07CB60B}"/>
+              </a:ext>
+            </a:extLst>
+          </p:cNvPr>
+          <p:cNvSpPr/>
+          <p:nvPr/>
+        </p:nvSpPr>
+        <p:spPr>
+          <a:xfrm>
+            <a:off x="262054" y="640643"/>
+            <a:ext cx="5452946" cy="4401205"/>
+          </a:xfrm>
+          <a:prstGeom prst="rect">
+            <a:avLst/>
+          </a:prstGeom>
+          <a:solidFill>
+            <a:schemeClr val="accent6">
+              <a:lumMod val="20000"/>
+              <a:lumOff val="80000"/>
+            </a:schemeClr>
+          </a:solidFill>
+        </p:spPr>
+        <p:txBody>
+          <a:bodyPr wrap="square">
+            <a:spAutoFit/>
+          </a:bodyPr>
+          <a:lstStyle/>
+          <a:p>
+            <a:r>
+              <a:rPr lang="en-CA" sz="1000" dirty="0">
+                <a:latin typeface="Courier" pitchFamily="2" charset="0"/>
+              </a:rPr>
+              <a:t>  +---------------------------------------------------------------+</a:t>
+            </a:r>
+          </a:p>
+          <a:p>
+            <a:r>
+              <a:rPr lang="en-CA" sz="1000" dirty="0">
+                <a:latin typeface="Courier" pitchFamily="2" charset="0"/>
+              </a:rPr>
+              <a:t>  | Outer IP Header                                               |</a:t>
+            </a:r>
+          </a:p>
+          <a:p>
+            <a:r>
+              <a:rPr lang="en-CA" sz="1000" dirty="0">
+                <a:latin typeface="Courier" pitchFamily="2" charset="0"/>
+              </a:rPr>
+              <a:t>  .  Source IP Address = </a:t>
+            </a:r>
+            <a:r>
+              <a:rPr lang="en-CA" sz="1000" b="1" dirty="0">
+                <a:latin typeface="Courier" pitchFamily="2" charset="0"/>
+              </a:rPr>
+              <a:t>Sender</a:t>
+            </a:r>
+            <a:r>
+              <a:rPr lang="en-CA" sz="1000" dirty="0">
+                <a:latin typeface="Courier" pitchFamily="2" charset="0"/>
+              </a:rPr>
+              <a:t> IPv6 Address                      .</a:t>
+            </a:r>
+          </a:p>
+          <a:p>
+            <a:r>
+              <a:rPr lang="en-CA" sz="1000" dirty="0">
+                <a:latin typeface="Courier" pitchFamily="2" charset="0"/>
+              </a:rPr>
+              <a:t>  .  Destination IP Address = </a:t>
+            </a:r>
+            <a:r>
+              <a:rPr lang="en-CA" sz="1000" b="1" dirty="0">
+                <a:latin typeface="Courier" pitchFamily="2" charset="0"/>
+              </a:rPr>
+              <a:t>Reflector</a:t>
+            </a:r>
+            <a:r>
+              <a:rPr lang="en-CA" sz="1000" dirty="0">
+                <a:latin typeface="Courier" pitchFamily="2" charset="0"/>
+              </a:rPr>
+              <a:t> IPv6 Address              .</a:t>
+            </a:r>
+          </a:p>
+          <a:p>
+            <a:r>
+              <a:rPr lang="en-CA" sz="1000" dirty="0">
+                <a:latin typeface="Courier" pitchFamily="2" charset="0"/>
+              </a:rPr>
+              <a:t>  .  Next Header = 43 (Routing Header)                            .</a:t>
+            </a:r>
+          </a:p>
+          <a:p>
+            <a:r>
+              <a:rPr lang="en-CA" sz="1000" dirty="0">
+                <a:latin typeface="Courier" pitchFamily="2" charset="0"/>
+              </a:rPr>
+              <a:t>  .                                                               .</a:t>
+            </a:r>
+          </a:p>
+          <a:p>
+            <a:r>
+              <a:rPr lang="en-CA" sz="1000" dirty="0">
+                <a:latin typeface="Courier" pitchFamily="2" charset="0"/>
+              </a:rPr>
+              <a:t>  +---------------------------------------------------------------+</a:t>
+            </a:r>
+          </a:p>
+          <a:p>
+            <a:r>
+              <a:rPr lang="en-CA" sz="1000" dirty="0">
+                <a:latin typeface="Courier" pitchFamily="2" charset="0"/>
+              </a:rPr>
+              <a:t>  |  SRH                                                          |</a:t>
+            </a:r>
+          </a:p>
+          <a:p>
+            <a:r>
+              <a:rPr lang="en-CA" sz="1000" dirty="0">
+                <a:latin typeface="Courier" pitchFamily="2" charset="0"/>
+              </a:rPr>
+              <a:t>  .  &lt;Segment List&gt;                                               .</a:t>
+            </a:r>
+          </a:p>
+          <a:p>
+            <a:r>
+              <a:rPr lang="en-CA" sz="1000" dirty="0">
+                <a:latin typeface="Courier" pitchFamily="2" charset="0"/>
+              </a:rPr>
+              <a:t>  .  END.TSF with Target SID                                      .</a:t>
+            </a:r>
+          </a:p>
+          <a:p>
+            <a:r>
+              <a:rPr lang="en-CA" sz="1000" dirty="0">
+                <a:latin typeface="Courier" pitchFamily="2" charset="0"/>
+              </a:rPr>
+              <a:t>  .                                                               .</a:t>
+            </a:r>
+          </a:p>
+          <a:p>
+            <a:r>
+              <a:rPr lang="en-CA" sz="1000" dirty="0">
+                <a:latin typeface="Courier" pitchFamily="2" charset="0"/>
+              </a:rPr>
+              <a:t>  +---------------------------------------------------------------+</a:t>
+            </a:r>
+          </a:p>
+          <a:p>
+            <a:r>
+              <a:rPr lang="en-CA" sz="1000" dirty="0">
+                <a:latin typeface="Courier" pitchFamily="2" charset="0"/>
+              </a:rPr>
+              <a:t>  | Inner IP Header                                               |</a:t>
+            </a:r>
+          </a:p>
+          <a:p>
+            <a:r>
+              <a:rPr lang="en-CA" sz="1000" dirty="0">
+                <a:latin typeface="Courier" pitchFamily="2" charset="0"/>
+              </a:rPr>
+              <a:t>  .  Source IP Address = </a:t>
+            </a:r>
+            <a:r>
+              <a:rPr lang="en-CA" sz="1000" b="1" dirty="0">
+                <a:latin typeface="Courier" pitchFamily="2" charset="0"/>
+              </a:rPr>
+              <a:t>Reflector</a:t>
+            </a:r>
+            <a:r>
+              <a:rPr lang="en-CA" sz="1000" dirty="0">
+                <a:latin typeface="Courier" pitchFamily="2" charset="0"/>
+              </a:rPr>
+              <a:t> IPv6 Address                    .</a:t>
+            </a:r>
+          </a:p>
+          <a:p>
+            <a:r>
+              <a:rPr lang="en-CA" sz="1000" dirty="0">
+                <a:latin typeface="Courier" pitchFamily="2" charset="0"/>
+              </a:rPr>
+              <a:t>  .  Destination IP Address = </a:t>
+            </a:r>
+            <a:r>
+              <a:rPr lang="en-CA" sz="1000" b="1" dirty="0">
+                <a:latin typeface="Courier" pitchFamily="2" charset="0"/>
+              </a:rPr>
+              <a:t>Sender</a:t>
+            </a:r>
+            <a:r>
+              <a:rPr lang="en-CA" sz="1000" dirty="0">
+                <a:latin typeface="Courier" pitchFamily="2" charset="0"/>
+              </a:rPr>
+              <a:t> IPv6 Address                 .</a:t>
+            </a:r>
+          </a:p>
+          <a:p>
+            <a:r>
+              <a:rPr lang="en-CA" sz="1000" dirty="0">
+                <a:latin typeface="Courier" pitchFamily="2" charset="0"/>
+              </a:rPr>
+              <a:t>  .                                                               .</a:t>
+            </a:r>
+          </a:p>
+          <a:p>
+            <a:r>
+              <a:rPr lang="en-CA" sz="1000" dirty="0">
+                <a:latin typeface="Courier" pitchFamily="2" charset="0"/>
+              </a:rPr>
+              <a:t>  +---------------------------------------------------------------+</a:t>
+            </a:r>
+          </a:p>
+          <a:p>
+            <a:r>
+              <a:rPr lang="en-CA" sz="1000" dirty="0">
+                <a:latin typeface="Courier" pitchFamily="2" charset="0"/>
+              </a:rPr>
+              <a:t>  | UDP Header                                                    |</a:t>
+            </a:r>
+          </a:p>
+          <a:p>
+            <a:r>
+              <a:rPr lang="en-CA" sz="1000" dirty="0">
+                <a:latin typeface="Courier" pitchFamily="2" charset="0"/>
+              </a:rPr>
+              <a:t>  .  Source Port = As chosen by Sender                            .</a:t>
+            </a:r>
+          </a:p>
+          <a:p>
+            <a:r>
+              <a:rPr lang="en-CA" sz="1000" dirty="0">
+                <a:latin typeface="Courier" pitchFamily="2" charset="0"/>
+              </a:rPr>
+              <a:t>  .  Destination Port = User-configured Port                      .</a:t>
+            </a:r>
+          </a:p>
+          <a:p>
+            <a:r>
+              <a:rPr lang="en-CA" sz="1000" dirty="0">
+                <a:latin typeface="Courier" pitchFamily="2" charset="0"/>
+              </a:rPr>
+              <a:t>  .                                                               .</a:t>
+            </a:r>
+          </a:p>
+          <a:p>
+            <a:r>
+              <a:rPr lang="en-CA" sz="1000" dirty="0">
+                <a:latin typeface="Courier" pitchFamily="2" charset="0"/>
+              </a:rPr>
+              <a:t>  +-+-+-+-+-+-+-+-+-+-+-+-+-+-+-+-+-+-+-+-+-+-+-+-+-+-+-+-+-+-+-+-+</a:t>
+            </a:r>
+          </a:p>
+          <a:p>
+            <a:r>
+              <a:rPr lang="en-CA" sz="1000" dirty="0">
+                <a:latin typeface="Courier" pitchFamily="2" charset="0"/>
+              </a:rPr>
+              <a:t>  |  Payload as defined in Section 4.2.1 of RFC 5357 |            |</a:t>
+            </a:r>
+          </a:p>
+          <a:p>
+            <a:r>
+              <a:rPr lang="en-CA" sz="1000" dirty="0">
+                <a:latin typeface="Courier" pitchFamily="2" charset="0"/>
+              </a:rPr>
+              <a:t>  |  Payload as defined in Section 4.2 of RFC 8762                |</a:t>
+            </a:r>
+          </a:p>
+          <a:p>
+            <a:r>
+              <a:rPr lang="en-CA" sz="1000" dirty="0">
+                <a:latin typeface="Courier" pitchFamily="2" charset="0"/>
+              </a:rPr>
+              <a:t>  .                                                               .</a:t>
+            </a:r>
+          </a:p>
+          <a:p>
+            <a:r>
+              <a:rPr lang="en-CA" sz="1000" dirty="0">
+                <a:latin typeface="Courier" pitchFamily="2" charset="0"/>
+              </a:rPr>
+              <a:t>  +---------------------------------------------------------------+</a:t>
+            </a:r>
+          </a:p>
+          <a:p>
+            <a:r>
+              <a:rPr lang="en-CA" sz="1000" dirty="0">
+                <a:latin typeface="Courier" pitchFamily="2" charset="0"/>
+              </a:rPr>
+              <a:t> </a:t>
+            </a:r>
+          </a:p>
+          <a:p>
+            <a:r>
+              <a:rPr lang="en-CA" sz="1000" dirty="0">
+                <a:latin typeface="Courier" pitchFamily="2" charset="0"/>
+              </a:rPr>
+              <a:t>   Figure: Example 2 Probe Message for SRv6 with Endpoint Function</a:t>
+            </a:r>
+            <a:endParaRPr lang="en-US" sz="1000" dirty="0">
+              <a:latin typeface="Courier" pitchFamily="2" charset="0"/>
+            </a:endParaRPr>
+          </a:p>
+        </p:txBody>
+      </p:sp>
+      <p:sp>
+        <p:nvSpPr>
+          <p:cNvPr id="8" name="Content Placeholder 7">
+            <a:extLst>
+              <a:ext uri="{FF2B5EF4-FFF2-40B4-BE49-F238E27FC236}">
+                <a16:creationId xmlns:a16="http://schemas.microsoft.com/office/drawing/2014/main" id="{FC6E1890-536D-9D49-8207-C42BBF301FF3}"/>
+              </a:ext>
+            </a:extLst>
+          </p:cNvPr>
+          <p:cNvSpPr>
+            <a:spLocks noGrp="1"/>
+          </p:cNvSpPr>
+          <p:nvPr>
+            <p:ph idx="1"/>
+          </p:nvPr>
+        </p:nvSpPr>
+        <p:spPr>
+          <a:xfrm>
+            <a:off x="5768897" y="1200150"/>
+            <a:ext cx="3113049" cy="2895600"/>
+          </a:xfrm>
+        </p:spPr>
+        <p:txBody>
+          <a:bodyPr/>
+          <a:lstStyle/>
+          <a:p>
+            <a:r>
+              <a:rPr lang="en-US" sz="1600" dirty="0"/>
+              <a:t>Endpoint Function END.TSF is defined for Timestamp and Forward and carried for the Reflector node SID</a:t>
+            </a:r>
+          </a:p>
+          <a:p>
+            <a:r>
+              <a:rPr lang="en-US" sz="1600" dirty="0"/>
+              <a:t>Reflector node removes SRH</a:t>
+            </a:r>
+          </a:p>
+          <a:p>
+            <a:r>
+              <a:rPr lang="en-US" sz="1600" dirty="0"/>
+              <a:t>Reverse direction path is IP</a:t>
+            </a:r>
+          </a:p>
+          <a:p>
+            <a:r>
+              <a:rPr lang="en-US" sz="1600" dirty="0"/>
+              <a:t>Source and Destination Addresses are swapped for the Reverse direction path in the </a:t>
+            </a:r>
+            <a:r>
+              <a:rPr lang="en-US" sz="1600" b="1" dirty="0"/>
+              <a:t>inner</a:t>
+            </a:r>
+            <a:r>
+              <a:rPr lang="en-US" sz="1600" dirty="0"/>
+              <a:t> IPv6 header</a:t>
+            </a:r>
+          </a:p>
+          <a:p>
+            <a:endParaRPr lang="en-US" sz="1600" dirty="0"/>
+          </a:p>
+        </p:txBody>
+      </p:sp>
+    </p:spTree>
+    <p:extLst>
+      <p:ext uri="{BB962C8B-B14F-4D97-AF65-F5344CB8AC3E}">
+        <p14:creationId xmlns:p14="http://schemas.microsoft.com/office/powerpoint/2010/main" val="94110022"/>
       </p:ext>
     </p:extLst>
   </p:cSld>
@@ -10762,7 +11149,7 @@
         </p:nvSpPr>
         <p:spPr>
           <a:xfrm>
-            <a:off x="609600" y="1009650"/>
+            <a:off x="573741" y="1157288"/>
             <a:ext cx="8113059" cy="3124200"/>
           </a:xfrm>
         </p:spPr>
@@ -10811,7 +11198,7 @@
           <a:p>
             <a:r>
               <a:rPr lang="en-CA" dirty="0"/>
-              <a:t>IETF MPLS WG Interim – April 2020 </a:t>
+              <a:t>IETF – April 2020 </a:t>
             </a:r>
           </a:p>
         </p:txBody>
@@ -10953,7 +11340,7 @@
             </a:pPr>
             <a:r>
               <a:rPr lang="en-US" sz="1400" dirty="0"/>
-              <a:t>End-to-end P2P/P2MP SR Paths</a:t>
+              <a:t>End-to-end P2P/P2MP SR paths</a:t>
             </a:r>
           </a:p>
           <a:p>
@@ -11023,7 +11410,7 @@
             </a:pPr>
             <a:r>
               <a:rPr lang="en-US" sz="1400" dirty="0"/>
-              <a:t>Higher scale and faster detection interval (e.g. packets not punted from fast-path)</a:t>
+              <a:t>Higher scale and faster detection interval (e.g. packets not punted out of fast-path)</a:t>
             </a:r>
           </a:p>
           <a:p>
@@ -11096,7 +11483,7 @@
           <a:p>
             <a:r>
               <a:rPr lang="en-CA" dirty="0"/>
-              <a:t>IETF MPLS WG Interim – April 2020 </a:t>
+              <a:t>IETF – April 2020 </a:t>
             </a:r>
           </a:p>
         </p:txBody>
@@ -11215,7 +11602,7 @@
           <a:p>
             <a:r>
               <a:rPr lang="en-CA" dirty="0"/>
-              <a:t>IETF MPLS WG Interim – April 2020 </a:t>
+              <a:t>IETF – April 2020 </a:t>
             </a:r>
           </a:p>
         </p:txBody>
@@ -11249,7 +11636,7 @@
               </a:spcBef>
             </a:pPr>
             <a:r>
-              <a:rPr lang="en-US" sz="1600" dirty="0"/>
+              <a:rPr lang="en-US" sz="1400" dirty="0"/>
               <a:t>Liveness monitoring for SR Policy uses PM probes (TWAMP Light/STAMP delay measurement messages) in Loopback Mode</a:t>
             </a:r>
           </a:p>
@@ -11263,7 +11650,7 @@
               </a:spcBef>
             </a:pPr>
             <a:r>
-              <a:rPr lang="en-US" sz="1600" dirty="0"/>
+              <a:rPr lang="en-US" sz="1400" dirty="0"/>
               <a:t>Probe messages sent using Segment List(s) of the SR Policy Candidate Path(s)</a:t>
             </a:r>
           </a:p>
@@ -11277,8 +11664,8 @@
               </a:spcBef>
             </a:pPr>
             <a:r>
-              <a:rPr lang="en-US" sz="1600" dirty="0"/>
-              <a:t>Probe messages are not punted on the remote node (endpoint/reflector)</a:t>
+              <a:rPr lang="en-US" sz="1400" dirty="0"/>
+              <a:t>Probe messages are not punted on the remote node (endpoint/reflector) out of fast-path</a:t>
             </a:r>
           </a:p>
           <a:p>
@@ -11291,7 +11678,7 @@
               </a:spcBef>
             </a:pPr>
             <a:r>
-              <a:rPr lang="en-US" sz="1600" dirty="0"/>
+              <a:rPr lang="en-US" sz="1400" dirty="0"/>
               <a:t>Return path can be IP or SR</a:t>
             </a:r>
           </a:p>
@@ -11305,7 +11692,7 @@
               </a:spcBef>
             </a:pPr>
             <a:r>
-              <a:rPr lang="en-US" sz="1600" dirty="0"/>
+              <a:rPr lang="en-US" sz="1400" dirty="0"/>
               <a:t>Liveness failure is notified when consecutive N number of probe messages are not received back at the sender</a:t>
             </a:r>
           </a:p>
@@ -11534,7 +11921,7 @@
         <p:spPr>
           <a:xfrm>
             <a:off x="457200" y="0"/>
-            <a:ext cx="8229600" cy="857250"/>
+            <a:ext cx="8229600" cy="786646"/>
           </a:xfrm>
         </p:spPr>
         <p:txBody>
@@ -11576,7 +11963,7 @@
           <a:p>
             <a:r>
               <a:rPr lang="en-CA" dirty="0"/>
-              <a:t>IETF MPLS WG Interim – April 2020 </a:t>
+              <a:t>IETF  – April 2020 </a:t>
             </a:r>
           </a:p>
         </p:txBody>
@@ -11594,7 +11981,7 @@
         <p:spPr>
           <a:xfrm>
             <a:off x="374374" y="2647950"/>
-            <a:ext cx="8395252" cy="2273362"/>
+            <a:ext cx="8395252" cy="2138362"/>
           </a:xfrm>
         </p:spPr>
         <p:txBody>
@@ -11683,17 +12070,6 @@
               <a:rPr lang="en-US" sz="1200" dirty="0"/>
               <a:t>Delay metrics are notified when consecutive N number of probe messages have delay values exceed the configured thresholds</a:t>
             </a:r>
-          </a:p>
-          <a:p>
-            <a:pPr lvl="1">
-              <a:lnSpc>
-                <a:spcPts val="1580"/>
-              </a:lnSpc>
-              <a:spcBef>
-                <a:spcPts val="600"/>
-              </a:spcBef>
-            </a:pPr>
-            <a:endParaRPr lang="en-CA" sz="1200" dirty="0"/>
           </a:p>
         </p:txBody>
       </p:sp>
@@ -11858,7 +12234,7 @@
         </p:nvSpPr>
         <p:spPr>
           <a:xfrm>
-            <a:off x="381000" y="22027"/>
+            <a:off x="381000" y="-19050"/>
             <a:ext cx="8458200" cy="857250"/>
           </a:xfrm>
         </p:spPr>
@@ -11923,7 +12299,7 @@
         <p:spPr>
           <a:xfrm>
             <a:off x="205902" y="887408"/>
-            <a:ext cx="4800600" cy="3693319"/>
+            <a:ext cx="4823298" cy="3693319"/>
           </a:xfrm>
           <a:prstGeom prst="rect">
             <a:avLst/>
@@ -12293,7 +12669,7 @@
                 <a:ea typeface="Courier" charset="0"/>
                 <a:cs typeface="Courier" charset="0"/>
               </a:rPr>
-              <a:t>  |  Sender TTL   |      Padding                                  |</a:t>
+              <a:t>  |  Sender TTL   |                                               |</a:t>
             </a:r>
           </a:p>
           <a:p>
@@ -12313,7 +12689,7 @@
                 <a:ea typeface="Courier" charset="0"/>
                 <a:cs typeface="Courier" charset="0"/>
               </a:rPr>
-              <a:t>  +-+-+-+-+-+-+-+-+-+-+-+-+-+-+-+-+-+-+-+-+-+-+-+-+-+-+-+-+-+-+-+-+</a:t>
+              <a:t>  +-+-+-+-+-+-+-+-+                                               |</a:t>
             </a:r>
           </a:p>
           <a:p>
@@ -12416,7 +12792,7 @@
               <a:rPr lang="en-CA" sz="900" dirty="0">
                 <a:latin typeface="Courier" pitchFamily="2" charset="0"/>
               </a:rPr>
-              <a:t>                    Figure: Probe Message Format</a:t>
+              <a:t>              Figure: TWAMP Light Probe Message Format</a:t>
             </a:r>
             <a:endParaRPr lang="en-US" sz="900" dirty="0">
               <a:latin typeface="Courier" pitchFamily="2" charset="0"/>
@@ -12520,7 +12896,7 @@
           <a:p>
             <a:r>
               <a:rPr lang="en-CA" dirty="0"/>
-              <a:t>IETF MPLS WG Interim – April 2020 </a:t>
+              <a:t>IETF  – April 2020 </a:t>
             </a:r>
           </a:p>
         </p:txBody>
@@ -12567,7 +12943,7 @@
         </p:nvSpPr>
         <p:spPr>
           <a:xfrm>
-            <a:off x="457200" y="44938"/>
+            <a:off x="457200" y="-19050"/>
             <a:ext cx="8458200" cy="857250"/>
           </a:xfrm>
         </p:spPr>
@@ -13061,7 +13437,7 @@
               <a:rPr lang="en-CA" sz="900" dirty="0">
                 <a:latin typeface="Courier" pitchFamily="2" charset="0"/>
               </a:rPr>
-              <a:t>                    Figure: Probe Message Format</a:t>
+              <a:t>                  Figure: STAMP Probe Message Format</a:t>
             </a:r>
             <a:endParaRPr lang="en-US" sz="900" dirty="0">
               <a:latin typeface="Courier" pitchFamily="2" charset="0"/>
@@ -13165,7 +13541,7 @@
           <a:p>
             <a:r>
               <a:rPr lang="en-CA" dirty="0"/>
-              <a:t>IETF MPLS WG Interim – April 2020 </a:t>
+              <a:t>IETF  – April 2020 </a:t>
             </a:r>
           </a:p>
         </p:txBody>
@@ -13228,7 +13604,7 @@
                 <a:latin typeface="Calibri Light" panose="020F0302020204030204" pitchFamily="34" charset="0"/>
                 <a:cs typeface="Calibri Light" panose="020F0302020204030204" pitchFamily="34" charset="0"/>
               </a:rPr>
-              <a:t>SR-MPLS with Timestamp Label</a:t>
+              <a:t>SR-MPLS with Timestamp Label Example</a:t>
             </a:r>
           </a:p>
         </p:txBody>
@@ -13255,7 +13631,7 @@
           <a:p>
             <a:r>
               <a:rPr lang="en-CA" dirty="0"/>
-              <a:t>IETF MPLS WG Interim – April 2020 </a:t>
+              <a:t>IETF  – April 2020 </a:t>
             </a:r>
           </a:p>
         </p:txBody>
@@ -13303,8 +13679,8 @@
         </p:nvSpPr>
         <p:spPr>
           <a:xfrm>
-            <a:off x="173421" y="650498"/>
-            <a:ext cx="5105400" cy="4247317"/>
+            <a:off x="173421" y="672733"/>
+            <a:ext cx="4931979" cy="4108817"/>
           </a:xfrm>
           <a:prstGeom prst="rect">
             <a:avLst/>
@@ -13580,7 +13956,7 @@
               <a:rPr lang="en-CA" sz="900" dirty="0">
                 <a:latin typeface="Courier" pitchFamily="2" charset="0"/>
               </a:rPr>
-              <a:t>   Figure 5: Example Probe Message for SR-MPLS with Timestamp Label</a:t>
+              <a:t>    Figure: Example Probe Message for SR-MPLS with Timestamp Label</a:t>
             </a:r>
             <a:endParaRPr lang="en-US" sz="900" dirty="0">
               <a:latin typeface="Courier" pitchFamily="2" charset="0"/>
@@ -13606,7 +13982,7 @@
         </p:nvSpPr>
         <p:spPr>
           <a:xfrm>
-            <a:off x="5278821" y="1071222"/>
+            <a:off x="5160579" y="1071222"/>
             <a:ext cx="3810000" cy="3001056"/>
           </a:xfrm>
         </p:spPr>
@@ -13627,6 +14003,13 @@
             </a:r>
           </a:p>
           <a:p>
+            <a:pPr lvl="1"/>
+            <a:r>
+              <a:rPr lang="en-US" sz="1400" dirty="0"/>
+              <a:t>I.e. Timestamp Label (TBA1) is popped by the reflector node</a:t>
+            </a:r>
+          </a:p>
+          <a:p>
             <a:r>
               <a:rPr lang="en-US" sz="1400" dirty="0"/>
               <a:t>Source and Destination Addresses are swapped - represent Reverse direction path</a:t>
@@ -13635,7 +14018,7 @@
           <a:p>
             <a:r>
               <a:rPr lang="en-US" sz="1400" dirty="0"/>
-              <a:t>Optionally, Reverse direction SR path label stack can follow the Timestamp Label </a:t>
+              <a:t>Optionally, Reverse direction SR path label stack can follow the Timestamp Label TBA1</a:t>
             </a:r>
           </a:p>
         </p:txBody>
@@ -13643,7 +14026,7 @@
     </p:spTree>
     <p:extLst>
       <p:ext uri="{BB962C8B-B14F-4D97-AF65-F5344CB8AC3E}">
-        <p14:creationId xmlns:p14="http://schemas.microsoft.com/office/powerpoint/2010/main" val="3880543124"/>
+        <p14:creationId xmlns:p14="http://schemas.microsoft.com/office/powerpoint/2010/main" val="2399405042"/>
       </p:ext>
     </p:extLst>
   </p:cSld>
@@ -13733,7 +14116,7 @@
             </a:pPr>
             <a:r>
               <a:rPr lang="en-US" sz="1600" dirty="0"/>
-              <a:t>SR Path can have ECMP between the ingress and transit nodes, between transit nodes and between transit and egress nodes.</a:t>
+              <a:t>SR Paths can have ECMP between the ingress and transit nodes, between transit nodes and between transit and egress nodes.</a:t>
             </a:r>
           </a:p>
           <a:p>
@@ -13858,7 +14241,7 @@
           <a:p>
             <a:r>
               <a:rPr lang="en-CA" dirty="0"/>
-              <a:t>IETF MPLS WG Interim – April 2020 </a:t>
+              <a:t>IETF  – April 2020 </a:t>
             </a:r>
           </a:p>
         </p:txBody>

--- a/draft-gandhi-spring-sr-enhanced-plm-01.pptx
+++ b/draft-gandhi-spring-sr-enhanced-plm-01.pptx
@@ -27,8 +27,8 @@
     <p:sldId id="1642" r:id="rId15"/>
     <p:sldId id="1665" r:id="rId16"/>
     <p:sldId id="1668" r:id="rId17"/>
-    <p:sldId id="1661" r:id="rId18"/>
-    <p:sldId id="1669" r:id="rId19"/>
+    <p:sldId id="1669" r:id="rId18"/>
+    <p:sldId id="1661" r:id="rId19"/>
   </p:sldIdLst>
   <p:sldSz cx="9144000" cy="5143500" type="screen16x9"/>
   <p:notesSz cx="6858000" cy="9144000"/>
@@ -1620,7 +1620,7 @@
     </p:spTree>
     <p:extLst>
       <p:ext uri="{BB962C8B-B14F-4D97-AF65-F5344CB8AC3E}">
-        <p14:creationId xmlns:p14="http://schemas.microsoft.com/office/powerpoint/2010/main" val="1788599029"/>
+        <p14:creationId xmlns:p14="http://schemas.microsoft.com/office/powerpoint/2010/main" val="870300071"/>
       </p:ext>
     </p:extLst>
   </p:cSld>
@@ -1710,7 +1710,7 @@
     </p:spTree>
     <p:extLst>
       <p:ext uri="{BB962C8B-B14F-4D97-AF65-F5344CB8AC3E}">
-        <p14:creationId xmlns:p14="http://schemas.microsoft.com/office/powerpoint/2010/main" val="870300071"/>
+        <p14:creationId xmlns:p14="http://schemas.microsoft.com/office/powerpoint/2010/main" val="1788599029"/>
       </p:ext>
     </p:extLst>
   </p:cSld>
@@ -10193,7 +10193,7 @@
         <p:spPr>
           <a:xfrm>
             <a:off x="0" y="0"/>
-            <a:ext cx="9144000" cy="742950"/>
+            <a:ext cx="9144000" cy="640642"/>
           </a:xfrm>
         </p:spPr>
         <p:txBody>
@@ -10225,7 +10225,7 @@
         </p:nvSpPr>
         <p:spPr>
           <a:xfrm>
-            <a:off x="3124200" y="4788339"/>
+            <a:off x="2836126" y="4786312"/>
             <a:ext cx="2895600" cy="357188"/>
           </a:xfrm>
         </p:spPr>
@@ -10235,7 +10235,7 @@
           <a:p>
             <a:r>
               <a:rPr lang="en-CA" dirty="0"/>
-              <a:t>IETF I – April 2020 </a:t>
+              <a:t>IETF  – April 2020 </a:t>
             </a:r>
           </a:p>
         </p:txBody>
@@ -10283,8 +10283,8 @@
         </p:nvSpPr>
         <p:spPr>
           <a:xfrm>
-            <a:off x="262054" y="819150"/>
-            <a:ext cx="5410200" cy="3785652"/>
+            <a:off x="207227" y="639902"/>
+            <a:ext cx="5126774" cy="3970318"/>
           </a:xfrm>
           <a:prstGeom prst="rect">
             <a:avLst/>
@@ -10303,7 +10303,7 @@
           <a:lstStyle/>
           <a:p>
             <a:r>
-              <a:rPr lang="en-CA" sz="1000" dirty="0">
+              <a:rPr lang="en-CA" sz="900" dirty="0">
                 <a:latin typeface="Courier" pitchFamily="2" charset="0"/>
               </a:rPr>
               <a:t>  +---------------------------------------------------------------+</a:t>
@@ -10311,27 +10311,115 @@
           </a:p>
           <a:p>
             <a:r>
-              <a:rPr lang="en-CA" sz="1000" dirty="0">
-                <a:latin typeface="Courier" pitchFamily="2" charset="0"/>
-              </a:rPr>
-              <a:t>  | IP Header                                                     |</a:t>
-            </a:r>
-          </a:p>
-          <a:p>
-            <a:r>
-              <a:rPr lang="en-CA" sz="1000" dirty="0">
+              <a:rPr lang="en-CA" sz="900" dirty="0">
+                <a:latin typeface="Courier" pitchFamily="2" charset="0"/>
+              </a:rPr>
+              <a:t>  | Outer IP Header                                               |</a:t>
+            </a:r>
+          </a:p>
+          <a:p>
+            <a:r>
+              <a:rPr lang="en-CA" sz="900" dirty="0">
+                <a:latin typeface="Courier" pitchFamily="2" charset="0"/>
+              </a:rPr>
+              <a:t>  .  Source IP Address = Sender IPv6 Address                      .</a:t>
+            </a:r>
+          </a:p>
+          <a:p>
+            <a:r>
+              <a:rPr lang="en-CA" sz="900" dirty="0">
+                <a:latin typeface="Courier" pitchFamily="2" charset="0"/>
+              </a:rPr>
+              <a:t>  .  Destination IP Address = Next IPv6 Address                   .</a:t>
+            </a:r>
+          </a:p>
+          <a:p>
+            <a:r>
+              <a:rPr lang="en-CA" sz="900" dirty="0">
+                <a:latin typeface="Courier" pitchFamily="2" charset="0"/>
+              </a:rPr>
+              <a:t>  .  Next Header = 43 (Routing Header)                            .</a:t>
+            </a:r>
+          </a:p>
+          <a:p>
+            <a:r>
+              <a:rPr lang="en-CA" sz="900" dirty="0">
+                <a:latin typeface="Courier" pitchFamily="2" charset="0"/>
+              </a:rPr>
+              <a:t>  .                                                               .</a:t>
+            </a:r>
+          </a:p>
+          <a:p>
+            <a:r>
+              <a:rPr lang="en-CA" sz="900" dirty="0">
+                <a:latin typeface="Courier" pitchFamily="2" charset="0"/>
+              </a:rPr>
+              <a:t>  +---------------------------------------------------------------+</a:t>
+            </a:r>
+          </a:p>
+          <a:p>
+            <a:r>
+              <a:rPr lang="en-CA" sz="900" dirty="0">
+                <a:latin typeface="Courier" pitchFamily="2" charset="0"/>
+              </a:rPr>
+              <a:t>  |  SRH                                                          |</a:t>
+            </a:r>
+          </a:p>
+          <a:p>
+            <a:r>
+              <a:rPr lang="en-CA" sz="900" dirty="0">
+                <a:latin typeface="Courier" pitchFamily="2" charset="0"/>
+              </a:rPr>
+              <a:t>  .  &lt;Segment List&gt;                                               .</a:t>
+            </a:r>
+          </a:p>
+          <a:p>
+            <a:r>
+              <a:rPr lang="en-CA" sz="900" dirty="0">
+                <a:latin typeface="Courier" pitchFamily="2" charset="0"/>
+              </a:rPr>
+              <a:t>  .  END.TSF with Target SID                                      .</a:t>
+            </a:r>
+          </a:p>
+          <a:p>
+            <a:r>
+              <a:rPr lang="en-CA" sz="900" dirty="0">
+                <a:latin typeface="Courier" pitchFamily="2" charset="0"/>
+              </a:rPr>
+              <a:t>  .                                                               .</a:t>
+            </a:r>
+          </a:p>
+          <a:p>
+            <a:r>
+              <a:rPr lang="en-CA" sz="900" dirty="0">
+                <a:latin typeface="Courier" pitchFamily="2" charset="0"/>
+              </a:rPr>
+              <a:t>  +---------------------------------------------------------------+</a:t>
+            </a:r>
+          </a:p>
+          <a:p>
+            <a:r>
+              <a:rPr lang="en-CA" sz="900" dirty="0">
+                <a:latin typeface="Courier" pitchFamily="2" charset="0"/>
+              </a:rPr>
+              <a:t>  | Inner IP Header                                               |</a:t>
+            </a:r>
+          </a:p>
+          <a:p>
+            <a:r>
+              <a:rPr lang="en-CA" sz="900" dirty="0">
                 <a:latin typeface="Courier" pitchFamily="2" charset="0"/>
               </a:rPr>
               <a:t>  .  Source IP Address = </a:t>
             </a:r>
             <a:r>
-              <a:rPr lang="en-CA" sz="1000" b="1" dirty="0">
+              <a:rPr lang="en-CA" sz="900" b="1" dirty="0">
                 <a:latin typeface="Courier" pitchFamily="2" charset="0"/>
               </a:rPr>
               <a:t>Reflector</a:t>
             </a:r>
             <a:r>
-              <a:rPr lang="en-CA" sz="1000" dirty="0">
+              <a:rPr lang="en-CA" sz="900" dirty="0">
                 <a:latin typeface="Courier" pitchFamily="2" charset="0"/>
               </a:rPr>
               <a:t> IPv6 Address                   .</a:t>
@@ -10339,19 +10427,19 @@
           </a:p>
           <a:p>
             <a:r>
-              <a:rPr lang="en-CA" sz="1000" dirty="0">
+              <a:rPr lang="en-CA" sz="900" dirty="0">
                 <a:latin typeface="Courier" pitchFamily="2" charset="0"/>
               </a:rPr>
               <a:t>  .  Destination IP Address = </a:t>
             </a:r>
             <a:r>
-              <a:rPr lang="en-CA" sz="1000" b="1" dirty="0">
+              <a:rPr lang="en-CA" sz="900" b="1" dirty="0">
                 <a:latin typeface="Courier" pitchFamily="2" charset="0"/>
               </a:rPr>
               <a:t>Sender</a:t>
             </a:r>
             <a:r>
-              <a:rPr lang="en-CA" sz="1000" dirty="0">
+              <a:rPr lang="en-CA" sz="900" dirty="0">
                 <a:latin typeface="Courier" pitchFamily="2" charset="0"/>
               </a:rPr>
               <a:t> IPv6 Address                 .</a:t>
@@ -10359,15 +10447,7 @@
           </a:p>
           <a:p>
             <a:r>
-              <a:rPr lang="en-CA" sz="1000" dirty="0">
-                <a:latin typeface="Courier" pitchFamily="2" charset="0"/>
-              </a:rPr>
-              <a:t>  .  Next Header = 43 (Routing Header)                            .</a:t>
-            </a:r>
-          </a:p>
-          <a:p>
-            <a:r>
-              <a:rPr lang="en-CA" sz="1000" dirty="0">
+              <a:rPr lang="en-CA" sz="900" dirty="0">
                 <a:latin typeface="Courier" pitchFamily="2" charset="0"/>
               </a:rPr>
               <a:t>  .                                                               .</a:t>
@@ -10375,7 +10455,7 @@
           </a:p>
           <a:p>
             <a:r>
-              <a:rPr lang="en-CA" sz="1000" dirty="0">
+              <a:rPr lang="en-CA" sz="900" dirty="0">
                 <a:latin typeface="Courier" pitchFamily="2" charset="0"/>
               </a:rPr>
               <a:t>  +---------------------------------------------------------------+</a:t>
@@ -10383,39 +10463,31 @@
           </a:p>
           <a:p>
             <a:r>
-              <a:rPr lang="en-CA" sz="1000" dirty="0">
-                <a:latin typeface="Courier" pitchFamily="2" charset="0"/>
-              </a:rPr>
-              <a:t>  |  SRH                                                          |</a:t>
-            </a:r>
-          </a:p>
-          <a:p>
-            <a:r>
-              <a:rPr lang="en-CA" sz="1000" dirty="0">
-                <a:latin typeface="Courier" pitchFamily="2" charset="0"/>
-              </a:rPr>
-              <a:t>  .  &lt;Segment List&gt;                                               .</a:t>
-            </a:r>
-          </a:p>
-          <a:p>
-            <a:r>
-              <a:rPr lang="en-CA" sz="1000" dirty="0">
-                <a:latin typeface="Courier" pitchFamily="2" charset="0"/>
-              </a:rPr>
-              <a:t>  .  END.TSF with Target SID                                      .</a:t>
-            </a:r>
-          </a:p>
-          <a:p>
-            <a:r>
-              <a:rPr lang="en-CA" sz="1000" dirty="0">
-                <a:latin typeface="Courier" pitchFamily="2" charset="0"/>
-              </a:rPr>
-              <a:t>  .  Next Header = 17 (UDP)                                       .</a:t>
-            </a:r>
-          </a:p>
-          <a:p>
-            <a:r>
-              <a:rPr lang="en-CA" sz="1000" dirty="0">
+              <a:rPr lang="en-CA" sz="900" dirty="0">
+                <a:latin typeface="Courier" pitchFamily="2" charset="0"/>
+              </a:rPr>
+              <a:t>  | UDP Header                                                    |</a:t>
+            </a:r>
+          </a:p>
+          <a:p>
+            <a:r>
+              <a:rPr lang="en-CA" sz="900" dirty="0">
+                <a:latin typeface="Courier" pitchFamily="2" charset="0"/>
+              </a:rPr>
+              <a:t>  .  Source Port = As chosen by Sender                            .</a:t>
+            </a:r>
+          </a:p>
+          <a:p>
+            <a:r>
+              <a:rPr lang="en-CA" sz="900" dirty="0">
+                <a:latin typeface="Courier" pitchFamily="2" charset="0"/>
+              </a:rPr>
+              <a:t>  .  Destination Port = User-configured Port                      .</a:t>
+            </a:r>
+          </a:p>
+          <a:p>
+            <a:r>
+              <a:rPr lang="en-CA" sz="900" dirty="0">
                 <a:latin typeface="Courier" pitchFamily="2" charset="0"/>
               </a:rPr>
               <a:t>  .                                                               .</a:t>
@@ -10423,7 +10495,39 @@
           </a:p>
           <a:p>
             <a:r>
-              <a:rPr lang="en-CA" sz="1000" dirty="0">
+              <a:rPr lang="en-CA" sz="900" dirty="0">
+                <a:latin typeface="Courier" pitchFamily="2" charset="0"/>
+              </a:rPr>
+              <a:t>  +-+-+-+-+-+-+-+-+-+-+-+-+-+-+-+-+-+-+-+-+-+-+-+-+-+-+-+-+-+-+-+-+</a:t>
+            </a:r>
+          </a:p>
+          <a:p>
+            <a:r>
+              <a:rPr lang="en-CA" sz="900" dirty="0">
+                <a:latin typeface="Courier" pitchFamily="2" charset="0"/>
+              </a:rPr>
+              <a:t>  |  Payload as defined in Section 4.2.1 of RFC 5357 |            |</a:t>
+            </a:r>
+          </a:p>
+          <a:p>
+            <a:r>
+              <a:rPr lang="en-CA" sz="900" dirty="0">
+                <a:latin typeface="Courier" pitchFamily="2" charset="0"/>
+              </a:rPr>
+              <a:t>  |  Payload as defined in Section 4.2 of RFC 8762                |</a:t>
+            </a:r>
+          </a:p>
+          <a:p>
+            <a:r>
+              <a:rPr lang="en-CA" sz="900" dirty="0">
+                <a:latin typeface="Courier" pitchFamily="2" charset="0"/>
+              </a:rPr>
+              <a:t>  .                                                               .</a:t>
+            </a:r>
+          </a:p>
+          <a:p>
+            <a:r>
+              <a:rPr lang="en-CA" sz="900" dirty="0">
                 <a:latin typeface="Courier" pitchFamily="2" charset="0"/>
               </a:rPr>
               <a:t>  +---------------------------------------------------------------+</a:t>
@@ -10431,79 +10535,7 @@
           </a:p>
           <a:p>
             <a:r>
-              <a:rPr lang="en-CA" sz="1000" dirty="0">
-                <a:latin typeface="Courier" pitchFamily="2" charset="0"/>
-              </a:rPr>
-              <a:t>  | UDP Header                                                    |</a:t>
-            </a:r>
-          </a:p>
-          <a:p>
-            <a:r>
-              <a:rPr lang="en-CA" sz="1000" dirty="0">
-                <a:latin typeface="Courier" pitchFamily="2" charset="0"/>
-              </a:rPr>
-              <a:t>  .  Source Port = As chosen by Sender                            .</a:t>
-            </a:r>
-          </a:p>
-          <a:p>
-            <a:r>
-              <a:rPr lang="en-CA" sz="1000" dirty="0">
-                <a:latin typeface="Courier" pitchFamily="2" charset="0"/>
-              </a:rPr>
-              <a:t>  .  Destination Port = User-configured Port                      .</a:t>
-            </a:r>
-          </a:p>
-          <a:p>
-            <a:r>
-              <a:rPr lang="en-CA" sz="1000" dirty="0">
-                <a:latin typeface="Courier" pitchFamily="2" charset="0"/>
-              </a:rPr>
-              <a:t>  .                                                               .</a:t>
-            </a:r>
-          </a:p>
-          <a:p>
-            <a:r>
-              <a:rPr lang="en-CA" sz="1000" dirty="0">
-                <a:latin typeface="Courier" pitchFamily="2" charset="0"/>
-              </a:rPr>
-              <a:t>  +-+-+-+-+-+-+-+-+-+-+-+-+-+-+-+-+-+-+-+-+-+-+-+-+-+-+-+-+-+-+-+-+</a:t>
-            </a:r>
-          </a:p>
-          <a:p>
-            <a:r>
-              <a:rPr lang="en-CA" sz="1000" dirty="0">
-                <a:latin typeface="Courier" pitchFamily="2" charset="0"/>
-              </a:rPr>
-              <a:t>  |  Payload as defined in Section 4.2.1 of RFC 5357 |            |</a:t>
-            </a:r>
-          </a:p>
-          <a:p>
-            <a:r>
-              <a:rPr lang="en-CA" sz="1000" dirty="0">
-                <a:latin typeface="Courier" pitchFamily="2" charset="0"/>
-              </a:rPr>
-              <a:t>  |  Payload as defined in Section 4.2 of RFC 8762                |</a:t>
-            </a:r>
-          </a:p>
-          <a:p>
-            <a:r>
-              <a:rPr lang="en-CA" sz="1000" dirty="0">
-                <a:latin typeface="Courier" pitchFamily="2" charset="0"/>
-              </a:rPr>
-              <a:t>  .                                                               .</a:t>
-            </a:r>
-          </a:p>
-          <a:p>
-            <a:r>
-              <a:rPr lang="en-CA" sz="1000" dirty="0">
-                <a:latin typeface="Courier" pitchFamily="2" charset="0"/>
-              </a:rPr>
-              <a:t>  +---------------------------------------------------------------+</a:t>
-            </a:r>
-          </a:p>
-          <a:p>
-            <a:r>
-              <a:rPr lang="en-CA" sz="1000" dirty="0">
+              <a:rPr lang="en-CA" sz="900" dirty="0">
                 <a:latin typeface="Courier" pitchFamily="2" charset="0"/>
               </a:rPr>
               <a:t> </a:t>
@@ -10511,12 +10543,12 @@
           </a:p>
           <a:p>
             <a:r>
-              <a:rPr lang="en-CA" sz="1000" dirty="0">
-                <a:latin typeface="Courier" pitchFamily="2" charset="0"/>
-              </a:rPr>
-              <a:t>   Figure: Example 1 Probe Message for SRv6 with Endpoint Function</a:t>
-            </a:r>
-            <a:endParaRPr lang="en-US" sz="1000" dirty="0">
+              <a:rPr lang="en-CA" sz="900" dirty="0">
+                <a:latin typeface="Courier" pitchFamily="2" charset="0"/>
+              </a:rPr>
+              <a:t>Example 1: Probe Message for SRv6 with Endpoint Function IP Return Path</a:t>
+            </a:r>
+            <a:endParaRPr lang="en-US" sz="900" dirty="0">
               <a:latin typeface="Courier" pitchFamily="2" charset="0"/>
             </a:endParaRPr>
           </a:p>
@@ -10540,8 +10572,8 @@
         </p:nvSpPr>
         <p:spPr>
           <a:xfrm>
-            <a:off x="5659243" y="959931"/>
-            <a:ext cx="3222703" cy="3611427"/>
+            <a:off x="5410200" y="1166015"/>
+            <a:ext cx="3526573" cy="2895600"/>
           </a:xfrm>
         </p:spPr>
         <p:txBody>
@@ -10549,45 +10581,45 @@
           <a:lstStyle/>
           <a:p>
             <a:r>
-              <a:rPr lang="en-US" sz="1600" dirty="0"/>
+              <a:rPr lang="en-US" sz="1400" dirty="0"/>
               <a:t>Endpoint Function END.TSF is defined for Timestamp and Forward and carried for the Reflector node SID</a:t>
             </a:r>
           </a:p>
           <a:p>
             <a:r>
-              <a:rPr lang="en-US" sz="1600" dirty="0"/>
-              <a:t>Reflector node does not remove the SRH, Sender node removes the SRH</a:t>
-            </a:r>
-          </a:p>
-          <a:p>
-            <a:r>
-              <a:rPr lang="en-US" sz="1600" dirty="0"/>
-              <a:t>Reverse direction SR path  carried in SRH</a:t>
-            </a:r>
-          </a:p>
-          <a:p>
-            <a:r>
-              <a:rPr lang="en-US" sz="1600" dirty="0"/>
-              <a:t>Source and Destination Addresses are swapped for the Reverse direction path in the </a:t>
-            </a:r>
-            <a:r>
-              <a:rPr lang="en-US" sz="1600" b="1" dirty="0"/>
-              <a:t>outer</a:t>
-            </a:r>
-            <a:r>
-              <a:rPr lang="en-US" sz="1600" dirty="0"/>
+              <a:rPr lang="en-US" sz="1400" dirty="0"/>
+              <a:t>Reflector node removes SRH</a:t>
+            </a:r>
+          </a:p>
+          <a:p>
+            <a:r>
+              <a:rPr lang="en-US" sz="1400" dirty="0"/>
+              <a:t>Reverse direction path is IP</a:t>
+            </a:r>
+          </a:p>
+          <a:p>
+            <a:r>
+              <a:rPr lang="en-US" sz="1400" dirty="0"/>
+              <a:t>Source and Destination Addresses are swapped to represent the Reverse direction path in the </a:t>
+            </a:r>
+            <a:r>
+              <a:rPr lang="en-US" sz="1400" b="1" dirty="0"/>
+              <a:t>inner</a:t>
+            </a:r>
+            <a:r>
+              <a:rPr lang="en-US" sz="1400" dirty="0"/>
               <a:t> IPv6 header</a:t>
             </a:r>
           </a:p>
           <a:p>
-            <a:endParaRPr lang="en-US" sz="1600" dirty="0"/>
+            <a:endParaRPr lang="en-US" sz="1400" dirty="0"/>
           </a:p>
         </p:txBody>
       </p:sp>
     </p:spTree>
     <p:extLst>
       <p:ext uri="{BB962C8B-B14F-4D97-AF65-F5344CB8AC3E}">
-        <p14:creationId xmlns:p14="http://schemas.microsoft.com/office/powerpoint/2010/main" val="1703487410"/>
+        <p14:creationId xmlns:p14="http://schemas.microsoft.com/office/powerpoint/2010/main" val="94110022"/>
       </p:ext>
     </p:extLst>
   </p:cSld>
@@ -10627,7 +10659,7 @@
         <p:spPr>
           <a:xfrm>
             <a:off x="0" y="0"/>
-            <a:ext cx="9144000" cy="640642"/>
+            <a:ext cx="9144000" cy="742950"/>
           </a:xfrm>
         </p:spPr>
         <p:txBody>
@@ -10659,7 +10691,7 @@
         </p:nvSpPr>
         <p:spPr>
           <a:xfrm>
-            <a:off x="2836126" y="4786312"/>
+            <a:off x="3124200" y="4788339"/>
             <a:ext cx="2895600" cy="357188"/>
           </a:xfrm>
         </p:spPr>
@@ -10669,7 +10701,7 @@
           <a:p>
             <a:r>
               <a:rPr lang="en-CA" dirty="0"/>
-              <a:t>IETF  – April 2020 </a:t>
+              <a:t>IETF I – April 2020 </a:t>
             </a:r>
           </a:p>
         </p:txBody>
@@ -10699,7 +10731,7 @@
               </a:pPr>
               <a:t>18</a:t>
             </a:fld>
-            <a:endParaRPr lang="en-US" altLang="zh-CN"/>
+            <a:endParaRPr lang="en-US" altLang="zh-CN" dirty="0"/>
           </a:p>
         </p:txBody>
       </p:sp>
@@ -10717,8 +10749,8 @@
         </p:nvSpPr>
         <p:spPr>
           <a:xfrm>
-            <a:off x="262054" y="640643"/>
-            <a:ext cx="5452946" cy="4401205"/>
+            <a:off x="152400" y="794534"/>
+            <a:ext cx="5105400" cy="3416320"/>
           </a:xfrm>
           <a:prstGeom prst="rect">
             <a:avLst/>
@@ -10737,7 +10769,7 @@
           <a:lstStyle/>
           <a:p>
             <a:r>
-              <a:rPr lang="en-CA" sz="1000" dirty="0">
+              <a:rPr lang="en-CA" sz="900" dirty="0">
                 <a:latin typeface="Courier" pitchFamily="2" charset="0"/>
               </a:rPr>
               <a:t>  +---------------------------------------------------------------+</a:t>
@@ -10745,55 +10777,31 @@
           </a:p>
           <a:p>
             <a:r>
-              <a:rPr lang="en-CA" sz="1000" dirty="0">
-                <a:latin typeface="Courier" pitchFamily="2" charset="0"/>
-              </a:rPr>
-              <a:t>  | Outer IP Header                                               |</a:t>
-            </a:r>
-          </a:p>
-          <a:p>
-            <a:r>
-              <a:rPr lang="en-CA" sz="1000" dirty="0">
-                <a:latin typeface="Courier" pitchFamily="2" charset="0"/>
-              </a:rPr>
-              <a:t>  .  Source IP Address = </a:t>
-            </a:r>
-            <a:r>
-              <a:rPr lang="en-CA" sz="1000" b="1" dirty="0">
-                <a:latin typeface="Courier" pitchFamily="2" charset="0"/>
-              </a:rPr>
-              <a:t>Sender</a:t>
-            </a:r>
-            <a:r>
-              <a:rPr lang="en-CA" sz="1000" dirty="0">
-                <a:latin typeface="Courier" pitchFamily="2" charset="0"/>
-              </a:rPr>
-              <a:t> IPv6 Address                      .</a:t>
-            </a:r>
-          </a:p>
-          <a:p>
-            <a:r>
-              <a:rPr lang="en-CA" sz="1000" dirty="0">
-                <a:latin typeface="Courier" pitchFamily="2" charset="0"/>
-              </a:rPr>
-              <a:t>  .  Destination IP Address = </a:t>
-            </a:r>
-            <a:r>
-              <a:rPr lang="en-CA" sz="1000" b="1" dirty="0">
-                <a:latin typeface="Courier" pitchFamily="2" charset="0"/>
-              </a:rPr>
-              <a:t>Reflector</a:t>
-            </a:r>
-            <a:r>
-              <a:rPr lang="en-CA" sz="1000" dirty="0">
-                <a:latin typeface="Courier" pitchFamily="2" charset="0"/>
-              </a:rPr>
-              <a:t> IPv6 Address              .</a:t>
-            </a:r>
-          </a:p>
-          <a:p>
-            <a:r>
-              <a:rPr lang="en-CA" sz="1000" dirty="0">
+              <a:rPr lang="en-CA" sz="900" dirty="0">
+                <a:latin typeface="Courier" pitchFamily="2" charset="0"/>
+              </a:rPr>
+              <a:t>  | IP Header                                                     |</a:t>
+            </a:r>
+          </a:p>
+          <a:p>
+            <a:r>
+              <a:rPr lang="en-CA" sz="900" dirty="0">
+                <a:latin typeface="Courier" pitchFamily="2" charset="0"/>
+              </a:rPr>
+              <a:t>  .  Source IP Address = Sender IPv6 Address                      .</a:t>
+            </a:r>
+          </a:p>
+          <a:p>
+            <a:r>
+              <a:rPr lang="en-CA" sz="900" dirty="0">
+                <a:latin typeface="Courier" pitchFamily="2" charset="0"/>
+              </a:rPr>
+              <a:t>  .  Destination IP Address = Next IPv6 Address                   .</a:t>
+            </a:r>
+          </a:p>
+          <a:p>
+            <a:r>
+              <a:rPr lang="en-CA" sz="900" dirty="0">
                 <a:latin typeface="Courier" pitchFamily="2" charset="0"/>
               </a:rPr>
               <a:t>  .  Next Header = 43 (Routing Header)                            .</a:t>
@@ -10801,7 +10809,7 @@
           </a:p>
           <a:p>
             <a:r>
-              <a:rPr lang="en-CA" sz="1000" dirty="0">
+              <a:rPr lang="en-CA" sz="900" dirty="0">
                 <a:latin typeface="Courier" pitchFamily="2" charset="0"/>
               </a:rPr>
               <a:t>  .                                                               .</a:t>
@@ -10809,7 +10817,7 @@
           </a:p>
           <a:p>
             <a:r>
-              <a:rPr lang="en-CA" sz="1000" dirty="0">
+              <a:rPr lang="en-CA" sz="900" dirty="0">
                 <a:latin typeface="Courier" pitchFamily="2" charset="0"/>
               </a:rPr>
               <a:t>  +---------------------------------------------------------------+</a:t>
@@ -10817,7 +10825,7 @@
           </a:p>
           <a:p>
             <a:r>
-              <a:rPr lang="en-CA" sz="1000" dirty="0">
+              <a:rPr lang="en-CA" sz="900" dirty="0">
                 <a:latin typeface="Courier" pitchFamily="2" charset="0"/>
               </a:rPr>
               <a:t>  |  SRH                                                          |</a:t>
@@ -10825,7 +10833,7 @@
           </a:p>
           <a:p>
             <a:r>
-              <a:rPr lang="en-CA" sz="1000" dirty="0">
+              <a:rPr lang="en-CA" sz="900" dirty="0">
                 <a:latin typeface="Courier" pitchFamily="2" charset="0"/>
               </a:rPr>
               <a:t>  .  &lt;Segment List&gt;                                               .</a:t>
@@ -10833,7 +10841,7 @@
           </a:p>
           <a:p>
             <a:r>
-              <a:rPr lang="en-CA" sz="1000" dirty="0">
+              <a:rPr lang="en-CA" sz="900" dirty="0">
                 <a:latin typeface="Courier" pitchFamily="2" charset="0"/>
               </a:rPr>
               <a:t>  .  END.TSF with Target SID                                      .</a:t>
@@ -10841,7 +10849,15 @@
           </a:p>
           <a:p>
             <a:r>
-              <a:rPr lang="en-CA" sz="1000" dirty="0">
+              <a:rPr lang="en-CA" sz="900" dirty="0">
+                <a:latin typeface="Courier" pitchFamily="2" charset="0"/>
+              </a:rPr>
+              <a:t>  .  Next Header = 17 (UDP)                                       .</a:t>
+            </a:r>
+          </a:p>
+          <a:p>
+            <a:r>
+              <a:rPr lang="en-CA" sz="900" dirty="0">
                 <a:latin typeface="Courier" pitchFamily="2" charset="0"/>
               </a:rPr>
               <a:t>  .                                                               .</a:t>
@@ -10849,7 +10865,7 @@
           </a:p>
           <a:p>
             <a:r>
-              <a:rPr lang="en-CA" sz="1000" dirty="0">
+              <a:rPr lang="en-CA" sz="900" dirty="0">
                 <a:latin typeface="Courier" pitchFamily="2" charset="0"/>
               </a:rPr>
               <a:t>  +---------------------------------------------------------------+</a:t>
@@ -10857,55 +10873,31 @@
           </a:p>
           <a:p>
             <a:r>
-              <a:rPr lang="en-CA" sz="1000" dirty="0">
-                <a:latin typeface="Courier" pitchFamily="2" charset="0"/>
-              </a:rPr>
-              <a:t>  | Inner IP Header                                               |</a:t>
-            </a:r>
-          </a:p>
-          <a:p>
-            <a:r>
-              <a:rPr lang="en-CA" sz="1000" dirty="0">
-                <a:latin typeface="Courier" pitchFamily="2" charset="0"/>
-              </a:rPr>
-              <a:t>  .  Source IP Address = </a:t>
-            </a:r>
-            <a:r>
-              <a:rPr lang="en-CA" sz="1000" b="1" dirty="0">
-                <a:latin typeface="Courier" pitchFamily="2" charset="0"/>
-              </a:rPr>
-              <a:t>Reflector</a:t>
-            </a:r>
-            <a:r>
-              <a:rPr lang="en-CA" sz="1000" dirty="0">
-                <a:latin typeface="Courier" pitchFamily="2" charset="0"/>
-              </a:rPr>
-              <a:t> IPv6 Address                    .</a:t>
-            </a:r>
-          </a:p>
-          <a:p>
-            <a:r>
-              <a:rPr lang="en-CA" sz="1000" dirty="0">
-                <a:latin typeface="Courier" pitchFamily="2" charset="0"/>
-              </a:rPr>
-              <a:t>  .  Destination IP Address = </a:t>
-            </a:r>
-            <a:r>
-              <a:rPr lang="en-CA" sz="1000" b="1" dirty="0">
-                <a:latin typeface="Courier" pitchFamily="2" charset="0"/>
-              </a:rPr>
-              <a:t>Sender</a:t>
-            </a:r>
-            <a:r>
-              <a:rPr lang="en-CA" sz="1000" dirty="0">
-                <a:latin typeface="Courier" pitchFamily="2" charset="0"/>
-              </a:rPr>
-              <a:t> IPv6 Address                 .</a:t>
-            </a:r>
-          </a:p>
-          <a:p>
-            <a:r>
-              <a:rPr lang="en-CA" sz="1000" dirty="0">
+              <a:rPr lang="en-CA" sz="900" dirty="0">
+                <a:latin typeface="Courier" pitchFamily="2" charset="0"/>
+              </a:rPr>
+              <a:t>  | UDP Header                                                    |</a:t>
+            </a:r>
+          </a:p>
+          <a:p>
+            <a:r>
+              <a:rPr lang="en-CA" sz="900" dirty="0">
+                <a:latin typeface="Courier" pitchFamily="2" charset="0"/>
+              </a:rPr>
+              <a:t>  .  Source Port = As chosen by Sender                            .</a:t>
+            </a:r>
+          </a:p>
+          <a:p>
+            <a:r>
+              <a:rPr lang="en-CA" sz="900" dirty="0">
+                <a:latin typeface="Courier" pitchFamily="2" charset="0"/>
+              </a:rPr>
+              <a:t>  .  Destination Port = User-configured Port                      .</a:t>
+            </a:r>
+          </a:p>
+          <a:p>
+            <a:r>
+              <a:rPr lang="en-CA" sz="900" dirty="0">
                 <a:latin typeface="Courier" pitchFamily="2" charset="0"/>
               </a:rPr>
               <a:t>  .                                                               .</a:t>
@@ -10913,7 +10905,39 @@
           </a:p>
           <a:p>
             <a:r>
-              <a:rPr lang="en-CA" sz="1000" dirty="0">
+              <a:rPr lang="en-CA" sz="900" dirty="0">
+                <a:latin typeface="Courier" pitchFamily="2" charset="0"/>
+              </a:rPr>
+              <a:t>  +-+-+-+-+-+-+-+-+-+-+-+-+-+-+-+-+-+-+-+-+-+-+-+-+-+-+-+-+-+-+-+-+</a:t>
+            </a:r>
+          </a:p>
+          <a:p>
+            <a:r>
+              <a:rPr lang="en-CA" sz="900" dirty="0">
+                <a:latin typeface="Courier" pitchFamily="2" charset="0"/>
+              </a:rPr>
+              <a:t>  |  Payload as defined in Section 4.2.1 of RFC 5357 |            |</a:t>
+            </a:r>
+          </a:p>
+          <a:p>
+            <a:r>
+              <a:rPr lang="en-CA" sz="900" dirty="0">
+                <a:latin typeface="Courier" pitchFamily="2" charset="0"/>
+              </a:rPr>
+              <a:t>  |  Payload as defined in Section 4.2 of RFC 8762                |</a:t>
+            </a:r>
+          </a:p>
+          <a:p>
+            <a:r>
+              <a:rPr lang="en-CA" sz="900" dirty="0">
+                <a:latin typeface="Courier" pitchFamily="2" charset="0"/>
+              </a:rPr>
+              <a:t>  .                                                               .</a:t>
+            </a:r>
+          </a:p>
+          <a:p>
+            <a:r>
+              <a:rPr lang="en-CA" sz="900" dirty="0">
                 <a:latin typeface="Courier" pitchFamily="2" charset="0"/>
               </a:rPr>
               <a:t>  +---------------------------------------------------------------+</a:t>
@@ -10921,79 +10945,7 @@
           </a:p>
           <a:p>
             <a:r>
-              <a:rPr lang="en-CA" sz="1000" dirty="0">
-                <a:latin typeface="Courier" pitchFamily="2" charset="0"/>
-              </a:rPr>
-              <a:t>  | UDP Header                                                    |</a:t>
-            </a:r>
-          </a:p>
-          <a:p>
-            <a:r>
-              <a:rPr lang="en-CA" sz="1000" dirty="0">
-                <a:latin typeface="Courier" pitchFamily="2" charset="0"/>
-              </a:rPr>
-              <a:t>  .  Source Port = As chosen by Sender                            .</a:t>
-            </a:r>
-          </a:p>
-          <a:p>
-            <a:r>
-              <a:rPr lang="en-CA" sz="1000" dirty="0">
-                <a:latin typeface="Courier" pitchFamily="2" charset="0"/>
-              </a:rPr>
-              <a:t>  .  Destination Port = User-configured Port                      .</a:t>
-            </a:r>
-          </a:p>
-          <a:p>
-            <a:r>
-              <a:rPr lang="en-CA" sz="1000" dirty="0">
-                <a:latin typeface="Courier" pitchFamily="2" charset="0"/>
-              </a:rPr>
-              <a:t>  .                                                               .</a:t>
-            </a:r>
-          </a:p>
-          <a:p>
-            <a:r>
-              <a:rPr lang="en-CA" sz="1000" dirty="0">
-                <a:latin typeface="Courier" pitchFamily="2" charset="0"/>
-              </a:rPr>
-              <a:t>  +-+-+-+-+-+-+-+-+-+-+-+-+-+-+-+-+-+-+-+-+-+-+-+-+-+-+-+-+-+-+-+-+</a:t>
-            </a:r>
-          </a:p>
-          <a:p>
-            <a:r>
-              <a:rPr lang="en-CA" sz="1000" dirty="0">
-                <a:latin typeface="Courier" pitchFamily="2" charset="0"/>
-              </a:rPr>
-              <a:t>  |  Payload as defined in Section 4.2.1 of RFC 5357 |            |</a:t>
-            </a:r>
-          </a:p>
-          <a:p>
-            <a:r>
-              <a:rPr lang="en-CA" sz="1000" dirty="0">
-                <a:latin typeface="Courier" pitchFamily="2" charset="0"/>
-              </a:rPr>
-              <a:t>  |  Payload as defined in Section 4.2 of RFC 8762                |</a:t>
-            </a:r>
-          </a:p>
-          <a:p>
-            <a:r>
-              <a:rPr lang="en-CA" sz="1000" dirty="0">
-                <a:latin typeface="Courier" pitchFamily="2" charset="0"/>
-              </a:rPr>
-              <a:t>  .                                                               .</a:t>
-            </a:r>
-          </a:p>
-          <a:p>
-            <a:r>
-              <a:rPr lang="en-CA" sz="1000" dirty="0">
-                <a:latin typeface="Courier" pitchFamily="2" charset="0"/>
-              </a:rPr>
-              <a:t>  +---------------------------------------------------------------+</a:t>
-            </a:r>
-          </a:p>
-          <a:p>
-            <a:r>
-              <a:rPr lang="en-CA" sz="1000" dirty="0">
+              <a:rPr lang="en-CA" sz="900" dirty="0">
                 <a:latin typeface="Courier" pitchFamily="2" charset="0"/>
               </a:rPr>
               <a:t> </a:t>
@@ -11001,12 +10953,12 @@
           </a:p>
           <a:p>
             <a:r>
-              <a:rPr lang="en-CA" sz="1000" dirty="0">
-                <a:latin typeface="Courier" pitchFamily="2" charset="0"/>
-              </a:rPr>
-              <a:t>   Figure: Example 2 Probe Message for SRv6 with Endpoint Function</a:t>
-            </a:r>
-            <a:endParaRPr lang="en-US" sz="1000" dirty="0">
+              <a:rPr lang="en-CA" sz="900" dirty="0">
+                <a:latin typeface="Courier" pitchFamily="2" charset="0"/>
+              </a:rPr>
+              <a:t>Example 2: Probe Message for SRv6 with Endpoint Function SR Return Path</a:t>
+            </a:r>
+            <a:endParaRPr lang="en-US" sz="900" dirty="0">
               <a:latin typeface="Courier" pitchFamily="2" charset="0"/>
             </a:endParaRPr>
           </a:p>
@@ -11030,8 +10982,8 @@
         </p:nvSpPr>
         <p:spPr>
           <a:xfrm>
-            <a:off x="5768897" y="1200150"/>
-            <a:ext cx="3113049" cy="2895600"/>
+            <a:off x="5291254" y="888169"/>
+            <a:ext cx="3547946" cy="3207581"/>
           </a:xfrm>
         </p:spPr>
         <p:txBody>
@@ -11039,45 +10991,31 @@
           <a:lstStyle/>
           <a:p>
             <a:r>
-              <a:rPr lang="en-US" sz="1600" dirty="0"/>
+              <a:rPr lang="en-US" sz="1400" dirty="0"/>
               <a:t>Endpoint Function END.TSF is defined for Timestamp and Forward and carried for the Reflector node SID</a:t>
             </a:r>
           </a:p>
           <a:p>
             <a:r>
-              <a:rPr lang="en-US" sz="1600" dirty="0"/>
-              <a:t>Reflector node removes SRH</a:t>
-            </a:r>
-          </a:p>
-          <a:p>
-            <a:r>
-              <a:rPr lang="en-US" sz="1600" dirty="0"/>
-              <a:t>Reverse direction path is IP</a:t>
-            </a:r>
-          </a:p>
-          <a:p>
-            <a:r>
-              <a:rPr lang="en-US" sz="1600" dirty="0"/>
-              <a:t>Source and Destination Addresses are swapped for the Reverse direction path in the </a:t>
-            </a:r>
-            <a:r>
-              <a:rPr lang="en-US" sz="1600" b="1" dirty="0"/>
-              <a:t>inner</a:t>
-            </a:r>
-            <a:r>
-              <a:rPr lang="en-US" sz="1600" dirty="0"/>
-              <a:t> IPv6 header</a:t>
-            </a:r>
-          </a:p>
-          <a:p>
-            <a:endParaRPr lang="en-US" sz="1600" dirty="0"/>
+              <a:rPr lang="en-US" sz="1400" dirty="0"/>
+              <a:t>Reflector node does not remove the SRH, Sender node will remove the SRH</a:t>
+            </a:r>
+          </a:p>
+          <a:p>
+            <a:r>
+              <a:rPr lang="en-US" sz="1400" dirty="0"/>
+              <a:t>Reverse direction SR path carried in SRH</a:t>
+            </a:r>
+          </a:p>
+          <a:p>
+            <a:endParaRPr lang="en-US" sz="1400" dirty="0"/>
           </a:p>
         </p:txBody>
       </p:sp>
     </p:spTree>
     <p:extLst>
       <p:ext uri="{BB962C8B-B14F-4D97-AF65-F5344CB8AC3E}">
-        <p14:creationId xmlns:p14="http://schemas.microsoft.com/office/powerpoint/2010/main" val="94110022"/>
+        <p14:creationId xmlns:p14="http://schemas.microsoft.com/office/powerpoint/2010/main" val="1703487410"/>
       </p:ext>
     </p:extLst>
   </p:cSld>

--- a/draft-gandhi-spring-sr-enhanced-plm-01.pptx
+++ b/draft-gandhi-spring-sr-enhanced-plm-01.pptx
@@ -10982,8 +10982,8 @@
         </p:nvSpPr>
         <p:spPr>
           <a:xfrm>
-            <a:off x="5291254" y="888169"/>
-            <a:ext cx="3547946" cy="3207581"/>
+            <a:off x="5334000" y="1200150"/>
+            <a:ext cx="3547946" cy="1988381"/>
           </a:xfrm>
         </p:spPr>
         <p:txBody>
@@ -13617,8 +13617,8 @@
         </p:nvSpPr>
         <p:spPr>
           <a:xfrm>
-            <a:off x="173421" y="672733"/>
-            <a:ext cx="4931979" cy="4108817"/>
+            <a:off x="381000" y="740479"/>
+            <a:ext cx="4398579" cy="3662541"/>
           </a:xfrm>
           <a:prstGeom prst="rect">
             <a:avLst/>
@@ -13637,7 +13637,7 @@
           <a:lstStyle/>
           <a:p>
             <a:r>
-              <a:rPr lang="en-CA" sz="900" dirty="0">
+              <a:rPr lang="en-CA" sz="800" dirty="0">
                 <a:latin typeface="Courier" pitchFamily="2" charset="0"/>
               </a:rPr>
               <a:t>  0 1 2 3 4 5 6 7 8 9 0 1 2 3 4 5 6 7 8 9 0 1 2 3 4 5 6 7 8 9 0 1</a:t>
@@ -13645,7 +13645,7 @@
           </a:p>
           <a:p>
             <a:r>
-              <a:rPr lang="en-CA" sz="900" dirty="0">
+              <a:rPr lang="en-CA" sz="800" dirty="0">
                 <a:latin typeface="Courier" pitchFamily="2" charset="0"/>
               </a:rPr>
               <a:t>  +-+-+-+-+-+-+-+-+-+-+-+-+-+-+-+-+-+-+-+-+-+-+-+-+-+-+-+-+-+-+-+-+</a:t>
@@ -13653,7 +13653,7 @@
           </a:p>
           <a:p>
             <a:r>
-              <a:rPr lang="en-CA" sz="900" dirty="0">
+              <a:rPr lang="en-CA" sz="800" dirty="0">
                 <a:latin typeface="Courier" pitchFamily="2" charset="0"/>
               </a:rPr>
               <a:t>  |            Label(1)                   | TC  |S|      TTL      |</a:t>
@@ -13661,7 +13661,7 @@
           </a:p>
           <a:p>
             <a:r>
-              <a:rPr lang="en-CA" sz="900" dirty="0">
+              <a:rPr lang="en-CA" sz="800" dirty="0">
                 <a:latin typeface="Courier" pitchFamily="2" charset="0"/>
               </a:rPr>
               <a:t>  +-+-+-+-+-+-+-+-+-+-+-+-+-+-+-+-+-+-+-+-+-+-+-+-+-+-+-+-+-+-+-+-+</a:t>
@@ -13669,7 +13669,7 @@
           </a:p>
           <a:p>
             <a:r>
-              <a:rPr lang="en-CA" sz="900" dirty="0">
+              <a:rPr lang="en-CA" sz="800" dirty="0">
                 <a:latin typeface="Courier" pitchFamily="2" charset="0"/>
               </a:rPr>
               <a:t>  .                                                               .</a:t>
@@ -13677,7 +13677,7 @@
           </a:p>
           <a:p>
             <a:r>
-              <a:rPr lang="en-CA" sz="900" dirty="0">
+              <a:rPr lang="en-CA" sz="800" dirty="0">
                 <a:latin typeface="Courier" pitchFamily="2" charset="0"/>
               </a:rPr>
               <a:t>  .                                                               .</a:t>
@@ -13685,7 +13685,7 @@
           </a:p>
           <a:p>
             <a:r>
-              <a:rPr lang="en-CA" sz="900" dirty="0">
+              <a:rPr lang="en-CA" sz="800" dirty="0">
                 <a:latin typeface="Courier" pitchFamily="2" charset="0"/>
               </a:rPr>
               <a:t>  .                                                               .</a:t>
@@ -13693,7 +13693,7 @@
           </a:p>
           <a:p>
             <a:r>
-              <a:rPr lang="en-CA" sz="900" dirty="0">
+              <a:rPr lang="en-CA" sz="800" dirty="0">
                 <a:latin typeface="Courier" pitchFamily="2" charset="0"/>
               </a:rPr>
               <a:t>  +-+-+-+-+-+-+-+-+-+-+-+-+-+-+-+-+-+-+-+-+-+-+-+-+-+-+-+-+-+-+-+-+</a:t>
@@ -13701,7 +13701,7 @@
           </a:p>
           <a:p>
             <a:r>
-              <a:rPr lang="en-CA" sz="900" dirty="0">
+              <a:rPr lang="en-CA" sz="800" dirty="0">
                 <a:latin typeface="Courier" pitchFamily="2" charset="0"/>
               </a:rPr>
               <a:t>  |            Label(n)                   | TC  |S|      TTL      |</a:t>
@@ -13709,7 +13709,7 @@
           </a:p>
           <a:p>
             <a:r>
-              <a:rPr lang="en-CA" sz="900" dirty="0">
+              <a:rPr lang="en-CA" sz="800" dirty="0">
                 <a:latin typeface="Courier" pitchFamily="2" charset="0"/>
               </a:rPr>
               <a:t>  +-+-+-+-+-+-+-+-+-+-+-+-+-+-+-+-+-+-+-+-+-+-+-+-+-+-+-+-+-+-+-+-+</a:t>
@@ -13717,13 +13717,13 @@
           </a:p>
           <a:p>
             <a:r>
-              <a:rPr lang="en-CA" sz="900" dirty="0">
+              <a:rPr lang="en-CA" sz="800" dirty="0">
                 <a:latin typeface="Courier" pitchFamily="2" charset="0"/>
               </a:rPr>
               <a:t>  </a:t>
             </a:r>
             <a:r>
-              <a:rPr lang="en-CA" sz="900" b="1" dirty="0">
+              <a:rPr lang="en-CA" sz="800" b="1" dirty="0">
                 <a:latin typeface="Courier" pitchFamily="2" charset="0"/>
               </a:rPr>
               <a:t>|            Timestamp Label (TBA1)     | TC  |S|      TTL      |</a:t>
@@ -13731,7 +13731,7 @@
           </a:p>
           <a:p>
             <a:r>
-              <a:rPr lang="en-CA" sz="900" dirty="0">
+              <a:rPr lang="en-CA" sz="800" dirty="0">
                 <a:latin typeface="Courier" pitchFamily="2" charset="0"/>
               </a:rPr>
               <a:t>  +---------------------------------------------------------------+</a:t>
@@ -13739,7 +13739,7 @@
           </a:p>
           <a:p>
             <a:r>
-              <a:rPr lang="en-CA" sz="900" dirty="0">
+              <a:rPr lang="en-CA" sz="800" dirty="0">
                 <a:latin typeface="Courier" pitchFamily="2" charset="0"/>
               </a:rPr>
               <a:t>  | IP Header                                                     |</a:t>
@@ -13747,19 +13747,19 @@
           </a:p>
           <a:p>
             <a:r>
-              <a:rPr lang="en-CA" sz="900" dirty="0">
+              <a:rPr lang="en-CA" sz="800" dirty="0">
                 <a:latin typeface="Courier" pitchFamily="2" charset="0"/>
               </a:rPr>
               <a:t>  .  Source IP Address = </a:t>
             </a:r>
             <a:r>
-              <a:rPr lang="en-CA" sz="900" b="1" dirty="0">
+              <a:rPr lang="en-CA" sz="800" b="1" dirty="0">
                 <a:latin typeface="Courier" pitchFamily="2" charset="0"/>
               </a:rPr>
               <a:t>Endpoint</a:t>
             </a:r>
             <a:r>
-              <a:rPr lang="en-CA" sz="900" dirty="0">
+              <a:rPr lang="en-CA" sz="800" dirty="0">
                 <a:latin typeface="Courier" pitchFamily="2" charset="0"/>
               </a:rPr>
               <a:t> IPv4 or IPv6 Address            .</a:t>
@@ -13767,19 +13767,19 @@
           </a:p>
           <a:p>
             <a:r>
-              <a:rPr lang="en-CA" sz="900" dirty="0">
+              <a:rPr lang="en-CA" sz="800" dirty="0">
                 <a:latin typeface="Courier" pitchFamily="2" charset="0"/>
               </a:rPr>
               <a:t>  .  Destination IP Address = </a:t>
             </a:r>
             <a:r>
-              <a:rPr lang="en-CA" sz="900" b="1" dirty="0">
+              <a:rPr lang="en-CA" sz="800" b="1" dirty="0">
                 <a:latin typeface="Courier" pitchFamily="2" charset="0"/>
               </a:rPr>
               <a:t>Sender</a:t>
             </a:r>
             <a:r>
-              <a:rPr lang="en-CA" sz="900" dirty="0">
+              <a:rPr lang="en-CA" sz="800" dirty="0">
                 <a:latin typeface="Courier" pitchFamily="2" charset="0"/>
               </a:rPr>
               <a:t> IPv4 or IPv6 Address         .</a:t>
@@ -13787,7 +13787,7 @@
           </a:p>
           <a:p>
             <a:r>
-              <a:rPr lang="en-CA" sz="900" dirty="0">
+              <a:rPr lang="en-CA" sz="800" dirty="0">
                 <a:latin typeface="Courier" pitchFamily="2" charset="0"/>
               </a:rPr>
               <a:t>  .  Protocol = UDP                                               .</a:t>
@@ -13795,7 +13795,7 @@
           </a:p>
           <a:p>
             <a:r>
-              <a:rPr lang="en-CA" sz="900" dirty="0">
+              <a:rPr lang="en-CA" sz="800" dirty="0">
                 <a:latin typeface="Courier" pitchFamily="2" charset="0"/>
               </a:rPr>
               <a:t>  .                                                               .</a:t>
@@ -13803,7 +13803,7 @@
           </a:p>
           <a:p>
             <a:r>
-              <a:rPr lang="en-CA" sz="900" dirty="0">
+              <a:rPr lang="en-CA" sz="800" dirty="0">
                 <a:latin typeface="Courier" pitchFamily="2" charset="0"/>
               </a:rPr>
               <a:t>  +---------------------------------------------------------------+</a:t>
@@ -13811,7 +13811,7 @@
           </a:p>
           <a:p>
             <a:r>
-              <a:rPr lang="en-CA" sz="900" dirty="0">
+              <a:rPr lang="en-CA" sz="800" dirty="0">
                 <a:latin typeface="Courier" pitchFamily="2" charset="0"/>
               </a:rPr>
               <a:t>  | UDP Header                                                    |</a:t>
@@ -13819,7 +13819,7 @@
           </a:p>
           <a:p>
             <a:r>
-              <a:rPr lang="en-CA" sz="900" dirty="0">
+              <a:rPr lang="en-CA" sz="800" dirty="0">
                 <a:latin typeface="Courier" pitchFamily="2" charset="0"/>
               </a:rPr>
               <a:t>  .  Source Port = As chosen by Sender                            .</a:t>
@@ -13827,7 +13827,7 @@
           </a:p>
           <a:p>
             <a:r>
-              <a:rPr lang="en-CA" sz="900" dirty="0">
+              <a:rPr lang="en-CA" sz="800" dirty="0">
                 <a:latin typeface="Courier" pitchFamily="2" charset="0"/>
               </a:rPr>
               <a:t>  .  Destination Port = User-configured Port                      .</a:t>
@@ -13835,7 +13835,7 @@
           </a:p>
           <a:p>
             <a:r>
-              <a:rPr lang="en-CA" sz="900" dirty="0">
+              <a:rPr lang="en-CA" sz="800" dirty="0">
                 <a:latin typeface="Courier" pitchFamily="2" charset="0"/>
               </a:rPr>
               <a:t>  .                                                               .</a:t>
@@ -13843,7 +13843,7 @@
           </a:p>
           <a:p>
             <a:r>
-              <a:rPr lang="en-CA" sz="900" dirty="0">
+              <a:rPr lang="en-CA" sz="800" dirty="0">
                 <a:latin typeface="Courier" pitchFamily="2" charset="0"/>
               </a:rPr>
               <a:t>  +-+-+-+-+-+-+-+-+-+-+-+-+-+-+-+-+-+-+-+-+-+-+-+-+-+-+-+-+-+-+-+-+</a:t>
@@ -13851,7 +13851,7 @@
           </a:p>
           <a:p>
             <a:r>
-              <a:rPr lang="en-CA" sz="900" dirty="0">
+              <a:rPr lang="en-CA" sz="800" dirty="0">
                 <a:latin typeface="Courier" pitchFamily="2" charset="0"/>
               </a:rPr>
               <a:t>  |  Payload as defined in Section 4.2.1 of RFC 5357 |            |</a:t>
@@ -13859,7 +13859,7 @@
           </a:p>
           <a:p>
             <a:r>
-              <a:rPr lang="en-CA" sz="900" dirty="0">
+              <a:rPr lang="en-CA" sz="800" dirty="0">
                 <a:latin typeface="Courier" pitchFamily="2" charset="0"/>
               </a:rPr>
               <a:t>  |  Payload as defined in Section 4.2 of RFC 8762                |</a:t>
@@ -13867,7 +13867,7 @@
           </a:p>
           <a:p>
             <a:r>
-              <a:rPr lang="en-CA" sz="900" dirty="0">
+              <a:rPr lang="en-CA" sz="800" dirty="0">
                 <a:latin typeface="Courier" pitchFamily="2" charset="0"/>
               </a:rPr>
               <a:t>  .                                                               .</a:t>
@@ -13875,7 +13875,7 @@
           </a:p>
           <a:p>
             <a:r>
-              <a:rPr lang="en-CA" sz="900" dirty="0">
+              <a:rPr lang="en-CA" sz="800" dirty="0">
                 <a:latin typeface="Courier" pitchFamily="2" charset="0"/>
               </a:rPr>
               <a:t>  +---------------------------------------------------------------+</a:t>
@@ -13883,7 +13883,7 @@
           </a:p>
           <a:p>
             <a:r>
-              <a:rPr lang="en-CA" sz="900" dirty="0">
+              <a:rPr lang="en-CA" sz="800" dirty="0">
                 <a:latin typeface="Courier" pitchFamily="2" charset="0"/>
               </a:rPr>
               <a:t> </a:t>
@@ -13891,12 +13891,12 @@
           </a:p>
           <a:p>
             <a:r>
-              <a:rPr lang="en-CA" sz="900" dirty="0">
+              <a:rPr lang="en-CA" sz="800" dirty="0">
                 <a:latin typeface="Courier" pitchFamily="2" charset="0"/>
               </a:rPr>
               <a:t>    Figure: Example Probe Message for SR-MPLS with Timestamp Label</a:t>
             </a:r>
-            <a:endParaRPr lang="en-US" sz="900" dirty="0">
+            <a:endParaRPr lang="en-US" sz="800" dirty="0">
               <a:latin typeface="Courier" pitchFamily="2" charset="0"/>
             </a:endParaRPr>
           </a:p>
@@ -13920,8 +13920,8 @@
         </p:nvSpPr>
         <p:spPr>
           <a:xfrm>
-            <a:off x="5160579" y="1071222"/>
-            <a:ext cx="3810000" cy="3001056"/>
+            <a:off x="4839628" y="1071221"/>
+            <a:ext cx="3923371" cy="3001056"/>
           </a:xfrm>
         </p:spPr>
         <p:txBody>
@@ -14082,7 +14082,7 @@
             </a:pPr>
             <a:r>
               <a:rPr lang="en-US" sz="1600" dirty="0"/>
-              <a:t>Existing forwarding mechanisms are applicable to PM probe messages:</a:t>
+              <a:t>Existing forwarding mechanisms are applicable to PM probe messages. Examples are:</a:t>
             </a:r>
           </a:p>
           <a:p>
@@ -14125,20 +14125,6 @@
             <a:r>
               <a:rPr lang="en-US" sz="1600" dirty="0"/>
               <a:t>For IPv6</a:t>
-            </a:r>
-          </a:p>
-          <a:p>
-            <a:pPr lvl="2">
-              <a:lnSpc>
-                <a:spcPts val="2280"/>
-              </a:lnSpc>
-              <a:spcBef>
-                <a:spcPts val="0"/>
-              </a:spcBef>
-            </a:pPr>
-            <a:r>
-              <a:rPr lang="en-US" sz="1600" dirty="0"/>
-              <a:t>Destination addresses in IPv6 header (e.g. ::FFFF:127/104) when return path is SRv6</a:t>
             </a:r>
           </a:p>
           <a:p>

--- a/draft-gandhi-spring-sr-enhanced-plm-01.pptx
+++ b/draft-gandhi-spring-sr-enhanced-plm-01.pptx
@@ -5,10 +5,10 @@
     <p:sldMasterId id="2147483648" r:id="rId1"/>
   </p:sldMasterIdLst>
   <p:notesMasterIdLst>
-    <p:notesMasterId r:id="rId20"/>
+    <p:notesMasterId r:id="rId21"/>
   </p:notesMasterIdLst>
   <p:handoutMasterIdLst>
-    <p:handoutMasterId r:id="rId21"/>
+    <p:handoutMasterId r:id="rId22"/>
   </p:handoutMasterIdLst>
   <p:sldIdLst>
     <p:sldId id="256" r:id="rId2"/>
@@ -29,6 +29,7 @@
     <p:sldId id="1668" r:id="rId17"/>
     <p:sldId id="1669" r:id="rId18"/>
     <p:sldId id="1661" r:id="rId19"/>
+    <p:sldId id="1670" r:id="rId20"/>
   </p:sldIdLst>
   <p:sldSz cx="9144000" cy="5143500" type="screen16x9"/>
   <p:notesSz cx="6858000" cy="9144000"/>
@@ -1711,6 +1712,96 @@
     <p:extLst>
       <p:ext uri="{BB962C8B-B14F-4D97-AF65-F5344CB8AC3E}">
         <p14:creationId xmlns:p14="http://schemas.microsoft.com/office/powerpoint/2010/main" val="1788599029"/>
+      </p:ext>
+    </p:extLst>
+  </p:cSld>
+  <p:clrMapOvr>
+    <a:masterClrMapping/>
+  </p:clrMapOvr>
+</p:notes>
+</file>
+
+<file path=ppt/notesSlides/notesSlide18.xml><?xml version="1.0" encoding="utf-8"?>
+<p:notes xmlns:a="http://schemas.openxmlformats.org/drawingml/2006/main" xmlns:r="http://schemas.openxmlformats.org/officeDocument/2006/relationships" xmlns:p="http://schemas.openxmlformats.org/presentationml/2006/main">
+  <p:cSld>
+    <p:spTree>
+      <p:nvGrpSpPr>
+        <p:cNvPr id="1" name=""/>
+        <p:cNvGrpSpPr/>
+        <p:nvPr/>
+      </p:nvGrpSpPr>
+      <p:grpSpPr>
+        <a:xfrm>
+          <a:off x="0" y="0"/>
+          <a:ext cx="0" cy="0"/>
+          <a:chOff x="0" y="0"/>
+          <a:chExt cx="0" cy="0"/>
+        </a:xfrm>
+      </p:grpSpPr>
+      <p:sp>
+        <p:nvSpPr>
+          <p:cNvPr id="2" name="Slide Image Placeholder 1"/>
+          <p:cNvSpPr>
+            <a:spLocks noGrp="1" noRot="1" noChangeAspect="1"/>
+          </p:cNvSpPr>
+          <p:nvPr>
+            <p:ph type="sldImg"/>
+          </p:nvPr>
+        </p:nvSpPr>
+        <p:spPr/>
+      </p:sp>
+      <p:sp>
+        <p:nvSpPr>
+          <p:cNvPr id="3" name="Notes Placeholder 2"/>
+          <p:cNvSpPr>
+            <a:spLocks noGrp="1"/>
+          </p:cNvSpPr>
+          <p:nvPr>
+            <p:ph type="body" idx="1"/>
+          </p:nvPr>
+        </p:nvSpPr>
+        <p:spPr/>
+        <p:txBody>
+          <a:bodyPr/>
+          <a:lstStyle/>
+          <a:p>
+            <a:endParaRPr lang="en-US" dirty="0"/>
+          </a:p>
+        </p:txBody>
+      </p:sp>
+      <p:sp>
+        <p:nvSpPr>
+          <p:cNvPr id="4" name="Slide Number Placeholder 3"/>
+          <p:cNvSpPr>
+            <a:spLocks noGrp="1"/>
+          </p:cNvSpPr>
+          <p:nvPr>
+            <p:ph type="sldNum" sz="quarter" idx="10"/>
+          </p:nvPr>
+        </p:nvSpPr>
+        <p:spPr/>
+        <p:txBody>
+          <a:bodyPr/>
+          <a:lstStyle/>
+          <a:p>
+            <a:pPr>
+              <a:defRPr/>
+            </a:pPr>
+            <a:fld id="{100938BD-FD70-4535-B0C2-13FC38CDF1BE}" type="slidenum">
+              <a:rPr lang="en-US" altLang="zh-CN" smtClean="0"/>
+              <a:pPr>
+                <a:defRPr/>
+              </a:pPr>
+              <a:t>19</a:t>
+            </a:fld>
+            <a:endParaRPr lang="en-US" altLang="zh-CN"/>
+          </a:p>
+        </p:txBody>
+      </p:sp>
+    </p:spTree>
+    <p:extLst>
+      <p:ext uri="{BB962C8B-B14F-4D97-AF65-F5344CB8AC3E}">
+        <p14:creationId xmlns:p14="http://schemas.microsoft.com/office/powerpoint/2010/main" val="2437151870"/>
       </p:ext>
     </p:extLst>
   </p:cSld>
@@ -11016,6 +11107,281 @@
     <p:extLst>
       <p:ext uri="{BB962C8B-B14F-4D97-AF65-F5344CB8AC3E}">
         <p14:creationId xmlns:p14="http://schemas.microsoft.com/office/powerpoint/2010/main" val="1703487410"/>
+      </p:ext>
+    </p:extLst>
+  </p:cSld>
+  <p:clrMapOvr>
+    <a:masterClrMapping/>
+  </p:clrMapOvr>
+</p:sld>
+</file>
+
+<file path=ppt/slides/slide19.xml><?xml version="1.0" encoding="utf-8"?>
+<p:sld xmlns:a="http://schemas.openxmlformats.org/drawingml/2006/main" xmlns:r="http://schemas.openxmlformats.org/officeDocument/2006/relationships" xmlns:p="http://schemas.openxmlformats.org/presentationml/2006/main">
+  <p:cSld>
+    <p:spTree>
+      <p:nvGrpSpPr>
+        <p:cNvPr id="1" name=""/>
+        <p:cNvGrpSpPr/>
+        <p:nvPr/>
+      </p:nvGrpSpPr>
+      <p:grpSpPr>
+        <a:xfrm>
+          <a:off x="0" y="0"/>
+          <a:ext cx="0" cy="0"/>
+          <a:chOff x="0" y="0"/>
+          <a:chExt cx="0" cy="0"/>
+        </a:xfrm>
+      </p:grpSpPr>
+      <p:sp>
+        <p:nvSpPr>
+          <p:cNvPr id="4" name="Footer Placeholder 3"/>
+          <p:cNvSpPr>
+            <a:spLocks noGrp="1"/>
+          </p:cNvSpPr>
+          <p:nvPr>
+            <p:ph type="ftr" sz="quarter" idx="11"/>
+          </p:nvPr>
+        </p:nvSpPr>
+        <p:spPr>
+          <a:xfrm>
+            <a:off x="3124200" y="4786312"/>
+            <a:ext cx="2895600" cy="357188"/>
+          </a:xfrm>
+        </p:spPr>
+        <p:txBody>
+          <a:bodyPr/>
+          <a:lstStyle/>
+          <a:p>
+            <a:r>
+              <a:rPr lang="en-CA" dirty="0"/>
+              <a:t>IETF  – April 2020 </a:t>
+            </a:r>
+          </a:p>
+        </p:txBody>
+      </p:sp>
+      <p:sp>
+        <p:nvSpPr>
+          <p:cNvPr id="5" name="Rectangle 2"/>
+          <p:cNvSpPr txBox="1">
+            <a:spLocks noChangeArrowheads="1"/>
+          </p:cNvSpPr>
+          <p:nvPr/>
+        </p:nvSpPr>
+        <p:spPr bwMode="auto">
+          <a:xfrm>
+            <a:off x="685800" y="1657350"/>
+            <a:ext cx="7772400" cy="1102519"/>
+          </a:xfrm>
+          <a:prstGeom prst="rect">
+            <a:avLst/>
+          </a:prstGeom>
+          <a:noFill/>
+          <a:ln w="9525">
+            <a:noFill/>
+            <a:miter lim="800000"/>
+            <a:headEnd/>
+            <a:tailEnd/>
+          </a:ln>
+          <a:effectLst/>
+        </p:spPr>
+        <p:txBody>
+          <a:bodyPr vert="horz" wrap="square" lIns="91440" tIns="45720" rIns="91440" bIns="45720" numCol="1" anchor="ctr" anchorCtr="0" compatLnSpc="1">
+            <a:prstTxWarp prst="textNoShape">
+              <a:avLst/>
+            </a:prstTxWarp>
+          </a:bodyPr>
+          <a:lstStyle>
+            <a:lvl1pPr algn="ctr" rtl="0" eaLnBrk="0" fontAlgn="base" hangingPunct="0">
+              <a:spcBef>
+                <a:spcPct val="0"/>
+              </a:spcBef>
+              <a:spcAft>
+                <a:spcPct val="0"/>
+              </a:spcAft>
+              <a:defRPr sz="4400">
+                <a:solidFill>
+                  <a:schemeClr val="tx2"/>
+                </a:solidFill>
+                <a:latin typeface="+mj-lt"/>
+                <a:ea typeface="+mj-ea"/>
+                <a:cs typeface="+mj-cs"/>
+              </a:defRPr>
+            </a:lvl1pPr>
+            <a:lvl2pPr algn="ctr" rtl="0" eaLnBrk="0" fontAlgn="base" hangingPunct="0">
+              <a:spcBef>
+                <a:spcPct val="0"/>
+              </a:spcBef>
+              <a:spcAft>
+                <a:spcPct val="0"/>
+              </a:spcAft>
+              <a:defRPr sz="4400">
+                <a:solidFill>
+                  <a:schemeClr val="tx2"/>
+                </a:solidFill>
+                <a:latin typeface="Arial" charset="0"/>
+                <a:ea typeface="宋体" pitchFamily="2" charset="-122"/>
+              </a:defRPr>
+            </a:lvl2pPr>
+            <a:lvl3pPr algn="ctr" rtl="0" eaLnBrk="0" fontAlgn="base" hangingPunct="0">
+              <a:spcBef>
+                <a:spcPct val="0"/>
+              </a:spcBef>
+              <a:spcAft>
+                <a:spcPct val="0"/>
+              </a:spcAft>
+              <a:defRPr sz="4400">
+                <a:solidFill>
+                  <a:schemeClr val="tx2"/>
+                </a:solidFill>
+                <a:latin typeface="Arial" charset="0"/>
+                <a:ea typeface="宋体" pitchFamily="2" charset="-122"/>
+              </a:defRPr>
+            </a:lvl3pPr>
+            <a:lvl4pPr algn="ctr" rtl="0" eaLnBrk="0" fontAlgn="base" hangingPunct="0">
+              <a:spcBef>
+                <a:spcPct val="0"/>
+              </a:spcBef>
+              <a:spcAft>
+                <a:spcPct val="0"/>
+              </a:spcAft>
+              <a:defRPr sz="4400">
+                <a:solidFill>
+                  <a:schemeClr val="tx2"/>
+                </a:solidFill>
+                <a:latin typeface="Arial" charset="0"/>
+                <a:ea typeface="宋体" pitchFamily="2" charset="-122"/>
+              </a:defRPr>
+            </a:lvl4pPr>
+            <a:lvl5pPr algn="ctr" rtl="0" eaLnBrk="0" fontAlgn="base" hangingPunct="0">
+              <a:spcBef>
+                <a:spcPct val="0"/>
+              </a:spcBef>
+              <a:spcAft>
+                <a:spcPct val="0"/>
+              </a:spcAft>
+              <a:defRPr sz="4400">
+                <a:solidFill>
+                  <a:schemeClr val="tx2"/>
+                </a:solidFill>
+                <a:latin typeface="Arial" charset="0"/>
+                <a:ea typeface="宋体" pitchFamily="2" charset="-122"/>
+              </a:defRPr>
+            </a:lvl5pPr>
+            <a:lvl6pPr marL="457200" algn="ctr" rtl="0" fontAlgn="base">
+              <a:spcBef>
+                <a:spcPct val="0"/>
+              </a:spcBef>
+              <a:spcAft>
+                <a:spcPct val="0"/>
+              </a:spcAft>
+              <a:defRPr sz="4400">
+                <a:solidFill>
+                  <a:schemeClr val="tx2"/>
+                </a:solidFill>
+                <a:latin typeface="Arial" charset="0"/>
+                <a:ea typeface="宋体" pitchFamily="2" charset="-122"/>
+              </a:defRPr>
+            </a:lvl6pPr>
+            <a:lvl7pPr marL="914400" algn="ctr" rtl="0" fontAlgn="base">
+              <a:spcBef>
+                <a:spcPct val="0"/>
+              </a:spcBef>
+              <a:spcAft>
+                <a:spcPct val="0"/>
+              </a:spcAft>
+              <a:defRPr sz="4400">
+                <a:solidFill>
+                  <a:schemeClr val="tx2"/>
+                </a:solidFill>
+                <a:latin typeface="Arial" charset="0"/>
+                <a:ea typeface="宋体" pitchFamily="2" charset="-122"/>
+              </a:defRPr>
+            </a:lvl7pPr>
+            <a:lvl8pPr marL="1371600" algn="ctr" rtl="0" fontAlgn="base">
+              <a:spcBef>
+                <a:spcPct val="0"/>
+              </a:spcBef>
+              <a:spcAft>
+                <a:spcPct val="0"/>
+              </a:spcAft>
+              <a:defRPr sz="4400">
+                <a:solidFill>
+                  <a:schemeClr val="tx2"/>
+                </a:solidFill>
+                <a:latin typeface="Arial" charset="0"/>
+                <a:ea typeface="宋体" pitchFamily="2" charset="-122"/>
+              </a:defRPr>
+            </a:lvl8pPr>
+            <a:lvl9pPr marL="1828800" algn="ctr" rtl="0" fontAlgn="base">
+              <a:spcBef>
+                <a:spcPct val="0"/>
+              </a:spcBef>
+              <a:spcAft>
+                <a:spcPct val="0"/>
+              </a:spcAft>
+              <a:defRPr sz="4400">
+                <a:solidFill>
+                  <a:schemeClr val="tx2"/>
+                </a:solidFill>
+                <a:latin typeface="Arial" charset="0"/>
+                <a:ea typeface="宋体" pitchFamily="2" charset="-122"/>
+              </a:defRPr>
+            </a:lvl9pPr>
+          </a:lstStyle>
+          <a:p>
+            <a:pPr eaLnBrk="1" hangingPunct="1">
+              <a:defRPr/>
+            </a:pPr>
+            <a:r>
+              <a:rPr lang="en-US" altLang="zh-CN" sz="4000" kern="0" dirty="0">
+                <a:effectLst>
+                  <a:outerShdw blurRad="38100" dist="38100" dir="2700000" algn="tl">
+                    <a:srgbClr val="C0C0C0"/>
+                  </a:outerShdw>
+                </a:effectLst>
+                <a:latin typeface="Calibri" charset="0"/>
+                <a:ea typeface="Calibri" charset="0"/>
+                <a:cs typeface="Calibri" charset="0"/>
+              </a:rPr>
+              <a:t>Thank you</a:t>
+            </a:r>
+          </a:p>
+        </p:txBody>
+      </p:sp>
+      <p:sp>
+        <p:nvSpPr>
+          <p:cNvPr id="2" name="Slide Number Placeholder 1"/>
+          <p:cNvSpPr>
+            <a:spLocks noGrp="1"/>
+          </p:cNvSpPr>
+          <p:nvPr>
+            <p:ph type="sldNum" sz="quarter" idx="12"/>
+          </p:nvPr>
+        </p:nvSpPr>
+        <p:spPr/>
+        <p:txBody>
+          <a:bodyPr/>
+          <a:lstStyle/>
+          <a:p>
+            <a:pPr>
+              <a:defRPr/>
+            </a:pPr>
+            <a:fld id="{BD6E0F59-1DD8-40FC-9C92-B6295CBA6CCA}" type="slidenum">
+              <a:rPr lang="en-US" altLang="zh-CN" smtClean="0"/>
+              <a:pPr>
+                <a:defRPr/>
+              </a:pPr>
+              <a:t>19</a:t>
+            </a:fld>
+            <a:endParaRPr lang="en-US" altLang="zh-CN"/>
+          </a:p>
+        </p:txBody>
+      </p:sp>
+    </p:spTree>
+    <p:extLst>
+      <p:ext uri="{BB962C8B-B14F-4D97-AF65-F5344CB8AC3E}">
+        <p14:creationId xmlns:p14="http://schemas.microsoft.com/office/powerpoint/2010/main" val="14540097"/>
       </p:ext>
     </p:extLst>
   </p:cSld>

--- a/draft-gandhi-spring-sr-enhanced-plm-01.pptx
+++ b/draft-gandhi-spring-sr-enhanced-plm-01.pptx
@@ -262,7 +262,7 @@
           <a:p>
             <a:fld id="{E8FA3DB5-7722-3F4F-947D-12B203669AD7}" type="datetimeFigureOut">
               <a:rPr lang="en-US" smtClean="0"/>
-              <a:t>4/21/20</a:t>
+              <a:t>4/22/20</a:t>
             </a:fld>
             <a:endParaRPr lang="en-US"/>
           </a:p>
@@ -10792,7 +10792,7 @@
           <a:p>
             <a:r>
               <a:rPr lang="en-CA" dirty="0"/>
-              <a:t>IETF I – April 2020 </a:t>
+              <a:t>IETF – April 2020 </a:t>
             </a:r>
           </a:p>
         </p:txBody>
@@ -14476,7 +14476,7 @@
             </a:pPr>
             <a:r>
               <a:rPr lang="en-US" sz="1600" dirty="0"/>
-              <a:t>Destination addresses in IPv4 header (e.g. 127/8) when return path is SR-MPLS</a:t>
+              <a:t>Destination address in IPv4 header (e.g. 127/8) when return path is SR-MPLS</a:t>
             </a:r>
           </a:p>
           <a:p>

--- a/draft-gandhi-spring-sr-enhanced-plm-01.pptx
+++ b/draft-gandhi-spring-sr-enhanced-plm-01.pptx
@@ -14476,7 +14476,7 @@
             </a:pPr>
             <a:r>
               <a:rPr lang="en-US" sz="1600" dirty="0"/>
-              <a:t>Destination address in IPv4 header (e.g. 127/8) when return path is SR-MPLS</a:t>
+              <a:t>Sweeping destination address in IPv4 header (e.g. 127/8) when return path is SR-MPLS</a:t>
             </a:r>
           </a:p>
           <a:p>
@@ -14504,7 +14504,7 @@
             </a:pPr>
             <a:r>
               <a:rPr lang="en-US" sz="1600" dirty="0"/>
-              <a:t>Flow label in IPv6 header</a:t>
+              <a:t>Sweeping flow label in IPv6 header</a:t>
             </a:r>
           </a:p>
         </p:txBody>

--- a/draft-gandhi-spring-sr-enhanced-plm-01.pptx
+++ b/draft-gandhi-spring-sr-enhanced-plm-01.pptx
@@ -5,31 +5,33 @@
     <p:sldMasterId id="2147483648" r:id="rId1"/>
   </p:sldMasterIdLst>
   <p:notesMasterIdLst>
-    <p:notesMasterId r:id="rId21"/>
+    <p:notesMasterId r:id="rId23"/>
   </p:notesMasterIdLst>
   <p:handoutMasterIdLst>
-    <p:handoutMasterId r:id="rId22"/>
+    <p:handoutMasterId r:id="rId24"/>
   </p:handoutMasterIdLst>
   <p:sldIdLst>
     <p:sldId id="256" r:id="rId2"/>
     <p:sldId id="299" r:id="rId3"/>
     <p:sldId id="315" r:id="rId4"/>
     <p:sldId id="326" r:id="rId5"/>
-    <p:sldId id="1659" r:id="rId6"/>
-    <p:sldId id="1662" r:id="rId7"/>
-    <p:sldId id="1666" r:id="rId8"/>
-    <p:sldId id="1667" r:id="rId9"/>
-    <p:sldId id="1658" r:id="rId10"/>
-    <p:sldId id="1663" r:id="rId11"/>
-    <p:sldId id="318" r:id="rId12"/>
-    <p:sldId id="303" r:id="rId13"/>
-    <p:sldId id="1664" r:id="rId14"/>
-    <p:sldId id="1642" r:id="rId15"/>
-    <p:sldId id="1665" r:id="rId16"/>
-    <p:sldId id="1668" r:id="rId17"/>
-    <p:sldId id="1669" r:id="rId18"/>
-    <p:sldId id="1661" r:id="rId19"/>
-    <p:sldId id="1670" r:id="rId20"/>
+    <p:sldId id="1671" r:id="rId6"/>
+    <p:sldId id="1672" r:id="rId7"/>
+    <p:sldId id="1659" r:id="rId8"/>
+    <p:sldId id="1662" r:id="rId9"/>
+    <p:sldId id="1666" r:id="rId10"/>
+    <p:sldId id="1667" r:id="rId11"/>
+    <p:sldId id="1658" r:id="rId12"/>
+    <p:sldId id="1663" r:id="rId13"/>
+    <p:sldId id="318" r:id="rId14"/>
+    <p:sldId id="303" r:id="rId15"/>
+    <p:sldId id="1664" r:id="rId16"/>
+    <p:sldId id="1642" r:id="rId17"/>
+    <p:sldId id="1665" r:id="rId18"/>
+    <p:sldId id="1668" r:id="rId19"/>
+    <p:sldId id="1669" r:id="rId20"/>
+    <p:sldId id="1661" r:id="rId21"/>
+    <p:sldId id="1670" r:id="rId22"/>
   </p:sldIdLst>
   <p:sldSz cx="9144000" cy="5143500" type="screen16x9"/>
   <p:notesSz cx="6858000" cy="9144000"/>
@@ -262,7 +264,7 @@
           <a:p>
             <a:fld id="{E8FA3DB5-7722-3F4F-947D-12B203669AD7}" type="datetimeFigureOut">
               <a:rPr lang="en-US" smtClean="0"/>
-              <a:t>4/22/20</a:t>
+              <a:t>5/8/20</a:t>
             </a:fld>
             <a:endParaRPr lang="en-US"/>
           </a:p>
@@ -950,7 +952,7 @@
               <a:pPr>
                 <a:defRPr/>
               </a:pPr>
-              <a:t>11</a:t>
+              <a:t>10</a:t>
             </a:fld>
             <a:endParaRPr lang="en-US" altLang="zh-CN"/>
           </a:p>
@@ -959,7 +961,7 @@
     </p:spTree>
     <p:extLst>
       <p:ext uri="{BB962C8B-B14F-4D97-AF65-F5344CB8AC3E}">
-        <p14:creationId xmlns:p14="http://schemas.microsoft.com/office/powerpoint/2010/main" val="1422079827"/>
+        <p14:creationId xmlns:p14="http://schemas.microsoft.com/office/powerpoint/2010/main" val="2021630429"/>
       </p:ext>
     </p:extLst>
   </p:cSld>
@@ -1040,7 +1042,7 @@
               <a:pPr>
                 <a:defRPr/>
               </a:pPr>
-              <a:t>12</a:t>
+              <a:t>11</a:t>
             </a:fld>
             <a:endParaRPr lang="en-US" altLang="zh-CN"/>
           </a:p>
@@ -1049,7 +1051,7 @@
     </p:spTree>
     <p:extLst>
       <p:ext uri="{BB962C8B-B14F-4D97-AF65-F5344CB8AC3E}">
-        <p14:creationId xmlns:p14="http://schemas.microsoft.com/office/powerpoint/2010/main" val="383772479"/>
+        <p14:creationId xmlns:p14="http://schemas.microsoft.com/office/powerpoint/2010/main" val="939525286"/>
       </p:ext>
     </p:extLst>
   </p:cSld>
@@ -1103,35 +1105,18 @@
           <a:bodyPr/>
           <a:lstStyle/>
           <a:p>
-            <a:pPr marL="171450" marR="0" lvl="0" indent="-171450" algn="l" defTabSz="457200" rtl="0" eaLnBrk="0" fontAlgn="base" latinLnBrk="0" hangingPunct="0">
-              <a:lnSpc>
-                <a:spcPct val="100000"/>
-              </a:lnSpc>
-              <a:spcBef>
-                <a:spcPct val="30000"/>
-              </a:spcBef>
-              <a:spcAft>
-                <a:spcPct val="0"/>
-              </a:spcAft>
-              <a:buClrTx/>
-              <a:buSzTx/>
-              <a:buFont typeface="Arial" charset="0"/>
-              <a:buNone/>
-              <a:tabLst/>
-              <a:defRPr/>
-            </a:pPr>
-            <a:endParaRPr lang="en-US" dirty="0"/>
-          </a:p>
-        </p:txBody>
-      </p:sp>
-      <p:sp>
-        <p:nvSpPr>
-          <p:cNvPr id="4" name="Header Placeholder 3"/>
+            <a:endParaRPr lang="en-CA" dirty="0"/>
+          </a:p>
+        </p:txBody>
+      </p:sp>
+      <p:sp>
+        <p:nvSpPr>
+          <p:cNvPr id="4" name="Slide Number Placeholder 3"/>
           <p:cNvSpPr>
             <a:spLocks noGrp="1"/>
           </p:cNvSpPr>
           <p:nvPr>
-            <p:ph type="hdr" sz="quarter" idx="10"/>
+            <p:ph type="sldNum" sz="quarter" idx="10"/>
           </p:nvPr>
         </p:nvSpPr>
         <p:spPr/>
@@ -1142,65 +1127,21 @@
             <a:pPr>
               <a:defRPr/>
             </a:pPr>
-            <a:endParaRPr lang="en-US"/>
-          </a:p>
-        </p:txBody>
-      </p:sp>
-      <p:sp>
-        <p:nvSpPr>
-          <p:cNvPr id="5" name="Footer Placeholder 4"/>
-          <p:cNvSpPr>
-            <a:spLocks noGrp="1"/>
-          </p:cNvSpPr>
-          <p:nvPr>
-            <p:ph type="ftr" sz="quarter" idx="11"/>
-          </p:nvPr>
-        </p:nvSpPr>
-        <p:spPr/>
-        <p:txBody>
-          <a:bodyPr/>
-          <a:lstStyle/>
-          <a:p>
-            <a:pPr>
-              <a:defRPr/>
-            </a:pPr>
-            <a:endParaRPr lang="en-US"/>
-          </a:p>
-        </p:txBody>
-      </p:sp>
-      <p:sp>
-        <p:nvSpPr>
-          <p:cNvPr id="6" name="Slide Number Placeholder 5"/>
-          <p:cNvSpPr>
-            <a:spLocks noGrp="1"/>
-          </p:cNvSpPr>
-          <p:nvPr>
-            <p:ph type="sldNum" sz="quarter" idx="12"/>
-          </p:nvPr>
-        </p:nvSpPr>
-        <p:spPr/>
-        <p:txBody>
-          <a:bodyPr/>
-          <a:lstStyle/>
-          <a:p>
-            <a:pPr>
-              <a:defRPr/>
-            </a:pPr>
-            <a:fld id="{F97A1FA6-25DE-9E4E-A34D-CF67DE7DBDC7}" type="slidenum">
-              <a:rPr lang="en-US" smtClean="0"/>
+            <a:fld id="{100938BD-FD70-4535-B0C2-13FC38CDF1BE}" type="slidenum">
+              <a:rPr lang="en-US" altLang="zh-CN" smtClean="0"/>
               <a:pPr>
                 <a:defRPr/>
               </a:pPr>
               <a:t>13</a:t>
             </a:fld>
-            <a:endParaRPr lang="en-US"/>
+            <a:endParaRPr lang="en-US" altLang="zh-CN"/>
           </a:p>
         </p:txBody>
       </p:sp>
     </p:spTree>
     <p:extLst>
       <p:ext uri="{BB962C8B-B14F-4D97-AF65-F5344CB8AC3E}">
-        <p14:creationId xmlns:p14="http://schemas.microsoft.com/office/powerpoint/2010/main" val="2106992105"/>
+        <p14:creationId xmlns:p14="http://schemas.microsoft.com/office/powerpoint/2010/main" val="1422079827"/>
       </p:ext>
     </p:extLst>
   </p:cSld>
@@ -1254,35 +1195,18 @@
           <a:bodyPr/>
           <a:lstStyle/>
           <a:p>
-            <a:pPr marL="171450" marR="0" lvl="0" indent="-171450" algn="l" defTabSz="457200" rtl="0" eaLnBrk="0" fontAlgn="base" latinLnBrk="0" hangingPunct="0">
-              <a:lnSpc>
-                <a:spcPct val="100000"/>
-              </a:lnSpc>
-              <a:spcBef>
-                <a:spcPct val="30000"/>
-              </a:spcBef>
-              <a:spcAft>
-                <a:spcPct val="0"/>
-              </a:spcAft>
-              <a:buClrTx/>
-              <a:buSzTx/>
-              <a:buFont typeface="Arial" charset="0"/>
-              <a:buNone/>
-              <a:tabLst/>
-              <a:defRPr/>
-            </a:pPr>
             <a:endParaRPr lang="en-US" dirty="0"/>
           </a:p>
         </p:txBody>
       </p:sp>
       <p:sp>
         <p:nvSpPr>
-          <p:cNvPr id="4" name="Header Placeholder 3"/>
+          <p:cNvPr id="4" name="Slide Number Placeholder 3"/>
           <p:cNvSpPr>
             <a:spLocks noGrp="1"/>
           </p:cNvSpPr>
           <p:nvPr>
-            <p:ph type="hdr" sz="quarter" idx="10"/>
+            <p:ph type="sldNum" sz="quarter" idx="10"/>
           </p:nvPr>
         </p:nvSpPr>
         <p:spPr/>
@@ -1293,65 +1217,21 @@
             <a:pPr>
               <a:defRPr/>
             </a:pPr>
-            <a:endParaRPr lang="en-US"/>
-          </a:p>
-        </p:txBody>
-      </p:sp>
-      <p:sp>
-        <p:nvSpPr>
-          <p:cNvPr id="5" name="Footer Placeholder 4"/>
-          <p:cNvSpPr>
-            <a:spLocks noGrp="1"/>
-          </p:cNvSpPr>
-          <p:nvPr>
-            <p:ph type="ftr" sz="quarter" idx="11"/>
-          </p:nvPr>
-        </p:nvSpPr>
-        <p:spPr/>
-        <p:txBody>
-          <a:bodyPr/>
-          <a:lstStyle/>
-          <a:p>
-            <a:pPr>
-              <a:defRPr/>
-            </a:pPr>
-            <a:endParaRPr lang="en-US"/>
-          </a:p>
-        </p:txBody>
-      </p:sp>
-      <p:sp>
-        <p:nvSpPr>
-          <p:cNvPr id="6" name="Slide Number Placeholder 5"/>
-          <p:cNvSpPr>
-            <a:spLocks noGrp="1"/>
-          </p:cNvSpPr>
-          <p:nvPr>
-            <p:ph type="sldNum" sz="quarter" idx="12"/>
-          </p:nvPr>
-        </p:nvSpPr>
-        <p:spPr/>
-        <p:txBody>
-          <a:bodyPr/>
-          <a:lstStyle/>
-          <a:p>
-            <a:pPr>
-              <a:defRPr/>
-            </a:pPr>
-            <a:fld id="{F97A1FA6-25DE-9E4E-A34D-CF67DE7DBDC7}" type="slidenum">
-              <a:rPr lang="en-US" smtClean="0"/>
+            <a:fld id="{100938BD-FD70-4535-B0C2-13FC38CDF1BE}" type="slidenum">
+              <a:rPr lang="en-US" altLang="zh-CN" smtClean="0"/>
               <a:pPr>
                 <a:defRPr/>
               </a:pPr>
               <a:t>14</a:t>
             </a:fld>
-            <a:endParaRPr lang="en-US"/>
+            <a:endParaRPr lang="en-US" altLang="zh-CN"/>
           </a:p>
         </p:txBody>
       </p:sp>
     </p:spTree>
     <p:extLst>
       <p:ext uri="{BB962C8B-B14F-4D97-AF65-F5344CB8AC3E}">
-        <p14:creationId xmlns:p14="http://schemas.microsoft.com/office/powerpoint/2010/main" val="3881026240"/>
+        <p14:creationId xmlns:p14="http://schemas.microsoft.com/office/powerpoint/2010/main" val="383772479"/>
       </p:ext>
     </p:extLst>
   </p:cSld>
@@ -1405,18 +1285,35 @@
           <a:bodyPr/>
           <a:lstStyle/>
           <a:p>
+            <a:pPr marL="171450" marR="0" lvl="0" indent="-171450" algn="l" defTabSz="457200" rtl="0" eaLnBrk="0" fontAlgn="base" latinLnBrk="0" hangingPunct="0">
+              <a:lnSpc>
+                <a:spcPct val="100000"/>
+              </a:lnSpc>
+              <a:spcBef>
+                <a:spcPct val="30000"/>
+              </a:spcBef>
+              <a:spcAft>
+                <a:spcPct val="0"/>
+              </a:spcAft>
+              <a:buClrTx/>
+              <a:buSzTx/>
+              <a:buFont typeface="Arial" charset="0"/>
+              <a:buNone/>
+              <a:tabLst/>
+              <a:defRPr/>
+            </a:pPr>
             <a:endParaRPr lang="en-US" dirty="0"/>
           </a:p>
         </p:txBody>
       </p:sp>
       <p:sp>
         <p:nvSpPr>
-          <p:cNvPr id="4" name="Slide Number Placeholder 3"/>
+          <p:cNvPr id="4" name="Header Placeholder 3"/>
           <p:cNvSpPr>
             <a:spLocks noGrp="1"/>
           </p:cNvSpPr>
           <p:nvPr>
-            <p:ph type="sldNum" sz="quarter" idx="10"/>
+            <p:ph type="hdr" sz="quarter" idx="10"/>
           </p:nvPr>
         </p:nvSpPr>
         <p:spPr/>
@@ -1427,21 +1324,65 @@
             <a:pPr>
               <a:defRPr/>
             </a:pPr>
-            <a:fld id="{100938BD-FD70-4535-B0C2-13FC38CDF1BE}" type="slidenum">
-              <a:rPr lang="en-US" altLang="zh-CN" smtClean="0"/>
+            <a:endParaRPr lang="en-US"/>
+          </a:p>
+        </p:txBody>
+      </p:sp>
+      <p:sp>
+        <p:nvSpPr>
+          <p:cNvPr id="5" name="Footer Placeholder 4"/>
+          <p:cNvSpPr>
+            <a:spLocks noGrp="1"/>
+          </p:cNvSpPr>
+          <p:nvPr>
+            <p:ph type="ftr" sz="quarter" idx="11"/>
+          </p:nvPr>
+        </p:nvSpPr>
+        <p:spPr/>
+        <p:txBody>
+          <a:bodyPr/>
+          <a:lstStyle/>
+          <a:p>
+            <a:pPr>
+              <a:defRPr/>
+            </a:pPr>
+            <a:endParaRPr lang="en-US"/>
+          </a:p>
+        </p:txBody>
+      </p:sp>
+      <p:sp>
+        <p:nvSpPr>
+          <p:cNvPr id="6" name="Slide Number Placeholder 5"/>
+          <p:cNvSpPr>
+            <a:spLocks noGrp="1"/>
+          </p:cNvSpPr>
+          <p:nvPr>
+            <p:ph type="sldNum" sz="quarter" idx="12"/>
+          </p:nvPr>
+        </p:nvSpPr>
+        <p:spPr/>
+        <p:txBody>
+          <a:bodyPr/>
+          <a:lstStyle/>
+          <a:p>
+            <a:pPr>
+              <a:defRPr/>
+            </a:pPr>
+            <a:fld id="{F97A1FA6-25DE-9E4E-A34D-CF67DE7DBDC7}" type="slidenum">
+              <a:rPr lang="en-US" smtClean="0"/>
               <a:pPr>
                 <a:defRPr/>
               </a:pPr>
               <a:t>15</a:t>
             </a:fld>
-            <a:endParaRPr lang="en-US" altLang="zh-CN"/>
+            <a:endParaRPr lang="en-US"/>
           </a:p>
         </p:txBody>
       </p:sp>
     </p:spTree>
     <p:extLst>
       <p:ext uri="{BB962C8B-B14F-4D97-AF65-F5344CB8AC3E}">
-        <p14:creationId xmlns:p14="http://schemas.microsoft.com/office/powerpoint/2010/main" val="1737264485"/>
+        <p14:creationId xmlns:p14="http://schemas.microsoft.com/office/powerpoint/2010/main" val="2106992105"/>
       </p:ext>
     </p:extLst>
   </p:cSld>
@@ -1495,18 +1436,35 @@
           <a:bodyPr/>
           <a:lstStyle/>
           <a:p>
+            <a:pPr marL="171450" marR="0" lvl="0" indent="-171450" algn="l" defTabSz="457200" rtl="0" eaLnBrk="0" fontAlgn="base" latinLnBrk="0" hangingPunct="0">
+              <a:lnSpc>
+                <a:spcPct val="100000"/>
+              </a:lnSpc>
+              <a:spcBef>
+                <a:spcPct val="30000"/>
+              </a:spcBef>
+              <a:spcAft>
+                <a:spcPct val="0"/>
+              </a:spcAft>
+              <a:buClrTx/>
+              <a:buSzTx/>
+              <a:buFont typeface="Arial" charset="0"/>
+              <a:buNone/>
+              <a:tabLst/>
+              <a:defRPr/>
+            </a:pPr>
             <a:endParaRPr lang="en-US" dirty="0"/>
           </a:p>
         </p:txBody>
       </p:sp>
       <p:sp>
         <p:nvSpPr>
-          <p:cNvPr id="4" name="Slide Number Placeholder 3"/>
+          <p:cNvPr id="4" name="Header Placeholder 3"/>
           <p:cNvSpPr>
             <a:spLocks noGrp="1"/>
           </p:cNvSpPr>
           <p:nvPr>
-            <p:ph type="sldNum" sz="quarter" idx="10"/>
+            <p:ph type="hdr" sz="quarter" idx="10"/>
           </p:nvPr>
         </p:nvSpPr>
         <p:spPr/>
@@ -1517,21 +1475,65 @@
             <a:pPr>
               <a:defRPr/>
             </a:pPr>
-            <a:fld id="{100938BD-FD70-4535-B0C2-13FC38CDF1BE}" type="slidenum">
-              <a:rPr lang="en-US" altLang="zh-CN" smtClean="0"/>
+            <a:endParaRPr lang="en-US"/>
+          </a:p>
+        </p:txBody>
+      </p:sp>
+      <p:sp>
+        <p:nvSpPr>
+          <p:cNvPr id="5" name="Footer Placeholder 4"/>
+          <p:cNvSpPr>
+            <a:spLocks noGrp="1"/>
+          </p:cNvSpPr>
+          <p:nvPr>
+            <p:ph type="ftr" sz="quarter" idx="11"/>
+          </p:nvPr>
+        </p:nvSpPr>
+        <p:spPr/>
+        <p:txBody>
+          <a:bodyPr/>
+          <a:lstStyle/>
+          <a:p>
+            <a:pPr>
+              <a:defRPr/>
+            </a:pPr>
+            <a:endParaRPr lang="en-US"/>
+          </a:p>
+        </p:txBody>
+      </p:sp>
+      <p:sp>
+        <p:nvSpPr>
+          <p:cNvPr id="6" name="Slide Number Placeholder 5"/>
+          <p:cNvSpPr>
+            <a:spLocks noGrp="1"/>
+          </p:cNvSpPr>
+          <p:nvPr>
+            <p:ph type="sldNum" sz="quarter" idx="12"/>
+          </p:nvPr>
+        </p:nvSpPr>
+        <p:spPr/>
+        <p:txBody>
+          <a:bodyPr/>
+          <a:lstStyle/>
+          <a:p>
+            <a:pPr>
+              <a:defRPr/>
+            </a:pPr>
+            <a:fld id="{F97A1FA6-25DE-9E4E-A34D-CF67DE7DBDC7}" type="slidenum">
+              <a:rPr lang="en-US" smtClean="0"/>
               <a:pPr>
                 <a:defRPr/>
               </a:pPr>
               <a:t>16</a:t>
             </a:fld>
-            <a:endParaRPr lang="en-US" altLang="zh-CN"/>
+            <a:endParaRPr lang="en-US"/>
           </a:p>
         </p:txBody>
       </p:sp>
     </p:spTree>
     <p:extLst>
       <p:ext uri="{BB962C8B-B14F-4D97-AF65-F5344CB8AC3E}">
-        <p14:creationId xmlns:p14="http://schemas.microsoft.com/office/powerpoint/2010/main" val="4176910369"/>
+        <p14:creationId xmlns:p14="http://schemas.microsoft.com/office/powerpoint/2010/main" val="3881026240"/>
       </p:ext>
     </p:extLst>
   </p:cSld>
@@ -1585,7 +1587,7 @@
           <a:bodyPr/>
           <a:lstStyle/>
           <a:p>
-            <a:endParaRPr lang="en-CA" dirty="0"/>
+            <a:endParaRPr lang="en-US" dirty="0"/>
           </a:p>
         </p:txBody>
       </p:sp>
@@ -1621,7 +1623,7 @@
     </p:spTree>
     <p:extLst>
       <p:ext uri="{BB962C8B-B14F-4D97-AF65-F5344CB8AC3E}">
-        <p14:creationId xmlns:p14="http://schemas.microsoft.com/office/powerpoint/2010/main" val="870300071"/>
+        <p14:creationId xmlns:p14="http://schemas.microsoft.com/office/powerpoint/2010/main" val="1737264485"/>
       </p:ext>
     </p:extLst>
   </p:cSld>
@@ -1675,7 +1677,7 @@
           <a:bodyPr/>
           <a:lstStyle/>
           <a:p>
-            <a:endParaRPr lang="en-CA" dirty="0"/>
+            <a:endParaRPr lang="en-US" dirty="0"/>
           </a:p>
         </p:txBody>
       </p:sp>
@@ -1711,7 +1713,7 @@
     </p:spTree>
     <p:extLst>
       <p:ext uri="{BB962C8B-B14F-4D97-AF65-F5344CB8AC3E}">
-        <p14:creationId xmlns:p14="http://schemas.microsoft.com/office/powerpoint/2010/main" val="1788599029"/>
+        <p14:creationId xmlns:p14="http://schemas.microsoft.com/office/powerpoint/2010/main" val="4176910369"/>
       </p:ext>
     </p:extLst>
   </p:cSld>
@@ -1765,7 +1767,7 @@
           <a:bodyPr/>
           <a:lstStyle/>
           <a:p>
-            <a:endParaRPr lang="en-US" dirty="0"/>
+            <a:endParaRPr lang="en-CA" dirty="0"/>
           </a:p>
         </p:txBody>
       </p:sp>
@@ -1801,7 +1803,97 @@
     </p:spTree>
     <p:extLst>
       <p:ext uri="{BB962C8B-B14F-4D97-AF65-F5344CB8AC3E}">
-        <p14:creationId xmlns:p14="http://schemas.microsoft.com/office/powerpoint/2010/main" val="2437151870"/>
+        <p14:creationId xmlns:p14="http://schemas.microsoft.com/office/powerpoint/2010/main" val="870300071"/>
+      </p:ext>
+    </p:extLst>
+  </p:cSld>
+  <p:clrMapOvr>
+    <a:masterClrMapping/>
+  </p:clrMapOvr>
+</p:notes>
+</file>
+
+<file path=ppt/notesSlides/notesSlide19.xml><?xml version="1.0" encoding="utf-8"?>
+<p:notes xmlns:a="http://schemas.openxmlformats.org/drawingml/2006/main" xmlns:r="http://schemas.openxmlformats.org/officeDocument/2006/relationships" xmlns:p="http://schemas.openxmlformats.org/presentationml/2006/main">
+  <p:cSld>
+    <p:spTree>
+      <p:nvGrpSpPr>
+        <p:cNvPr id="1" name=""/>
+        <p:cNvGrpSpPr/>
+        <p:nvPr/>
+      </p:nvGrpSpPr>
+      <p:grpSpPr>
+        <a:xfrm>
+          <a:off x="0" y="0"/>
+          <a:ext cx="0" cy="0"/>
+          <a:chOff x="0" y="0"/>
+          <a:chExt cx="0" cy="0"/>
+        </a:xfrm>
+      </p:grpSpPr>
+      <p:sp>
+        <p:nvSpPr>
+          <p:cNvPr id="2" name="Slide Image Placeholder 1"/>
+          <p:cNvSpPr>
+            <a:spLocks noGrp="1" noRot="1" noChangeAspect="1"/>
+          </p:cNvSpPr>
+          <p:nvPr>
+            <p:ph type="sldImg"/>
+          </p:nvPr>
+        </p:nvSpPr>
+        <p:spPr/>
+      </p:sp>
+      <p:sp>
+        <p:nvSpPr>
+          <p:cNvPr id="3" name="Notes Placeholder 2"/>
+          <p:cNvSpPr>
+            <a:spLocks noGrp="1"/>
+          </p:cNvSpPr>
+          <p:nvPr>
+            <p:ph type="body" idx="1"/>
+          </p:nvPr>
+        </p:nvSpPr>
+        <p:spPr/>
+        <p:txBody>
+          <a:bodyPr/>
+          <a:lstStyle/>
+          <a:p>
+            <a:endParaRPr lang="en-CA" dirty="0"/>
+          </a:p>
+        </p:txBody>
+      </p:sp>
+      <p:sp>
+        <p:nvSpPr>
+          <p:cNvPr id="4" name="Slide Number Placeholder 3"/>
+          <p:cNvSpPr>
+            <a:spLocks noGrp="1"/>
+          </p:cNvSpPr>
+          <p:nvPr>
+            <p:ph type="sldNum" sz="quarter" idx="10"/>
+          </p:nvPr>
+        </p:nvSpPr>
+        <p:spPr/>
+        <p:txBody>
+          <a:bodyPr/>
+          <a:lstStyle/>
+          <a:p>
+            <a:pPr>
+              <a:defRPr/>
+            </a:pPr>
+            <a:fld id="{100938BD-FD70-4535-B0C2-13FC38CDF1BE}" type="slidenum">
+              <a:rPr lang="en-US" altLang="zh-CN" smtClean="0"/>
+              <a:pPr>
+                <a:defRPr/>
+              </a:pPr>
+              <a:t>20</a:t>
+            </a:fld>
+            <a:endParaRPr lang="en-US" altLang="zh-CN"/>
+          </a:p>
+        </p:txBody>
+      </p:sp>
+    </p:spTree>
+    <p:extLst>
+      <p:ext uri="{BB962C8B-B14F-4D97-AF65-F5344CB8AC3E}">
+        <p14:creationId xmlns:p14="http://schemas.microsoft.com/office/powerpoint/2010/main" val="1788599029"/>
       </p:ext>
     </p:extLst>
   </p:cSld>
@@ -1892,6 +1984,96 @@
     <p:extLst>
       <p:ext uri="{BB962C8B-B14F-4D97-AF65-F5344CB8AC3E}">
         <p14:creationId xmlns:p14="http://schemas.microsoft.com/office/powerpoint/2010/main" val="2555545068"/>
+      </p:ext>
+    </p:extLst>
+  </p:cSld>
+  <p:clrMapOvr>
+    <a:masterClrMapping/>
+  </p:clrMapOvr>
+</p:notes>
+</file>
+
+<file path=ppt/notesSlides/notesSlide20.xml><?xml version="1.0" encoding="utf-8"?>
+<p:notes xmlns:a="http://schemas.openxmlformats.org/drawingml/2006/main" xmlns:r="http://schemas.openxmlformats.org/officeDocument/2006/relationships" xmlns:p="http://schemas.openxmlformats.org/presentationml/2006/main">
+  <p:cSld>
+    <p:spTree>
+      <p:nvGrpSpPr>
+        <p:cNvPr id="1" name=""/>
+        <p:cNvGrpSpPr/>
+        <p:nvPr/>
+      </p:nvGrpSpPr>
+      <p:grpSpPr>
+        <a:xfrm>
+          <a:off x="0" y="0"/>
+          <a:ext cx="0" cy="0"/>
+          <a:chOff x="0" y="0"/>
+          <a:chExt cx="0" cy="0"/>
+        </a:xfrm>
+      </p:grpSpPr>
+      <p:sp>
+        <p:nvSpPr>
+          <p:cNvPr id="2" name="Slide Image Placeholder 1"/>
+          <p:cNvSpPr>
+            <a:spLocks noGrp="1" noRot="1" noChangeAspect="1"/>
+          </p:cNvSpPr>
+          <p:nvPr>
+            <p:ph type="sldImg"/>
+          </p:nvPr>
+        </p:nvSpPr>
+        <p:spPr/>
+      </p:sp>
+      <p:sp>
+        <p:nvSpPr>
+          <p:cNvPr id="3" name="Notes Placeholder 2"/>
+          <p:cNvSpPr>
+            <a:spLocks noGrp="1"/>
+          </p:cNvSpPr>
+          <p:nvPr>
+            <p:ph type="body" idx="1"/>
+          </p:nvPr>
+        </p:nvSpPr>
+        <p:spPr/>
+        <p:txBody>
+          <a:bodyPr/>
+          <a:lstStyle/>
+          <a:p>
+            <a:endParaRPr lang="en-US" dirty="0"/>
+          </a:p>
+        </p:txBody>
+      </p:sp>
+      <p:sp>
+        <p:nvSpPr>
+          <p:cNvPr id="4" name="Slide Number Placeholder 3"/>
+          <p:cNvSpPr>
+            <a:spLocks noGrp="1"/>
+          </p:cNvSpPr>
+          <p:nvPr>
+            <p:ph type="sldNum" sz="quarter" idx="10"/>
+          </p:nvPr>
+        </p:nvSpPr>
+        <p:spPr/>
+        <p:txBody>
+          <a:bodyPr/>
+          <a:lstStyle/>
+          <a:p>
+            <a:pPr>
+              <a:defRPr/>
+            </a:pPr>
+            <a:fld id="{100938BD-FD70-4535-B0C2-13FC38CDF1BE}" type="slidenum">
+              <a:rPr lang="en-US" altLang="zh-CN" smtClean="0"/>
+              <a:pPr>
+                <a:defRPr/>
+              </a:pPr>
+              <a:t>21</a:t>
+            </a:fld>
+            <a:endParaRPr lang="en-US" altLang="zh-CN"/>
+          </a:p>
+        </p:txBody>
+      </p:sp>
+    </p:spTree>
+    <p:extLst>
+      <p:ext uri="{BB962C8B-B14F-4D97-AF65-F5344CB8AC3E}">
+        <p14:creationId xmlns:p14="http://schemas.microsoft.com/office/powerpoint/2010/main" val="2437151870"/>
       </p:ext>
     </p:extLst>
   </p:cSld>
@@ -2125,7 +2307,7 @@
           <a:bodyPr/>
           <a:lstStyle/>
           <a:p>
-            <a:endParaRPr lang="en-US" dirty="0"/>
+            <a:endParaRPr lang="en-CA" dirty="0"/>
           </a:p>
         </p:txBody>
       </p:sp>
@@ -2161,7 +2343,7 @@
     </p:spTree>
     <p:extLst>
       <p:ext uri="{BB962C8B-B14F-4D97-AF65-F5344CB8AC3E}">
-        <p14:creationId xmlns:p14="http://schemas.microsoft.com/office/powerpoint/2010/main" val="3511616943"/>
+        <p14:creationId xmlns:p14="http://schemas.microsoft.com/office/powerpoint/2010/main" val="3059883929"/>
       </p:ext>
     </p:extLst>
   </p:cSld>
@@ -2251,7 +2433,7 @@
     </p:spTree>
     <p:extLst>
       <p:ext uri="{BB962C8B-B14F-4D97-AF65-F5344CB8AC3E}">
-        <p14:creationId xmlns:p14="http://schemas.microsoft.com/office/powerpoint/2010/main" val="3363797125"/>
+        <p14:creationId xmlns:p14="http://schemas.microsoft.com/office/powerpoint/2010/main" val="3825867811"/>
       </p:ext>
     </p:extLst>
   </p:cSld>
@@ -2305,7 +2487,7 @@
           <a:bodyPr/>
           <a:lstStyle/>
           <a:p>
-            <a:endParaRPr lang="en-CA" dirty="0"/>
+            <a:endParaRPr lang="en-US" dirty="0"/>
           </a:p>
         </p:txBody>
       </p:sp>
@@ -2341,7 +2523,7 @@
     </p:spTree>
     <p:extLst>
       <p:ext uri="{BB962C8B-B14F-4D97-AF65-F5344CB8AC3E}">
-        <p14:creationId xmlns:p14="http://schemas.microsoft.com/office/powerpoint/2010/main" val="3587585342"/>
+        <p14:creationId xmlns:p14="http://schemas.microsoft.com/office/powerpoint/2010/main" val="3511616943"/>
       </p:ext>
     </p:extLst>
   </p:cSld>
@@ -2431,7 +2613,7 @@
     </p:spTree>
     <p:extLst>
       <p:ext uri="{BB962C8B-B14F-4D97-AF65-F5344CB8AC3E}">
-        <p14:creationId xmlns:p14="http://schemas.microsoft.com/office/powerpoint/2010/main" val="2021630429"/>
+        <p14:creationId xmlns:p14="http://schemas.microsoft.com/office/powerpoint/2010/main" val="3363797125"/>
       </p:ext>
     </p:extLst>
   </p:cSld>
@@ -2485,7 +2667,7 @@
           <a:bodyPr/>
           <a:lstStyle/>
           <a:p>
-            <a:endParaRPr lang="en-US" dirty="0"/>
+            <a:endParaRPr lang="en-CA" dirty="0"/>
           </a:p>
         </p:txBody>
       </p:sp>
@@ -2521,7 +2703,7 @@
     </p:spTree>
     <p:extLst>
       <p:ext uri="{BB962C8B-B14F-4D97-AF65-F5344CB8AC3E}">
-        <p14:creationId xmlns:p14="http://schemas.microsoft.com/office/powerpoint/2010/main" val="939525286"/>
+        <p14:creationId xmlns:p14="http://schemas.microsoft.com/office/powerpoint/2010/main" val="3587585342"/>
       </p:ext>
     </p:extLst>
   </p:cSld>
@@ -6035,7 +6217,15 @@
           <a:p>
             <a:r>
               <a:rPr lang="en-CA" dirty="0"/>
-              <a:t>IETF – April 2020 </a:t>
+              <a:t>108</a:t>
+            </a:r>
+            <a:r>
+              <a:rPr lang="en-CA" baseline="30000" dirty="0"/>
+              <a:t>th</a:t>
+            </a:r>
+            <a:r>
+              <a:rPr lang="en-CA" dirty="0"/>
+              <a:t> IETF @ Madrid</a:t>
             </a:r>
           </a:p>
         </p:txBody>
@@ -6096,13 +6286,7 @@
       </p:grpSpPr>
       <p:sp>
         <p:nvSpPr>
-          <p:cNvPr id="2" name="Title 1">
-            <a:extLst>
-              <a:ext uri="{FF2B5EF4-FFF2-40B4-BE49-F238E27FC236}">
-                <a16:creationId xmlns:a16="http://schemas.microsoft.com/office/drawing/2014/main" id="{9A6F4236-AC14-394A-A36C-F2BD8CED3237}"/>
-              </a:ext>
-            </a:extLst>
-          </p:cNvPr>
+          <p:cNvPr id="2" name="Title 1"/>
           <p:cNvSpPr>
             <a:spLocks noGrp="1"/>
           </p:cNvSpPr>
@@ -6112,7 +6296,7 @@
         </p:nvSpPr>
         <p:spPr>
           <a:xfrm>
-            <a:off x="457200" y="-19050"/>
+            <a:off x="457200" y="-95250"/>
             <a:ext cx="8229600" cy="857250"/>
           </a:xfrm>
         </p:spPr>
@@ -6128,20 +6312,14 @@
                 <a:latin typeface="Calibri Light" panose="020F0302020204030204" pitchFamily="34" charset="0"/>
                 <a:cs typeface="Calibri Light" panose="020F0302020204030204" pitchFamily="34" charset="0"/>
               </a:rPr>
-              <a:t>Example Provisioning Model</a:t>
-            </a:r>
-          </a:p>
-        </p:txBody>
-      </p:sp>
-      <p:sp>
-        <p:nvSpPr>
-          <p:cNvPr id="4" name="Footer Placeholder 3">
-            <a:extLst>
-              <a:ext uri="{FF2B5EF4-FFF2-40B4-BE49-F238E27FC236}">
-                <a16:creationId xmlns:a16="http://schemas.microsoft.com/office/drawing/2014/main" id="{643D160E-CC3C-EB46-A6F1-43B8E2996F46}"/>
-              </a:ext>
-            </a:extLst>
-          </p:cNvPr>
+              <a:t>SR-MPLS with Timestamp Label Example</a:t>
+            </a:r>
+          </a:p>
+        </p:txBody>
+      </p:sp>
+      <p:sp>
+        <p:nvSpPr>
+          <p:cNvPr id="4" name="Footer Placeholder 3"/>
           <p:cNvSpPr>
             <a:spLocks noGrp="1"/>
           </p:cNvSpPr>
@@ -6151,7 +6329,7 @@
         </p:nvSpPr>
         <p:spPr>
           <a:xfrm>
-            <a:off x="3124200" y="4775368"/>
+            <a:off x="3124200" y="4786312"/>
             <a:ext cx="2895600" cy="357188"/>
           </a:xfrm>
         </p:spPr>
@@ -6161,20 +6339,22 @@
           <a:p>
             <a:r>
               <a:rPr lang="en-CA" dirty="0"/>
-              <a:t>IETF  – April 2020 </a:t>
-            </a:r>
-          </a:p>
-        </p:txBody>
-      </p:sp>
-      <p:sp>
-        <p:nvSpPr>
-          <p:cNvPr id="5" name="Slide Number Placeholder 4">
-            <a:extLst>
-              <a:ext uri="{FF2B5EF4-FFF2-40B4-BE49-F238E27FC236}">
-                <a16:creationId xmlns:a16="http://schemas.microsoft.com/office/drawing/2014/main" id="{A8B868AE-B105-7547-A646-14FCDF91C2DD}"/>
-              </a:ext>
-            </a:extLst>
-          </p:cNvPr>
+              <a:t>108</a:t>
+            </a:r>
+            <a:r>
+              <a:rPr lang="en-CA" baseline="30000" dirty="0"/>
+              <a:t>th</a:t>
+            </a:r>
+            <a:r>
+              <a:rPr lang="en-CA" dirty="0"/>
+              <a:t> IETF @ Madrid</a:t>
+            </a:r>
+          </a:p>
+        </p:txBody>
+      </p:sp>
+      <p:sp>
+        <p:nvSpPr>
+          <p:cNvPr id="5" name="Slide Number Placeholder 4"/>
           <p:cNvSpPr>
             <a:spLocks noGrp="1"/>
           </p:cNvSpPr>
@@ -6197,16 +6377,16 @@
               </a:pPr>
               <a:t>10</a:t>
             </a:fld>
-            <a:endParaRPr lang="en-US" altLang="zh-CN"/>
-          </a:p>
-        </p:txBody>
-      </p:sp>
-      <p:sp>
-        <p:nvSpPr>
-          <p:cNvPr id="7" name="Rectangle 6">
+            <a:endParaRPr lang="en-US" altLang="zh-CN" dirty="0"/>
+          </a:p>
+        </p:txBody>
+      </p:sp>
+      <p:sp>
+        <p:nvSpPr>
+          <p:cNvPr id="6" name="Rectangle 5">
             <a:extLst>
               <a:ext uri="{FF2B5EF4-FFF2-40B4-BE49-F238E27FC236}">
-                <a16:creationId xmlns:a16="http://schemas.microsoft.com/office/drawing/2014/main" id="{AA6E66CA-28BC-2C4A-BC04-4600D8FEBF3B}"/>
+                <a16:creationId xmlns:a16="http://schemas.microsoft.com/office/drawing/2014/main" id="{4C15A4CE-6545-5142-97A8-EDA8B07CB60B}"/>
               </a:ext>
             </a:extLst>
           </p:cNvPr>
@@ -6215,8 +6395,8 @@
         </p:nvSpPr>
         <p:spPr>
           <a:xfrm>
-            <a:off x="990600" y="825427"/>
-            <a:ext cx="7010400" cy="3779817"/>
+            <a:off x="381000" y="740479"/>
+            <a:ext cx="4398579" cy="3662541"/>
           </a:xfrm>
           <a:prstGeom prst="rect">
             <a:avLst/>
@@ -6234,237 +6414,327 @@
           </a:bodyPr>
           <a:lstStyle/>
           <a:p>
-            <a:pPr>
-              <a:lnSpc>
-                <a:spcPts val="1640"/>
-              </a:lnSpc>
-            </a:pPr>
-            <a:r>
-              <a:rPr lang="en-CA" sz="1200" dirty="0">
-                <a:latin typeface="Courier" pitchFamily="2" charset="0"/>
-              </a:rPr>
-              <a:t>                             +------------+</a:t>
-            </a:r>
-          </a:p>
-          <a:p>
-            <a:pPr>
-              <a:lnSpc>
-                <a:spcPts val="1640"/>
-              </a:lnSpc>
-            </a:pPr>
-            <a:r>
-              <a:rPr lang="en-CA" sz="1200" dirty="0">
-                <a:latin typeface="Courier" pitchFamily="2" charset="0"/>
-              </a:rPr>
-              <a:t>                             | Controller |</a:t>
-            </a:r>
-          </a:p>
-          <a:p>
-            <a:pPr>
-              <a:lnSpc>
-                <a:spcPts val="1640"/>
-              </a:lnSpc>
-            </a:pPr>
-            <a:r>
-              <a:rPr lang="en-CA" sz="1200" dirty="0">
-                <a:latin typeface="Courier" pitchFamily="2" charset="0"/>
-              </a:rPr>
-              <a:t>                             +------------+</a:t>
-            </a:r>
-          </a:p>
-          <a:p>
-            <a:pPr>
-              <a:lnSpc>
-                <a:spcPts val="1640"/>
-              </a:lnSpc>
-            </a:pPr>
-            <a:r>
-              <a:rPr lang="en-CA" sz="1200" dirty="0">
-                <a:latin typeface="Courier" pitchFamily="2" charset="0"/>
-              </a:rPr>
-              <a:t>  Destination UDP Port            /  \       Network Programming Label</a:t>
-            </a:r>
-          </a:p>
-          <a:p>
-            <a:pPr>
-              <a:lnSpc>
-                <a:spcPts val="1640"/>
-              </a:lnSpc>
-            </a:pPr>
-            <a:r>
-              <a:rPr lang="en-CA" sz="1200" dirty="0">
-                <a:latin typeface="Courier" pitchFamily="2" charset="0"/>
-              </a:rPr>
-              <a:t>  Measurement Protocol           /    \      Timestamp2 Offset</a:t>
-            </a:r>
-          </a:p>
-          <a:p>
-            <a:pPr>
-              <a:lnSpc>
-                <a:spcPts val="1640"/>
-              </a:lnSpc>
-            </a:pPr>
-            <a:r>
-              <a:rPr lang="en-CA" sz="1200" dirty="0">
-                <a:latin typeface="Courier" pitchFamily="2" charset="0"/>
-              </a:rPr>
-              <a:t>  PLM Type                      /      \     Timestamp Format</a:t>
-            </a:r>
-          </a:p>
-          <a:p>
-            <a:pPr>
-              <a:lnSpc>
-                <a:spcPts val="1640"/>
-              </a:lnSpc>
-            </a:pPr>
-            <a:r>
-              <a:rPr lang="en-CA" sz="1200" dirty="0">
-                <a:latin typeface="Courier" pitchFamily="2" charset="0"/>
-              </a:rPr>
-              <a:t>     LB or Enhanced LB         /        \</a:t>
-            </a:r>
-          </a:p>
-          <a:p>
-            <a:pPr>
-              <a:lnSpc>
-                <a:spcPts val="1640"/>
-              </a:lnSpc>
-            </a:pPr>
-            <a:r>
-              <a:rPr lang="en-CA" sz="1200" dirty="0">
-                <a:latin typeface="Courier" pitchFamily="2" charset="0"/>
-              </a:rPr>
-              <a:t>  Authentication Mode &amp; Key   /          \     </a:t>
-            </a:r>
-          </a:p>
-          <a:p>
-            <a:pPr>
-              <a:lnSpc>
-                <a:spcPts val="1640"/>
-              </a:lnSpc>
-            </a:pPr>
-            <a:r>
-              <a:rPr lang="en-CA" sz="1200" dirty="0">
-                <a:latin typeface="Courier" pitchFamily="2" charset="0"/>
-              </a:rPr>
-              <a:t>  Network Programming Label  /            \</a:t>
-            </a:r>
-          </a:p>
-          <a:p>
-            <a:pPr>
-              <a:lnSpc>
-                <a:spcPts val="1640"/>
-              </a:lnSpc>
-            </a:pPr>
-            <a:r>
-              <a:rPr lang="en-CA" sz="1200" dirty="0">
-                <a:latin typeface="Courier" pitchFamily="2" charset="0"/>
-              </a:rPr>
-              <a:t>  Timestamp Format          /              \</a:t>
-            </a:r>
-          </a:p>
-          <a:p>
-            <a:pPr>
-              <a:lnSpc>
-                <a:spcPts val="1640"/>
-              </a:lnSpc>
-            </a:pPr>
-            <a:r>
-              <a:rPr lang="en-CA" sz="1200" dirty="0">
-                <a:latin typeface="Courier" pitchFamily="2" charset="0"/>
-              </a:rPr>
-              <a:t>                           /                \ </a:t>
-            </a:r>
-          </a:p>
-          <a:p>
-            <a:pPr>
-              <a:lnSpc>
-                <a:spcPts val="1640"/>
-              </a:lnSpc>
-            </a:pPr>
-            <a:r>
-              <a:rPr lang="en-CA" sz="1200" dirty="0">
-                <a:latin typeface="Courier" pitchFamily="2" charset="0"/>
-              </a:rPr>
-              <a:t>                          v                  v</a:t>
-            </a:r>
-          </a:p>
-          <a:p>
-            <a:pPr>
-              <a:lnSpc>
-                <a:spcPts val="1640"/>
-              </a:lnSpc>
-            </a:pPr>
-            <a:r>
-              <a:rPr lang="en-CA" sz="1200" dirty="0">
-                <a:latin typeface="Courier" pitchFamily="2" charset="0"/>
-              </a:rPr>
-              <a:t>                     +-------+            +-------+</a:t>
-            </a:r>
-          </a:p>
-          <a:p>
-            <a:pPr>
-              <a:lnSpc>
-                <a:spcPts val="1640"/>
-              </a:lnSpc>
-            </a:pPr>
-            <a:r>
-              <a:rPr lang="en-CA" sz="1200" dirty="0">
-                <a:latin typeface="Courier" pitchFamily="2" charset="0"/>
-              </a:rPr>
-              <a:t>                     |       |  SR Path   |       |</a:t>
-            </a:r>
-          </a:p>
-          <a:p>
-            <a:pPr>
-              <a:lnSpc>
-                <a:spcPts val="1640"/>
-              </a:lnSpc>
-            </a:pPr>
-            <a:r>
-              <a:rPr lang="en-CA" sz="1200" dirty="0">
-                <a:latin typeface="Courier" pitchFamily="2" charset="0"/>
-              </a:rPr>
-              <a:t>                     |   R1  |============|   R5  |</a:t>
-            </a:r>
-          </a:p>
-          <a:p>
-            <a:pPr>
-              <a:lnSpc>
-                <a:spcPts val="1640"/>
-              </a:lnSpc>
-            </a:pPr>
-            <a:r>
-              <a:rPr lang="en-CA" sz="1200" dirty="0">
-                <a:latin typeface="Courier" pitchFamily="2" charset="0"/>
-              </a:rPr>
-              <a:t>                     |       |            |       |</a:t>
-            </a:r>
-          </a:p>
-          <a:p>
-            <a:pPr>
-              <a:lnSpc>
-                <a:spcPts val="1640"/>
-              </a:lnSpc>
-            </a:pPr>
-            <a:r>
-              <a:rPr lang="en-CA" sz="1200" dirty="0">
-                <a:latin typeface="Courier" pitchFamily="2" charset="0"/>
-              </a:rPr>
-              <a:t>                     +-------+            +-------+</a:t>
-            </a:r>
-          </a:p>
-          <a:p>
-            <a:pPr>
-              <a:lnSpc>
-                <a:spcPts val="1640"/>
-              </a:lnSpc>
-            </a:pPr>
-            <a:r>
-              <a:rPr lang="en-CA" sz="1200" dirty="0">
-                <a:latin typeface="Courier" pitchFamily="2" charset="0"/>
-              </a:rPr>
-              <a:t>                      Sender              Reflector</a:t>
+            <a:r>
+              <a:rPr lang="en-CA" sz="800" dirty="0">
+                <a:latin typeface="Courier" pitchFamily="2" charset="0"/>
+              </a:rPr>
+              <a:t>  0 1 2 3 4 5 6 7 8 9 0 1 2 3 4 5 6 7 8 9 0 1 2 3 4 5 6 7 8 9 0 1</a:t>
+            </a:r>
+          </a:p>
+          <a:p>
+            <a:r>
+              <a:rPr lang="en-CA" sz="800" dirty="0">
+                <a:latin typeface="Courier" pitchFamily="2" charset="0"/>
+              </a:rPr>
+              <a:t>  +-+-+-+-+-+-+-+-+-+-+-+-+-+-+-+-+-+-+-+-+-+-+-+-+-+-+-+-+-+-+-+-+</a:t>
+            </a:r>
+          </a:p>
+          <a:p>
+            <a:r>
+              <a:rPr lang="en-CA" sz="800" dirty="0">
+                <a:latin typeface="Courier" pitchFamily="2" charset="0"/>
+              </a:rPr>
+              <a:t>  |            Label(1)                   | TC  |S|      TTL      |</a:t>
+            </a:r>
+          </a:p>
+          <a:p>
+            <a:r>
+              <a:rPr lang="en-CA" sz="800" dirty="0">
+                <a:latin typeface="Courier" pitchFamily="2" charset="0"/>
+              </a:rPr>
+              <a:t>  +-+-+-+-+-+-+-+-+-+-+-+-+-+-+-+-+-+-+-+-+-+-+-+-+-+-+-+-+-+-+-+-+</a:t>
+            </a:r>
+          </a:p>
+          <a:p>
+            <a:r>
+              <a:rPr lang="en-CA" sz="800" dirty="0">
+                <a:latin typeface="Courier" pitchFamily="2" charset="0"/>
+              </a:rPr>
+              <a:t>  .                                                               .</a:t>
+            </a:r>
+          </a:p>
+          <a:p>
+            <a:r>
+              <a:rPr lang="en-CA" sz="800" dirty="0">
+                <a:latin typeface="Courier" pitchFamily="2" charset="0"/>
+              </a:rPr>
+              <a:t>  .                                                               .</a:t>
+            </a:r>
+          </a:p>
+          <a:p>
+            <a:r>
+              <a:rPr lang="en-CA" sz="800" dirty="0">
+                <a:latin typeface="Courier" pitchFamily="2" charset="0"/>
+              </a:rPr>
+              <a:t>  .                                                               .</a:t>
+            </a:r>
+          </a:p>
+          <a:p>
+            <a:r>
+              <a:rPr lang="en-CA" sz="800" dirty="0">
+                <a:latin typeface="Courier" pitchFamily="2" charset="0"/>
+              </a:rPr>
+              <a:t>  +-+-+-+-+-+-+-+-+-+-+-+-+-+-+-+-+-+-+-+-+-+-+-+-+-+-+-+-+-+-+-+-+</a:t>
+            </a:r>
+          </a:p>
+          <a:p>
+            <a:r>
+              <a:rPr lang="en-CA" sz="800" dirty="0">
+                <a:latin typeface="Courier" pitchFamily="2" charset="0"/>
+              </a:rPr>
+              <a:t>  |            Label(n)                   | TC  |S|      TTL      |</a:t>
+            </a:r>
+          </a:p>
+          <a:p>
+            <a:r>
+              <a:rPr lang="en-CA" sz="800" dirty="0">
+                <a:latin typeface="Courier" pitchFamily="2" charset="0"/>
+              </a:rPr>
+              <a:t>  +-+-+-+-+-+-+-+-+-+-+-+-+-+-+-+-+-+-+-+-+-+-+-+-+-+-+-+-+-+-+-+-+</a:t>
+            </a:r>
+          </a:p>
+          <a:p>
+            <a:r>
+              <a:rPr lang="en-CA" sz="800" dirty="0">
+                <a:latin typeface="Courier" pitchFamily="2" charset="0"/>
+              </a:rPr>
+              <a:t>  </a:t>
+            </a:r>
+            <a:r>
+              <a:rPr lang="en-CA" sz="800" b="1" dirty="0">
+                <a:latin typeface="Courier" pitchFamily="2" charset="0"/>
+              </a:rPr>
+              <a:t>|            Timestamp Label (TBA1)     | TC  |S|      TTL      |</a:t>
+            </a:r>
+          </a:p>
+          <a:p>
+            <a:r>
+              <a:rPr lang="en-CA" sz="800" dirty="0">
+                <a:latin typeface="Courier" pitchFamily="2" charset="0"/>
+              </a:rPr>
+              <a:t>  +---------------------------------------------------------------+</a:t>
+            </a:r>
+          </a:p>
+          <a:p>
+            <a:r>
+              <a:rPr lang="en-CA" sz="800" dirty="0">
+                <a:latin typeface="Courier" pitchFamily="2" charset="0"/>
+              </a:rPr>
+              <a:t>  | IP Header                                                     |</a:t>
+            </a:r>
+          </a:p>
+          <a:p>
+            <a:r>
+              <a:rPr lang="en-CA" sz="800" dirty="0">
+                <a:latin typeface="Courier" pitchFamily="2" charset="0"/>
+              </a:rPr>
+              <a:t>  .  Source IP Address = </a:t>
+            </a:r>
+            <a:r>
+              <a:rPr lang="en-CA" sz="800" b="1" dirty="0">
+                <a:latin typeface="Courier" pitchFamily="2" charset="0"/>
+              </a:rPr>
+              <a:t>Endpoint</a:t>
+            </a:r>
+            <a:r>
+              <a:rPr lang="en-CA" sz="800" dirty="0">
+                <a:latin typeface="Courier" pitchFamily="2" charset="0"/>
+              </a:rPr>
+              <a:t> IPv4 or IPv6 Address            .</a:t>
+            </a:r>
+          </a:p>
+          <a:p>
+            <a:r>
+              <a:rPr lang="en-CA" sz="800" dirty="0">
+                <a:latin typeface="Courier" pitchFamily="2" charset="0"/>
+              </a:rPr>
+              <a:t>  .  Destination IP Address = </a:t>
+            </a:r>
+            <a:r>
+              <a:rPr lang="en-CA" sz="800" b="1" dirty="0">
+                <a:latin typeface="Courier" pitchFamily="2" charset="0"/>
+              </a:rPr>
+              <a:t>Sender</a:t>
+            </a:r>
+            <a:r>
+              <a:rPr lang="en-CA" sz="800" dirty="0">
+                <a:latin typeface="Courier" pitchFamily="2" charset="0"/>
+              </a:rPr>
+              <a:t> IPv4 or IPv6 Address         .</a:t>
+            </a:r>
+          </a:p>
+          <a:p>
+            <a:r>
+              <a:rPr lang="en-CA" sz="800" dirty="0">
+                <a:latin typeface="Courier" pitchFamily="2" charset="0"/>
+              </a:rPr>
+              <a:t>  .  Protocol = UDP                                               .</a:t>
+            </a:r>
+          </a:p>
+          <a:p>
+            <a:r>
+              <a:rPr lang="en-CA" sz="800" dirty="0">
+                <a:latin typeface="Courier" pitchFamily="2" charset="0"/>
+              </a:rPr>
+              <a:t>  .                                                               .</a:t>
+            </a:r>
+          </a:p>
+          <a:p>
+            <a:r>
+              <a:rPr lang="en-CA" sz="800" dirty="0">
+                <a:latin typeface="Courier" pitchFamily="2" charset="0"/>
+              </a:rPr>
+              <a:t>  +---------------------------------------------------------------+</a:t>
+            </a:r>
+          </a:p>
+          <a:p>
+            <a:r>
+              <a:rPr lang="en-CA" sz="800" dirty="0">
+                <a:latin typeface="Courier" pitchFamily="2" charset="0"/>
+              </a:rPr>
+              <a:t>  | UDP Header                                                    |</a:t>
+            </a:r>
+          </a:p>
+          <a:p>
+            <a:r>
+              <a:rPr lang="en-CA" sz="800" dirty="0">
+                <a:latin typeface="Courier" pitchFamily="2" charset="0"/>
+              </a:rPr>
+              <a:t>  .  Source Port = As chosen by Sender                            .</a:t>
+            </a:r>
+          </a:p>
+          <a:p>
+            <a:r>
+              <a:rPr lang="en-CA" sz="800" dirty="0">
+                <a:latin typeface="Courier" pitchFamily="2" charset="0"/>
+              </a:rPr>
+              <a:t>  .  Destination Port = User-configured Port                      .</a:t>
+            </a:r>
+          </a:p>
+          <a:p>
+            <a:r>
+              <a:rPr lang="en-CA" sz="800" dirty="0">
+                <a:latin typeface="Courier" pitchFamily="2" charset="0"/>
+              </a:rPr>
+              <a:t>  .                                                               .</a:t>
+            </a:r>
+          </a:p>
+          <a:p>
+            <a:r>
+              <a:rPr lang="en-CA" sz="800" dirty="0">
+                <a:latin typeface="Courier" pitchFamily="2" charset="0"/>
+              </a:rPr>
+              <a:t>  +-+-+-+-+-+-+-+-+-+-+-+-+-+-+-+-+-+-+-+-+-+-+-+-+-+-+-+-+-+-+-+-+</a:t>
+            </a:r>
+          </a:p>
+          <a:p>
+            <a:r>
+              <a:rPr lang="en-CA" sz="800" dirty="0">
+                <a:latin typeface="Courier" pitchFamily="2" charset="0"/>
+              </a:rPr>
+              <a:t>  |  Payload as defined in Section 4.2.1 of RFC 5357 |            |</a:t>
+            </a:r>
+          </a:p>
+          <a:p>
+            <a:r>
+              <a:rPr lang="en-CA" sz="800" dirty="0">
+                <a:latin typeface="Courier" pitchFamily="2" charset="0"/>
+              </a:rPr>
+              <a:t>  |  Payload as defined in Section 4.2 of RFC 8762                |</a:t>
+            </a:r>
+          </a:p>
+          <a:p>
+            <a:r>
+              <a:rPr lang="en-CA" sz="800" dirty="0">
+                <a:latin typeface="Courier" pitchFamily="2" charset="0"/>
+              </a:rPr>
+              <a:t>  .                                                               .</a:t>
+            </a:r>
+          </a:p>
+          <a:p>
+            <a:r>
+              <a:rPr lang="en-CA" sz="800" dirty="0">
+                <a:latin typeface="Courier" pitchFamily="2" charset="0"/>
+              </a:rPr>
+              <a:t>  +---------------------------------------------------------------+</a:t>
+            </a:r>
+          </a:p>
+          <a:p>
+            <a:r>
+              <a:rPr lang="en-CA" sz="800" dirty="0">
+                <a:latin typeface="Courier" pitchFamily="2" charset="0"/>
+              </a:rPr>
+              <a:t> </a:t>
+            </a:r>
+          </a:p>
+          <a:p>
+            <a:r>
+              <a:rPr lang="en-CA" sz="800" dirty="0">
+                <a:latin typeface="Courier" pitchFamily="2" charset="0"/>
+              </a:rPr>
+              <a:t>    Figure: Example Probe Message for SR-MPLS with Timestamp Label</a:t>
+            </a:r>
+            <a:endParaRPr lang="en-US" sz="800" dirty="0">
+              <a:latin typeface="Courier" pitchFamily="2" charset="0"/>
+            </a:endParaRPr>
+          </a:p>
+        </p:txBody>
+      </p:sp>
+      <p:sp>
+        <p:nvSpPr>
+          <p:cNvPr id="8" name="Content Placeholder 7">
+            <a:extLst>
+              <a:ext uri="{FF2B5EF4-FFF2-40B4-BE49-F238E27FC236}">
+                <a16:creationId xmlns:a16="http://schemas.microsoft.com/office/drawing/2014/main" id="{FC6E1890-536D-9D49-8207-C42BBF301FF3}"/>
+              </a:ext>
+            </a:extLst>
+          </p:cNvPr>
+          <p:cNvSpPr>
+            <a:spLocks noGrp="1"/>
+          </p:cNvSpPr>
+          <p:nvPr>
+            <p:ph idx="1"/>
+          </p:nvPr>
+        </p:nvSpPr>
+        <p:spPr>
+          <a:xfrm>
+            <a:off x="4839628" y="1071221"/>
+            <a:ext cx="3923371" cy="3001056"/>
+          </a:xfrm>
+        </p:spPr>
+        <p:txBody>
+          <a:bodyPr/>
+          <a:lstStyle/>
+          <a:p>
+            <a:r>
+              <a:rPr lang="en-US" sz="1400" dirty="0"/>
+              <a:t>Timestamp Label (TBA1) allocated by IANA from Extended Special-Purpose MPLS Label Values </a:t>
+            </a:r>
+          </a:p>
+          <a:p>
+            <a:pPr lvl="1"/>
+            <a:r>
+              <a:rPr lang="en-US" sz="1400" dirty="0"/>
+              <a:t>Used for Timestamp, Pop and Forward network programing function</a:t>
+            </a:r>
+          </a:p>
+          <a:p>
+            <a:pPr lvl="1"/>
+            <a:r>
+              <a:rPr lang="en-US" sz="1400" dirty="0"/>
+              <a:t>Timestamp Label (TBA1) is popped by the reflector node</a:t>
+            </a:r>
+          </a:p>
+          <a:p>
+            <a:r>
+              <a:rPr lang="en-US" sz="1400" dirty="0"/>
+              <a:t>Source and Destination Addresses are swapped - represent Reverse direction path</a:t>
+            </a:r>
+          </a:p>
+          <a:p>
+            <a:r>
+              <a:rPr lang="en-US" sz="1400" dirty="0"/>
+              <a:t>Optionally, Reverse direction SR path label stack can follow the Timestamp Label TBA1</a:t>
             </a:r>
           </a:p>
         </p:txBody>
@@ -6472,7 +6742,7 @@
     </p:spTree>
     <p:extLst>
       <p:ext uri="{BB962C8B-B14F-4D97-AF65-F5344CB8AC3E}">
-        <p14:creationId xmlns:p14="http://schemas.microsoft.com/office/powerpoint/2010/main" val="21907870"/>
+        <p14:creationId xmlns:p14="http://schemas.microsoft.com/office/powerpoint/2010/main" val="2399405042"/>
       </p:ext>
     </p:extLst>
   </p:cSld>
@@ -6527,7 +6797,7 @@
                 <a:latin typeface="Calibri Light" panose="020F0302020204030204" pitchFamily="34" charset="0"/>
                 <a:cs typeface="Calibri Light" panose="020F0302020204030204" pitchFamily="34" charset="0"/>
               </a:rPr>
-              <a:t>Next Steps</a:t>
+              <a:t>ECMP Support for SR Paths</a:t>
             </a:r>
           </a:p>
         </p:txBody>
@@ -6544,32 +6814,109 @@
         </p:nvSpPr>
         <p:spPr>
           <a:xfrm>
-            <a:off x="685800" y="1123950"/>
-            <a:ext cx="8001000" cy="2514599"/>
+            <a:off x="419100" y="912200"/>
+            <a:ext cx="8305800" cy="3564549"/>
           </a:xfrm>
         </p:spPr>
         <p:txBody>
           <a:bodyPr/>
           <a:lstStyle/>
           <a:p>
-            <a:pPr lvl="0"/>
-            <a:r>
-              <a:rPr lang="en-US" sz="2400" dirty="0">
-                <a:latin typeface="Calibri" charset="0"/>
-                <a:ea typeface="Calibri" charset="0"/>
-                <a:cs typeface="Calibri" charset="0"/>
-              </a:rPr>
-              <a:t>Welcome your comments and suggestions</a:t>
-            </a:r>
-          </a:p>
-          <a:p>
-            <a:r>
-              <a:rPr lang="en-US" sz="2400" dirty="0">
-                <a:latin typeface="Calibri" charset="0"/>
-                <a:ea typeface="Calibri" charset="0"/>
-                <a:cs typeface="Calibri" charset="0"/>
-              </a:rPr>
-              <a:t>Requesting WG adoption</a:t>
+            <a:pPr>
+              <a:lnSpc>
+                <a:spcPts val="2280"/>
+              </a:lnSpc>
+              <a:spcBef>
+                <a:spcPts val="0"/>
+              </a:spcBef>
+            </a:pPr>
+            <a:r>
+              <a:rPr lang="en-US" sz="1600" dirty="0"/>
+              <a:t>SR Paths can have ECMP between the ingress and transit nodes, between transit nodes and between transit and egress nodes.</a:t>
+            </a:r>
+          </a:p>
+          <a:p>
+            <a:pPr>
+              <a:lnSpc>
+                <a:spcPts val="2280"/>
+              </a:lnSpc>
+              <a:spcBef>
+                <a:spcPts val="0"/>
+              </a:spcBef>
+            </a:pPr>
+            <a:r>
+              <a:rPr lang="en-US" sz="1600" dirty="0"/>
+              <a:t>Sending PM probe queries that can take advantage of the hashing function in forwarding plane.</a:t>
+            </a:r>
+          </a:p>
+          <a:p>
+            <a:pPr>
+              <a:lnSpc>
+                <a:spcPts val="2280"/>
+              </a:lnSpc>
+              <a:spcBef>
+                <a:spcPts val="0"/>
+              </a:spcBef>
+            </a:pPr>
+            <a:r>
+              <a:rPr lang="en-US" sz="1600" dirty="0"/>
+              <a:t>Existing forwarding mechanisms are applicable to PM probe messages. Examples are:</a:t>
+            </a:r>
+          </a:p>
+          <a:p>
+            <a:pPr lvl="1">
+              <a:lnSpc>
+                <a:spcPts val="2280"/>
+              </a:lnSpc>
+              <a:spcBef>
+                <a:spcPts val="0"/>
+              </a:spcBef>
+            </a:pPr>
+            <a:r>
+              <a:rPr lang="en-US" sz="1600" dirty="0"/>
+              <a:t>For IPv4</a:t>
+            </a:r>
+          </a:p>
+          <a:p>
+            <a:pPr lvl="2">
+              <a:lnSpc>
+                <a:spcPts val="2280"/>
+              </a:lnSpc>
+              <a:spcBef>
+                <a:spcPts val="0"/>
+              </a:spcBef>
+            </a:pPr>
+            <a:r>
+              <a:rPr lang="en-US" sz="1600" dirty="0"/>
+              <a:t>Sweeping destination address in IPv4 header (e.g. 127/8) when return path is SR-MPLS</a:t>
+            </a:r>
+          </a:p>
+          <a:p>
+            <a:pPr lvl="1">
+              <a:lnSpc>
+                <a:spcPts val="2280"/>
+              </a:lnSpc>
+              <a:spcBef>
+                <a:spcPts val="0"/>
+              </a:spcBef>
+            </a:pPr>
+            <a:r>
+              <a:rPr lang="en-US" sz="1600" dirty="0"/>
+              <a:t>For IPv6</a:t>
+            </a:r>
+          </a:p>
+          <a:p>
+            <a:pPr lvl="2">
+              <a:lnSpc>
+                <a:spcPts val="2280"/>
+              </a:lnSpc>
+              <a:spcBef>
+                <a:spcPts val="0"/>
+              </a:spcBef>
+            </a:pPr>
+            <a:r>
+              <a:rPr lang="en-US" sz="1600" dirty="0"/>
+              <a:t>Sweeping flow label in IPv6 header</a:t>
             </a:r>
           </a:p>
         </p:txBody>
@@ -6596,7 +6943,15 @@
           <a:p>
             <a:r>
               <a:rPr lang="en-CA" dirty="0"/>
-              <a:t>IETF  – April 2020 </a:t>
+              <a:t>108</a:t>
+            </a:r>
+            <a:r>
+              <a:rPr lang="en-CA" baseline="30000" dirty="0"/>
+              <a:t>th</a:t>
+            </a:r>
+            <a:r>
+              <a:rPr lang="en-CA" dirty="0"/>
+              <a:t> IETF @ Madrid</a:t>
             </a:r>
           </a:p>
         </p:txBody>
@@ -6633,7 +6988,7 @@
     </p:spTree>
     <p:extLst>
       <p:ext uri="{BB962C8B-B14F-4D97-AF65-F5344CB8AC3E}">
-        <p14:creationId xmlns:p14="http://schemas.microsoft.com/office/powerpoint/2010/main" val="2309160477"/>
+        <p14:creationId xmlns:p14="http://schemas.microsoft.com/office/powerpoint/2010/main" val="3637512675"/>
       </p:ext>
     </p:extLst>
   </p:cSld>
@@ -6662,6 +7017,494 @@
       </p:grpSpPr>
       <p:sp>
         <p:nvSpPr>
+          <p:cNvPr id="2" name="Title 1">
+            <a:extLst>
+              <a:ext uri="{FF2B5EF4-FFF2-40B4-BE49-F238E27FC236}">
+                <a16:creationId xmlns:a16="http://schemas.microsoft.com/office/drawing/2014/main" id="{9A6F4236-AC14-394A-A36C-F2BD8CED3237}"/>
+              </a:ext>
+            </a:extLst>
+          </p:cNvPr>
+          <p:cNvSpPr>
+            <a:spLocks noGrp="1"/>
+          </p:cNvSpPr>
+          <p:nvPr>
+            <p:ph type="title"/>
+          </p:nvPr>
+        </p:nvSpPr>
+        <p:spPr>
+          <a:xfrm>
+            <a:off x="457200" y="-19050"/>
+            <a:ext cx="8229600" cy="857250"/>
+          </a:xfrm>
+        </p:spPr>
+        <p:txBody>
+          <a:bodyPr/>
+          <a:lstStyle/>
+          <a:p>
+            <a:r>
+              <a:rPr lang="en-US" sz="3600" dirty="0">
+                <a:solidFill>
+                  <a:srgbClr val="0070C0"/>
+                </a:solidFill>
+                <a:latin typeface="Calibri Light" panose="020F0302020204030204" pitchFamily="34" charset="0"/>
+                <a:cs typeface="Calibri Light" panose="020F0302020204030204" pitchFamily="34" charset="0"/>
+              </a:rPr>
+              <a:t>Example Provisioning Model</a:t>
+            </a:r>
+          </a:p>
+        </p:txBody>
+      </p:sp>
+      <p:sp>
+        <p:nvSpPr>
+          <p:cNvPr id="4" name="Footer Placeholder 3">
+            <a:extLst>
+              <a:ext uri="{FF2B5EF4-FFF2-40B4-BE49-F238E27FC236}">
+                <a16:creationId xmlns:a16="http://schemas.microsoft.com/office/drawing/2014/main" id="{643D160E-CC3C-EB46-A6F1-43B8E2996F46}"/>
+              </a:ext>
+            </a:extLst>
+          </p:cNvPr>
+          <p:cNvSpPr>
+            <a:spLocks noGrp="1"/>
+          </p:cNvSpPr>
+          <p:nvPr>
+            <p:ph type="ftr" sz="quarter" idx="11"/>
+          </p:nvPr>
+        </p:nvSpPr>
+        <p:spPr>
+          <a:xfrm>
+            <a:off x="3124200" y="4775368"/>
+            <a:ext cx="2895600" cy="357188"/>
+          </a:xfrm>
+        </p:spPr>
+        <p:txBody>
+          <a:bodyPr/>
+          <a:lstStyle/>
+          <a:p>
+            <a:r>
+              <a:rPr lang="en-CA" dirty="0"/>
+              <a:t>108</a:t>
+            </a:r>
+            <a:r>
+              <a:rPr lang="en-CA" baseline="30000" dirty="0"/>
+              <a:t>th</a:t>
+            </a:r>
+            <a:r>
+              <a:rPr lang="en-CA" dirty="0"/>
+              <a:t> IETF @ Madrid</a:t>
+            </a:r>
+          </a:p>
+        </p:txBody>
+      </p:sp>
+      <p:sp>
+        <p:nvSpPr>
+          <p:cNvPr id="5" name="Slide Number Placeholder 4">
+            <a:extLst>
+              <a:ext uri="{FF2B5EF4-FFF2-40B4-BE49-F238E27FC236}">
+                <a16:creationId xmlns:a16="http://schemas.microsoft.com/office/drawing/2014/main" id="{A8B868AE-B105-7547-A646-14FCDF91C2DD}"/>
+              </a:ext>
+            </a:extLst>
+          </p:cNvPr>
+          <p:cNvSpPr>
+            <a:spLocks noGrp="1"/>
+          </p:cNvSpPr>
+          <p:nvPr>
+            <p:ph type="sldNum" sz="quarter" idx="12"/>
+          </p:nvPr>
+        </p:nvSpPr>
+        <p:spPr/>
+        <p:txBody>
+          <a:bodyPr/>
+          <a:lstStyle/>
+          <a:p>
+            <a:pPr>
+              <a:defRPr/>
+            </a:pPr>
+            <a:fld id="{BD6E0F59-1DD8-40FC-9C92-B6295CBA6CCA}" type="slidenum">
+              <a:rPr lang="en-US" altLang="zh-CN" smtClean="0"/>
+              <a:pPr>
+                <a:defRPr/>
+              </a:pPr>
+              <a:t>12</a:t>
+            </a:fld>
+            <a:endParaRPr lang="en-US" altLang="zh-CN"/>
+          </a:p>
+        </p:txBody>
+      </p:sp>
+      <p:sp>
+        <p:nvSpPr>
+          <p:cNvPr id="7" name="Rectangle 6">
+            <a:extLst>
+              <a:ext uri="{FF2B5EF4-FFF2-40B4-BE49-F238E27FC236}">
+                <a16:creationId xmlns:a16="http://schemas.microsoft.com/office/drawing/2014/main" id="{AA6E66CA-28BC-2C4A-BC04-4600D8FEBF3B}"/>
+              </a:ext>
+            </a:extLst>
+          </p:cNvPr>
+          <p:cNvSpPr/>
+          <p:nvPr/>
+        </p:nvSpPr>
+        <p:spPr>
+          <a:xfrm>
+            <a:off x="990600" y="825427"/>
+            <a:ext cx="7010400" cy="3779817"/>
+          </a:xfrm>
+          <a:prstGeom prst="rect">
+            <a:avLst/>
+          </a:prstGeom>
+          <a:solidFill>
+            <a:schemeClr val="accent6">
+              <a:lumMod val="20000"/>
+              <a:lumOff val="80000"/>
+            </a:schemeClr>
+          </a:solidFill>
+        </p:spPr>
+        <p:txBody>
+          <a:bodyPr wrap="square">
+            <a:spAutoFit/>
+          </a:bodyPr>
+          <a:lstStyle/>
+          <a:p>
+            <a:pPr>
+              <a:lnSpc>
+                <a:spcPts val="1640"/>
+              </a:lnSpc>
+            </a:pPr>
+            <a:r>
+              <a:rPr lang="en-CA" sz="1200" dirty="0">
+                <a:latin typeface="Courier" pitchFamily="2" charset="0"/>
+              </a:rPr>
+              <a:t>                             +------------+</a:t>
+            </a:r>
+          </a:p>
+          <a:p>
+            <a:pPr>
+              <a:lnSpc>
+                <a:spcPts val="1640"/>
+              </a:lnSpc>
+            </a:pPr>
+            <a:r>
+              <a:rPr lang="en-CA" sz="1200" dirty="0">
+                <a:latin typeface="Courier" pitchFamily="2" charset="0"/>
+              </a:rPr>
+              <a:t>                             | Controller |</a:t>
+            </a:r>
+          </a:p>
+          <a:p>
+            <a:pPr>
+              <a:lnSpc>
+                <a:spcPts val="1640"/>
+              </a:lnSpc>
+            </a:pPr>
+            <a:r>
+              <a:rPr lang="en-CA" sz="1200" dirty="0">
+                <a:latin typeface="Courier" pitchFamily="2" charset="0"/>
+              </a:rPr>
+              <a:t>                             +------------+</a:t>
+            </a:r>
+          </a:p>
+          <a:p>
+            <a:pPr>
+              <a:lnSpc>
+                <a:spcPts val="1640"/>
+              </a:lnSpc>
+            </a:pPr>
+            <a:r>
+              <a:rPr lang="en-CA" sz="1200" dirty="0">
+                <a:latin typeface="Courier" pitchFamily="2" charset="0"/>
+              </a:rPr>
+              <a:t>  Destination UDP Port            /  \       Network Programming Label</a:t>
+            </a:r>
+          </a:p>
+          <a:p>
+            <a:pPr>
+              <a:lnSpc>
+                <a:spcPts val="1640"/>
+              </a:lnSpc>
+            </a:pPr>
+            <a:r>
+              <a:rPr lang="en-CA" sz="1200" dirty="0">
+                <a:latin typeface="Courier" pitchFamily="2" charset="0"/>
+              </a:rPr>
+              <a:t>  Measurement Protocol           /    \      Timestamp2 Offset</a:t>
+            </a:r>
+          </a:p>
+          <a:p>
+            <a:pPr>
+              <a:lnSpc>
+                <a:spcPts val="1640"/>
+              </a:lnSpc>
+            </a:pPr>
+            <a:r>
+              <a:rPr lang="en-CA" sz="1200" dirty="0">
+                <a:latin typeface="Courier" pitchFamily="2" charset="0"/>
+              </a:rPr>
+              <a:t>  PLM Type                      /      \     Timestamp Format</a:t>
+            </a:r>
+          </a:p>
+          <a:p>
+            <a:pPr>
+              <a:lnSpc>
+                <a:spcPts val="1640"/>
+              </a:lnSpc>
+            </a:pPr>
+            <a:r>
+              <a:rPr lang="en-CA" sz="1200" dirty="0">
+                <a:latin typeface="Courier" pitchFamily="2" charset="0"/>
+              </a:rPr>
+              <a:t>     LB or Enhanced LB         /        \</a:t>
+            </a:r>
+          </a:p>
+          <a:p>
+            <a:pPr>
+              <a:lnSpc>
+                <a:spcPts val="1640"/>
+              </a:lnSpc>
+            </a:pPr>
+            <a:r>
+              <a:rPr lang="en-CA" sz="1200" dirty="0">
+                <a:latin typeface="Courier" pitchFamily="2" charset="0"/>
+              </a:rPr>
+              <a:t>  Authentication Mode &amp; Key   /          \     </a:t>
+            </a:r>
+          </a:p>
+          <a:p>
+            <a:pPr>
+              <a:lnSpc>
+                <a:spcPts val="1640"/>
+              </a:lnSpc>
+            </a:pPr>
+            <a:r>
+              <a:rPr lang="en-CA" sz="1200" dirty="0">
+                <a:latin typeface="Courier" pitchFamily="2" charset="0"/>
+              </a:rPr>
+              <a:t>  Network Programming Label  /            \</a:t>
+            </a:r>
+          </a:p>
+          <a:p>
+            <a:pPr>
+              <a:lnSpc>
+                <a:spcPts val="1640"/>
+              </a:lnSpc>
+            </a:pPr>
+            <a:r>
+              <a:rPr lang="en-CA" sz="1200" dirty="0">
+                <a:latin typeface="Courier" pitchFamily="2" charset="0"/>
+              </a:rPr>
+              <a:t>  Timestamp Format          /              \</a:t>
+            </a:r>
+          </a:p>
+          <a:p>
+            <a:pPr>
+              <a:lnSpc>
+                <a:spcPts val="1640"/>
+              </a:lnSpc>
+            </a:pPr>
+            <a:r>
+              <a:rPr lang="en-CA" sz="1200" dirty="0">
+                <a:latin typeface="Courier" pitchFamily="2" charset="0"/>
+              </a:rPr>
+              <a:t>                           /                \ </a:t>
+            </a:r>
+          </a:p>
+          <a:p>
+            <a:pPr>
+              <a:lnSpc>
+                <a:spcPts val="1640"/>
+              </a:lnSpc>
+            </a:pPr>
+            <a:r>
+              <a:rPr lang="en-CA" sz="1200" dirty="0">
+                <a:latin typeface="Courier" pitchFamily="2" charset="0"/>
+              </a:rPr>
+              <a:t>                          v                  v</a:t>
+            </a:r>
+          </a:p>
+          <a:p>
+            <a:pPr>
+              <a:lnSpc>
+                <a:spcPts val="1640"/>
+              </a:lnSpc>
+            </a:pPr>
+            <a:r>
+              <a:rPr lang="en-CA" sz="1200" dirty="0">
+                <a:latin typeface="Courier" pitchFamily="2" charset="0"/>
+              </a:rPr>
+              <a:t>                     +-------+            +-------+</a:t>
+            </a:r>
+          </a:p>
+          <a:p>
+            <a:pPr>
+              <a:lnSpc>
+                <a:spcPts val="1640"/>
+              </a:lnSpc>
+            </a:pPr>
+            <a:r>
+              <a:rPr lang="en-CA" sz="1200" dirty="0">
+                <a:latin typeface="Courier" pitchFamily="2" charset="0"/>
+              </a:rPr>
+              <a:t>                     |       |  SR Path   |       |</a:t>
+            </a:r>
+          </a:p>
+          <a:p>
+            <a:pPr>
+              <a:lnSpc>
+                <a:spcPts val="1640"/>
+              </a:lnSpc>
+            </a:pPr>
+            <a:r>
+              <a:rPr lang="en-CA" sz="1200" dirty="0">
+                <a:latin typeface="Courier" pitchFamily="2" charset="0"/>
+              </a:rPr>
+              <a:t>                     |   R1  |============|   R5  |</a:t>
+            </a:r>
+          </a:p>
+          <a:p>
+            <a:pPr>
+              <a:lnSpc>
+                <a:spcPts val="1640"/>
+              </a:lnSpc>
+            </a:pPr>
+            <a:r>
+              <a:rPr lang="en-CA" sz="1200" dirty="0">
+                <a:latin typeface="Courier" pitchFamily="2" charset="0"/>
+              </a:rPr>
+              <a:t>                     |       |            |       |</a:t>
+            </a:r>
+          </a:p>
+          <a:p>
+            <a:pPr>
+              <a:lnSpc>
+                <a:spcPts val="1640"/>
+              </a:lnSpc>
+            </a:pPr>
+            <a:r>
+              <a:rPr lang="en-CA" sz="1200" dirty="0">
+                <a:latin typeface="Courier" pitchFamily="2" charset="0"/>
+              </a:rPr>
+              <a:t>                     +-------+            +-------+</a:t>
+            </a:r>
+          </a:p>
+          <a:p>
+            <a:pPr>
+              <a:lnSpc>
+                <a:spcPts val="1640"/>
+              </a:lnSpc>
+            </a:pPr>
+            <a:r>
+              <a:rPr lang="en-CA" sz="1200" dirty="0">
+                <a:latin typeface="Courier" pitchFamily="2" charset="0"/>
+              </a:rPr>
+              <a:t>                      Sender              Reflector</a:t>
+            </a:r>
+          </a:p>
+        </p:txBody>
+      </p:sp>
+    </p:spTree>
+    <p:extLst>
+      <p:ext uri="{BB962C8B-B14F-4D97-AF65-F5344CB8AC3E}">
+        <p14:creationId xmlns:p14="http://schemas.microsoft.com/office/powerpoint/2010/main" val="21907870"/>
+      </p:ext>
+    </p:extLst>
+  </p:cSld>
+  <p:clrMapOvr>
+    <a:masterClrMapping/>
+  </p:clrMapOvr>
+</p:sld>
+</file>
+
+<file path=ppt/slides/slide13.xml><?xml version="1.0" encoding="utf-8"?>
+<p:sld xmlns:a="http://schemas.openxmlformats.org/drawingml/2006/main" xmlns:r="http://schemas.openxmlformats.org/officeDocument/2006/relationships" xmlns:p="http://schemas.openxmlformats.org/presentationml/2006/main">
+  <p:cSld>
+    <p:spTree>
+      <p:nvGrpSpPr>
+        <p:cNvPr id="1" name=""/>
+        <p:cNvGrpSpPr/>
+        <p:nvPr/>
+      </p:nvGrpSpPr>
+      <p:grpSpPr>
+        <a:xfrm>
+          <a:off x="0" y="0"/>
+          <a:ext cx="0" cy="0"/>
+          <a:chOff x="0" y="0"/>
+          <a:chExt cx="0" cy="0"/>
+        </a:xfrm>
+      </p:grpSpPr>
+      <p:sp>
+        <p:nvSpPr>
+          <p:cNvPr id="2" name="Title 1"/>
+          <p:cNvSpPr>
+            <a:spLocks noGrp="1"/>
+          </p:cNvSpPr>
+          <p:nvPr>
+            <p:ph type="title"/>
+          </p:nvPr>
+        </p:nvSpPr>
+        <p:spPr>
+          <a:xfrm>
+            <a:off x="457200" y="0"/>
+            <a:ext cx="8229600" cy="857250"/>
+          </a:xfrm>
+        </p:spPr>
+        <p:txBody>
+          <a:bodyPr/>
+          <a:lstStyle/>
+          <a:p>
+            <a:r>
+              <a:rPr lang="en-US" sz="3600" dirty="0">
+                <a:solidFill>
+                  <a:srgbClr val="0070C0"/>
+                </a:solidFill>
+                <a:latin typeface="Calibri Light" panose="020F0302020204030204" pitchFamily="34" charset="0"/>
+                <a:cs typeface="Calibri Light" panose="020F0302020204030204" pitchFamily="34" charset="0"/>
+              </a:rPr>
+              <a:t>Next Steps</a:t>
+            </a:r>
+          </a:p>
+        </p:txBody>
+      </p:sp>
+      <p:sp>
+        <p:nvSpPr>
+          <p:cNvPr id="3" name="Content Placeholder 2"/>
+          <p:cNvSpPr>
+            <a:spLocks noGrp="1"/>
+          </p:cNvSpPr>
+          <p:nvPr>
+            <p:ph idx="1"/>
+          </p:nvPr>
+        </p:nvSpPr>
+        <p:spPr>
+          <a:xfrm>
+            <a:off x="685800" y="1123950"/>
+            <a:ext cx="8001000" cy="2514599"/>
+          </a:xfrm>
+        </p:spPr>
+        <p:txBody>
+          <a:bodyPr/>
+          <a:lstStyle/>
+          <a:p>
+            <a:pPr lvl="0"/>
+            <a:r>
+              <a:rPr lang="en-US" sz="2400" dirty="0">
+                <a:latin typeface="Calibri" charset="0"/>
+                <a:ea typeface="Calibri" charset="0"/>
+                <a:cs typeface="Calibri" charset="0"/>
+              </a:rPr>
+              <a:t>Welcome your comments and suggestions</a:t>
+            </a:r>
+          </a:p>
+          <a:p>
+            <a:r>
+              <a:rPr lang="en-US" sz="2400" dirty="0">
+                <a:latin typeface="Calibri" charset="0"/>
+                <a:ea typeface="Calibri" charset="0"/>
+                <a:cs typeface="Calibri" charset="0"/>
+              </a:rPr>
+              <a:t>Requesting WG adoption</a:t>
+            </a:r>
+          </a:p>
+        </p:txBody>
+      </p:sp>
+      <p:sp>
+        <p:nvSpPr>
           <p:cNvPr id="4" name="Footer Placeholder 3"/>
           <p:cNvSpPr>
             <a:spLocks noGrp="1"/>
@@ -6682,7 +7525,109 @@
           <a:p>
             <a:r>
               <a:rPr lang="en-CA" dirty="0"/>
-              <a:t>IETF  – April 2020 </a:t>
+              <a:t>108</a:t>
+            </a:r>
+            <a:r>
+              <a:rPr lang="en-CA" baseline="30000" dirty="0"/>
+              <a:t>th</a:t>
+            </a:r>
+            <a:r>
+              <a:rPr lang="en-CA" dirty="0"/>
+              <a:t> IETF @ Madrid</a:t>
+            </a:r>
+          </a:p>
+        </p:txBody>
+      </p:sp>
+      <p:sp>
+        <p:nvSpPr>
+          <p:cNvPr id="5" name="Slide Number Placeholder 4"/>
+          <p:cNvSpPr>
+            <a:spLocks noGrp="1"/>
+          </p:cNvSpPr>
+          <p:nvPr>
+            <p:ph type="sldNum" sz="quarter" idx="12"/>
+          </p:nvPr>
+        </p:nvSpPr>
+        <p:spPr/>
+        <p:txBody>
+          <a:bodyPr/>
+          <a:lstStyle/>
+          <a:p>
+            <a:pPr>
+              <a:defRPr/>
+            </a:pPr>
+            <a:fld id="{BD6E0F59-1DD8-40FC-9C92-B6295CBA6CCA}" type="slidenum">
+              <a:rPr lang="en-US" altLang="zh-CN" smtClean="0"/>
+              <a:pPr>
+                <a:defRPr/>
+              </a:pPr>
+              <a:t>13</a:t>
+            </a:fld>
+            <a:endParaRPr lang="en-US" altLang="zh-CN"/>
+          </a:p>
+        </p:txBody>
+      </p:sp>
+    </p:spTree>
+    <p:extLst>
+      <p:ext uri="{BB962C8B-B14F-4D97-AF65-F5344CB8AC3E}">
+        <p14:creationId xmlns:p14="http://schemas.microsoft.com/office/powerpoint/2010/main" val="2309160477"/>
+      </p:ext>
+    </p:extLst>
+  </p:cSld>
+  <p:clrMapOvr>
+    <a:masterClrMapping/>
+  </p:clrMapOvr>
+</p:sld>
+</file>
+
+<file path=ppt/slides/slide14.xml><?xml version="1.0" encoding="utf-8"?>
+<p:sld xmlns:a="http://schemas.openxmlformats.org/drawingml/2006/main" xmlns:r="http://schemas.openxmlformats.org/officeDocument/2006/relationships" xmlns:p="http://schemas.openxmlformats.org/presentationml/2006/main">
+  <p:cSld>
+    <p:spTree>
+      <p:nvGrpSpPr>
+        <p:cNvPr id="1" name=""/>
+        <p:cNvGrpSpPr/>
+        <p:nvPr/>
+      </p:nvGrpSpPr>
+      <p:grpSpPr>
+        <a:xfrm>
+          <a:off x="0" y="0"/>
+          <a:ext cx="0" cy="0"/>
+          <a:chOff x="0" y="0"/>
+          <a:chExt cx="0" cy="0"/>
+        </a:xfrm>
+      </p:grpSpPr>
+      <p:sp>
+        <p:nvSpPr>
+          <p:cNvPr id="4" name="Footer Placeholder 3"/>
+          <p:cNvSpPr>
+            <a:spLocks noGrp="1"/>
+          </p:cNvSpPr>
+          <p:nvPr>
+            <p:ph type="ftr" sz="quarter" idx="11"/>
+          </p:nvPr>
+        </p:nvSpPr>
+        <p:spPr>
+          <a:xfrm>
+            <a:off x="3124200" y="4786312"/>
+            <a:ext cx="2895600" cy="357188"/>
+          </a:xfrm>
+        </p:spPr>
+        <p:txBody>
+          <a:bodyPr/>
+          <a:lstStyle/>
+          <a:p>
+            <a:r>
+              <a:rPr lang="en-CA" dirty="0"/>
+              <a:t>108</a:t>
+            </a:r>
+            <a:r>
+              <a:rPr lang="en-CA" baseline="30000" dirty="0"/>
+              <a:t>th</a:t>
+            </a:r>
+            <a:r>
+              <a:rPr lang="en-CA" dirty="0"/>
+              <a:t> IETF @ Madrid</a:t>
             </a:r>
           </a:p>
         </p:txBody>
@@ -6899,7 +7844,7 @@
               <a:pPr>
                 <a:defRPr/>
               </a:pPr>
-              <a:t>12</a:t>
+              <a:t>14</a:t>
             </a:fld>
             <a:endParaRPr lang="en-US" altLang="zh-CN"/>
           </a:p>
@@ -6918,7 +7863,7 @@
 </p:sld>
 </file>
 
-<file path=ppt/slides/slide13.xml><?xml version="1.0" encoding="utf-8"?>
+<file path=ppt/slides/slide15.xml><?xml version="1.0" encoding="utf-8"?>
 <p:sld xmlns:a="http://schemas.openxmlformats.org/drawingml/2006/main" xmlns:r="http://schemas.openxmlformats.org/officeDocument/2006/relationships" xmlns:p="http://schemas.openxmlformats.org/presentationml/2006/main">
   <p:cSld>
     <p:spTree>
@@ -8197,7 +9142,15 @@
           <a:p>
             <a:r>
               <a:rPr lang="en-CA" dirty="0"/>
-              <a:t>IETF  – April 2020 </a:t>
+              <a:t>108</a:t>
+            </a:r>
+            <a:r>
+              <a:rPr lang="en-CA" baseline="30000" dirty="0"/>
+              <a:t>th</a:t>
+            </a:r>
+            <a:r>
+              <a:rPr lang="en-CA" dirty="0"/>
+              <a:t> IETF @ Madrid</a:t>
             </a:r>
           </a:p>
         </p:txBody>
@@ -8215,7 +9168,7 @@
 </p:sld>
 </file>
 
-<file path=ppt/slides/slide14.xml><?xml version="1.0" encoding="utf-8"?>
+<file path=ppt/slides/slide16.xml><?xml version="1.0" encoding="utf-8"?>
 <p:sld xmlns:a="http://schemas.openxmlformats.org/drawingml/2006/main" xmlns:r="http://schemas.openxmlformats.org/officeDocument/2006/relationships" xmlns:p="http://schemas.openxmlformats.org/presentationml/2006/main">
   <p:cSld>
     <p:spTree>
@@ -9686,7 +10639,15 @@
           <a:p>
             <a:r>
               <a:rPr lang="en-CA" dirty="0"/>
-              <a:t>IETF  – April 2020 </a:t>
+              <a:t>108</a:t>
+            </a:r>
+            <a:r>
+              <a:rPr lang="en-CA" baseline="30000" dirty="0"/>
+              <a:t>th</a:t>
+            </a:r>
+            <a:r>
+              <a:rPr lang="en-CA" dirty="0"/>
+              <a:t> IETF @ Madrid</a:t>
             </a:r>
           </a:p>
         </p:txBody>
@@ -9704,7 +10665,7 @@
 </p:sld>
 </file>
 
-<file path=ppt/slides/slide15.xml><?xml version="1.0" encoding="utf-8"?>
+<file path=ppt/slides/slide17.xml><?xml version="1.0" encoding="utf-8"?>
 <p:sld xmlns:a="http://schemas.openxmlformats.org/drawingml/2006/main" xmlns:r="http://schemas.openxmlformats.org/officeDocument/2006/relationships" xmlns:p="http://schemas.openxmlformats.org/presentationml/2006/main">
   <p:cSld>
     <p:spTree>
@@ -9743,7 +10704,15 @@
           <a:p>
             <a:r>
               <a:rPr lang="en-CA" dirty="0"/>
-              <a:t>IETF  – April 2020 </a:t>
+              <a:t>108</a:t>
+            </a:r>
+            <a:r>
+              <a:rPr lang="en-CA" baseline="30000" dirty="0"/>
+              <a:t>th</a:t>
+            </a:r>
+            <a:r>
+              <a:rPr lang="en-CA" dirty="0"/>
+              <a:t> IETF @ Madrid</a:t>
             </a:r>
           </a:p>
         </p:txBody>
@@ -9960,7 +10929,7 @@
               <a:pPr>
                 <a:defRPr/>
               </a:pPr>
-              <a:t>15</a:t>
+              <a:t>17</a:t>
             </a:fld>
             <a:endParaRPr lang="en-US" altLang="zh-CN"/>
           </a:p>
@@ -9979,7 +10948,7 @@
 </p:sld>
 </file>
 
-<file path=ppt/slides/slide16.xml><?xml version="1.0" encoding="utf-8"?>
+<file path=ppt/slides/slide18.xml><?xml version="1.0" encoding="utf-8"?>
 <p:sld xmlns:a="http://schemas.openxmlformats.org/drawingml/2006/main" xmlns:r="http://schemas.openxmlformats.org/officeDocument/2006/relationships" xmlns:p="http://schemas.openxmlformats.org/presentationml/2006/main">
   <p:cSld>
     <p:spTree>
@@ -10018,7 +10987,15 @@
           <a:p>
             <a:r>
               <a:rPr lang="en-CA" dirty="0"/>
-              <a:t>IETF  – April 2020 </a:t>
+              <a:t>108</a:t>
+            </a:r>
+            <a:r>
+              <a:rPr lang="en-CA" baseline="30000" dirty="0"/>
+              <a:t>th</a:t>
+            </a:r>
+            <a:r>
+              <a:rPr lang="en-CA" dirty="0"/>
+              <a:t> IETF @ Madrid</a:t>
             </a:r>
           </a:p>
         </p:txBody>
@@ -10235,7 +11212,7 @@
               <a:pPr>
                 <a:defRPr/>
               </a:pPr>
-              <a:t>16</a:t>
+              <a:t>18</a:t>
             </a:fld>
             <a:endParaRPr lang="en-US" altLang="zh-CN"/>
           </a:p>
@@ -10245,868 +11222,6 @@
     <p:extLst>
       <p:ext uri="{BB962C8B-B14F-4D97-AF65-F5344CB8AC3E}">
         <p14:creationId xmlns:p14="http://schemas.microsoft.com/office/powerpoint/2010/main" val="3744222723"/>
-      </p:ext>
-    </p:extLst>
-  </p:cSld>
-  <p:clrMapOvr>
-    <a:masterClrMapping/>
-  </p:clrMapOvr>
-</p:sld>
-</file>
-
-<file path=ppt/slides/slide17.xml><?xml version="1.0" encoding="utf-8"?>
-<p:sld xmlns:a="http://schemas.openxmlformats.org/drawingml/2006/main" xmlns:r="http://schemas.openxmlformats.org/officeDocument/2006/relationships" xmlns:p="http://schemas.openxmlformats.org/presentationml/2006/main">
-  <p:cSld>
-    <p:spTree>
-      <p:nvGrpSpPr>
-        <p:cNvPr id="1" name=""/>
-        <p:cNvGrpSpPr/>
-        <p:nvPr/>
-      </p:nvGrpSpPr>
-      <p:grpSpPr>
-        <a:xfrm>
-          <a:off x="0" y="0"/>
-          <a:ext cx="0" cy="0"/>
-          <a:chOff x="0" y="0"/>
-          <a:chExt cx="0" cy="0"/>
-        </a:xfrm>
-      </p:grpSpPr>
-      <p:sp>
-        <p:nvSpPr>
-          <p:cNvPr id="2" name="Title 1"/>
-          <p:cNvSpPr>
-            <a:spLocks noGrp="1"/>
-          </p:cNvSpPr>
-          <p:nvPr>
-            <p:ph type="title"/>
-          </p:nvPr>
-        </p:nvSpPr>
-        <p:spPr>
-          <a:xfrm>
-            <a:off x="0" y="0"/>
-            <a:ext cx="9144000" cy="640642"/>
-          </a:xfrm>
-        </p:spPr>
-        <p:txBody>
-          <a:bodyPr/>
-          <a:lstStyle/>
-          <a:p>
-            <a:r>
-              <a:rPr lang="en-US" sz="3000" dirty="0">
-                <a:solidFill>
-                  <a:srgbClr val="0070C0"/>
-                </a:solidFill>
-                <a:latin typeface="Calibri Light" panose="020F0302020204030204" pitchFamily="34" charset="0"/>
-                <a:cs typeface="Calibri Light" panose="020F0302020204030204" pitchFamily="34" charset="0"/>
-              </a:rPr>
-              <a:t>SRv6 with Timestamp and Forward Function Example 1</a:t>
-            </a:r>
-          </a:p>
-        </p:txBody>
-      </p:sp>
-      <p:sp>
-        <p:nvSpPr>
-          <p:cNvPr id="4" name="Footer Placeholder 3"/>
-          <p:cNvSpPr>
-            <a:spLocks noGrp="1"/>
-          </p:cNvSpPr>
-          <p:nvPr>
-            <p:ph type="ftr" sz="quarter" idx="11"/>
-          </p:nvPr>
-        </p:nvSpPr>
-        <p:spPr>
-          <a:xfrm>
-            <a:off x="2836126" y="4786312"/>
-            <a:ext cx="2895600" cy="357188"/>
-          </a:xfrm>
-        </p:spPr>
-        <p:txBody>
-          <a:bodyPr/>
-          <a:lstStyle/>
-          <a:p>
-            <a:r>
-              <a:rPr lang="en-CA" dirty="0"/>
-              <a:t>IETF  – April 2020 </a:t>
-            </a:r>
-          </a:p>
-        </p:txBody>
-      </p:sp>
-      <p:sp>
-        <p:nvSpPr>
-          <p:cNvPr id="5" name="Slide Number Placeholder 4"/>
-          <p:cNvSpPr>
-            <a:spLocks noGrp="1"/>
-          </p:cNvSpPr>
-          <p:nvPr>
-            <p:ph type="sldNum" sz="quarter" idx="12"/>
-          </p:nvPr>
-        </p:nvSpPr>
-        <p:spPr/>
-        <p:txBody>
-          <a:bodyPr/>
-          <a:lstStyle/>
-          <a:p>
-            <a:pPr>
-              <a:defRPr/>
-            </a:pPr>
-            <a:fld id="{BD6E0F59-1DD8-40FC-9C92-B6295CBA6CCA}" type="slidenum">
-              <a:rPr lang="en-US" altLang="zh-CN" smtClean="0"/>
-              <a:pPr>
-                <a:defRPr/>
-              </a:pPr>
-              <a:t>17</a:t>
-            </a:fld>
-            <a:endParaRPr lang="en-US" altLang="zh-CN"/>
-          </a:p>
-        </p:txBody>
-      </p:sp>
-      <p:sp>
-        <p:nvSpPr>
-          <p:cNvPr id="6" name="Rectangle 5">
-            <a:extLst>
-              <a:ext uri="{FF2B5EF4-FFF2-40B4-BE49-F238E27FC236}">
-                <a16:creationId xmlns:a16="http://schemas.microsoft.com/office/drawing/2014/main" id="{4C15A4CE-6545-5142-97A8-EDA8B07CB60B}"/>
-              </a:ext>
-            </a:extLst>
-          </p:cNvPr>
-          <p:cNvSpPr/>
-          <p:nvPr/>
-        </p:nvSpPr>
-        <p:spPr>
-          <a:xfrm>
-            <a:off x="207227" y="639902"/>
-            <a:ext cx="5126774" cy="3970318"/>
-          </a:xfrm>
-          <a:prstGeom prst="rect">
-            <a:avLst/>
-          </a:prstGeom>
-          <a:solidFill>
-            <a:schemeClr val="accent6">
-              <a:lumMod val="20000"/>
-              <a:lumOff val="80000"/>
-            </a:schemeClr>
-          </a:solidFill>
-        </p:spPr>
-        <p:txBody>
-          <a:bodyPr wrap="square">
-            <a:spAutoFit/>
-          </a:bodyPr>
-          <a:lstStyle/>
-          <a:p>
-            <a:r>
-              <a:rPr lang="en-CA" sz="900" dirty="0">
-                <a:latin typeface="Courier" pitchFamily="2" charset="0"/>
-              </a:rPr>
-              <a:t>  +---------------------------------------------------------------+</a:t>
-            </a:r>
-          </a:p>
-          <a:p>
-            <a:r>
-              <a:rPr lang="en-CA" sz="900" dirty="0">
-                <a:latin typeface="Courier" pitchFamily="2" charset="0"/>
-              </a:rPr>
-              <a:t>  | Outer IP Header                                               |</a:t>
-            </a:r>
-          </a:p>
-          <a:p>
-            <a:r>
-              <a:rPr lang="en-CA" sz="900" dirty="0">
-                <a:latin typeface="Courier" pitchFamily="2" charset="0"/>
-              </a:rPr>
-              <a:t>  .  Source IP Address = Sender IPv6 Address                      .</a:t>
-            </a:r>
-          </a:p>
-          <a:p>
-            <a:r>
-              <a:rPr lang="en-CA" sz="900" dirty="0">
-                <a:latin typeface="Courier" pitchFamily="2" charset="0"/>
-              </a:rPr>
-              <a:t>  .  Destination IP Address = Next IPv6 Address                   .</a:t>
-            </a:r>
-          </a:p>
-          <a:p>
-            <a:r>
-              <a:rPr lang="en-CA" sz="900" dirty="0">
-                <a:latin typeface="Courier" pitchFamily="2" charset="0"/>
-              </a:rPr>
-              <a:t>  .  Next Header = 43 (Routing Header)                            .</a:t>
-            </a:r>
-          </a:p>
-          <a:p>
-            <a:r>
-              <a:rPr lang="en-CA" sz="900" dirty="0">
-                <a:latin typeface="Courier" pitchFamily="2" charset="0"/>
-              </a:rPr>
-              <a:t>  .                                                               .</a:t>
-            </a:r>
-          </a:p>
-          <a:p>
-            <a:r>
-              <a:rPr lang="en-CA" sz="900" dirty="0">
-                <a:latin typeface="Courier" pitchFamily="2" charset="0"/>
-              </a:rPr>
-              <a:t>  +---------------------------------------------------------------+</a:t>
-            </a:r>
-          </a:p>
-          <a:p>
-            <a:r>
-              <a:rPr lang="en-CA" sz="900" dirty="0">
-                <a:latin typeface="Courier" pitchFamily="2" charset="0"/>
-              </a:rPr>
-              <a:t>  |  SRH                                                          |</a:t>
-            </a:r>
-          </a:p>
-          <a:p>
-            <a:r>
-              <a:rPr lang="en-CA" sz="900" dirty="0">
-                <a:latin typeface="Courier" pitchFamily="2" charset="0"/>
-              </a:rPr>
-              <a:t>  .  &lt;Segment List&gt;                                               .</a:t>
-            </a:r>
-          </a:p>
-          <a:p>
-            <a:r>
-              <a:rPr lang="en-CA" sz="900" dirty="0">
-                <a:latin typeface="Courier" pitchFamily="2" charset="0"/>
-              </a:rPr>
-              <a:t>  .  END.TSF with Target SID                                      .</a:t>
-            </a:r>
-          </a:p>
-          <a:p>
-            <a:r>
-              <a:rPr lang="en-CA" sz="900" dirty="0">
-                <a:latin typeface="Courier" pitchFamily="2" charset="0"/>
-              </a:rPr>
-              <a:t>  .                                                               .</a:t>
-            </a:r>
-          </a:p>
-          <a:p>
-            <a:r>
-              <a:rPr lang="en-CA" sz="900" dirty="0">
-                <a:latin typeface="Courier" pitchFamily="2" charset="0"/>
-              </a:rPr>
-              <a:t>  +---------------------------------------------------------------+</a:t>
-            </a:r>
-          </a:p>
-          <a:p>
-            <a:r>
-              <a:rPr lang="en-CA" sz="900" dirty="0">
-                <a:latin typeface="Courier" pitchFamily="2" charset="0"/>
-              </a:rPr>
-              <a:t>  | Inner IP Header                                               |</a:t>
-            </a:r>
-          </a:p>
-          <a:p>
-            <a:r>
-              <a:rPr lang="en-CA" sz="900" dirty="0">
-                <a:latin typeface="Courier" pitchFamily="2" charset="0"/>
-              </a:rPr>
-              <a:t>  .  Source IP Address = </a:t>
-            </a:r>
-            <a:r>
-              <a:rPr lang="en-CA" sz="900" b="1" dirty="0">
-                <a:latin typeface="Courier" pitchFamily="2" charset="0"/>
-              </a:rPr>
-              <a:t>Reflector</a:t>
-            </a:r>
-            <a:r>
-              <a:rPr lang="en-CA" sz="900" dirty="0">
-                <a:latin typeface="Courier" pitchFamily="2" charset="0"/>
-              </a:rPr>
-              <a:t> IPv6 Address                   .</a:t>
-            </a:r>
-          </a:p>
-          <a:p>
-            <a:r>
-              <a:rPr lang="en-CA" sz="900" dirty="0">
-                <a:latin typeface="Courier" pitchFamily="2" charset="0"/>
-              </a:rPr>
-              <a:t>  .  Destination IP Address = </a:t>
-            </a:r>
-            <a:r>
-              <a:rPr lang="en-CA" sz="900" b="1" dirty="0">
-                <a:latin typeface="Courier" pitchFamily="2" charset="0"/>
-              </a:rPr>
-              <a:t>Sender</a:t>
-            </a:r>
-            <a:r>
-              <a:rPr lang="en-CA" sz="900" dirty="0">
-                <a:latin typeface="Courier" pitchFamily="2" charset="0"/>
-              </a:rPr>
-              <a:t> IPv6 Address                 .</a:t>
-            </a:r>
-          </a:p>
-          <a:p>
-            <a:r>
-              <a:rPr lang="en-CA" sz="900" dirty="0">
-                <a:latin typeface="Courier" pitchFamily="2" charset="0"/>
-              </a:rPr>
-              <a:t>  .                                                               .</a:t>
-            </a:r>
-          </a:p>
-          <a:p>
-            <a:r>
-              <a:rPr lang="en-CA" sz="900" dirty="0">
-                <a:latin typeface="Courier" pitchFamily="2" charset="0"/>
-              </a:rPr>
-              <a:t>  +---------------------------------------------------------------+</a:t>
-            </a:r>
-          </a:p>
-          <a:p>
-            <a:r>
-              <a:rPr lang="en-CA" sz="900" dirty="0">
-                <a:latin typeface="Courier" pitchFamily="2" charset="0"/>
-              </a:rPr>
-              <a:t>  | UDP Header                                                    |</a:t>
-            </a:r>
-          </a:p>
-          <a:p>
-            <a:r>
-              <a:rPr lang="en-CA" sz="900" dirty="0">
-                <a:latin typeface="Courier" pitchFamily="2" charset="0"/>
-              </a:rPr>
-              <a:t>  .  Source Port = As chosen by Sender                            .</a:t>
-            </a:r>
-          </a:p>
-          <a:p>
-            <a:r>
-              <a:rPr lang="en-CA" sz="900" dirty="0">
-                <a:latin typeface="Courier" pitchFamily="2" charset="0"/>
-              </a:rPr>
-              <a:t>  .  Destination Port = User-configured Port                      .</a:t>
-            </a:r>
-          </a:p>
-          <a:p>
-            <a:r>
-              <a:rPr lang="en-CA" sz="900" dirty="0">
-                <a:latin typeface="Courier" pitchFamily="2" charset="0"/>
-              </a:rPr>
-              <a:t>  .                                                               .</a:t>
-            </a:r>
-          </a:p>
-          <a:p>
-            <a:r>
-              <a:rPr lang="en-CA" sz="900" dirty="0">
-                <a:latin typeface="Courier" pitchFamily="2" charset="0"/>
-              </a:rPr>
-              <a:t>  +-+-+-+-+-+-+-+-+-+-+-+-+-+-+-+-+-+-+-+-+-+-+-+-+-+-+-+-+-+-+-+-+</a:t>
-            </a:r>
-          </a:p>
-          <a:p>
-            <a:r>
-              <a:rPr lang="en-CA" sz="900" dirty="0">
-                <a:latin typeface="Courier" pitchFamily="2" charset="0"/>
-              </a:rPr>
-              <a:t>  |  Payload as defined in Section 4.2.1 of RFC 5357 |            |</a:t>
-            </a:r>
-          </a:p>
-          <a:p>
-            <a:r>
-              <a:rPr lang="en-CA" sz="900" dirty="0">
-                <a:latin typeface="Courier" pitchFamily="2" charset="0"/>
-              </a:rPr>
-              <a:t>  |  Payload as defined in Section 4.2 of RFC 8762                |</a:t>
-            </a:r>
-          </a:p>
-          <a:p>
-            <a:r>
-              <a:rPr lang="en-CA" sz="900" dirty="0">
-                <a:latin typeface="Courier" pitchFamily="2" charset="0"/>
-              </a:rPr>
-              <a:t>  .                                                               .</a:t>
-            </a:r>
-          </a:p>
-          <a:p>
-            <a:r>
-              <a:rPr lang="en-CA" sz="900" dirty="0">
-                <a:latin typeface="Courier" pitchFamily="2" charset="0"/>
-              </a:rPr>
-              <a:t>  +---------------------------------------------------------------+</a:t>
-            </a:r>
-          </a:p>
-          <a:p>
-            <a:r>
-              <a:rPr lang="en-CA" sz="900" dirty="0">
-                <a:latin typeface="Courier" pitchFamily="2" charset="0"/>
-              </a:rPr>
-              <a:t> </a:t>
-            </a:r>
-          </a:p>
-          <a:p>
-            <a:r>
-              <a:rPr lang="en-CA" sz="900" dirty="0">
-                <a:latin typeface="Courier" pitchFamily="2" charset="0"/>
-              </a:rPr>
-              <a:t>Example 1: Probe Message for SRv6 with Endpoint Function IP Return Path</a:t>
-            </a:r>
-            <a:endParaRPr lang="en-US" sz="900" dirty="0">
-              <a:latin typeface="Courier" pitchFamily="2" charset="0"/>
-            </a:endParaRPr>
-          </a:p>
-        </p:txBody>
-      </p:sp>
-      <p:sp>
-        <p:nvSpPr>
-          <p:cNvPr id="8" name="Content Placeholder 7">
-            <a:extLst>
-              <a:ext uri="{FF2B5EF4-FFF2-40B4-BE49-F238E27FC236}">
-                <a16:creationId xmlns:a16="http://schemas.microsoft.com/office/drawing/2014/main" id="{FC6E1890-536D-9D49-8207-C42BBF301FF3}"/>
-              </a:ext>
-            </a:extLst>
-          </p:cNvPr>
-          <p:cNvSpPr>
-            <a:spLocks noGrp="1"/>
-          </p:cNvSpPr>
-          <p:nvPr>
-            <p:ph idx="1"/>
-          </p:nvPr>
-        </p:nvSpPr>
-        <p:spPr>
-          <a:xfrm>
-            <a:off x="5410200" y="1166015"/>
-            <a:ext cx="3526573" cy="2895600"/>
-          </a:xfrm>
-        </p:spPr>
-        <p:txBody>
-          <a:bodyPr/>
-          <a:lstStyle/>
-          <a:p>
-            <a:r>
-              <a:rPr lang="en-US" sz="1400" dirty="0"/>
-              <a:t>Endpoint Function END.TSF is defined for Timestamp and Forward and carried for the Reflector node SID</a:t>
-            </a:r>
-          </a:p>
-          <a:p>
-            <a:r>
-              <a:rPr lang="en-US" sz="1400" dirty="0"/>
-              <a:t>Reflector node removes SRH</a:t>
-            </a:r>
-          </a:p>
-          <a:p>
-            <a:r>
-              <a:rPr lang="en-US" sz="1400" dirty="0"/>
-              <a:t>Reverse direction path is IP</a:t>
-            </a:r>
-          </a:p>
-          <a:p>
-            <a:r>
-              <a:rPr lang="en-US" sz="1400" dirty="0"/>
-              <a:t>Source and Destination Addresses are swapped to represent the Reverse direction path in the </a:t>
-            </a:r>
-            <a:r>
-              <a:rPr lang="en-US" sz="1400" b="1" dirty="0"/>
-              <a:t>inner</a:t>
-            </a:r>
-            <a:r>
-              <a:rPr lang="en-US" sz="1400" dirty="0"/>
-              <a:t> IPv6 header</a:t>
-            </a:r>
-          </a:p>
-          <a:p>
-            <a:endParaRPr lang="en-US" sz="1400" dirty="0"/>
-          </a:p>
-        </p:txBody>
-      </p:sp>
-    </p:spTree>
-    <p:extLst>
-      <p:ext uri="{BB962C8B-B14F-4D97-AF65-F5344CB8AC3E}">
-        <p14:creationId xmlns:p14="http://schemas.microsoft.com/office/powerpoint/2010/main" val="94110022"/>
-      </p:ext>
-    </p:extLst>
-  </p:cSld>
-  <p:clrMapOvr>
-    <a:masterClrMapping/>
-  </p:clrMapOvr>
-</p:sld>
-</file>
-
-<file path=ppt/slides/slide18.xml><?xml version="1.0" encoding="utf-8"?>
-<p:sld xmlns:a="http://schemas.openxmlformats.org/drawingml/2006/main" xmlns:r="http://schemas.openxmlformats.org/officeDocument/2006/relationships" xmlns:p="http://schemas.openxmlformats.org/presentationml/2006/main">
-  <p:cSld>
-    <p:spTree>
-      <p:nvGrpSpPr>
-        <p:cNvPr id="1" name=""/>
-        <p:cNvGrpSpPr/>
-        <p:nvPr/>
-      </p:nvGrpSpPr>
-      <p:grpSpPr>
-        <a:xfrm>
-          <a:off x="0" y="0"/>
-          <a:ext cx="0" cy="0"/>
-          <a:chOff x="0" y="0"/>
-          <a:chExt cx="0" cy="0"/>
-        </a:xfrm>
-      </p:grpSpPr>
-      <p:sp>
-        <p:nvSpPr>
-          <p:cNvPr id="2" name="Title 1"/>
-          <p:cNvSpPr>
-            <a:spLocks noGrp="1"/>
-          </p:cNvSpPr>
-          <p:nvPr>
-            <p:ph type="title"/>
-          </p:nvPr>
-        </p:nvSpPr>
-        <p:spPr>
-          <a:xfrm>
-            <a:off x="0" y="0"/>
-            <a:ext cx="9144000" cy="742950"/>
-          </a:xfrm>
-        </p:spPr>
-        <p:txBody>
-          <a:bodyPr/>
-          <a:lstStyle/>
-          <a:p>
-            <a:r>
-              <a:rPr lang="en-US" sz="3000" dirty="0">
-                <a:solidFill>
-                  <a:srgbClr val="0070C0"/>
-                </a:solidFill>
-                <a:latin typeface="Calibri Light" panose="020F0302020204030204" pitchFamily="34" charset="0"/>
-                <a:cs typeface="Calibri Light" panose="020F0302020204030204" pitchFamily="34" charset="0"/>
-              </a:rPr>
-              <a:t>SRv6 with Timestamp and Forward Function Example 2</a:t>
-            </a:r>
-          </a:p>
-        </p:txBody>
-      </p:sp>
-      <p:sp>
-        <p:nvSpPr>
-          <p:cNvPr id="4" name="Footer Placeholder 3"/>
-          <p:cNvSpPr>
-            <a:spLocks noGrp="1"/>
-          </p:cNvSpPr>
-          <p:nvPr>
-            <p:ph type="ftr" sz="quarter" idx="11"/>
-          </p:nvPr>
-        </p:nvSpPr>
-        <p:spPr>
-          <a:xfrm>
-            <a:off x="3124200" y="4788339"/>
-            <a:ext cx="2895600" cy="357188"/>
-          </a:xfrm>
-        </p:spPr>
-        <p:txBody>
-          <a:bodyPr/>
-          <a:lstStyle/>
-          <a:p>
-            <a:r>
-              <a:rPr lang="en-CA" dirty="0"/>
-              <a:t>IETF – April 2020 </a:t>
-            </a:r>
-          </a:p>
-        </p:txBody>
-      </p:sp>
-      <p:sp>
-        <p:nvSpPr>
-          <p:cNvPr id="5" name="Slide Number Placeholder 4"/>
-          <p:cNvSpPr>
-            <a:spLocks noGrp="1"/>
-          </p:cNvSpPr>
-          <p:nvPr>
-            <p:ph type="sldNum" sz="quarter" idx="12"/>
-          </p:nvPr>
-        </p:nvSpPr>
-        <p:spPr/>
-        <p:txBody>
-          <a:bodyPr/>
-          <a:lstStyle/>
-          <a:p>
-            <a:pPr>
-              <a:defRPr/>
-            </a:pPr>
-            <a:fld id="{BD6E0F59-1DD8-40FC-9C92-B6295CBA6CCA}" type="slidenum">
-              <a:rPr lang="en-US" altLang="zh-CN" smtClean="0"/>
-              <a:pPr>
-                <a:defRPr/>
-              </a:pPr>
-              <a:t>18</a:t>
-            </a:fld>
-            <a:endParaRPr lang="en-US" altLang="zh-CN" dirty="0"/>
-          </a:p>
-        </p:txBody>
-      </p:sp>
-      <p:sp>
-        <p:nvSpPr>
-          <p:cNvPr id="6" name="Rectangle 5">
-            <a:extLst>
-              <a:ext uri="{FF2B5EF4-FFF2-40B4-BE49-F238E27FC236}">
-                <a16:creationId xmlns:a16="http://schemas.microsoft.com/office/drawing/2014/main" id="{4C15A4CE-6545-5142-97A8-EDA8B07CB60B}"/>
-              </a:ext>
-            </a:extLst>
-          </p:cNvPr>
-          <p:cNvSpPr/>
-          <p:nvPr/>
-        </p:nvSpPr>
-        <p:spPr>
-          <a:xfrm>
-            <a:off x="152400" y="794534"/>
-            <a:ext cx="5105400" cy="3416320"/>
-          </a:xfrm>
-          <a:prstGeom prst="rect">
-            <a:avLst/>
-          </a:prstGeom>
-          <a:solidFill>
-            <a:schemeClr val="accent6">
-              <a:lumMod val="20000"/>
-              <a:lumOff val="80000"/>
-            </a:schemeClr>
-          </a:solidFill>
-        </p:spPr>
-        <p:txBody>
-          <a:bodyPr wrap="square">
-            <a:spAutoFit/>
-          </a:bodyPr>
-          <a:lstStyle/>
-          <a:p>
-            <a:r>
-              <a:rPr lang="en-CA" sz="900" dirty="0">
-                <a:latin typeface="Courier" pitchFamily="2" charset="0"/>
-              </a:rPr>
-              <a:t>  +---------------------------------------------------------------+</a:t>
-            </a:r>
-          </a:p>
-          <a:p>
-            <a:r>
-              <a:rPr lang="en-CA" sz="900" dirty="0">
-                <a:latin typeface="Courier" pitchFamily="2" charset="0"/>
-              </a:rPr>
-              <a:t>  | IP Header                                                     |</a:t>
-            </a:r>
-          </a:p>
-          <a:p>
-            <a:r>
-              <a:rPr lang="en-CA" sz="900" dirty="0">
-                <a:latin typeface="Courier" pitchFamily="2" charset="0"/>
-              </a:rPr>
-              <a:t>  .  Source IP Address = Sender IPv6 Address                      .</a:t>
-            </a:r>
-          </a:p>
-          <a:p>
-            <a:r>
-              <a:rPr lang="en-CA" sz="900" dirty="0">
-                <a:latin typeface="Courier" pitchFamily="2" charset="0"/>
-              </a:rPr>
-              <a:t>  .  Destination IP Address = Next IPv6 Address                   .</a:t>
-            </a:r>
-          </a:p>
-          <a:p>
-            <a:r>
-              <a:rPr lang="en-CA" sz="900" dirty="0">
-                <a:latin typeface="Courier" pitchFamily="2" charset="0"/>
-              </a:rPr>
-              <a:t>  .  Next Header = 43 (Routing Header)                            .</a:t>
-            </a:r>
-          </a:p>
-          <a:p>
-            <a:r>
-              <a:rPr lang="en-CA" sz="900" dirty="0">
-                <a:latin typeface="Courier" pitchFamily="2" charset="0"/>
-              </a:rPr>
-              <a:t>  .                                                               .</a:t>
-            </a:r>
-          </a:p>
-          <a:p>
-            <a:r>
-              <a:rPr lang="en-CA" sz="900" dirty="0">
-                <a:latin typeface="Courier" pitchFamily="2" charset="0"/>
-              </a:rPr>
-              <a:t>  +---------------------------------------------------------------+</a:t>
-            </a:r>
-          </a:p>
-          <a:p>
-            <a:r>
-              <a:rPr lang="en-CA" sz="900" dirty="0">
-                <a:latin typeface="Courier" pitchFamily="2" charset="0"/>
-              </a:rPr>
-              <a:t>  |  SRH                                                          |</a:t>
-            </a:r>
-          </a:p>
-          <a:p>
-            <a:r>
-              <a:rPr lang="en-CA" sz="900" dirty="0">
-                <a:latin typeface="Courier" pitchFamily="2" charset="0"/>
-              </a:rPr>
-              <a:t>  .  &lt;Segment List&gt;                                               .</a:t>
-            </a:r>
-          </a:p>
-          <a:p>
-            <a:r>
-              <a:rPr lang="en-CA" sz="900" dirty="0">
-                <a:latin typeface="Courier" pitchFamily="2" charset="0"/>
-              </a:rPr>
-              <a:t>  .  END.TSF with Target SID                                      .</a:t>
-            </a:r>
-          </a:p>
-          <a:p>
-            <a:r>
-              <a:rPr lang="en-CA" sz="900" dirty="0">
-                <a:latin typeface="Courier" pitchFamily="2" charset="0"/>
-              </a:rPr>
-              <a:t>  .  Next Header = 17 (UDP)                                       .</a:t>
-            </a:r>
-          </a:p>
-          <a:p>
-            <a:r>
-              <a:rPr lang="en-CA" sz="900" dirty="0">
-                <a:latin typeface="Courier" pitchFamily="2" charset="0"/>
-              </a:rPr>
-              <a:t>  .                                                               .</a:t>
-            </a:r>
-          </a:p>
-          <a:p>
-            <a:r>
-              <a:rPr lang="en-CA" sz="900" dirty="0">
-                <a:latin typeface="Courier" pitchFamily="2" charset="0"/>
-              </a:rPr>
-              <a:t>  +---------------------------------------------------------------+</a:t>
-            </a:r>
-          </a:p>
-          <a:p>
-            <a:r>
-              <a:rPr lang="en-CA" sz="900" dirty="0">
-                <a:latin typeface="Courier" pitchFamily="2" charset="0"/>
-              </a:rPr>
-              <a:t>  | UDP Header                                                    |</a:t>
-            </a:r>
-          </a:p>
-          <a:p>
-            <a:r>
-              <a:rPr lang="en-CA" sz="900" dirty="0">
-                <a:latin typeface="Courier" pitchFamily="2" charset="0"/>
-              </a:rPr>
-              <a:t>  .  Source Port = As chosen by Sender                            .</a:t>
-            </a:r>
-          </a:p>
-          <a:p>
-            <a:r>
-              <a:rPr lang="en-CA" sz="900" dirty="0">
-                <a:latin typeface="Courier" pitchFamily="2" charset="0"/>
-              </a:rPr>
-              <a:t>  .  Destination Port = User-configured Port                      .</a:t>
-            </a:r>
-          </a:p>
-          <a:p>
-            <a:r>
-              <a:rPr lang="en-CA" sz="900" dirty="0">
-                <a:latin typeface="Courier" pitchFamily="2" charset="0"/>
-              </a:rPr>
-              <a:t>  .                                                               .</a:t>
-            </a:r>
-          </a:p>
-          <a:p>
-            <a:r>
-              <a:rPr lang="en-CA" sz="900" dirty="0">
-                <a:latin typeface="Courier" pitchFamily="2" charset="0"/>
-              </a:rPr>
-              <a:t>  +-+-+-+-+-+-+-+-+-+-+-+-+-+-+-+-+-+-+-+-+-+-+-+-+-+-+-+-+-+-+-+-+</a:t>
-            </a:r>
-          </a:p>
-          <a:p>
-            <a:r>
-              <a:rPr lang="en-CA" sz="900" dirty="0">
-                <a:latin typeface="Courier" pitchFamily="2" charset="0"/>
-              </a:rPr>
-              <a:t>  |  Payload as defined in Section 4.2.1 of RFC 5357 |            |</a:t>
-            </a:r>
-          </a:p>
-          <a:p>
-            <a:r>
-              <a:rPr lang="en-CA" sz="900" dirty="0">
-                <a:latin typeface="Courier" pitchFamily="2" charset="0"/>
-              </a:rPr>
-              <a:t>  |  Payload as defined in Section 4.2 of RFC 8762                |</a:t>
-            </a:r>
-          </a:p>
-          <a:p>
-            <a:r>
-              <a:rPr lang="en-CA" sz="900" dirty="0">
-                <a:latin typeface="Courier" pitchFamily="2" charset="0"/>
-              </a:rPr>
-              <a:t>  .                                                               .</a:t>
-            </a:r>
-          </a:p>
-          <a:p>
-            <a:r>
-              <a:rPr lang="en-CA" sz="900" dirty="0">
-                <a:latin typeface="Courier" pitchFamily="2" charset="0"/>
-              </a:rPr>
-              <a:t>  +---------------------------------------------------------------+</a:t>
-            </a:r>
-          </a:p>
-          <a:p>
-            <a:r>
-              <a:rPr lang="en-CA" sz="900" dirty="0">
-                <a:latin typeface="Courier" pitchFamily="2" charset="0"/>
-              </a:rPr>
-              <a:t> </a:t>
-            </a:r>
-          </a:p>
-          <a:p>
-            <a:r>
-              <a:rPr lang="en-CA" sz="900" dirty="0">
-                <a:latin typeface="Courier" pitchFamily="2" charset="0"/>
-              </a:rPr>
-              <a:t>Example 2: Probe Message for SRv6 with Endpoint Function SR Return Path</a:t>
-            </a:r>
-            <a:endParaRPr lang="en-US" sz="900" dirty="0">
-              <a:latin typeface="Courier" pitchFamily="2" charset="0"/>
-            </a:endParaRPr>
-          </a:p>
-        </p:txBody>
-      </p:sp>
-      <p:sp>
-        <p:nvSpPr>
-          <p:cNvPr id="8" name="Content Placeholder 7">
-            <a:extLst>
-              <a:ext uri="{FF2B5EF4-FFF2-40B4-BE49-F238E27FC236}">
-                <a16:creationId xmlns:a16="http://schemas.microsoft.com/office/drawing/2014/main" id="{FC6E1890-536D-9D49-8207-C42BBF301FF3}"/>
-              </a:ext>
-            </a:extLst>
-          </p:cNvPr>
-          <p:cNvSpPr>
-            <a:spLocks noGrp="1"/>
-          </p:cNvSpPr>
-          <p:nvPr>
-            <p:ph idx="1"/>
-          </p:nvPr>
-        </p:nvSpPr>
-        <p:spPr>
-          <a:xfrm>
-            <a:off x="5334000" y="1200150"/>
-            <a:ext cx="3547946" cy="1988381"/>
-          </a:xfrm>
-        </p:spPr>
-        <p:txBody>
-          <a:bodyPr/>
-          <a:lstStyle/>
-          <a:p>
-            <a:r>
-              <a:rPr lang="en-US" sz="1400" dirty="0"/>
-              <a:t>Endpoint Function END.TSF is defined for Timestamp and Forward and carried for the Reflector node SID</a:t>
-            </a:r>
-          </a:p>
-          <a:p>
-            <a:r>
-              <a:rPr lang="en-US" sz="1400" dirty="0"/>
-              <a:t>Reflector node does not remove the SRH, Sender node will remove the SRH</a:t>
-            </a:r>
-          </a:p>
-          <a:p>
-            <a:r>
-              <a:rPr lang="en-US" sz="1400" dirty="0"/>
-              <a:t>Reverse direction SR path carried in SRH</a:t>
-            </a:r>
-          </a:p>
-          <a:p>
-            <a:endParaRPr lang="en-US" sz="1400" dirty="0"/>
-          </a:p>
-        </p:txBody>
-      </p:sp>
-    </p:spTree>
-    <p:extLst>
-      <p:ext uri="{BB962C8B-B14F-4D97-AF65-F5344CB8AC3E}">
-        <p14:creationId xmlns:p14="http://schemas.microsoft.com/office/powerpoint/2010/main" val="1703487410"/>
       </p:ext>
     </p:extLst>
   </p:cSld>
@@ -11135,6 +11250,555 @@
       </p:grpSpPr>
       <p:sp>
         <p:nvSpPr>
+          <p:cNvPr id="2" name="Title 1"/>
+          <p:cNvSpPr>
+            <a:spLocks noGrp="1"/>
+          </p:cNvSpPr>
+          <p:nvPr>
+            <p:ph type="title"/>
+          </p:nvPr>
+        </p:nvSpPr>
+        <p:spPr>
+          <a:xfrm>
+            <a:off x="0" y="0"/>
+            <a:ext cx="9144000" cy="640642"/>
+          </a:xfrm>
+        </p:spPr>
+        <p:txBody>
+          <a:bodyPr/>
+          <a:lstStyle/>
+          <a:p>
+            <a:r>
+              <a:rPr lang="en-US" sz="3000" dirty="0">
+                <a:solidFill>
+                  <a:srgbClr val="0070C0"/>
+                </a:solidFill>
+                <a:latin typeface="Calibri Light" panose="020F0302020204030204" pitchFamily="34" charset="0"/>
+                <a:cs typeface="Calibri Light" panose="020F0302020204030204" pitchFamily="34" charset="0"/>
+              </a:rPr>
+              <a:t>SRv6 with Timestamp and Forward Function Example 1</a:t>
+            </a:r>
+          </a:p>
+        </p:txBody>
+      </p:sp>
+      <p:sp>
+        <p:nvSpPr>
+          <p:cNvPr id="4" name="Footer Placeholder 3"/>
+          <p:cNvSpPr>
+            <a:spLocks noGrp="1"/>
+          </p:cNvSpPr>
+          <p:nvPr>
+            <p:ph type="ftr" sz="quarter" idx="11"/>
+          </p:nvPr>
+        </p:nvSpPr>
+        <p:spPr>
+          <a:xfrm>
+            <a:off x="2836126" y="4786312"/>
+            <a:ext cx="2895600" cy="357188"/>
+          </a:xfrm>
+        </p:spPr>
+        <p:txBody>
+          <a:bodyPr/>
+          <a:lstStyle/>
+          <a:p>
+            <a:r>
+              <a:rPr lang="en-CA" dirty="0"/>
+              <a:t>108</a:t>
+            </a:r>
+            <a:r>
+              <a:rPr lang="en-CA" baseline="30000" dirty="0"/>
+              <a:t>th</a:t>
+            </a:r>
+            <a:r>
+              <a:rPr lang="en-CA" dirty="0"/>
+              <a:t> IETF @ Madrid</a:t>
+            </a:r>
+          </a:p>
+        </p:txBody>
+      </p:sp>
+      <p:sp>
+        <p:nvSpPr>
+          <p:cNvPr id="5" name="Slide Number Placeholder 4"/>
+          <p:cNvSpPr>
+            <a:spLocks noGrp="1"/>
+          </p:cNvSpPr>
+          <p:nvPr>
+            <p:ph type="sldNum" sz="quarter" idx="12"/>
+          </p:nvPr>
+        </p:nvSpPr>
+        <p:spPr/>
+        <p:txBody>
+          <a:bodyPr/>
+          <a:lstStyle/>
+          <a:p>
+            <a:pPr>
+              <a:defRPr/>
+            </a:pPr>
+            <a:fld id="{BD6E0F59-1DD8-40FC-9C92-B6295CBA6CCA}" type="slidenum">
+              <a:rPr lang="en-US" altLang="zh-CN" smtClean="0"/>
+              <a:pPr>
+                <a:defRPr/>
+              </a:pPr>
+              <a:t>19</a:t>
+            </a:fld>
+            <a:endParaRPr lang="en-US" altLang="zh-CN"/>
+          </a:p>
+        </p:txBody>
+      </p:sp>
+      <p:sp>
+        <p:nvSpPr>
+          <p:cNvPr id="6" name="Rectangle 5">
+            <a:extLst>
+              <a:ext uri="{FF2B5EF4-FFF2-40B4-BE49-F238E27FC236}">
+                <a16:creationId xmlns:a16="http://schemas.microsoft.com/office/drawing/2014/main" id="{4C15A4CE-6545-5142-97A8-EDA8B07CB60B}"/>
+              </a:ext>
+            </a:extLst>
+          </p:cNvPr>
+          <p:cNvSpPr/>
+          <p:nvPr/>
+        </p:nvSpPr>
+        <p:spPr>
+          <a:xfrm>
+            <a:off x="207227" y="735032"/>
+            <a:ext cx="5050573" cy="3970318"/>
+          </a:xfrm>
+          <a:prstGeom prst="rect">
+            <a:avLst/>
+          </a:prstGeom>
+          <a:solidFill>
+            <a:schemeClr val="accent6">
+              <a:lumMod val="20000"/>
+              <a:lumOff val="80000"/>
+            </a:schemeClr>
+          </a:solidFill>
+        </p:spPr>
+        <p:txBody>
+          <a:bodyPr wrap="square">
+            <a:spAutoFit/>
+          </a:bodyPr>
+          <a:lstStyle/>
+          <a:p>
+            <a:r>
+              <a:rPr lang="en-CA" sz="900" dirty="0">
+                <a:latin typeface="Courier" pitchFamily="2" charset="0"/>
+              </a:rPr>
+              <a:t>  +---------------------------------------------------------------+</a:t>
+            </a:r>
+          </a:p>
+          <a:p>
+            <a:r>
+              <a:rPr lang="en-CA" sz="900" dirty="0">
+                <a:latin typeface="Courier" pitchFamily="2" charset="0"/>
+              </a:rPr>
+              <a:t>  | IP Header                                                     |</a:t>
+            </a:r>
+          </a:p>
+          <a:p>
+            <a:r>
+              <a:rPr lang="en-CA" sz="900" dirty="0">
+                <a:latin typeface="Courier" pitchFamily="2" charset="0"/>
+              </a:rPr>
+              <a:t>  .  Source IP Address = Sender IPv6 Address                      .</a:t>
+            </a:r>
+          </a:p>
+          <a:p>
+            <a:r>
+              <a:rPr lang="en-CA" sz="900" dirty="0">
+                <a:latin typeface="Courier" pitchFamily="2" charset="0"/>
+              </a:rPr>
+              <a:t>  .  Destination IP Address = Next IPv6 Address                   .</a:t>
+            </a:r>
+          </a:p>
+          <a:p>
+            <a:r>
+              <a:rPr lang="en-CA" sz="900" dirty="0">
+                <a:latin typeface="Courier" pitchFamily="2" charset="0"/>
+              </a:rPr>
+              <a:t>  .                                                               .</a:t>
+            </a:r>
+          </a:p>
+          <a:p>
+            <a:r>
+              <a:rPr lang="en-CA" sz="900" dirty="0">
+                <a:latin typeface="Courier" pitchFamily="2" charset="0"/>
+              </a:rPr>
+              <a:t>  +---------------------------------------------------------------+</a:t>
+            </a:r>
+          </a:p>
+          <a:p>
+            <a:r>
+              <a:rPr lang="en-CA" sz="900" dirty="0">
+                <a:latin typeface="Courier" pitchFamily="2" charset="0"/>
+              </a:rPr>
+              <a:t>  |  SRH as specified in RFC 8754                                 |</a:t>
+            </a:r>
+          </a:p>
+          <a:p>
+            <a:r>
+              <a:rPr lang="en-CA" sz="900" dirty="0">
+                <a:latin typeface="Courier" pitchFamily="2" charset="0"/>
+              </a:rPr>
+              <a:t>  .   &lt;Segment List&gt;                                              .</a:t>
+            </a:r>
+          </a:p>
+          <a:p>
+            <a:r>
+              <a:rPr lang="en-CA" sz="900" dirty="0">
+                <a:latin typeface="Courier" pitchFamily="2" charset="0"/>
+              </a:rPr>
+              <a:t>  .  END.TSF with Target SID                                      .</a:t>
+            </a:r>
+          </a:p>
+          <a:p>
+            <a:r>
+              <a:rPr lang="en-CA" sz="900" dirty="0">
+                <a:latin typeface="Courier" pitchFamily="2" charset="0"/>
+              </a:rPr>
+              <a:t>  .                                                               .</a:t>
+            </a:r>
+          </a:p>
+          <a:p>
+            <a:r>
+              <a:rPr lang="en-CA" sz="900" dirty="0">
+                <a:latin typeface="Courier" pitchFamily="2" charset="0"/>
+              </a:rPr>
+              <a:t>  +---------------------------------------------------------------+</a:t>
+            </a:r>
+          </a:p>
+          <a:p>
+            <a:r>
+              <a:rPr lang="en-CA" sz="900" dirty="0">
+                <a:latin typeface="Courier" pitchFamily="2" charset="0"/>
+              </a:rPr>
+              <a:t>  | IP Header                                                     |</a:t>
+            </a:r>
+          </a:p>
+          <a:p>
+            <a:r>
+              <a:rPr lang="en-CA" sz="900" dirty="0">
+                <a:latin typeface="Courier" pitchFamily="2" charset="0"/>
+              </a:rPr>
+              <a:t>  .  Source IP Address = </a:t>
+            </a:r>
+            <a:r>
+              <a:rPr lang="en-CA" sz="900" b="1" dirty="0">
+                <a:latin typeface="Courier" pitchFamily="2" charset="0"/>
+              </a:rPr>
+              <a:t>Reflector</a:t>
+            </a:r>
+            <a:r>
+              <a:rPr lang="en-CA" sz="900" dirty="0">
+                <a:latin typeface="Courier" pitchFamily="2" charset="0"/>
+              </a:rPr>
+              <a:t> IPv6 Address                   .</a:t>
+            </a:r>
+          </a:p>
+          <a:p>
+            <a:r>
+              <a:rPr lang="en-CA" sz="900" dirty="0">
+                <a:latin typeface="Courier" pitchFamily="2" charset="0"/>
+              </a:rPr>
+              <a:t>  .  Destination IP Address = </a:t>
+            </a:r>
+            <a:r>
+              <a:rPr lang="en-CA" sz="900" b="1" dirty="0">
+                <a:latin typeface="Courier" pitchFamily="2" charset="0"/>
+              </a:rPr>
+              <a:t>Sender</a:t>
+            </a:r>
+            <a:r>
+              <a:rPr lang="en-CA" sz="900" dirty="0">
+                <a:latin typeface="Courier" pitchFamily="2" charset="0"/>
+              </a:rPr>
+              <a:t> IPv6 Address                 .</a:t>
+            </a:r>
+          </a:p>
+          <a:p>
+            <a:r>
+              <a:rPr lang="en-CA" sz="900" dirty="0">
+                <a:latin typeface="Courier" pitchFamily="2" charset="0"/>
+              </a:rPr>
+              <a:t>  .                                                               .</a:t>
+            </a:r>
+          </a:p>
+          <a:p>
+            <a:r>
+              <a:rPr lang="en-CA" sz="900" dirty="0">
+                <a:latin typeface="Courier" pitchFamily="2" charset="0"/>
+              </a:rPr>
+              <a:t>  +---------------------------------------------------------------+</a:t>
+            </a:r>
+          </a:p>
+          <a:p>
+            <a:r>
+              <a:rPr lang="en-CA" sz="900" dirty="0">
+                <a:latin typeface="Courier" pitchFamily="2" charset="0"/>
+              </a:rPr>
+              <a:t>  | UDP Header                                                    |</a:t>
+            </a:r>
+          </a:p>
+          <a:p>
+            <a:r>
+              <a:rPr lang="en-CA" sz="900" dirty="0">
+                <a:latin typeface="Courier" pitchFamily="2" charset="0"/>
+              </a:rPr>
+              <a:t>  .  Source Port = As chosen by Sender                            .</a:t>
+            </a:r>
+          </a:p>
+          <a:p>
+            <a:r>
+              <a:rPr lang="en-CA" sz="900" dirty="0">
+                <a:latin typeface="Courier" pitchFamily="2" charset="0"/>
+              </a:rPr>
+              <a:t>  .  Destination Port = User-configured Port                      .</a:t>
+            </a:r>
+          </a:p>
+          <a:p>
+            <a:r>
+              <a:rPr lang="en-CA" sz="900" dirty="0">
+                <a:latin typeface="Courier" pitchFamily="2" charset="0"/>
+              </a:rPr>
+              <a:t>  .                                                               .</a:t>
+            </a:r>
+          </a:p>
+          <a:p>
+            <a:r>
+              <a:rPr lang="en-CA" sz="900" dirty="0">
+                <a:latin typeface="Courier" pitchFamily="2" charset="0"/>
+              </a:rPr>
+              <a:t>  +-+-+-+-+-+-+-+-+-+-+-+-+-+-+-+-+-+-+-+-+-+-+-+-+-+-+-+-+-+-+-+-+</a:t>
+            </a:r>
+          </a:p>
+          <a:p>
+            <a:r>
+              <a:rPr lang="en-CA" sz="900" dirty="0">
+                <a:latin typeface="Courier" pitchFamily="2" charset="0"/>
+              </a:rPr>
+              <a:t>  |  Payload as defined in Section 4.2.1 of RFC 5357 |            |</a:t>
+            </a:r>
+          </a:p>
+          <a:p>
+            <a:r>
+              <a:rPr lang="en-CA" sz="900" dirty="0">
+                <a:latin typeface="Courier" pitchFamily="2" charset="0"/>
+              </a:rPr>
+              <a:t>  |  Payload as defined in Section 4.2 of RFC 8762                |</a:t>
+            </a:r>
+          </a:p>
+          <a:p>
+            <a:r>
+              <a:rPr lang="en-CA" sz="900" dirty="0">
+                <a:latin typeface="Courier" pitchFamily="2" charset="0"/>
+              </a:rPr>
+              <a:t>  .                                                               .</a:t>
+            </a:r>
+          </a:p>
+          <a:p>
+            <a:r>
+              <a:rPr lang="en-CA" sz="900" dirty="0">
+                <a:latin typeface="Courier" pitchFamily="2" charset="0"/>
+              </a:rPr>
+              <a:t>  +---------------------------------------------------------------+</a:t>
+            </a:r>
+          </a:p>
+          <a:p>
+            <a:r>
+              <a:rPr lang="en-CA" sz="900" dirty="0">
+                <a:latin typeface="Courier" pitchFamily="2" charset="0"/>
+              </a:rPr>
+              <a:t> </a:t>
+            </a:r>
+          </a:p>
+          <a:p>
+            <a:r>
+              <a:rPr lang="en-CA" sz="900" dirty="0">
+                <a:latin typeface="Courier" pitchFamily="2" charset="0"/>
+              </a:rPr>
+              <a:t>Example 1: Probe Message for SRv6 with Endpoint Function </a:t>
+            </a:r>
+            <a:r>
+              <a:rPr lang="en-CA" sz="900" b="1" dirty="0">
+                <a:latin typeface="Courier" pitchFamily="2" charset="0"/>
+              </a:rPr>
+              <a:t>IP</a:t>
+            </a:r>
+            <a:r>
+              <a:rPr lang="en-CA" sz="900" dirty="0">
+                <a:latin typeface="Courier" pitchFamily="2" charset="0"/>
+              </a:rPr>
+              <a:t> Return Path</a:t>
+            </a:r>
+            <a:endParaRPr lang="en-US" sz="900" dirty="0">
+              <a:latin typeface="Courier" pitchFamily="2" charset="0"/>
+            </a:endParaRPr>
+          </a:p>
+        </p:txBody>
+      </p:sp>
+      <p:sp>
+        <p:nvSpPr>
+          <p:cNvPr id="8" name="Content Placeholder 7">
+            <a:extLst>
+              <a:ext uri="{FF2B5EF4-FFF2-40B4-BE49-F238E27FC236}">
+                <a16:creationId xmlns:a16="http://schemas.microsoft.com/office/drawing/2014/main" id="{FC6E1890-536D-9D49-8207-C42BBF301FF3}"/>
+              </a:ext>
+            </a:extLst>
+          </p:cNvPr>
+          <p:cNvSpPr>
+            <a:spLocks noGrp="1"/>
+          </p:cNvSpPr>
+          <p:nvPr>
+            <p:ph idx="1"/>
+          </p:nvPr>
+        </p:nvSpPr>
+        <p:spPr>
+          <a:xfrm>
+            <a:off x="5352372" y="1047750"/>
+            <a:ext cx="3678973" cy="2895600"/>
+          </a:xfrm>
+        </p:spPr>
+        <p:txBody>
+          <a:bodyPr/>
+          <a:lstStyle/>
+          <a:p>
+            <a:r>
+              <a:rPr lang="en-US" sz="1400" dirty="0"/>
+              <a:t>Endpoint Function END.TSF is defined for Timestamp and Forward and carried for the Reflector node SID</a:t>
+            </a:r>
+          </a:p>
+          <a:p>
+            <a:r>
+              <a:rPr lang="en-US" sz="1400" dirty="0"/>
+              <a:t>Reverse Path is IP</a:t>
+            </a:r>
+          </a:p>
+          <a:p>
+            <a:r>
+              <a:rPr lang="en-US" sz="1400" dirty="0"/>
+              <a:t>Reflector node removes SRH</a:t>
+            </a:r>
+          </a:p>
+          <a:p>
+            <a:r>
+              <a:rPr lang="en-US" sz="1400" dirty="0"/>
+              <a:t>Inner IPv6 header is required</a:t>
+            </a:r>
+          </a:p>
+          <a:p>
+            <a:pPr lvl="1"/>
+            <a:r>
+              <a:rPr lang="en-US" sz="1400" dirty="0"/>
+              <a:t>Source and Destination Addresses are swapped to represent the Reverse direction path in the inner IPv6 header</a:t>
+            </a:r>
+          </a:p>
+          <a:p>
+            <a:endParaRPr lang="en-US" sz="1400" dirty="0"/>
+          </a:p>
+        </p:txBody>
+      </p:sp>
+    </p:spTree>
+    <p:extLst>
+      <p:ext uri="{BB962C8B-B14F-4D97-AF65-F5344CB8AC3E}">
+        <p14:creationId xmlns:p14="http://schemas.microsoft.com/office/powerpoint/2010/main" val="94110022"/>
+      </p:ext>
+    </p:extLst>
+  </p:cSld>
+  <p:clrMapOvr>
+    <a:masterClrMapping/>
+  </p:clrMapOvr>
+</p:sld>
+</file>
+
+<file path=ppt/slides/slide2.xml><?xml version="1.0" encoding="utf-8"?>
+<p:sld xmlns:a="http://schemas.openxmlformats.org/drawingml/2006/main" xmlns:r="http://schemas.openxmlformats.org/officeDocument/2006/relationships" xmlns:p="http://schemas.openxmlformats.org/presentationml/2006/main">
+  <p:cSld>
+    <p:spTree>
+      <p:nvGrpSpPr>
+        <p:cNvPr id="1" name=""/>
+        <p:cNvGrpSpPr/>
+        <p:nvPr/>
+      </p:nvGrpSpPr>
+      <p:grpSpPr>
+        <a:xfrm>
+          <a:off x="0" y="0"/>
+          <a:ext cx="0" cy="0"/>
+          <a:chOff x="0" y="0"/>
+          <a:chExt cx="0" cy="0"/>
+        </a:xfrm>
+      </p:grpSpPr>
+      <p:sp>
+        <p:nvSpPr>
+          <p:cNvPr id="2" name="Title 1"/>
+          <p:cNvSpPr>
+            <a:spLocks noGrp="1"/>
+          </p:cNvSpPr>
+          <p:nvPr>
+            <p:ph type="title"/>
+          </p:nvPr>
+        </p:nvSpPr>
+        <p:spPr>
+          <a:xfrm>
+            <a:off x="457200" y="0"/>
+            <a:ext cx="8229600" cy="857250"/>
+          </a:xfrm>
+        </p:spPr>
+        <p:txBody>
+          <a:bodyPr/>
+          <a:lstStyle/>
+          <a:p>
+            <a:r>
+              <a:rPr lang="en-US" sz="3600" dirty="0">
+                <a:solidFill>
+                  <a:srgbClr val="0070C0"/>
+                </a:solidFill>
+                <a:latin typeface="Calibri Light" panose="020F0302020204030204" pitchFamily="34" charset="0"/>
+                <a:cs typeface="Calibri Light" panose="020F0302020204030204" pitchFamily="34" charset="0"/>
+              </a:rPr>
+              <a:t>Agenda</a:t>
+            </a:r>
+          </a:p>
+        </p:txBody>
+      </p:sp>
+      <p:sp>
+        <p:nvSpPr>
+          <p:cNvPr id="3" name="Content Placeholder 2"/>
+          <p:cNvSpPr>
+            <a:spLocks noGrp="1"/>
+          </p:cNvSpPr>
+          <p:nvPr>
+            <p:ph idx="1"/>
+          </p:nvPr>
+        </p:nvSpPr>
+        <p:spPr>
+          <a:xfrm>
+            <a:off x="573741" y="1157288"/>
+            <a:ext cx="8113059" cy="3124200"/>
+          </a:xfrm>
+        </p:spPr>
+        <p:txBody>
+          <a:bodyPr/>
+          <a:lstStyle/>
+          <a:p>
+            <a:r>
+              <a:rPr lang="en-US" sz="2400" dirty="0"/>
+              <a:t>Requirements and Scope</a:t>
+            </a:r>
+          </a:p>
+          <a:p>
+            <a:r>
+              <a:rPr lang="en-US" sz="2400" dirty="0"/>
+              <a:t>Summary</a:t>
+            </a:r>
+          </a:p>
+          <a:p>
+            <a:r>
+              <a:rPr lang="en-US" sz="2400" dirty="0"/>
+              <a:t>Next Steps</a:t>
+            </a:r>
+          </a:p>
+        </p:txBody>
+      </p:sp>
+      <p:sp>
+        <p:nvSpPr>
           <p:cNvPr id="4" name="Footer Placeholder 3"/>
           <p:cNvSpPr>
             <a:spLocks noGrp="1"/>
@@ -11155,7 +11819,586 @@
           <a:p>
             <a:r>
               <a:rPr lang="en-CA" dirty="0"/>
-              <a:t>IETF  – April 2020 </a:t>
+              <a:t>108</a:t>
+            </a:r>
+            <a:r>
+              <a:rPr lang="en-CA" baseline="30000" dirty="0"/>
+              <a:t>th</a:t>
+            </a:r>
+            <a:r>
+              <a:rPr lang="en-CA" dirty="0"/>
+              <a:t> IETF @ Madrid</a:t>
+            </a:r>
+          </a:p>
+        </p:txBody>
+      </p:sp>
+      <p:sp>
+        <p:nvSpPr>
+          <p:cNvPr id="5" name="Slide Number Placeholder 4"/>
+          <p:cNvSpPr>
+            <a:spLocks noGrp="1"/>
+          </p:cNvSpPr>
+          <p:nvPr>
+            <p:ph type="sldNum" sz="quarter" idx="12"/>
+          </p:nvPr>
+        </p:nvSpPr>
+        <p:spPr/>
+        <p:txBody>
+          <a:bodyPr/>
+          <a:lstStyle/>
+          <a:p>
+            <a:pPr>
+              <a:defRPr/>
+            </a:pPr>
+            <a:fld id="{BD6E0F59-1DD8-40FC-9C92-B6295CBA6CCA}" type="slidenum">
+              <a:rPr lang="en-US" altLang="zh-CN" smtClean="0"/>
+              <a:pPr>
+                <a:defRPr/>
+              </a:pPr>
+              <a:t>2</a:t>
+            </a:fld>
+            <a:endParaRPr lang="en-US" altLang="zh-CN"/>
+          </a:p>
+        </p:txBody>
+      </p:sp>
+    </p:spTree>
+    <p:extLst>
+      <p:ext uri="{BB962C8B-B14F-4D97-AF65-F5344CB8AC3E}">
+        <p14:creationId xmlns:p14="http://schemas.microsoft.com/office/powerpoint/2010/main" val="1157046242"/>
+      </p:ext>
+    </p:extLst>
+  </p:cSld>
+  <p:clrMapOvr>
+    <a:masterClrMapping/>
+  </p:clrMapOvr>
+</p:sld>
+</file>
+
+<file path=ppt/slides/slide20.xml><?xml version="1.0" encoding="utf-8"?>
+<p:sld xmlns:a="http://schemas.openxmlformats.org/drawingml/2006/main" xmlns:r="http://schemas.openxmlformats.org/officeDocument/2006/relationships" xmlns:p="http://schemas.openxmlformats.org/presentationml/2006/main">
+  <p:cSld>
+    <p:spTree>
+      <p:nvGrpSpPr>
+        <p:cNvPr id="1" name=""/>
+        <p:cNvGrpSpPr/>
+        <p:nvPr/>
+      </p:nvGrpSpPr>
+      <p:grpSpPr>
+        <a:xfrm>
+          <a:off x="0" y="0"/>
+          <a:ext cx="0" cy="0"/>
+          <a:chOff x="0" y="0"/>
+          <a:chExt cx="0" cy="0"/>
+        </a:xfrm>
+      </p:grpSpPr>
+      <p:sp>
+        <p:nvSpPr>
+          <p:cNvPr id="2" name="Title 1"/>
+          <p:cNvSpPr>
+            <a:spLocks noGrp="1"/>
+          </p:cNvSpPr>
+          <p:nvPr>
+            <p:ph type="title"/>
+          </p:nvPr>
+        </p:nvSpPr>
+        <p:spPr>
+          <a:xfrm>
+            <a:off x="0" y="0"/>
+            <a:ext cx="9144000" cy="742950"/>
+          </a:xfrm>
+        </p:spPr>
+        <p:txBody>
+          <a:bodyPr/>
+          <a:lstStyle/>
+          <a:p>
+            <a:r>
+              <a:rPr lang="en-US" sz="3000" dirty="0">
+                <a:solidFill>
+                  <a:srgbClr val="0070C0"/>
+                </a:solidFill>
+                <a:latin typeface="Calibri Light" panose="020F0302020204030204" pitchFamily="34" charset="0"/>
+                <a:cs typeface="Calibri Light" panose="020F0302020204030204" pitchFamily="34" charset="0"/>
+              </a:rPr>
+              <a:t>SRv6 with Timestamp and Forward Function Example 2</a:t>
+            </a:r>
+          </a:p>
+        </p:txBody>
+      </p:sp>
+      <p:sp>
+        <p:nvSpPr>
+          <p:cNvPr id="4" name="Footer Placeholder 3"/>
+          <p:cNvSpPr>
+            <a:spLocks noGrp="1"/>
+          </p:cNvSpPr>
+          <p:nvPr>
+            <p:ph type="ftr" sz="quarter" idx="11"/>
+          </p:nvPr>
+        </p:nvSpPr>
+        <p:spPr>
+          <a:xfrm>
+            <a:off x="3124200" y="4788339"/>
+            <a:ext cx="2895600" cy="357188"/>
+          </a:xfrm>
+        </p:spPr>
+        <p:txBody>
+          <a:bodyPr/>
+          <a:lstStyle/>
+          <a:p>
+            <a:r>
+              <a:rPr lang="en-CA" dirty="0"/>
+              <a:t>108</a:t>
+            </a:r>
+            <a:r>
+              <a:rPr lang="en-CA" baseline="30000" dirty="0"/>
+              <a:t>th</a:t>
+            </a:r>
+            <a:r>
+              <a:rPr lang="en-CA" dirty="0"/>
+              <a:t> IETF @ Madrid</a:t>
+            </a:r>
+          </a:p>
+        </p:txBody>
+      </p:sp>
+      <p:sp>
+        <p:nvSpPr>
+          <p:cNvPr id="5" name="Slide Number Placeholder 4"/>
+          <p:cNvSpPr>
+            <a:spLocks noGrp="1"/>
+          </p:cNvSpPr>
+          <p:nvPr>
+            <p:ph type="sldNum" sz="quarter" idx="12"/>
+          </p:nvPr>
+        </p:nvSpPr>
+        <p:spPr/>
+        <p:txBody>
+          <a:bodyPr/>
+          <a:lstStyle/>
+          <a:p>
+            <a:pPr>
+              <a:defRPr/>
+            </a:pPr>
+            <a:fld id="{BD6E0F59-1DD8-40FC-9C92-B6295CBA6CCA}" type="slidenum">
+              <a:rPr lang="en-US" altLang="zh-CN" smtClean="0"/>
+              <a:pPr>
+                <a:defRPr/>
+              </a:pPr>
+              <a:t>20</a:t>
+            </a:fld>
+            <a:endParaRPr lang="en-US" altLang="zh-CN" dirty="0"/>
+          </a:p>
+        </p:txBody>
+      </p:sp>
+      <p:sp>
+        <p:nvSpPr>
+          <p:cNvPr id="6" name="Rectangle 5">
+            <a:extLst>
+              <a:ext uri="{FF2B5EF4-FFF2-40B4-BE49-F238E27FC236}">
+                <a16:creationId xmlns:a16="http://schemas.microsoft.com/office/drawing/2014/main" id="{4C15A4CE-6545-5142-97A8-EDA8B07CB60B}"/>
+              </a:ext>
+            </a:extLst>
+          </p:cNvPr>
+          <p:cNvSpPr/>
+          <p:nvPr/>
+        </p:nvSpPr>
+        <p:spPr>
+          <a:xfrm>
+            <a:off x="198895" y="735032"/>
+            <a:ext cx="5105400" cy="3970318"/>
+          </a:xfrm>
+          <a:prstGeom prst="rect">
+            <a:avLst/>
+          </a:prstGeom>
+          <a:solidFill>
+            <a:schemeClr val="accent6">
+              <a:lumMod val="20000"/>
+              <a:lumOff val="80000"/>
+            </a:schemeClr>
+          </a:solidFill>
+        </p:spPr>
+        <p:txBody>
+          <a:bodyPr wrap="square">
+            <a:spAutoFit/>
+          </a:bodyPr>
+          <a:lstStyle/>
+          <a:p>
+            <a:r>
+              <a:rPr lang="en-CA" sz="900" dirty="0">
+                <a:latin typeface="Courier" pitchFamily="2" charset="0"/>
+              </a:rPr>
+              <a:t>  +---------------------------------------------------------------+</a:t>
+            </a:r>
+          </a:p>
+          <a:p>
+            <a:r>
+              <a:rPr lang="en-CA" sz="900" dirty="0">
+                <a:latin typeface="Courier" pitchFamily="2" charset="0"/>
+              </a:rPr>
+              <a:t>  | IP Header                                                     |</a:t>
+            </a:r>
+          </a:p>
+          <a:p>
+            <a:r>
+              <a:rPr lang="en-CA" sz="900" dirty="0">
+                <a:latin typeface="Courier" pitchFamily="2" charset="0"/>
+              </a:rPr>
+              <a:t>  .  Source IP Address = Sender IPv6 Address                      .</a:t>
+            </a:r>
+          </a:p>
+          <a:p>
+            <a:r>
+              <a:rPr lang="en-CA" sz="900" dirty="0">
+                <a:latin typeface="Courier" pitchFamily="2" charset="0"/>
+              </a:rPr>
+              <a:t>  .  Destination IP Address = Next IPv6 Address                   .</a:t>
+            </a:r>
+          </a:p>
+          <a:p>
+            <a:r>
+              <a:rPr lang="en-CA" sz="900" dirty="0">
+                <a:latin typeface="Courier" pitchFamily="2" charset="0"/>
+              </a:rPr>
+              <a:t>  .                                                               .</a:t>
+            </a:r>
+          </a:p>
+          <a:p>
+            <a:r>
+              <a:rPr lang="en-CA" sz="900" dirty="0">
+                <a:latin typeface="Courier" pitchFamily="2" charset="0"/>
+              </a:rPr>
+              <a:t>  +---------------------------------------------------------------+</a:t>
+            </a:r>
+          </a:p>
+          <a:p>
+            <a:r>
+              <a:rPr lang="en-CA" sz="900" dirty="0">
+                <a:latin typeface="Courier" pitchFamily="2" charset="0"/>
+              </a:rPr>
+              <a:t>  |  SRH as specified in RFC 8754                                 |</a:t>
+            </a:r>
+          </a:p>
+          <a:p>
+            <a:r>
+              <a:rPr lang="en-CA" sz="900" dirty="0">
+                <a:latin typeface="Courier" pitchFamily="2" charset="0"/>
+              </a:rPr>
+              <a:t>  .   &lt;Segment List&gt;                                              .</a:t>
+            </a:r>
+          </a:p>
+          <a:p>
+            <a:r>
+              <a:rPr lang="en-CA" sz="900" dirty="0">
+                <a:latin typeface="Courier" pitchFamily="2" charset="0"/>
+              </a:rPr>
+              <a:t>  .  END.TSF with Target SID                                      .</a:t>
+            </a:r>
+          </a:p>
+          <a:p>
+            <a:r>
+              <a:rPr lang="en-CA" sz="900" dirty="0">
+                <a:latin typeface="Courier" pitchFamily="2" charset="0"/>
+              </a:rPr>
+              <a:t>  .                                                               .</a:t>
+            </a:r>
+          </a:p>
+          <a:p>
+            <a:r>
+              <a:rPr lang="en-CA" sz="900" dirty="0">
+                <a:latin typeface="Courier" pitchFamily="2" charset="0"/>
+              </a:rPr>
+              <a:t>  +---------------------------------------------------------------+</a:t>
+            </a:r>
+          </a:p>
+          <a:p>
+            <a:r>
+              <a:rPr lang="en-CA" sz="900" dirty="0">
+                <a:latin typeface="Courier" pitchFamily="2" charset="0"/>
+              </a:rPr>
+              <a:t>  | IP Header (Optional)                                          |</a:t>
+            </a:r>
+          </a:p>
+          <a:p>
+            <a:r>
+              <a:rPr lang="en-CA" sz="900" dirty="0">
+                <a:latin typeface="Courier" pitchFamily="2" charset="0"/>
+              </a:rPr>
+              <a:t>  .  Source IP Address = </a:t>
+            </a:r>
+            <a:r>
+              <a:rPr lang="en-CA" sz="900" b="1" dirty="0">
+                <a:latin typeface="Courier" pitchFamily="2" charset="0"/>
+              </a:rPr>
+              <a:t>Reflector</a:t>
+            </a:r>
+            <a:r>
+              <a:rPr lang="en-CA" sz="900" dirty="0">
+                <a:latin typeface="Courier" pitchFamily="2" charset="0"/>
+              </a:rPr>
+              <a:t> IPv6 Address                   .</a:t>
+            </a:r>
+          </a:p>
+          <a:p>
+            <a:r>
+              <a:rPr lang="en-CA" sz="900" dirty="0">
+                <a:latin typeface="Courier" pitchFamily="2" charset="0"/>
+              </a:rPr>
+              <a:t>  .  Destination IP Address = </a:t>
+            </a:r>
+            <a:r>
+              <a:rPr lang="en-CA" sz="900" b="1" dirty="0">
+                <a:latin typeface="Courier" pitchFamily="2" charset="0"/>
+              </a:rPr>
+              <a:t>Sender</a:t>
+            </a:r>
+            <a:r>
+              <a:rPr lang="en-CA" sz="900" dirty="0">
+                <a:latin typeface="Courier" pitchFamily="2" charset="0"/>
+              </a:rPr>
+              <a:t> IPv6 Address                 .</a:t>
+            </a:r>
+          </a:p>
+          <a:p>
+            <a:r>
+              <a:rPr lang="en-CA" sz="900" dirty="0">
+                <a:latin typeface="Courier" pitchFamily="2" charset="0"/>
+              </a:rPr>
+              <a:t>  .                                                               .</a:t>
+            </a:r>
+          </a:p>
+          <a:p>
+            <a:r>
+              <a:rPr lang="en-CA" sz="900" dirty="0">
+                <a:latin typeface="Courier" pitchFamily="2" charset="0"/>
+              </a:rPr>
+              <a:t>  +---------------------------------------------------------------+</a:t>
+            </a:r>
+          </a:p>
+          <a:p>
+            <a:r>
+              <a:rPr lang="en-CA" sz="900" dirty="0">
+                <a:latin typeface="Courier" pitchFamily="2" charset="0"/>
+              </a:rPr>
+              <a:t>  | UDP Header                                                    |</a:t>
+            </a:r>
+          </a:p>
+          <a:p>
+            <a:r>
+              <a:rPr lang="en-CA" sz="900" dirty="0">
+                <a:latin typeface="Courier" pitchFamily="2" charset="0"/>
+              </a:rPr>
+              <a:t>  .  Source Port = As chosen by Sender                            .</a:t>
+            </a:r>
+          </a:p>
+          <a:p>
+            <a:r>
+              <a:rPr lang="en-CA" sz="900" dirty="0">
+                <a:latin typeface="Courier" pitchFamily="2" charset="0"/>
+              </a:rPr>
+              <a:t>  .  Destination Port = User-configured Port                      .</a:t>
+            </a:r>
+          </a:p>
+          <a:p>
+            <a:r>
+              <a:rPr lang="en-CA" sz="900" dirty="0">
+                <a:latin typeface="Courier" pitchFamily="2" charset="0"/>
+              </a:rPr>
+              <a:t>  .                                                               .</a:t>
+            </a:r>
+          </a:p>
+          <a:p>
+            <a:r>
+              <a:rPr lang="en-CA" sz="900" dirty="0">
+                <a:latin typeface="Courier" pitchFamily="2" charset="0"/>
+              </a:rPr>
+              <a:t>  +-+-+-+-+-+-+-+-+-+-+-+-+-+-+-+-+-+-+-+-+-+-+-+-+-+-+-+-+-+-+-+-+</a:t>
+            </a:r>
+          </a:p>
+          <a:p>
+            <a:r>
+              <a:rPr lang="en-CA" sz="900" dirty="0">
+                <a:latin typeface="Courier" pitchFamily="2" charset="0"/>
+              </a:rPr>
+              <a:t>  |  Payload as defined in Section 4.2.1 of RFC 5357 |            |</a:t>
+            </a:r>
+          </a:p>
+          <a:p>
+            <a:r>
+              <a:rPr lang="en-CA" sz="900" dirty="0">
+                <a:latin typeface="Courier" pitchFamily="2" charset="0"/>
+              </a:rPr>
+              <a:t>  |  Payload as defined in Section 4.2 of RFC 8762                |</a:t>
+            </a:r>
+          </a:p>
+          <a:p>
+            <a:r>
+              <a:rPr lang="en-CA" sz="900" dirty="0">
+                <a:latin typeface="Courier" pitchFamily="2" charset="0"/>
+              </a:rPr>
+              <a:t>  .                                                               .</a:t>
+            </a:r>
+          </a:p>
+          <a:p>
+            <a:r>
+              <a:rPr lang="en-CA" sz="900" dirty="0">
+                <a:latin typeface="Courier" pitchFamily="2" charset="0"/>
+              </a:rPr>
+              <a:t>  +---------------------------------------------------------------+</a:t>
+            </a:r>
+          </a:p>
+          <a:p>
+            <a:r>
+              <a:rPr lang="en-CA" sz="900" dirty="0">
+                <a:latin typeface="Courier" pitchFamily="2" charset="0"/>
+              </a:rPr>
+              <a:t> </a:t>
+            </a:r>
+          </a:p>
+          <a:p>
+            <a:r>
+              <a:rPr lang="en-CA" sz="900" dirty="0">
+                <a:latin typeface="Courier" pitchFamily="2" charset="0"/>
+              </a:rPr>
+              <a:t>Example 2: Probe Message for SRv6 with Endpoint Function </a:t>
+            </a:r>
+            <a:r>
+              <a:rPr lang="en-CA" sz="900" b="1" dirty="0">
+                <a:latin typeface="Courier" pitchFamily="2" charset="0"/>
+              </a:rPr>
+              <a:t>SR</a:t>
+            </a:r>
+            <a:r>
+              <a:rPr lang="en-CA" sz="900" dirty="0">
+                <a:latin typeface="Courier" pitchFamily="2" charset="0"/>
+              </a:rPr>
+              <a:t> Return Path</a:t>
+            </a:r>
+            <a:endParaRPr lang="en-US" sz="900" dirty="0">
+              <a:latin typeface="Courier" pitchFamily="2" charset="0"/>
+            </a:endParaRPr>
+          </a:p>
+        </p:txBody>
+      </p:sp>
+      <p:sp>
+        <p:nvSpPr>
+          <p:cNvPr id="8" name="Content Placeholder 7">
+            <a:extLst>
+              <a:ext uri="{FF2B5EF4-FFF2-40B4-BE49-F238E27FC236}">
+                <a16:creationId xmlns:a16="http://schemas.microsoft.com/office/drawing/2014/main" id="{FC6E1890-536D-9D49-8207-C42BBF301FF3}"/>
+              </a:ext>
+            </a:extLst>
+          </p:cNvPr>
+          <p:cNvSpPr>
+            <a:spLocks noGrp="1"/>
+          </p:cNvSpPr>
+          <p:nvPr>
+            <p:ph idx="1"/>
+          </p:nvPr>
+        </p:nvSpPr>
+        <p:spPr>
+          <a:xfrm>
+            <a:off x="5410200" y="1200150"/>
+            <a:ext cx="3547946" cy="2743200"/>
+          </a:xfrm>
+        </p:spPr>
+        <p:txBody>
+          <a:bodyPr/>
+          <a:lstStyle/>
+          <a:p>
+            <a:r>
+              <a:rPr lang="en-US" sz="1400" dirty="0"/>
+              <a:t>Endpoint Function END.TSF is defined for Timestamp and Forward and carried for the Reflector node SID</a:t>
+            </a:r>
+          </a:p>
+          <a:p>
+            <a:r>
+              <a:rPr lang="en-US" sz="1400" dirty="0"/>
+              <a:t>Reverse direction SR path carried in SRH</a:t>
+            </a:r>
+          </a:p>
+          <a:p>
+            <a:r>
+              <a:rPr lang="en-US" sz="1400" dirty="0"/>
+              <a:t>Reflector node does not remove the SRH</a:t>
+            </a:r>
+          </a:p>
+          <a:p>
+            <a:r>
+              <a:rPr lang="en-US" sz="1400" dirty="0"/>
+              <a:t>Inner IPv6 header is optional and not required</a:t>
+            </a:r>
+          </a:p>
+          <a:p>
+            <a:pPr lvl="1"/>
+            <a:r>
+              <a:rPr lang="en-US" sz="1400" dirty="0"/>
+              <a:t>Source and Destination Addresses are swapped to represent the Reverse direction path in the inner IPv6 header</a:t>
+            </a:r>
+          </a:p>
+          <a:p>
+            <a:endParaRPr lang="en-US" sz="1400" dirty="0"/>
+          </a:p>
+        </p:txBody>
+      </p:sp>
+    </p:spTree>
+    <p:extLst>
+      <p:ext uri="{BB962C8B-B14F-4D97-AF65-F5344CB8AC3E}">
+        <p14:creationId xmlns:p14="http://schemas.microsoft.com/office/powerpoint/2010/main" val="1703487410"/>
+      </p:ext>
+    </p:extLst>
+  </p:cSld>
+  <p:clrMapOvr>
+    <a:masterClrMapping/>
+  </p:clrMapOvr>
+</p:sld>
+</file>
+
+<file path=ppt/slides/slide21.xml><?xml version="1.0" encoding="utf-8"?>
+<p:sld xmlns:a="http://schemas.openxmlformats.org/drawingml/2006/main" xmlns:r="http://schemas.openxmlformats.org/officeDocument/2006/relationships" xmlns:p="http://schemas.openxmlformats.org/presentationml/2006/main">
+  <p:cSld>
+    <p:spTree>
+      <p:nvGrpSpPr>
+        <p:cNvPr id="1" name=""/>
+        <p:cNvGrpSpPr/>
+        <p:nvPr/>
+      </p:nvGrpSpPr>
+      <p:grpSpPr>
+        <a:xfrm>
+          <a:off x="0" y="0"/>
+          <a:ext cx="0" cy="0"/>
+          <a:chOff x="0" y="0"/>
+          <a:chExt cx="0" cy="0"/>
+        </a:xfrm>
+      </p:grpSpPr>
+      <p:sp>
+        <p:nvSpPr>
+          <p:cNvPr id="4" name="Footer Placeholder 3"/>
+          <p:cNvSpPr>
+            <a:spLocks noGrp="1"/>
+          </p:cNvSpPr>
+          <p:nvPr>
+            <p:ph type="ftr" sz="quarter" idx="11"/>
+          </p:nvPr>
+        </p:nvSpPr>
+        <p:spPr>
+          <a:xfrm>
+            <a:off x="3124200" y="4786312"/>
+            <a:ext cx="2895600" cy="357188"/>
+          </a:xfrm>
+        </p:spPr>
+        <p:txBody>
+          <a:bodyPr/>
+          <a:lstStyle/>
+          <a:p>
+            <a:r>
+              <a:rPr lang="en-CA" dirty="0"/>
+              <a:t>108</a:t>
+            </a:r>
+            <a:r>
+              <a:rPr lang="en-CA" baseline="30000" dirty="0"/>
+              <a:t>th</a:t>
+            </a:r>
+            <a:r>
+              <a:rPr lang="en-CA" dirty="0"/>
+              <a:t> IETF @ Madrid</a:t>
             </a:r>
           </a:p>
         </p:txBody>
@@ -11372,7 +12615,7 @@
               <a:pPr>
                 <a:defRPr/>
               </a:pPr>
-              <a:t>19</a:t>
+              <a:t>21</a:t>
             </a:fld>
             <a:endParaRPr lang="en-US" altLang="zh-CN"/>
           </a:p>
@@ -11382,164 +12625,6 @@
     <p:extLst>
       <p:ext uri="{BB962C8B-B14F-4D97-AF65-F5344CB8AC3E}">
         <p14:creationId xmlns:p14="http://schemas.microsoft.com/office/powerpoint/2010/main" val="14540097"/>
-      </p:ext>
-    </p:extLst>
-  </p:cSld>
-  <p:clrMapOvr>
-    <a:masterClrMapping/>
-  </p:clrMapOvr>
-</p:sld>
-</file>
-
-<file path=ppt/slides/slide2.xml><?xml version="1.0" encoding="utf-8"?>
-<p:sld xmlns:a="http://schemas.openxmlformats.org/drawingml/2006/main" xmlns:r="http://schemas.openxmlformats.org/officeDocument/2006/relationships" xmlns:p="http://schemas.openxmlformats.org/presentationml/2006/main">
-  <p:cSld>
-    <p:spTree>
-      <p:nvGrpSpPr>
-        <p:cNvPr id="1" name=""/>
-        <p:cNvGrpSpPr/>
-        <p:nvPr/>
-      </p:nvGrpSpPr>
-      <p:grpSpPr>
-        <a:xfrm>
-          <a:off x="0" y="0"/>
-          <a:ext cx="0" cy="0"/>
-          <a:chOff x="0" y="0"/>
-          <a:chExt cx="0" cy="0"/>
-        </a:xfrm>
-      </p:grpSpPr>
-      <p:sp>
-        <p:nvSpPr>
-          <p:cNvPr id="2" name="Title 1"/>
-          <p:cNvSpPr>
-            <a:spLocks noGrp="1"/>
-          </p:cNvSpPr>
-          <p:nvPr>
-            <p:ph type="title"/>
-          </p:nvPr>
-        </p:nvSpPr>
-        <p:spPr>
-          <a:xfrm>
-            <a:off x="457200" y="0"/>
-            <a:ext cx="8229600" cy="857250"/>
-          </a:xfrm>
-        </p:spPr>
-        <p:txBody>
-          <a:bodyPr/>
-          <a:lstStyle/>
-          <a:p>
-            <a:r>
-              <a:rPr lang="en-US" sz="3600" dirty="0">
-                <a:solidFill>
-                  <a:srgbClr val="0070C0"/>
-                </a:solidFill>
-                <a:latin typeface="Calibri Light" panose="020F0302020204030204" pitchFamily="34" charset="0"/>
-                <a:cs typeface="Calibri Light" panose="020F0302020204030204" pitchFamily="34" charset="0"/>
-              </a:rPr>
-              <a:t>Agenda</a:t>
-            </a:r>
-          </a:p>
-        </p:txBody>
-      </p:sp>
-      <p:sp>
-        <p:nvSpPr>
-          <p:cNvPr id="3" name="Content Placeholder 2"/>
-          <p:cNvSpPr>
-            <a:spLocks noGrp="1"/>
-          </p:cNvSpPr>
-          <p:nvPr>
-            <p:ph idx="1"/>
-          </p:nvPr>
-        </p:nvSpPr>
-        <p:spPr>
-          <a:xfrm>
-            <a:off x="573741" y="1157288"/>
-            <a:ext cx="8113059" cy="3124200"/>
-          </a:xfrm>
-        </p:spPr>
-        <p:txBody>
-          <a:bodyPr/>
-          <a:lstStyle/>
-          <a:p>
-            <a:r>
-              <a:rPr lang="en-US" sz="2400" dirty="0"/>
-              <a:t>Requirements and Scope</a:t>
-            </a:r>
-          </a:p>
-          <a:p>
-            <a:r>
-              <a:rPr lang="en-US" sz="2400" dirty="0"/>
-              <a:t>Summary</a:t>
-            </a:r>
-          </a:p>
-          <a:p>
-            <a:r>
-              <a:rPr lang="en-US" sz="2400" dirty="0"/>
-              <a:t>Next Steps</a:t>
-            </a:r>
-          </a:p>
-        </p:txBody>
-      </p:sp>
-      <p:sp>
-        <p:nvSpPr>
-          <p:cNvPr id="4" name="Footer Placeholder 3"/>
-          <p:cNvSpPr>
-            <a:spLocks noGrp="1"/>
-          </p:cNvSpPr>
-          <p:nvPr>
-            <p:ph type="ftr" sz="quarter" idx="11"/>
-          </p:nvPr>
-        </p:nvSpPr>
-        <p:spPr>
-          <a:xfrm>
-            <a:off x="3124200" y="4786312"/>
-            <a:ext cx="2895600" cy="357188"/>
-          </a:xfrm>
-        </p:spPr>
-        <p:txBody>
-          <a:bodyPr/>
-          <a:lstStyle/>
-          <a:p>
-            <a:r>
-              <a:rPr lang="en-CA" dirty="0"/>
-              <a:t>IETF – April 2020 </a:t>
-            </a:r>
-          </a:p>
-        </p:txBody>
-      </p:sp>
-      <p:sp>
-        <p:nvSpPr>
-          <p:cNvPr id="5" name="Slide Number Placeholder 4"/>
-          <p:cNvSpPr>
-            <a:spLocks noGrp="1"/>
-          </p:cNvSpPr>
-          <p:nvPr>
-            <p:ph type="sldNum" sz="quarter" idx="12"/>
-          </p:nvPr>
-        </p:nvSpPr>
-        <p:spPr/>
-        <p:txBody>
-          <a:bodyPr/>
-          <a:lstStyle/>
-          <a:p>
-            <a:pPr>
-              <a:defRPr/>
-            </a:pPr>
-            <a:fld id="{BD6E0F59-1DD8-40FC-9C92-B6295CBA6CCA}" type="slidenum">
-              <a:rPr lang="en-US" altLang="zh-CN" smtClean="0"/>
-              <a:pPr>
-                <a:defRPr/>
-              </a:pPr>
-              <a:t>2</a:t>
-            </a:fld>
-            <a:endParaRPr lang="en-US" altLang="zh-CN"/>
-          </a:p>
-        </p:txBody>
-      </p:sp>
-    </p:spTree>
-    <p:extLst>
-      <p:ext uri="{BB962C8B-B14F-4D97-AF65-F5344CB8AC3E}">
-        <p14:creationId xmlns:p14="http://schemas.microsoft.com/office/powerpoint/2010/main" val="1157046242"/>
       </p:ext>
     </p:extLst>
   </p:cSld>
@@ -11787,7 +12872,15 @@
           <a:p>
             <a:r>
               <a:rPr lang="en-CA" dirty="0"/>
-              <a:t>IETF – April 2020 </a:t>
+              <a:t>108</a:t>
+            </a:r>
+            <a:r>
+              <a:rPr lang="en-CA" baseline="30000" dirty="0"/>
+              <a:t>th</a:t>
+            </a:r>
+            <a:r>
+              <a:rPr lang="en-CA" dirty="0"/>
+              <a:t> IETF @ Madrid</a:t>
             </a:r>
           </a:p>
         </p:txBody>
@@ -11906,7 +12999,15 @@
           <a:p>
             <a:r>
               <a:rPr lang="en-CA" dirty="0"/>
-              <a:t>IETF – April 2020 </a:t>
+              <a:t>108</a:t>
+            </a:r>
+            <a:r>
+              <a:rPr lang="en-CA" baseline="30000" dirty="0"/>
+              <a:t>th</a:t>
+            </a:r>
+            <a:r>
+              <a:rPr lang="en-CA" dirty="0"/>
+              <a:t> IETF @ Madrid</a:t>
             </a:r>
           </a:p>
         </p:txBody>
@@ -12224,8 +13325,8 @@
         </p:nvSpPr>
         <p:spPr>
           <a:xfrm>
-            <a:off x="457200" y="0"/>
-            <a:ext cx="8229600" cy="786646"/>
+            <a:off x="381000" y="-19050"/>
+            <a:ext cx="8458200" cy="857250"/>
           </a:xfrm>
         </p:spPr>
         <p:txBody>
@@ -12240,149 +13341,46 @@
                 <a:latin typeface="Calibri Light" panose="020F0302020204030204" pitchFamily="34" charset="0"/>
                 <a:cs typeface="Calibri Light" panose="020F0302020204030204" pitchFamily="34" charset="0"/>
               </a:rPr>
-              <a:t>Enhanced Liveness Monitoring of SR Policy</a:t>
-            </a:r>
-          </a:p>
-        </p:txBody>
-      </p:sp>
-      <p:sp>
-        <p:nvSpPr>
-          <p:cNvPr id="4" name="Footer Placeholder 3"/>
+              <a:t>TWAMP Light Probe Message</a:t>
+            </a:r>
+          </a:p>
+        </p:txBody>
+      </p:sp>
+      <p:sp>
+        <p:nvSpPr>
+          <p:cNvPr id="5" name="Slide Number Placeholder 4"/>
           <p:cNvSpPr>
             <a:spLocks noGrp="1"/>
           </p:cNvSpPr>
           <p:nvPr>
-            <p:ph type="ftr" sz="quarter" idx="11"/>
-          </p:nvPr>
-        </p:nvSpPr>
-        <p:spPr>
-          <a:xfrm>
-            <a:off x="3124200" y="4786312"/>
-            <a:ext cx="2895600" cy="357188"/>
-          </a:xfrm>
-        </p:spPr>
+            <p:ph type="sldNum" sz="quarter" idx="12"/>
+          </p:nvPr>
+        </p:nvSpPr>
+        <p:spPr/>
         <p:txBody>
           <a:bodyPr/>
           <a:lstStyle/>
           <a:p>
-            <a:r>
-              <a:rPr lang="en-CA" dirty="0"/>
-              <a:t>IETF  – April 2020 </a:t>
-            </a:r>
-          </a:p>
-        </p:txBody>
-      </p:sp>
-      <p:sp>
-        <p:nvSpPr>
-          <p:cNvPr id="6" name="Content Placeholder 2"/>
-          <p:cNvSpPr>
-            <a:spLocks noGrp="1"/>
-          </p:cNvSpPr>
-          <p:nvPr>
-            <p:ph idx="1"/>
-          </p:nvPr>
-        </p:nvSpPr>
-        <p:spPr>
-          <a:xfrm>
-            <a:off x="374374" y="2647950"/>
-            <a:ext cx="8395252" cy="2138362"/>
-          </a:xfrm>
-        </p:spPr>
-        <p:txBody>
-          <a:bodyPr/>
-          <a:lstStyle/>
-          <a:p>
-            <a:pPr lvl="0">
-              <a:lnSpc>
-                <a:spcPts val="1580"/>
-              </a:lnSpc>
-              <a:spcBef>
-                <a:spcPts val="600"/>
-              </a:spcBef>
-            </a:pPr>
-            <a:r>
-              <a:rPr lang="en-CA" sz="1200" dirty="0"/>
-              <a:t>Use PM probes in loopback mode enabled with network programming function</a:t>
-            </a:r>
-          </a:p>
-          <a:p>
-            <a:pPr lvl="1">
-              <a:lnSpc>
-                <a:spcPts val="1580"/>
-              </a:lnSpc>
-              <a:spcBef>
-                <a:spcPts val="600"/>
-              </a:spcBef>
-            </a:pPr>
-            <a:r>
-              <a:rPr lang="en-CA" sz="1200" dirty="0"/>
-              <a:t>The network programming function optimizes the "operations of punt, add receive timestamp and inject the probe packet" on the reflector node</a:t>
-            </a:r>
-          </a:p>
-          <a:p>
-            <a:pPr lvl="0">
-              <a:lnSpc>
-                <a:spcPts val="1580"/>
-              </a:lnSpc>
-              <a:spcBef>
-                <a:spcPts val="600"/>
-              </a:spcBef>
-            </a:pPr>
-            <a:r>
-              <a:rPr lang="en-CA" sz="1200" dirty="0"/>
-              <a:t>The endpoint node adds the receive timestamp in the payload of the received TWAMP Light or STAMP probe message without punting the probe message</a:t>
-            </a:r>
-          </a:p>
-          <a:p>
-            <a:pPr lvl="1">
-              <a:lnSpc>
-                <a:spcPts val="1580"/>
-              </a:lnSpc>
-              <a:spcBef>
-                <a:spcPts val="600"/>
-              </a:spcBef>
-            </a:pPr>
-            <a:r>
-              <a:rPr lang="en-CA" sz="1200" dirty="0"/>
-              <a:t>Only add the receive timestamp if the source address in the probe message matches the local node address</a:t>
-            </a:r>
-          </a:p>
-          <a:p>
-            <a:pPr>
-              <a:lnSpc>
-                <a:spcPts val="1580"/>
-              </a:lnSpc>
-              <a:spcBef>
-                <a:spcPts val="600"/>
-              </a:spcBef>
-            </a:pPr>
-            <a:r>
-              <a:rPr lang="en-US" sz="1200" dirty="0"/>
-              <a:t>Liveness failure is notified when consecutive N number of probe messages are not received back at the sender</a:t>
-            </a:r>
-          </a:p>
-          <a:p>
-            <a:pPr>
-              <a:lnSpc>
-                <a:spcPts val="1580"/>
-              </a:lnSpc>
-              <a:spcBef>
-                <a:spcPts val="600"/>
-              </a:spcBef>
-            </a:pPr>
-            <a:r>
-              <a:rPr lang="en-US" sz="1200" dirty="0"/>
-              <a:t>Delay metrics are notified when consecutive N number of probe messages have delay values exceed the configured thresholds</a:t>
-            </a:r>
-          </a:p>
-        </p:txBody>
-      </p:sp>
-      <p:sp>
-        <p:nvSpPr>
-          <p:cNvPr id="3" name="Rectangle 2">
+            <a:pPr>
+              <a:defRPr/>
+            </a:pPr>
+            <a:fld id="{BD6E0F59-1DD8-40FC-9C92-B6295CBA6CCA}" type="slidenum">
+              <a:rPr lang="en-US" altLang="zh-CN" smtClean="0"/>
+              <a:pPr>
+                <a:defRPr/>
+              </a:pPr>
+              <a:t>5</a:t>
+            </a:fld>
+            <a:endParaRPr lang="en-US" altLang="zh-CN"/>
+          </a:p>
+        </p:txBody>
+      </p:sp>
+      <p:sp>
+        <p:nvSpPr>
+          <p:cNvPr id="6" name="Rectangle 5">
             <a:extLst>
               <a:ext uri="{FF2B5EF4-FFF2-40B4-BE49-F238E27FC236}">
-                <a16:creationId xmlns:a16="http://schemas.microsoft.com/office/drawing/2014/main" id="{31B17E9C-96E0-344B-B58B-37B6A946A9B7}"/>
+                <a16:creationId xmlns:a16="http://schemas.microsoft.com/office/drawing/2014/main" id="{4C15A4CE-6545-5142-97A8-EDA8B07CB60B}"/>
               </a:ext>
             </a:extLst>
           </p:cNvPr>
@@ -12391,8 +13389,8 @@
         </p:nvSpPr>
         <p:spPr>
           <a:xfrm>
-            <a:off x="1905000" y="786646"/>
-            <a:ext cx="4800600" cy="1785104"/>
+            <a:off x="205902" y="1143326"/>
+            <a:ext cx="4823298" cy="2585323"/>
           </a:xfrm>
           <a:prstGeom prst="rect">
             <a:avLst/>
@@ -12403,11 +13401,6 @@
               <a:lumOff val="80000"/>
             </a:schemeClr>
           </a:solidFill>
-          <a:ln>
-            <a:solidFill>
-              <a:srgbClr val="002060"/>
-            </a:solidFill>
-          </a:ln>
         </p:spPr>
         <p:txBody>
           <a:bodyPr wrap="square">
@@ -12416,82 +13409,363 @@
           <a:lstStyle/>
           <a:p>
             <a:r>
-              <a:rPr lang="en-CA" sz="1100" dirty="0">
-                <a:latin typeface="Courier" pitchFamily="2" charset="0"/>
-              </a:rPr>
-              <a:t>   +-------+ t1    Probe      t2 +-------+</a:t>
-            </a:r>
-          </a:p>
-          <a:p>
-            <a:r>
-              <a:rPr lang="en-CA" sz="1100" dirty="0">
-                <a:latin typeface="Courier" pitchFamily="2" charset="0"/>
-              </a:rPr>
-              <a:t>   |       | - - - - - - - - - - |       |</a:t>
-            </a:r>
-          </a:p>
-          <a:p>
-            <a:r>
-              <a:rPr lang="en-CA" sz="1100" dirty="0">
-                <a:latin typeface="Courier" pitchFamily="2" charset="0"/>
-              </a:rPr>
-              <a:t>   |   R1  |--------------------||  R5   |</a:t>
-            </a:r>
-          </a:p>
-          <a:p>
-            <a:r>
-              <a:rPr lang="en-CA" sz="1100" dirty="0">
-                <a:latin typeface="Courier" pitchFamily="2" charset="0"/>
-              </a:rPr>
-              <a:t>   |       |&lt;- - - - - - - - - - |       |</a:t>
-            </a:r>
-          </a:p>
-          <a:p>
-            <a:r>
-              <a:rPr lang="en-CA" sz="1100" dirty="0">
-                <a:latin typeface="Courier" pitchFamily="2" charset="0"/>
-              </a:rPr>
-              <a:t>   +-------+     Return Probe    +-------+</a:t>
-            </a:r>
-          </a:p>
-          <a:p>
-            <a:r>
-              <a:rPr lang="en-CA" sz="1100" dirty="0">
-                <a:latin typeface="Courier" pitchFamily="2" charset="0"/>
-              </a:rPr>
-              <a:t>    Sender                       Reflector Endpoint</a:t>
-            </a:r>
-          </a:p>
-          <a:p>
-            <a:r>
-              <a:rPr lang="en-CA" sz="1100" dirty="0">
-                <a:latin typeface="Courier" pitchFamily="2" charset="0"/>
-              </a:rPr>
-              <a:t>                                 (Timestamp,</a:t>
-            </a:r>
-          </a:p>
-          <a:p>
-            <a:r>
-              <a:rPr lang="en-CA" sz="1100" dirty="0">
-                <a:latin typeface="Courier" pitchFamily="2" charset="0"/>
-              </a:rPr>
-              <a:t>                                  Pop and Forward)</a:t>
-            </a:r>
-          </a:p>
-          <a:p>
-            <a:r>
-              <a:rPr lang="en-CA" sz="1100" dirty="0">
-                <a:latin typeface="Courier" pitchFamily="2" charset="0"/>
-              </a:rPr>
-              <a:t> </a:t>
-            </a:r>
-          </a:p>
-          <a:p>
-            <a:r>
-              <a:rPr lang="en-CA" sz="1100" dirty="0">
-                <a:latin typeface="Courier" pitchFamily="2" charset="0"/>
-              </a:rPr>
-              <a:t>Figure: Loopback Mode Enabled with Network Programming </a:t>
+              <a:rPr lang="en-CA" sz="900" dirty="0">
+                <a:latin typeface="Courier" pitchFamily="2" charset="0"/>
+              </a:rPr>
+              <a:t>  +-+-+-+-+-+-+-+-+-+-+-+-+-+-+-+-+-+-+-+-+-+-+-+-+-+-+-+-+-+-+-+-+</a:t>
+            </a:r>
+          </a:p>
+          <a:p>
+            <a:pPr>
+              <a:spcAft>
+                <a:spcPts val="0"/>
+              </a:spcAft>
+            </a:pPr>
+            <a:r>
+              <a:rPr lang="en-US" sz="900" dirty="0">
+                <a:latin typeface="Courier" pitchFamily="2" charset="0"/>
+                <a:ea typeface="Courier" charset="0"/>
+                <a:cs typeface="Courier" charset="0"/>
+              </a:rPr>
+              <a:t>  |         Sequence Number                                       |</a:t>
+            </a:r>
+          </a:p>
+          <a:p>
+            <a:pPr>
+              <a:spcAft>
+                <a:spcPts val="0"/>
+              </a:spcAft>
+            </a:pPr>
+            <a:r>
+              <a:rPr lang="en-US" sz="900" dirty="0">
+                <a:latin typeface="Courier" pitchFamily="2" charset="0"/>
+                <a:ea typeface="Courier" charset="0"/>
+                <a:cs typeface="Courier" charset="0"/>
+              </a:rPr>
+              <a:t>  +-+-+-+-+-+-+-+-+-+-+-+-+-+-+-+-+-+-+-+-+-+-+-+-+-+-+-+-+-+-+-+-+</a:t>
+            </a:r>
+          </a:p>
+          <a:p>
+            <a:pPr>
+              <a:spcAft>
+                <a:spcPts val="0"/>
+              </a:spcAft>
+            </a:pPr>
+            <a:r>
+              <a:rPr lang="en-US" sz="900" dirty="0">
+                <a:latin typeface="Courier" pitchFamily="2" charset="0"/>
+                <a:ea typeface="Courier" charset="0"/>
+                <a:cs typeface="Courier" charset="0"/>
+              </a:rPr>
+              <a:t>  |         Transmit Timestamp                                    |</a:t>
+            </a:r>
+          </a:p>
+          <a:p>
+            <a:pPr>
+              <a:spcAft>
+                <a:spcPts val="0"/>
+              </a:spcAft>
+            </a:pPr>
+            <a:r>
+              <a:rPr lang="en-US" sz="900" dirty="0">
+                <a:latin typeface="Courier" pitchFamily="2" charset="0"/>
+                <a:ea typeface="Courier" charset="0"/>
+                <a:cs typeface="Courier" charset="0"/>
+              </a:rPr>
+              <a:t>  |                                                               |</a:t>
+            </a:r>
+          </a:p>
+          <a:p>
+            <a:pPr>
+              <a:spcAft>
+                <a:spcPts val="0"/>
+              </a:spcAft>
+            </a:pPr>
+            <a:r>
+              <a:rPr lang="en-US" sz="900" dirty="0">
+                <a:latin typeface="Courier" pitchFamily="2" charset="0"/>
+                <a:ea typeface="Courier" charset="0"/>
+                <a:cs typeface="Courier" charset="0"/>
+              </a:rPr>
+              <a:t>  +-+-+-+-+-+-+-+-+-+-+-+-+-+-+-+-+-+-+-+-+-+-+-+-+-+-+-+-+-+-+-+-+</a:t>
+            </a:r>
+          </a:p>
+          <a:p>
+            <a:pPr>
+              <a:spcAft>
+                <a:spcPts val="0"/>
+              </a:spcAft>
+            </a:pPr>
+            <a:r>
+              <a:rPr lang="en-US" sz="900" dirty="0">
+                <a:latin typeface="Courier" pitchFamily="2" charset="0"/>
+                <a:ea typeface="Courier" charset="0"/>
+                <a:cs typeface="Courier" charset="0"/>
+              </a:rPr>
+              <a:t>  |         Error Estimate        |    MBZ                        |</a:t>
+            </a:r>
+          </a:p>
+          <a:p>
+            <a:pPr>
+              <a:spcAft>
+                <a:spcPts val="0"/>
+              </a:spcAft>
+            </a:pPr>
+            <a:r>
+              <a:rPr lang="en-US" sz="900" dirty="0">
+                <a:latin typeface="Courier" pitchFamily="2" charset="0"/>
+                <a:ea typeface="Courier" charset="0"/>
+                <a:cs typeface="Courier" charset="0"/>
+              </a:rPr>
+              <a:t>  +-+-+-+-+-+-+-+-+-+-+-+-+-+-+-+-+-+-+-+-+-+-+-+-+-+-+-+-+-+-+-+-+</a:t>
+            </a:r>
+          </a:p>
+          <a:p>
+            <a:pPr>
+              <a:spcAft>
+                <a:spcPts val="0"/>
+              </a:spcAft>
+            </a:pPr>
+            <a:r>
+              <a:rPr lang="en-US" sz="900" dirty="0">
+                <a:latin typeface="Courier" pitchFamily="2" charset="0"/>
+                <a:ea typeface="Courier" charset="0"/>
+                <a:cs typeface="Courier" charset="0"/>
+              </a:rPr>
+              <a:t>  |                                                               |</a:t>
+            </a:r>
+          </a:p>
+          <a:p>
+            <a:pPr>
+              <a:spcAft>
+                <a:spcPts val="0"/>
+              </a:spcAft>
+            </a:pPr>
+            <a:r>
+              <a:rPr lang="en-US" sz="900" dirty="0">
+                <a:latin typeface="Courier" pitchFamily="2" charset="0"/>
+                <a:ea typeface="Courier" charset="0"/>
+                <a:cs typeface="Courier" charset="0"/>
+              </a:rPr>
+              <a:t>  ~         Padding                                               ~</a:t>
+            </a:r>
+          </a:p>
+          <a:p>
+            <a:pPr>
+              <a:spcAft>
+                <a:spcPts val="0"/>
+              </a:spcAft>
+            </a:pPr>
+            <a:r>
+              <a:rPr lang="en-US" sz="900" dirty="0">
+                <a:latin typeface="Courier" pitchFamily="2" charset="0"/>
+                <a:ea typeface="Courier" charset="0"/>
+                <a:cs typeface="Courier" charset="0"/>
+              </a:rPr>
+              <a:t>  |                                                               |</a:t>
+            </a:r>
+          </a:p>
+          <a:p>
+            <a:pPr>
+              <a:spcAft>
+                <a:spcPts val="0"/>
+              </a:spcAft>
+            </a:pPr>
+            <a:r>
+              <a:rPr lang="en-US" sz="900" dirty="0">
+                <a:latin typeface="Courier" pitchFamily="2" charset="0"/>
+                <a:ea typeface="Courier" charset="0"/>
+                <a:cs typeface="Courier" charset="0"/>
+              </a:rPr>
+              <a:t>  |                                                               |</a:t>
+            </a:r>
+          </a:p>
+          <a:p>
+            <a:pPr>
+              <a:spcAft>
+                <a:spcPts val="0"/>
+              </a:spcAft>
+            </a:pPr>
+            <a:r>
+              <a:rPr lang="en-US" sz="900" dirty="0">
+                <a:latin typeface="Courier" pitchFamily="2" charset="0"/>
+                <a:ea typeface="Courier" charset="0"/>
+                <a:cs typeface="Courier" charset="0"/>
+              </a:rPr>
+              <a:t>  |                                                               |</a:t>
+            </a:r>
+          </a:p>
+          <a:p>
+            <a:pPr>
+              <a:spcAft>
+                <a:spcPts val="0"/>
+              </a:spcAft>
+            </a:pPr>
+            <a:r>
+              <a:rPr lang="en-US" sz="900" dirty="0">
+                <a:latin typeface="Courier" pitchFamily="2" charset="0"/>
+                <a:ea typeface="Courier" charset="0"/>
+                <a:cs typeface="Courier" charset="0"/>
+              </a:rPr>
+              <a:t>  |                                                               |</a:t>
+            </a:r>
+          </a:p>
+          <a:p>
+            <a:pPr>
+              <a:spcAft>
+                <a:spcPts val="0"/>
+              </a:spcAft>
+            </a:pPr>
+            <a:r>
+              <a:rPr lang="en-US" sz="900" dirty="0">
+                <a:latin typeface="Courier" pitchFamily="2" charset="0"/>
+                <a:ea typeface="Courier" charset="0"/>
+                <a:cs typeface="Courier" charset="0"/>
+              </a:rPr>
+              <a:t>  |                                                               |</a:t>
+            </a:r>
+          </a:p>
+          <a:p>
+            <a:pPr>
+              <a:spcAft>
+                <a:spcPts val="0"/>
+              </a:spcAft>
+            </a:pPr>
+            <a:r>
+              <a:rPr lang="en-US" sz="900" dirty="0">
+                <a:solidFill>
+                  <a:schemeClr val="tx1">
+                    <a:lumMod val="50000"/>
+                    <a:lumOff val="50000"/>
+                  </a:schemeClr>
+                </a:solidFill>
+                <a:latin typeface="Courier" pitchFamily="2" charset="0"/>
+                <a:ea typeface="Courier" charset="0"/>
+                <a:cs typeface="Courier" charset="0"/>
+              </a:rPr>
+              <a:t>  +-+-+-+-+-+-+-+-+-+-+-+-+-+-+-+-+-+-+-+-+-+-+-+-+-+-+-+-+-+-+-+-+</a:t>
+            </a:r>
+          </a:p>
+          <a:p>
+            <a:pPr>
+              <a:spcAft>
+                <a:spcPts val="0"/>
+              </a:spcAft>
+            </a:pPr>
+            <a:endParaRPr lang="en-CA" sz="900" dirty="0">
+              <a:solidFill>
+                <a:schemeClr val="bg2">
+                  <a:lumMod val="50000"/>
+                </a:schemeClr>
+              </a:solidFill>
+              <a:latin typeface="Courier" pitchFamily="2" charset="0"/>
+            </a:endParaRPr>
+          </a:p>
+          <a:p>
+            <a:r>
+              <a:rPr lang="en-CA" sz="900" dirty="0">
+                <a:latin typeface="Courier" pitchFamily="2" charset="0"/>
+              </a:rPr>
+              <a:t>              Figure: TWAMP Light Probe Message Format</a:t>
+            </a:r>
+            <a:endParaRPr lang="en-US" sz="900" dirty="0">
+              <a:latin typeface="Courier" pitchFamily="2" charset="0"/>
+            </a:endParaRPr>
+          </a:p>
+        </p:txBody>
+      </p:sp>
+      <p:sp>
+        <p:nvSpPr>
+          <p:cNvPr id="8" name="Content Placeholder 7">
+            <a:extLst>
+              <a:ext uri="{FF2B5EF4-FFF2-40B4-BE49-F238E27FC236}">
+                <a16:creationId xmlns:a16="http://schemas.microsoft.com/office/drawing/2014/main" id="{FC6E1890-536D-9D49-8207-C42BBF301FF3}"/>
+              </a:ext>
+            </a:extLst>
+          </p:cNvPr>
+          <p:cNvSpPr>
+            <a:spLocks noGrp="1"/>
+          </p:cNvSpPr>
+          <p:nvPr>
+            <p:ph idx="1"/>
+          </p:nvPr>
+        </p:nvSpPr>
+        <p:spPr>
+          <a:xfrm>
+            <a:off x="5029200" y="1352550"/>
+            <a:ext cx="3962400" cy="2057399"/>
+          </a:xfrm>
+        </p:spPr>
+        <p:txBody>
+          <a:bodyPr/>
+          <a:lstStyle/>
+          <a:p>
+            <a:pPr marL="0" indent="0">
+              <a:buNone/>
+            </a:pPr>
+            <a:r>
+              <a:rPr lang="en-US" sz="1400" b="1" dirty="0"/>
+              <a:t>Loopback Mode</a:t>
+            </a:r>
+          </a:p>
+          <a:p>
+            <a:r>
+              <a:rPr lang="en-US" sz="1400" dirty="0"/>
+              <a:t>Sender adds the Transmit Timestamp</a:t>
+            </a:r>
+          </a:p>
+          <a:p>
+            <a:r>
+              <a:rPr lang="en-US" sz="1400" dirty="0"/>
+              <a:t>Sender Sequence Number, Sender Timestamp, Sender Error Estimate and Sender TTL in the TWAMP Light messages are not used</a:t>
+            </a:r>
+          </a:p>
+          <a:p>
+            <a:pPr lvl="1"/>
+            <a:r>
+              <a:rPr lang="en-US" sz="1400" dirty="0"/>
+              <a:t>Reflector does not copy them</a:t>
+            </a:r>
+          </a:p>
+          <a:p>
+            <a:endParaRPr lang="en-US" sz="1400" dirty="0"/>
+          </a:p>
+          <a:p>
+            <a:endParaRPr lang="en-US" sz="1400" dirty="0"/>
+          </a:p>
+        </p:txBody>
+      </p:sp>
+      <p:sp>
+        <p:nvSpPr>
+          <p:cNvPr id="4" name="Footer Placeholder 3"/>
+          <p:cNvSpPr>
+            <a:spLocks noGrp="1"/>
+          </p:cNvSpPr>
+          <p:nvPr>
+            <p:ph type="ftr" sz="quarter" idx="11"/>
+          </p:nvPr>
+        </p:nvSpPr>
+        <p:spPr>
+          <a:xfrm>
+            <a:off x="3124200" y="4786312"/>
+            <a:ext cx="2895600" cy="357188"/>
+          </a:xfrm>
+        </p:spPr>
+        <p:txBody>
+          <a:bodyPr/>
+          <a:lstStyle/>
+          <a:p>
+            <a:r>
+              <a:rPr lang="en-CA" dirty="0"/>
+              <a:t>108</a:t>
+            </a:r>
+            <a:r>
+              <a:rPr lang="en-CA" baseline="30000" dirty="0"/>
+              <a:t>th</a:t>
+            </a:r>
+            <a:r>
+              <a:rPr lang="en-CA" dirty="0"/>
+              <a:t> IETF @ Madrid</a:t>
             </a:r>
           </a:p>
         </p:txBody>
@@ -12499,7 +13773,7 @@
     </p:spTree>
     <p:extLst>
       <p:ext uri="{BB962C8B-B14F-4D97-AF65-F5344CB8AC3E}">
-        <p14:creationId xmlns:p14="http://schemas.microsoft.com/office/powerpoint/2010/main" val="3722295587"/>
+        <p14:creationId xmlns:p14="http://schemas.microsoft.com/office/powerpoint/2010/main" val="411766997"/>
       </p:ext>
     </p:extLst>
   </p:cSld>
@@ -12554,7 +13828,7 @@
                 <a:latin typeface="Calibri Light" panose="020F0302020204030204" pitchFamily="34" charset="0"/>
                 <a:cs typeface="Calibri Light" panose="020F0302020204030204" pitchFamily="34" charset="0"/>
               </a:rPr>
-              <a:t>TWAMP Light Probe Message</a:t>
+              <a:t>STAMP Probe Message</a:t>
             </a:r>
           </a:p>
         </p:txBody>
@@ -12602,8 +13876,8 @@
         </p:nvSpPr>
         <p:spPr>
           <a:xfrm>
-            <a:off x="205902" y="887408"/>
-            <a:ext cx="4823298" cy="3693319"/>
+            <a:off x="205902" y="1143326"/>
+            <a:ext cx="4823298" cy="2585323"/>
           </a:xfrm>
           <a:prstGeom prst="rect">
             <a:avLst/>
@@ -12715,7 +13989,7 @@
                 <a:ea typeface="Courier" charset="0"/>
                 <a:cs typeface="Courier" charset="0"/>
               </a:rPr>
-              <a:t>  |         Error Estimate        |    MBZ                        |</a:t>
+              <a:t>  |         Error Estimate        |    SSID                       |</a:t>
             </a:r>
           </a:p>
           <a:p>
@@ -12741,36 +14015,11 @@
             </a:pPr>
             <a:r>
               <a:rPr lang="en-US" sz="900" dirty="0">
-                <a:solidFill>
-                  <a:schemeClr val="tx2"/>
-                </a:solidFill>
                 <a:latin typeface="Courier" pitchFamily="2" charset="0"/>
                 <a:ea typeface="Courier" charset="0"/>
                 <a:cs typeface="Courier" charset="0"/>
               </a:rPr>
-              <a:t>  |         </a:t>
-            </a:r>
-            <a:r>
-              <a:rPr lang="en-US" sz="900" dirty="0">
-                <a:solidFill>
-                  <a:srgbClr val="0070C0"/>
-                </a:solidFill>
-                <a:latin typeface="Courier" pitchFamily="2" charset="0"/>
-                <a:ea typeface="Courier" charset="0"/>
-                <a:cs typeface="Courier" charset="0"/>
-              </a:rPr>
-              <a:t>Receive Timestamp                                     </a:t>
-            </a:r>
-            <a:r>
-              <a:rPr lang="en-US" sz="900" dirty="0">
-                <a:solidFill>
-                  <a:schemeClr val="tx2"/>
-                </a:solidFill>
-                <a:latin typeface="Courier" pitchFamily="2" charset="0"/>
-                <a:ea typeface="Courier" charset="0"/>
-                <a:cs typeface="Courier" charset="0"/>
-              </a:rPr>
-              <a:t>|</a:t>
+              <a:t>  |                                                               |</a:t>
             </a:r>
           </a:p>
           <a:p>
@@ -12785,7 +14034,7 @@
                 <a:ea typeface="Courier" charset="0"/>
                 <a:cs typeface="Courier" charset="0"/>
               </a:rPr>
-              <a:t>  |                                                               |</a:t>
+              <a:t>  |         Padding                                               |</a:t>
             </a:r>
           </a:p>
           <a:p>
@@ -12800,7 +14049,7 @@
                 <a:ea typeface="Courier" charset="0"/>
                 <a:cs typeface="Courier" charset="0"/>
               </a:rPr>
-              <a:t>  +-+-+-+-+-+-+-+-+-+-+-+-+-+-+-+-+-+-+-+-+-+-+-+-+-+-+-+-+-+-+-+-+</a:t>
+              <a:t>  |                                                               |</a:t>
             </a:r>
           </a:p>
           <a:p>
@@ -12811,29 +14060,11 @@
             </a:pPr>
             <a:r>
               <a:rPr lang="en-US" sz="900" dirty="0">
-                <a:solidFill>
-                  <a:schemeClr val="bg2">
-                    <a:lumMod val="50000"/>
-                  </a:schemeClr>
-                </a:solidFill>
                 <a:latin typeface="Courier" pitchFamily="2" charset="0"/>
                 <a:ea typeface="Courier" charset="0"/>
                 <a:cs typeface="Courier" charset="0"/>
               </a:rPr>
-              <a:t>  </a:t>
-            </a:r>
-            <a:r>
-              <a:rPr lang="en-US" sz="900" dirty="0">
-                <a:solidFill>
-                  <a:schemeClr val="bg1">
-                    <a:lumMod val="50000"/>
-                  </a:schemeClr>
-                </a:solidFill>
-                <a:latin typeface="Courier" pitchFamily="2" charset="0"/>
-                <a:ea typeface="Courier" charset="0"/>
-                <a:cs typeface="Courier" charset="0"/>
-              </a:rPr>
-              <a:t>|                      Sender Sequence Number                   |</a:t>
+              <a:t>  |                                                               |</a:t>
             </a:r>
           </a:p>
           <a:p>
@@ -12844,16 +14075,11 @@
             </a:pPr>
             <a:r>
               <a:rPr lang="en-US" sz="900" dirty="0">
-                <a:solidFill>
-                  <a:schemeClr val="bg1">
-                    <a:lumMod val="50000"/>
-                  </a:schemeClr>
-                </a:solidFill>
                 <a:latin typeface="Courier" pitchFamily="2" charset="0"/>
                 <a:ea typeface="Courier" charset="0"/>
                 <a:cs typeface="Courier" charset="0"/>
               </a:rPr>
-              <a:t>  +-+-+-+-+-+-+-+-+-+-+-+-+-+-+-+-+-+-+-+-+-+-+-+-+-+-+-+-+-+-+-+-+</a:t>
+              <a:t>  |                                                               |</a:t>
             </a:r>
           </a:p>
           <a:p>
@@ -12864,16 +14090,11 @@
             </a:pPr>
             <a:r>
               <a:rPr lang="en-US" sz="900" dirty="0">
-                <a:solidFill>
-                  <a:schemeClr val="bg1">
-                    <a:lumMod val="50000"/>
-                  </a:schemeClr>
-                </a:solidFill>
                 <a:latin typeface="Courier" pitchFamily="2" charset="0"/>
                 <a:ea typeface="Courier" charset="0"/>
                 <a:cs typeface="Courier" charset="0"/>
               </a:rPr>
-              <a:t>  |                      Sender Timestamp                         |</a:t>
+              <a:t>  |                                                               |</a:t>
             </a:r>
           </a:p>
           <a:p>
@@ -12884,11 +14105,6 @@
             </a:pPr>
             <a:r>
               <a:rPr lang="en-US" sz="900" dirty="0">
-                <a:solidFill>
-                  <a:schemeClr val="bg1">
-                    <a:lumMod val="50000"/>
-                  </a:schemeClr>
-                </a:solidFill>
                 <a:latin typeface="Courier" pitchFamily="2" charset="0"/>
                 <a:ea typeface="Courier" charset="0"/>
                 <a:cs typeface="Courier" charset="0"/>
@@ -12904,171 +14120,6 @@
             </a:pPr>
             <a:r>
               <a:rPr lang="en-US" sz="900" dirty="0">
-                <a:solidFill>
-                  <a:schemeClr val="bg1">
-                    <a:lumMod val="50000"/>
-                  </a:schemeClr>
-                </a:solidFill>
-                <a:latin typeface="Courier" pitchFamily="2" charset="0"/>
-                <a:ea typeface="Courier" charset="0"/>
-                <a:cs typeface="Courier" charset="0"/>
-              </a:rPr>
-              <a:t>  +-+-+-+-+-+-+-+-+-+-+-+-+-+-+-+-+-+-+-+-+-+-+-+-+-+-+-+-+-+-+-+-+</a:t>
-            </a:r>
-          </a:p>
-          <a:p>
-            <a:pPr>
-              <a:spcAft>
-                <a:spcPts val="0"/>
-              </a:spcAft>
-            </a:pPr>
-            <a:r>
-              <a:rPr lang="en-US" sz="900" dirty="0">
-                <a:solidFill>
-                  <a:schemeClr val="bg1">
-                    <a:lumMod val="50000"/>
-                  </a:schemeClr>
-                </a:solidFill>
-                <a:latin typeface="Courier" pitchFamily="2" charset="0"/>
-                <a:ea typeface="Courier" charset="0"/>
-                <a:cs typeface="Courier" charset="0"/>
-              </a:rPr>
-              <a:t>  |      Sender Error Estimate    |           MBZ                 |</a:t>
-            </a:r>
-          </a:p>
-          <a:p>
-            <a:pPr>
-              <a:spcAft>
-                <a:spcPts val="0"/>
-              </a:spcAft>
-            </a:pPr>
-            <a:r>
-              <a:rPr lang="en-US" sz="900" dirty="0">
-                <a:solidFill>
-                  <a:schemeClr val="bg1">
-                    <a:lumMod val="50000"/>
-                  </a:schemeClr>
-                </a:solidFill>
-                <a:latin typeface="Courier" pitchFamily="2" charset="0"/>
-                <a:ea typeface="Courier" charset="0"/>
-                <a:cs typeface="Courier" charset="0"/>
-              </a:rPr>
-              <a:t>  +-+-+-+-+-+-+-+-+-+-+-+-+-+-+-+-+-+-+-+-+-+-+-+-+-+-+-+-+-+-+-+-+</a:t>
-            </a:r>
-          </a:p>
-          <a:p>
-            <a:pPr>
-              <a:spcAft>
-                <a:spcPts val="0"/>
-              </a:spcAft>
-            </a:pPr>
-            <a:r>
-              <a:rPr lang="en-US" sz="900" dirty="0">
-                <a:solidFill>
-                  <a:schemeClr val="bg1">
-                    <a:lumMod val="50000"/>
-                  </a:schemeClr>
-                </a:solidFill>
-                <a:latin typeface="Courier" pitchFamily="2" charset="0"/>
-                <a:ea typeface="Courier" charset="0"/>
-                <a:cs typeface="Courier" charset="0"/>
-              </a:rPr>
-              <a:t>  |  Sender TTL   |                                               |</a:t>
-            </a:r>
-          </a:p>
-          <a:p>
-            <a:pPr>
-              <a:spcAft>
-                <a:spcPts val="0"/>
-              </a:spcAft>
-            </a:pPr>
-            <a:r>
-              <a:rPr lang="en-US" sz="900" dirty="0">
-                <a:solidFill>
-                  <a:schemeClr val="bg1">
-                    <a:lumMod val="50000"/>
-                  </a:schemeClr>
-                </a:solidFill>
-                <a:latin typeface="Courier" pitchFamily="2" charset="0"/>
-                <a:ea typeface="Courier" charset="0"/>
-                <a:cs typeface="Courier" charset="0"/>
-              </a:rPr>
-              <a:t>  +-+-+-+-+-+-+-+-+                                               |</a:t>
-            </a:r>
-          </a:p>
-          <a:p>
-            <a:pPr>
-              <a:spcAft>
-                <a:spcPts val="0"/>
-              </a:spcAft>
-            </a:pPr>
-            <a:r>
-              <a:rPr lang="en-US" sz="900" dirty="0">
-                <a:solidFill>
-                  <a:schemeClr val="bg1">
-                    <a:lumMod val="50000"/>
-                  </a:schemeClr>
-                </a:solidFill>
-                <a:latin typeface="Courier" pitchFamily="2" charset="0"/>
-                <a:ea typeface="Courier" charset="0"/>
-                <a:cs typeface="Courier" charset="0"/>
-              </a:rPr>
-              <a:t>  |                                                               |</a:t>
-            </a:r>
-          </a:p>
-          <a:p>
-            <a:pPr>
-              <a:spcAft>
-                <a:spcPts val="0"/>
-              </a:spcAft>
-            </a:pPr>
-            <a:r>
-              <a:rPr lang="en-US" sz="900" dirty="0">
-                <a:solidFill>
-                  <a:schemeClr val="bg1">
-                    <a:lumMod val="50000"/>
-                  </a:schemeClr>
-                </a:solidFill>
-                <a:latin typeface="Courier" pitchFamily="2" charset="0"/>
-                <a:ea typeface="Courier" charset="0"/>
-                <a:cs typeface="Courier" charset="0"/>
-              </a:rPr>
-              <a:t>  ~                      Padding                                  ~</a:t>
-            </a:r>
-          </a:p>
-          <a:p>
-            <a:pPr>
-              <a:spcAft>
-                <a:spcPts val="0"/>
-              </a:spcAft>
-            </a:pPr>
-            <a:r>
-              <a:rPr lang="en-US" sz="900" dirty="0">
-                <a:solidFill>
-                  <a:schemeClr val="bg1">
-                    <a:lumMod val="50000"/>
-                  </a:schemeClr>
-                </a:solidFill>
-                <a:latin typeface="Courier" pitchFamily="2" charset="0"/>
-                <a:ea typeface="Courier" charset="0"/>
-                <a:cs typeface="Courier" charset="0"/>
-              </a:rPr>
-              <a:t>  |                                                               |</a:t>
-            </a:r>
-          </a:p>
-          <a:p>
-            <a:pPr>
-              <a:spcAft>
-                <a:spcPts val="0"/>
-              </a:spcAft>
-            </a:pPr>
-            <a:r>
-              <a:rPr lang="en-US" sz="900" dirty="0">
-                <a:solidFill>
-                  <a:schemeClr val="bg1">
-                    <a:lumMod val="50000"/>
-                  </a:schemeClr>
-                </a:solidFill>
                 <a:latin typeface="Courier" pitchFamily="2" charset="0"/>
                 <a:ea typeface="Courier" charset="0"/>
                 <a:cs typeface="Courier" charset="0"/>
@@ -13096,7 +14147,7 @@
               <a:rPr lang="en-CA" sz="900" dirty="0">
                 <a:latin typeface="Courier" pitchFamily="2" charset="0"/>
               </a:rPr>
-              <a:t>              Figure: TWAMP Light Probe Message Format</a:t>
+              <a:t>              Figure: STAMP Probe Message Format</a:t>
             </a:r>
             <a:endParaRPr lang="en-US" sz="900" dirty="0">
               <a:latin typeface="Courier" pitchFamily="2" charset="0"/>
@@ -13122,8 +14173,8 @@
         </p:nvSpPr>
         <p:spPr>
           <a:xfrm>
-            <a:off x="5029200" y="1276351"/>
-            <a:ext cx="3962400" cy="2819400"/>
+            <a:off x="5029200" y="1352550"/>
+            <a:ext cx="3962400" cy="2057399"/>
           </a:xfrm>
         </p:spPr>
         <p:txBody>
@@ -13135,7 +14186,7 @@
             </a:pPr>
             <a:r>
               <a:rPr lang="en-US" sz="1400" b="1" dirty="0"/>
-              <a:t>Enhanced Loopback Mode</a:t>
+              <a:t>Loopback Mode</a:t>
             </a:r>
           </a:p>
           <a:p>
@@ -13147,20 +14198,7 @@
           <a:p>
             <a:r>
               <a:rPr lang="en-US" sz="1400" dirty="0"/>
-              <a:t>Reflector adds the Receive Timestamp at fixed offset locally provisioned (consistently in the network)</a:t>
-            </a:r>
-          </a:p>
-          <a:p>
-            <a:pPr lvl="1"/>
-            <a:r>
-              <a:rPr lang="en-US" sz="1400" dirty="0"/>
-              <a:t>For TWAMP Light packets, it is at offset-byte 16 from the start of the payload</a:t>
-            </a:r>
-          </a:p>
-          <a:p>
-            <a:r>
-              <a:rPr lang="en-US" sz="1400" dirty="0"/>
-              <a:t>Sender Sequence Number, Sender Timestamp, Sender Error Estimate and Sender TTL in the TWAMP Light messages are not used</a:t>
+              <a:t>Sender Sequence Number, Sender Timestamp, Sender Error Estimate and Sender TTL in the STAMP messages are not used</a:t>
             </a:r>
           </a:p>
           <a:p>
@@ -13200,7 +14238,15 @@
           <a:p>
             <a:r>
               <a:rPr lang="en-CA" dirty="0"/>
-              <a:t>IETF  – April 2020 </a:t>
+              <a:t>108</a:t>
+            </a:r>
+            <a:r>
+              <a:rPr lang="en-CA" baseline="30000" dirty="0"/>
+              <a:t>th</a:t>
+            </a:r>
+            <a:r>
+              <a:rPr lang="en-CA" dirty="0"/>
+              <a:t> IETF @ Madrid</a:t>
             </a:r>
           </a:p>
         </p:txBody>
@@ -13208,7 +14254,7 @@
     </p:spTree>
     <p:extLst>
       <p:ext uri="{BB962C8B-B14F-4D97-AF65-F5344CB8AC3E}">
-        <p14:creationId xmlns:p14="http://schemas.microsoft.com/office/powerpoint/2010/main" val="3909069486"/>
+        <p14:creationId xmlns:p14="http://schemas.microsoft.com/office/powerpoint/2010/main" val="3504262298"/>
       </p:ext>
     </p:extLst>
   </p:cSld>
@@ -13247,8 +14293,8 @@
         </p:nvSpPr>
         <p:spPr>
           <a:xfrm>
-            <a:off x="457200" y="-19050"/>
-            <a:ext cx="8458200" cy="857250"/>
+            <a:off x="457200" y="0"/>
+            <a:ext cx="8229600" cy="786646"/>
           </a:xfrm>
         </p:spPr>
         <p:txBody>
@@ -13263,46 +14309,157 @@
                 <a:latin typeface="Calibri Light" panose="020F0302020204030204" pitchFamily="34" charset="0"/>
                 <a:cs typeface="Calibri Light" panose="020F0302020204030204" pitchFamily="34" charset="0"/>
               </a:rPr>
-              <a:t>STAMP Probe Message</a:t>
-            </a:r>
-          </a:p>
-        </p:txBody>
-      </p:sp>
-      <p:sp>
-        <p:nvSpPr>
-          <p:cNvPr id="5" name="Slide Number Placeholder 4"/>
+              <a:t>Enhanced Liveness Monitoring of SR Policy</a:t>
+            </a:r>
+          </a:p>
+        </p:txBody>
+      </p:sp>
+      <p:sp>
+        <p:nvSpPr>
+          <p:cNvPr id="4" name="Footer Placeholder 3"/>
           <p:cNvSpPr>
             <a:spLocks noGrp="1"/>
           </p:cNvSpPr>
           <p:nvPr>
-            <p:ph type="sldNum" sz="quarter" idx="12"/>
-          </p:nvPr>
-        </p:nvSpPr>
-        <p:spPr/>
+            <p:ph type="ftr" sz="quarter" idx="11"/>
+          </p:nvPr>
+        </p:nvSpPr>
+        <p:spPr>
+          <a:xfrm>
+            <a:off x="3124200" y="4786312"/>
+            <a:ext cx="2895600" cy="357188"/>
+          </a:xfrm>
+        </p:spPr>
         <p:txBody>
           <a:bodyPr/>
           <a:lstStyle/>
           <a:p>
-            <a:pPr>
-              <a:defRPr/>
-            </a:pPr>
-            <a:fld id="{BD6E0F59-1DD8-40FC-9C92-B6295CBA6CCA}" type="slidenum">
-              <a:rPr lang="en-US" altLang="zh-CN" smtClean="0"/>
-              <a:pPr>
-                <a:defRPr/>
-              </a:pPr>
-              <a:t>7</a:t>
-            </a:fld>
-            <a:endParaRPr lang="en-US" altLang="zh-CN"/>
-          </a:p>
-        </p:txBody>
-      </p:sp>
-      <p:sp>
-        <p:nvSpPr>
-          <p:cNvPr id="6" name="Rectangle 5">
+            <a:r>
+              <a:rPr lang="en-CA" dirty="0"/>
+              <a:t>108</a:t>
+            </a:r>
+            <a:r>
+              <a:rPr lang="en-CA" baseline="30000" dirty="0"/>
+              <a:t>th</a:t>
+            </a:r>
+            <a:r>
+              <a:rPr lang="en-CA" dirty="0"/>
+              <a:t> IETF @ Madrid</a:t>
+            </a:r>
+          </a:p>
+        </p:txBody>
+      </p:sp>
+      <p:sp>
+        <p:nvSpPr>
+          <p:cNvPr id="6" name="Content Placeholder 2"/>
+          <p:cNvSpPr>
+            <a:spLocks noGrp="1"/>
+          </p:cNvSpPr>
+          <p:nvPr>
+            <p:ph idx="1"/>
+          </p:nvPr>
+        </p:nvSpPr>
+        <p:spPr>
+          <a:xfrm>
+            <a:off x="374374" y="2647950"/>
+            <a:ext cx="8395252" cy="2138362"/>
+          </a:xfrm>
+        </p:spPr>
+        <p:txBody>
+          <a:bodyPr/>
+          <a:lstStyle/>
+          <a:p>
+            <a:pPr lvl="0">
+              <a:lnSpc>
+                <a:spcPts val="1580"/>
+              </a:lnSpc>
+              <a:spcBef>
+                <a:spcPts val="600"/>
+              </a:spcBef>
+            </a:pPr>
+            <a:r>
+              <a:rPr lang="en-CA" sz="1200" dirty="0"/>
+              <a:t>Use PM probes in loopback mode enabled with network programming function</a:t>
+            </a:r>
+          </a:p>
+          <a:p>
+            <a:pPr lvl="1">
+              <a:lnSpc>
+                <a:spcPts val="1580"/>
+              </a:lnSpc>
+              <a:spcBef>
+                <a:spcPts val="600"/>
+              </a:spcBef>
+            </a:pPr>
+            <a:r>
+              <a:rPr lang="en-CA" sz="1200" dirty="0"/>
+              <a:t>The network programming function optimizes the "operations of punt, add receive timestamp and inject the probe packet" on the reflector node</a:t>
+            </a:r>
+          </a:p>
+          <a:p>
+            <a:pPr lvl="0">
+              <a:lnSpc>
+                <a:spcPts val="1580"/>
+              </a:lnSpc>
+              <a:spcBef>
+                <a:spcPts val="600"/>
+              </a:spcBef>
+            </a:pPr>
+            <a:r>
+              <a:rPr lang="en-CA" sz="1200" dirty="0"/>
+              <a:t>The endpoint node adds the receive timestamp in the payload of the received TWAMP Light or STAMP probe message without punting the probe message</a:t>
+            </a:r>
+          </a:p>
+          <a:p>
+            <a:pPr lvl="1">
+              <a:lnSpc>
+                <a:spcPts val="1580"/>
+              </a:lnSpc>
+              <a:spcBef>
+                <a:spcPts val="600"/>
+              </a:spcBef>
+            </a:pPr>
+            <a:r>
+              <a:rPr lang="en-CA" sz="1200" dirty="0"/>
+              <a:t>Only add the receive timestamp if the source address in the probe message matches the local node address</a:t>
+            </a:r>
+          </a:p>
+          <a:p>
+            <a:pPr>
+              <a:lnSpc>
+                <a:spcPts val="1580"/>
+              </a:lnSpc>
+              <a:spcBef>
+                <a:spcPts val="600"/>
+              </a:spcBef>
+            </a:pPr>
+            <a:r>
+              <a:rPr lang="en-US" sz="1200" dirty="0"/>
+              <a:t>Liveness failure is notified when consecutive N number of probe messages are not received back at the sender</a:t>
+            </a:r>
+          </a:p>
+          <a:p>
+            <a:pPr>
+              <a:lnSpc>
+                <a:spcPts val="1580"/>
+              </a:lnSpc>
+              <a:spcBef>
+                <a:spcPts val="600"/>
+              </a:spcBef>
+            </a:pPr>
+            <a:r>
+              <a:rPr lang="en-US" sz="1200" dirty="0"/>
+              <a:t>Delay metrics are notified when consecutive N number of probe messages have delay values exceed the configured thresholds</a:t>
+            </a:r>
+          </a:p>
+        </p:txBody>
+      </p:sp>
+      <p:sp>
+        <p:nvSpPr>
+          <p:cNvPr id="3" name="Rectangle 2">
             <a:extLst>
               <a:ext uri="{FF2B5EF4-FFF2-40B4-BE49-F238E27FC236}">
-                <a16:creationId xmlns:a16="http://schemas.microsoft.com/office/drawing/2014/main" id="{4C15A4CE-6545-5142-97A8-EDA8B07CB60B}"/>
+                <a16:creationId xmlns:a16="http://schemas.microsoft.com/office/drawing/2014/main" id="{31B17E9C-96E0-344B-B58B-37B6A946A9B7}"/>
               </a:ext>
             </a:extLst>
           </p:cNvPr>
@@ -13311,8 +14468,8 @@
         </p:nvSpPr>
         <p:spPr>
           <a:xfrm>
-            <a:off x="152400" y="997210"/>
-            <a:ext cx="4800600" cy="3139321"/>
+            <a:off x="1905000" y="786646"/>
+            <a:ext cx="4800600" cy="1785104"/>
           </a:xfrm>
           <a:prstGeom prst="rect">
             <a:avLst/>
@@ -13323,6 +14480,11 @@
               <a:lumOff val="80000"/>
             </a:schemeClr>
           </a:solidFill>
+          <a:ln>
+            <a:solidFill>
+              <a:srgbClr val="002060"/>
+            </a:solidFill>
+          </a:ln>
         </p:spPr>
         <p:txBody>
           <a:bodyPr wrap="square">
@@ -13331,521 +14493,82 @@
           <a:lstStyle/>
           <a:p>
             <a:r>
-              <a:rPr lang="en-CA" sz="900" dirty="0">
-                <a:latin typeface="Courier" pitchFamily="2" charset="0"/>
-              </a:rPr>
-              <a:t>  +-+-+-+-+-+-+-+-+-+-+-+-+-+-+-+-+-+-+-+-+-+-+-+-+-+-+-+-+-+-+-+-+</a:t>
-            </a:r>
-          </a:p>
-          <a:p>
-            <a:pPr>
-              <a:spcAft>
-                <a:spcPts val="0"/>
-              </a:spcAft>
-            </a:pPr>
-            <a:r>
-              <a:rPr lang="en-US" sz="900" dirty="0">
-                <a:latin typeface="Courier" pitchFamily="2" charset="0"/>
-                <a:ea typeface="Courier" charset="0"/>
-                <a:cs typeface="Courier" charset="0"/>
-              </a:rPr>
-              <a:t>  |         Sequence Number                                       |</a:t>
-            </a:r>
-          </a:p>
-          <a:p>
-            <a:pPr>
-              <a:spcAft>
-                <a:spcPts val="0"/>
-              </a:spcAft>
-            </a:pPr>
-            <a:r>
-              <a:rPr lang="en-US" sz="900" dirty="0">
-                <a:latin typeface="Courier" pitchFamily="2" charset="0"/>
-                <a:ea typeface="Courier" charset="0"/>
-                <a:cs typeface="Courier" charset="0"/>
-              </a:rPr>
-              <a:t>  +-+-+-+-+-+-+-+-+-+-+-+-+-+-+-+-+-+-+-+-+-+-+-+-+-+-+-+-+-+-+-+-+</a:t>
-            </a:r>
-          </a:p>
-          <a:p>
-            <a:pPr>
-              <a:spcAft>
-                <a:spcPts val="0"/>
-              </a:spcAft>
-            </a:pPr>
-            <a:r>
-              <a:rPr lang="en-US" sz="900" dirty="0">
-                <a:latin typeface="Courier" pitchFamily="2" charset="0"/>
-                <a:ea typeface="Courier" charset="0"/>
-                <a:cs typeface="Courier" charset="0"/>
-              </a:rPr>
-              <a:t>  |         Transmit Timestamp                                    |</a:t>
-            </a:r>
-          </a:p>
-          <a:p>
-            <a:pPr>
-              <a:spcAft>
-                <a:spcPts val="0"/>
-              </a:spcAft>
-            </a:pPr>
-            <a:r>
-              <a:rPr lang="en-US" sz="900" dirty="0">
-                <a:latin typeface="Courier" pitchFamily="2" charset="0"/>
-                <a:ea typeface="Courier" charset="0"/>
-                <a:cs typeface="Courier" charset="0"/>
-              </a:rPr>
-              <a:t>  |                                                               |</a:t>
-            </a:r>
-          </a:p>
-          <a:p>
-            <a:pPr>
-              <a:spcAft>
-                <a:spcPts val="0"/>
-              </a:spcAft>
-            </a:pPr>
-            <a:r>
-              <a:rPr lang="en-US" sz="900" dirty="0">
-                <a:latin typeface="Courier" pitchFamily="2" charset="0"/>
-                <a:ea typeface="Courier" charset="0"/>
-                <a:cs typeface="Courier" charset="0"/>
-              </a:rPr>
-              <a:t>  +-+-+-+-+-+-+-+-+-+-+-+-+-+-+-+-+-+-+-+-+-+-+-+-+-+-+-+-+-+-+-+-+</a:t>
-            </a:r>
-          </a:p>
-          <a:p>
-            <a:pPr>
-              <a:spcAft>
-                <a:spcPts val="0"/>
-              </a:spcAft>
-            </a:pPr>
-            <a:r>
-              <a:rPr lang="en-US" sz="900" dirty="0">
-                <a:latin typeface="Courier" pitchFamily="2" charset="0"/>
-                <a:ea typeface="Courier" charset="0"/>
-                <a:cs typeface="Courier" charset="0"/>
-              </a:rPr>
-              <a:t>  |         Error Estimate        |    </a:t>
-            </a:r>
-            <a:r>
-              <a:rPr lang="en-US" sz="900" b="1" dirty="0">
-                <a:latin typeface="Courier" pitchFamily="2" charset="0"/>
-                <a:ea typeface="Courier" charset="0"/>
-                <a:cs typeface="Courier" charset="0"/>
-              </a:rPr>
-              <a:t>SSID</a:t>
-            </a:r>
-            <a:r>
-              <a:rPr lang="en-US" sz="900" dirty="0">
-                <a:latin typeface="Courier" pitchFamily="2" charset="0"/>
-                <a:ea typeface="Courier" charset="0"/>
-                <a:cs typeface="Courier" charset="0"/>
-              </a:rPr>
-              <a:t>                       |</a:t>
-            </a:r>
-          </a:p>
-          <a:p>
-            <a:pPr>
-              <a:spcAft>
-                <a:spcPts val="0"/>
-              </a:spcAft>
-            </a:pPr>
-            <a:r>
-              <a:rPr lang="en-US" sz="900" dirty="0">
-                <a:latin typeface="Courier" pitchFamily="2" charset="0"/>
-                <a:ea typeface="Courier" charset="0"/>
-                <a:cs typeface="Courier" charset="0"/>
-              </a:rPr>
-              <a:t>  +-+-+-+-+-+-+-+-+-+-+-+-+-+-+-+-+-+-+-+-+-+-+-+-+-+-+-+-+-+-+-+-+</a:t>
-            </a:r>
-          </a:p>
-          <a:p>
-            <a:pPr>
-              <a:spcAft>
-                <a:spcPts val="0"/>
-              </a:spcAft>
-            </a:pPr>
-            <a:r>
-              <a:rPr lang="en-US" sz="900" dirty="0">
-                <a:solidFill>
-                  <a:schemeClr val="tx2"/>
-                </a:solidFill>
-                <a:latin typeface="Courier" pitchFamily="2" charset="0"/>
-                <a:ea typeface="Courier" charset="0"/>
-                <a:cs typeface="Courier" charset="0"/>
-              </a:rPr>
-              <a:t>  |         </a:t>
-            </a:r>
-            <a:r>
-              <a:rPr lang="en-US" sz="900" dirty="0">
-                <a:solidFill>
-                  <a:srgbClr val="0070C0"/>
-                </a:solidFill>
-                <a:latin typeface="Courier" pitchFamily="2" charset="0"/>
-                <a:ea typeface="Courier" charset="0"/>
-                <a:cs typeface="Courier" charset="0"/>
-              </a:rPr>
-              <a:t>Receive Timestamp                                     </a:t>
-            </a:r>
-            <a:r>
-              <a:rPr lang="en-US" sz="900" dirty="0">
-                <a:solidFill>
-                  <a:schemeClr val="tx2"/>
-                </a:solidFill>
-                <a:latin typeface="Courier" pitchFamily="2" charset="0"/>
-                <a:ea typeface="Courier" charset="0"/>
-                <a:cs typeface="Courier" charset="0"/>
-              </a:rPr>
-              <a:t>|</a:t>
-            </a:r>
-          </a:p>
-          <a:p>
-            <a:pPr>
-              <a:spcAft>
-                <a:spcPts val="0"/>
-              </a:spcAft>
-            </a:pPr>
-            <a:r>
-              <a:rPr lang="en-US" sz="900" dirty="0">
-                <a:latin typeface="Courier" pitchFamily="2" charset="0"/>
-                <a:ea typeface="Courier" charset="0"/>
-                <a:cs typeface="Courier" charset="0"/>
-              </a:rPr>
-              <a:t>  |                                                               |</a:t>
-            </a:r>
-          </a:p>
-          <a:p>
-            <a:pPr>
-              <a:spcAft>
-                <a:spcPts val="0"/>
-              </a:spcAft>
-            </a:pPr>
-            <a:r>
-              <a:rPr lang="en-US" sz="900" dirty="0">
-                <a:latin typeface="Courier" pitchFamily="2" charset="0"/>
-                <a:ea typeface="Courier" charset="0"/>
-                <a:cs typeface="Courier" charset="0"/>
-              </a:rPr>
-              <a:t>  +-+-+-+-+-+-+-+-+-+-+-+-+-+-+-+-+-+-+-+-+-+-+-+-+-+-+-+-+-+-+-+-+</a:t>
-            </a:r>
-          </a:p>
-          <a:p>
-            <a:pPr>
-              <a:spcAft>
-                <a:spcPts val="0"/>
-              </a:spcAft>
-            </a:pPr>
-            <a:r>
-              <a:rPr lang="en-US" sz="900" dirty="0">
-                <a:solidFill>
-                  <a:schemeClr val="bg2">
-                    <a:lumMod val="50000"/>
-                  </a:schemeClr>
-                </a:solidFill>
-                <a:latin typeface="Courier" pitchFamily="2" charset="0"/>
-                <a:ea typeface="Courier" charset="0"/>
-                <a:cs typeface="Courier" charset="0"/>
-              </a:rPr>
-              <a:t>  </a:t>
-            </a:r>
-            <a:r>
-              <a:rPr lang="en-US" sz="900" dirty="0">
-                <a:solidFill>
-                  <a:schemeClr val="bg1">
-                    <a:lumMod val="50000"/>
-                  </a:schemeClr>
-                </a:solidFill>
-                <a:latin typeface="Courier" pitchFamily="2" charset="0"/>
-                <a:ea typeface="Courier" charset="0"/>
-                <a:cs typeface="Courier" charset="0"/>
-              </a:rPr>
-              <a:t>|                      Sender Sequence Number                   |</a:t>
-            </a:r>
-          </a:p>
-          <a:p>
-            <a:pPr>
-              <a:spcAft>
-                <a:spcPts val="0"/>
-              </a:spcAft>
-            </a:pPr>
-            <a:r>
-              <a:rPr lang="en-US" sz="900" dirty="0">
-                <a:solidFill>
-                  <a:schemeClr val="bg1">
-                    <a:lumMod val="50000"/>
-                  </a:schemeClr>
-                </a:solidFill>
-                <a:latin typeface="Courier" pitchFamily="2" charset="0"/>
-                <a:ea typeface="Courier" charset="0"/>
-                <a:cs typeface="Courier" charset="0"/>
-              </a:rPr>
-              <a:t>  +-+-+-+-+-+-+-+-+-+-+-+-+-+-+-+-+-+-+-+-+-+-+-+-+-+-+-+-+-+-+-+-+</a:t>
-            </a:r>
-          </a:p>
-          <a:p>
-            <a:pPr>
-              <a:spcAft>
-                <a:spcPts val="0"/>
-              </a:spcAft>
-            </a:pPr>
-            <a:r>
-              <a:rPr lang="en-US" sz="900" dirty="0">
-                <a:solidFill>
-                  <a:schemeClr val="bg1">
-                    <a:lumMod val="50000"/>
-                  </a:schemeClr>
-                </a:solidFill>
-                <a:latin typeface="Courier" pitchFamily="2" charset="0"/>
-                <a:ea typeface="Courier" charset="0"/>
-                <a:cs typeface="Courier" charset="0"/>
-              </a:rPr>
-              <a:t>  |                      Sender Timestamp                         |</a:t>
-            </a:r>
-          </a:p>
-          <a:p>
-            <a:pPr>
-              <a:spcAft>
-                <a:spcPts val="0"/>
-              </a:spcAft>
-            </a:pPr>
-            <a:r>
-              <a:rPr lang="en-US" sz="900" dirty="0">
-                <a:solidFill>
-                  <a:schemeClr val="bg1">
-                    <a:lumMod val="50000"/>
-                  </a:schemeClr>
-                </a:solidFill>
-                <a:latin typeface="Courier" pitchFamily="2" charset="0"/>
-                <a:ea typeface="Courier" charset="0"/>
-                <a:cs typeface="Courier" charset="0"/>
-              </a:rPr>
-              <a:t>  |                                                               |</a:t>
-            </a:r>
-          </a:p>
-          <a:p>
-            <a:pPr>
-              <a:spcAft>
-                <a:spcPts val="0"/>
-              </a:spcAft>
-            </a:pPr>
-            <a:r>
-              <a:rPr lang="en-US" sz="900" dirty="0">
-                <a:solidFill>
-                  <a:schemeClr val="bg1">
-                    <a:lumMod val="50000"/>
-                  </a:schemeClr>
-                </a:solidFill>
-                <a:latin typeface="Courier" pitchFamily="2" charset="0"/>
-                <a:ea typeface="Courier" charset="0"/>
-                <a:cs typeface="Courier" charset="0"/>
-              </a:rPr>
-              <a:t>  +-+-+-+-+-+-+-+-+-+-+-+-+-+-+-+-+-+-+-+-+-+-+-+-+-+-+-+-+-+-+-+-+</a:t>
-            </a:r>
-          </a:p>
-          <a:p>
-            <a:pPr>
-              <a:spcAft>
-                <a:spcPts val="0"/>
-              </a:spcAft>
-            </a:pPr>
-            <a:r>
-              <a:rPr lang="en-US" sz="900" dirty="0">
-                <a:solidFill>
-                  <a:schemeClr val="bg1">
-                    <a:lumMod val="50000"/>
-                  </a:schemeClr>
-                </a:solidFill>
-                <a:latin typeface="Courier" pitchFamily="2" charset="0"/>
-                <a:ea typeface="Courier" charset="0"/>
-                <a:cs typeface="Courier" charset="0"/>
-              </a:rPr>
-              <a:t>  |      Sender Error Estimate    |           MBZ                 |</a:t>
-            </a:r>
-          </a:p>
-          <a:p>
-            <a:pPr>
-              <a:spcAft>
-                <a:spcPts val="0"/>
-              </a:spcAft>
-            </a:pPr>
-            <a:r>
-              <a:rPr lang="en-US" sz="900" dirty="0">
-                <a:solidFill>
-                  <a:schemeClr val="bg1">
-                    <a:lumMod val="50000"/>
-                  </a:schemeClr>
-                </a:solidFill>
-                <a:latin typeface="Courier" pitchFamily="2" charset="0"/>
-                <a:ea typeface="Courier" charset="0"/>
-                <a:cs typeface="Courier" charset="0"/>
-              </a:rPr>
-              <a:t>  +-+-+-+-+-+-+-+-+-+-+-+-+-+-+-+-+-+-+-+-+-+-+-+-+-+-+-+-+-+-+-+-+</a:t>
-            </a:r>
-          </a:p>
-          <a:p>
-            <a:pPr>
-              <a:spcAft>
-                <a:spcPts val="0"/>
-              </a:spcAft>
-            </a:pPr>
-            <a:r>
-              <a:rPr lang="en-US" sz="900" dirty="0">
-                <a:solidFill>
-                  <a:schemeClr val="bg1">
-                    <a:lumMod val="50000"/>
-                  </a:schemeClr>
-                </a:solidFill>
-                <a:latin typeface="Courier" pitchFamily="2" charset="0"/>
-                <a:ea typeface="Courier" charset="0"/>
-                <a:cs typeface="Courier" charset="0"/>
-              </a:rPr>
-              <a:t>  |  Sender TTL   |      Padding                                  |</a:t>
-            </a:r>
-          </a:p>
-          <a:p>
-            <a:pPr>
-              <a:spcAft>
-                <a:spcPts val="0"/>
-              </a:spcAft>
-            </a:pPr>
-            <a:r>
-              <a:rPr lang="en-US" sz="900" dirty="0">
-                <a:solidFill>
-                  <a:schemeClr val="bg1">
-                    <a:lumMod val="50000"/>
-                  </a:schemeClr>
-                </a:solidFill>
-                <a:latin typeface="Courier" pitchFamily="2" charset="0"/>
-                <a:ea typeface="Courier" charset="0"/>
-                <a:cs typeface="Courier" charset="0"/>
-              </a:rPr>
-              <a:t>  +-+-+-+-+-+-+-+-+-+-+-+-+-+-+-+-+-+-+-+-+-+-+-+-+-+-+-+-+-+-+-+-+</a:t>
-            </a:r>
-          </a:p>
-          <a:p>
-            <a:pPr>
-              <a:spcAft>
-                <a:spcPts val="0"/>
-              </a:spcAft>
-            </a:pPr>
-            <a:endParaRPr lang="en-CA" sz="900" dirty="0">
-              <a:solidFill>
-                <a:schemeClr val="bg2">
-                  <a:lumMod val="50000"/>
-                </a:schemeClr>
-              </a:solidFill>
-              <a:latin typeface="Courier" pitchFamily="2" charset="0"/>
-            </a:endParaRPr>
-          </a:p>
-          <a:p>
-            <a:r>
-              <a:rPr lang="en-CA" sz="900" dirty="0">
-                <a:latin typeface="Courier" pitchFamily="2" charset="0"/>
-              </a:rPr>
-              <a:t>                  Figure: STAMP Probe Message Format</a:t>
-            </a:r>
-            <a:endParaRPr lang="en-US" sz="900" dirty="0">
-              <a:latin typeface="Courier" pitchFamily="2" charset="0"/>
-            </a:endParaRPr>
-          </a:p>
-        </p:txBody>
-      </p:sp>
-      <p:sp>
-        <p:nvSpPr>
-          <p:cNvPr id="8" name="Content Placeholder 7">
-            <a:extLst>
-              <a:ext uri="{FF2B5EF4-FFF2-40B4-BE49-F238E27FC236}">
-                <a16:creationId xmlns:a16="http://schemas.microsoft.com/office/drawing/2014/main" id="{FC6E1890-536D-9D49-8207-C42BBF301FF3}"/>
-              </a:ext>
-            </a:extLst>
-          </p:cNvPr>
-          <p:cNvSpPr>
-            <a:spLocks noGrp="1"/>
-          </p:cNvSpPr>
-          <p:nvPr>
-            <p:ph idx="1"/>
-          </p:nvPr>
-        </p:nvSpPr>
-        <p:spPr>
-          <a:xfrm>
-            <a:off x="5029200" y="1190113"/>
-            <a:ext cx="3962400" cy="2917956"/>
-          </a:xfrm>
-        </p:spPr>
-        <p:txBody>
-          <a:bodyPr/>
-          <a:lstStyle/>
-          <a:p>
-            <a:pPr marL="0" indent="0">
-              <a:buNone/>
-            </a:pPr>
-            <a:r>
-              <a:rPr lang="en-US" sz="1400" b="1" dirty="0"/>
-              <a:t>Enhanced Loopback Mode</a:t>
-            </a:r>
-          </a:p>
-          <a:p>
-            <a:r>
-              <a:rPr lang="en-US" sz="1400" dirty="0"/>
-              <a:t>Sender adds the Transmit Timestamp</a:t>
-            </a:r>
-          </a:p>
-          <a:p>
-            <a:r>
-              <a:rPr lang="en-US" sz="1400" dirty="0"/>
-              <a:t>Reflector adds the Receive Timestamp at fixed offset locally provisioned (consistently in the network)</a:t>
-            </a:r>
-          </a:p>
-          <a:p>
-            <a:pPr lvl="1"/>
-            <a:r>
-              <a:rPr lang="en-US" sz="1400" dirty="0"/>
-              <a:t>For STAMP packets, it is at offset-byte 16 from the start of the payload</a:t>
-            </a:r>
-          </a:p>
-          <a:p>
-            <a:r>
-              <a:rPr lang="en-US" sz="1400" dirty="0"/>
-              <a:t>Sender Sequence Number, Sender Timestamp, Sender Error Estimate and Sender TTL in the STAMP messages are not used</a:t>
-            </a:r>
-          </a:p>
-          <a:p>
-            <a:pPr lvl="1"/>
-            <a:r>
-              <a:rPr lang="en-US" sz="1400" dirty="0"/>
-              <a:t>Reflector does not copy them</a:t>
-            </a:r>
-          </a:p>
-          <a:p>
-            <a:endParaRPr lang="en-US" sz="1400" dirty="0"/>
-          </a:p>
-          <a:p>
-            <a:endParaRPr lang="en-US" sz="1400" dirty="0"/>
-          </a:p>
-        </p:txBody>
-      </p:sp>
-      <p:sp>
-        <p:nvSpPr>
-          <p:cNvPr id="4" name="Footer Placeholder 3"/>
-          <p:cNvSpPr>
-            <a:spLocks noGrp="1"/>
-          </p:cNvSpPr>
-          <p:nvPr>
-            <p:ph type="ftr" sz="quarter" idx="11"/>
-          </p:nvPr>
-        </p:nvSpPr>
-        <p:spPr>
-          <a:xfrm>
-            <a:off x="3124200" y="4786312"/>
-            <a:ext cx="2895600" cy="357188"/>
-          </a:xfrm>
-        </p:spPr>
-        <p:txBody>
-          <a:bodyPr/>
-          <a:lstStyle/>
-          <a:p>
-            <a:r>
-              <a:rPr lang="en-CA" dirty="0"/>
-              <a:t>IETF  – April 2020 </a:t>
+              <a:rPr lang="en-CA" sz="1100" dirty="0">
+                <a:latin typeface="Courier" pitchFamily="2" charset="0"/>
+              </a:rPr>
+              <a:t>   +-------+ t1    Probe      t2 +-------+</a:t>
+            </a:r>
+          </a:p>
+          <a:p>
+            <a:r>
+              <a:rPr lang="en-CA" sz="1100" dirty="0">
+                <a:latin typeface="Courier" pitchFamily="2" charset="0"/>
+              </a:rPr>
+              <a:t>   |       | - - - - - - - - - - |       |</a:t>
+            </a:r>
+          </a:p>
+          <a:p>
+            <a:r>
+              <a:rPr lang="en-CA" sz="1100" dirty="0">
+                <a:latin typeface="Courier" pitchFamily="2" charset="0"/>
+              </a:rPr>
+              <a:t>   |   R1  |--------------------||  R5   |</a:t>
+            </a:r>
+          </a:p>
+          <a:p>
+            <a:r>
+              <a:rPr lang="en-CA" sz="1100" dirty="0">
+                <a:latin typeface="Courier" pitchFamily="2" charset="0"/>
+              </a:rPr>
+              <a:t>   |       |&lt;- - - - - - - - - - |       |</a:t>
+            </a:r>
+          </a:p>
+          <a:p>
+            <a:r>
+              <a:rPr lang="en-CA" sz="1100" dirty="0">
+                <a:latin typeface="Courier" pitchFamily="2" charset="0"/>
+              </a:rPr>
+              <a:t>   +-------+     Return Probe    +-------+</a:t>
+            </a:r>
+          </a:p>
+          <a:p>
+            <a:r>
+              <a:rPr lang="en-CA" sz="1100" dirty="0">
+                <a:latin typeface="Courier" pitchFamily="2" charset="0"/>
+              </a:rPr>
+              <a:t>    Sender                       Reflector Endpoint</a:t>
+            </a:r>
+          </a:p>
+          <a:p>
+            <a:r>
+              <a:rPr lang="en-CA" sz="1100" dirty="0">
+                <a:latin typeface="Courier" pitchFamily="2" charset="0"/>
+              </a:rPr>
+              <a:t>                                 (Timestamp,</a:t>
+            </a:r>
+          </a:p>
+          <a:p>
+            <a:r>
+              <a:rPr lang="en-CA" sz="1100" dirty="0">
+                <a:latin typeface="Courier" pitchFamily="2" charset="0"/>
+              </a:rPr>
+              <a:t>                                  Pop and Forward)</a:t>
+            </a:r>
+          </a:p>
+          <a:p>
+            <a:r>
+              <a:rPr lang="en-CA" sz="1100" dirty="0">
+                <a:latin typeface="Courier" pitchFamily="2" charset="0"/>
+              </a:rPr>
+              <a:t> </a:t>
+            </a:r>
+          </a:p>
+          <a:p>
+            <a:r>
+              <a:rPr lang="en-CA" sz="1100" dirty="0">
+                <a:latin typeface="Courier" pitchFamily="2" charset="0"/>
+              </a:rPr>
+              <a:t>Figure: Loopback Mode Enabled with Network Programming </a:t>
             </a:r>
           </a:p>
         </p:txBody>
@@ -13853,7 +14576,7 @@
     </p:spTree>
     <p:extLst>
       <p:ext uri="{BB962C8B-B14F-4D97-AF65-F5344CB8AC3E}">
-        <p14:creationId xmlns:p14="http://schemas.microsoft.com/office/powerpoint/2010/main" val="4096691418"/>
+        <p14:creationId xmlns:p14="http://schemas.microsoft.com/office/powerpoint/2010/main" val="3722295587"/>
       </p:ext>
     </p:extLst>
   </p:cSld>
@@ -13892,8 +14615,8 @@
         </p:nvSpPr>
         <p:spPr>
           <a:xfrm>
-            <a:off x="457200" y="-95250"/>
-            <a:ext cx="8229600" cy="857250"/>
+            <a:off x="381000" y="-19050"/>
+            <a:ext cx="8458200" cy="857250"/>
           </a:xfrm>
         </p:spPr>
         <p:txBody>
@@ -13908,34 +14631,7 @@
                 <a:latin typeface="Calibri Light" panose="020F0302020204030204" pitchFamily="34" charset="0"/>
                 <a:cs typeface="Calibri Light" panose="020F0302020204030204" pitchFamily="34" charset="0"/>
               </a:rPr>
-              <a:t>SR-MPLS with Timestamp Label Example</a:t>
-            </a:r>
-          </a:p>
-        </p:txBody>
-      </p:sp>
-      <p:sp>
-        <p:nvSpPr>
-          <p:cNvPr id="4" name="Footer Placeholder 3"/>
-          <p:cNvSpPr>
-            <a:spLocks noGrp="1"/>
-          </p:cNvSpPr>
-          <p:nvPr>
-            <p:ph type="ftr" sz="quarter" idx="11"/>
-          </p:nvPr>
-        </p:nvSpPr>
-        <p:spPr>
-          <a:xfrm>
-            <a:off x="3124200" y="4786312"/>
-            <a:ext cx="2895600" cy="357188"/>
-          </a:xfrm>
-        </p:spPr>
-        <p:txBody>
-          <a:bodyPr/>
-          <a:lstStyle/>
-          <a:p>
-            <a:r>
-              <a:rPr lang="en-CA" dirty="0"/>
-              <a:t>IETF  – April 2020 </a:t>
+              <a:t>TWAMP Light Probe Message</a:t>
             </a:r>
           </a:p>
         </p:txBody>
@@ -13965,7 +14661,7 @@
               </a:pPr>
               <a:t>8</a:t>
             </a:fld>
-            <a:endParaRPr lang="en-US" altLang="zh-CN" dirty="0"/>
+            <a:endParaRPr lang="en-US" altLang="zh-CN"/>
           </a:p>
         </p:txBody>
       </p:sp>
@@ -13983,8 +14679,8 @@
         </p:nvSpPr>
         <p:spPr>
           <a:xfrm>
-            <a:off x="381000" y="740479"/>
-            <a:ext cx="4398579" cy="3662541"/>
+            <a:off x="205902" y="887408"/>
+            <a:ext cx="4823298" cy="3693319"/>
           </a:xfrm>
           <a:prstGeom prst="rect">
             <a:avLst/>
@@ -14003,266 +14699,483 @@
           <a:lstStyle/>
           <a:p>
             <a:r>
-              <a:rPr lang="en-CA" sz="800" dirty="0">
-                <a:latin typeface="Courier" pitchFamily="2" charset="0"/>
-              </a:rPr>
-              <a:t>  0 1 2 3 4 5 6 7 8 9 0 1 2 3 4 5 6 7 8 9 0 1 2 3 4 5 6 7 8 9 0 1</a:t>
-            </a:r>
-          </a:p>
-          <a:p>
-            <a:r>
-              <a:rPr lang="en-CA" sz="800" dirty="0">
+              <a:rPr lang="en-CA" sz="900" dirty="0">
                 <a:latin typeface="Courier" pitchFamily="2" charset="0"/>
               </a:rPr>
               <a:t>  +-+-+-+-+-+-+-+-+-+-+-+-+-+-+-+-+-+-+-+-+-+-+-+-+-+-+-+-+-+-+-+-+</a:t>
             </a:r>
           </a:p>
           <a:p>
-            <a:r>
-              <a:rPr lang="en-CA" sz="800" dirty="0">
-                <a:latin typeface="Courier" pitchFamily="2" charset="0"/>
-              </a:rPr>
-              <a:t>  |            Label(1)                   | TC  |S|      TTL      |</a:t>
-            </a:r>
-          </a:p>
-          <a:p>
-            <a:r>
-              <a:rPr lang="en-CA" sz="800" dirty="0">
-                <a:latin typeface="Courier" pitchFamily="2" charset="0"/>
+            <a:pPr>
+              <a:spcAft>
+                <a:spcPts val="0"/>
+              </a:spcAft>
+            </a:pPr>
+            <a:r>
+              <a:rPr lang="en-US" sz="900" dirty="0">
+                <a:latin typeface="Courier" pitchFamily="2" charset="0"/>
+                <a:ea typeface="Courier" charset="0"/>
+                <a:cs typeface="Courier" charset="0"/>
+              </a:rPr>
+              <a:t>  |         Sequence Number                                       |</a:t>
+            </a:r>
+          </a:p>
+          <a:p>
+            <a:pPr>
+              <a:spcAft>
+                <a:spcPts val="0"/>
+              </a:spcAft>
+            </a:pPr>
+            <a:r>
+              <a:rPr lang="en-US" sz="900" dirty="0">
+                <a:latin typeface="Courier" pitchFamily="2" charset="0"/>
+                <a:ea typeface="Courier" charset="0"/>
+                <a:cs typeface="Courier" charset="0"/>
               </a:rPr>
               <a:t>  +-+-+-+-+-+-+-+-+-+-+-+-+-+-+-+-+-+-+-+-+-+-+-+-+-+-+-+-+-+-+-+-+</a:t>
             </a:r>
           </a:p>
           <a:p>
-            <a:r>
-              <a:rPr lang="en-CA" sz="800" dirty="0">
-                <a:latin typeface="Courier" pitchFamily="2" charset="0"/>
-              </a:rPr>
-              <a:t>  .                                                               .</a:t>
-            </a:r>
-          </a:p>
-          <a:p>
-            <a:r>
-              <a:rPr lang="en-CA" sz="800" dirty="0">
-                <a:latin typeface="Courier" pitchFamily="2" charset="0"/>
-              </a:rPr>
-              <a:t>  .                                                               .</a:t>
-            </a:r>
-          </a:p>
-          <a:p>
-            <a:r>
-              <a:rPr lang="en-CA" sz="800" dirty="0">
-                <a:latin typeface="Courier" pitchFamily="2" charset="0"/>
-              </a:rPr>
-              <a:t>  .                                                               .</a:t>
-            </a:r>
-          </a:p>
-          <a:p>
-            <a:r>
-              <a:rPr lang="en-CA" sz="800" dirty="0">
-                <a:latin typeface="Courier" pitchFamily="2" charset="0"/>
+            <a:pPr>
+              <a:spcAft>
+                <a:spcPts val="0"/>
+              </a:spcAft>
+            </a:pPr>
+            <a:r>
+              <a:rPr lang="en-US" sz="900" dirty="0">
+                <a:latin typeface="Courier" pitchFamily="2" charset="0"/>
+                <a:ea typeface="Courier" charset="0"/>
+                <a:cs typeface="Courier" charset="0"/>
+              </a:rPr>
+              <a:t>  |         Transmit Timestamp                                    |</a:t>
+            </a:r>
+          </a:p>
+          <a:p>
+            <a:pPr>
+              <a:spcAft>
+                <a:spcPts val="0"/>
+              </a:spcAft>
+            </a:pPr>
+            <a:r>
+              <a:rPr lang="en-US" sz="900" dirty="0">
+                <a:latin typeface="Courier" pitchFamily="2" charset="0"/>
+                <a:ea typeface="Courier" charset="0"/>
+                <a:cs typeface="Courier" charset="0"/>
+              </a:rPr>
+              <a:t>  |                                                               |</a:t>
+            </a:r>
+          </a:p>
+          <a:p>
+            <a:pPr>
+              <a:spcAft>
+                <a:spcPts val="0"/>
+              </a:spcAft>
+            </a:pPr>
+            <a:r>
+              <a:rPr lang="en-US" sz="900" dirty="0">
+                <a:latin typeface="Courier" pitchFamily="2" charset="0"/>
+                <a:ea typeface="Courier" charset="0"/>
+                <a:cs typeface="Courier" charset="0"/>
               </a:rPr>
               <a:t>  +-+-+-+-+-+-+-+-+-+-+-+-+-+-+-+-+-+-+-+-+-+-+-+-+-+-+-+-+-+-+-+-+</a:t>
             </a:r>
           </a:p>
           <a:p>
-            <a:r>
-              <a:rPr lang="en-CA" sz="800" dirty="0">
-                <a:latin typeface="Courier" pitchFamily="2" charset="0"/>
-              </a:rPr>
-              <a:t>  |            Label(n)                   | TC  |S|      TTL      |</a:t>
-            </a:r>
-          </a:p>
-          <a:p>
-            <a:r>
-              <a:rPr lang="en-CA" sz="800" dirty="0">
-                <a:latin typeface="Courier" pitchFamily="2" charset="0"/>
+            <a:pPr>
+              <a:spcAft>
+                <a:spcPts val="0"/>
+              </a:spcAft>
+            </a:pPr>
+            <a:r>
+              <a:rPr lang="en-US" sz="900" dirty="0">
+                <a:latin typeface="Courier" pitchFamily="2" charset="0"/>
+                <a:ea typeface="Courier" charset="0"/>
+                <a:cs typeface="Courier" charset="0"/>
+              </a:rPr>
+              <a:t>  |         Error Estimate        |    MBZ                        |</a:t>
+            </a:r>
+          </a:p>
+          <a:p>
+            <a:pPr>
+              <a:spcAft>
+                <a:spcPts val="0"/>
+              </a:spcAft>
+            </a:pPr>
+            <a:r>
+              <a:rPr lang="en-US" sz="900" dirty="0">
+                <a:latin typeface="Courier" pitchFamily="2" charset="0"/>
+                <a:ea typeface="Courier" charset="0"/>
+                <a:cs typeface="Courier" charset="0"/>
               </a:rPr>
               <a:t>  +-+-+-+-+-+-+-+-+-+-+-+-+-+-+-+-+-+-+-+-+-+-+-+-+-+-+-+-+-+-+-+-+</a:t>
             </a:r>
           </a:p>
           <a:p>
-            <a:r>
-              <a:rPr lang="en-CA" sz="800" dirty="0">
-                <a:latin typeface="Courier" pitchFamily="2" charset="0"/>
+            <a:pPr>
+              <a:spcAft>
+                <a:spcPts val="0"/>
+              </a:spcAft>
+            </a:pPr>
+            <a:r>
+              <a:rPr lang="en-US" sz="900" dirty="0">
+                <a:solidFill>
+                  <a:schemeClr val="tx2"/>
+                </a:solidFill>
+                <a:latin typeface="Courier" pitchFamily="2" charset="0"/>
+                <a:ea typeface="Courier" charset="0"/>
+                <a:cs typeface="Courier" charset="0"/>
+              </a:rPr>
+              <a:t>  |         </a:t>
+            </a:r>
+            <a:r>
+              <a:rPr lang="en-US" sz="900" dirty="0">
+                <a:solidFill>
+                  <a:srgbClr val="0070C0"/>
+                </a:solidFill>
+                <a:latin typeface="Courier" pitchFamily="2" charset="0"/>
+                <a:ea typeface="Courier" charset="0"/>
+                <a:cs typeface="Courier" charset="0"/>
+              </a:rPr>
+              <a:t>Receive Timestamp                                     </a:t>
+            </a:r>
+            <a:r>
+              <a:rPr lang="en-US" sz="900" dirty="0">
+                <a:solidFill>
+                  <a:schemeClr val="tx2"/>
+                </a:solidFill>
+                <a:latin typeface="Courier" pitchFamily="2" charset="0"/>
+                <a:ea typeface="Courier" charset="0"/>
+                <a:cs typeface="Courier" charset="0"/>
+              </a:rPr>
+              <a:t>|</a:t>
+            </a:r>
+          </a:p>
+          <a:p>
+            <a:pPr>
+              <a:spcAft>
+                <a:spcPts val="0"/>
+              </a:spcAft>
+            </a:pPr>
+            <a:r>
+              <a:rPr lang="en-US" sz="900" dirty="0">
+                <a:latin typeface="Courier" pitchFamily="2" charset="0"/>
+                <a:ea typeface="Courier" charset="0"/>
+                <a:cs typeface="Courier" charset="0"/>
+              </a:rPr>
+              <a:t>  |                                                               |</a:t>
+            </a:r>
+          </a:p>
+          <a:p>
+            <a:pPr>
+              <a:spcAft>
+                <a:spcPts val="0"/>
+              </a:spcAft>
+            </a:pPr>
+            <a:r>
+              <a:rPr lang="en-US" sz="900" dirty="0">
+                <a:latin typeface="Courier" pitchFamily="2" charset="0"/>
+                <a:ea typeface="Courier" charset="0"/>
+                <a:cs typeface="Courier" charset="0"/>
+              </a:rPr>
+              <a:t>  +-+-+-+-+-+-+-+-+-+-+-+-+-+-+-+-+-+-+-+-+-+-+-+-+-+-+-+-+-+-+-+-+</a:t>
+            </a:r>
+          </a:p>
+          <a:p>
+            <a:pPr>
+              <a:spcAft>
+                <a:spcPts val="0"/>
+              </a:spcAft>
+            </a:pPr>
+            <a:r>
+              <a:rPr lang="en-US" sz="900" dirty="0">
+                <a:solidFill>
+                  <a:schemeClr val="bg2">
+                    <a:lumMod val="50000"/>
+                  </a:schemeClr>
+                </a:solidFill>
+                <a:latin typeface="Courier" pitchFamily="2" charset="0"/>
+                <a:ea typeface="Courier" charset="0"/>
+                <a:cs typeface="Courier" charset="0"/>
               </a:rPr>
               <a:t>  </a:t>
             </a:r>
             <a:r>
-              <a:rPr lang="en-CA" sz="800" b="1" dirty="0">
-                <a:latin typeface="Courier" pitchFamily="2" charset="0"/>
-              </a:rPr>
-              <a:t>|            Timestamp Label (TBA1)     | TC  |S|      TTL      |</a:t>
-            </a:r>
-          </a:p>
-          <a:p>
-            <a:r>
-              <a:rPr lang="en-CA" sz="800" dirty="0">
-                <a:latin typeface="Courier" pitchFamily="2" charset="0"/>
-              </a:rPr>
-              <a:t>  +---------------------------------------------------------------+</a:t>
-            </a:r>
-          </a:p>
-          <a:p>
-            <a:r>
-              <a:rPr lang="en-CA" sz="800" dirty="0">
-                <a:latin typeface="Courier" pitchFamily="2" charset="0"/>
-              </a:rPr>
-              <a:t>  | IP Header                                                     |</a:t>
-            </a:r>
-          </a:p>
-          <a:p>
-            <a:r>
-              <a:rPr lang="en-CA" sz="800" dirty="0">
-                <a:latin typeface="Courier" pitchFamily="2" charset="0"/>
-              </a:rPr>
-              <a:t>  .  Source IP Address = </a:t>
-            </a:r>
-            <a:r>
-              <a:rPr lang="en-CA" sz="800" b="1" dirty="0">
-                <a:latin typeface="Courier" pitchFamily="2" charset="0"/>
-              </a:rPr>
-              <a:t>Endpoint</a:t>
-            </a:r>
-            <a:r>
-              <a:rPr lang="en-CA" sz="800" dirty="0">
-                <a:latin typeface="Courier" pitchFamily="2" charset="0"/>
-              </a:rPr>
-              <a:t> IPv4 or IPv6 Address            .</a:t>
-            </a:r>
-          </a:p>
-          <a:p>
-            <a:r>
-              <a:rPr lang="en-CA" sz="800" dirty="0">
-                <a:latin typeface="Courier" pitchFamily="2" charset="0"/>
-              </a:rPr>
-              <a:t>  .  Destination IP Address = </a:t>
-            </a:r>
-            <a:r>
-              <a:rPr lang="en-CA" sz="800" b="1" dirty="0">
-                <a:latin typeface="Courier" pitchFamily="2" charset="0"/>
-              </a:rPr>
-              <a:t>Sender</a:t>
-            </a:r>
-            <a:r>
-              <a:rPr lang="en-CA" sz="800" dirty="0">
-                <a:latin typeface="Courier" pitchFamily="2" charset="0"/>
-              </a:rPr>
-              <a:t> IPv4 or IPv6 Address         .</a:t>
-            </a:r>
-          </a:p>
-          <a:p>
-            <a:r>
-              <a:rPr lang="en-CA" sz="800" dirty="0">
-                <a:latin typeface="Courier" pitchFamily="2" charset="0"/>
-              </a:rPr>
-              <a:t>  .  Protocol = UDP                                               .</a:t>
-            </a:r>
-          </a:p>
-          <a:p>
-            <a:r>
-              <a:rPr lang="en-CA" sz="800" dirty="0">
-                <a:latin typeface="Courier" pitchFamily="2" charset="0"/>
-              </a:rPr>
-              <a:t>  .                                                               .</a:t>
-            </a:r>
-          </a:p>
-          <a:p>
-            <a:r>
-              <a:rPr lang="en-CA" sz="800" dirty="0">
-                <a:latin typeface="Courier" pitchFamily="2" charset="0"/>
-              </a:rPr>
-              <a:t>  +---------------------------------------------------------------+</a:t>
-            </a:r>
-          </a:p>
-          <a:p>
-            <a:r>
-              <a:rPr lang="en-CA" sz="800" dirty="0">
-                <a:latin typeface="Courier" pitchFamily="2" charset="0"/>
-              </a:rPr>
-              <a:t>  | UDP Header                                                    |</a:t>
-            </a:r>
-          </a:p>
-          <a:p>
-            <a:r>
-              <a:rPr lang="en-CA" sz="800" dirty="0">
-                <a:latin typeface="Courier" pitchFamily="2" charset="0"/>
-              </a:rPr>
-              <a:t>  .  Source Port = As chosen by Sender                            .</a:t>
-            </a:r>
-          </a:p>
-          <a:p>
-            <a:r>
-              <a:rPr lang="en-CA" sz="800" dirty="0">
-                <a:latin typeface="Courier" pitchFamily="2" charset="0"/>
-              </a:rPr>
-              <a:t>  .  Destination Port = User-configured Port                      .</a:t>
-            </a:r>
-          </a:p>
-          <a:p>
-            <a:r>
-              <a:rPr lang="en-CA" sz="800" dirty="0">
-                <a:latin typeface="Courier" pitchFamily="2" charset="0"/>
-              </a:rPr>
-              <a:t>  .                                                               .</a:t>
-            </a:r>
-          </a:p>
-          <a:p>
-            <a:r>
-              <a:rPr lang="en-CA" sz="800" dirty="0">
-                <a:latin typeface="Courier" pitchFamily="2" charset="0"/>
+              <a:rPr lang="en-US" sz="900" dirty="0">
+                <a:solidFill>
+                  <a:schemeClr val="bg1">
+                    <a:lumMod val="50000"/>
+                  </a:schemeClr>
+                </a:solidFill>
+                <a:latin typeface="Courier" pitchFamily="2" charset="0"/>
+                <a:ea typeface="Courier" charset="0"/>
+                <a:cs typeface="Courier" charset="0"/>
+              </a:rPr>
+              <a:t>|                      Sender Sequence Number                   |</a:t>
+            </a:r>
+          </a:p>
+          <a:p>
+            <a:pPr>
+              <a:spcAft>
+                <a:spcPts val="0"/>
+              </a:spcAft>
+            </a:pPr>
+            <a:r>
+              <a:rPr lang="en-US" sz="900" dirty="0">
+                <a:solidFill>
+                  <a:schemeClr val="bg1">
+                    <a:lumMod val="50000"/>
+                  </a:schemeClr>
+                </a:solidFill>
+                <a:latin typeface="Courier" pitchFamily="2" charset="0"/>
+                <a:ea typeface="Courier" charset="0"/>
+                <a:cs typeface="Courier" charset="0"/>
               </a:rPr>
               <a:t>  +-+-+-+-+-+-+-+-+-+-+-+-+-+-+-+-+-+-+-+-+-+-+-+-+-+-+-+-+-+-+-+-+</a:t>
             </a:r>
           </a:p>
           <a:p>
-            <a:r>
-              <a:rPr lang="en-CA" sz="800" dirty="0">
-                <a:latin typeface="Courier" pitchFamily="2" charset="0"/>
-              </a:rPr>
-              <a:t>  |  Payload as defined in Section 4.2.1 of RFC 5357 |            |</a:t>
-            </a:r>
-          </a:p>
-          <a:p>
-            <a:r>
-              <a:rPr lang="en-CA" sz="800" dirty="0">
-                <a:latin typeface="Courier" pitchFamily="2" charset="0"/>
-              </a:rPr>
-              <a:t>  |  Payload as defined in Section 4.2 of RFC 8762                |</a:t>
-            </a:r>
-          </a:p>
-          <a:p>
-            <a:r>
-              <a:rPr lang="en-CA" sz="800" dirty="0">
-                <a:latin typeface="Courier" pitchFamily="2" charset="0"/>
-              </a:rPr>
-              <a:t>  .                                                               .</a:t>
-            </a:r>
-          </a:p>
-          <a:p>
-            <a:r>
-              <a:rPr lang="en-CA" sz="800" dirty="0">
-                <a:latin typeface="Courier" pitchFamily="2" charset="0"/>
-              </a:rPr>
-              <a:t>  +---------------------------------------------------------------+</a:t>
-            </a:r>
-          </a:p>
-          <a:p>
-            <a:r>
-              <a:rPr lang="en-CA" sz="800" dirty="0">
-                <a:latin typeface="Courier" pitchFamily="2" charset="0"/>
-              </a:rPr>
-              <a:t> </a:t>
-            </a:r>
-          </a:p>
-          <a:p>
-            <a:r>
-              <a:rPr lang="en-CA" sz="800" dirty="0">
-                <a:latin typeface="Courier" pitchFamily="2" charset="0"/>
-              </a:rPr>
-              <a:t>    Figure: Example Probe Message for SR-MPLS with Timestamp Label</a:t>
-            </a:r>
-            <a:endParaRPr lang="en-US" sz="800" dirty="0">
+            <a:pPr>
+              <a:spcAft>
+                <a:spcPts val="0"/>
+              </a:spcAft>
+            </a:pPr>
+            <a:r>
+              <a:rPr lang="en-US" sz="900" dirty="0">
+                <a:solidFill>
+                  <a:schemeClr val="bg1">
+                    <a:lumMod val="50000"/>
+                  </a:schemeClr>
+                </a:solidFill>
+                <a:latin typeface="Courier" pitchFamily="2" charset="0"/>
+                <a:ea typeface="Courier" charset="0"/>
+                <a:cs typeface="Courier" charset="0"/>
+              </a:rPr>
+              <a:t>  |                      Sender Timestamp                         |</a:t>
+            </a:r>
+          </a:p>
+          <a:p>
+            <a:pPr>
+              <a:spcAft>
+                <a:spcPts val="0"/>
+              </a:spcAft>
+            </a:pPr>
+            <a:r>
+              <a:rPr lang="en-US" sz="900" dirty="0">
+                <a:solidFill>
+                  <a:schemeClr val="bg1">
+                    <a:lumMod val="50000"/>
+                  </a:schemeClr>
+                </a:solidFill>
+                <a:latin typeface="Courier" pitchFamily="2" charset="0"/>
+                <a:ea typeface="Courier" charset="0"/>
+                <a:cs typeface="Courier" charset="0"/>
+              </a:rPr>
+              <a:t>  |                                                               |</a:t>
+            </a:r>
+          </a:p>
+          <a:p>
+            <a:pPr>
+              <a:spcAft>
+                <a:spcPts val="0"/>
+              </a:spcAft>
+            </a:pPr>
+            <a:r>
+              <a:rPr lang="en-US" sz="900" dirty="0">
+                <a:solidFill>
+                  <a:schemeClr val="bg1">
+                    <a:lumMod val="50000"/>
+                  </a:schemeClr>
+                </a:solidFill>
+                <a:latin typeface="Courier" pitchFamily="2" charset="0"/>
+                <a:ea typeface="Courier" charset="0"/>
+                <a:cs typeface="Courier" charset="0"/>
+              </a:rPr>
+              <a:t>  +-+-+-+-+-+-+-+-+-+-+-+-+-+-+-+-+-+-+-+-+-+-+-+-+-+-+-+-+-+-+-+-+</a:t>
+            </a:r>
+          </a:p>
+          <a:p>
+            <a:pPr>
+              <a:spcAft>
+                <a:spcPts val="0"/>
+              </a:spcAft>
+            </a:pPr>
+            <a:r>
+              <a:rPr lang="en-US" sz="900" dirty="0">
+                <a:solidFill>
+                  <a:schemeClr val="bg1">
+                    <a:lumMod val="50000"/>
+                  </a:schemeClr>
+                </a:solidFill>
+                <a:latin typeface="Courier" pitchFamily="2" charset="0"/>
+                <a:ea typeface="Courier" charset="0"/>
+                <a:cs typeface="Courier" charset="0"/>
+              </a:rPr>
+              <a:t>  |      Sender Error Estimate    |           MBZ                 |</a:t>
+            </a:r>
+          </a:p>
+          <a:p>
+            <a:pPr>
+              <a:spcAft>
+                <a:spcPts val="0"/>
+              </a:spcAft>
+            </a:pPr>
+            <a:r>
+              <a:rPr lang="en-US" sz="900" dirty="0">
+                <a:solidFill>
+                  <a:schemeClr val="bg1">
+                    <a:lumMod val="50000"/>
+                  </a:schemeClr>
+                </a:solidFill>
+                <a:latin typeface="Courier" pitchFamily="2" charset="0"/>
+                <a:ea typeface="Courier" charset="0"/>
+                <a:cs typeface="Courier" charset="0"/>
+              </a:rPr>
+              <a:t>  +-+-+-+-+-+-+-+-+-+-+-+-+-+-+-+-+-+-+-+-+-+-+-+-+-+-+-+-+-+-+-+-+</a:t>
+            </a:r>
+          </a:p>
+          <a:p>
+            <a:pPr>
+              <a:spcAft>
+                <a:spcPts val="0"/>
+              </a:spcAft>
+            </a:pPr>
+            <a:r>
+              <a:rPr lang="en-US" sz="900" dirty="0">
+                <a:solidFill>
+                  <a:schemeClr val="bg1">
+                    <a:lumMod val="50000"/>
+                  </a:schemeClr>
+                </a:solidFill>
+                <a:latin typeface="Courier" pitchFamily="2" charset="0"/>
+                <a:ea typeface="Courier" charset="0"/>
+                <a:cs typeface="Courier" charset="0"/>
+              </a:rPr>
+              <a:t>  |  Sender TTL   |                                               |</a:t>
+            </a:r>
+          </a:p>
+          <a:p>
+            <a:pPr>
+              <a:spcAft>
+                <a:spcPts val="0"/>
+              </a:spcAft>
+            </a:pPr>
+            <a:r>
+              <a:rPr lang="en-US" sz="900" dirty="0">
+                <a:solidFill>
+                  <a:schemeClr val="bg1">
+                    <a:lumMod val="50000"/>
+                  </a:schemeClr>
+                </a:solidFill>
+                <a:latin typeface="Courier" pitchFamily="2" charset="0"/>
+                <a:ea typeface="Courier" charset="0"/>
+                <a:cs typeface="Courier" charset="0"/>
+              </a:rPr>
+              <a:t>  +-+-+-+-+-+-+-+-+                                               |</a:t>
+            </a:r>
+          </a:p>
+          <a:p>
+            <a:pPr>
+              <a:spcAft>
+                <a:spcPts val="0"/>
+              </a:spcAft>
+            </a:pPr>
+            <a:r>
+              <a:rPr lang="en-US" sz="900" dirty="0">
+                <a:solidFill>
+                  <a:schemeClr val="bg1">
+                    <a:lumMod val="50000"/>
+                  </a:schemeClr>
+                </a:solidFill>
+                <a:latin typeface="Courier" pitchFamily="2" charset="0"/>
+                <a:ea typeface="Courier" charset="0"/>
+                <a:cs typeface="Courier" charset="0"/>
+              </a:rPr>
+              <a:t>  |                                                               |</a:t>
+            </a:r>
+          </a:p>
+          <a:p>
+            <a:pPr>
+              <a:spcAft>
+                <a:spcPts val="0"/>
+              </a:spcAft>
+            </a:pPr>
+            <a:r>
+              <a:rPr lang="en-US" sz="900" dirty="0">
+                <a:solidFill>
+                  <a:schemeClr val="bg1">
+                    <a:lumMod val="50000"/>
+                  </a:schemeClr>
+                </a:solidFill>
+                <a:latin typeface="Courier" pitchFamily="2" charset="0"/>
+                <a:ea typeface="Courier" charset="0"/>
+                <a:cs typeface="Courier" charset="0"/>
+              </a:rPr>
+              <a:t>  ~                      Padding                                  ~</a:t>
+            </a:r>
+          </a:p>
+          <a:p>
+            <a:pPr>
+              <a:spcAft>
+                <a:spcPts val="0"/>
+              </a:spcAft>
+            </a:pPr>
+            <a:r>
+              <a:rPr lang="en-US" sz="900" dirty="0">
+                <a:solidFill>
+                  <a:schemeClr val="bg1">
+                    <a:lumMod val="50000"/>
+                  </a:schemeClr>
+                </a:solidFill>
+                <a:latin typeface="Courier" pitchFamily="2" charset="0"/>
+                <a:ea typeface="Courier" charset="0"/>
+                <a:cs typeface="Courier" charset="0"/>
+              </a:rPr>
+              <a:t>  |                                                               |</a:t>
+            </a:r>
+          </a:p>
+          <a:p>
+            <a:pPr>
+              <a:spcAft>
+                <a:spcPts val="0"/>
+              </a:spcAft>
+            </a:pPr>
+            <a:r>
+              <a:rPr lang="en-US" sz="900" dirty="0">
+                <a:solidFill>
+                  <a:schemeClr val="bg1">
+                    <a:lumMod val="50000"/>
+                  </a:schemeClr>
+                </a:solidFill>
+                <a:latin typeface="Courier" pitchFamily="2" charset="0"/>
+                <a:ea typeface="Courier" charset="0"/>
+                <a:cs typeface="Courier" charset="0"/>
+              </a:rPr>
+              <a:t>  +-+-+-+-+-+-+-+-+-+-+-+-+-+-+-+-+-+-+-+-+-+-+-+-+-+-+-+-+-+-+-+-+</a:t>
+            </a:r>
+          </a:p>
+          <a:p>
+            <a:pPr>
+              <a:spcAft>
+                <a:spcPts val="0"/>
+              </a:spcAft>
+            </a:pPr>
+            <a:endParaRPr lang="en-CA" sz="900" dirty="0">
+              <a:solidFill>
+                <a:schemeClr val="bg2">
+                  <a:lumMod val="50000"/>
+                </a:schemeClr>
+              </a:solidFill>
+              <a:latin typeface="Courier" pitchFamily="2" charset="0"/>
+            </a:endParaRPr>
+          </a:p>
+          <a:p>
+            <a:r>
+              <a:rPr lang="en-CA" sz="900" dirty="0">
+                <a:latin typeface="Courier" pitchFamily="2" charset="0"/>
+              </a:rPr>
+              <a:t>              Figure: TWAMP Light Probe Message Format</a:t>
+            </a:r>
+            <a:endParaRPr lang="en-US" sz="900" dirty="0">
               <a:latin typeface="Courier" pitchFamily="2" charset="0"/>
             </a:endParaRPr>
           </a:p>
@@ -14286,43 +15199,77 @@
         </p:nvSpPr>
         <p:spPr>
           <a:xfrm>
-            <a:off x="4839628" y="1071221"/>
-            <a:ext cx="3923371" cy="3001056"/>
+            <a:off x="5029200" y="1276351"/>
+            <a:ext cx="3962400" cy="2819400"/>
           </a:xfrm>
         </p:spPr>
         <p:txBody>
           <a:bodyPr/>
           <a:lstStyle/>
           <a:p>
+            <a:pPr marL="0" indent="0">
+              <a:buNone/>
+            </a:pPr>
+            <a:r>
+              <a:rPr lang="en-US" sz="1400" b="1" dirty="0"/>
+              <a:t>Enhanced Loopback Mode</a:t>
+            </a:r>
+          </a:p>
+          <a:p>
             <a:r>
               <a:rPr lang="en-US" sz="1400" dirty="0"/>
-              <a:t>Timestamp Label (TBA1) allocated by IANA from Extended Special-Purpose MPLS Label Values </a:t>
+              <a:t>Sender adds the Transmit Timestamp</a:t>
+            </a:r>
+          </a:p>
+          <a:p>
+            <a:r>
+              <a:rPr lang="en-US" sz="1400" dirty="0"/>
+              <a:t>Reflector adds the Receive Timestamp at fixed offset locally provisioned (consistently in the network)</a:t>
             </a:r>
           </a:p>
           <a:p>
             <a:pPr lvl="1"/>
             <a:r>
               <a:rPr lang="en-US" sz="1400" dirty="0"/>
-              <a:t>Used for Timestamp, Pop and Forward network programing function</a:t>
-            </a:r>
-          </a:p>
-          <a:p>
-            <a:pPr lvl="1"/>
-            <a:r>
-              <a:rPr lang="en-US" sz="1400" dirty="0"/>
-              <a:t>I.e. Timestamp Label (TBA1) is popped by the reflector node</a:t>
-            </a:r>
-          </a:p>
-          <a:p>
-            <a:r>
-              <a:rPr lang="en-US" sz="1400" dirty="0"/>
-              <a:t>Source and Destination Addresses are swapped - represent Reverse direction path</a:t>
-            </a:r>
-          </a:p>
-          <a:p>
-            <a:r>
-              <a:rPr lang="en-US" sz="1400" dirty="0"/>
-              <a:t>Optionally, Reverse direction SR path label stack can follow the Timestamp Label TBA1</a:t>
+              <a:t>For TWAMP Light packets, it is at offset-byte 16 from the start of the payload</a:t>
+            </a:r>
+          </a:p>
+          <a:p>
+            <a:endParaRPr lang="en-US" sz="1400" dirty="0"/>
+          </a:p>
+        </p:txBody>
+      </p:sp>
+      <p:sp>
+        <p:nvSpPr>
+          <p:cNvPr id="4" name="Footer Placeholder 3"/>
+          <p:cNvSpPr>
+            <a:spLocks noGrp="1"/>
+          </p:cNvSpPr>
+          <p:nvPr>
+            <p:ph type="ftr" sz="quarter" idx="11"/>
+          </p:nvPr>
+        </p:nvSpPr>
+        <p:spPr>
+          <a:xfrm>
+            <a:off x="3124200" y="4786312"/>
+            <a:ext cx="2895600" cy="357188"/>
+          </a:xfrm>
+        </p:spPr>
+        <p:txBody>
+          <a:bodyPr/>
+          <a:lstStyle/>
+          <a:p>
+            <a:r>
+              <a:rPr lang="en-CA" dirty="0"/>
+              <a:t>108</a:t>
+            </a:r>
+            <a:r>
+              <a:rPr lang="en-CA" baseline="30000" dirty="0"/>
+              <a:t>th</a:t>
+            </a:r>
+            <a:r>
+              <a:rPr lang="en-CA" dirty="0"/>
+              <a:t> IETF @ Madrid</a:t>
             </a:r>
           </a:p>
         </p:txBody>
@@ -14330,7 +15277,7 @@
     </p:spTree>
     <p:extLst>
       <p:ext uri="{BB962C8B-B14F-4D97-AF65-F5344CB8AC3E}">
-        <p14:creationId xmlns:p14="http://schemas.microsoft.com/office/powerpoint/2010/main" val="2399405042"/>
+        <p14:creationId xmlns:p14="http://schemas.microsoft.com/office/powerpoint/2010/main" val="3909069486"/>
       </p:ext>
     </p:extLst>
   </p:cSld>
@@ -14369,8 +15316,8 @@
         </p:nvSpPr>
         <p:spPr>
           <a:xfrm>
-            <a:off x="457200" y="0"/>
-            <a:ext cx="8229600" cy="857250"/>
+            <a:off x="457200" y="-19050"/>
+            <a:ext cx="8458200" cy="857250"/>
           </a:xfrm>
         </p:spPr>
         <p:txBody>
@@ -14385,153 +15332,7 @@
                 <a:latin typeface="Calibri Light" panose="020F0302020204030204" pitchFamily="34" charset="0"/>
                 <a:cs typeface="Calibri Light" panose="020F0302020204030204" pitchFamily="34" charset="0"/>
               </a:rPr>
-              <a:t>ECMP Support for SR Paths</a:t>
-            </a:r>
-          </a:p>
-        </p:txBody>
-      </p:sp>
-      <p:sp>
-        <p:nvSpPr>
-          <p:cNvPr id="3" name="Content Placeholder 2"/>
-          <p:cNvSpPr>
-            <a:spLocks noGrp="1"/>
-          </p:cNvSpPr>
-          <p:nvPr>
-            <p:ph idx="1"/>
-          </p:nvPr>
-        </p:nvSpPr>
-        <p:spPr>
-          <a:xfrm>
-            <a:off x="419100" y="912200"/>
-            <a:ext cx="8305800" cy="3564549"/>
-          </a:xfrm>
-        </p:spPr>
-        <p:txBody>
-          <a:bodyPr/>
-          <a:lstStyle/>
-          <a:p>
-            <a:pPr>
-              <a:lnSpc>
-                <a:spcPts val="2280"/>
-              </a:lnSpc>
-              <a:spcBef>
-                <a:spcPts val="0"/>
-              </a:spcBef>
-            </a:pPr>
-            <a:r>
-              <a:rPr lang="en-US" sz="1600" dirty="0"/>
-              <a:t>SR Paths can have ECMP between the ingress and transit nodes, between transit nodes and between transit and egress nodes.</a:t>
-            </a:r>
-          </a:p>
-          <a:p>
-            <a:pPr>
-              <a:lnSpc>
-                <a:spcPts val="2280"/>
-              </a:lnSpc>
-              <a:spcBef>
-                <a:spcPts val="0"/>
-              </a:spcBef>
-            </a:pPr>
-            <a:r>
-              <a:rPr lang="en-US" sz="1600" dirty="0"/>
-              <a:t>Sending PM probe queries that can take advantage of the hashing function in forwarding plane.</a:t>
-            </a:r>
-          </a:p>
-          <a:p>
-            <a:pPr>
-              <a:lnSpc>
-                <a:spcPts val="2280"/>
-              </a:lnSpc>
-              <a:spcBef>
-                <a:spcPts val="0"/>
-              </a:spcBef>
-            </a:pPr>
-            <a:r>
-              <a:rPr lang="en-US" sz="1600" dirty="0"/>
-              <a:t>Existing forwarding mechanisms are applicable to PM probe messages. Examples are:</a:t>
-            </a:r>
-          </a:p>
-          <a:p>
-            <a:pPr lvl="1">
-              <a:lnSpc>
-                <a:spcPts val="2280"/>
-              </a:lnSpc>
-              <a:spcBef>
-                <a:spcPts val="0"/>
-              </a:spcBef>
-            </a:pPr>
-            <a:r>
-              <a:rPr lang="en-US" sz="1600" dirty="0"/>
-              <a:t>For IPv4</a:t>
-            </a:r>
-          </a:p>
-          <a:p>
-            <a:pPr lvl="2">
-              <a:lnSpc>
-                <a:spcPts val="2280"/>
-              </a:lnSpc>
-              <a:spcBef>
-                <a:spcPts val="0"/>
-              </a:spcBef>
-            </a:pPr>
-            <a:r>
-              <a:rPr lang="en-US" sz="1600" dirty="0"/>
-              <a:t>Sweeping destination address in IPv4 header (e.g. 127/8) when return path is SR-MPLS</a:t>
-            </a:r>
-          </a:p>
-          <a:p>
-            <a:pPr lvl="1">
-              <a:lnSpc>
-                <a:spcPts val="2280"/>
-              </a:lnSpc>
-              <a:spcBef>
-                <a:spcPts val="0"/>
-              </a:spcBef>
-            </a:pPr>
-            <a:r>
-              <a:rPr lang="en-US" sz="1600" dirty="0"/>
-              <a:t>For IPv6</a:t>
-            </a:r>
-          </a:p>
-          <a:p>
-            <a:pPr lvl="2">
-              <a:lnSpc>
-                <a:spcPts val="2280"/>
-              </a:lnSpc>
-              <a:spcBef>
-                <a:spcPts val="0"/>
-              </a:spcBef>
-            </a:pPr>
-            <a:r>
-              <a:rPr lang="en-US" sz="1600" dirty="0"/>
-              <a:t>Sweeping flow label in IPv6 header</a:t>
-            </a:r>
-          </a:p>
-        </p:txBody>
-      </p:sp>
-      <p:sp>
-        <p:nvSpPr>
-          <p:cNvPr id="4" name="Footer Placeholder 3"/>
-          <p:cNvSpPr>
-            <a:spLocks noGrp="1"/>
-          </p:cNvSpPr>
-          <p:nvPr>
-            <p:ph type="ftr" sz="quarter" idx="11"/>
-          </p:nvPr>
-        </p:nvSpPr>
-        <p:spPr>
-          <a:xfrm>
-            <a:off x="3124200" y="4786312"/>
-            <a:ext cx="2895600" cy="357188"/>
-          </a:xfrm>
-        </p:spPr>
-        <p:txBody>
-          <a:bodyPr/>
-          <a:lstStyle/>
-          <a:p>
-            <a:r>
-              <a:rPr lang="en-CA" dirty="0"/>
-              <a:t>IETF  – April 2020 </a:t>
+              <a:t>STAMP Probe Message</a:t>
             </a:r>
           </a:p>
         </p:txBody>
@@ -14565,10 +15366,555 @@
           </a:p>
         </p:txBody>
       </p:sp>
+      <p:sp>
+        <p:nvSpPr>
+          <p:cNvPr id="6" name="Rectangle 5">
+            <a:extLst>
+              <a:ext uri="{FF2B5EF4-FFF2-40B4-BE49-F238E27FC236}">
+                <a16:creationId xmlns:a16="http://schemas.microsoft.com/office/drawing/2014/main" id="{4C15A4CE-6545-5142-97A8-EDA8B07CB60B}"/>
+              </a:ext>
+            </a:extLst>
+          </p:cNvPr>
+          <p:cNvSpPr/>
+          <p:nvPr/>
+        </p:nvSpPr>
+        <p:spPr>
+          <a:xfrm>
+            <a:off x="152400" y="997210"/>
+            <a:ext cx="4800600" cy="3139321"/>
+          </a:xfrm>
+          <a:prstGeom prst="rect">
+            <a:avLst/>
+          </a:prstGeom>
+          <a:solidFill>
+            <a:schemeClr val="accent6">
+              <a:lumMod val="20000"/>
+              <a:lumOff val="80000"/>
+            </a:schemeClr>
+          </a:solidFill>
+        </p:spPr>
+        <p:txBody>
+          <a:bodyPr wrap="square">
+            <a:spAutoFit/>
+          </a:bodyPr>
+          <a:lstStyle/>
+          <a:p>
+            <a:r>
+              <a:rPr lang="en-CA" sz="900" dirty="0">
+                <a:latin typeface="Courier" pitchFamily="2" charset="0"/>
+              </a:rPr>
+              <a:t>  +-+-+-+-+-+-+-+-+-+-+-+-+-+-+-+-+-+-+-+-+-+-+-+-+-+-+-+-+-+-+-+-+</a:t>
+            </a:r>
+          </a:p>
+          <a:p>
+            <a:pPr>
+              <a:spcAft>
+                <a:spcPts val="0"/>
+              </a:spcAft>
+            </a:pPr>
+            <a:r>
+              <a:rPr lang="en-US" sz="900" dirty="0">
+                <a:latin typeface="Courier" pitchFamily="2" charset="0"/>
+                <a:ea typeface="Courier" charset="0"/>
+                <a:cs typeface="Courier" charset="0"/>
+              </a:rPr>
+              <a:t>  |         Sequence Number                                       |</a:t>
+            </a:r>
+          </a:p>
+          <a:p>
+            <a:pPr>
+              <a:spcAft>
+                <a:spcPts val="0"/>
+              </a:spcAft>
+            </a:pPr>
+            <a:r>
+              <a:rPr lang="en-US" sz="900" dirty="0">
+                <a:latin typeface="Courier" pitchFamily="2" charset="0"/>
+                <a:ea typeface="Courier" charset="0"/>
+                <a:cs typeface="Courier" charset="0"/>
+              </a:rPr>
+              <a:t>  +-+-+-+-+-+-+-+-+-+-+-+-+-+-+-+-+-+-+-+-+-+-+-+-+-+-+-+-+-+-+-+-+</a:t>
+            </a:r>
+          </a:p>
+          <a:p>
+            <a:pPr>
+              <a:spcAft>
+                <a:spcPts val="0"/>
+              </a:spcAft>
+            </a:pPr>
+            <a:r>
+              <a:rPr lang="en-US" sz="900" dirty="0">
+                <a:latin typeface="Courier" pitchFamily="2" charset="0"/>
+                <a:ea typeface="Courier" charset="0"/>
+                <a:cs typeface="Courier" charset="0"/>
+              </a:rPr>
+              <a:t>  |         Transmit Timestamp                                    |</a:t>
+            </a:r>
+          </a:p>
+          <a:p>
+            <a:pPr>
+              <a:spcAft>
+                <a:spcPts val="0"/>
+              </a:spcAft>
+            </a:pPr>
+            <a:r>
+              <a:rPr lang="en-US" sz="900" dirty="0">
+                <a:latin typeface="Courier" pitchFamily="2" charset="0"/>
+                <a:ea typeface="Courier" charset="0"/>
+                <a:cs typeface="Courier" charset="0"/>
+              </a:rPr>
+              <a:t>  |                                                               |</a:t>
+            </a:r>
+          </a:p>
+          <a:p>
+            <a:pPr>
+              <a:spcAft>
+                <a:spcPts val="0"/>
+              </a:spcAft>
+            </a:pPr>
+            <a:r>
+              <a:rPr lang="en-US" sz="900" dirty="0">
+                <a:latin typeface="Courier" pitchFamily="2" charset="0"/>
+                <a:ea typeface="Courier" charset="0"/>
+                <a:cs typeface="Courier" charset="0"/>
+              </a:rPr>
+              <a:t>  +-+-+-+-+-+-+-+-+-+-+-+-+-+-+-+-+-+-+-+-+-+-+-+-+-+-+-+-+-+-+-+-+</a:t>
+            </a:r>
+          </a:p>
+          <a:p>
+            <a:pPr>
+              <a:spcAft>
+                <a:spcPts val="0"/>
+              </a:spcAft>
+            </a:pPr>
+            <a:r>
+              <a:rPr lang="en-US" sz="900" dirty="0">
+                <a:latin typeface="Courier" pitchFamily="2" charset="0"/>
+                <a:ea typeface="Courier" charset="0"/>
+                <a:cs typeface="Courier" charset="0"/>
+              </a:rPr>
+              <a:t>  |         Error Estimate        |    </a:t>
+            </a:r>
+            <a:r>
+              <a:rPr lang="en-US" sz="900" b="1" dirty="0">
+                <a:latin typeface="Courier" pitchFamily="2" charset="0"/>
+                <a:ea typeface="Courier" charset="0"/>
+                <a:cs typeface="Courier" charset="0"/>
+              </a:rPr>
+              <a:t>SSID</a:t>
+            </a:r>
+            <a:r>
+              <a:rPr lang="en-US" sz="900" dirty="0">
+                <a:latin typeface="Courier" pitchFamily="2" charset="0"/>
+                <a:ea typeface="Courier" charset="0"/>
+                <a:cs typeface="Courier" charset="0"/>
+              </a:rPr>
+              <a:t>                       |</a:t>
+            </a:r>
+          </a:p>
+          <a:p>
+            <a:pPr>
+              <a:spcAft>
+                <a:spcPts val="0"/>
+              </a:spcAft>
+            </a:pPr>
+            <a:r>
+              <a:rPr lang="en-US" sz="900" dirty="0">
+                <a:latin typeface="Courier" pitchFamily="2" charset="0"/>
+                <a:ea typeface="Courier" charset="0"/>
+                <a:cs typeface="Courier" charset="0"/>
+              </a:rPr>
+              <a:t>  +-+-+-+-+-+-+-+-+-+-+-+-+-+-+-+-+-+-+-+-+-+-+-+-+-+-+-+-+-+-+-+-+</a:t>
+            </a:r>
+          </a:p>
+          <a:p>
+            <a:pPr>
+              <a:spcAft>
+                <a:spcPts val="0"/>
+              </a:spcAft>
+            </a:pPr>
+            <a:r>
+              <a:rPr lang="en-US" sz="900" dirty="0">
+                <a:solidFill>
+                  <a:schemeClr val="tx2"/>
+                </a:solidFill>
+                <a:latin typeface="Courier" pitchFamily="2" charset="0"/>
+                <a:ea typeface="Courier" charset="0"/>
+                <a:cs typeface="Courier" charset="0"/>
+              </a:rPr>
+              <a:t>  |         </a:t>
+            </a:r>
+            <a:r>
+              <a:rPr lang="en-US" sz="900" dirty="0">
+                <a:solidFill>
+                  <a:srgbClr val="0070C0"/>
+                </a:solidFill>
+                <a:latin typeface="Courier" pitchFamily="2" charset="0"/>
+                <a:ea typeface="Courier" charset="0"/>
+                <a:cs typeface="Courier" charset="0"/>
+              </a:rPr>
+              <a:t>Receive Timestamp                                     </a:t>
+            </a:r>
+            <a:r>
+              <a:rPr lang="en-US" sz="900" dirty="0">
+                <a:solidFill>
+                  <a:schemeClr val="tx2"/>
+                </a:solidFill>
+                <a:latin typeface="Courier" pitchFamily="2" charset="0"/>
+                <a:ea typeface="Courier" charset="0"/>
+                <a:cs typeface="Courier" charset="0"/>
+              </a:rPr>
+              <a:t>|</a:t>
+            </a:r>
+          </a:p>
+          <a:p>
+            <a:pPr>
+              <a:spcAft>
+                <a:spcPts val="0"/>
+              </a:spcAft>
+            </a:pPr>
+            <a:r>
+              <a:rPr lang="en-US" sz="900" dirty="0">
+                <a:latin typeface="Courier" pitchFamily="2" charset="0"/>
+                <a:ea typeface="Courier" charset="0"/>
+                <a:cs typeface="Courier" charset="0"/>
+              </a:rPr>
+              <a:t>  |                                                               |</a:t>
+            </a:r>
+          </a:p>
+          <a:p>
+            <a:pPr>
+              <a:spcAft>
+                <a:spcPts val="0"/>
+              </a:spcAft>
+            </a:pPr>
+            <a:r>
+              <a:rPr lang="en-US" sz="900" dirty="0">
+                <a:latin typeface="Courier" pitchFamily="2" charset="0"/>
+                <a:ea typeface="Courier" charset="0"/>
+                <a:cs typeface="Courier" charset="0"/>
+              </a:rPr>
+              <a:t>  +-+-+-+-+-+-+-+-+-+-+-+-+-+-+-+-+-+-+-+-+-+-+-+-+-+-+-+-+-+-+-+-+</a:t>
+            </a:r>
+          </a:p>
+          <a:p>
+            <a:pPr>
+              <a:spcAft>
+                <a:spcPts val="0"/>
+              </a:spcAft>
+            </a:pPr>
+            <a:r>
+              <a:rPr lang="en-US" sz="900" dirty="0">
+                <a:solidFill>
+                  <a:schemeClr val="bg2">
+                    <a:lumMod val="50000"/>
+                  </a:schemeClr>
+                </a:solidFill>
+                <a:latin typeface="Courier" pitchFamily="2" charset="0"/>
+                <a:ea typeface="Courier" charset="0"/>
+                <a:cs typeface="Courier" charset="0"/>
+              </a:rPr>
+              <a:t>  </a:t>
+            </a:r>
+            <a:r>
+              <a:rPr lang="en-US" sz="900" dirty="0">
+                <a:solidFill>
+                  <a:schemeClr val="bg1">
+                    <a:lumMod val="50000"/>
+                  </a:schemeClr>
+                </a:solidFill>
+                <a:latin typeface="Courier" pitchFamily="2" charset="0"/>
+                <a:ea typeface="Courier" charset="0"/>
+                <a:cs typeface="Courier" charset="0"/>
+              </a:rPr>
+              <a:t>|                      Sender Sequence Number                   |</a:t>
+            </a:r>
+          </a:p>
+          <a:p>
+            <a:pPr>
+              <a:spcAft>
+                <a:spcPts val="0"/>
+              </a:spcAft>
+            </a:pPr>
+            <a:r>
+              <a:rPr lang="en-US" sz="900" dirty="0">
+                <a:solidFill>
+                  <a:schemeClr val="bg1">
+                    <a:lumMod val="50000"/>
+                  </a:schemeClr>
+                </a:solidFill>
+                <a:latin typeface="Courier" pitchFamily="2" charset="0"/>
+                <a:ea typeface="Courier" charset="0"/>
+                <a:cs typeface="Courier" charset="0"/>
+              </a:rPr>
+              <a:t>  +-+-+-+-+-+-+-+-+-+-+-+-+-+-+-+-+-+-+-+-+-+-+-+-+-+-+-+-+-+-+-+-+</a:t>
+            </a:r>
+          </a:p>
+          <a:p>
+            <a:pPr>
+              <a:spcAft>
+                <a:spcPts val="0"/>
+              </a:spcAft>
+            </a:pPr>
+            <a:r>
+              <a:rPr lang="en-US" sz="900" dirty="0">
+                <a:solidFill>
+                  <a:schemeClr val="bg1">
+                    <a:lumMod val="50000"/>
+                  </a:schemeClr>
+                </a:solidFill>
+                <a:latin typeface="Courier" pitchFamily="2" charset="0"/>
+                <a:ea typeface="Courier" charset="0"/>
+                <a:cs typeface="Courier" charset="0"/>
+              </a:rPr>
+              <a:t>  |                      Sender Timestamp                         |</a:t>
+            </a:r>
+          </a:p>
+          <a:p>
+            <a:pPr>
+              <a:spcAft>
+                <a:spcPts val="0"/>
+              </a:spcAft>
+            </a:pPr>
+            <a:r>
+              <a:rPr lang="en-US" sz="900" dirty="0">
+                <a:solidFill>
+                  <a:schemeClr val="bg1">
+                    <a:lumMod val="50000"/>
+                  </a:schemeClr>
+                </a:solidFill>
+                <a:latin typeface="Courier" pitchFamily="2" charset="0"/>
+                <a:ea typeface="Courier" charset="0"/>
+                <a:cs typeface="Courier" charset="0"/>
+              </a:rPr>
+              <a:t>  |                                                               |</a:t>
+            </a:r>
+          </a:p>
+          <a:p>
+            <a:pPr>
+              <a:spcAft>
+                <a:spcPts val="0"/>
+              </a:spcAft>
+            </a:pPr>
+            <a:r>
+              <a:rPr lang="en-US" sz="900" dirty="0">
+                <a:solidFill>
+                  <a:schemeClr val="bg1">
+                    <a:lumMod val="50000"/>
+                  </a:schemeClr>
+                </a:solidFill>
+                <a:latin typeface="Courier" pitchFamily="2" charset="0"/>
+                <a:ea typeface="Courier" charset="0"/>
+                <a:cs typeface="Courier" charset="0"/>
+              </a:rPr>
+              <a:t>  +-+-+-+-+-+-+-+-+-+-+-+-+-+-+-+-+-+-+-+-+-+-+-+-+-+-+-+-+-+-+-+-+</a:t>
+            </a:r>
+          </a:p>
+          <a:p>
+            <a:pPr>
+              <a:spcAft>
+                <a:spcPts val="0"/>
+              </a:spcAft>
+            </a:pPr>
+            <a:r>
+              <a:rPr lang="en-US" sz="900" dirty="0">
+                <a:solidFill>
+                  <a:schemeClr val="bg1">
+                    <a:lumMod val="50000"/>
+                  </a:schemeClr>
+                </a:solidFill>
+                <a:latin typeface="Courier" pitchFamily="2" charset="0"/>
+                <a:ea typeface="Courier" charset="0"/>
+                <a:cs typeface="Courier" charset="0"/>
+              </a:rPr>
+              <a:t>  |      Sender Error Estimate    |           MBZ                 |</a:t>
+            </a:r>
+          </a:p>
+          <a:p>
+            <a:pPr>
+              <a:spcAft>
+                <a:spcPts val="0"/>
+              </a:spcAft>
+            </a:pPr>
+            <a:r>
+              <a:rPr lang="en-US" sz="900" dirty="0">
+                <a:solidFill>
+                  <a:schemeClr val="bg1">
+                    <a:lumMod val="50000"/>
+                  </a:schemeClr>
+                </a:solidFill>
+                <a:latin typeface="Courier" pitchFamily="2" charset="0"/>
+                <a:ea typeface="Courier" charset="0"/>
+                <a:cs typeface="Courier" charset="0"/>
+              </a:rPr>
+              <a:t>  +-+-+-+-+-+-+-+-+-+-+-+-+-+-+-+-+-+-+-+-+-+-+-+-+-+-+-+-+-+-+-+-+</a:t>
+            </a:r>
+          </a:p>
+          <a:p>
+            <a:pPr>
+              <a:spcAft>
+                <a:spcPts val="0"/>
+              </a:spcAft>
+            </a:pPr>
+            <a:r>
+              <a:rPr lang="en-US" sz="900" dirty="0">
+                <a:solidFill>
+                  <a:schemeClr val="bg1">
+                    <a:lumMod val="50000"/>
+                  </a:schemeClr>
+                </a:solidFill>
+                <a:latin typeface="Courier" pitchFamily="2" charset="0"/>
+                <a:ea typeface="Courier" charset="0"/>
+                <a:cs typeface="Courier" charset="0"/>
+              </a:rPr>
+              <a:t>  |  Sender TTL   |      Padding                                  |</a:t>
+            </a:r>
+          </a:p>
+          <a:p>
+            <a:pPr>
+              <a:spcAft>
+                <a:spcPts val="0"/>
+              </a:spcAft>
+            </a:pPr>
+            <a:r>
+              <a:rPr lang="en-US" sz="900" dirty="0">
+                <a:solidFill>
+                  <a:schemeClr val="bg1">
+                    <a:lumMod val="50000"/>
+                  </a:schemeClr>
+                </a:solidFill>
+                <a:latin typeface="Courier" pitchFamily="2" charset="0"/>
+                <a:ea typeface="Courier" charset="0"/>
+                <a:cs typeface="Courier" charset="0"/>
+              </a:rPr>
+              <a:t>  +-+-+-+-+-+-+-+-+-+-+-+-+-+-+-+-+-+-+-+-+-+-+-+-+-+-+-+-+-+-+-+-+</a:t>
+            </a:r>
+          </a:p>
+          <a:p>
+            <a:pPr>
+              <a:spcAft>
+                <a:spcPts val="0"/>
+              </a:spcAft>
+            </a:pPr>
+            <a:endParaRPr lang="en-CA" sz="900" dirty="0">
+              <a:solidFill>
+                <a:schemeClr val="bg2">
+                  <a:lumMod val="50000"/>
+                </a:schemeClr>
+              </a:solidFill>
+              <a:latin typeface="Courier" pitchFamily="2" charset="0"/>
+            </a:endParaRPr>
+          </a:p>
+          <a:p>
+            <a:r>
+              <a:rPr lang="en-CA" sz="900" dirty="0">
+                <a:latin typeface="Courier" pitchFamily="2" charset="0"/>
+              </a:rPr>
+              <a:t>                  Figure: STAMP Probe Message Format</a:t>
+            </a:r>
+            <a:endParaRPr lang="en-US" sz="900" dirty="0">
+              <a:latin typeface="Courier" pitchFamily="2" charset="0"/>
+            </a:endParaRPr>
+          </a:p>
+        </p:txBody>
+      </p:sp>
+      <p:sp>
+        <p:nvSpPr>
+          <p:cNvPr id="8" name="Content Placeholder 7">
+            <a:extLst>
+              <a:ext uri="{FF2B5EF4-FFF2-40B4-BE49-F238E27FC236}">
+                <a16:creationId xmlns:a16="http://schemas.microsoft.com/office/drawing/2014/main" id="{FC6E1890-536D-9D49-8207-C42BBF301FF3}"/>
+              </a:ext>
+            </a:extLst>
+          </p:cNvPr>
+          <p:cNvSpPr>
+            <a:spLocks noGrp="1"/>
+          </p:cNvSpPr>
+          <p:nvPr>
+            <p:ph idx="1"/>
+          </p:nvPr>
+        </p:nvSpPr>
+        <p:spPr>
+          <a:xfrm>
+            <a:off x="5029200" y="1190113"/>
+            <a:ext cx="3962400" cy="2917956"/>
+          </a:xfrm>
+        </p:spPr>
+        <p:txBody>
+          <a:bodyPr/>
+          <a:lstStyle/>
+          <a:p>
+            <a:pPr marL="0" indent="0">
+              <a:buNone/>
+            </a:pPr>
+            <a:r>
+              <a:rPr lang="en-US" sz="1400" b="1" dirty="0"/>
+              <a:t>Enhanced Loopback Mode</a:t>
+            </a:r>
+          </a:p>
+          <a:p>
+            <a:r>
+              <a:rPr lang="en-US" sz="1400" dirty="0"/>
+              <a:t>Sender adds the Transmit Timestamp</a:t>
+            </a:r>
+          </a:p>
+          <a:p>
+            <a:r>
+              <a:rPr lang="en-US" sz="1400" dirty="0"/>
+              <a:t>Reflector adds the Receive Timestamp at fixed offset locally provisioned (consistently in the network)</a:t>
+            </a:r>
+          </a:p>
+          <a:p>
+            <a:pPr lvl="1"/>
+            <a:r>
+              <a:rPr lang="en-US" sz="1400" dirty="0"/>
+              <a:t>For STAMP packets, it is at offset-byte 16 from the start of the payload</a:t>
+            </a:r>
+          </a:p>
+          <a:p>
+            <a:endParaRPr lang="en-US" sz="1400" dirty="0"/>
+          </a:p>
+        </p:txBody>
+      </p:sp>
+      <p:sp>
+        <p:nvSpPr>
+          <p:cNvPr id="4" name="Footer Placeholder 3"/>
+          <p:cNvSpPr>
+            <a:spLocks noGrp="1"/>
+          </p:cNvSpPr>
+          <p:nvPr>
+            <p:ph type="ftr" sz="quarter" idx="11"/>
+          </p:nvPr>
+        </p:nvSpPr>
+        <p:spPr>
+          <a:xfrm>
+            <a:off x="3124200" y="4786312"/>
+            <a:ext cx="2895600" cy="357188"/>
+          </a:xfrm>
+        </p:spPr>
+        <p:txBody>
+          <a:bodyPr/>
+          <a:lstStyle/>
+          <a:p>
+            <a:r>
+              <a:rPr lang="en-CA" dirty="0"/>
+              <a:t>108</a:t>
+            </a:r>
+            <a:r>
+              <a:rPr lang="en-CA" baseline="30000" dirty="0"/>
+              <a:t>th</a:t>
+            </a:r>
+            <a:r>
+              <a:rPr lang="en-CA" dirty="0"/>
+              <a:t> IETF @ Madrid</a:t>
+            </a:r>
+          </a:p>
+        </p:txBody>
+      </p:sp>
     </p:spTree>
     <p:extLst>
       <p:ext uri="{BB962C8B-B14F-4D97-AF65-F5344CB8AC3E}">
-        <p14:creationId xmlns:p14="http://schemas.microsoft.com/office/powerpoint/2010/main" val="3637512675"/>
+        <p14:creationId xmlns:p14="http://schemas.microsoft.com/office/powerpoint/2010/main" val="4096691418"/>
       </p:ext>
     </p:extLst>
   </p:cSld>

--- a/draft-gandhi-spring-sr-enhanced-plm-01.pptx
+++ b/draft-gandhi-spring-sr-enhanced-plm-01.pptx
@@ -5,33 +5,34 @@
     <p:sldMasterId id="2147483648" r:id="rId1"/>
   </p:sldMasterIdLst>
   <p:notesMasterIdLst>
-    <p:notesMasterId r:id="rId23"/>
+    <p:notesMasterId r:id="rId24"/>
   </p:notesMasterIdLst>
   <p:handoutMasterIdLst>
-    <p:handoutMasterId r:id="rId24"/>
+    <p:handoutMasterId r:id="rId25"/>
   </p:handoutMasterIdLst>
   <p:sldIdLst>
     <p:sldId id="256" r:id="rId2"/>
     <p:sldId id="299" r:id="rId3"/>
     <p:sldId id="315" r:id="rId4"/>
-    <p:sldId id="326" r:id="rId5"/>
-    <p:sldId id="1671" r:id="rId6"/>
-    <p:sldId id="1672" r:id="rId7"/>
-    <p:sldId id="1659" r:id="rId8"/>
-    <p:sldId id="1662" r:id="rId9"/>
-    <p:sldId id="1666" r:id="rId10"/>
-    <p:sldId id="1667" r:id="rId11"/>
-    <p:sldId id="1658" r:id="rId12"/>
-    <p:sldId id="1663" r:id="rId13"/>
-    <p:sldId id="318" r:id="rId14"/>
-    <p:sldId id="303" r:id="rId15"/>
-    <p:sldId id="1664" r:id="rId16"/>
-    <p:sldId id="1642" r:id="rId17"/>
-    <p:sldId id="1665" r:id="rId18"/>
-    <p:sldId id="1668" r:id="rId19"/>
-    <p:sldId id="1669" r:id="rId20"/>
-    <p:sldId id="1661" r:id="rId21"/>
-    <p:sldId id="1670" r:id="rId22"/>
+    <p:sldId id="1673" r:id="rId5"/>
+    <p:sldId id="326" r:id="rId6"/>
+    <p:sldId id="1671" r:id="rId7"/>
+    <p:sldId id="1672" r:id="rId8"/>
+    <p:sldId id="1659" r:id="rId9"/>
+    <p:sldId id="1662" r:id="rId10"/>
+    <p:sldId id="1666" r:id="rId11"/>
+    <p:sldId id="1667" r:id="rId12"/>
+    <p:sldId id="1658" r:id="rId13"/>
+    <p:sldId id="1663" r:id="rId14"/>
+    <p:sldId id="318" r:id="rId15"/>
+    <p:sldId id="303" r:id="rId16"/>
+    <p:sldId id="1664" r:id="rId17"/>
+    <p:sldId id="1642" r:id="rId18"/>
+    <p:sldId id="1665" r:id="rId19"/>
+    <p:sldId id="1668" r:id="rId20"/>
+    <p:sldId id="1669" r:id="rId21"/>
+    <p:sldId id="1661" r:id="rId22"/>
+    <p:sldId id="1670" r:id="rId23"/>
   </p:sldIdLst>
   <p:sldSz cx="9144000" cy="5143500" type="screen16x9"/>
   <p:notesSz cx="6858000" cy="9144000"/>
@@ -961,7 +962,7 @@
     </p:spTree>
     <p:extLst>
       <p:ext uri="{BB962C8B-B14F-4D97-AF65-F5344CB8AC3E}">
-        <p14:creationId xmlns:p14="http://schemas.microsoft.com/office/powerpoint/2010/main" val="2021630429"/>
+        <p14:creationId xmlns:p14="http://schemas.microsoft.com/office/powerpoint/2010/main" val="3587585342"/>
       </p:ext>
     </p:extLst>
   </p:cSld>
@@ -1015,7 +1016,7 @@
           <a:bodyPr/>
           <a:lstStyle/>
           <a:p>
-            <a:endParaRPr lang="en-US" dirty="0"/>
+            <a:endParaRPr lang="en-CA" dirty="0"/>
           </a:p>
         </p:txBody>
       </p:sp>
@@ -1051,7 +1052,7 @@
     </p:spTree>
     <p:extLst>
       <p:ext uri="{BB962C8B-B14F-4D97-AF65-F5344CB8AC3E}">
-        <p14:creationId xmlns:p14="http://schemas.microsoft.com/office/powerpoint/2010/main" val="939525286"/>
+        <p14:creationId xmlns:p14="http://schemas.microsoft.com/office/powerpoint/2010/main" val="2021630429"/>
       </p:ext>
     </p:extLst>
   </p:cSld>
@@ -1105,7 +1106,7 @@
           <a:bodyPr/>
           <a:lstStyle/>
           <a:p>
-            <a:endParaRPr lang="en-CA" dirty="0"/>
+            <a:endParaRPr lang="en-US" dirty="0"/>
           </a:p>
         </p:txBody>
       </p:sp>
@@ -1132,7 +1133,7 @@
               <a:pPr>
                 <a:defRPr/>
               </a:pPr>
-              <a:t>13</a:t>
+              <a:t>12</a:t>
             </a:fld>
             <a:endParaRPr lang="en-US" altLang="zh-CN"/>
           </a:p>
@@ -1141,7 +1142,7 @@
     </p:spTree>
     <p:extLst>
       <p:ext uri="{BB962C8B-B14F-4D97-AF65-F5344CB8AC3E}">
-        <p14:creationId xmlns:p14="http://schemas.microsoft.com/office/powerpoint/2010/main" val="1422079827"/>
+        <p14:creationId xmlns:p14="http://schemas.microsoft.com/office/powerpoint/2010/main" val="939525286"/>
       </p:ext>
     </p:extLst>
   </p:cSld>
@@ -1195,7 +1196,7 @@
           <a:bodyPr/>
           <a:lstStyle/>
           <a:p>
-            <a:endParaRPr lang="en-US" dirty="0"/>
+            <a:endParaRPr lang="en-CA" dirty="0"/>
           </a:p>
         </p:txBody>
       </p:sp>
@@ -1231,7 +1232,7 @@
     </p:spTree>
     <p:extLst>
       <p:ext uri="{BB962C8B-B14F-4D97-AF65-F5344CB8AC3E}">
-        <p14:creationId xmlns:p14="http://schemas.microsoft.com/office/powerpoint/2010/main" val="383772479"/>
+        <p14:creationId xmlns:p14="http://schemas.microsoft.com/office/powerpoint/2010/main" val="1422079827"/>
       </p:ext>
     </p:extLst>
   </p:cSld>
@@ -1285,35 +1286,18 @@
           <a:bodyPr/>
           <a:lstStyle/>
           <a:p>
-            <a:pPr marL="171450" marR="0" lvl="0" indent="-171450" algn="l" defTabSz="457200" rtl="0" eaLnBrk="0" fontAlgn="base" latinLnBrk="0" hangingPunct="0">
-              <a:lnSpc>
-                <a:spcPct val="100000"/>
-              </a:lnSpc>
-              <a:spcBef>
-                <a:spcPct val="30000"/>
-              </a:spcBef>
-              <a:spcAft>
-                <a:spcPct val="0"/>
-              </a:spcAft>
-              <a:buClrTx/>
-              <a:buSzTx/>
-              <a:buFont typeface="Arial" charset="0"/>
-              <a:buNone/>
-              <a:tabLst/>
-              <a:defRPr/>
-            </a:pPr>
             <a:endParaRPr lang="en-US" dirty="0"/>
           </a:p>
         </p:txBody>
       </p:sp>
       <p:sp>
         <p:nvSpPr>
-          <p:cNvPr id="4" name="Header Placeholder 3"/>
+          <p:cNvPr id="4" name="Slide Number Placeholder 3"/>
           <p:cNvSpPr>
             <a:spLocks noGrp="1"/>
           </p:cNvSpPr>
           <p:nvPr>
-            <p:ph type="hdr" sz="quarter" idx="10"/>
+            <p:ph type="sldNum" sz="quarter" idx="10"/>
           </p:nvPr>
         </p:nvSpPr>
         <p:spPr/>
@@ -1324,65 +1308,21 @@
             <a:pPr>
               <a:defRPr/>
             </a:pPr>
-            <a:endParaRPr lang="en-US"/>
-          </a:p>
-        </p:txBody>
-      </p:sp>
-      <p:sp>
-        <p:nvSpPr>
-          <p:cNvPr id="5" name="Footer Placeholder 4"/>
-          <p:cNvSpPr>
-            <a:spLocks noGrp="1"/>
-          </p:cNvSpPr>
-          <p:nvPr>
-            <p:ph type="ftr" sz="quarter" idx="11"/>
-          </p:nvPr>
-        </p:nvSpPr>
-        <p:spPr/>
-        <p:txBody>
-          <a:bodyPr/>
-          <a:lstStyle/>
-          <a:p>
-            <a:pPr>
-              <a:defRPr/>
-            </a:pPr>
-            <a:endParaRPr lang="en-US"/>
-          </a:p>
-        </p:txBody>
-      </p:sp>
-      <p:sp>
-        <p:nvSpPr>
-          <p:cNvPr id="6" name="Slide Number Placeholder 5"/>
-          <p:cNvSpPr>
-            <a:spLocks noGrp="1"/>
-          </p:cNvSpPr>
-          <p:nvPr>
-            <p:ph type="sldNum" sz="quarter" idx="12"/>
-          </p:nvPr>
-        </p:nvSpPr>
-        <p:spPr/>
-        <p:txBody>
-          <a:bodyPr/>
-          <a:lstStyle/>
-          <a:p>
-            <a:pPr>
-              <a:defRPr/>
-            </a:pPr>
-            <a:fld id="{F97A1FA6-25DE-9E4E-A34D-CF67DE7DBDC7}" type="slidenum">
-              <a:rPr lang="en-US" smtClean="0"/>
+            <a:fld id="{100938BD-FD70-4535-B0C2-13FC38CDF1BE}" type="slidenum">
+              <a:rPr lang="en-US" altLang="zh-CN" smtClean="0"/>
               <a:pPr>
                 <a:defRPr/>
               </a:pPr>
               <a:t>15</a:t>
             </a:fld>
-            <a:endParaRPr lang="en-US"/>
+            <a:endParaRPr lang="en-US" altLang="zh-CN"/>
           </a:p>
         </p:txBody>
       </p:sp>
     </p:spTree>
     <p:extLst>
       <p:ext uri="{BB962C8B-B14F-4D97-AF65-F5344CB8AC3E}">
-        <p14:creationId xmlns:p14="http://schemas.microsoft.com/office/powerpoint/2010/main" val="2106992105"/>
+        <p14:creationId xmlns:p14="http://schemas.microsoft.com/office/powerpoint/2010/main" val="383772479"/>
       </p:ext>
     </p:extLst>
   </p:cSld>
@@ -1533,7 +1473,7 @@
     </p:spTree>
     <p:extLst>
       <p:ext uri="{BB962C8B-B14F-4D97-AF65-F5344CB8AC3E}">
-        <p14:creationId xmlns:p14="http://schemas.microsoft.com/office/powerpoint/2010/main" val="3881026240"/>
+        <p14:creationId xmlns:p14="http://schemas.microsoft.com/office/powerpoint/2010/main" val="2106992105"/>
       </p:ext>
     </p:extLst>
   </p:cSld>
@@ -1587,18 +1527,35 @@
           <a:bodyPr/>
           <a:lstStyle/>
           <a:p>
+            <a:pPr marL="171450" marR="0" lvl="0" indent="-171450" algn="l" defTabSz="457200" rtl="0" eaLnBrk="0" fontAlgn="base" latinLnBrk="0" hangingPunct="0">
+              <a:lnSpc>
+                <a:spcPct val="100000"/>
+              </a:lnSpc>
+              <a:spcBef>
+                <a:spcPct val="30000"/>
+              </a:spcBef>
+              <a:spcAft>
+                <a:spcPct val="0"/>
+              </a:spcAft>
+              <a:buClrTx/>
+              <a:buSzTx/>
+              <a:buFont typeface="Arial" charset="0"/>
+              <a:buNone/>
+              <a:tabLst/>
+              <a:defRPr/>
+            </a:pPr>
             <a:endParaRPr lang="en-US" dirty="0"/>
           </a:p>
         </p:txBody>
       </p:sp>
       <p:sp>
         <p:nvSpPr>
-          <p:cNvPr id="4" name="Slide Number Placeholder 3"/>
+          <p:cNvPr id="4" name="Header Placeholder 3"/>
           <p:cNvSpPr>
             <a:spLocks noGrp="1"/>
           </p:cNvSpPr>
           <p:nvPr>
-            <p:ph type="sldNum" sz="quarter" idx="10"/>
+            <p:ph type="hdr" sz="quarter" idx="10"/>
           </p:nvPr>
         </p:nvSpPr>
         <p:spPr/>
@@ -1609,21 +1566,65 @@
             <a:pPr>
               <a:defRPr/>
             </a:pPr>
-            <a:fld id="{100938BD-FD70-4535-B0C2-13FC38CDF1BE}" type="slidenum">
-              <a:rPr lang="en-US" altLang="zh-CN" smtClean="0"/>
+            <a:endParaRPr lang="en-US"/>
+          </a:p>
+        </p:txBody>
+      </p:sp>
+      <p:sp>
+        <p:nvSpPr>
+          <p:cNvPr id="5" name="Footer Placeholder 4"/>
+          <p:cNvSpPr>
+            <a:spLocks noGrp="1"/>
+          </p:cNvSpPr>
+          <p:nvPr>
+            <p:ph type="ftr" sz="quarter" idx="11"/>
+          </p:nvPr>
+        </p:nvSpPr>
+        <p:spPr/>
+        <p:txBody>
+          <a:bodyPr/>
+          <a:lstStyle/>
+          <a:p>
+            <a:pPr>
+              <a:defRPr/>
+            </a:pPr>
+            <a:endParaRPr lang="en-US"/>
+          </a:p>
+        </p:txBody>
+      </p:sp>
+      <p:sp>
+        <p:nvSpPr>
+          <p:cNvPr id="6" name="Slide Number Placeholder 5"/>
+          <p:cNvSpPr>
+            <a:spLocks noGrp="1"/>
+          </p:cNvSpPr>
+          <p:nvPr>
+            <p:ph type="sldNum" sz="quarter" idx="12"/>
+          </p:nvPr>
+        </p:nvSpPr>
+        <p:spPr/>
+        <p:txBody>
+          <a:bodyPr/>
+          <a:lstStyle/>
+          <a:p>
+            <a:pPr>
+              <a:defRPr/>
+            </a:pPr>
+            <a:fld id="{F97A1FA6-25DE-9E4E-A34D-CF67DE7DBDC7}" type="slidenum">
+              <a:rPr lang="en-US" smtClean="0"/>
               <a:pPr>
                 <a:defRPr/>
               </a:pPr>
               <a:t>17</a:t>
             </a:fld>
-            <a:endParaRPr lang="en-US" altLang="zh-CN"/>
+            <a:endParaRPr lang="en-US"/>
           </a:p>
         </p:txBody>
       </p:sp>
     </p:spTree>
     <p:extLst>
       <p:ext uri="{BB962C8B-B14F-4D97-AF65-F5344CB8AC3E}">
-        <p14:creationId xmlns:p14="http://schemas.microsoft.com/office/powerpoint/2010/main" val="1737264485"/>
+        <p14:creationId xmlns:p14="http://schemas.microsoft.com/office/powerpoint/2010/main" val="3881026240"/>
       </p:ext>
     </p:extLst>
   </p:cSld>
@@ -1713,7 +1714,7 @@
     </p:spTree>
     <p:extLst>
       <p:ext uri="{BB962C8B-B14F-4D97-AF65-F5344CB8AC3E}">
-        <p14:creationId xmlns:p14="http://schemas.microsoft.com/office/powerpoint/2010/main" val="4176910369"/>
+        <p14:creationId xmlns:p14="http://schemas.microsoft.com/office/powerpoint/2010/main" val="1737264485"/>
       </p:ext>
     </p:extLst>
   </p:cSld>
@@ -1767,7 +1768,7 @@
           <a:bodyPr/>
           <a:lstStyle/>
           <a:p>
-            <a:endParaRPr lang="en-CA" dirty="0"/>
+            <a:endParaRPr lang="en-US" dirty="0"/>
           </a:p>
         </p:txBody>
       </p:sp>
@@ -1803,7 +1804,7 @@
     </p:spTree>
     <p:extLst>
       <p:ext uri="{BB962C8B-B14F-4D97-AF65-F5344CB8AC3E}">
-        <p14:creationId xmlns:p14="http://schemas.microsoft.com/office/powerpoint/2010/main" val="870300071"/>
+        <p14:creationId xmlns:p14="http://schemas.microsoft.com/office/powerpoint/2010/main" val="4176910369"/>
       </p:ext>
     </p:extLst>
   </p:cSld>
@@ -1893,7 +1894,7 @@
     </p:spTree>
     <p:extLst>
       <p:ext uri="{BB962C8B-B14F-4D97-AF65-F5344CB8AC3E}">
-        <p14:creationId xmlns:p14="http://schemas.microsoft.com/office/powerpoint/2010/main" val="1788599029"/>
+        <p14:creationId xmlns:p14="http://schemas.microsoft.com/office/powerpoint/2010/main" val="870300071"/>
       </p:ext>
     </p:extLst>
   </p:cSld>
@@ -2037,7 +2038,7 @@
           <a:bodyPr/>
           <a:lstStyle/>
           <a:p>
-            <a:endParaRPr lang="en-US" dirty="0"/>
+            <a:endParaRPr lang="en-CA" dirty="0"/>
           </a:p>
         </p:txBody>
       </p:sp>
@@ -2065,6 +2066,96 @@
                 <a:defRPr/>
               </a:pPr>
               <a:t>21</a:t>
+            </a:fld>
+            <a:endParaRPr lang="en-US" altLang="zh-CN"/>
+          </a:p>
+        </p:txBody>
+      </p:sp>
+    </p:spTree>
+    <p:extLst>
+      <p:ext uri="{BB962C8B-B14F-4D97-AF65-F5344CB8AC3E}">
+        <p14:creationId xmlns:p14="http://schemas.microsoft.com/office/powerpoint/2010/main" val="1788599029"/>
+      </p:ext>
+    </p:extLst>
+  </p:cSld>
+  <p:clrMapOvr>
+    <a:masterClrMapping/>
+  </p:clrMapOvr>
+</p:notes>
+</file>
+
+<file path=ppt/notesSlides/notesSlide21.xml><?xml version="1.0" encoding="utf-8"?>
+<p:notes xmlns:a="http://schemas.openxmlformats.org/drawingml/2006/main" xmlns:r="http://schemas.openxmlformats.org/officeDocument/2006/relationships" xmlns:p="http://schemas.openxmlformats.org/presentationml/2006/main">
+  <p:cSld>
+    <p:spTree>
+      <p:nvGrpSpPr>
+        <p:cNvPr id="1" name=""/>
+        <p:cNvGrpSpPr/>
+        <p:nvPr/>
+      </p:nvGrpSpPr>
+      <p:grpSpPr>
+        <a:xfrm>
+          <a:off x="0" y="0"/>
+          <a:ext cx="0" cy="0"/>
+          <a:chOff x="0" y="0"/>
+          <a:chExt cx="0" cy="0"/>
+        </a:xfrm>
+      </p:grpSpPr>
+      <p:sp>
+        <p:nvSpPr>
+          <p:cNvPr id="2" name="Slide Image Placeholder 1"/>
+          <p:cNvSpPr>
+            <a:spLocks noGrp="1" noRot="1" noChangeAspect="1"/>
+          </p:cNvSpPr>
+          <p:nvPr>
+            <p:ph type="sldImg"/>
+          </p:nvPr>
+        </p:nvSpPr>
+        <p:spPr/>
+      </p:sp>
+      <p:sp>
+        <p:nvSpPr>
+          <p:cNvPr id="3" name="Notes Placeholder 2"/>
+          <p:cNvSpPr>
+            <a:spLocks noGrp="1"/>
+          </p:cNvSpPr>
+          <p:nvPr>
+            <p:ph type="body" idx="1"/>
+          </p:nvPr>
+        </p:nvSpPr>
+        <p:spPr/>
+        <p:txBody>
+          <a:bodyPr/>
+          <a:lstStyle/>
+          <a:p>
+            <a:endParaRPr lang="en-US" dirty="0"/>
+          </a:p>
+        </p:txBody>
+      </p:sp>
+      <p:sp>
+        <p:nvSpPr>
+          <p:cNvPr id="4" name="Slide Number Placeholder 3"/>
+          <p:cNvSpPr>
+            <a:spLocks noGrp="1"/>
+          </p:cNvSpPr>
+          <p:nvPr>
+            <p:ph type="sldNum" sz="quarter" idx="10"/>
+          </p:nvPr>
+        </p:nvSpPr>
+        <p:spPr/>
+        <p:txBody>
+          <a:bodyPr/>
+          <a:lstStyle/>
+          <a:p>
+            <a:pPr>
+              <a:defRPr/>
+            </a:pPr>
+            <a:fld id="{100938BD-FD70-4535-B0C2-13FC38CDF1BE}" type="slidenum">
+              <a:rPr lang="en-US" altLang="zh-CN" smtClean="0"/>
+              <a:pPr>
+                <a:defRPr/>
+              </a:pPr>
+              <a:t>22</a:t>
             </a:fld>
             <a:endParaRPr lang="en-US" altLang="zh-CN"/>
           </a:p>
@@ -2217,7 +2308,7 @@
           <a:bodyPr/>
           <a:lstStyle/>
           <a:p>
-            <a:endParaRPr lang="en-US" dirty="0"/>
+            <a:endParaRPr lang="en-CA" dirty="0"/>
           </a:p>
         </p:txBody>
       </p:sp>
@@ -2253,7 +2344,7 @@
     </p:spTree>
     <p:extLst>
       <p:ext uri="{BB962C8B-B14F-4D97-AF65-F5344CB8AC3E}">
-        <p14:creationId xmlns:p14="http://schemas.microsoft.com/office/powerpoint/2010/main" val="3039843615"/>
+        <p14:creationId xmlns:p14="http://schemas.microsoft.com/office/powerpoint/2010/main" val="487785812"/>
       </p:ext>
     </p:extLst>
   </p:cSld>
@@ -2307,7 +2398,7 @@
           <a:bodyPr/>
           <a:lstStyle/>
           <a:p>
-            <a:endParaRPr lang="en-CA" dirty="0"/>
+            <a:endParaRPr lang="en-US" dirty="0"/>
           </a:p>
         </p:txBody>
       </p:sp>
@@ -2343,7 +2434,7 @@
     </p:spTree>
     <p:extLst>
       <p:ext uri="{BB962C8B-B14F-4D97-AF65-F5344CB8AC3E}">
-        <p14:creationId xmlns:p14="http://schemas.microsoft.com/office/powerpoint/2010/main" val="3059883929"/>
+        <p14:creationId xmlns:p14="http://schemas.microsoft.com/office/powerpoint/2010/main" val="3039843615"/>
       </p:ext>
     </p:extLst>
   </p:cSld>
@@ -2433,7 +2524,7 @@
     </p:spTree>
     <p:extLst>
       <p:ext uri="{BB962C8B-B14F-4D97-AF65-F5344CB8AC3E}">
-        <p14:creationId xmlns:p14="http://schemas.microsoft.com/office/powerpoint/2010/main" val="3825867811"/>
+        <p14:creationId xmlns:p14="http://schemas.microsoft.com/office/powerpoint/2010/main" val="3059883929"/>
       </p:ext>
     </p:extLst>
   </p:cSld>
@@ -2487,7 +2578,7 @@
           <a:bodyPr/>
           <a:lstStyle/>
           <a:p>
-            <a:endParaRPr lang="en-US" dirty="0"/>
+            <a:endParaRPr lang="en-CA" dirty="0"/>
           </a:p>
         </p:txBody>
       </p:sp>
@@ -2523,7 +2614,7 @@
     </p:spTree>
     <p:extLst>
       <p:ext uri="{BB962C8B-B14F-4D97-AF65-F5344CB8AC3E}">
-        <p14:creationId xmlns:p14="http://schemas.microsoft.com/office/powerpoint/2010/main" val="3511616943"/>
+        <p14:creationId xmlns:p14="http://schemas.microsoft.com/office/powerpoint/2010/main" val="3825867811"/>
       </p:ext>
     </p:extLst>
   </p:cSld>
@@ -2577,7 +2668,7 @@
           <a:bodyPr/>
           <a:lstStyle/>
           <a:p>
-            <a:endParaRPr lang="en-CA" dirty="0"/>
+            <a:endParaRPr lang="en-US" dirty="0"/>
           </a:p>
         </p:txBody>
       </p:sp>
@@ -2613,7 +2704,7 @@
     </p:spTree>
     <p:extLst>
       <p:ext uri="{BB962C8B-B14F-4D97-AF65-F5344CB8AC3E}">
-        <p14:creationId xmlns:p14="http://schemas.microsoft.com/office/powerpoint/2010/main" val="3363797125"/>
+        <p14:creationId xmlns:p14="http://schemas.microsoft.com/office/powerpoint/2010/main" val="3511616943"/>
       </p:ext>
     </p:extLst>
   </p:cSld>
@@ -2703,7 +2794,7 @@
     </p:spTree>
     <p:extLst>
       <p:ext uri="{BB962C8B-B14F-4D97-AF65-F5344CB8AC3E}">
-        <p14:creationId xmlns:p14="http://schemas.microsoft.com/office/powerpoint/2010/main" val="3587585342"/>
+        <p14:creationId xmlns:p14="http://schemas.microsoft.com/office/powerpoint/2010/main" val="3363797125"/>
       </p:ext>
     </p:extLst>
   </p:cSld>
@@ -6296,8 +6387,8 @@
         </p:nvSpPr>
         <p:spPr>
           <a:xfrm>
-            <a:off x="457200" y="-95250"/>
-            <a:ext cx="8229600" cy="857250"/>
+            <a:off x="457200" y="-19050"/>
+            <a:ext cx="8458200" cy="857250"/>
           </a:xfrm>
         </p:spPr>
         <p:txBody>
@@ -6312,42 +6403,7 @@
                 <a:latin typeface="Calibri Light" panose="020F0302020204030204" pitchFamily="34" charset="0"/>
                 <a:cs typeface="Calibri Light" panose="020F0302020204030204" pitchFamily="34" charset="0"/>
               </a:rPr>
-              <a:t>SR-MPLS with Timestamp Label Example</a:t>
-            </a:r>
-          </a:p>
-        </p:txBody>
-      </p:sp>
-      <p:sp>
-        <p:nvSpPr>
-          <p:cNvPr id="4" name="Footer Placeholder 3"/>
-          <p:cNvSpPr>
-            <a:spLocks noGrp="1"/>
-          </p:cNvSpPr>
-          <p:nvPr>
-            <p:ph type="ftr" sz="quarter" idx="11"/>
-          </p:nvPr>
-        </p:nvSpPr>
-        <p:spPr>
-          <a:xfrm>
-            <a:off x="3124200" y="4786312"/>
-            <a:ext cx="2895600" cy="357188"/>
-          </a:xfrm>
-        </p:spPr>
-        <p:txBody>
-          <a:bodyPr/>
-          <a:lstStyle/>
-          <a:p>
-            <a:r>
-              <a:rPr lang="en-CA" dirty="0"/>
-              <a:t>108</a:t>
-            </a:r>
-            <a:r>
-              <a:rPr lang="en-CA" baseline="30000" dirty="0"/>
-              <a:t>th</a:t>
-            </a:r>
-            <a:r>
-              <a:rPr lang="en-CA" dirty="0"/>
-              <a:t> IETF @ Madrid</a:t>
+              <a:t>STAMP Probe Message</a:t>
             </a:r>
           </a:p>
         </p:txBody>
@@ -6377,7 +6433,7 @@
               </a:pPr>
               <a:t>10</a:t>
             </a:fld>
-            <a:endParaRPr lang="en-US" altLang="zh-CN" dirty="0"/>
+            <a:endParaRPr lang="en-US" altLang="zh-CN"/>
           </a:p>
         </p:txBody>
       </p:sp>
@@ -6395,8 +6451,8 @@
         </p:nvSpPr>
         <p:spPr>
           <a:xfrm>
-            <a:off x="381000" y="740479"/>
-            <a:ext cx="4398579" cy="3662541"/>
+            <a:off x="152400" y="997210"/>
+            <a:ext cx="4800600" cy="3139321"/>
           </a:xfrm>
           <a:prstGeom prst="rect">
             <a:avLst/>
@@ -6415,266 +6471,419 @@
           <a:lstStyle/>
           <a:p>
             <a:r>
-              <a:rPr lang="en-CA" sz="800" dirty="0">
-                <a:latin typeface="Courier" pitchFamily="2" charset="0"/>
-              </a:rPr>
-              <a:t>  0 1 2 3 4 5 6 7 8 9 0 1 2 3 4 5 6 7 8 9 0 1 2 3 4 5 6 7 8 9 0 1</a:t>
-            </a:r>
-          </a:p>
-          <a:p>
-            <a:r>
-              <a:rPr lang="en-CA" sz="800" dirty="0">
+              <a:rPr lang="en-CA" sz="900" dirty="0">
                 <a:latin typeface="Courier" pitchFamily="2" charset="0"/>
               </a:rPr>
               <a:t>  +-+-+-+-+-+-+-+-+-+-+-+-+-+-+-+-+-+-+-+-+-+-+-+-+-+-+-+-+-+-+-+-+</a:t>
             </a:r>
           </a:p>
           <a:p>
-            <a:r>
-              <a:rPr lang="en-CA" sz="800" dirty="0">
-                <a:latin typeface="Courier" pitchFamily="2" charset="0"/>
-              </a:rPr>
-              <a:t>  |            Label(1)                   | TC  |S|      TTL      |</a:t>
-            </a:r>
-          </a:p>
-          <a:p>
-            <a:r>
-              <a:rPr lang="en-CA" sz="800" dirty="0">
-                <a:latin typeface="Courier" pitchFamily="2" charset="0"/>
+            <a:pPr>
+              <a:spcAft>
+                <a:spcPts val="0"/>
+              </a:spcAft>
+            </a:pPr>
+            <a:r>
+              <a:rPr lang="en-US" sz="900" dirty="0">
+                <a:latin typeface="Courier" pitchFamily="2" charset="0"/>
+                <a:ea typeface="Courier" charset="0"/>
+                <a:cs typeface="Courier" charset="0"/>
+              </a:rPr>
+              <a:t>  |         Sequence Number                                       |</a:t>
+            </a:r>
+          </a:p>
+          <a:p>
+            <a:pPr>
+              <a:spcAft>
+                <a:spcPts val="0"/>
+              </a:spcAft>
+            </a:pPr>
+            <a:r>
+              <a:rPr lang="en-US" sz="900" dirty="0">
+                <a:latin typeface="Courier" pitchFamily="2" charset="0"/>
+                <a:ea typeface="Courier" charset="0"/>
+                <a:cs typeface="Courier" charset="0"/>
               </a:rPr>
               <a:t>  +-+-+-+-+-+-+-+-+-+-+-+-+-+-+-+-+-+-+-+-+-+-+-+-+-+-+-+-+-+-+-+-+</a:t>
             </a:r>
           </a:p>
           <a:p>
-            <a:r>
-              <a:rPr lang="en-CA" sz="800" dirty="0">
-                <a:latin typeface="Courier" pitchFamily="2" charset="0"/>
-              </a:rPr>
-              <a:t>  .                                                               .</a:t>
-            </a:r>
-          </a:p>
-          <a:p>
-            <a:r>
-              <a:rPr lang="en-CA" sz="800" dirty="0">
-                <a:latin typeface="Courier" pitchFamily="2" charset="0"/>
-              </a:rPr>
-              <a:t>  .                                                               .</a:t>
-            </a:r>
-          </a:p>
-          <a:p>
-            <a:r>
-              <a:rPr lang="en-CA" sz="800" dirty="0">
-                <a:latin typeface="Courier" pitchFamily="2" charset="0"/>
-              </a:rPr>
-              <a:t>  .                                                               .</a:t>
-            </a:r>
-          </a:p>
-          <a:p>
-            <a:r>
-              <a:rPr lang="en-CA" sz="800" dirty="0">
-                <a:latin typeface="Courier" pitchFamily="2" charset="0"/>
+            <a:pPr>
+              <a:spcAft>
+                <a:spcPts val="0"/>
+              </a:spcAft>
+            </a:pPr>
+            <a:r>
+              <a:rPr lang="en-US" sz="900" dirty="0">
+                <a:latin typeface="Courier" pitchFamily="2" charset="0"/>
+                <a:ea typeface="Courier" charset="0"/>
+                <a:cs typeface="Courier" charset="0"/>
+              </a:rPr>
+              <a:t>  |         Transmit Timestamp                                    |</a:t>
+            </a:r>
+          </a:p>
+          <a:p>
+            <a:pPr>
+              <a:spcAft>
+                <a:spcPts val="0"/>
+              </a:spcAft>
+            </a:pPr>
+            <a:r>
+              <a:rPr lang="en-US" sz="900" dirty="0">
+                <a:latin typeface="Courier" pitchFamily="2" charset="0"/>
+                <a:ea typeface="Courier" charset="0"/>
+                <a:cs typeface="Courier" charset="0"/>
+              </a:rPr>
+              <a:t>  |                                                               |</a:t>
+            </a:r>
+          </a:p>
+          <a:p>
+            <a:pPr>
+              <a:spcAft>
+                <a:spcPts val="0"/>
+              </a:spcAft>
+            </a:pPr>
+            <a:r>
+              <a:rPr lang="en-US" sz="900" dirty="0">
+                <a:latin typeface="Courier" pitchFamily="2" charset="0"/>
+                <a:ea typeface="Courier" charset="0"/>
+                <a:cs typeface="Courier" charset="0"/>
               </a:rPr>
               <a:t>  +-+-+-+-+-+-+-+-+-+-+-+-+-+-+-+-+-+-+-+-+-+-+-+-+-+-+-+-+-+-+-+-+</a:t>
             </a:r>
           </a:p>
           <a:p>
-            <a:r>
-              <a:rPr lang="en-CA" sz="800" dirty="0">
-                <a:latin typeface="Courier" pitchFamily="2" charset="0"/>
-              </a:rPr>
-              <a:t>  |            Label(n)                   | TC  |S|      TTL      |</a:t>
-            </a:r>
-          </a:p>
-          <a:p>
-            <a:r>
-              <a:rPr lang="en-CA" sz="800" dirty="0">
-                <a:latin typeface="Courier" pitchFamily="2" charset="0"/>
+            <a:pPr>
+              <a:spcAft>
+                <a:spcPts val="0"/>
+              </a:spcAft>
+            </a:pPr>
+            <a:r>
+              <a:rPr lang="en-US" sz="900" dirty="0">
+                <a:latin typeface="Courier" pitchFamily="2" charset="0"/>
+                <a:ea typeface="Courier" charset="0"/>
+                <a:cs typeface="Courier" charset="0"/>
+              </a:rPr>
+              <a:t>  |         Error Estimate        |    </a:t>
+            </a:r>
+            <a:r>
+              <a:rPr lang="en-US" sz="900" b="1" dirty="0">
+                <a:latin typeface="Courier" pitchFamily="2" charset="0"/>
+                <a:ea typeface="Courier" charset="0"/>
+                <a:cs typeface="Courier" charset="0"/>
+              </a:rPr>
+              <a:t>SSID</a:t>
+            </a:r>
+            <a:r>
+              <a:rPr lang="en-US" sz="900" dirty="0">
+                <a:latin typeface="Courier" pitchFamily="2" charset="0"/>
+                <a:ea typeface="Courier" charset="0"/>
+                <a:cs typeface="Courier" charset="0"/>
+              </a:rPr>
+              <a:t>                       |</a:t>
+            </a:r>
+          </a:p>
+          <a:p>
+            <a:pPr>
+              <a:spcAft>
+                <a:spcPts val="0"/>
+              </a:spcAft>
+            </a:pPr>
+            <a:r>
+              <a:rPr lang="en-US" sz="900" dirty="0">
+                <a:latin typeface="Courier" pitchFamily="2" charset="0"/>
+                <a:ea typeface="Courier" charset="0"/>
+                <a:cs typeface="Courier" charset="0"/>
               </a:rPr>
               <a:t>  +-+-+-+-+-+-+-+-+-+-+-+-+-+-+-+-+-+-+-+-+-+-+-+-+-+-+-+-+-+-+-+-+</a:t>
             </a:r>
           </a:p>
           <a:p>
-            <a:r>
-              <a:rPr lang="en-CA" sz="800" dirty="0">
-                <a:latin typeface="Courier" pitchFamily="2" charset="0"/>
+            <a:pPr>
+              <a:spcAft>
+                <a:spcPts val="0"/>
+              </a:spcAft>
+            </a:pPr>
+            <a:r>
+              <a:rPr lang="en-US" sz="900" dirty="0">
+                <a:solidFill>
+                  <a:schemeClr val="tx2"/>
+                </a:solidFill>
+                <a:latin typeface="Courier" pitchFamily="2" charset="0"/>
+                <a:ea typeface="Courier" charset="0"/>
+                <a:cs typeface="Courier" charset="0"/>
+              </a:rPr>
+              <a:t>  |         </a:t>
+            </a:r>
+            <a:r>
+              <a:rPr lang="en-US" sz="900" dirty="0">
+                <a:solidFill>
+                  <a:srgbClr val="0070C0"/>
+                </a:solidFill>
+                <a:latin typeface="Courier" pitchFamily="2" charset="0"/>
+                <a:ea typeface="Courier" charset="0"/>
+                <a:cs typeface="Courier" charset="0"/>
+              </a:rPr>
+              <a:t>Receive Timestamp                                     </a:t>
+            </a:r>
+            <a:r>
+              <a:rPr lang="en-US" sz="900" dirty="0">
+                <a:solidFill>
+                  <a:schemeClr val="tx2"/>
+                </a:solidFill>
+                <a:latin typeface="Courier" pitchFamily="2" charset="0"/>
+                <a:ea typeface="Courier" charset="0"/>
+                <a:cs typeface="Courier" charset="0"/>
+              </a:rPr>
+              <a:t>|</a:t>
+            </a:r>
+          </a:p>
+          <a:p>
+            <a:pPr>
+              <a:spcAft>
+                <a:spcPts val="0"/>
+              </a:spcAft>
+            </a:pPr>
+            <a:r>
+              <a:rPr lang="en-US" sz="900" dirty="0">
+                <a:latin typeface="Courier" pitchFamily="2" charset="0"/>
+                <a:ea typeface="Courier" charset="0"/>
+                <a:cs typeface="Courier" charset="0"/>
+              </a:rPr>
+              <a:t>  |                                                               |</a:t>
+            </a:r>
+          </a:p>
+          <a:p>
+            <a:pPr>
+              <a:spcAft>
+                <a:spcPts val="0"/>
+              </a:spcAft>
+            </a:pPr>
+            <a:r>
+              <a:rPr lang="en-US" sz="900" dirty="0">
+                <a:latin typeface="Courier" pitchFamily="2" charset="0"/>
+                <a:ea typeface="Courier" charset="0"/>
+                <a:cs typeface="Courier" charset="0"/>
+              </a:rPr>
+              <a:t>  +-+-+-+-+-+-+-+-+-+-+-+-+-+-+-+-+-+-+-+-+-+-+-+-+-+-+-+-+-+-+-+-+</a:t>
+            </a:r>
+          </a:p>
+          <a:p>
+            <a:pPr>
+              <a:spcAft>
+                <a:spcPts val="0"/>
+              </a:spcAft>
+            </a:pPr>
+            <a:r>
+              <a:rPr lang="en-US" sz="900" dirty="0">
+                <a:solidFill>
+                  <a:schemeClr val="bg2">
+                    <a:lumMod val="50000"/>
+                  </a:schemeClr>
+                </a:solidFill>
+                <a:latin typeface="Courier" pitchFamily="2" charset="0"/>
+                <a:ea typeface="Courier" charset="0"/>
+                <a:cs typeface="Courier" charset="0"/>
               </a:rPr>
               <a:t>  </a:t>
             </a:r>
             <a:r>
-              <a:rPr lang="en-CA" sz="800" b="1" dirty="0">
-                <a:latin typeface="Courier" pitchFamily="2" charset="0"/>
-              </a:rPr>
-              <a:t>|            Timestamp Label (TBA1)     | TC  |S|      TTL      |</a:t>
-            </a:r>
-          </a:p>
-          <a:p>
-            <a:r>
-              <a:rPr lang="en-CA" sz="800" dirty="0">
-                <a:latin typeface="Courier" pitchFamily="2" charset="0"/>
-              </a:rPr>
-              <a:t>  +---------------------------------------------------------------+</a:t>
-            </a:r>
-          </a:p>
-          <a:p>
-            <a:r>
-              <a:rPr lang="en-CA" sz="800" dirty="0">
-                <a:latin typeface="Courier" pitchFamily="2" charset="0"/>
-              </a:rPr>
-              <a:t>  | IP Header                                                     |</a:t>
-            </a:r>
-          </a:p>
-          <a:p>
-            <a:r>
-              <a:rPr lang="en-CA" sz="800" dirty="0">
-                <a:latin typeface="Courier" pitchFamily="2" charset="0"/>
-              </a:rPr>
-              <a:t>  .  Source IP Address = </a:t>
-            </a:r>
-            <a:r>
-              <a:rPr lang="en-CA" sz="800" b="1" dirty="0">
-                <a:latin typeface="Courier" pitchFamily="2" charset="0"/>
-              </a:rPr>
-              <a:t>Endpoint</a:t>
-            </a:r>
-            <a:r>
-              <a:rPr lang="en-CA" sz="800" dirty="0">
-                <a:latin typeface="Courier" pitchFamily="2" charset="0"/>
-              </a:rPr>
-              <a:t> IPv4 or IPv6 Address            .</a:t>
-            </a:r>
-          </a:p>
-          <a:p>
-            <a:r>
-              <a:rPr lang="en-CA" sz="800" dirty="0">
-                <a:latin typeface="Courier" pitchFamily="2" charset="0"/>
-              </a:rPr>
-              <a:t>  .  Destination IP Address = </a:t>
-            </a:r>
-            <a:r>
-              <a:rPr lang="en-CA" sz="800" b="1" dirty="0">
-                <a:latin typeface="Courier" pitchFamily="2" charset="0"/>
-              </a:rPr>
-              <a:t>Sender</a:t>
-            </a:r>
-            <a:r>
-              <a:rPr lang="en-CA" sz="800" dirty="0">
-                <a:latin typeface="Courier" pitchFamily="2" charset="0"/>
-              </a:rPr>
-              <a:t> IPv4 or IPv6 Address         .</a:t>
-            </a:r>
-          </a:p>
-          <a:p>
-            <a:r>
-              <a:rPr lang="en-CA" sz="800" dirty="0">
-                <a:latin typeface="Courier" pitchFamily="2" charset="0"/>
-              </a:rPr>
-              <a:t>  .  Protocol = UDP                                               .</a:t>
-            </a:r>
-          </a:p>
-          <a:p>
-            <a:r>
-              <a:rPr lang="en-CA" sz="800" dirty="0">
-                <a:latin typeface="Courier" pitchFamily="2" charset="0"/>
-              </a:rPr>
-              <a:t>  .                                                               .</a:t>
-            </a:r>
-          </a:p>
-          <a:p>
-            <a:r>
-              <a:rPr lang="en-CA" sz="800" dirty="0">
-                <a:latin typeface="Courier" pitchFamily="2" charset="0"/>
-              </a:rPr>
-              <a:t>  +---------------------------------------------------------------+</a:t>
-            </a:r>
-          </a:p>
-          <a:p>
-            <a:r>
-              <a:rPr lang="en-CA" sz="800" dirty="0">
-                <a:latin typeface="Courier" pitchFamily="2" charset="0"/>
-              </a:rPr>
-              <a:t>  | UDP Header                                                    |</a:t>
-            </a:r>
-          </a:p>
-          <a:p>
-            <a:r>
-              <a:rPr lang="en-CA" sz="800" dirty="0">
-                <a:latin typeface="Courier" pitchFamily="2" charset="0"/>
-              </a:rPr>
-              <a:t>  .  Source Port = As chosen by Sender                            .</a:t>
-            </a:r>
-          </a:p>
-          <a:p>
-            <a:r>
-              <a:rPr lang="en-CA" sz="800" dirty="0">
-                <a:latin typeface="Courier" pitchFamily="2" charset="0"/>
-              </a:rPr>
-              <a:t>  .  Destination Port = User-configured Port                      .</a:t>
-            </a:r>
-          </a:p>
-          <a:p>
-            <a:r>
-              <a:rPr lang="en-CA" sz="800" dirty="0">
-                <a:latin typeface="Courier" pitchFamily="2" charset="0"/>
-              </a:rPr>
-              <a:t>  .                                                               .</a:t>
-            </a:r>
-          </a:p>
-          <a:p>
-            <a:r>
-              <a:rPr lang="en-CA" sz="800" dirty="0">
-                <a:latin typeface="Courier" pitchFamily="2" charset="0"/>
+              <a:rPr lang="en-US" sz="900" dirty="0">
+                <a:solidFill>
+                  <a:schemeClr val="bg1">
+                    <a:lumMod val="50000"/>
+                  </a:schemeClr>
+                </a:solidFill>
+                <a:latin typeface="Courier" pitchFamily="2" charset="0"/>
+                <a:ea typeface="Courier" charset="0"/>
+                <a:cs typeface="Courier" charset="0"/>
+              </a:rPr>
+              <a:t>|                      Sender Sequence Number                   |</a:t>
+            </a:r>
+          </a:p>
+          <a:p>
+            <a:pPr>
+              <a:spcAft>
+                <a:spcPts val="0"/>
+              </a:spcAft>
+            </a:pPr>
+            <a:r>
+              <a:rPr lang="en-US" sz="900" dirty="0">
+                <a:solidFill>
+                  <a:schemeClr val="bg1">
+                    <a:lumMod val="50000"/>
+                  </a:schemeClr>
+                </a:solidFill>
+                <a:latin typeface="Courier" pitchFamily="2" charset="0"/>
+                <a:ea typeface="Courier" charset="0"/>
+                <a:cs typeface="Courier" charset="0"/>
               </a:rPr>
               <a:t>  +-+-+-+-+-+-+-+-+-+-+-+-+-+-+-+-+-+-+-+-+-+-+-+-+-+-+-+-+-+-+-+-+</a:t>
             </a:r>
           </a:p>
           <a:p>
-            <a:r>
-              <a:rPr lang="en-CA" sz="800" dirty="0">
-                <a:latin typeface="Courier" pitchFamily="2" charset="0"/>
-              </a:rPr>
-              <a:t>  |  Payload as defined in Section 4.2.1 of RFC 5357 |            |</a:t>
-            </a:r>
-          </a:p>
-          <a:p>
-            <a:r>
-              <a:rPr lang="en-CA" sz="800" dirty="0">
-                <a:latin typeface="Courier" pitchFamily="2" charset="0"/>
-              </a:rPr>
-              <a:t>  |  Payload as defined in Section 4.2 of RFC 8762                |</a:t>
-            </a:r>
-          </a:p>
-          <a:p>
-            <a:r>
-              <a:rPr lang="en-CA" sz="800" dirty="0">
-                <a:latin typeface="Courier" pitchFamily="2" charset="0"/>
-              </a:rPr>
-              <a:t>  .                                                               .</a:t>
-            </a:r>
-          </a:p>
-          <a:p>
-            <a:r>
-              <a:rPr lang="en-CA" sz="800" dirty="0">
-                <a:latin typeface="Courier" pitchFamily="2" charset="0"/>
-              </a:rPr>
-              <a:t>  +---------------------------------------------------------------+</a:t>
-            </a:r>
-          </a:p>
-          <a:p>
-            <a:r>
-              <a:rPr lang="en-CA" sz="800" dirty="0">
-                <a:latin typeface="Courier" pitchFamily="2" charset="0"/>
-              </a:rPr>
-              <a:t> </a:t>
-            </a:r>
-          </a:p>
-          <a:p>
-            <a:r>
-              <a:rPr lang="en-CA" sz="800" dirty="0">
-                <a:latin typeface="Courier" pitchFamily="2" charset="0"/>
-              </a:rPr>
-              <a:t>    Figure: Example Probe Message for SR-MPLS with Timestamp Label</a:t>
-            </a:r>
-            <a:endParaRPr lang="en-US" sz="800" dirty="0">
+            <a:pPr>
+              <a:spcAft>
+                <a:spcPts val="0"/>
+              </a:spcAft>
+            </a:pPr>
+            <a:r>
+              <a:rPr lang="en-US" sz="900" dirty="0">
+                <a:solidFill>
+                  <a:schemeClr val="bg1">
+                    <a:lumMod val="50000"/>
+                  </a:schemeClr>
+                </a:solidFill>
+                <a:latin typeface="Courier" pitchFamily="2" charset="0"/>
+                <a:ea typeface="Courier" charset="0"/>
+                <a:cs typeface="Courier" charset="0"/>
+              </a:rPr>
+              <a:t>  |                      Sender Timestamp                         |</a:t>
+            </a:r>
+          </a:p>
+          <a:p>
+            <a:pPr>
+              <a:spcAft>
+                <a:spcPts val="0"/>
+              </a:spcAft>
+            </a:pPr>
+            <a:r>
+              <a:rPr lang="en-US" sz="900" dirty="0">
+                <a:solidFill>
+                  <a:schemeClr val="bg1">
+                    <a:lumMod val="50000"/>
+                  </a:schemeClr>
+                </a:solidFill>
+                <a:latin typeface="Courier" pitchFamily="2" charset="0"/>
+                <a:ea typeface="Courier" charset="0"/>
+                <a:cs typeface="Courier" charset="0"/>
+              </a:rPr>
+              <a:t>  |                                                               |</a:t>
+            </a:r>
+          </a:p>
+          <a:p>
+            <a:pPr>
+              <a:spcAft>
+                <a:spcPts val="0"/>
+              </a:spcAft>
+            </a:pPr>
+            <a:r>
+              <a:rPr lang="en-US" sz="900" dirty="0">
+                <a:solidFill>
+                  <a:schemeClr val="bg1">
+                    <a:lumMod val="50000"/>
+                  </a:schemeClr>
+                </a:solidFill>
+                <a:latin typeface="Courier" pitchFamily="2" charset="0"/>
+                <a:ea typeface="Courier" charset="0"/>
+                <a:cs typeface="Courier" charset="0"/>
+              </a:rPr>
+              <a:t>  +-+-+-+-+-+-+-+-+-+-+-+-+-+-+-+-+-+-+-+-+-+-+-+-+-+-+-+-+-+-+-+-+</a:t>
+            </a:r>
+          </a:p>
+          <a:p>
+            <a:pPr>
+              <a:spcAft>
+                <a:spcPts val="0"/>
+              </a:spcAft>
+            </a:pPr>
+            <a:r>
+              <a:rPr lang="en-US" sz="900" dirty="0">
+                <a:solidFill>
+                  <a:schemeClr val="bg1">
+                    <a:lumMod val="50000"/>
+                  </a:schemeClr>
+                </a:solidFill>
+                <a:latin typeface="Courier" pitchFamily="2" charset="0"/>
+                <a:ea typeface="Courier" charset="0"/>
+                <a:cs typeface="Courier" charset="0"/>
+              </a:rPr>
+              <a:t>  |      Sender Error Estimate    |           MBZ                 |</a:t>
+            </a:r>
+          </a:p>
+          <a:p>
+            <a:pPr>
+              <a:spcAft>
+                <a:spcPts val="0"/>
+              </a:spcAft>
+            </a:pPr>
+            <a:r>
+              <a:rPr lang="en-US" sz="900" dirty="0">
+                <a:solidFill>
+                  <a:schemeClr val="bg1">
+                    <a:lumMod val="50000"/>
+                  </a:schemeClr>
+                </a:solidFill>
+                <a:latin typeface="Courier" pitchFamily="2" charset="0"/>
+                <a:ea typeface="Courier" charset="0"/>
+                <a:cs typeface="Courier" charset="0"/>
+              </a:rPr>
+              <a:t>  +-+-+-+-+-+-+-+-+-+-+-+-+-+-+-+-+-+-+-+-+-+-+-+-+-+-+-+-+-+-+-+-+</a:t>
+            </a:r>
+          </a:p>
+          <a:p>
+            <a:pPr>
+              <a:spcAft>
+                <a:spcPts val="0"/>
+              </a:spcAft>
+            </a:pPr>
+            <a:r>
+              <a:rPr lang="en-US" sz="900" dirty="0">
+                <a:solidFill>
+                  <a:schemeClr val="bg1">
+                    <a:lumMod val="50000"/>
+                  </a:schemeClr>
+                </a:solidFill>
+                <a:latin typeface="Courier" pitchFamily="2" charset="0"/>
+                <a:ea typeface="Courier" charset="0"/>
+                <a:cs typeface="Courier" charset="0"/>
+              </a:rPr>
+              <a:t>  |  Sender TTL   |      Padding                                  |</a:t>
+            </a:r>
+          </a:p>
+          <a:p>
+            <a:pPr>
+              <a:spcAft>
+                <a:spcPts val="0"/>
+              </a:spcAft>
+            </a:pPr>
+            <a:r>
+              <a:rPr lang="en-US" sz="900" dirty="0">
+                <a:solidFill>
+                  <a:schemeClr val="bg1">
+                    <a:lumMod val="50000"/>
+                  </a:schemeClr>
+                </a:solidFill>
+                <a:latin typeface="Courier" pitchFamily="2" charset="0"/>
+                <a:ea typeface="Courier" charset="0"/>
+                <a:cs typeface="Courier" charset="0"/>
+              </a:rPr>
+              <a:t>  +-+-+-+-+-+-+-+-+-+-+-+-+-+-+-+-+-+-+-+-+-+-+-+-+-+-+-+-+-+-+-+-+</a:t>
+            </a:r>
+          </a:p>
+          <a:p>
+            <a:pPr>
+              <a:spcAft>
+                <a:spcPts val="0"/>
+              </a:spcAft>
+            </a:pPr>
+            <a:endParaRPr lang="en-CA" sz="900" dirty="0">
+              <a:solidFill>
+                <a:schemeClr val="bg2">
+                  <a:lumMod val="50000"/>
+                </a:schemeClr>
+              </a:solidFill>
+              <a:latin typeface="Courier" pitchFamily="2" charset="0"/>
+            </a:endParaRPr>
+          </a:p>
+          <a:p>
+            <a:r>
+              <a:rPr lang="en-CA" sz="900" dirty="0">
+                <a:latin typeface="Courier" pitchFamily="2" charset="0"/>
+              </a:rPr>
+              <a:t>                  Figure: STAMP Probe Message Format</a:t>
+            </a:r>
+            <a:endParaRPr lang="en-US" sz="900" dirty="0">
               <a:latin typeface="Courier" pitchFamily="2" charset="0"/>
             </a:endParaRPr>
           </a:p>
@@ -6698,43 +6907,77 @@
         </p:nvSpPr>
         <p:spPr>
           <a:xfrm>
-            <a:off x="4839628" y="1071221"/>
-            <a:ext cx="3923371" cy="3001056"/>
+            <a:off x="5029200" y="1190113"/>
+            <a:ext cx="3962400" cy="2917956"/>
           </a:xfrm>
         </p:spPr>
         <p:txBody>
           <a:bodyPr/>
           <a:lstStyle/>
           <a:p>
+            <a:pPr marL="0" indent="0">
+              <a:buNone/>
+            </a:pPr>
+            <a:r>
+              <a:rPr lang="en-US" sz="1400" b="1" dirty="0"/>
+              <a:t>Enhanced Loopback Mode</a:t>
+            </a:r>
+          </a:p>
+          <a:p>
             <a:r>
               <a:rPr lang="en-US" sz="1400" dirty="0"/>
-              <a:t>Timestamp Label (TBA1) allocated by IANA from Extended Special-Purpose MPLS Label Values </a:t>
+              <a:t>Sender adds the Transmit Timestamp</a:t>
+            </a:r>
+          </a:p>
+          <a:p>
+            <a:r>
+              <a:rPr lang="en-US" sz="1400" dirty="0"/>
+              <a:t>Reflector adds the Receive Timestamp at fixed offset locally provisioned (consistently in the network)</a:t>
             </a:r>
           </a:p>
           <a:p>
             <a:pPr lvl="1"/>
             <a:r>
               <a:rPr lang="en-US" sz="1400" dirty="0"/>
-              <a:t>Used for Timestamp, Pop and Forward network programing function</a:t>
-            </a:r>
-          </a:p>
-          <a:p>
-            <a:pPr lvl="1"/>
-            <a:r>
-              <a:rPr lang="en-US" sz="1400" dirty="0"/>
-              <a:t>Timestamp Label (TBA1) is popped by the reflector node</a:t>
-            </a:r>
-          </a:p>
-          <a:p>
-            <a:r>
-              <a:rPr lang="en-US" sz="1400" dirty="0"/>
-              <a:t>Source and Destination Addresses are swapped - represent Reverse direction path</a:t>
-            </a:r>
-          </a:p>
-          <a:p>
-            <a:r>
-              <a:rPr lang="en-US" sz="1400" dirty="0"/>
-              <a:t>Optionally, Reverse direction SR path label stack can follow the Timestamp Label TBA1</a:t>
+              <a:t>For STAMP packets, it is at offset-byte 16 from the start of the payload</a:t>
+            </a:r>
+          </a:p>
+          <a:p>
+            <a:endParaRPr lang="en-US" sz="1400" dirty="0"/>
+          </a:p>
+        </p:txBody>
+      </p:sp>
+      <p:sp>
+        <p:nvSpPr>
+          <p:cNvPr id="4" name="Footer Placeholder 3"/>
+          <p:cNvSpPr>
+            <a:spLocks noGrp="1"/>
+          </p:cNvSpPr>
+          <p:nvPr>
+            <p:ph type="ftr" sz="quarter" idx="11"/>
+          </p:nvPr>
+        </p:nvSpPr>
+        <p:spPr>
+          <a:xfrm>
+            <a:off x="3124200" y="4786312"/>
+            <a:ext cx="2895600" cy="357188"/>
+          </a:xfrm>
+        </p:spPr>
+        <p:txBody>
+          <a:bodyPr/>
+          <a:lstStyle/>
+          <a:p>
+            <a:r>
+              <a:rPr lang="en-CA" dirty="0"/>
+              <a:t>108</a:t>
+            </a:r>
+            <a:r>
+              <a:rPr lang="en-CA" baseline="30000" dirty="0"/>
+              <a:t>th</a:t>
+            </a:r>
+            <a:r>
+              <a:rPr lang="en-CA" dirty="0"/>
+              <a:t> IETF @ Madrid</a:t>
             </a:r>
           </a:p>
         </p:txBody>
@@ -6742,7 +6985,7 @@
     </p:spTree>
     <p:extLst>
       <p:ext uri="{BB962C8B-B14F-4D97-AF65-F5344CB8AC3E}">
-        <p14:creationId xmlns:p14="http://schemas.microsoft.com/office/powerpoint/2010/main" val="2399405042"/>
+        <p14:creationId xmlns:p14="http://schemas.microsoft.com/office/powerpoint/2010/main" val="4096691418"/>
       </p:ext>
     </p:extLst>
   </p:cSld>
@@ -6781,7 +7024,7 @@
         </p:nvSpPr>
         <p:spPr>
           <a:xfrm>
-            <a:off x="457200" y="0"/>
+            <a:off x="457200" y="-95250"/>
             <a:ext cx="8229600" cy="857250"/>
           </a:xfrm>
         </p:spPr>
@@ -6797,126 +7040,7 @@
                 <a:latin typeface="Calibri Light" panose="020F0302020204030204" pitchFamily="34" charset="0"/>
                 <a:cs typeface="Calibri Light" panose="020F0302020204030204" pitchFamily="34" charset="0"/>
               </a:rPr>
-              <a:t>ECMP Support for SR Paths</a:t>
-            </a:r>
-          </a:p>
-        </p:txBody>
-      </p:sp>
-      <p:sp>
-        <p:nvSpPr>
-          <p:cNvPr id="3" name="Content Placeholder 2"/>
-          <p:cNvSpPr>
-            <a:spLocks noGrp="1"/>
-          </p:cNvSpPr>
-          <p:nvPr>
-            <p:ph idx="1"/>
-          </p:nvPr>
-        </p:nvSpPr>
-        <p:spPr>
-          <a:xfrm>
-            <a:off x="419100" y="912200"/>
-            <a:ext cx="8305800" cy="3564549"/>
-          </a:xfrm>
-        </p:spPr>
-        <p:txBody>
-          <a:bodyPr/>
-          <a:lstStyle/>
-          <a:p>
-            <a:pPr>
-              <a:lnSpc>
-                <a:spcPts val="2280"/>
-              </a:lnSpc>
-              <a:spcBef>
-                <a:spcPts val="0"/>
-              </a:spcBef>
-            </a:pPr>
-            <a:r>
-              <a:rPr lang="en-US" sz="1600" dirty="0"/>
-              <a:t>SR Paths can have ECMP between the ingress and transit nodes, between transit nodes and between transit and egress nodes.</a:t>
-            </a:r>
-          </a:p>
-          <a:p>
-            <a:pPr>
-              <a:lnSpc>
-                <a:spcPts val="2280"/>
-              </a:lnSpc>
-              <a:spcBef>
-                <a:spcPts val="0"/>
-              </a:spcBef>
-            </a:pPr>
-            <a:r>
-              <a:rPr lang="en-US" sz="1600" dirty="0"/>
-              <a:t>Sending PM probe queries that can take advantage of the hashing function in forwarding plane.</a:t>
-            </a:r>
-          </a:p>
-          <a:p>
-            <a:pPr>
-              <a:lnSpc>
-                <a:spcPts val="2280"/>
-              </a:lnSpc>
-              <a:spcBef>
-                <a:spcPts val="0"/>
-              </a:spcBef>
-            </a:pPr>
-            <a:r>
-              <a:rPr lang="en-US" sz="1600" dirty="0"/>
-              <a:t>Existing forwarding mechanisms are applicable to PM probe messages. Examples are:</a:t>
-            </a:r>
-          </a:p>
-          <a:p>
-            <a:pPr lvl="1">
-              <a:lnSpc>
-                <a:spcPts val="2280"/>
-              </a:lnSpc>
-              <a:spcBef>
-                <a:spcPts val="0"/>
-              </a:spcBef>
-            </a:pPr>
-            <a:r>
-              <a:rPr lang="en-US" sz="1600" dirty="0"/>
-              <a:t>For IPv4</a:t>
-            </a:r>
-          </a:p>
-          <a:p>
-            <a:pPr lvl="2">
-              <a:lnSpc>
-                <a:spcPts val="2280"/>
-              </a:lnSpc>
-              <a:spcBef>
-                <a:spcPts val="0"/>
-              </a:spcBef>
-            </a:pPr>
-            <a:r>
-              <a:rPr lang="en-US" sz="1600" dirty="0"/>
-              <a:t>Sweeping destination address in IPv4 header (e.g. 127/8) when return path is SR-MPLS</a:t>
-            </a:r>
-          </a:p>
-          <a:p>
-            <a:pPr lvl="1">
-              <a:lnSpc>
-                <a:spcPts val="2280"/>
-              </a:lnSpc>
-              <a:spcBef>
-                <a:spcPts val="0"/>
-              </a:spcBef>
-            </a:pPr>
-            <a:r>
-              <a:rPr lang="en-US" sz="1600" dirty="0"/>
-              <a:t>For IPv6</a:t>
-            </a:r>
-          </a:p>
-          <a:p>
-            <a:pPr lvl="2">
-              <a:lnSpc>
-                <a:spcPts val="2280"/>
-              </a:lnSpc>
-              <a:spcBef>
-                <a:spcPts val="0"/>
-              </a:spcBef>
-            </a:pPr>
-            <a:r>
-              <a:rPr lang="en-US" sz="1600" dirty="0"/>
-              <a:t>Sweeping flow label in IPv6 header</a:t>
+              <a:t>SR-MPLS with Timestamp Label Example</a:t>
             </a:r>
           </a:p>
         </p:txBody>
@@ -6981,14 +7105,372 @@
               </a:pPr>
               <a:t>11</a:t>
             </a:fld>
-            <a:endParaRPr lang="en-US" altLang="zh-CN"/>
+            <a:endParaRPr lang="en-US" altLang="zh-CN" dirty="0"/>
+          </a:p>
+        </p:txBody>
+      </p:sp>
+      <p:sp>
+        <p:nvSpPr>
+          <p:cNvPr id="6" name="Rectangle 5">
+            <a:extLst>
+              <a:ext uri="{FF2B5EF4-FFF2-40B4-BE49-F238E27FC236}">
+                <a16:creationId xmlns:a16="http://schemas.microsoft.com/office/drawing/2014/main" id="{4C15A4CE-6545-5142-97A8-EDA8B07CB60B}"/>
+              </a:ext>
+            </a:extLst>
+          </p:cNvPr>
+          <p:cNvSpPr/>
+          <p:nvPr/>
+        </p:nvSpPr>
+        <p:spPr>
+          <a:xfrm>
+            <a:off x="381000" y="740479"/>
+            <a:ext cx="4398579" cy="3662541"/>
+          </a:xfrm>
+          <a:prstGeom prst="rect">
+            <a:avLst/>
+          </a:prstGeom>
+          <a:solidFill>
+            <a:schemeClr val="accent6">
+              <a:lumMod val="20000"/>
+              <a:lumOff val="80000"/>
+            </a:schemeClr>
+          </a:solidFill>
+        </p:spPr>
+        <p:txBody>
+          <a:bodyPr wrap="square">
+            <a:spAutoFit/>
+          </a:bodyPr>
+          <a:lstStyle/>
+          <a:p>
+            <a:r>
+              <a:rPr lang="en-CA" sz="800" dirty="0">
+                <a:latin typeface="Courier" pitchFamily="2" charset="0"/>
+              </a:rPr>
+              <a:t>  0 1 2 3 4 5 6 7 8 9 0 1 2 3 4 5 6 7 8 9 0 1 2 3 4 5 6 7 8 9 0 1</a:t>
+            </a:r>
+          </a:p>
+          <a:p>
+            <a:r>
+              <a:rPr lang="en-CA" sz="800" dirty="0">
+                <a:latin typeface="Courier" pitchFamily="2" charset="0"/>
+              </a:rPr>
+              <a:t>  +-+-+-+-+-+-+-+-+-+-+-+-+-+-+-+-+-+-+-+-+-+-+-+-+-+-+-+-+-+-+-+-+</a:t>
+            </a:r>
+          </a:p>
+          <a:p>
+            <a:r>
+              <a:rPr lang="en-CA" sz="800" dirty="0">
+                <a:latin typeface="Courier" pitchFamily="2" charset="0"/>
+              </a:rPr>
+              <a:t>  |            Label(1)                   | TC  |S|      TTL      |</a:t>
+            </a:r>
+          </a:p>
+          <a:p>
+            <a:r>
+              <a:rPr lang="en-CA" sz="800" dirty="0">
+                <a:latin typeface="Courier" pitchFamily="2" charset="0"/>
+              </a:rPr>
+              <a:t>  +-+-+-+-+-+-+-+-+-+-+-+-+-+-+-+-+-+-+-+-+-+-+-+-+-+-+-+-+-+-+-+-+</a:t>
+            </a:r>
+          </a:p>
+          <a:p>
+            <a:r>
+              <a:rPr lang="en-CA" sz="800" dirty="0">
+                <a:latin typeface="Courier" pitchFamily="2" charset="0"/>
+              </a:rPr>
+              <a:t>  .                                                               .</a:t>
+            </a:r>
+          </a:p>
+          <a:p>
+            <a:r>
+              <a:rPr lang="en-CA" sz="800" dirty="0">
+                <a:latin typeface="Courier" pitchFamily="2" charset="0"/>
+              </a:rPr>
+              <a:t>  .                                                               .</a:t>
+            </a:r>
+          </a:p>
+          <a:p>
+            <a:r>
+              <a:rPr lang="en-CA" sz="800" dirty="0">
+                <a:latin typeface="Courier" pitchFamily="2" charset="0"/>
+              </a:rPr>
+              <a:t>  .                                                               .</a:t>
+            </a:r>
+          </a:p>
+          <a:p>
+            <a:r>
+              <a:rPr lang="en-CA" sz="800" dirty="0">
+                <a:latin typeface="Courier" pitchFamily="2" charset="0"/>
+              </a:rPr>
+              <a:t>  +-+-+-+-+-+-+-+-+-+-+-+-+-+-+-+-+-+-+-+-+-+-+-+-+-+-+-+-+-+-+-+-+</a:t>
+            </a:r>
+          </a:p>
+          <a:p>
+            <a:r>
+              <a:rPr lang="en-CA" sz="800" dirty="0">
+                <a:latin typeface="Courier" pitchFamily="2" charset="0"/>
+              </a:rPr>
+              <a:t>  |            Label(n)                   | TC  |S|      TTL      |</a:t>
+            </a:r>
+          </a:p>
+          <a:p>
+            <a:r>
+              <a:rPr lang="en-CA" sz="800" dirty="0">
+                <a:latin typeface="Courier" pitchFamily="2" charset="0"/>
+              </a:rPr>
+              <a:t>  +-+-+-+-+-+-+-+-+-+-+-+-+-+-+-+-+-+-+-+-+-+-+-+-+-+-+-+-+-+-+-+-+</a:t>
+            </a:r>
+          </a:p>
+          <a:p>
+            <a:r>
+              <a:rPr lang="en-CA" sz="800" dirty="0">
+                <a:latin typeface="Courier" pitchFamily="2" charset="0"/>
+              </a:rPr>
+              <a:t>  </a:t>
+            </a:r>
+            <a:r>
+              <a:rPr lang="en-CA" sz="800" b="1" dirty="0">
+                <a:latin typeface="Courier" pitchFamily="2" charset="0"/>
+              </a:rPr>
+              <a:t>|            Timestamp Label (TBA1)     | TC  |S|      TTL      |</a:t>
+            </a:r>
+          </a:p>
+          <a:p>
+            <a:r>
+              <a:rPr lang="en-CA" sz="800" dirty="0">
+                <a:latin typeface="Courier" pitchFamily="2" charset="0"/>
+              </a:rPr>
+              <a:t>  +---------------------------------------------------------------+</a:t>
+            </a:r>
+          </a:p>
+          <a:p>
+            <a:r>
+              <a:rPr lang="en-CA" sz="800" dirty="0">
+                <a:latin typeface="Courier" pitchFamily="2" charset="0"/>
+              </a:rPr>
+              <a:t>  | IP Header                                                     |</a:t>
+            </a:r>
+          </a:p>
+          <a:p>
+            <a:r>
+              <a:rPr lang="en-CA" sz="800" dirty="0">
+                <a:latin typeface="Courier" pitchFamily="2" charset="0"/>
+              </a:rPr>
+              <a:t>  .  Source IP Address = </a:t>
+            </a:r>
+            <a:r>
+              <a:rPr lang="en-CA" sz="800" b="1" dirty="0">
+                <a:latin typeface="Courier" pitchFamily="2" charset="0"/>
+              </a:rPr>
+              <a:t>Endpoint</a:t>
+            </a:r>
+            <a:r>
+              <a:rPr lang="en-CA" sz="800" dirty="0">
+                <a:latin typeface="Courier" pitchFamily="2" charset="0"/>
+              </a:rPr>
+              <a:t> IPv4 or IPv6 Address            .</a:t>
+            </a:r>
+          </a:p>
+          <a:p>
+            <a:r>
+              <a:rPr lang="en-CA" sz="800" dirty="0">
+                <a:latin typeface="Courier" pitchFamily="2" charset="0"/>
+              </a:rPr>
+              <a:t>  .  Destination IP Address = </a:t>
+            </a:r>
+            <a:r>
+              <a:rPr lang="en-CA" sz="800" b="1" dirty="0">
+                <a:latin typeface="Courier" pitchFamily="2" charset="0"/>
+              </a:rPr>
+              <a:t>Sender</a:t>
+            </a:r>
+            <a:r>
+              <a:rPr lang="en-CA" sz="800" dirty="0">
+                <a:latin typeface="Courier" pitchFamily="2" charset="0"/>
+              </a:rPr>
+              <a:t> IPv4 or IPv6 Address         .</a:t>
+            </a:r>
+          </a:p>
+          <a:p>
+            <a:r>
+              <a:rPr lang="en-CA" sz="800" dirty="0">
+                <a:latin typeface="Courier" pitchFamily="2" charset="0"/>
+              </a:rPr>
+              <a:t>  .  Protocol = UDP                                               .</a:t>
+            </a:r>
+          </a:p>
+          <a:p>
+            <a:r>
+              <a:rPr lang="en-CA" sz="800" dirty="0">
+                <a:latin typeface="Courier" pitchFamily="2" charset="0"/>
+              </a:rPr>
+              <a:t>  .                                                               .</a:t>
+            </a:r>
+          </a:p>
+          <a:p>
+            <a:r>
+              <a:rPr lang="en-CA" sz="800" dirty="0">
+                <a:latin typeface="Courier" pitchFamily="2" charset="0"/>
+              </a:rPr>
+              <a:t>  +---------------------------------------------------------------+</a:t>
+            </a:r>
+          </a:p>
+          <a:p>
+            <a:r>
+              <a:rPr lang="en-CA" sz="800" dirty="0">
+                <a:latin typeface="Courier" pitchFamily="2" charset="0"/>
+              </a:rPr>
+              <a:t>  | UDP Header                                                    |</a:t>
+            </a:r>
+          </a:p>
+          <a:p>
+            <a:r>
+              <a:rPr lang="en-CA" sz="800" dirty="0">
+                <a:latin typeface="Courier" pitchFamily="2" charset="0"/>
+              </a:rPr>
+              <a:t>  .  Source Port = As chosen by Sender                            .</a:t>
+            </a:r>
+          </a:p>
+          <a:p>
+            <a:r>
+              <a:rPr lang="en-CA" sz="800" dirty="0">
+                <a:latin typeface="Courier" pitchFamily="2" charset="0"/>
+              </a:rPr>
+              <a:t>  .  Destination Port = User-configured Port                      .</a:t>
+            </a:r>
+          </a:p>
+          <a:p>
+            <a:r>
+              <a:rPr lang="en-CA" sz="800" dirty="0">
+                <a:latin typeface="Courier" pitchFamily="2" charset="0"/>
+              </a:rPr>
+              <a:t>  .                                                               .</a:t>
+            </a:r>
+          </a:p>
+          <a:p>
+            <a:r>
+              <a:rPr lang="en-CA" sz="800" dirty="0">
+                <a:latin typeface="Courier" pitchFamily="2" charset="0"/>
+              </a:rPr>
+              <a:t>  +-+-+-+-+-+-+-+-+-+-+-+-+-+-+-+-+-+-+-+-+-+-+-+-+-+-+-+-+-+-+-+-+</a:t>
+            </a:r>
+          </a:p>
+          <a:p>
+            <a:r>
+              <a:rPr lang="en-CA" sz="800" dirty="0">
+                <a:latin typeface="Courier" pitchFamily="2" charset="0"/>
+              </a:rPr>
+              <a:t>  |  Payload as defined in Section 4.2.1 of RFC 5357 |            |</a:t>
+            </a:r>
+          </a:p>
+          <a:p>
+            <a:r>
+              <a:rPr lang="en-CA" sz="800" dirty="0">
+                <a:latin typeface="Courier" pitchFamily="2" charset="0"/>
+              </a:rPr>
+              <a:t>  |  Payload as defined in Section 4.2 of RFC 8762                |</a:t>
+            </a:r>
+          </a:p>
+          <a:p>
+            <a:r>
+              <a:rPr lang="en-CA" sz="800" dirty="0">
+                <a:latin typeface="Courier" pitchFamily="2" charset="0"/>
+              </a:rPr>
+              <a:t>  .                                                               .</a:t>
+            </a:r>
+          </a:p>
+          <a:p>
+            <a:r>
+              <a:rPr lang="en-CA" sz="800" dirty="0">
+                <a:latin typeface="Courier" pitchFamily="2" charset="0"/>
+              </a:rPr>
+              <a:t>  +---------------------------------------------------------------+</a:t>
+            </a:r>
+          </a:p>
+          <a:p>
+            <a:r>
+              <a:rPr lang="en-CA" sz="800" dirty="0">
+                <a:latin typeface="Courier" pitchFamily="2" charset="0"/>
+              </a:rPr>
+              <a:t> </a:t>
+            </a:r>
+          </a:p>
+          <a:p>
+            <a:r>
+              <a:rPr lang="en-CA" sz="800" dirty="0">
+                <a:latin typeface="Courier" pitchFamily="2" charset="0"/>
+              </a:rPr>
+              <a:t>    Figure: Example Probe Message for SR-MPLS with Timestamp Label</a:t>
+            </a:r>
+            <a:endParaRPr lang="en-US" sz="800" dirty="0">
+              <a:latin typeface="Courier" pitchFamily="2" charset="0"/>
+            </a:endParaRPr>
+          </a:p>
+        </p:txBody>
+      </p:sp>
+      <p:sp>
+        <p:nvSpPr>
+          <p:cNvPr id="8" name="Content Placeholder 7">
+            <a:extLst>
+              <a:ext uri="{FF2B5EF4-FFF2-40B4-BE49-F238E27FC236}">
+                <a16:creationId xmlns:a16="http://schemas.microsoft.com/office/drawing/2014/main" id="{FC6E1890-536D-9D49-8207-C42BBF301FF3}"/>
+              </a:ext>
+            </a:extLst>
+          </p:cNvPr>
+          <p:cNvSpPr>
+            <a:spLocks noGrp="1"/>
+          </p:cNvSpPr>
+          <p:nvPr>
+            <p:ph idx="1"/>
+          </p:nvPr>
+        </p:nvSpPr>
+        <p:spPr>
+          <a:xfrm>
+            <a:off x="4839628" y="1071221"/>
+            <a:ext cx="3923371" cy="3001056"/>
+          </a:xfrm>
+        </p:spPr>
+        <p:txBody>
+          <a:bodyPr/>
+          <a:lstStyle/>
+          <a:p>
+            <a:r>
+              <a:rPr lang="en-US" sz="1400" dirty="0"/>
+              <a:t>Timestamp Label (TBA1) allocated by IANA from Extended Special-Purpose MPLS Label Values </a:t>
+            </a:r>
+          </a:p>
+          <a:p>
+            <a:pPr lvl="1"/>
+            <a:r>
+              <a:rPr lang="en-US" sz="1400" dirty="0"/>
+              <a:t>Used for Timestamp, Pop and Forward network programing function</a:t>
+            </a:r>
+          </a:p>
+          <a:p>
+            <a:pPr lvl="1"/>
+            <a:r>
+              <a:rPr lang="en-US" sz="1400" dirty="0"/>
+              <a:t>Timestamp Label (TBA1) is popped by the reflector node</a:t>
+            </a:r>
+          </a:p>
+          <a:p>
+            <a:r>
+              <a:rPr lang="en-US" sz="1400" dirty="0"/>
+              <a:t>Source and Destination Addresses are swapped - represent Reverse direction path</a:t>
+            </a:r>
+          </a:p>
+          <a:p>
+            <a:r>
+              <a:rPr lang="en-US" sz="1400" dirty="0"/>
+              <a:t>Optionally, Reverse direction SR path label stack can follow the Timestamp Label TBA1</a:t>
+            </a:r>
           </a:p>
         </p:txBody>
       </p:sp>
     </p:spTree>
     <p:extLst>
       <p:ext uri="{BB962C8B-B14F-4D97-AF65-F5344CB8AC3E}">
-        <p14:creationId xmlns:p14="http://schemas.microsoft.com/office/powerpoint/2010/main" val="3637512675"/>
+        <p14:creationId xmlns:p14="http://schemas.microsoft.com/office/powerpoint/2010/main" val="2399405042"/>
       </p:ext>
     </p:extLst>
   </p:cSld>
@@ -7017,13 +7499,7 @@
       </p:grpSpPr>
       <p:sp>
         <p:nvSpPr>
-          <p:cNvPr id="2" name="Title 1">
-            <a:extLst>
-              <a:ext uri="{FF2B5EF4-FFF2-40B4-BE49-F238E27FC236}">
-                <a16:creationId xmlns:a16="http://schemas.microsoft.com/office/drawing/2014/main" id="{9A6F4236-AC14-394A-A36C-F2BD8CED3237}"/>
-              </a:ext>
-            </a:extLst>
-          </p:cNvPr>
+          <p:cNvPr id="2" name="Title 1"/>
           <p:cNvSpPr>
             <a:spLocks noGrp="1"/>
           </p:cNvSpPr>
@@ -7033,7 +7509,7 @@
         </p:nvSpPr>
         <p:spPr>
           <a:xfrm>
-            <a:off x="457200" y="-19050"/>
+            <a:off x="457200" y="0"/>
             <a:ext cx="8229600" cy="857250"/>
           </a:xfrm>
         </p:spPr>
@@ -7049,30 +7525,143 @@
                 <a:latin typeface="Calibri Light" panose="020F0302020204030204" pitchFamily="34" charset="0"/>
                 <a:cs typeface="Calibri Light" panose="020F0302020204030204" pitchFamily="34" charset="0"/>
               </a:rPr>
-              <a:t>Example Provisioning Model</a:t>
-            </a:r>
-          </a:p>
-        </p:txBody>
-      </p:sp>
-      <p:sp>
-        <p:nvSpPr>
-          <p:cNvPr id="4" name="Footer Placeholder 3">
-            <a:extLst>
-              <a:ext uri="{FF2B5EF4-FFF2-40B4-BE49-F238E27FC236}">
-                <a16:creationId xmlns:a16="http://schemas.microsoft.com/office/drawing/2014/main" id="{643D160E-CC3C-EB46-A6F1-43B8E2996F46}"/>
-              </a:ext>
-            </a:extLst>
-          </p:cNvPr>
+              <a:t>ECMP Support for SR Paths</a:t>
+            </a:r>
+          </a:p>
+        </p:txBody>
+      </p:sp>
+      <p:sp>
+        <p:nvSpPr>
+          <p:cNvPr id="3" name="Content Placeholder 2"/>
           <p:cNvSpPr>
             <a:spLocks noGrp="1"/>
           </p:cNvSpPr>
           <p:nvPr>
-            <p:ph type="ftr" sz="quarter" idx="11"/>
+            <p:ph idx="1"/>
           </p:nvPr>
         </p:nvSpPr>
         <p:spPr>
           <a:xfrm>
-            <a:off x="3124200" y="4775368"/>
+            <a:off x="419100" y="912200"/>
+            <a:ext cx="8305800" cy="3564549"/>
+          </a:xfrm>
+        </p:spPr>
+        <p:txBody>
+          <a:bodyPr/>
+          <a:lstStyle/>
+          <a:p>
+            <a:pPr>
+              <a:lnSpc>
+                <a:spcPts val="2280"/>
+              </a:lnSpc>
+              <a:spcBef>
+                <a:spcPts val="0"/>
+              </a:spcBef>
+            </a:pPr>
+            <a:r>
+              <a:rPr lang="en-US" sz="1600" dirty="0"/>
+              <a:t>SR Paths can have ECMP between the ingress and transit nodes, between transit nodes and between transit and egress nodes.</a:t>
+            </a:r>
+          </a:p>
+          <a:p>
+            <a:pPr>
+              <a:lnSpc>
+                <a:spcPts val="2280"/>
+              </a:lnSpc>
+              <a:spcBef>
+                <a:spcPts val="0"/>
+              </a:spcBef>
+            </a:pPr>
+            <a:r>
+              <a:rPr lang="en-US" sz="1600" dirty="0"/>
+              <a:t>Sending PM probe queries that can take advantage of the hashing function in forwarding plane.</a:t>
+            </a:r>
+          </a:p>
+          <a:p>
+            <a:pPr>
+              <a:lnSpc>
+                <a:spcPts val="2280"/>
+              </a:lnSpc>
+              <a:spcBef>
+                <a:spcPts val="0"/>
+              </a:spcBef>
+            </a:pPr>
+            <a:r>
+              <a:rPr lang="en-US" sz="1600" dirty="0"/>
+              <a:t>Existing forwarding mechanisms are applicable to PM probe messages. Examples are:</a:t>
+            </a:r>
+          </a:p>
+          <a:p>
+            <a:pPr lvl="1">
+              <a:lnSpc>
+                <a:spcPts val="2280"/>
+              </a:lnSpc>
+              <a:spcBef>
+                <a:spcPts val="0"/>
+              </a:spcBef>
+            </a:pPr>
+            <a:r>
+              <a:rPr lang="en-US" sz="1600" dirty="0"/>
+              <a:t>For IPv4</a:t>
+            </a:r>
+          </a:p>
+          <a:p>
+            <a:pPr lvl="2">
+              <a:lnSpc>
+                <a:spcPts val="2280"/>
+              </a:lnSpc>
+              <a:spcBef>
+                <a:spcPts val="0"/>
+              </a:spcBef>
+            </a:pPr>
+            <a:r>
+              <a:rPr lang="en-US" sz="1600" dirty="0"/>
+              <a:t>Sweeping destination address in IPv4 header (e.g. 127/8) when return path is SR-MPLS</a:t>
+            </a:r>
+          </a:p>
+          <a:p>
+            <a:pPr lvl="1">
+              <a:lnSpc>
+                <a:spcPts val="2280"/>
+              </a:lnSpc>
+              <a:spcBef>
+                <a:spcPts val="0"/>
+              </a:spcBef>
+            </a:pPr>
+            <a:r>
+              <a:rPr lang="en-US" sz="1600" dirty="0"/>
+              <a:t>For IPv6</a:t>
+            </a:r>
+          </a:p>
+          <a:p>
+            <a:pPr lvl="2">
+              <a:lnSpc>
+                <a:spcPts val="2280"/>
+              </a:lnSpc>
+              <a:spcBef>
+                <a:spcPts val="0"/>
+              </a:spcBef>
+            </a:pPr>
+            <a:r>
+              <a:rPr lang="en-US" sz="1600" dirty="0"/>
+              <a:t>Sweeping flow label in IPv6 header</a:t>
+            </a:r>
+          </a:p>
+        </p:txBody>
+      </p:sp>
+      <p:sp>
+        <p:nvSpPr>
+          <p:cNvPr id="4" name="Footer Placeholder 3"/>
+          <p:cNvSpPr>
+            <a:spLocks noGrp="1"/>
+          </p:cNvSpPr>
+          <p:nvPr>
+            <p:ph type="ftr" sz="quarter" idx="11"/>
+          </p:nvPr>
+        </p:nvSpPr>
+        <p:spPr>
+          <a:xfrm>
+            <a:off x="3124200" y="4786312"/>
             <a:ext cx="2895600" cy="357188"/>
           </a:xfrm>
         </p:spPr>
@@ -7097,13 +7686,7 @@
       </p:sp>
       <p:sp>
         <p:nvSpPr>
-          <p:cNvPr id="5" name="Slide Number Placeholder 4">
-            <a:extLst>
-              <a:ext uri="{FF2B5EF4-FFF2-40B4-BE49-F238E27FC236}">
-                <a16:creationId xmlns:a16="http://schemas.microsoft.com/office/drawing/2014/main" id="{A8B868AE-B105-7547-A646-14FCDF91C2DD}"/>
-              </a:ext>
-            </a:extLst>
-          </p:cNvPr>
+          <p:cNvPr id="5" name="Slide Number Placeholder 4"/>
           <p:cNvSpPr>
             <a:spLocks noGrp="1"/>
           </p:cNvSpPr>
@@ -7130,278 +7713,10 @@
           </a:p>
         </p:txBody>
       </p:sp>
-      <p:sp>
-        <p:nvSpPr>
-          <p:cNvPr id="7" name="Rectangle 6">
-            <a:extLst>
-              <a:ext uri="{FF2B5EF4-FFF2-40B4-BE49-F238E27FC236}">
-                <a16:creationId xmlns:a16="http://schemas.microsoft.com/office/drawing/2014/main" id="{AA6E66CA-28BC-2C4A-BC04-4600D8FEBF3B}"/>
-              </a:ext>
-            </a:extLst>
-          </p:cNvPr>
-          <p:cNvSpPr/>
-          <p:nvPr/>
-        </p:nvSpPr>
-        <p:spPr>
-          <a:xfrm>
-            <a:off x="990600" y="825427"/>
-            <a:ext cx="7010400" cy="3779817"/>
-          </a:xfrm>
-          <a:prstGeom prst="rect">
-            <a:avLst/>
-          </a:prstGeom>
-          <a:solidFill>
-            <a:schemeClr val="accent6">
-              <a:lumMod val="20000"/>
-              <a:lumOff val="80000"/>
-            </a:schemeClr>
-          </a:solidFill>
-        </p:spPr>
-        <p:txBody>
-          <a:bodyPr wrap="square">
-            <a:spAutoFit/>
-          </a:bodyPr>
-          <a:lstStyle/>
-          <a:p>
-            <a:pPr>
-              <a:lnSpc>
-                <a:spcPts val="1640"/>
-              </a:lnSpc>
-            </a:pPr>
-            <a:r>
-              <a:rPr lang="en-CA" sz="1200" dirty="0">
-                <a:latin typeface="Courier" pitchFamily="2" charset="0"/>
-              </a:rPr>
-              <a:t>                             +------------+</a:t>
-            </a:r>
-          </a:p>
-          <a:p>
-            <a:pPr>
-              <a:lnSpc>
-                <a:spcPts val="1640"/>
-              </a:lnSpc>
-            </a:pPr>
-            <a:r>
-              <a:rPr lang="en-CA" sz="1200" dirty="0">
-                <a:latin typeface="Courier" pitchFamily="2" charset="0"/>
-              </a:rPr>
-              <a:t>                             | Controller |</a:t>
-            </a:r>
-          </a:p>
-          <a:p>
-            <a:pPr>
-              <a:lnSpc>
-                <a:spcPts val="1640"/>
-              </a:lnSpc>
-            </a:pPr>
-            <a:r>
-              <a:rPr lang="en-CA" sz="1200" dirty="0">
-                <a:latin typeface="Courier" pitchFamily="2" charset="0"/>
-              </a:rPr>
-              <a:t>                             +------------+</a:t>
-            </a:r>
-          </a:p>
-          <a:p>
-            <a:pPr>
-              <a:lnSpc>
-                <a:spcPts val="1640"/>
-              </a:lnSpc>
-            </a:pPr>
-            <a:r>
-              <a:rPr lang="en-CA" sz="1200" dirty="0">
-                <a:latin typeface="Courier" pitchFamily="2" charset="0"/>
-              </a:rPr>
-              <a:t>  Destination UDP Port            /  \       Network Programming Label</a:t>
-            </a:r>
-          </a:p>
-          <a:p>
-            <a:pPr>
-              <a:lnSpc>
-                <a:spcPts val="1640"/>
-              </a:lnSpc>
-            </a:pPr>
-            <a:r>
-              <a:rPr lang="en-CA" sz="1200" dirty="0">
-                <a:latin typeface="Courier" pitchFamily="2" charset="0"/>
-              </a:rPr>
-              <a:t>  Measurement Protocol           /    \      Timestamp2 Offset</a:t>
-            </a:r>
-          </a:p>
-          <a:p>
-            <a:pPr>
-              <a:lnSpc>
-                <a:spcPts val="1640"/>
-              </a:lnSpc>
-            </a:pPr>
-            <a:r>
-              <a:rPr lang="en-CA" sz="1200" dirty="0">
-                <a:latin typeface="Courier" pitchFamily="2" charset="0"/>
-              </a:rPr>
-              <a:t>  PLM Type                      /      \     Timestamp Format</a:t>
-            </a:r>
-          </a:p>
-          <a:p>
-            <a:pPr>
-              <a:lnSpc>
-                <a:spcPts val="1640"/>
-              </a:lnSpc>
-            </a:pPr>
-            <a:r>
-              <a:rPr lang="en-CA" sz="1200" dirty="0">
-                <a:latin typeface="Courier" pitchFamily="2" charset="0"/>
-              </a:rPr>
-              <a:t>     LB or Enhanced LB         /        \</a:t>
-            </a:r>
-          </a:p>
-          <a:p>
-            <a:pPr>
-              <a:lnSpc>
-                <a:spcPts val="1640"/>
-              </a:lnSpc>
-            </a:pPr>
-            <a:r>
-              <a:rPr lang="en-CA" sz="1200" dirty="0">
-                <a:latin typeface="Courier" pitchFamily="2" charset="0"/>
-              </a:rPr>
-              <a:t>  Authentication Mode &amp; Key   /          \     </a:t>
-            </a:r>
-          </a:p>
-          <a:p>
-            <a:pPr>
-              <a:lnSpc>
-                <a:spcPts val="1640"/>
-              </a:lnSpc>
-            </a:pPr>
-            <a:r>
-              <a:rPr lang="en-CA" sz="1200" dirty="0">
-                <a:latin typeface="Courier" pitchFamily="2" charset="0"/>
-              </a:rPr>
-              <a:t>  Network Programming Label  /            \</a:t>
-            </a:r>
-          </a:p>
-          <a:p>
-            <a:pPr>
-              <a:lnSpc>
-                <a:spcPts val="1640"/>
-              </a:lnSpc>
-            </a:pPr>
-            <a:r>
-              <a:rPr lang="en-CA" sz="1200" dirty="0">
-                <a:latin typeface="Courier" pitchFamily="2" charset="0"/>
-              </a:rPr>
-              <a:t>  Timestamp Format          /              \</a:t>
-            </a:r>
-          </a:p>
-          <a:p>
-            <a:pPr>
-              <a:lnSpc>
-                <a:spcPts val="1640"/>
-              </a:lnSpc>
-            </a:pPr>
-            <a:r>
-              <a:rPr lang="en-CA" sz="1200" dirty="0">
-                <a:latin typeface="Courier" pitchFamily="2" charset="0"/>
-              </a:rPr>
-              <a:t>                           /                \ </a:t>
-            </a:r>
-          </a:p>
-          <a:p>
-            <a:pPr>
-              <a:lnSpc>
-                <a:spcPts val="1640"/>
-              </a:lnSpc>
-            </a:pPr>
-            <a:r>
-              <a:rPr lang="en-CA" sz="1200" dirty="0">
-                <a:latin typeface="Courier" pitchFamily="2" charset="0"/>
-              </a:rPr>
-              <a:t>                          v                  v</a:t>
-            </a:r>
-          </a:p>
-          <a:p>
-            <a:pPr>
-              <a:lnSpc>
-                <a:spcPts val="1640"/>
-              </a:lnSpc>
-            </a:pPr>
-            <a:r>
-              <a:rPr lang="en-CA" sz="1200" dirty="0">
-                <a:latin typeface="Courier" pitchFamily="2" charset="0"/>
-              </a:rPr>
-              <a:t>                     +-------+            +-------+</a:t>
-            </a:r>
-          </a:p>
-          <a:p>
-            <a:pPr>
-              <a:lnSpc>
-                <a:spcPts val="1640"/>
-              </a:lnSpc>
-            </a:pPr>
-            <a:r>
-              <a:rPr lang="en-CA" sz="1200" dirty="0">
-                <a:latin typeface="Courier" pitchFamily="2" charset="0"/>
-              </a:rPr>
-              <a:t>                     |       |  SR Path   |       |</a:t>
-            </a:r>
-          </a:p>
-          <a:p>
-            <a:pPr>
-              <a:lnSpc>
-                <a:spcPts val="1640"/>
-              </a:lnSpc>
-            </a:pPr>
-            <a:r>
-              <a:rPr lang="en-CA" sz="1200" dirty="0">
-                <a:latin typeface="Courier" pitchFamily="2" charset="0"/>
-              </a:rPr>
-              <a:t>                     |   R1  |============|   R5  |</a:t>
-            </a:r>
-          </a:p>
-          <a:p>
-            <a:pPr>
-              <a:lnSpc>
-                <a:spcPts val="1640"/>
-              </a:lnSpc>
-            </a:pPr>
-            <a:r>
-              <a:rPr lang="en-CA" sz="1200" dirty="0">
-                <a:latin typeface="Courier" pitchFamily="2" charset="0"/>
-              </a:rPr>
-              <a:t>                     |       |            |       |</a:t>
-            </a:r>
-          </a:p>
-          <a:p>
-            <a:pPr>
-              <a:lnSpc>
-                <a:spcPts val="1640"/>
-              </a:lnSpc>
-            </a:pPr>
-            <a:r>
-              <a:rPr lang="en-CA" sz="1200" dirty="0">
-                <a:latin typeface="Courier" pitchFamily="2" charset="0"/>
-              </a:rPr>
-              <a:t>                     +-------+            +-------+</a:t>
-            </a:r>
-          </a:p>
-          <a:p>
-            <a:pPr>
-              <a:lnSpc>
-                <a:spcPts val="1640"/>
-              </a:lnSpc>
-            </a:pPr>
-            <a:r>
-              <a:rPr lang="en-CA" sz="1200" dirty="0">
-                <a:latin typeface="Courier" pitchFamily="2" charset="0"/>
-              </a:rPr>
-              <a:t>                      Sender              Reflector</a:t>
-            </a:r>
-          </a:p>
-        </p:txBody>
-      </p:sp>
     </p:spTree>
     <p:extLst>
       <p:ext uri="{BB962C8B-B14F-4D97-AF65-F5344CB8AC3E}">
-        <p14:creationId xmlns:p14="http://schemas.microsoft.com/office/powerpoint/2010/main" val="21907870"/>
+        <p14:creationId xmlns:p14="http://schemas.microsoft.com/office/powerpoint/2010/main" val="3637512675"/>
       </p:ext>
     </p:extLst>
   </p:cSld>
@@ -7430,6 +7745,419 @@
       </p:grpSpPr>
       <p:sp>
         <p:nvSpPr>
+          <p:cNvPr id="2" name="Title 1">
+            <a:extLst>
+              <a:ext uri="{FF2B5EF4-FFF2-40B4-BE49-F238E27FC236}">
+                <a16:creationId xmlns:a16="http://schemas.microsoft.com/office/drawing/2014/main" id="{9A6F4236-AC14-394A-A36C-F2BD8CED3237}"/>
+              </a:ext>
+            </a:extLst>
+          </p:cNvPr>
+          <p:cNvSpPr>
+            <a:spLocks noGrp="1"/>
+          </p:cNvSpPr>
+          <p:nvPr>
+            <p:ph type="title"/>
+          </p:nvPr>
+        </p:nvSpPr>
+        <p:spPr>
+          <a:xfrm>
+            <a:off x="457200" y="-19050"/>
+            <a:ext cx="8229600" cy="857250"/>
+          </a:xfrm>
+        </p:spPr>
+        <p:txBody>
+          <a:bodyPr/>
+          <a:lstStyle/>
+          <a:p>
+            <a:r>
+              <a:rPr lang="en-US" sz="3600" dirty="0">
+                <a:solidFill>
+                  <a:srgbClr val="0070C0"/>
+                </a:solidFill>
+                <a:latin typeface="Calibri Light" panose="020F0302020204030204" pitchFamily="34" charset="0"/>
+                <a:cs typeface="Calibri Light" panose="020F0302020204030204" pitchFamily="34" charset="0"/>
+              </a:rPr>
+              <a:t>Example Provisioning Model</a:t>
+            </a:r>
+          </a:p>
+        </p:txBody>
+      </p:sp>
+      <p:sp>
+        <p:nvSpPr>
+          <p:cNvPr id="4" name="Footer Placeholder 3">
+            <a:extLst>
+              <a:ext uri="{FF2B5EF4-FFF2-40B4-BE49-F238E27FC236}">
+                <a16:creationId xmlns:a16="http://schemas.microsoft.com/office/drawing/2014/main" id="{643D160E-CC3C-EB46-A6F1-43B8E2996F46}"/>
+              </a:ext>
+            </a:extLst>
+          </p:cNvPr>
+          <p:cNvSpPr>
+            <a:spLocks noGrp="1"/>
+          </p:cNvSpPr>
+          <p:nvPr>
+            <p:ph type="ftr" sz="quarter" idx="11"/>
+          </p:nvPr>
+        </p:nvSpPr>
+        <p:spPr>
+          <a:xfrm>
+            <a:off x="3124200" y="4775368"/>
+            <a:ext cx="2895600" cy="357188"/>
+          </a:xfrm>
+        </p:spPr>
+        <p:txBody>
+          <a:bodyPr/>
+          <a:lstStyle/>
+          <a:p>
+            <a:r>
+              <a:rPr lang="en-CA" dirty="0"/>
+              <a:t>108</a:t>
+            </a:r>
+            <a:r>
+              <a:rPr lang="en-CA" baseline="30000" dirty="0"/>
+              <a:t>th</a:t>
+            </a:r>
+            <a:r>
+              <a:rPr lang="en-CA" dirty="0"/>
+              <a:t> IETF @ Madrid</a:t>
+            </a:r>
+          </a:p>
+        </p:txBody>
+      </p:sp>
+      <p:sp>
+        <p:nvSpPr>
+          <p:cNvPr id="5" name="Slide Number Placeholder 4">
+            <a:extLst>
+              <a:ext uri="{FF2B5EF4-FFF2-40B4-BE49-F238E27FC236}">
+                <a16:creationId xmlns:a16="http://schemas.microsoft.com/office/drawing/2014/main" id="{A8B868AE-B105-7547-A646-14FCDF91C2DD}"/>
+              </a:ext>
+            </a:extLst>
+          </p:cNvPr>
+          <p:cNvSpPr>
+            <a:spLocks noGrp="1"/>
+          </p:cNvSpPr>
+          <p:nvPr>
+            <p:ph type="sldNum" sz="quarter" idx="12"/>
+          </p:nvPr>
+        </p:nvSpPr>
+        <p:spPr/>
+        <p:txBody>
+          <a:bodyPr/>
+          <a:lstStyle/>
+          <a:p>
+            <a:pPr>
+              <a:defRPr/>
+            </a:pPr>
+            <a:fld id="{BD6E0F59-1DD8-40FC-9C92-B6295CBA6CCA}" type="slidenum">
+              <a:rPr lang="en-US" altLang="zh-CN" smtClean="0"/>
+              <a:pPr>
+                <a:defRPr/>
+              </a:pPr>
+              <a:t>13</a:t>
+            </a:fld>
+            <a:endParaRPr lang="en-US" altLang="zh-CN"/>
+          </a:p>
+        </p:txBody>
+      </p:sp>
+      <p:sp>
+        <p:nvSpPr>
+          <p:cNvPr id="7" name="Rectangle 6">
+            <a:extLst>
+              <a:ext uri="{FF2B5EF4-FFF2-40B4-BE49-F238E27FC236}">
+                <a16:creationId xmlns:a16="http://schemas.microsoft.com/office/drawing/2014/main" id="{AA6E66CA-28BC-2C4A-BC04-4600D8FEBF3B}"/>
+              </a:ext>
+            </a:extLst>
+          </p:cNvPr>
+          <p:cNvSpPr/>
+          <p:nvPr/>
+        </p:nvSpPr>
+        <p:spPr>
+          <a:xfrm>
+            <a:off x="990600" y="825427"/>
+            <a:ext cx="7010400" cy="3779817"/>
+          </a:xfrm>
+          <a:prstGeom prst="rect">
+            <a:avLst/>
+          </a:prstGeom>
+          <a:solidFill>
+            <a:schemeClr val="accent6">
+              <a:lumMod val="20000"/>
+              <a:lumOff val="80000"/>
+            </a:schemeClr>
+          </a:solidFill>
+        </p:spPr>
+        <p:txBody>
+          <a:bodyPr wrap="square">
+            <a:spAutoFit/>
+          </a:bodyPr>
+          <a:lstStyle/>
+          <a:p>
+            <a:pPr>
+              <a:lnSpc>
+                <a:spcPts val="1640"/>
+              </a:lnSpc>
+            </a:pPr>
+            <a:r>
+              <a:rPr lang="en-CA" sz="1200" dirty="0">
+                <a:latin typeface="Courier" pitchFamily="2" charset="0"/>
+              </a:rPr>
+              <a:t>                             +------------+</a:t>
+            </a:r>
+          </a:p>
+          <a:p>
+            <a:pPr>
+              <a:lnSpc>
+                <a:spcPts val="1640"/>
+              </a:lnSpc>
+            </a:pPr>
+            <a:r>
+              <a:rPr lang="en-CA" sz="1200" dirty="0">
+                <a:latin typeface="Courier" pitchFamily="2" charset="0"/>
+              </a:rPr>
+              <a:t>                             | Controller |</a:t>
+            </a:r>
+          </a:p>
+          <a:p>
+            <a:pPr>
+              <a:lnSpc>
+                <a:spcPts val="1640"/>
+              </a:lnSpc>
+            </a:pPr>
+            <a:r>
+              <a:rPr lang="en-CA" sz="1200" dirty="0">
+                <a:latin typeface="Courier" pitchFamily="2" charset="0"/>
+              </a:rPr>
+              <a:t>                             +------------+</a:t>
+            </a:r>
+          </a:p>
+          <a:p>
+            <a:pPr>
+              <a:lnSpc>
+                <a:spcPts val="1640"/>
+              </a:lnSpc>
+            </a:pPr>
+            <a:r>
+              <a:rPr lang="en-CA" sz="1200" dirty="0">
+                <a:latin typeface="Courier" pitchFamily="2" charset="0"/>
+              </a:rPr>
+              <a:t>  Destination UDP Port            /  \       Network Programming Label</a:t>
+            </a:r>
+          </a:p>
+          <a:p>
+            <a:pPr>
+              <a:lnSpc>
+                <a:spcPts val="1640"/>
+              </a:lnSpc>
+            </a:pPr>
+            <a:r>
+              <a:rPr lang="en-CA" sz="1200" dirty="0">
+                <a:latin typeface="Courier" pitchFamily="2" charset="0"/>
+              </a:rPr>
+              <a:t>  Measurement Protocol           /    \      Timestamp2 Offset</a:t>
+            </a:r>
+          </a:p>
+          <a:p>
+            <a:pPr>
+              <a:lnSpc>
+                <a:spcPts val="1640"/>
+              </a:lnSpc>
+            </a:pPr>
+            <a:r>
+              <a:rPr lang="en-CA" sz="1200" dirty="0">
+                <a:latin typeface="Courier" pitchFamily="2" charset="0"/>
+              </a:rPr>
+              <a:t>  PLM Type                      /      \     Timestamp Format</a:t>
+            </a:r>
+          </a:p>
+          <a:p>
+            <a:pPr>
+              <a:lnSpc>
+                <a:spcPts val="1640"/>
+              </a:lnSpc>
+            </a:pPr>
+            <a:r>
+              <a:rPr lang="en-CA" sz="1200" dirty="0">
+                <a:latin typeface="Courier" pitchFamily="2" charset="0"/>
+              </a:rPr>
+              <a:t>     LB or Enhanced LB         /        \</a:t>
+            </a:r>
+          </a:p>
+          <a:p>
+            <a:pPr>
+              <a:lnSpc>
+                <a:spcPts val="1640"/>
+              </a:lnSpc>
+            </a:pPr>
+            <a:r>
+              <a:rPr lang="en-CA" sz="1200" dirty="0">
+                <a:latin typeface="Courier" pitchFamily="2" charset="0"/>
+              </a:rPr>
+              <a:t>  Authentication Mode &amp; Key   /          \     </a:t>
+            </a:r>
+          </a:p>
+          <a:p>
+            <a:pPr>
+              <a:lnSpc>
+                <a:spcPts val="1640"/>
+              </a:lnSpc>
+            </a:pPr>
+            <a:r>
+              <a:rPr lang="en-CA" sz="1200" dirty="0">
+                <a:latin typeface="Courier" pitchFamily="2" charset="0"/>
+              </a:rPr>
+              <a:t>  Network Programming Label  /            \</a:t>
+            </a:r>
+          </a:p>
+          <a:p>
+            <a:pPr>
+              <a:lnSpc>
+                <a:spcPts val="1640"/>
+              </a:lnSpc>
+            </a:pPr>
+            <a:r>
+              <a:rPr lang="en-CA" sz="1200" dirty="0">
+                <a:latin typeface="Courier" pitchFamily="2" charset="0"/>
+              </a:rPr>
+              <a:t>  Timestamp Format          /              \</a:t>
+            </a:r>
+          </a:p>
+          <a:p>
+            <a:pPr>
+              <a:lnSpc>
+                <a:spcPts val="1640"/>
+              </a:lnSpc>
+            </a:pPr>
+            <a:r>
+              <a:rPr lang="en-CA" sz="1200" dirty="0">
+                <a:latin typeface="Courier" pitchFamily="2" charset="0"/>
+              </a:rPr>
+              <a:t>                           /                \ </a:t>
+            </a:r>
+          </a:p>
+          <a:p>
+            <a:pPr>
+              <a:lnSpc>
+                <a:spcPts val="1640"/>
+              </a:lnSpc>
+            </a:pPr>
+            <a:r>
+              <a:rPr lang="en-CA" sz="1200" dirty="0">
+                <a:latin typeface="Courier" pitchFamily="2" charset="0"/>
+              </a:rPr>
+              <a:t>                          v                  v</a:t>
+            </a:r>
+          </a:p>
+          <a:p>
+            <a:pPr>
+              <a:lnSpc>
+                <a:spcPts val="1640"/>
+              </a:lnSpc>
+            </a:pPr>
+            <a:r>
+              <a:rPr lang="en-CA" sz="1200" dirty="0">
+                <a:latin typeface="Courier" pitchFamily="2" charset="0"/>
+              </a:rPr>
+              <a:t>                     +-------+            +-------+</a:t>
+            </a:r>
+          </a:p>
+          <a:p>
+            <a:pPr>
+              <a:lnSpc>
+                <a:spcPts val="1640"/>
+              </a:lnSpc>
+            </a:pPr>
+            <a:r>
+              <a:rPr lang="en-CA" sz="1200" dirty="0">
+                <a:latin typeface="Courier" pitchFamily="2" charset="0"/>
+              </a:rPr>
+              <a:t>                     |       |  SR Path   |       |</a:t>
+            </a:r>
+          </a:p>
+          <a:p>
+            <a:pPr>
+              <a:lnSpc>
+                <a:spcPts val="1640"/>
+              </a:lnSpc>
+            </a:pPr>
+            <a:r>
+              <a:rPr lang="en-CA" sz="1200" dirty="0">
+                <a:latin typeface="Courier" pitchFamily="2" charset="0"/>
+              </a:rPr>
+              <a:t>                     |   R1  |============|   R5  |</a:t>
+            </a:r>
+          </a:p>
+          <a:p>
+            <a:pPr>
+              <a:lnSpc>
+                <a:spcPts val="1640"/>
+              </a:lnSpc>
+            </a:pPr>
+            <a:r>
+              <a:rPr lang="en-CA" sz="1200" dirty="0">
+                <a:latin typeface="Courier" pitchFamily="2" charset="0"/>
+              </a:rPr>
+              <a:t>                     |       |            |       |</a:t>
+            </a:r>
+          </a:p>
+          <a:p>
+            <a:pPr>
+              <a:lnSpc>
+                <a:spcPts val="1640"/>
+              </a:lnSpc>
+            </a:pPr>
+            <a:r>
+              <a:rPr lang="en-CA" sz="1200" dirty="0">
+                <a:latin typeface="Courier" pitchFamily="2" charset="0"/>
+              </a:rPr>
+              <a:t>                     +-------+            +-------+</a:t>
+            </a:r>
+          </a:p>
+          <a:p>
+            <a:pPr>
+              <a:lnSpc>
+                <a:spcPts val="1640"/>
+              </a:lnSpc>
+            </a:pPr>
+            <a:r>
+              <a:rPr lang="en-CA" sz="1200" dirty="0">
+                <a:latin typeface="Courier" pitchFamily="2" charset="0"/>
+              </a:rPr>
+              <a:t>                      Sender              Reflector</a:t>
+            </a:r>
+          </a:p>
+        </p:txBody>
+      </p:sp>
+    </p:spTree>
+    <p:extLst>
+      <p:ext uri="{BB962C8B-B14F-4D97-AF65-F5344CB8AC3E}">
+        <p14:creationId xmlns:p14="http://schemas.microsoft.com/office/powerpoint/2010/main" val="21907870"/>
+      </p:ext>
+    </p:extLst>
+  </p:cSld>
+  <p:clrMapOvr>
+    <a:masterClrMapping/>
+  </p:clrMapOvr>
+</p:sld>
+</file>
+
+<file path=ppt/slides/slide14.xml><?xml version="1.0" encoding="utf-8"?>
+<p:sld xmlns:a="http://schemas.openxmlformats.org/drawingml/2006/main" xmlns:r="http://schemas.openxmlformats.org/officeDocument/2006/relationships" xmlns:p="http://schemas.openxmlformats.org/presentationml/2006/main">
+  <p:cSld>
+    <p:spTree>
+      <p:nvGrpSpPr>
+        <p:cNvPr id="1" name=""/>
+        <p:cNvGrpSpPr/>
+        <p:nvPr/>
+      </p:nvGrpSpPr>
+      <p:grpSpPr>
+        <a:xfrm>
+          <a:off x="0" y="0"/>
+          <a:ext cx="0" cy="0"/>
+          <a:chOff x="0" y="0"/>
+          <a:chExt cx="0" cy="0"/>
+        </a:xfrm>
+      </p:grpSpPr>
+      <p:sp>
+        <p:nvSpPr>
           <p:cNvPr id="2" name="Title 1"/>
           <p:cNvSpPr>
             <a:spLocks noGrp="1"/>
@@ -7561,7 +8289,7 @@
               <a:pPr>
                 <a:defRPr/>
               </a:pPr>
-              <a:t>13</a:t>
+              <a:t>14</a:t>
             </a:fld>
             <a:endParaRPr lang="en-US" altLang="zh-CN"/>
           </a:p>
@@ -7580,7 +8308,7 @@
 </p:sld>
 </file>
 
-<file path=ppt/slides/slide14.xml><?xml version="1.0" encoding="utf-8"?>
+<file path=ppt/slides/slide15.xml><?xml version="1.0" encoding="utf-8"?>
 <p:sld xmlns:a="http://schemas.openxmlformats.org/drawingml/2006/main" xmlns:r="http://schemas.openxmlformats.org/officeDocument/2006/relationships" xmlns:p="http://schemas.openxmlformats.org/presentationml/2006/main">
   <p:cSld>
     <p:spTree>
@@ -7844,7 +8572,7 @@
               <a:pPr>
                 <a:defRPr/>
               </a:pPr>
-              <a:t>14</a:t>
+              <a:t>15</a:t>
             </a:fld>
             <a:endParaRPr lang="en-US" altLang="zh-CN"/>
           </a:p>
@@ -7863,7 +8591,7 @@
 </p:sld>
 </file>
 
-<file path=ppt/slides/slide15.xml><?xml version="1.0" encoding="utf-8"?>
+<file path=ppt/slides/slide16.xml><?xml version="1.0" encoding="utf-8"?>
 <p:sld xmlns:a="http://schemas.openxmlformats.org/drawingml/2006/main" xmlns:r="http://schemas.openxmlformats.org/officeDocument/2006/relationships" xmlns:p="http://schemas.openxmlformats.org/presentationml/2006/main">
   <p:cSld>
     <p:spTree>
@@ -9155,6 +9883,46 @@
           </a:p>
         </p:txBody>
       </p:sp>
+      <p:sp>
+        <p:nvSpPr>
+          <p:cNvPr id="24" name="Slide Number Placeholder 4">
+            <a:extLst>
+              <a:ext uri="{FF2B5EF4-FFF2-40B4-BE49-F238E27FC236}">
+                <a16:creationId xmlns:a16="http://schemas.microsoft.com/office/drawing/2014/main" id="{36E7104F-B23D-BB4B-BCB6-30211CD16AA7}"/>
+              </a:ext>
+            </a:extLst>
+          </p:cNvPr>
+          <p:cNvSpPr>
+            <a:spLocks noGrp="1"/>
+          </p:cNvSpPr>
+          <p:nvPr>
+            <p:ph type="sldNum" sz="quarter" idx="12"/>
+          </p:nvPr>
+        </p:nvSpPr>
+        <p:spPr>
+          <a:xfrm>
+            <a:off x="6553200" y="4683919"/>
+            <a:ext cx="2133600" cy="357188"/>
+          </a:xfrm>
+        </p:spPr>
+        <p:txBody>
+          <a:bodyPr/>
+          <a:lstStyle/>
+          <a:p>
+            <a:pPr>
+              <a:defRPr/>
+            </a:pPr>
+            <a:fld id="{BD6E0F59-1DD8-40FC-9C92-B6295CBA6CCA}" type="slidenum">
+              <a:rPr lang="en-US" altLang="zh-CN" smtClean="0"/>
+              <a:pPr>
+                <a:defRPr/>
+              </a:pPr>
+              <a:t>16</a:t>
+            </a:fld>
+            <a:endParaRPr lang="en-US" altLang="zh-CN" dirty="0"/>
+          </a:p>
+        </p:txBody>
+      </p:sp>
     </p:spTree>
     <p:extLst>
       <p:ext uri="{BB962C8B-B14F-4D97-AF65-F5344CB8AC3E}">
@@ -9168,7 +9936,7 @@
 </p:sld>
 </file>
 
-<file path=ppt/slides/slide16.xml><?xml version="1.0" encoding="utf-8"?>
+<file path=ppt/slides/slide17.xml><?xml version="1.0" encoding="utf-8"?>
 <p:sld xmlns:a="http://schemas.openxmlformats.org/drawingml/2006/main" xmlns:r="http://schemas.openxmlformats.org/officeDocument/2006/relationships" xmlns:p="http://schemas.openxmlformats.org/presentationml/2006/main">
   <p:cSld>
     <p:spTree>
@@ -10652,6 +11420,46 @@
           </a:p>
         </p:txBody>
       </p:sp>
+      <p:sp>
+        <p:nvSpPr>
+          <p:cNvPr id="24" name="Slide Number Placeholder 4">
+            <a:extLst>
+              <a:ext uri="{FF2B5EF4-FFF2-40B4-BE49-F238E27FC236}">
+                <a16:creationId xmlns:a16="http://schemas.microsoft.com/office/drawing/2014/main" id="{631BB958-508F-E447-B7FA-8BC9D803E95E}"/>
+              </a:ext>
+            </a:extLst>
+          </p:cNvPr>
+          <p:cNvSpPr>
+            <a:spLocks noGrp="1"/>
+          </p:cNvSpPr>
+          <p:nvPr>
+            <p:ph type="sldNum" sz="quarter" idx="12"/>
+          </p:nvPr>
+        </p:nvSpPr>
+        <p:spPr>
+          <a:xfrm>
+            <a:off x="6553200" y="4683919"/>
+            <a:ext cx="2133600" cy="357188"/>
+          </a:xfrm>
+        </p:spPr>
+        <p:txBody>
+          <a:bodyPr/>
+          <a:lstStyle/>
+          <a:p>
+            <a:pPr>
+              <a:defRPr/>
+            </a:pPr>
+            <a:fld id="{BD6E0F59-1DD8-40FC-9C92-B6295CBA6CCA}" type="slidenum">
+              <a:rPr lang="en-US" altLang="zh-CN" smtClean="0"/>
+              <a:pPr>
+                <a:defRPr/>
+              </a:pPr>
+              <a:t>17</a:t>
+            </a:fld>
+            <a:endParaRPr lang="en-US" altLang="zh-CN" dirty="0"/>
+          </a:p>
+        </p:txBody>
+      </p:sp>
     </p:spTree>
     <p:extLst>
       <p:ext uri="{BB962C8B-B14F-4D97-AF65-F5344CB8AC3E}">
@@ -10665,7 +11473,7 @@
 </p:sld>
 </file>
 
-<file path=ppt/slides/slide17.xml><?xml version="1.0" encoding="utf-8"?>
+<file path=ppt/slides/slide18.xml><?xml version="1.0" encoding="utf-8"?>
 <p:sld xmlns:a="http://schemas.openxmlformats.org/drawingml/2006/main" xmlns:r="http://schemas.openxmlformats.org/officeDocument/2006/relationships" xmlns:p="http://schemas.openxmlformats.org/presentationml/2006/main">
   <p:cSld>
     <p:spTree>
@@ -10929,7 +11737,7 @@
               <a:pPr>
                 <a:defRPr/>
               </a:pPr>
-              <a:t>17</a:t>
+              <a:t>18</a:t>
             </a:fld>
             <a:endParaRPr lang="en-US" altLang="zh-CN"/>
           </a:p>
@@ -10948,7 +11756,7 @@
 </p:sld>
 </file>
 
-<file path=ppt/slides/slide18.xml><?xml version="1.0" encoding="utf-8"?>
+<file path=ppt/slides/slide19.xml><?xml version="1.0" encoding="utf-8"?>
 <p:sld xmlns:a="http://schemas.openxmlformats.org/drawingml/2006/main" xmlns:r="http://schemas.openxmlformats.org/officeDocument/2006/relationships" xmlns:p="http://schemas.openxmlformats.org/presentationml/2006/main">
   <p:cSld>
     <p:spTree>
@@ -11212,7 +12020,7 @@
               <a:pPr>
                 <a:defRPr/>
               </a:pPr>
-              <a:t>18</a:t>
+              <a:t>19</a:t>
             </a:fld>
             <a:endParaRPr lang="en-US" altLang="zh-CN"/>
           </a:p>
@@ -11222,483 +12030,6 @@
     <p:extLst>
       <p:ext uri="{BB962C8B-B14F-4D97-AF65-F5344CB8AC3E}">
         <p14:creationId xmlns:p14="http://schemas.microsoft.com/office/powerpoint/2010/main" val="3744222723"/>
-      </p:ext>
-    </p:extLst>
-  </p:cSld>
-  <p:clrMapOvr>
-    <a:masterClrMapping/>
-  </p:clrMapOvr>
-</p:sld>
-</file>
-
-<file path=ppt/slides/slide19.xml><?xml version="1.0" encoding="utf-8"?>
-<p:sld xmlns:a="http://schemas.openxmlformats.org/drawingml/2006/main" xmlns:r="http://schemas.openxmlformats.org/officeDocument/2006/relationships" xmlns:p="http://schemas.openxmlformats.org/presentationml/2006/main">
-  <p:cSld>
-    <p:spTree>
-      <p:nvGrpSpPr>
-        <p:cNvPr id="1" name=""/>
-        <p:cNvGrpSpPr/>
-        <p:nvPr/>
-      </p:nvGrpSpPr>
-      <p:grpSpPr>
-        <a:xfrm>
-          <a:off x="0" y="0"/>
-          <a:ext cx="0" cy="0"/>
-          <a:chOff x="0" y="0"/>
-          <a:chExt cx="0" cy="0"/>
-        </a:xfrm>
-      </p:grpSpPr>
-      <p:sp>
-        <p:nvSpPr>
-          <p:cNvPr id="2" name="Title 1"/>
-          <p:cNvSpPr>
-            <a:spLocks noGrp="1"/>
-          </p:cNvSpPr>
-          <p:nvPr>
-            <p:ph type="title"/>
-          </p:nvPr>
-        </p:nvSpPr>
-        <p:spPr>
-          <a:xfrm>
-            <a:off x="0" y="0"/>
-            <a:ext cx="9144000" cy="640642"/>
-          </a:xfrm>
-        </p:spPr>
-        <p:txBody>
-          <a:bodyPr/>
-          <a:lstStyle/>
-          <a:p>
-            <a:r>
-              <a:rPr lang="en-US" sz="3000" dirty="0">
-                <a:solidFill>
-                  <a:srgbClr val="0070C0"/>
-                </a:solidFill>
-                <a:latin typeface="Calibri Light" panose="020F0302020204030204" pitchFamily="34" charset="0"/>
-                <a:cs typeface="Calibri Light" panose="020F0302020204030204" pitchFamily="34" charset="0"/>
-              </a:rPr>
-              <a:t>SRv6 with Timestamp and Forward Function Example 1</a:t>
-            </a:r>
-          </a:p>
-        </p:txBody>
-      </p:sp>
-      <p:sp>
-        <p:nvSpPr>
-          <p:cNvPr id="4" name="Footer Placeholder 3"/>
-          <p:cNvSpPr>
-            <a:spLocks noGrp="1"/>
-          </p:cNvSpPr>
-          <p:nvPr>
-            <p:ph type="ftr" sz="quarter" idx="11"/>
-          </p:nvPr>
-        </p:nvSpPr>
-        <p:spPr>
-          <a:xfrm>
-            <a:off x="2836126" y="4786312"/>
-            <a:ext cx="2895600" cy="357188"/>
-          </a:xfrm>
-        </p:spPr>
-        <p:txBody>
-          <a:bodyPr/>
-          <a:lstStyle/>
-          <a:p>
-            <a:r>
-              <a:rPr lang="en-CA" dirty="0"/>
-              <a:t>108</a:t>
-            </a:r>
-            <a:r>
-              <a:rPr lang="en-CA" baseline="30000" dirty="0"/>
-              <a:t>th</a:t>
-            </a:r>
-            <a:r>
-              <a:rPr lang="en-CA" dirty="0"/>
-              <a:t> IETF @ Madrid</a:t>
-            </a:r>
-          </a:p>
-        </p:txBody>
-      </p:sp>
-      <p:sp>
-        <p:nvSpPr>
-          <p:cNvPr id="5" name="Slide Number Placeholder 4"/>
-          <p:cNvSpPr>
-            <a:spLocks noGrp="1"/>
-          </p:cNvSpPr>
-          <p:nvPr>
-            <p:ph type="sldNum" sz="quarter" idx="12"/>
-          </p:nvPr>
-        </p:nvSpPr>
-        <p:spPr/>
-        <p:txBody>
-          <a:bodyPr/>
-          <a:lstStyle/>
-          <a:p>
-            <a:pPr>
-              <a:defRPr/>
-            </a:pPr>
-            <a:fld id="{BD6E0F59-1DD8-40FC-9C92-B6295CBA6CCA}" type="slidenum">
-              <a:rPr lang="en-US" altLang="zh-CN" smtClean="0"/>
-              <a:pPr>
-                <a:defRPr/>
-              </a:pPr>
-              <a:t>19</a:t>
-            </a:fld>
-            <a:endParaRPr lang="en-US" altLang="zh-CN"/>
-          </a:p>
-        </p:txBody>
-      </p:sp>
-      <p:sp>
-        <p:nvSpPr>
-          <p:cNvPr id="6" name="Rectangle 5">
-            <a:extLst>
-              <a:ext uri="{FF2B5EF4-FFF2-40B4-BE49-F238E27FC236}">
-                <a16:creationId xmlns:a16="http://schemas.microsoft.com/office/drawing/2014/main" id="{4C15A4CE-6545-5142-97A8-EDA8B07CB60B}"/>
-              </a:ext>
-            </a:extLst>
-          </p:cNvPr>
-          <p:cNvSpPr/>
-          <p:nvPr/>
-        </p:nvSpPr>
-        <p:spPr>
-          <a:xfrm>
-            <a:off x="207227" y="735032"/>
-            <a:ext cx="5050573" cy="3970318"/>
-          </a:xfrm>
-          <a:prstGeom prst="rect">
-            <a:avLst/>
-          </a:prstGeom>
-          <a:solidFill>
-            <a:schemeClr val="accent6">
-              <a:lumMod val="20000"/>
-              <a:lumOff val="80000"/>
-            </a:schemeClr>
-          </a:solidFill>
-        </p:spPr>
-        <p:txBody>
-          <a:bodyPr wrap="square">
-            <a:spAutoFit/>
-          </a:bodyPr>
-          <a:lstStyle/>
-          <a:p>
-            <a:r>
-              <a:rPr lang="en-CA" sz="900" dirty="0">
-                <a:latin typeface="Courier" pitchFamily="2" charset="0"/>
-              </a:rPr>
-              <a:t>  +---------------------------------------------------------------+</a:t>
-            </a:r>
-          </a:p>
-          <a:p>
-            <a:r>
-              <a:rPr lang="en-CA" sz="900" dirty="0">
-                <a:latin typeface="Courier" pitchFamily="2" charset="0"/>
-              </a:rPr>
-              <a:t>  | IP Header                                                     |</a:t>
-            </a:r>
-          </a:p>
-          <a:p>
-            <a:r>
-              <a:rPr lang="en-CA" sz="900" dirty="0">
-                <a:latin typeface="Courier" pitchFamily="2" charset="0"/>
-              </a:rPr>
-              <a:t>  .  Source IP Address = Sender IPv6 Address                      .</a:t>
-            </a:r>
-          </a:p>
-          <a:p>
-            <a:r>
-              <a:rPr lang="en-CA" sz="900" dirty="0">
-                <a:latin typeface="Courier" pitchFamily="2" charset="0"/>
-              </a:rPr>
-              <a:t>  .  Destination IP Address = Next IPv6 Address                   .</a:t>
-            </a:r>
-          </a:p>
-          <a:p>
-            <a:r>
-              <a:rPr lang="en-CA" sz="900" dirty="0">
-                <a:latin typeface="Courier" pitchFamily="2" charset="0"/>
-              </a:rPr>
-              <a:t>  .                                                               .</a:t>
-            </a:r>
-          </a:p>
-          <a:p>
-            <a:r>
-              <a:rPr lang="en-CA" sz="900" dirty="0">
-                <a:latin typeface="Courier" pitchFamily="2" charset="0"/>
-              </a:rPr>
-              <a:t>  +---------------------------------------------------------------+</a:t>
-            </a:r>
-          </a:p>
-          <a:p>
-            <a:r>
-              <a:rPr lang="en-CA" sz="900" dirty="0">
-                <a:latin typeface="Courier" pitchFamily="2" charset="0"/>
-              </a:rPr>
-              <a:t>  |  SRH as specified in RFC 8754                                 |</a:t>
-            </a:r>
-          </a:p>
-          <a:p>
-            <a:r>
-              <a:rPr lang="en-CA" sz="900" dirty="0">
-                <a:latin typeface="Courier" pitchFamily="2" charset="0"/>
-              </a:rPr>
-              <a:t>  .   &lt;Segment List&gt;                                              .</a:t>
-            </a:r>
-          </a:p>
-          <a:p>
-            <a:r>
-              <a:rPr lang="en-CA" sz="900" dirty="0">
-                <a:latin typeface="Courier" pitchFamily="2" charset="0"/>
-              </a:rPr>
-              <a:t>  .  END.TSF with Target SID                                      .</a:t>
-            </a:r>
-          </a:p>
-          <a:p>
-            <a:r>
-              <a:rPr lang="en-CA" sz="900" dirty="0">
-                <a:latin typeface="Courier" pitchFamily="2" charset="0"/>
-              </a:rPr>
-              <a:t>  .                                                               .</a:t>
-            </a:r>
-          </a:p>
-          <a:p>
-            <a:r>
-              <a:rPr lang="en-CA" sz="900" dirty="0">
-                <a:latin typeface="Courier" pitchFamily="2" charset="0"/>
-              </a:rPr>
-              <a:t>  +---------------------------------------------------------------+</a:t>
-            </a:r>
-          </a:p>
-          <a:p>
-            <a:r>
-              <a:rPr lang="en-CA" sz="900" dirty="0">
-                <a:latin typeface="Courier" pitchFamily="2" charset="0"/>
-              </a:rPr>
-              <a:t>  | IP Header                                                     |</a:t>
-            </a:r>
-          </a:p>
-          <a:p>
-            <a:r>
-              <a:rPr lang="en-CA" sz="900" dirty="0">
-                <a:latin typeface="Courier" pitchFamily="2" charset="0"/>
-              </a:rPr>
-              <a:t>  .  Source IP Address = </a:t>
-            </a:r>
-            <a:r>
-              <a:rPr lang="en-CA" sz="900" b="1" dirty="0">
-                <a:latin typeface="Courier" pitchFamily="2" charset="0"/>
-              </a:rPr>
-              <a:t>Reflector</a:t>
-            </a:r>
-            <a:r>
-              <a:rPr lang="en-CA" sz="900" dirty="0">
-                <a:latin typeface="Courier" pitchFamily="2" charset="0"/>
-              </a:rPr>
-              <a:t> IPv6 Address                   .</a:t>
-            </a:r>
-          </a:p>
-          <a:p>
-            <a:r>
-              <a:rPr lang="en-CA" sz="900" dirty="0">
-                <a:latin typeface="Courier" pitchFamily="2" charset="0"/>
-              </a:rPr>
-              <a:t>  .  Destination IP Address = </a:t>
-            </a:r>
-            <a:r>
-              <a:rPr lang="en-CA" sz="900" b="1" dirty="0">
-                <a:latin typeface="Courier" pitchFamily="2" charset="0"/>
-              </a:rPr>
-              <a:t>Sender</a:t>
-            </a:r>
-            <a:r>
-              <a:rPr lang="en-CA" sz="900" dirty="0">
-                <a:latin typeface="Courier" pitchFamily="2" charset="0"/>
-              </a:rPr>
-              <a:t> IPv6 Address                 .</a:t>
-            </a:r>
-          </a:p>
-          <a:p>
-            <a:r>
-              <a:rPr lang="en-CA" sz="900" dirty="0">
-                <a:latin typeface="Courier" pitchFamily="2" charset="0"/>
-              </a:rPr>
-              <a:t>  .                                                               .</a:t>
-            </a:r>
-          </a:p>
-          <a:p>
-            <a:r>
-              <a:rPr lang="en-CA" sz="900" dirty="0">
-                <a:latin typeface="Courier" pitchFamily="2" charset="0"/>
-              </a:rPr>
-              <a:t>  +---------------------------------------------------------------+</a:t>
-            </a:r>
-          </a:p>
-          <a:p>
-            <a:r>
-              <a:rPr lang="en-CA" sz="900" dirty="0">
-                <a:latin typeface="Courier" pitchFamily="2" charset="0"/>
-              </a:rPr>
-              <a:t>  | UDP Header                                                    |</a:t>
-            </a:r>
-          </a:p>
-          <a:p>
-            <a:r>
-              <a:rPr lang="en-CA" sz="900" dirty="0">
-                <a:latin typeface="Courier" pitchFamily="2" charset="0"/>
-              </a:rPr>
-              <a:t>  .  Source Port = As chosen by Sender                            .</a:t>
-            </a:r>
-          </a:p>
-          <a:p>
-            <a:r>
-              <a:rPr lang="en-CA" sz="900" dirty="0">
-                <a:latin typeface="Courier" pitchFamily="2" charset="0"/>
-              </a:rPr>
-              <a:t>  .  Destination Port = User-configured Port                      .</a:t>
-            </a:r>
-          </a:p>
-          <a:p>
-            <a:r>
-              <a:rPr lang="en-CA" sz="900" dirty="0">
-                <a:latin typeface="Courier" pitchFamily="2" charset="0"/>
-              </a:rPr>
-              <a:t>  .                                                               .</a:t>
-            </a:r>
-          </a:p>
-          <a:p>
-            <a:r>
-              <a:rPr lang="en-CA" sz="900" dirty="0">
-                <a:latin typeface="Courier" pitchFamily="2" charset="0"/>
-              </a:rPr>
-              <a:t>  +-+-+-+-+-+-+-+-+-+-+-+-+-+-+-+-+-+-+-+-+-+-+-+-+-+-+-+-+-+-+-+-+</a:t>
-            </a:r>
-          </a:p>
-          <a:p>
-            <a:r>
-              <a:rPr lang="en-CA" sz="900" dirty="0">
-                <a:latin typeface="Courier" pitchFamily="2" charset="0"/>
-              </a:rPr>
-              <a:t>  |  Payload as defined in Section 4.2.1 of RFC 5357 |            |</a:t>
-            </a:r>
-          </a:p>
-          <a:p>
-            <a:r>
-              <a:rPr lang="en-CA" sz="900" dirty="0">
-                <a:latin typeface="Courier" pitchFamily="2" charset="0"/>
-              </a:rPr>
-              <a:t>  |  Payload as defined in Section 4.2 of RFC 8762                |</a:t>
-            </a:r>
-          </a:p>
-          <a:p>
-            <a:r>
-              <a:rPr lang="en-CA" sz="900" dirty="0">
-                <a:latin typeface="Courier" pitchFamily="2" charset="0"/>
-              </a:rPr>
-              <a:t>  .                                                               .</a:t>
-            </a:r>
-          </a:p>
-          <a:p>
-            <a:r>
-              <a:rPr lang="en-CA" sz="900" dirty="0">
-                <a:latin typeface="Courier" pitchFamily="2" charset="0"/>
-              </a:rPr>
-              <a:t>  +---------------------------------------------------------------+</a:t>
-            </a:r>
-          </a:p>
-          <a:p>
-            <a:r>
-              <a:rPr lang="en-CA" sz="900" dirty="0">
-                <a:latin typeface="Courier" pitchFamily="2" charset="0"/>
-              </a:rPr>
-              <a:t> </a:t>
-            </a:r>
-          </a:p>
-          <a:p>
-            <a:r>
-              <a:rPr lang="en-CA" sz="900" dirty="0">
-                <a:latin typeface="Courier" pitchFamily="2" charset="0"/>
-              </a:rPr>
-              <a:t>Example 1: Probe Message for SRv6 with Endpoint Function </a:t>
-            </a:r>
-            <a:r>
-              <a:rPr lang="en-CA" sz="900" b="1" dirty="0">
-                <a:latin typeface="Courier" pitchFamily="2" charset="0"/>
-              </a:rPr>
-              <a:t>IP</a:t>
-            </a:r>
-            <a:r>
-              <a:rPr lang="en-CA" sz="900" dirty="0">
-                <a:latin typeface="Courier" pitchFamily="2" charset="0"/>
-              </a:rPr>
-              <a:t> Return Path</a:t>
-            </a:r>
-            <a:endParaRPr lang="en-US" sz="900" dirty="0">
-              <a:latin typeface="Courier" pitchFamily="2" charset="0"/>
-            </a:endParaRPr>
-          </a:p>
-        </p:txBody>
-      </p:sp>
-      <p:sp>
-        <p:nvSpPr>
-          <p:cNvPr id="8" name="Content Placeholder 7">
-            <a:extLst>
-              <a:ext uri="{FF2B5EF4-FFF2-40B4-BE49-F238E27FC236}">
-                <a16:creationId xmlns:a16="http://schemas.microsoft.com/office/drawing/2014/main" id="{FC6E1890-536D-9D49-8207-C42BBF301FF3}"/>
-              </a:ext>
-            </a:extLst>
-          </p:cNvPr>
-          <p:cNvSpPr>
-            <a:spLocks noGrp="1"/>
-          </p:cNvSpPr>
-          <p:nvPr>
-            <p:ph idx="1"/>
-          </p:nvPr>
-        </p:nvSpPr>
-        <p:spPr>
-          <a:xfrm>
-            <a:off x="5352372" y="1047750"/>
-            <a:ext cx="3678973" cy="2895600"/>
-          </a:xfrm>
-        </p:spPr>
-        <p:txBody>
-          <a:bodyPr/>
-          <a:lstStyle/>
-          <a:p>
-            <a:r>
-              <a:rPr lang="en-US" sz="1400" dirty="0"/>
-              <a:t>Endpoint Function END.TSF is defined for Timestamp and Forward and carried for the Reflector node SID</a:t>
-            </a:r>
-          </a:p>
-          <a:p>
-            <a:r>
-              <a:rPr lang="en-US" sz="1400" dirty="0"/>
-              <a:t>Reverse Path is IP</a:t>
-            </a:r>
-          </a:p>
-          <a:p>
-            <a:r>
-              <a:rPr lang="en-US" sz="1400" dirty="0"/>
-              <a:t>Reflector node removes SRH</a:t>
-            </a:r>
-          </a:p>
-          <a:p>
-            <a:r>
-              <a:rPr lang="en-US" sz="1400" dirty="0"/>
-              <a:t>Inner IPv6 header is required</a:t>
-            </a:r>
-          </a:p>
-          <a:p>
-            <a:pPr lvl="1"/>
-            <a:r>
-              <a:rPr lang="en-US" sz="1400" dirty="0"/>
-              <a:t>Source and Destination Addresses are swapped to represent the Reverse direction path in the inner IPv6 header</a:t>
-            </a:r>
-          </a:p>
-          <a:p>
-            <a:endParaRPr lang="en-US" sz="1400" dirty="0"/>
-          </a:p>
-        </p:txBody>
-      </p:sp>
-    </p:spTree>
-    <p:extLst>
-      <p:ext uri="{BB962C8B-B14F-4D97-AF65-F5344CB8AC3E}">
-        <p14:creationId xmlns:p14="http://schemas.microsoft.com/office/powerpoint/2010/main" val="94110022"/>
       </p:ext>
     </p:extLst>
   </p:cSld>
@@ -11904,7 +12235,7 @@
         <p:spPr>
           <a:xfrm>
             <a:off x="0" y="0"/>
-            <a:ext cx="9144000" cy="742950"/>
+            <a:ext cx="9144000" cy="640642"/>
           </a:xfrm>
         </p:spPr>
         <p:txBody>
@@ -11919,6 +12250,483 @@
                 <a:latin typeface="Calibri Light" panose="020F0302020204030204" pitchFamily="34" charset="0"/>
                 <a:cs typeface="Calibri Light" panose="020F0302020204030204" pitchFamily="34" charset="0"/>
               </a:rPr>
+              <a:t>SRv6 with Timestamp and Forward Function Example 1</a:t>
+            </a:r>
+          </a:p>
+        </p:txBody>
+      </p:sp>
+      <p:sp>
+        <p:nvSpPr>
+          <p:cNvPr id="4" name="Footer Placeholder 3"/>
+          <p:cNvSpPr>
+            <a:spLocks noGrp="1"/>
+          </p:cNvSpPr>
+          <p:nvPr>
+            <p:ph type="ftr" sz="quarter" idx="11"/>
+          </p:nvPr>
+        </p:nvSpPr>
+        <p:spPr>
+          <a:xfrm>
+            <a:off x="2836126" y="4786312"/>
+            <a:ext cx="2895600" cy="357188"/>
+          </a:xfrm>
+        </p:spPr>
+        <p:txBody>
+          <a:bodyPr/>
+          <a:lstStyle/>
+          <a:p>
+            <a:r>
+              <a:rPr lang="en-CA" dirty="0"/>
+              <a:t>108</a:t>
+            </a:r>
+            <a:r>
+              <a:rPr lang="en-CA" baseline="30000" dirty="0"/>
+              <a:t>th</a:t>
+            </a:r>
+            <a:r>
+              <a:rPr lang="en-CA" dirty="0"/>
+              <a:t> IETF @ Madrid</a:t>
+            </a:r>
+          </a:p>
+        </p:txBody>
+      </p:sp>
+      <p:sp>
+        <p:nvSpPr>
+          <p:cNvPr id="5" name="Slide Number Placeholder 4"/>
+          <p:cNvSpPr>
+            <a:spLocks noGrp="1"/>
+          </p:cNvSpPr>
+          <p:nvPr>
+            <p:ph type="sldNum" sz="quarter" idx="12"/>
+          </p:nvPr>
+        </p:nvSpPr>
+        <p:spPr/>
+        <p:txBody>
+          <a:bodyPr/>
+          <a:lstStyle/>
+          <a:p>
+            <a:pPr>
+              <a:defRPr/>
+            </a:pPr>
+            <a:fld id="{BD6E0F59-1DD8-40FC-9C92-B6295CBA6CCA}" type="slidenum">
+              <a:rPr lang="en-US" altLang="zh-CN" smtClean="0"/>
+              <a:pPr>
+                <a:defRPr/>
+              </a:pPr>
+              <a:t>20</a:t>
+            </a:fld>
+            <a:endParaRPr lang="en-US" altLang="zh-CN"/>
+          </a:p>
+        </p:txBody>
+      </p:sp>
+      <p:sp>
+        <p:nvSpPr>
+          <p:cNvPr id="6" name="Rectangle 5">
+            <a:extLst>
+              <a:ext uri="{FF2B5EF4-FFF2-40B4-BE49-F238E27FC236}">
+                <a16:creationId xmlns:a16="http://schemas.microsoft.com/office/drawing/2014/main" id="{4C15A4CE-6545-5142-97A8-EDA8B07CB60B}"/>
+              </a:ext>
+            </a:extLst>
+          </p:cNvPr>
+          <p:cNvSpPr/>
+          <p:nvPr/>
+        </p:nvSpPr>
+        <p:spPr>
+          <a:xfrm>
+            <a:off x="207227" y="735032"/>
+            <a:ext cx="5050573" cy="3970318"/>
+          </a:xfrm>
+          <a:prstGeom prst="rect">
+            <a:avLst/>
+          </a:prstGeom>
+          <a:solidFill>
+            <a:schemeClr val="accent6">
+              <a:lumMod val="20000"/>
+              <a:lumOff val="80000"/>
+            </a:schemeClr>
+          </a:solidFill>
+        </p:spPr>
+        <p:txBody>
+          <a:bodyPr wrap="square">
+            <a:spAutoFit/>
+          </a:bodyPr>
+          <a:lstStyle/>
+          <a:p>
+            <a:r>
+              <a:rPr lang="en-CA" sz="900" dirty="0">
+                <a:latin typeface="Courier" pitchFamily="2" charset="0"/>
+              </a:rPr>
+              <a:t>  +---------------------------------------------------------------+</a:t>
+            </a:r>
+          </a:p>
+          <a:p>
+            <a:r>
+              <a:rPr lang="en-CA" sz="900" dirty="0">
+                <a:latin typeface="Courier" pitchFamily="2" charset="0"/>
+              </a:rPr>
+              <a:t>  | IP Header                                                     |</a:t>
+            </a:r>
+          </a:p>
+          <a:p>
+            <a:r>
+              <a:rPr lang="en-CA" sz="900" dirty="0">
+                <a:latin typeface="Courier" pitchFamily="2" charset="0"/>
+              </a:rPr>
+              <a:t>  .  Source IP Address = Sender IPv6 Address                      .</a:t>
+            </a:r>
+          </a:p>
+          <a:p>
+            <a:r>
+              <a:rPr lang="en-CA" sz="900" dirty="0">
+                <a:latin typeface="Courier" pitchFamily="2" charset="0"/>
+              </a:rPr>
+              <a:t>  .  Destination IP Address = Next IPv6 Address                   .</a:t>
+            </a:r>
+          </a:p>
+          <a:p>
+            <a:r>
+              <a:rPr lang="en-CA" sz="900" dirty="0">
+                <a:latin typeface="Courier" pitchFamily="2" charset="0"/>
+              </a:rPr>
+              <a:t>  .                                                               .</a:t>
+            </a:r>
+          </a:p>
+          <a:p>
+            <a:r>
+              <a:rPr lang="en-CA" sz="900" dirty="0">
+                <a:latin typeface="Courier" pitchFamily="2" charset="0"/>
+              </a:rPr>
+              <a:t>  +---------------------------------------------------------------+</a:t>
+            </a:r>
+          </a:p>
+          <a:p>
+            <a:r>
+              <a:rPr lang="en-CA" sz="900" dirty="0">
+                <a:latin typeface="Courier" pitchFamily="2" charset="0"/>
+              </a:rPr>
+              <a:t>  |  SRH as specified in RFC 8754                                 |</a:t>
+            </a:r>
+          </a:p>
+          <a:p>
+            <a:r>
+              <a:rPr lang="en-CA" sz="900" dirty="0">
+                <a:latin typeface="Courier" pitchFamily="2" charset="0"/>
+              </a:rPr>
+              <a:t>  .   &lt;Segment List&gt;                                              .</a:t>
+            </a:r>
+          </a:p>
+          <a:p>
+            <a:r>
+              <a:rPr lang="en-CA" sz="900" dirty="0">
+                <a:latin typeface="Courier" pitchFamily="2" charset="0"/>
+              </a:rPr>
+              <a:t>  .  END.TSF with Target SID                                      .</a:t>
+            </a:r>
+          </a:p>
+          <a:p>
+            <a:r>
+              <a:rPr lang="en-CA" sz="900" dirty="0">
+                <a:latin typeface="Courier" pitchFamily="2" charset="0"/>
+              </a:rPr>
+              <a:t>  .                                                               .</a:t>
+            </a:r>
+          </a:p>
+          <a:p>
+            <a:r>
+              <a:rPr lang="en-CA" sz="900" dirty="0">
+                <a:latin typeface="Courier" pitchFamily="2" charset="0"/>
+              </a:rPr>
+              <a:t>  +---------------------------------------------------------------+</a:t>
+            </a:r>
+          </a:p>
+          <a:p>
+            <a:r>
+              <a:rPr lang="en-CA" sz="900" dirty="0">
+                <a:latin typeface="Courier" pitchFamily="2" charset="0"/>
+              </a:rPr>
+              <a:t>  | IP Header                                                     |</a:t>
+            </a:r>
+          </a:p>
+          <a:p>
+            <a:r>
+              <a:rPr lang="en-CA" sz="900" dirty="0">
+                <a:latin typeface="Courier" pitchFamily="2" charset="0"/>
+              </a:rPr>
+              <a:t>  .  Source IP Address = </a:t>
+            </a:r>
+            <a:r>
+              <a:rPr lang="en-CA" sz="900" b="1" dirty="0">
+                <a:latin typeface="Courier" pitchFamily="2" charset="0"/>
+              </a:rPr>
+              <a:t>Reflector</a:t>
+            </a:r>
+            <a:r>
+              <a:rPr lang="en-CA" sz="900" dirty="0">
+                <a:latin typeface="Courier" pitchFamily="2" charset="0"/>
+              </a:rPr>
+              <a:t> IPv6 Address                   .</a:t>
+            </a:r>
+          </a:p>
+          <a:p>
+            <a:r>
+              <a:rPr lang="en-CA" sz="900" dirty="0">
+                <a:latin typeface="Courier" pitchFamily="2" charset="0"/>
+              </a:rPr>
+              <a:t>  .  Destination IP Address = </a:t>
+            </a:r>
+            <a:r>
+              <a:rPr lang="en-CA" sz="900" b="1" dirty="0">
+                <a:latin typeface="Courier" pitchFamily="2" charset="0"/>
+              </a:rPr>
+              <a:t>Sender</a:t>
+            </a:r>
+            <a:r>
+              <a:rPr lang="en-CA" sz="900" dirty="0">
+                <a:latin typeface="Courier" pitchFamily="2" charset="0"/>
+              </a:rPr>
+              <a:t> IPv6 Address                 .</a:t>
+            </a:r>
+          </a:p>
+          <a:p>
+            <a:r>
+              <a:rPr lang="en-CA" sz="900" dirty="0">
+                <a:latin typeface="Courier" pitchFamily="2" charset="0"/>
+              </a:rPr>
+              <a:t>  .                                                               .</a:t>
+            </a:r>
+          </a:p>
+          <a:p>
+            <a:r>
+              <a:rPr lang="en-CA" sz="900" dirty="0">
+                <a:latin typeface="Courier" pitchFamily="2" charset="0"/>
+              </a:rPr>
+              <a:t>  +---------------------------------------------------------------+</a:t>
+            </a:r>
+          </a:p>
+          <a:p>
+            <a:r>
+              <a:rPr lang="en-CA" sz="900" dirty="0">
+                <a:latin typeface="Courier" pitchFamily="2" charset="0"/>
+              </a:rPr>
+              <a:t>  | UDP Header                                                    |</a:t>
+            </a:r>
+          </a:p>
+          <a:p>
+            <a:r>
+              <a:rPr lang="en-CA" sz="900" dirty="0">
+                <a:latin typeface="Courier" pitchFamily="2" charset="0"/>
+              </a:rPr>
+              <a:t>  .  Source Port = As chosen by Sender                            .</a:t>
+            </a:r>
+          </a:p>
+          <a:p>
+            <a:r>
+              <a:rPr lang="en-CA" sz="900" dirty="0">
+                <a:latin typeface="Courier" pitchFamily="2" charset="0"/>
+              </a:rPr>
+              <a:t>  .  Destination Port = User-configured Port                      .</a:t>
+            </a:r>
+          </a:p>
+          <a:p>
+            <a:r>
+              <a:rPr lang="en-CA" sz="900" dirty="0">
+                <a:latin typeface="Courier" pitchFamily="2" charset="0"/>
+              </a:rPr>
+              <a:t>  .                                                               .</a:t>
+            </a:r>
+          </a:p>
+          <a:p>
+            <a:r>
+              <a:rPr lang="en-CA" sz="900" dirty="0">
+                <a:latin typeface="Courier" pitchFamily="2" charset="0"/>
+              </a:rPr>
+              <a:t>  +-+-+-+-+-+-+-+-+-+-+-+-+-+-+-+-+-+-+-+-+-+-+-+-+-+-+-+-+-+-+-+-+</a:t>
+            </a:r>
+          </a:p>
+          <a:p>
+            <a:r>
+              <a:rPr lang="en-CA" sz="900" dirty="0">
+                <a:latin typeface="Courier" pitchFamily="2" charset="0"/>
+              </a:rPr>
+              <a:t>  |  Payload as defined in Section 4.2.1 of RFC 5357 |            |</a:t>
+            </a:r>
+          </a:p>
+          <a:p>
+            <a:r>
+              <a:rPr lang="en-CA" sz="900" dirty="0">
+                <a:latin typeface="Courier" pitchFamily="2" charset="0"/>
+              </a:rPr>
+              <a:t>  |  Payload as defined in Section 4.2 of RFC 8762                |</a:t>
+            </a:r>
+          </a:p>
+          <a:p>
+            <a:r>
+              <a:rPr lang="en-CA" sz="900" dirty="0">
+                <a:latin typeface="Courier" pitchFamily="2" charset="0"/>
+              </a:rPr>
+              <a:t>  .                                                               .</a:t>
+            </a:r>
+          </a:p>
+          <a:p>
+            <a:r>
+              <a:rPr lang="en-CA" sz="900" dirty="0">
+                <a:latin typeface="Courier" pitchFamily="2" charset="0"/>
+              </a:rPr>
+              <a:t>  +---------------------------------------------------------------+</a:t>
+            </a:r>
+          </a:p>
+          <a:p>
+            <a:r>
+              <a:rPr lang="en-CA" sz="900" dirty="0">
+                <a:latin typeface="Courier" pitchFamily="2" charset="0"/>
+              </a:rPr>
+              <a:t> </a:t>
+            </a:r>
+          </a:p>
+          <a:p>
+            <a:r>
+              <a:rPr lang="en-CA" sz="900" dirty="0">
+                <a:latin typeface="Courier" pitchFamily="2" charset="0"/>
+              </a:rPr>
+              <a:t>Example 1: Probe Message for SRv6 with Endpoint Function </a:t>
+            </a:r>
+            <a:r>
+              <a:rPr lang="en-CA" sz="900" b="1" dirty="0">
+                <a:latin typeface="Courier" pitchFamily="2" charset="0"/>
+              </a:rPr>
+              <a:t>IP</a:t>
+            </a:r>
+            <a:r>
+              <a:rPr lang="en-CA" sz="900" dirty="0">
+                <a:latin typeface="Courier" pitchFamily="2" charset="0"/>
+              </a:rPr>
+              <a:t> Return Path</a:t>
+            </a:r>
+            <a:endParaRPr lang="en-US" sz="900" dirty="0">
+              <a:latin typeface="Courier" pitchFamily="2" charset="0"/>
+            </a:endParaRPr>
+          </a:p>
+        </p:txBody>
+      </p:sp>
+      <p:sp>
+        <p:nvSpPr>
+          <p:cNvPr id="8" name="Content Placeholder 7">
+            <a:extLst>
+              <a:ext uri="{FF2B5EF4-FFF2-40B4-BE49-F238E27FC236}">
+                <a16:creationId xmlns:a16="http://schemas.microsoft.com/office/drawing/2014/main" id="{FC6E1890-536D-9D49-8207-C42BBF301FF3}"/>
+              </a:ext>
+            </a:extLst>
+          </p:cNvPr>
+          <p:cNvSpPr>
+            <a:spLocks noGrp="1"/>
+          </p:cNvSpPr>
+          <p:nvPr>
+            <p:ph idx="1"/>
+          </p:nvPr>
+        </p:nvSpPr>
+        <p:spPr>
+          <a:xfrm>
+            <a:off x="5352372" y="1047750"/>
+            <a:ext cx="3678973" cy="2895600"/>
+          </a:xfrm>
+        </p:spPr>
+        <p:txBody>
+          <a:bodyPr/>
+          <a:lstStyle/>
+          <a:p>
+            <a:r>
+              <a:rPr lang="en-US" sz="1400" dirty="0"/>
+              <a:t>Endpoint Function END.TSF is defined for Timestamp and Forward and carried for the Reflector node SID</a:t>
+            </a:r>
+          </a:p>
+          <a:p>
+            <a:r>
+              <a:rPr lang="en-US" sz="1400" dirty="0"/>
+              <a:t>Reverse Path is IP</a:t>
+            </a:r>
+          </a:p>
+          <a:p>
+            <a:r>
+              <a:rPr lang="en-US" sz="1400" dirty="0"/>
+              <a:t>Reflector node removes SRH</a:t>
+            </a:r>
+          </a:p>
+          <a:p>
+            <a:r>
+              <a:rPr lang="en-US" sz="1400" dirty="0"/>
+              <a:t>Inner IPv6 header is required</a:t>
+            </a:r>
+          </a:p>
+          <a:p>
+            <a:pPr lvl="1"/>
+            <a:r>
+              <a:rPr lang="en-US" sz="1400" dirty="0"/>
+              <a:t>Source and Destination Addresses are swapped to represent the Reverse direction path in the inner IPv6 header</a:t>
+            </a:r>
+          </a:p>
+          <a:p>
+            <a:endParaRPr lang="en-US" sz="1400" dirty="0"/>
+          </a:p>
+        </p:txBody>
+      </p:sp>
+    </p:spTree>
+    <p:extLst>
+      <p:ext uri="{BB962C8B-B14F-4D97-AF65-F5344CB8AC3E}">
+        <p14:creationId xmlns:p14="http://schemas.microsoft.com/office/powerpoint/2010/main" val="94110022"/>
+      </p:ext>
+    </p:extLst>
+  </p:cSld>
+  <p:clrMapOvr>
+    <a:masterClrMapping/>
+  </p:clrMapOvr>
+</p:sld>
+</file>
+
+<file path=ppt/slides/slide21.xml><?xml version="1.0" encoding="utf-8"?>
+<p:sld xmlns:a="http://schemas.openxmlformats.org/drawingml/2006/main" xmlns:r="http://schemas.openxmlformats.org/officeDocument/2006/relationships" xmlns:p="http://schemas.openxmlformats.org/presentationml/2006/main">
+  <p:cSld>
+    <p:spTree>
+      <p:nvGrpSpPr>
+        <p:cNvPr id="1" name=""/>
+        <p:cNvGrpSpPr/>
+        <p:nvPr/>
+      </p:nvGrpSpPr>
+      <p:grpSpPr>
+        <a:xfrm>
+          <a:off x="0" y="0"/>
+          <a:ext cx="0" cy="0"/>
+          <a:chOff x="0" y="0"/>
+          <a:chExt cx="0" cy="0"/>
+        </a:xfrm>
+      </p:grpSpPr>
+      <p:sp>
+        <p:nvSpPr>
+          <p:cNvPr id="2" name="Title 1"/>
+          <p:cNvSpPr>
+            <a:spLocks noGrp="1"/>
+          </p:cNvSpPr>
+          <p:nvPr>
+            <p:ph type="title"/>
+          </p:nvPr>
+        </p:nvSpPr>
+        <p:spPr>
+          <a:xfrm>
+            <a:off x="0" y="0"/>
+            <a:ext cx="9144000" cy="742950"/>
+          </a:xfrm>
+        </p:spPr>
+        <p:txBody>
+          <a:bodyPr/>
+          <a:lstStyle/>
+          <a:p>
+            <a:r>
+              <a:rPr lang="en-US" sz="3000" dirty="0">
+                <a:solidFill>
+                  <a:srgbClr val="0070C0"/>
+                </a:solidFill>
+                <a:latin typeface="Calibri Light" panose="020F0302020204030204" pitchFamily="34" charset="0"/>
+                <a:cs typeface="Calibri Light" panose="020F0302020204030204" pitchFamily="34" charset="0"/>
+              </a:rPr>
               <a:t>SRv6 with Timestamp and Forward Function Example 2</a:t>
             </a:r>
           </a:p>
@@ -11982,7 +12790,7 @@
               <a:pPr>
                 <a:defRPr/>
               </a:pPr>
-              <a:t>20</a:t>
+              <a:t>21</a:t>
             </a:fld>
             <a:endParaRPr lang="en-US" altLang="zh-CN" dirty="0"/>
           </a:p>
@@ -12351,7 +13159,7 @@
 </p:sld>
 </file>
 
-<file path=ppt/slides/slide21.xml><?xml version="1.0" encoding="utf-8"?>
+<file path=ppt/slides/slide22.xml><?xml version="1.0" encoding="utf-8"?>
 <p:sld xmlns:a="http://schemas.openxmlformats.org/drawingml/2006/main" xmlns:r="http://schemas.openxmlformats.org/officeDocument/2006/relationships" xmlns:p="http://schemas.openxmlformats.org/presentationml/2006/main">
   <p:cSld>
     <p:spTree>
@@ -12615,7 +13423,7 @@
               <a:pPr>
                 <a:defRPr/>
               </a:pPr>
-              <a:t>21</a:t>
+              <a:t>22</a:t>
             </a:fld>
             <a:endParaRPr lang="en-US" altLang="zh-CN"/>
           </a:p>
@@ -12719,7 +13527,7 @@
             </a:pPr>
             <a:r>
               <a:rPr lang="en-US" sz="1400" dirty="0"/>
-              <a:t>Performance Measurement &amp; Liveness Monitoring in SR networks</a:t>
+              <a:t>Performance Delay Measurement &amp; Liveness Monitoring in SR networks</a:t>
             </a:r>
           </a:p>
           <a:p>
@@ -12972,24 +13780,82 @@
                 <a:latin typeface="Calibri Light" panose="020F0302020204030204" pitchFamily="34" charset="0"/>
                 <a:cs typeface="Calibri Light" panose="020F0302020204030204" pitchFamily="34" charset="0"/>
               </a:rPr>
-              <a:t>Liveness Monitoring of SR Policy</a:t>
-            </a:r>
-          </a:p>
-        </p:txBody>
-      </p:sp>
-      <p:sp>
-        <p:nvSpPr>
-          <p:cNvPr id="4" name="Footer Placeholder 3"/>
+              <a:t>History of the Draft</a:t>
+            </a:r>
+          </a:p>
+        </p:txBody>
+      </p:sp>
+      <p:sp>
+        <p:nvSpPr>
+          <p:cNvPr id="3" name="Content Placeholder 2"/>
           <p:cNvSpPr>
             <a:spLocks noGrp="1"/>
           </p:cNvSpPr>
           <p:nvPr>
-            <p:ph type="ftr" sz="quarter" idx="11"/>
+            <p:ph idx="1"/>
           </p:nvPr>
         </p:nvSpPr>
         <p:spPr>
           <a:xfrm>
-            <a:off x="3105494" y="4786312"/>
+            <a:off x="457200" y="831574"/>
+            <a:ext cx="8229600" cy="3568976"/>
+          </a:xfrm>
+        </p:spPr>
+        <p:txBody>
+          <a:bodyPr/>
+          <a:lstStyle/>
+          <a:p>
+            <a:r>
+              <a:rPr lang="en-US" sz="1400" dirty="0"/>
+              <a:t>March 2020</a:t>
+            </a:r>
+          </a:p>
+          <a:p>
+            <a:pPr lvl="1"/>
+            <a:r>
+              <a:rPr lang="en-US" sz="1400" dirty="0"/>
+              <a:t>Draft was published</a:t>
+            </a:r>
+          </a:p>
+          <a:p>
+            <a:r>
+              <a:rPr lang="en-US" sz="1400" dirty="0"/>
+              <a:t>April 2020</a:t>
+            </a:r>
+          </a:p>
+          <a:p>
+            <a:pPr lvl="1"/>
+            <a:r>
+              <a:rPr lang="en-US" sz="1400" dirty="0"/>
+              <a:t>Presented </a:t>
+            </a:r>
+            <a:r>
+              <a:rPr lang="en-US" sz="1400" i="1" dirty="0"/>
+              <a:t>version 00</a:t>
+            </a:r>
+            <a:r>
+              <a:rPr lang="en-US" sz="1400" dirty="0"/>
+              <a:t> in IETF MPLS WG Virtual Meeting</a:t>
+            </a:r>
+          </a:p>
+          <a:p>
+            <a:endParaRPr lang="en-US" sz="1400" i="1" dirty="0"/>
+          </a:p>
+        </p:txBody>
+      </p:sp>
+      <p:sp>
+        <p:nvSpPr>
+          <p:cNvPr id="4" name="Footer Placeholder 3"/>
+          <p:cNvSpPr>
+            <a:spLocks noGrp="1"/>
+          </p:cNvSpPr>
+          <p:nvPr>
+            <p:ph type="ftr" sz="quarter" idx="11"/>
+          </p:nvPr>
+        </p:nvSpPr>
+        <p:spPr>
+          <a:xfrm>
+            <a:off x="3124200" y="4786312"/>
             <a:ext cx="2895600" cy="357188"/>
           </a:xfrm>
         </p:spPr>
@@ -13014,279 +13880,37 @@
       </p:sp>
       <p:sp>
         <p:nvSpPr>
-          <p:cNvPr id="6" name="Content Placeholder 2"/>
+          <p:cNvPr id="5" name="Slide Number Placeholder 4"/>
           <p:cNvSpPr>
             <a:spLocks noGrp="1"/>
           </p:cNvSpPr>
           <p:nvPr>
-            <p:ph idx="1"/>
-          </p:nvPr>
-        </p:nvSpPr>
-        <p:spPr>
-          <a:xfrm>
-            <a:off x="393768" y="2859107"/>
-            <a:ext cx="8319052" cy="1941044"/>
-          </a:xfrm>
-        </p:spPr>
+            <p:ph type="sldNum" sz="quarter" idx="12"/>
+          </p:nvPr>
+        </p:nvSpPr>
+        <p:spPr/>
         <p:txBody>
           <a:bodyPr/>
           <a:lstStyle/>
           <a:p>
             <a:pPr>
-              <a:lnSpc>
-                <a:spcPts val="1960"/>
-              </a:lnSpc>
-              <a:spcBef>
-                <a:spcPts val="0"/>
-              </a:spcBef>
-            </a:pPr>
-            <a:r>
-              <a:rPr lang="en-US" sz="1400" dirty="0"/>
-              <a:t>Liveness monitoring for SR Policy uses PM probes (TWAMP Light/STAMP delay measurement messages) in Loopback Mode</a:t>
-            </a:r>
-          </a:p>
-          <a:p>
-            <a:pPr>
-              <a:lnSpc>
-                <a:spcPts val="1960"/>
-              </a:lnSpc>
-              <a:spcBef>
-                <a:spcPts val="0"/>
-              </a:spcBef>
-            </a:pPr>
-            <a:r>
-              <a:rPr lang="en-US" sz="1400" dirty="0"/>
-              <a:t>Probe messages sent using Segment List(s) of the SR Policy Candidate Path(s)</a:t>
-            </a:r>
-          </a:p>
-          <a:p>
-            <a:pPr>
-              <a:lnSpc>
-                <a:spcPts val="1960"/>
-              </a:lnSpc>
-              <a:spcBef>
-                <a:spcPts val="0"/>
-              </a:spcBef>
-            </a:pPr>
-            <a:r>
-              <a:rPr lang="en-US" sz="1400" dirty="0"/>
-              <a:t>Probe messages are not punted on the remote node (endpoint/reflector) out of fast-path</a:t>
-            </a:r>
-          </a:p>
-          <a:p>
-            <a:pPr>
-              <a:lnSpc>
-                <a:spcPts val="1960"/>
-              </a:lnSpc>
-              <a:spcBef>
-                <a:spcPts val="0"/>
-              </a:spcBef>
-            </a:pPr>
-            <a:r>
-              <a:rPr lang="en-US" sz="1400" dirty="0"/>
-              <a:t>Return path can be IP or SR</a:t>
-            </a:r>
-          </a:p>
-          <a:p>
-            <a:pPr>
-              <a:lnSpc>
-                <a:spcPts val="1960"/>
-              </a:lnSpc>
-              <a:spcBef>
-                <a:spcPts val="0"/>
-              </a:spcBef>
-            </a:pPr>
-            <a:r>
-              <a:rPr lang="en-US" sz="1400" dirty="0"/>
-              <a:t>Liveness failure is notified when consecutive N number of probe messages are not received back at the sender</a:t>
-            </a:r>
-          </a:p>
-        </p:txBody>
-      </p:sp>
-      <p:sp>
-        <p:nvSpPr>
-          <p:cNvPr id="3" name="Rectangle 2">
-            <a:extLst>
-              <a:ext uri="{FF2B5EF4-FFF2-40B4-BE49-F238E27FC236}">
-                <a16:creationId xmlns:a16="http://schemas.microsoft.com/office/drawing/2014/main" id="{31B17E9C-96E0-344B-B58B-37B6A946A9B7}"/>
-              </a:ext>
-            </a:extLst>
-          </p:cNvPr>
-          <p:cNvSpPr/>
-          <p:nvPr/>
-        </p:nvSpPr>
-        <p:spPr>
-          <a:xfrm>
-            <a:off x="2209800" y="893624"/>
-            <a:ext cx="4648200" cy="1754326"/>
-          </a:xfrm>
-          <a:prstGeom prst="rect">
-            <a:avLst/>
-          </a:prstGeom>
-          <a:solidFill>
-            <a:schemeClr val="accent6">
-              <a:lumMod val="20000"/>
-              <a:lumOff val="80000"/>
-            </a:schemeClr>
-          </a:solidFill>
-          <a:ln>
-            <a:solidFill>
-              <a:srgbClr val="002060"/>
-            </a:solidFill>
-          </a:ln>
-        </p:spPr>
-        <p:txBody>
-          <a:bodyPr wrap="square">
-            <a:spAutoFit/>
-          </a:bodyPr>
-          <a:lstStyle/>
-          <a:p>
-            <a:pPr>
-              <a:spcAft>
-                <a:spcPts val="0"/>
-              </a:spcAft>
-            </a:pPr>
-            <a:r>
-              <a:rPr lang="en-CA" sz="1200" dirty="0">
-                <a:latin typeface="Courier" pitchFamily="2" charset="0"/>
-                <a:ea typeface="Calibri" panose="020F0502020204030204" pitchFamily="34" charset="0"/>
-                <a:cs typeface="Times New Roman" panose="02020603050405020304" pitchFamily="18" charset="0"/>
-              </a:rPr>
-              <a:t> +-------+ t1     Probe        +-------+</a:t>
-            </a:r>
-          </a:p>
-          <a:p>
-            <a:pPr>
-              <a:spcAft>
-                <a:spcPts val="0"/>
-              </a:spcAft>
-            </a:pPr>
-            <a:r>
-              <a:rPr lang="en-CA" sz="1200" dirty="0">
-                <a:latin typeface="Courier" pitchFamily="2" charset="0"/>
-                <a:ea typeface="Calibri" panose="020F0502020204030204" pitchFamily="34" charset="0"/>
-                <a:cs typeface="Times New Roman" panose="02020603050405020304" pitchFamily="18" charset="0"/>
-              </a:rPr>
-              <a:t> |       | - - - - - - - - - - |       |</a:t>
-            </a:r>
-          </a:p>
-          <a:p>
-            <a:pPr>
-              <a:spcAft>
-                <a:spcPts val="0"/>
-              </a:spcAft>
-            </a:pPr>
-            <a:r>
-              <a:rPr lang="en-CA" sz="1200" dirty="0">
-                <a:latin typeface="Courier" pitchFamily="2" charset="0"/>
-                <a:ea typeface="Calibri" panose="020F0502020204030204" pitchFamily="34" charset="0"/>
-                <a:cs typeface="Times New Roman" panose="02020603050405020304" pitchFamily="18" charset="0"/>
-              </a:rPr>
-              <a:t> |   R1  |--------------------||  R5   |</a:t>
-            </a:r>
-          </a:p>
-          <a:p>
-            <a:pPr>
-              <a:spcAft>
-                <a:spcPts val="0"/>
-              </a:spcAft>
-            </a:pPr>
-            <a:r>
-              <a:rPr lang="en-CA" sz="1200" dirty="0">
-                <a:latin typeface="Courier" pitchFamily="2" charset="0"/>
-                <a:ea typeface="Calibri" panose="020F0502020204030204" pitchFamily="34" charset="0"/>
-                <a:cs typeface="Times New Roman" panose="02020603050405020304" pitchFamily="18" charset="0"/>
-              </a:rPr>
-              <a:t> |       |&lt;- - - - - - - - - - |       |</a:t>
-            </a:r>
-          </a:p>
-          <a:p>
-            <a:pPr>
-              <a:spcAft>
-                <a:spcPts val="0"/>
-              </a:spcAft>
-            </a:pPr>
-            <a:r>
-              <a:rPr lang="en-CA" sz="1200" dirty="0">
-                <a:latin typeface="Courier" pitchFamily="2" charset="0"/>
-                <a:ea typeface="Calibri" panose="020F0502020204030204" pitchFamily="34" charset="0"/>
-                <a:cs typeface="Times New Roman" panose="02020603050405020304" pitchFamily="18" charset="0"/>
-              </a:rPr>
-              <a:t> +-------+ t4   Return Probe   +-------+</a:t>
-            </a:r>
-          </a:p>
-          <a:p>
-            <a:pPr>
-              <a:spcAft>
-                <a:spcPts val="0"/>
-              </a:spcAft>
-            </a:pPr>
-            <a:r>
-              <a:rPr lang="en-CA" sz="1200" dirty="0">
-                <a:latin typeface="Courier" pitchFamily="2" charset="0"/>
-                <a:ea typeface="Calibri" panose="020F0502020204030204" pitchFamily="34" charset="0"/>
-                <a:cs typeface="Times New Roman" panose="02020603050405020304" pitchFamily="18" charset="0"/>
-              </a:rPr>
-              <a:t>  Sender                      Reflector Endpoint</a:t>
-            </a:r>
-          </a:p>
-          <a:p>
-            <a:pPr>
-              <a:spcAft>
-                <a:spcPts val="0"/>
-              </a:spcAft>
-            </a:pPr>
-            <a:r>
-              <a:rPr lang="en-CA" sz="1200" dirty="0">
-                <a:latin typeface="Courier" pitchFamily="2" charset="0"/>
-                <a:ea typeface="Calibri" panose="020F0502020204030204" pitchFamily="34" charset="0"/>
-                <a:cs typeface="Times New Roman" panose="02020603050405020304" pitchFamily="18" charset="0"/>
-              </a:rPr>
-              <a:t>                              (Simply Forward)</a:t>
-            </a:r>
-          </a:p>
-          <a:p>
-            <a:pPr>
-              <a:spcAft>
-                <a:spcPts val="0"/>
-              </a:spcAft>
-            </a:pPr>
-            <a:r>
-              <a:rPr lang="en-CA" sz="1200" dirty="0">
-                <a:latin typeface="Courier" pitchFamily="2" charset="0"/>
-                <a:ea typeface="Calibri" panose="020F0502020204030204" pitchFamily="34" charset="0"/>
-                <a:cs typeface="Times New Roman" panose="02020603050405020304" pitchFamily="18" charset="0"/>
-              </a:rPr>
-              <a:t> </a:t>
-            </a:r>
-          </a:p>
-          <a:p>
-            <a:pPr>
-              <a:spcAft>
-                <a:spcPts val="0"/>
-              </a:spcAft>
-            </a:pPr>
-            <a:r>
-              <a:rPr lang="en-CA" sz="1200" dirty="0">
-                <a:latin typeface="Courier" pitchFamily="2" charset="0"/>
-                <a:ea typeface="Calibri" panose="020F0502020204030204" pitchFamily="34" charset="0"/>
-                <a:cs typeface="Times New Roman" panose="02020603050405020304" pitchFamily="18" charset="0"/>
-              </a:rPr>
-              <a:t>           Figure: Loopback Mode</a:t>
-            </a:r>
-            <a:endParaRPr lang="en-CA" sz="1200" dirty="0">
-              <a:effectLst/>
-              <a:latin typeface="Courier" pitchFamily="2" charset="0"/>
-              <a:ea typeface="Calibri" panose="020F0502020204030204" pitchFamily="34" charset="0"/>
-              <a:cs typeface="Times New Roman" panose="02020603050405020304" pitchFamily="18" charset="0"/>
-            </a:endParaRPr>
+              <a:defRPr/>
+            </a:pPr>
+            <a:fld id="{BD6E0F59-1DD8-40FC-9C92-B6295CBA6CCA}" type="slidenum">
+              <a:rPr lang="en-US" altLang="zh-CN" smtClean="0"/>
+              <a:pPr>
+                <a:defRPr/>
+              </a:pPr>
+              <a:t>4</a:t>
+            </a:fld>
+            <a:endParaRPr lang="en-US" altLang="zh-CN" dirty="0"/>
           </a:p>
         </p:txBody>
       </p:sp>
     </p:spTree>
     <p:extLst>
       <p:ext uri="{BB962C8B-B14F-4D97-AF65-F5344CB8AC3E}">
-        <p14:creationId xmlns:p14="http://schemas.microsoft.com/office/powerpoint/2010/main" val="2835041583"/>
+        <p14:creationId xmlns:p14="http://schemas.microsoft.com/office/powerpoint/2010/main" val="4096916363"/>
       </p:ext>
     </p:extLst>
   </p:cSld>
@@ -13325,8 +13949,8 @@
         </p:nvSpPr>
         <p:spPr>
           <a:xfrm>
-            <a:off x="381000" y="-19050"/>
-            <a:ext cx="8458200" cy="857250"/>
+            <a:off x="457200" y="0"/>
+            <a:ext cx="8229600" cy="857250"/>
           </a:xfrm>
         </p:spPr>
         <p:txBody>
@@ -13341,46 +13965,143 @@
                 <a:latin typeface="Calibri Light" panose="020F0302020204030204" pitchFamily="34" charset="0"/>
                 <a:cs typeface="Calibri Light" panose="020F0302020204030204" pitchFamily="34" charset="0"/>
               </a:rPr>
-              <a:t>TWAMP Light Probe Message</a:t>
-            </a:r>
-          </a:p>
-        </p:txBody>
-      </p:sp>
-      <p:sp>
-        <p:nvSpPr>
-          <p:cNvPr id="5" name="Slide Number Placeholder 4"/>
+              <a:t>Liveness Monitoring of SR Policy</a:t>
+            </a:r>
+          </a:p>
+        </p:txBody>
+      </p:sp>
+      <p:sp>
+        <p:nvSpPr>
+          <p:cNvPr id="4" name="Footer Placeholder 3"/>
           <p:cNvSpPr>
             <a:spLocks noGrp="1"/>
           </p:cNvSpPr>
           <p:nvPr>
-            <p:ph type="sldNum" sz="quarter" idx="12"/>
-          </p:nvPr>
-        </p:nvSpPr>
-        <p:spPr/>
+            <p:ph type="ftr" sz="quarter" idx="11"/>
+          </p:nvPr>
+        </p:nvSpPr>
+        <p:spPr>
+          <a:xfrm>
+            <a:off x="3105494" y="4786312"/>
+            <a:ext cx="2895600" cy="357188"/>
+          </a:xfrm>
+        </p:spPr>
         <p:txBody>
           <a:bodyPr/>
           <a:lstStyle/>
           <a:p>
-            <a:pPr>
-              <a:defRPr/>
-            </a:pPr>
-            <a:fld id="{BD6E0F59-1DD8-40FC-9C92-B6295CBA6CCA}" type="slidenum">
-              <a:rPr lang="en-US" altLang="zh-CN" smtClean="0"/>
-              <a:pPr>
-                <a:defRPr/>
-              </a:pPr>
-              <a:t>5</a:t>
-            </a:fld>
-            <a:endParaRPr lang="en-US" altLang="zh-CN"/>
-          </a:p>
-        </p:txBody>
-      </p:sp>
-      <p:sp>
-        <p:nvSpPr>
-          <p:cNvPr id="6" name="Rectangle 5">
+            <a:r>
+              <a:rPr lang="en-CA" dirty="0"/>
+              <a:t>108</a:t>
+            </a:r>
+            <a:r>
+              <a:rPr lang="en-CA" baseline="30000" dirty="0"/>
+              <a:t>th</a:t>
+            </a:r>
+            <a:r>
+              <a:rPr lang="en-CA" dirty="0"/>
+              <a:t> IETF @ Madrid</a:t>
+            </a:r>
+          </a:p>
+        </p:txBody>
+      </p:sp>
+      <p:sp>
+        <p:nvSpPr>
+          <p:cNvPr id="6" name="Content Placeholder 2"/>
+          <p:cNvSpPr>
+            <a:spLocks noGrp="1"/>
+          </p:cNvSpPr>
+          <p:nvPr>
+            <p:ph idx="1"/>
+          </p:nvPr>
+        </p:nvSpPr>
+        <p:spPr>
+          <a:xfrm>
+            <a:off x="393768" y="2859107"/>
+            <a:ext cx="8319052" cy="1941044"/>
+          </a:xfrm>
+        </p:spPr>
+        <p:txBody>
+          <a:bodyPr/>
+          <a:lstStyle/>
+          <a:p>
+            <a:pPr>
+              <a:lnSpc>
+                <a:spcPts val="1960"/>
+              </a:lnSpc>
+              <a:spcBef>
+                <a:spcPts val="0"/>
+              </a:spcBef>
+            </a:pPr>
+            <a:r>
+              <a:rPr lang="en-US" sz="1400" dirty="0"/>
+              <a:t>Liveness monitoring for SR Policy uses PM probes (TWAMP Light/STAMP delay measurement messages) in Loopback Mode</a:t>
+            </a:r>
+          </a:p>
+          <a:p>
+            <a:pPr>
+              <a:lnSpc>
+                <a:spcPts val="1960"/>
+              </a:lnSpc>
+              <a:spcBef>
+                <a:spcPts val="0"/>
+              </a:spcBef>
+            </a:pPr>
+            <a:r>
+              <a:rPr lang="en-US" sz="1400" dirty="0"/>
+              <a:t>Probe messages sent using Segment List(s) of the SR Policy Candidate Path(s)</a:t>
+            </a:r>
+          </a:p>
+          <a:p>
+            <a:pPr>
+              <a:lnSpc>
+                <a:spcPts val="1960"/>
+              </a:lnSpc>
+              <a:spcBef>
+                <a:spcPts val="0"/>
+              </a:spcBef>
+            </a:pPr>
+            <a:r>
+              <a:rPr lang="en-US" sz="1400" dirty="0"/>
+              <a:t>Probe messages are not punted on the remote node (endpoint/reflector) out of fast-path</a:t>
+            </a:r>
+          </a:p>
+          <a:p>
+            <a:pPr>
+              <a:lnSpc>
+                <a:spcPts val="1960"/>
+              </a:lnSpc>
+              <a:spcBef>
+                <a:spcPts val="0"/>
+              </a:spcBef>
+            </a:pPr>
+            <a:r>
+              <a:rPr lang="en-US" sz="1400" dirty="0"/>
+              <a:t>Return path can be IP or SR</a:t>
+            </a:r>
+          </a:p>
+          <a:p>
+            <a:pPr>
+              <a:lnSpc>
+                <a:spcPts val="1960"/>
+              </a:lnSpc>
+              <a:spcBef>
+                <a:spcPts val="0"/>
+              </a:spcBef>
+            </a:pPr>
+            <a:r>
+              <a:rPr lang="en-US" sz="1400" dirty="0"/>
+              <a:t>Liveness failure is notified when consecutive N number of probe messages are not received back at the sender</a:t>
+            </a:r>
+          </a:p>
+        </p:txBody>
+      </p:sp>
+      <p:sp>
+        <p:nvSpPr>
+          <p:cNvPr id="3" name="Rectangle 2">
             <a:extLst>
               <a:ext uri="{FF2B5EF4-FFF2-40B4-BE49-F238E27FC236}">
-                <a16:creationId xmlns:a16="http://schemas.microsoft.com/office/drawing/2014/main" id="{4C15A4CE-6545-5142-97A8-EDA8B07CB60B}"/>
+                <a16:creationId xmlns:a16="http://schemas.microsoft.com/office/drawing/2014/main" id="{31B17E9C-96E0-344B-B58B-37B6A946A9B7}"/>
               </a:ext>
             </a:extLst>
           </p:cNvPr>
@@ -13389,8 +14110,8 @@
         </p:nvSpPr>
         <p:spPr>
           <a:xfrm>
-            <a:off x="205902" y="1143326"/>
-            <a:ext cx="4823298" cy="2585323"/>
+            <a:off x="2209800" y="893624"/>
+            <a:ext cx="4648200" cy="1754326"/>
           </a:xfrm>
           <a:prstGeom prst="rect">
             <a:avLst/>
@@ -13401,6 +14122,11 @@
               <a:lumOff val="80000"/>
             </a:schemeClr>
           </a:solidFill>
+          <a:ln>
+            <a:solidFill>
+              <a:srgbClr val="002060"/>
+            </a:solidFill>
+          </a:ln>
         </p:spPr>
         <p:txBody>
           <a:bodyPr wrap="square">
@@ -13408,26 +14134,18 @@
           </a:bodyPr>
           <a:lstStyle/>
           <a:p>
-            <a:r>
-              <a:rPr lang="en-CA" sz="900" dirty="0">
-                <a:latin typeface="Courier" pitchFamily="2" charset="0"/>
-              </a:rPr>
-              <a:t>  +-+-+-+-+-+-+-+-+-+-+-+-+-+-+-+-+-+-+-+-+-+-+-+-+-+-+-+-+-+-+-+-+</a:t>
-            </a:r>
-          </a:p>
-          <a:p>
             <a:pPr>
               <a:spcAft>
                 <a:spcPts val="0"/>
               </a:spcAft>
             </a:pPr>
             <a:r>
-              <a:rPr lang="en-US" sz="900" dirty="0">
-                <a:latin typeface="Courier" pitchFamily="2" charset="0"/>
-                <a:ea typeface="Courier" charset="0"/>
-                <a:cs typeface="Courier" charset="0"/>
-              </a:rPr>
-              <a:t>  |         Sequence Number                                       |</a:t>
+              <a:rPr lang="en-CA" sz="1200" dirty="0">
+                <a:latin typeface="Courier" pitchFamily="2" charset="0"/>
+                <a:ea typeface="Calibri" panose="020F0502020204030204" pitchFamily="34" charset="0"/>
+                <a:cs typeface="Times New Roman" panose="02020603050405020304" pitchFamily="18" charset="0"/>
+              </a:rPr>
+              <a:t> +-------+ t1     Probe        +-------+</a:t>
             </a:r>
           </a:p>
           <a:p>
@@ -13437,12 +14155,12 @@
               </a:spcAft>
             </a:pPr>
             <a:r>
-              <a:rPr lang="en-US" sz="900" dirty="0">
-                <a:latin typeface="Courier" pitchFamily="2" charset="0"/>
-                <a:ea typeface="Courier" charset="0"/>
-                <a:cs typeface="Courier" charset="0"/>
-              </a:rPr>
-              <a:t>  +-+-+-+-+-+-+-+-+-+-+-+-+-+-+-+-+-+-+-+-+-+-+-+-+-+-+-+-+-+-+-+-+</a:t>
+              <a:rPr lang="en-CA" sz="1200" dirty="0">
+                <a:latin typeface="Courier" pitchFamily="2" charset="0"/>
+                <a:ea typeface="Calibri" panose="020F0502020204030204" pitchFamily="34" charset="0"/>
+                <a:cs typeface="Times New Roman" panose="02020603050405020304" pitchFamily="18" charset="0"/>
+              </a:rPr>
+              <a:t> |       | - - - - - - - - - - |       |</a:t>
             </a:r>
           </a:p>
           <a:p>
@@ -13452,12 +14170,12 @@
               </a:spcAft>
             </a:pPr>
             <a:r>
-              <a:rPr lang="en-US" sz="900" dirty="0">
-                <a:latin typeface="Courier" pitchFamily="2" charset="0"/>
-                <a:ea typeface="Courier" charset="0"/>
-                <a:cs typeface="Courier" charset="0"/>
-              </a:rPr>
-              <a:t>  |         Transmit Timestamp                                    |</a:t>
+              <a:rPr lang="en-CA" sz="1200" dirty="0">
+                <a:latin typeface="Courier" pitchFamily="2" charset="0"/>
+                <a:ea typeface="Calibri" panose="020F0502020204030204" pitchFamily="34" charset="0"/>
+                <a:cs typeface="Times New Roman" panose="02020603050405020304" pitchFamily="18" charset="0"/>
+              </a:rPr>
+              <a:t> |   R1  |--------------------||  R5   |</a:t>
             </a:r>
           </a:p>
           <a:p>
@@ -13467,12 +14185,12 @@
               </a:spcAft>
             </a:pPr>
             <a:r>
-              <a:rPr lang="en-US" sz="900" dirty="0">
-                <a:latin typeface="Courier" pitchFamily="2" charset="0"/>
-                <a:ea typeface="Courier" charset="0"/>
-                <a:cs typeface="Courier" charset="0"/>
-              </a:rPr>
-              <a:t>  |                                                               |</a:t>
+              <a:rPr lang="en-CA" sz="1200" dirty="0">
+                <a:latin typeface="Courier" pitchFamily="2" charset="0"/>
+                <a:ea typeface="Calibri" panose="020F0502020204030204" pitchFamily="34" charset="0"/>
+                <a:cs typeface="Times New Roman" panose="02020603050405020304" pitchFamily="18" charset="0"/>
+              </a:rPr>
+              <a:t> |       |&lt;- - - - - - - - - - |       |</a:t>
             </a:r>
           </a:p>
           <a:p>
@@ -13482,12 +14200,12 @@
               </a:spcAft>
             </a:pPr>
             <a:r>
-              <a:rPr lang="en-US" sz="900" dirty="0">
-                <a:latin typeface="Courier" pitchFamily="2" charset="0"/>
-                <a:ea typeface="Courier" charset="0"/>
-                <a:cs typeface="Courier" charset="0"/>
-              </a:rPr>
-              <a:t>  +-+-+-+-+-+-+-+-+-+-+-+-+-+-+-+-+-+-+-+-+-+-+-+-+-+-+-+-+-+-+-+-+</a:t>
+              <a:rPr lang="en-CA" sz="1200" dirty="0">
+                <a:latin typeface="Courier" pitchFamily="2" charset="0"/>
+                <a:ea typeface="Calibri" panose="020F0502020204030204" pitchFamily="34" charset="0"/>
+                <a:cs typeface="Times New Roman" panose="02020603050405020304" pitchFamily="18" charset="0"/>
+              </a:rPr>
+              <a:t> +-------+ t4   Return Probe   +-------+</a:t>
             </a:r>
           </a:p>
           <a:p>
@@ -13497,12 +14215,12 @@
               </a:spcAft>
             </a:pPr>
             <a:r>
-              <a:rPr lang="en-US" sz="900" dirty="0">
-                <a:latin typeface="Courier" pitchFamily="2" charset="0"/>
-                <a:ea typeface="Courier" charset="0"/>
-                <a:cs typeface="Courier" charset="0"/>
-              </a:rPr>
-              <a:t>  |         Error Estimate        |    MBZ                        |</a:t>
+              <a:rPr lang="en-CA" sz="1200" dirty="0">
+                <a:latin typeface="Courier" pitchFamily="2" charset="0"/>
+                <a:ea typeface="Calibri" panose="020F0502020204030204" pitchFamily="34" charset="0"/>
+                <a:cs typeface="Times New Roman" panose="02020603050405020304" pitchFamily="18" charset="0"/>
+              </a:rPr>
+              <a:t>  Sender                      Reflector Endpoint</a:t>
             </a:r>
           </a:p>
           <a:p>
@@ -13512,12 +14230,12 @@
               </a:spcAft>
             </a:pPr>
             <a:r>
-              <a:rPr lang="en-US" sz="900" dirty="0">
-                <a:latin typeface="Courier" pitchFamily="2" charset="0"/>
-                <a:ea typeface="Courier" charset="0"/>
-                <a:cs typeface="Courier" charset="0"/>
-              </a:rPr>
-              <a:t>  +-+-+-+-+-+-+-+-+-+-+-+-+-+-+-+-+-+-+-+-+-+-+-+-+-+-+-+-+-+-+-+-+</a:t>
+              <a:rPr lang="en-CA" sz="1200" dirty="0">
+                <a:latin typeface="Courier" pitchFamily="2" charset="0"/>
+                <a:ea typeface="Calibri" panose="020F0502020204030204" pitchFamily="34" charset="0"/>
+                <a:cs typeface="Times New Roman" panose="02020603050405020304" pitchFamily="18" charset="0"/>
+              </a:rPr>
+              <a:t>                              (Simply Forward)</a:t>
             </a:r>
           </a:p>
           <a:p>
@@ -13527,12 +14245,12 @@
               </a:spcAft>
             </a:pPr>
             <a:r>
-              <a:rPr lang="en-US" sz="900" dirty="0">
-                <a:latin typeface="Courier" pitchFamily="2" charset="0"/>
-                <a:ea typeface="Courier" charset="0"/>
-                <a:cs typeface="Courier" charset="0"/>
-              </a:rPr>
-              <a:t>  |                                                               |</a:t>
+              <a:rPr lang="en-CA" sz="1200" dirty="0">
+                <a:latin typeface="Courier" pitchFamily="2" charset="0"/>
+                <a:ea typeface="Calibri" panose="020F0502020204030204" pitchFamily="34" charset="0"/>
+                <a:cs typeface="Times New Roman" panose="02020603050405020304" pitchFamily="18" charset="0"/>
+              </a:rPr>
+              <a:t> </a:t>
             </a:r>
           </a:p>
           <a:p>
@@ -13542,144 +14260,28 @@
               </a:spcAft>
             </a:pPr>
             <a:r>
-              <a:rPr lang="en-US" sz="900" dirty="0">
-                <a:latin typeface="Courier" pitchFamily="2" charset="0"/>
-                <a:ea typeface="Courier" charset="0"/>
-                <a:cs typeface="Courier" charset="0"/>
-              </a:rPr>
-              <a:t>  ~         Padding                                               ~</a:t>
-            </a:r>
-          </a:p>
-          <a:p>
-            <a:pPr>
-              <a:spcAft>
-                <a:spcPts val="0"/>
-              </a:spcAft>
-            </a:pPr>
-            <a:r>
-              <a:rPr lang="en-US" sz="900" dirty="0">
-                <a:latin typeface="Courier" pitchFamily="2" charset="0"/>
-                <a:ea typeface="Courier" charset="0"/>
-                <a:cs typeface="Courier" charset="0"/>
-              </a:rPr>
-              <a:t>  |                                                               |</a:t>
-            </a:r>
-          </a:p>
-          <a:p>
-            <a:pPr>
-              <a:spcAft>
-                <a:spcPts val="0"/>
-              </a:spcAft>
-            </a:pPr>
-            <a:r>
-              <a:rPr lang="en-US" sz="900" dirty="0">
-                <a:latin typeface="Courier" pitchFamily="2" charset="0"/>
-                <a:ea typeface="Courier" charset="0"/>
-                <a:cs typeface="Courier" charset="0"/>
-              </a:rPr>
-              <a:t>  |                                                               |</a:t>
-            </a:r>
-          </a:p>
-          <a:p>
-            <a:pPr>
-              <a:spcAft>
-                <a:spcPts val="0"/>
-              </a:spcAft>
-            </a:pPr>
-            <a:r>
-              <a:rPr lang="en-US" sz="900" dirty="0">
-                <a:latin typeface="Courier" pitchFamily="2" charset="0"/>
-                <a:ea typeface="Courier" charset="0"/>
-                <a:cs typeface="Courier" charset="0"/>
-              </a:rPr>
-              <a:t>  |                                                               |</a:t>
-            </a:r>
-          </a:p>
-          <a:p>
-            <a:pPr>
-              <a:spcAft>
-                <a:spcPts val="0"/>
-              </a:spcAft>
-            </a:pPr>
-            <a:r>
-              <a:rPr lang="en-US" sz="900" dirty="0">
-                <a:latin typeface="Courier" pitchFamily="2" charset="0"/>
-                <a:ea typeface="Courier" charset="0"/>
-                <a:cs typeface="Courier" charset="0"/>
-              </a:rPr>
-              <a:t>  |                                                               |</a:t>
-            </a:r>
-          </a:p>
-          <a:p>
-            <a:pPr>
-              <a:spcAft>
-                <a:spcPts val="0"/>
-              </a:spcAft>
-            </a:pPr>
-            <a:r>
-              <a:rPr lang="en-US" sz="900" dirty="0">
-                <a:latin typeface="Courier" pitchFamily="2" charset="0"/>
-                <a:ea typeface="Courier" charset="0"/>
-                <a:cs typeface="Courier" charset="0"/>
-              </a:rPr>
-              <a:t>  |                                                               |</a:t>
-            </a:r>
-          </a:p>
-          <a:p>
-            <a:pPr>
-              <a:spcAft>
-                <a:spcPts val="0"/>
-              </a:spcAft>
-            </a:pPr>
-            <a:r>
-              <a:rPr lang="en-US" sz="900" dirty="0">
-                <a:solidFill>
-                  <a:schemeClr val="tx1">
-                    <a:lumMod val="50000"/>
-                    <a:lumOff val="50000"/>
-                  </a:schemeClr>
-                </a:solidFill>
-                <a:latin typeface="Courier" pitchFamily="2" charset="0"/>
-                <a:ea typeface="Courier" charset="0"/>
-                <a:cs typeface="Courier" charset="0"/>
-              </a:rPr>
-              <a:t>  +-+-+-+-+-+-+-+-+-+-+-+-+-+-+-+-+-+-+-+-+-+-+-+-+-+-+-+-+-+-+-+-+</a:t>
-            </a:r>
-          </a:p>
-          <a:p>
-            <a:pPr>
-              <a:spcAft>
-                <a:spcPts val="0"/>
-              </a:spcAft>
-            </a:pPr>
-            <a:endParaRPr lang="en-CA" sz="900" dirty="0">
-              <a:solidFill>
-                <a:schemeClr val="bg2">
-                  <a:lumMod val="50000"/>
-                </a:schemeClr>
-              </a:solidFill>
+              <a:rPr lang="en-CA" sz="1200" dirty="0">
+                <a:latin typeface="Courier" pitchFamily="2" charset="0"/>
+                <a:ea typeface="Calibri" panose="020F0502020204030204" pitchFamily="34" charset="0"/>
+                <a:cs typeface="Times New Roman" panose="02020603050405020304" pitchFamily="18" charset="0"/>
+              </a:rPr>
+              <a:t>           Figure: Loopback Mode</a:t>
+            </a:r>
+            <a:endParaRPr lang="en-CA" sz="1200" dirty="0">
+              <a:effectLst/>
               <a:latin typeface="Courier" pitchFamily="2" charset="0"/>
+              <a:ea typeface="Calibri" panose="020F0502020204030204" pitchFamily="34" charset="0"/>
+              <a:cs typeface="Times New Roman" panose="02020603050405020304" pitchFamily="18" charset="0"/>
             </a:endParaRPr>
           </a:p>
-          <a:p>
-            <a:r>
-              <a:rPr lang="en-CA" sz="900" dirty="0">
-                <a:latin typeface="Courier" pitchFamily="2" charset="0"/>
-              </a:rPr>
-              <a:t>              Figure: TWAMP Light Probe Message Format</a:t>
-            </a:r>
-            <a:endParaRPr lang="en-US" sz="900" dirty="0">
-              <a:latin typeface="Courier" pitchFamily="2" charset="0"/>
-            </a:endParaRPr>
-          </a:p>
-        </p:txBody>
-      </p:sp>
-      <p:sp>
-        <p:nvSpPr>
-          <p:cNvPr id="8" name="Content Placeholder 7">
+        </p:txBody>
+      </p:sp>
+      <p:sp>
+        <p:nvSpPr>
+          <p:cNvPr id="7" name="Slide Number Placeholder 4">
             <a:extLst>
               <a:ext uri="{FF2B5EF4-FFF2-40B4-BE49-F238E27FC236}">
-                <a16:creationId xmlns:a16="http://schemas.microsoft.com/office/drawing/2014/main" id="{FC6E1890-536D-9D49-8207-C42BBF301FF3}"/>
+                <a16:creationId xmlns:a16="http://schemas.microsoft.com/office/drawing/2014/main" id="{3D476F52-EE2A-D340-BC0B-FF970B352F58}"/>
               </a:ext>
             </a:extLst>
           </p:cNvPr>
@@ -13687,93 +14289,37 @@
             <a:spLocks noGrp="1"/>
           </p:cNvSpPr>
           <p:nvPr>
-            <p:ph idx="1"/>
+            <p:ph type="sldNum" sz="quarter" idx="12"/>
           </p:nvPr>
         </p:nvSpPr>
         <p:spPr>
           <a:xfrm>
-            <a:off x="5029200" y="1352550"/>
-            <a:ext cx="3962400" cy="2057399"/>
+            <a:off x="6553200" y="4683919"/>
+            <a:ext cx="2133600" cy="357188"/>
           </a:xfrm>
         </p:spPr>
         <p:txBody>
           <a:bodyPr/>
           <a:lstStyle/>
           <a:p>
-            <a:pPr marL="0" indent="0">
-              <a:buNone/>
-            </a:pPr>
-            <a:r>
-              <a:rPr lang="en-US" sz="1400" b="1" dirty="0"/>
-              <a:t>Loopback Mode</a:t>
-            </a:r>
-          </a:p>
-          <a:p>
-            <a:r>
-              <a:rPr lang="en-US" sz="1400" dirty="0"/>
-              <a:t>Sender adds the Transmit Timestamp</a:t>
-            </a:r>
-          </a:p>
-          <a:p>
-            <a:r>
-              <a:rPr lang="en-US" sz="1400" dirty="0"/>
-              <a:t>Sender Sequence Number, Sender Timestamp, Sender Error Estimate and Sender TTL in the TWAMP Light messages are not used</a:t>
-            </a:r>
-          </a:p>
-          <a:p>
-            <a:pPr lvl="1"/>
-            <a:r>
-              <a:rPr lang="en-US" sz="1400" dirty="0"/>
-              <a:t>Reflector does not copy them</a:t>
-            </a:r>
-          </a:p>
-          <a:p>
-            <a:endParaRPr lang="en-US" sz="1400" dirty="0"/>
-          </a:p>
-          <a:p>
-            <a:endParaRPr lang="en-US" sz="1400" dirty="0"/>
-          </a:p>
-        </p:txBody>
-      </p:sp>
-      <p:sp>
-        <p:nvSpPr>
-          <p:cNvPr id="4" name="Footer Placeholder 3"/>
-          <p:cNvSpPr>
-            <a:spLocks noGrp="1"/>
-          </p:cNvSpPr>
-          <p:nvPr>
-            <p:ph type="ftr" sz="quarter" idx="11"/>
-          </p:nvPr>
-        </p:nvSpPr>
-        <p:spPr>
-          <a:xfrm>
-            <a:off x="3124200" y="4786312"/>
-            <a:ext cx="2895600" cy="357188"/>
-          </a:xfrm>
-        </p:spPr>
-        <p:txBody>
-          <a:bodyPr/>
-          <a:lstStyle/>
-          <a:p>
-            <a:r>
-              <a:rPr lang="en-CA" dirty="0"/>
-              <a:t>108</a:t>
-            </a:r>
-            <a:r>
-              <a:rPr lang="en-CA" baseline="30000" dirty="0"/>
-              <a:t>th</a:t>
-            </a:r>
-            <a:r>
-              <a:rPr lang="en-CA" dirty="0"/>
-              <a:t> IETF @ Madrid</a:t>
-            </a:r>
+            <a:pPr>
+              <a:defRPr/>
+            </a:pPr>
+            <a:fld id="{BD6E0F59-1DD8-40FC-9C92-B6295CBA6CCA}" type="slidenum">
+              <a:rPr lang="en-US" altLang="zh-CN" smtClean="0"/>
+              <a:pPr>
+                <a:defRPr/>
+              </a:pPr>
+              <a:t>5</a:t>
+            </a:fld>
+            <a:endParaRPr lang="en-US" altLang="zh-CN" dirty="0"/>
           </a:p>
         </p:txBody>
       </p:sp>
     </p:spTree>
     <p:extLst>
       <p:ext uri="{BB962C8B-B14F-4D97-AF65-F5344CB8AC3E}">
-        <p14:creationId xmlns:p14="http://schemas.microsoft.com/office/powerpoint/2010/main" val="411766997"/>
+        <p14:creationId xmlns:p14="http://schemas.microsoft.com/office/powerpoint/2010/main" val="2835041583"/>
       </p:ext>
     </p:extLst>
   </p:cSld>
@@ -13828,7 +14374,7 @@
                 <a:latin typeface="Calibri Light" panose="020F0302020204030204" pitchFamily="34" charset="0"/>
                 <a:cs typeface="Calibri Light" panose="020F0302020204030204" pitchFamily="34" charset="0"/>
               </a:rPr>
-              <a:t>STAMP Probe Message</a:t>
+              <a:t>TWAMP Light Probe Message</a:t>
             </a:r>
           </a:p>
         </p:txBody>
@@ -13989,7 +14535,7 @@
                 <a:ea typeface="Courier" charset="0"/>
                 <a:cs typeface="Courier" charset="0"/>
               </a:rPr>
-              <a:t>  |         Error Estimate        |    SSID                       |</a:t>
+              <a:t>  |         Error Estimate        |    MBZ                        |</a:t>
             </a:r>
           </a:p>
           <a:p>
@@ -14034,7 +14580,7 @@
                 <a:ea typeface="Courier" charset="0"/>
                 <a:cs typeface="Courier" charset="0"/>
               </a:rPr>
-              <a:t>  |         Padding                                               |</a:t>
+              <a:t>  ~         Padding                                               ~</a:t>
             </a:r>
           </a:p>
           <a:p>
@@ -14120,6 +14666,12 @@
             </a:pPr>
             <a:r>
               <a:rPr lang="en-US" sz="900" dirty="0">
+                <a:solidFill>
+                  <a:schemeClr val="tx1">
+                    <a:lumMod val="50000"/>
+                    <a:lumOff val="50000"/>
+                  </a:schemeClr>
+                </a:solidFill>
                 <a:latin typeface="Courier" pitchFamily="2" charset="0"/>
                 <a:ea typeface="Courier" charset="0"/>
                 <a:cs typeface="Courier" charset="0"/>
@@ -14147,7 +14699,7 @@
               <a:rPr lang="en-CA" sz="900" dirty="0">
                 <a:latin typeface="Courier" pitchFamily="2" charset="0"/>
               </a:rPr>
-              <a:t>              Figure: STAMP Probe Message Format</a:t>
+              <a:t>              Figure: TWAMP Light Probe Message Format</a:t>
             </a:r>
             <a:endParaRPr lang="en-US" sz="900" dirty="0">
               <a:latin typeface="Courier" pitchFamily="2" charset="0"/>
@@ -14198,7 +14750,7 @@
           <a:p>
             <a:r>
               <a:rPr lang="en-US" sz="1400" dirty="0"/>
-              <a:t>Sender Sequence Number, Sender Timestamp, Sender Error Estimate and Sender TTL in the STAMP messages are not used</a:t>
+              <a:t>Sender Sequence Number, Sender Timestamp, Sender Error Estimate and Sender TTL in the TWAMP Light messages are not used</a:t>
             </a:r>
           </a:p>
           <a:p>
@@ -14254,7 +14806,7 @@
     </p:spTree>
     <p:extLst>
       <p:ext uri="{BB962C8B-B14F-4D97-AF65-F5344CB8AC3E}">
-        <p14:creationId xmlns:p14="http://schemas.microsoft.com/office/powerpoint/2010/main" val="3504262298"/>
+        <p14:creationId xmlns:p14="http://schemas.microsoft.com/office/powerpoint/2010/main" val="411766997"/>
       </p:ext>
     </p:extLst>
   </p:cSld>
@@ -14293,8 +14845,8 @@
         </p:nvSpPr>
         <p:spPr>
           <a:xfrm>
-            <a:off x="457200" y="0"/>
-            <a:ext cx="8229600" cy="786646"/>
+            <a:off x="381000" y="-19050"/>
+            <a:ext cx="8458200" cy="857250"/>
           </a:xfrm>
         </p:spPr>
         <p:txBody>
@@ -14309,157 +14861,46 @@
                 <a:latin typeface="Calibri Light" panose="020F0302020204030204" pitchFamily="34" charset="0"/>
                 <a:cs typeface="Calibri Light" panose="020F0302020204030204" pitchFamily="34" charset="0"/>
               </a:rPr>
-              <a:t>Enhanced Liveness Monitoring of SR Policy</a:t>
-            </a:r>
-          </a:p>
-        </p:txBody>
-      </p:sp>
-      <p:sp>
-        <p:nvSpPr>
-          <p:cNvPr id="4" name="Footer Placeholder 3"/>
+              <a:t>STAMP Probe Message</a:t>
+            </a:r>
+          </a:p>
+        </p:txBody>
+      </p:sp>
+      <p:sp>
+        <p:nvSpPr>
+          <p:cNvPr id="5" name="Slide Number Placeholder 4"/>
           <p:cNvSpPr>
             <a:spLocks noGrp="1"/>
           </p:cNvSpPr>
           <p:nvPr>
-            <p:ph type="ftr" sz="quarter" idx="11"/>
-          </p:nvPr>
-        </p:nvSpPr>
-        <p:spPr>
-          <a:xfrm>
-            <a:off x="3124200" y="4786312"/>
-            <a:ext cx="2895600" cy="357188"/>
-          </a:xfrm>
-        </p:spPr>
+            <p:ph type="sldNum" sz="quarter" idx="12"/>
+          </p:nvPr>
+        </p:nvSpPr>
+        <p:spPr/>
         <p:txBody>
           <a:bodyPr/>
           <a:lstStyle/>
           <a:p>
-            <a:r>
-              <a:rPr lang="en-CA" dirty="0"/>
-              <a:t>108</a:t>
-            </a:r>
-            <a:r>
-              <a:rPr lang="en-CA" baseline="30000" dirty="0"/>
-              <a:t>th</a:t>
-            </a:r>
-            <a:r>
-              <a:rPr lang="en-CA" dirty="0"/>
-              <a:t> IETF @ Madrid</a:t>
-            </a:r>
-          </a:p>
-        </p:txBody>
-      </p:sp>
-      <p:sp>
-        <p:nvSpPr>
-          <p:cNvPr id="6" name="Content Placeholder 2"/>
-          <p:cNvSpPr>
-            <a:spLocks noGrp="1"/>
-          </p:cNvSpPr>
-          <p:nvPr>
-            <p:ph idx="1"/>
-          </p:nvPr>
-        </p:nvSpPr>
-        <p:spPr>
-          <a:xfrm>
-            <a:off x="374374" y="2647950"/>
-            <a:ext cx="8395252" cy="2138362"/>
-          </a:xfrm>
-        </p:spPr>
-        <p:txBody>
-          <a:bodyPr/>
-          <a:lstStyle/>
-          <a:p>
-            <a:pPr lvl="0">
-              <a:lnSpc>
-                <a:spcPts val="1580"/>
-              </a:lnSpc>
-              <a:spcBef>
-                <a:spcPts val="600"/>
-              </a:spcBef>
-            </a:pPr>
-            <a:r>
-              <a:rPr lang="en-CA" sz="1200" dirty="0"/>
-              <a:t>Use PM probes in loopback mode enabled with network programming function</a:t>
-            </a:r>
-          </a:p>
-          <a:p>
-            <a:pPr lvl="1">
-              <a:lnSpc>
-                <a:spcPts val="1580"/>
-              </a:lnSpc>
-              <a:spcBef>
-                <a:spcPts val="600"/>
-              </a:spcBef>
-            </a:pPr>
-            <a:r>
-              <a:rPr lang="en-CA" sz="1200" dirty="0"/>
-              <a:t>The network programming function optimizes the "operations of punt, add receive timestamp and inject the probe packet" on the reflector node</a:t>
-            </a:r>
-          </a:p>
-          <a:p>
-            <a:pPr lvl="0">
-              <a:lnSpc>
-                <a:spcPts val="1580"/>
-              </a:lnSpc>
-              <a:spcBef>
-                <a:spcPts val="600"/>
-              </a:spcBef>
-            </a:pPr>
-            <a:r>
-              <a:rPr lang="en-CA" sz="1200" dirty="0"/>
-              <a:t>The endpoint node adds the receive timestamp in the payload of the received TWAMP Light or STAMP probe message without punting the probe message</a:t>
-            </a:r>
-          </a:p>
-          <a:p>
-            <a:pPr lvl="1">
-              <a:lnSpc>
-                <a:spcPts val="1580"/>
-              </a:lnSpc>
-              <a:spcBef>
-                <a:spcPts val="600"/>
-              </a:spcBef>
-            </a:pPr>
-            <a:r>
-              <a:rPr lang="en-CA" sz="1200" dirty="0"/>
-              <a:t>Only add the receive timestamp if the source address in the probe message matches the local node address</a:t>
-            </a:r>
-          </a:p>
-          <a:p>
-            <a:pPr>
-              <a:lnSpc>
-                <a:spcPts val="1580"/>
-              </a:lnSpc>
-              <a:spcBef>
-                <a:spcPts val="600"/>
-              </a:spcBef>
-            </a:pPr>
-            <a:r>
-              <a:rPr lang="en-US" sz="1200" dirty="0"/>
-              <a:t>Liveness failure is notified when consecutive N number of probe messages are not received back at the sender</a:t>
-            </a:r>
-          </a:p>
-          <a:p>
-            <a:pPr>
-              <a:lnSpc>
-                <a:spcPts val="1580"/>
-              </a:lnSpc>
-              <a:spcBef>
-                <a:spcPts val="600"/>
-              </a:spcBef>
-            </a:pPr>
-            <a:r>
-              <a:rPr lang="en-US" sz="1200" dirty="0"/>
-              <a:t>Delay metrics are notified when consecutive N number of probe messages have delay values exceed the configured thresholds</a:t>
-            </a:r>
-          </a:p>
-        </p:txBody>
-      </p:sp>
-      <p:sp>
-        <p:nvSpPr>
-          <p:cNvPr id="3" name="Rectangle 2">
+            <a:pPr>
+              <a:defRPr/>
+            </a:pPr>
+            <a:fld id="{BD6E0F59-1DD8-40FC-9C92-B6295CBA6CCA}" type="slidenum">
+              <a:rPr lang="en-US" altLang="zh-CN" smtClean="0"/>
+              <a:pPr>
+                <a:defRPr/>
+              </a:pPr>
+              <a:t>7</a:t>
+            </a:fld>
+            <a:endParaRPr lang="en-US" altLang="zh-CN"/>
+          </a:p>
+        </p:txBody>
+      </p:sp>
+      <p:sp>
+        <p:nvSpPr>
+          <p:cNvPr id="6" name="Rectangle 5">
             <a:extLst>
               <a:ext uri="{FF2B5EF4-FFF2-40B4-BE49-F238E27FC236}">
-                <a16:creationId xmlns:a16="http://schemas.microsoft.com/office/drawing/2014/main" id="{31B17E9C-96E0-344B-B58B-37B6A946A9B7}"/>
+                <a16:creationId xmlns:a16="http://schemas.microsoft.com/office/drawing/2014/main" id="{4C15A4CE-6545-5142-97A8-EDA8B07CB60B}"/>
               </a:ext>
             </a:extLst>
           </p:cNvPr>
@@ -14468,8 +14909,8 @@
         </p:nvSpPr>
         <p:spPr>
           <a:xfrm>
-            <a:off x="1905000" y="786646"/>
-            <a:ext cx="4800600" cy="1785104"/>
+            <a:off x="205902" y="1143326"/>
+            <a:ext cx="4823298" cy="2585323"/>
           </a:xfrm>
           <a:prstGeom prst="rect">
             <a:avLst/>
@@ -14480,11 +14921,6 @@
               <a:lumOff val="80000"/>
             </a:schemeClr>
           </a:solidFill>
-          <a:ln>
-            <a:solidFill>
-              <a:srgbClr val="002060"/>
-            </a:solidFill>
-          </a:ln>
         </p:spPr>
         <p:txBody>
           <a:bodyPr wrap="square">
@@ -14493,82 +14929,357 @@
           <a:lstStyle/>
           <a:p>
             <a:r>
-              <a:rPr lang="en-CA" sz="1100" dirty="0">
-                <a:latin typeface="Courier" pitchFamily="2" charset="0"/>
-              </a:rPr>
-              <a:t>   +-------+ t1    Probe      t2 +-------+</a:t>
-            </a:r>
-          </a:p>
-          <a:p>
-            <a:r>
-              <a:rPr lang="en-CA" sz="1100" dirty="0">
-                <a:latin typeface="Courier" pitchFamily="2" charset="0"/>
-              </a:rPr>
-              <a:t>   |       | - - - - - - - - - - |       |</a:t>
-            </a:r>
-          </a:p>
-          <a:p>
-            <a:r>
-              <a:rPr lang="en-CA" sz="1100" dirty="0">
-                <a:latin typeface="Courier" pitchFamily="2" charset="0"/>
-              </a:rPr>
-              <a:t>   |   R1  |--------------------||  R5   |</a:t>
-            </a:r>
-          </a:p>
-          <a:p>
-            <a:r>
-              <a:rPr lang="en-CA" sz="1100" dirty="0">
-                <a:latin typeface="Courier" pitchFamily="2" charset="0"/>
-              </a:rPr>
-              <a:t>   |       |&lt;- - - - - - - - - - |       |</a:t>
-            </a:r>
-          </a:p>
-          <a:p>
-            <a:r>
-              <a:rPr lang="en-CA" sz="1100" dirty="0">
-                <a:latin typeface="Courier" pitchFamily="2" charset="0"/>
-              </a:rPr>
-              <a:t>   +-------+     Return Probe    +-------+</a:t>
-            </a:r>
-          </a:p>
-          <a:p>
-            <a:r>
-              <a:rPr lang="en-CA" sz="1100" dirty="0">
-                <a:latin typeface="Courier" pitchFamily="2" charset="0"/>
-              </a:rPr>
-              <a:t>    Sender                       Reflector Endpoint</a:t>
-            </a:r>
-          </a:p>
-          <a:p>
-            <a:r>
-              <a:rPr lang="en-CA" sz="1100" dirty="0">
-                <a:latin typeface="Courier" pitchFamily="2" charset="0"/>
-              </a:rPr>
-              <a:t>                                 (Timestamp,</a:t>
-            </a:r>
-          </a:p>
-          <a:p>
-            <a:r>
-              <a:rPr lang="en-CA" sz="1100" dirty="0">
-                <a:latin typeface="Courier" pitchFamily="2" charset="0"/>
-              </a:rPr>
-              <a:t>                                  Pop and Forward)</a:t>
-            </a:r>
-          </a:p>
-          <a:p>
-            <a:r>
-              <a:rPr lang="en-CA" sz="1100" dirty="0">
-                <a:latin typeface="Courier" pitchFamily="2" charset="0"/>
-              </a:rPr>
-              <a:t> </a:t>
-            </a:r>
-          </a:p>
-          <a:p>
-            <a:r>
-              <a:rPr lang="en-CA" sz="1100" dirty="0">
-                <a:latin typeface="Courier" pitchFamily="2" charset="0"/>
-              </a:rPr>
-              <a:t>Figure: Loopback Mode Enabled with Network Programming </a:t>
+              <a:rPr lang="en-CA" sz="900" dirty="0">
+                <a:latin typeface="Courier" pitchFamily="2" charset="0"/>
+              </a:rPr>
+              <a:t>  +-+-+-+-+-+-+-+-+-+-+-+-+-+-+-+-+-+-+-+-+-+-+-+-+-+-+-+-+-+-+-+-+</a:t>
+            </a:r>
+          </a:p>
+          <a:p>
+            <a:pPr>
+              <a:spcAft>
+                <a:spcPts val="0"/>
+              </a:spcAft>
+            </a:pPr>
+            <a:r>
+              <a:rPr lang="en-US" sz="900" dirty="0">
+                <a:latin typeface="Courier" pitchFamily="2" charset="0"/>
+                <a:ea typeface="Courier" charset="0"/>
+                <a:cs typeface="Courier" charset="0"/>
+              </a:rPr>
+              <a:t>  |         Sequence Number                                       |</a:t>
+            </a:r>
+          </a:p>
+          <a:p>
+            <a:pPr>
+              <a:spcAft>
+                <a:spcPts val="0"/>
+              </a:spcAft>
+            </a:pPr>
+            <a:r>
+              <a:rPr lang="en-US" sz="900" dirty="0">
+                <a:latin typeface="Courier" pitchFamily="2" charset="0"/>
+                <a:ea typeface="Courier" charset="0"/>
+                <a:cs typeface="Courier" charset="0"/>
+              </a:rPr>
+              <a:t>  +-+-+-+-+-+-+-+-+-+-+-+-+-+-+-+-+-+-+-+-+-+-+-+-+-+-+-+-+-+-+-+-+</a:t>
+            </a:r>
+          </a:p>
+          <a:p>
+            <a:pPr>
+              <a:spcAft>
+                <a:spcPts val="0"/>
+              </a:spcAft>
+            </a:pPr>
+            <a:r>
+              <a:rPr lang="en-US" sz="900" dirty="0">
+                <a:latin typeface="Courier" pitchFamily="2" charset="0"/>
+                <a:ea typeface="Courier" charset="0"/>
+                <a:cs typeface="Courier" charset="0"/>
+              </a:rPr>
+              <a:t>  |         Transmit Timestamp                                    |</a:t>
+            </a:r>
+          </a:p>
+          <a:p>
+            <a:pPr>
+              <a:spcAft>
+                <a:spcPts val="0"/>
+              </a:spcAft>
+            </a:pPr>
+            <a:r>
+              <a:rPr lang="en-US" sz="900" dirty="0">
+                <a:latin typeface="Courier" pitchFamily="2" charset="0"/>
+                <a:ea typeface="Courier" charset="0"/>
+                <a:cs typeface="Courier" charset="0"/>
+              </a:rPr>
+              <a:t>  |                                                               |</a:t>
+            </a:r>
+          </a:p>
+          <a:p>
+            <a:pPr>
+              <a:spcAft>
+                <a:spcPts val="0"/>
+              </a:spcAft>
+            </a:pPr>
+            <a:r>
+              <a:rPr lang="en-US" sz="900" dirty="0">
+                <a:latin typeface="Courier" pitchFamily="2" charset="0"/>
+                <a:ea typeface="Courier" charset="0"/>
+                <a:cs typeface="Courier" charset="0"/>
+              </a:rPr>
+              <a:t>  +-+-+-+-+-+-+-+-+-+-+-+-+-+-+-+-+-+-+-+-+-+-+-+-+-+-+-+-+-+-+-+-+</a:t>
+            </a:r>
+          </a:p>
+          <a:p>
+            <a:pPr>
+              <a:spcAft>
+                <a:spcPts val="0"/>
+              </a:spcAft>
+            </a:pPr>
+            <a:r>
+              <a:rPr lang="en-US" sz="900" dirty="0">
+                <a:latin typeface="Courier" pitchFamily="2" charset="0"/>
+                <a:ea typeface="Courier" charset="0"/>
+                <a:cs typeface="Courier" charset="0"/>
+              </a:rPr>
+              <a:t>  |         Error Estimate        |    SSID                       |</a:t>
+            </a:r>
+          </a:p>
+          <a:p>
+            <a:pPr>
+              <a:spcAft>
+                <a:spcPts val="0"/>
+              </a:spcAft>
+            </a:pPr>
+            <a:r>
+              <a:rPr lang="en-US" sz="900" dirty="0">
+                <a:latin typeface="Courier" pitchFamily="2" charset="0"/>
+                <a:ea typeface="Courier" charset="0"/>
+                <a:cs typeface="Courier" charset="0"/>
+              </a:rPr>
+              <a:t>  +-+-+-+-+-+-+-+-+-+-+-+-+-+-+-+-+-+-+-+-+-+-+-+-+-+-+-+-+-+-+-+-+</a:t>
+            </a:r>
+          </a:p>
+          <a:p>
+            <a:pPr>
+              <a:spcAft>
+                <a:spcPts val="0"/>
+              </a:spcAft>
+            </a:pPr>
+            <a:r>
+              <a:rPr lang="en-US" sz="900" dirty="0">
+                <a:latin typeface="Courier" pitchFamily="2" charset="0"/>
+                <a:ea typeface="Courier" charset="0"/>
+                <a:cs typeface="Courier" charset="0"/>
+              </a:rPr>
+              <a:t>  |                                                               |</a:t>
+            </a:r>
+          </a:p>
+          <a:p>
+            <a:pPr>
+              <a:spcAft>
+                <a:spcPts val="0"/>
+              </a:spcAft>
+            </a:pPr>
+            <a:r>
+              <a:rPr lang="en-US" sz="900" dirty="0">
+                <a:latin typeface="Courier" pitchFamily="2" charset="0"/>
+                <a:ea typeface="Courier" charset="0"/>
+                <a:cs typeface="Courier" charset="0"/>
+              </a:rPr>
+              <a:t>  |         Padding                                               |</a:t>
+            </a:r>
+          </a:p>
+          <a:p>
+            <a:pPr>
+              <a:spcAft>
+                <a:spcPts val="0"/>
+              </a:spcAft>
+            </a:pPr>
+            <a:r>
+              <a:rPr lang="en-US" sz="900" dirty="0">
+                <a:latin typeface="Courier" pitchFamily="2" charset="0"/>
+                <a:ea typeface="Courier" charset="0"/>
+                <a:cs typeface="Courier" charset="0"/>
+              </a:rPr>
+              <a:t>  |                                                               |</a:t>
+            </a:r>
+          </a:p>
+          <a:p>
+            <a:pPr>
+              <a:spcAft>
+                <a:spcPts val="0"/>
+              </a:spcAft>
+            </a:pPr>
+            <a:r>
+              <a:rPr lang="en-US" sz="900" dirty="0">
+                <a:latin typeface="Courier" pitchFamily="2" charset="0"/>
+                <a:ea typeface="Courier" charset="0"/>
+                <a:cs typeface="Courier" charset="0"/>
+              </a:rPr>
+              <a:t>  |                                                               |</a:t>
+            </a:r>
+          </a:p>
+          <a:p>
+            <a:pPr>
+              <a:spcAft>
+                <a:spcPts val="0"/>
+              </a:spcAft>
+            </a:pPr>
+            <a:r>
+              <a:rPr lang="en-US" sz="900" dirty="0">
+                <a:latin typeface="Courier" pitchFamily="2" charset="0"/>
+                <a:ea typeface="Courier" charset="0"/>
+                <a:cs typeface="Courier" charset="0"/>
+              </a:rPr>
+              <a:t>  |                                                               |</a:t>
+            </a:r>
+          </a:p>
+          <a:p>
+            <a:pPr>
+              <a:spcAft>
+                <a:spcPts val="0"/>
+              </a:spcAft>
+            </a:pPr>
+            <a:r>
+              <a:rPr lang="en-US" sz="900" dirty="0">
+                <a:latin typeface="Courier" pitchFamily="2" charset="0"/>
+                <a:ea typeface="Courier" charset="0"/>
+                <a:cs typeface="Courier" charset="0"/>
+              </a:rPr>
+              <a:t>  |                                                               |</a:t>
+            </a:r>
+          </a:p>
+          <a:p>
+            <a:pPr>
+              <a:spcAft>
+                <a:spcPts val="0"/>
+              </a:spcAft>
+            </a:pPr>
+            <a:r>
+              <a:rPr lang="en-US" sz="900" dirty="0">
+                <a:latin typeface="Courier" pitchFamily="2" charset="0"/>
+                <a:ea typeface="Courier" charset="0"/>
+                <a:cs typeface="Courier" charset="0"/>
+              </a:rPr>
+              <a:t>  |                                                               |</a:t>
+            </a:r>
+          </a:p>
+          <a:p>
+            <a:pPr>
+              <a:spcAft>
+                <a:spcPts val="0"/>
+              </a:spcAft>
+            </a:pPr>
+            <a:r>
+              <a:rPr lang="en-US" sz="900" dirty="0">
+                <a:latin typeface="Courier" pitchFamily="2" charset="0"/>
+                <a:ea typeface="Courier" charset="0"/>
+                <a:cs typeface="Courier" charset="0"/>
+              </a:rPr>
+              <a:t>  +-+-+-+-+-+-+-+-+-+-+-+-+-+-+-+-+-+-+-+-+-+-+-+-+-+-+-+-+-+-+-+-+</a:t>
+            </a:r>
+          </a:p>
+          <a:p>
+            <a:pPr>
+              <a:spcAft>
+                <a:spcPts val="0"/>
+              </a:spcAft>
+            </a:pPr>
+            <a:endParaRPr lang="en-CA" sz="900" dirty="0">
+              <a:solidFill>
+                <a:schemeClr val="bg2">
+                  <a:lumMod val="50000"/>
+                </a:schemeClr>
+              </a:solidFill>
+              <a:latin typeface="Courier" pitchFamily="2" charset="0"/>
+            </a:endParaRPr>
+          </a:p>
+          <a:p>
+            <a:r>
+              <a:rPr lang="en-CA" sz="900" dirty="0">
+                <a:latin typeface="Courier" pitchFamily="2" charset="0"/>
+              </a:rPr>
+              <a:t>              Figure: STAMP Probe Message Format</a:t>
+            </a:r>
+            <a:endParaRPr lang="en-US" sz="900" dirty="0">
+              <a:latin typeface="Courier" pitchFamily="2" charset="0"/>
+            </a:endParaRPr>
+          </a:p>
+        </p:txBody>
+      </p:sp>
+      <p:sp>
+        <p:nvSpPr>
+          <p:cNvPr id="8" name="Content Placeholder 7">
+            <a:extLst>
+              <a:ext uri="{FF2B5EF4-FFF2-40B4-BE49-F238E27FC236}">
+                <a16:creationId xmlns:a16="http://schemas.microsoft.com/office/drawing/2014/main" id="{FC6E1890-536D-9D49-8207-C42BBF301FF3}"/>
+              </a:ext>
+            </a:extLst>
+          </p:cNvPr>
+          <p:cNvSpPr>
+            <a:spLocks noGrp="1"/>
+          </p:cNvSpPr>
+          <p:nvPr>
+            <p:ph idx="1"/>
+          </p:nvPr>
+        </p:nvSpPr>
+        <p:spPr>
+          <a:xfrm>
+            <a:off x="5029200" y="1352550"/>
+            <a:ext cx="3962400" cy="2057399"/>
+          </a:xfrm>
+        </p:spPr>
+        <p:txBody>
+          <a:bodyPr/>
+          <a:lstStyle/>
+          <a:p>
+            <a:pPr marL="0" indent="0">
+              <a:buNone/>
+            </a:pPr>
+            <a:r>
+              <a:rPr lang="en-US" sz="1400" b="1" dirty="0"/>
+              <a:t>Loopback Mode</a:t>
+            </a:r>
+          </a:p>
+          <a:p>
+            <a:r>
+              <a:rPr lang="en-US" sz="1400" dirty="0"/>
+              <a:t>Sender adds the Transmit Timestamp</a:t>
+            </a:r>
+          </a:p>
+          <a:p>
+            <a:r>
+              <a:rPr lang="en-US" sz="1400" dirty="0"/>
+              <a:t>Sender Sequence Number, Sender Timestamp, Sender Error Estimate and Sender TTL in the STAMP messages are not used</a:t>
+            </a:r>
+          </a:p>
+          <a:p>
+            <a:pPr lvl="1"/>
+            <a:r>
+              <a:rPr lang="en-US" sz="1400" dirty="0"/>
+              <a:t>Reflector does not copy them</a:t>
+            </a:r>
+          </a:p>
+          <a:p>
+            <a:endParaRPr lang="en-US" sz="1400" dirty="0"/>
+          </a:p>
+          <a:p>
+            <a:endParaRPr lang="en-US" sz="1400" dirty="0"/>
+          </a:p>
+        </p:txBody>
+      </p:sp>
+      <p:sp>
+        <p:nvSpPr>
+          <p:cNvPr id="4" name="Footer Placeholder 3"/>
+          <p:cNvSpPr>
+            <a:spLocks noGrp="1"/>
+          </p:cNvSpPr>
+          <p:nvPr>
+            <p:ph type="ftr" sz="quarter" idx="11"/>
+          </p:nvPr>
+        </p:nvSpPr>
+        <p:spPr>
+          <a:xfrm>
+            <a:off x="3124200" y="4786312"/>
+            <a:ext cx="2895600" cy="357188"/>
+          </a:xfrm>
+        </p:spPr>
+        <p:txBody>
+          <a:bodyPr/>
+          <a:lstStyle/>
+          <a:p>
+            <a:r>
+              <a:rPr lang="en-CA" dirty="0"/>
+              <a:t>108</a:t>
+            </a:r>
+            <a:r>
+              <a:rPr lang="en-CA" baseline="30000" dirty="0"/>
+              <a:t>th</a:t>
+            </a:r>
+            <a:r>
+              <a:rPr lang="en-CA" dirty="0"/>
+              <a:t> IETF @ Madrid</a:t>
             </a:r>
           </a:p>
         </p:txBody>
@@ -14576,7 +15287,7 @@
     </p:spTree>
     <p:extLst>
       <p:ext uri="{BB962C8B-B14F-4D97-AF65-F5344CB8AC3E}">
-        <p14:creationId xmlns:p14="http://schemas.microsoft.com/office/powerpoint/2010/main" val="3722295587"/>
+        <p14:creationId xmlns:p14="http://schemas.microsoft.com/office/powerpoint/2010/main" val="3504262298"/>
       </p:ext>
     </p:extLst>
   </p:cSld>
@@ -14615,8 +15326,8 @@
         </p:nvSpPr>
         <p:spPr>
           <a:xfrm>
-            <a:off x="381000" y="-19050"/>
-            <a:ext cx="8458200" cy="857250"/>
+            <a:off x="457200" y="0"/>
+            <a:ext cx="8229600" cy="786646"/>
           </a:xfrm>
         </p:spPr>
         <p:txBody>
@@ -14631,46 +15342,157 @@
                 <a:latin typeface="Calibri Light" panose="020F0302020204030204" pitchFamily="34" charset="0"/>
                 <a:cs typeface="Calibri Light" panose="020F0302020204030204" pitchFamily="34" charset="0"/>
               </a:rPr>
-              <a:t>TWAMP Light Probe Message</a:t>
-            </a:r>
-          </a:p>
-        </p:txBody>
-      </p:sp>
-      <p:sp>
-        <p:nvSpPr>
-          <p:cNvPr id="5" name="Slide Number Placeholder 4"/>
+              <a:t>Enhanced Liveness Monitoring of SR Policy</a:t>
+            </a:r>
+          </a:p>
+        </p:txBody>
+      </p:sp>
+      <p:sp>
+        <p:nvSpPr>
+          <p:cNvPr id="4" name="Footer Placeholder 3"/>
           <p:cNvSpPr>
             <a:spLocks noGrp="1"/>
           </p:cNvSpPr>
           <p:nvPr>
-            <p:ph type="sldNum" sz="quarter" idx="12"/>
-          </p:nvPr>
-        </p:nvSpPr>
-        <p:spPr/>
+            <p:ph type="ftr" sz="quarter" idx="11"/>
+          </p:nvPr>
+        </p:nvSpPr>
+        <p:spPr>
+          <a:xfrm>
+            <a:off x="3124200" y="4786312"/>
+            <a:ext cx="2895600" cy="357188"/>
+          </a:xfrm>
+        </p:spPr>
         <p:txBody>
           <a:bodyPr/>
           <a:lstStyle/>
           <a:p>
-            <a:pPr>
-              <a:defRPr/>
-            </a:pPr>
-            <a:fld id="{BD6E0F59-1DD8-40FC-9C92-B6295CBA6CCA}" type="slidenum">
-              <a:rPr lang="en-US" altLang="zh-CN" smtClean="0"/>
-              <a:pPr>
-                <a:defRPr/>
-              </a:pPr>
-              <a:t>8</a:t>
-            </a:fld>
-            <a:endParaRPr lang="en-US" altLang="zh-CN"/>
-          </a:p>
-        </p:txBody>
-      </p:sp>
-      <p:sp>
-        <p:nvSpPr>
-          <p:cNvPr id="6" name="Rectangle 5">
+            <a:r>
+              <a:rPr lang="en-CA" dirty="0"/>
+              <a:t>108</a:t>
+            </a:r>
+            <a:r>
+              <a:rPr lang="en-CA" baseline="30000" dirty="0"/>
+              <a:t>th</a:t>
+            </a:r>
+            <a:r>
+              <a:rPr lang="en-CA" dirty="0"/>
+              <a:t> IETF @ Madrid</a:t>
+            </a:r>
+          </a:p>
+        </p:txBody>
+      </p:sp>
+      <p:sp>
+        <p:nvSpPr>
+          <p:cNvPr id="6" name="Content Placeholder 2"/>
+          <p:cNvSpPr>
+            <a:spLocks noGrp="1"/>
+          </p:cNvSpPr>
+          <p:nvPr>
+            <p:ph idx="1"/>
+          </p:nvPr>
+        </p:nvSpPr>
+        <p:spPr>
+          <a:xfrm>
+            <a:off x="374374" y="2647950"/>
+            <a:ext cx="8395252" cy="2138362"/>
+          </a:xfrm>
+        </p:spPr>
+        <p:txBody>
+          <a:bodyPr/>
+          <a:lstStyle/>
+          <a:p>
+            <a:pPr lvl="0">
+              <a:lnSpc>
+                <a:spcPts val="1580"/>
+              </a:lnSpc>
+              <a:spcBef>
+                <a:spcPts val="600"/>
+              </a:spcBef>
+            </a:pPr>
+            <a:r>
+              <a:rPr lang="en-CA" sz="1200" dirty="0"/>
+              <a:t>Use PM probes in loopback mode enabled with network programming function</a:t>
+            </a:r>
+          </a:p>
+          <a:p>
+            <a:pPr lvl="1">
+              <a:lnSpc>
+                <a:spcPts val="1580"/>
+              </a:lnSpc>
+              <a:spcBef>
+                <a:spcPts val="600"/>
+              </a:spcBef>
+            </a:pPr>
+            <a:r>
+              <a:rPr lang="en-CA" sz="1200" dirty="0"/>
+              <a:t>The network programming function optimizes the "operations of punt, add receive timestamp and inject the probe packet" on the reflector node</a:t>
+            </a:r>
+          </a:p>
+          <a:p>
+            <a:pPr lvl="0">
+              <a:lnSpc>
+                <a:spcPts val="1580"/>
+              </a:lnSpc>
+              <a:spcBef>
+                <a:spcPts val="600"/>
+              </a:spcBef>
+            </a:pPr>
+            <a:r>
+              <a:rPr lang="en-CA" sz="1200" dirty="0"/>
+              <a:t>The endpoint node adds the receive timestamp in the payload of the received TWAMP Light or STAMP probe message without punting the probe message</a:t>
+            </a:r>
+          </a:p>
+          <a:p>
+            <a:pPr lvl="1">
+              <a:lnSpc>
+                <a:spcPts val="1580"/>
+              </a:lnSpc>
+              <a:spcBef>
+                <a:spcPts val="600"/>
+              </a:spcBef>
+            </a:pPr>
+            <a:r>
+              <a:rPr lang="en-CA" sz="1200" dirty="0"/>
+              <a:t>Only add the receive timestamp if the source address in the probe message matches the local node address</a:t>
+            </a:r>
+          </a:p>
+          <a:p>
+            <a:pPr>
+              <a:lnSpc>
+                <a:spcPts val="1580"/>
+              </a:lnSpc>
+              <a:spcBef>
+                <a:spcPts val="600"/>
+              </a:spcBef>
+            </a:pPr>
+            <a:r>
+              <a:rPr lang="en-US" sz="1200" dirty="0"/>
+              <a:t>Liveness failure is notified when consecutive N number of probe messages are not received back at the sender</a:t>
+            </a:r>
+          </a:p>
+          <a:p>
+            <a:pPr>
+              <a:lnSpc>
+                <a:spcPts val="1580"/>
+              </a:lnSpc>
+              <a:spcBef>
+                <a:spcPts val="600"/>
+              </a:spcBef>
+            </a:pPr>
+            <a:r>
+              <a:rPr lang="en-US" sz="1200" dirty="0"/>
+              <a:t>Delay metrics are notified when consecutive N number of probe messages have delay values exceed the configured thresholds</a:t>
+            </a:r>
+          </a:p>
+        </p:txBody>
+      </p:sp>
+      <p:sp>
+        <p:nvSpPr>
+          <p:cNvPr id="3" name="Rectangle 2">
             <a:extLst>
               <a:ext uri="{FF2B5EF4-FFF2-40B4-BE49-F238E27FC236}">
-                <a16:creationId xmlns:a16="http://schemas.microsoft.com/office/drawing/2014/main" id="{4C15A4CE-6545-5142-97A8-EDA8B07CB60B}"/>
+                <a16:creationId xmlns:a16="http://schemas.microsoft.com/office/drawing/2014/main" id="{31B17E9C-96E0-344B-B58B-37B6A946A9B7}"/>
               </a:ext>
             </a:extLst>
           </p:cNvPr>
@@ -14679,8 +15501,8 @@
         </p:nvSpPr>
         <p:spPr>
           <a:xfrm>
-            <a:off x="205902" y="887408"/>
-            <a:ext cx="4823298" cy="3693319"/>
+            <a:off x="1905000" y="786646"/>
+            <a:ext cx="4800600" cy="1785104"/>
           </a:xfrm>
           <a:prstGeom prst="rect">
             <a:avLst/>
@@ -14691,6 +15513,11 @@
               <a:lumOff val="80000"/>
             </a:schemeClr>
           </a:solidFill>
+          <a:ln>
+            <a:solidFill>
+              <a:srgbClr val="002060"/>
+            </a:solidFill>
+          </a:ln>
         </p:spPr>
         <p:txBody>
           <a:bodyPr wrap="square">
@@ -14699,494 +15526,92 @@
           <a:lstStyle/>
           <a:p>
             <a:r>
-              <a:rPr lang="en-CA" sz="900" dirty="0">
-                <a:latin typeface="Courier" pitchFamily="2" charset="0"/>
-              </a:rPr>
-              <a:t>  +-+-+-+-+-+-+-+-+-+-+-+-+-+-+-+-+-+-+-+-+-+-+-+-+-+-+-+-+-+-+-+-+</a:t>
-            </a:r>
-          </a:p>
-          <a:p>
-            <a:pPr>
-              <a:spcAft>
-                <a:spcPts val="0"/>
-              </a:spcAft>
-            </a:pPr>
-            <a:r>
-              <a:rPr lang="en-US" sz="900" dirty="0">
-                <a:latin typeface="Courier" pitchFamily="2" charset="0"/>
-                <a:ea typeface="Courier" charset="0"/>
-                <a:cs typeface="Courier" charset="0"/>
-              </a:rPr>
-              <a:t>  |         Sequence Number                                       |</a:t>
-            </a:r>
-          </a:p>
-          <a:p>
-            <a:pPr>
-              <a:spcAft>
-                <a:spcPts val="0"/>
-              </a:spcAft>
-            </a:pPr>
-            <a:r>
-              <a:rPr lang="en-US" sz="900" dirty="0">
-                <a:latin typeface="Courier" pitchFamily="2" charset="0"/>
-                <a:ea typeface="Courier" charset="0"/>
-                <a:cs typeface="Courier" charset="0"/>
-              </a:rPr>
-              <a:t>  +-+-+-+-+-+-+-+-+-+-+-+-+-+-+-+-+-+-+-+-+-+-+-+-+-+-+-+-+-+-+-+-+</a:t>
-            </a:r>
-          </a:p>
-          <a:p>
-            <a:pPr>
-              <a:spcAft>
-                <a:spcPts val="0"/>
-              </a:spcAft>
-            </a:pPr>
-            <a:r>
-              <a:rPr lang="en-US" sz="900" dirty="0">
-                <a:latin typeface="Courier" pitchFamily="2" charset="0"/>
-                <a:ea typeface="Courier" charset="0"/>
-                <a:cs typeface="Courier" charset="0"/>
-              </a:rPr>
-              <a:t>  |         Transmit Timestamp                                    |</a:t>
-            </a:r>
-          </a:p>
-          <a:p>
-            <a:pPr>
-              <a:spcAft>
-                <a:spcPts val="0"/>
-              </a:spcAft>
-            </a:pPr>
-            <a:r>
-              <a:rPr lang="en-US" sz="900" dirty="0">
-                <a:latin typeface="Courier" pitchFamily="2" charset="0"/>
-                <a:ea typeface="Courier" charset="0"/>
-                <a:cs typeface="Courier" charset="0"/>
-              </a:rPr>
-              <a:t>  |                                                               |</a:t>
-            </a:r>
-          </a:p>
-          <a:p>
-            <a:pPr>
-              <a:spcAft>
-                <a:spcPts val="0"/>
-              </a:spcAft>
-            </a:pPr>
-            <a:r>
-              <a:rPr lang="en-US" sz="900" dirty="0">
-                <a:latin typeface="Courier" pitchFamily="2" charset="0"/>
-                <a:ea typeface="Courier" charset="0"/>
-                <a:cs typeface="Courier" charset="0"/>
-              </a:rPr>
-              <a:t>  +-+-+-+-+-+-+-+-+-+-+-+-+-+-+-+-+-+-+-+-+-+-+-+-+-+-+-+-+-+-+-+-+</a:t>
-            </a:r>
-          </a:p>
-          <a:p>
-            <a:pPr>
-              <a:spcAft>
-                <a:spcPts val="0"/>
-              </a:spcAft>
-            </a:pPr>
-            <a:r>
-              <a:rPr lang="en-US" sz="900" dirty="0">
-                <a:latin typeface="Courier" pitchFamily="2" charset="0"/>
-                <a:ea typeface="Courier" charset="0"/>
-                <a:cs typeface="Courier" charset="0"/>
-              </a:rPr>
-              <a:t>  |         Error Estimate        |    MBZ                        |</a:t>
-            </a:r>
-          </a:p>
-          <a:p>
-            <a:pPr>
-              <a:spcAft>
-                <a:spcPts val="0"/>
-              </a:spcAft>
-            </a:pPr>
-            <a:r>
-              <a:rPr lang="en-US" sz="900" dirty="0">
-                <a:latin typeface="Courier" pitchFamily="2" charset="0"/>
-                <a:ea typeface="Courier" charset="0"/>
-                <a:cs typeface="Courier" charset="0"/>
-              </a:rPr>
-              <a:t>  +-+-+-+-+-+-+-+-+-+-+-+-+-+-+-+-+-+-+-+-+-+-+-+-+-+-+-+-+-+-+-+-+</a:t>
-            </a:r>
-          </a:p>
-          <a:p>
-            <a:pPr>
-              <a:spcAft>
-                <a:spcPts val="0"/>
-              </a:spcAft>
-            </a:pPr>
-            <a:r>
-              <a:rPr lang="en-US" sz="900" dirty="0">
-                <a:solidFill>
-                  <a:schemeClr val="tx2"/>
-                </a:solidFill>
-                <a:latin typeface="Courier" pitchFamily="2" charset="0"/>
-                <a:ea typeface="Courier" charset="0"/>
-                <a:cs typeface="Courier" charset="0"/>
-              </a:rPr>
-              <a:t>  |         </a:t>
-            </a:r>
-            <a:r>
-              <a:rPr lang="en-US" sz="900" dirty="0">
-                <a:solidFill>
-                  <a:srgbClr val="0070C0"/>
-                </a:solidFill>
-                <a:latin typeface="Courier" pitchFamily="2" charset="0"/>
-                <a:ea typeface="Courier" charset="0"/>
-                <a:cs typeface="Courier" charset="0"/>
-              </a:rPr>
-              <a:t>Receive Timestamp                                     </a:t>
-            </a:r>
-            <a:r>
-              <a:rPr lang="en-US" sz="900" dirty="0">
-                <a:solidFill>
-                  <a:schemeClr val="tx2"/>
-                </a:solidFill>
-                <a:latin typeface="Courier" pitchFamily="2" charset="0"/>
-                <a:ea typeface="Courier" charset="0"/>
-                <a:cs typeface="Courier" charset="0"/>
-              </a:rPr>
-              <a:t>|</a:t>
-            </a:r>
-          </a:p>
-          <a:p>
-            <a:pPr>
-              <a:spcAft>
-                <a:spcPts val="0"/>
-              </a:spcAft>
-            </a:pPr>
-            <a:r>
-              <a:rPr lang="en-US" sz="900" dirty="0">
-                <a:latin typeface="Courier" pitchFamily="2" charset="0"/>
-                <a:ea typeface="Courier" charset="0"/>
-                <a:cs typeface="Courier" charset="0"/>
-              </a:rPr>
-              <a:t>  |                                                               |</a:t>
-            </a:r>
-          </a:p>
-          <a:p>
-            <a:pPr>
-              <a:spcAft>
-                <a:spcPts val="0"/>
-              </a:spcAft>
-            </a:pPr>
-            <a:r>
-              <a:rPr lang="en-US" sz="900" dirty="0">
-                <a:latin typeface="Courier" pitchFamily="2" charset="0"/>
-                <a:ea typeface="Courier" charset="0"/>
-                <a:cs typeface="Courier" charset="0"/>
-              </a:rPr>
-              <a:t>  +-+-+-+-+-+-+-+-+-+-+-+-+-+-+-+-+-+-+-+-+-+-+-+-+-+-+-+-+-+-+-+-+</a:t>
-            </a:r>
-          </a:p>
-          <a:p>
-            <a:pPr>
-              <a:spcAft>
-                <a:spcPts val="0"/>
-              </a:spcAft>
-            </a:pPr>
-            <a:r>
-              <a:rPr lang="en-US" sz="900" dirty="0">
-                <a:solidFill>
-                  <a:schemeClr val="bg2">
-                    <a:lumMod val="50000"/>
-                  </a:schemeClr>
-                </a:solidFill>
-                <a:latin typeface="Courier" pitchFamily="2" charset="0"/>
-                <a:ea typeface="Courier" charset="0"/>
-                <a:cs typeface="Courier" charset="0"/>
-              </a:rPr>
-              <a:t>  </a:t>
-            </a:r>
-            <a:r>
-              <a:rPr lang="en-US" sz="900" dirty="0">
-                <a:solidFill>
-                  <a:schemeClr val="bg1">
-                    <a:lumMod val="50000"/>
-                  </a:schemeClr>
-                </a:solidFill>
-                <a:latin typeface="Courier" pitchFamily="2" charset="0"/>
-                <a:ea typeface="Courier" charset="0"/>
-                <a:cs typeface="Courier" charset="0"/>
-              </a:rPr>
-              <a:t>|                      Sender Sequence Number                   |</a:t>
-            </a:r>
-          </a:p>
-          <a:p>
-            <a:pPr>
-              <a:spcAft>
-                <a:spcPts val="0"/>
-              </a:spcAft>
-            </a:pPr>
-            <a:r>
-              <a:rPr lang="en-US" sz="900" dirty="0">
-                <a:solidFill>
-                  <a:schemeClr val="bg1">
-                    <a:lumMod val="50000"/>
-                  </a:schemeClr>
-                </a:solidFill>
-                <a:latin typeface="Courier" pitchFamily="2" charset="0"/>
-                <a:ea typeface="Courier" charset="0"/>
-                <a:cs typeface="Courier" charset="0"/>
-              </a:rPr>
-              <a:t>  +-+-+-+-+-+-+-+-+-+-+-+-+-+-+-+-+-+-+-+-+-+-+-+-+-+-+-+-+-+-+-+-+</a:t>
-            </a:r>
-          </a:p>
-          <a:p>
-            <a:pPr>
-              <a:spcAft>
-                <a:spcPts val="0"/>
-              </a:spcAft>
-            </a:pPr>
-            <a:r>
-              <a:rPr lang="en-US" sz="900" dirty="0">
-                <a:solidFill>
-                  <a:schemeClr val="bg1">
-                    <a:lumMod val="50000"/>
-                  </a:schemeClr>
-                </a:solidFill>
-                <a:latin typeface="Courier" pitchFamily="2" charset="0"/>
-                <a:ea typeface="Courier" charset="0"/>
-                <a:cs typeface="Courier" charset="0"/>
-              </a:rPr>
-              <a:t>  |                      Sender Timestamp                         |</a:t>
-            </a:r>
-          </a:p>
-          <a:p>
-            <a:pPr>
-              <a:spcAft>
-                <a:spcPts val="0"/>
-              </a:spcAft>
-            </a:pPr>
-            <a:r>
-              <a:rPr lang="en-US" sz="900" dirty="0">
-                <a:solidFill>
-                  <a:schemeClr val="bg1">
-                    <a:lumMod val="50000"/>
-                  </a:schemeClr>
-                </a:solidFill>
-                <a:latin typeface="Courier" pitchFamily="2" charset="0"/>
-                <a:ea typeface="Courier" charset="0"/>
-                <a:cs typeface="Courier" charset="0"/>
-              </a:rPr>
-              <a:t>  |                                                               |</a:t>
-            </a:r>
-          </a:p>
-          <a:p>
-            <a:pPr>
-              <a:spcAft>
-                <a:spcPts val="0"/>
-              </a:spcAft>
-            </a:pPr>
-            <a:r>
-              <a:rPr lang="en-US" sz="900" dirty="0">
-                <a:solidFill>
-                  <a:schemeClr val="bg1">
-                    <a:lumMod val="50000"/>
-                  </a:schemeClr>
-                </a:solidFill>
-                <a:latin typeface="Courier" pitchFamily="2" charset="0"/>
-                <a:ea typeface="Courier" charset="0"/>
-                <a:cs typeface="Courier" charset="0"/>
-              </a:rPr>
-              <a:t>  +-+-+-+-+-+-+-+-+-+-+-+-+-+-+-+-+-+-+-+-+-+-+-+-+-+-+-+-+-+-+-+-+</a:t>
-            </a:r>
-          </a:p>
-          <a:p>
-            <a:pPr>
-              <a:spcAft>
-                <a:spcPts val="0"/>
-              </a:spcAft>
-            </a:pPr>
-            <a:r>
-              <a:rPr lang="en-US" sz="900" dirty="0">
-                <a:solidFill>
-                  <a:schemeClr val="bg1">
-                    <a:lumMod val="50000"/>
-                  </a:schemeClr>
-                </a:solidFill>
-                <a:latin typeface="Courier" pitchFamily="2" charset="0"/>
-                <a:ea typeface="Courier" charset="0"/>
-                <a:cs typeface="Courier" charset="0"/>
-              </a:rPr>
-              <a:t>  |      Sender Error Estimate    |           MBZ                 |</a:t>
-            </a:r>
-          </a:p>
-          <a:p>
-            <a:pPr>
-              <a:spcAft>
-                <a:spcPts val="0"/>
-              </a:spcAft>
-            </a:pPr>
-            <a:r>
-              <a:rPr lang="en-US" sz="900" dirty="0">
-                <a:solidFill>
-                  <a:schemeClr val="bg1">
-                    <a:lumMod val="50000"/>
-                  </a:schemeClr>
-                </a:solidFill>
-                <a:latin typeface="Courier" pitchFamily="2" charset="0"/>
-                <a:ea typeface="Courier" charset="0"/>
-                <a:cs typeface="Courier" charset="0"/>
-              </a:rPr>
-              <a:t>  +-+-+-+-+-+-+-+-+-+-+-+-+-+-+-+-+-+-+-+-+-+-+-+-+-+-+-+-+-+-+-+-+</a:t>
-            </a:r>
-          </a:p>
-          <a:p>
-            <a:pPr>
-              <a:spcAft>
-                <a:spcPts val="0"/>
-              </a:spcAft>
-            </a:pPr>
-            <a:r>
-              <a:rPr lang="en-US" sz="900" dirty="0">
-                <a:solidFill>
-                  <a:schemeClr val="bg1">
-                    <a:lumMod val="50000"/>
-                  </a:schemeClr>
-                </a:solidFill>
-                <a:latin typeface="Courier" pitchFamily="2" charset="0"/>
-                <a:ea typeface="Courier" charset="0"/>
-                <a:cs typeface="Courier" charset="0"/>
-              </a:rPr>
-              <a:t>  |  Sender TTL   |                                               |</a:t>
-            </a:r>
-          </a:p>
-          <a:p>
-            <a:pPr>
-              <a:spcAft>
-                <a:spcPts val="0"/>
-              </a:spcAft>
-            </a:pPr>
-            <a:r>
-              <a:rPr lang="en-US" sz="900" dirty="0">
-                <a:solidFill>
-                  <a:schemeClr val="bg1">
-                    <a:lumMod val="50000"/>
-                  </a:schemeClr>
-                </a:solidFill>
-                <a:latin typeface="Courier" pitchFamily="2" charset="0"/>
-                <a:ea typeface="Courier" charset="0"/>
-                <a:cs typeface="Courier" charset="0"/>
-              </a:rPr>
-              <a:t>  +-+-+-+-+-+-+-+-+                                               |</a:t>
-            </a:r>
-          </a:p>
-          <a:p>
-            <a:pPr>
-              <a:spcAft>
-                <a:spcPts val="0"/>
-              </a:spcAft>
-            </a:pPr>
-            <a:r>
-              <a:rPr lang="en-US" sz="900" dirty="0">
-                <a:solidFill>
-                  <a:schemeClr val="bg1">
-                    <a:lumMod val="50000"/>
-                  </a:schemeClr>
-                </a:solidFill>
-                <a:latin typeface="Courier" pitchFamily="2" charset="0"/>
-                <a:ea typeface="Courier" charset="0"/>
-                <a:cs typeface="Courier" charset="0"/>
-              </a:rPr>
-              <a:t>  |                                                               |</a:t>
-            </a:r>
-          </a:p>
-          <a:p>
-            <a:pPr>
-              <a:spcAft>
-                <a:spcPts val="0"/>
-              </a:spcAft>
-            </a:pPr>
-            <a:r>
-              <a:rPr lang="en-US" sz="900" dirty="0">
-                <a:solidFill>
-                  <a:schemeClr val="bg1">
-                    <a:lumMod val="50000"/>
-                  </a:schemeClr>
-                </a:solidFill>
-                <a:latin typeface="Courier" pitchFamily="2" charset="0"/>
-                <a:ea typeface="Courier" charset="0"/>
-                <a:cs typeface="Courier" charset="0"/>
-              </a:rPr>
-              <a:t>  ~                      Padding                                  ~</a:t>
-            </a:r>
-          </a:p>
-          <a:p>
-            <a:pPr>
-              <a:spcAft>
-                <a:spcPts val="0"/>
-              </a:spcAft>
-            </a:pPr>
-            <a:r>
-              <a:rPr lang="en-US" sz="900" dirty="0">
-                <a:solidFill>
-                  <a:schemeClr val="bg1">
-                    <a:lumMod val="50000"/>
-                  </a:schemeClr>
-                </a:solidFill>
-                <a:latin typeface="Courier" pitchFamily="2" charset="0"/>
-                <a:ea typeface="Courier" charset="0"/>
-                <a:cs typeface="Courier" charset="0"/>
-              </a:rPr>
-              <a:t>  |                                                               |</a:t>
-            </a:r>
-          </a:p>
-          <a:p>
-            <a:pPr>
-              <a:spcAft>
-                <a:spcPts val="0"/>
-              </a:spcAft>
-            </a:pPr>
-            <a:r>
-              <a:rPr lang="en-US" sz="900" dirty="0">
-                <a:solidFill>
-                  <a:schemeClr val="bg1">
-                    <a:lumMod val="50000"/>
-                  </a:schemeClr>
-                </a:solidFill>
-                <a:latin typeface="Courier" pitchFamily="2" charset="0"/>
-                <a:ea typeface="Courier" charset="0"/>
-                <a:cs typeface="Courier" charset="0"/>
-              </a:rPr>
-              <a:t>  +-+-+-+-+-+-+-+-+-+-+-+-+-+-+-+-+-+-+-+-+-+-+-+-+-+-+-+-+-+-+-+-+</a:t>
-            </a:r>
-          </a:p>
-          <a:p>
-            <a:pPr>
-              <a:spcAft>
-                <a:spcPts val="0"/>
-              </a:spcAft>
-            </a:pPr>
-            <a:endParaRPr lang="en-CA" sz="900" dirty="0">
-              <a:solidFill>
-                <a:schemeClr val="bg2">
-                  <a:lumMod val="50000"/>
-                </a:schemeClr>
-              </a:solidFill>
-              <a:latin typeface="Courier" pitchFamily="2" charset="0"/>
-            </a:endParaRPr>
-          </a:p>
-          <a:p>
-            <a:r>
-              <a:rPr lang="en-CA" sz="900" dirty="0">
-                <a:latin typeface="Courier" pitchFamily="2" charset="0"/>
-              </a:rPr>
-              <a:t>              Figure: TWAMP Light Probe Message Format</a:t>
-            </a:r>
-            <a:endParaRPr lang="en-US" sz="900" dirty="0">
-              <a:latin typeface="Courier" pitchFamily="2" charset="0"/>
-            </a:endParaRPr>
-          </a:p>
-        </p:txBody>
-      </p:sp>
-      <p:sp>
-        <p:nvSpPr>
-          <p:cNvPr id="8" name="Content Placeholder 7">
+              <a:rPr lang="en-CA" sz="1100" dirty="0">
+                <a:latin typeface="Courier" pitchFamily="2" charset="0"/>
+              </a:rPr>
+              <a:t>   +-------+ t1    Probe      t2 +-------+</a:t>
+            </a:r>
+          </a:p>
+          <a:p>
+            <a:r>
+              <a:rPr lang="en-CA" sz="1100" dirty="0">
+                <a:latin typeface="Courier" pitchFamily="2" charset="0"/>
+              </a:rPr>
+              <a:t>   |       | - - - - - - - - - - |       |</a:t>
+            </a:r>
+          </a:p>
+          <a:p>
+            <a:r>
+              <a:rPr lang="en-CA" sz="1100" dirty="0">
+                <a:latin typeface="Courier" pitchFamily="2" charset="0"/>
+              </a:rPr>
+              <a:t>   |   R1  |--------------------||  R5   |</a:t>
+            </a:r>
+          </a:p>
+          <a:p>
+            <a:r>
+              <a:rPr lang="en-CA" sz="1100" dirty="0">
+                <a:latin typeface="Courier" pitchFamily="2" charset="0"/>
+              </a:rPr>
+              <a:t>   |       |&lt;- - - - - - - - - - |       |</a:t>
+            </a:r>
+          </a:p>
+          <a:p>
+            <a:r>
+              <a:rPr lang="en-CA" sz="1100" dirty="0">
+                <a:latin typeface="Courier" pitchFamily="2" charset="0"/>
+              </a:rPr>
+              <a:t>   +-------+     Return Probe    +-------+</a:t>
+            </a:r>
+          </a:p>
+          <a:p>
+            <a:r>
+              <a:rPr lang="en-CA" sz="1100" dirty="0">
+                <a:latin typeface="Courier" pitchFamily="2" charset="0"/>
+              </a:rPr>
+              <a:t>    Sender                       Reflector Endpoint</a:t>
+            </a:r>
+          </a:p>
+          <a:p>
+            <a:r>
+              <a:rPr lang="en-CA" sz="1100" dirty="0">
+                <a:latin typeface="Courier" pitchFamily="2" charset="0"/>
+              </a:rPr>
+              <a:t>                                 (Timestamp,</a:t>
+            </a:r>
+          </a:p>
+          <a:p>
+            <a:r>
+              <a:rPr lang="en-CA" sz="1100" dirty="0">
+                <a:latin typeface="Courier" pitchFamily="2" charset="0"/>
+              </a:rPr>
+              <a:t>                                  Pop and Forward)</a:t>
+            </a:r>
+          </a:p>
+          <a:p>
+            <a:r>
+              <a:rPr lang="en-CA" sz="1100" dirty="0">
+                <a:latin typeface="Courier" pitchFamily="2" charset="0"/>
+              </a:rPr>
+              <a:t> </a:t>
+            </a:r>
+          </a:p>
+          <a:p>
+            <a:r>
+              <a:rPr lang="en-CA" sz="1100" dirty="0">
+                <a:latin typeface="Courier" pitchFamily="2" charset="0"/>
+              </a:rPr>
+              <a:t>Figure: Loopback Mode Enabled with Network Programming </a:t>
+            </a:r>
+          </a:p>
+        </p:txBody>
+      </p:sp>
+      <p:sp>
+        <p:nvSpPr>
+          <p:cNvPr id="7" name="Slide Number Placeholder 4">
             <a:extLst>
               <a:ext uri="{FF2B5EF4-FFF2-40B4-BE49-F238E27FC236}">
-                <a16:creationId xmlns:a16="http://schemas.microsoft.com/office/drawing/2014/main" id="{FC6E1890-536D-9D49-8207-C42BBF301FF3}"/>
+                <a16:creationId xmlns:a16="http://schemas.microsoft.com/office/drawing/2014/main" id="{23B8A35F-BB55-F94F-9CE5-879C79FDD88D}"/>
               </a:ext>
             </a:extLst>
           </p:cNvPr>
@@ -15194,90 +15619,37 @@
             <a:spLocks noGrp="1"/>
           </p:cNvSpPr>
           <p:nvPr>
-            <p:ph idx="1"/>
+            <p:ph type="sldNum" sz="quarter" idx="12"/>
           </p:nvPr>
         </p:nvSpPr>
         <p:spPr>
           <a:xfrm>
-            <a:off x="5029200" y="1276351"/>
-            <a:ext cx="3962400" cy="2819400"/>
+            <a:off x="6553200" y="4683919"/>
+            <a:ext cx="2133600" cy="357188"/>
           </a:xfrm>
         </p:spPr>
         <p:txBody>
           <a:bodyPr/>
           <a:lstStyle/>
           <a:p>
-            <a:pPr marL="0" indent="0">
-              <a:buNone/>
-            </a:pPr>
-            <a:r>
-              <a:rPr lang="en-US" sz="1400" b="1" dirty="0"/>
-              <a:t>Enhanced Loopback Mode</a:t>
-            </a:r>
-          </a:p>
-          <a:p>
-            <a:r>
-              <a:rPr lang="en-US" sz="1400" dirty="0"/>
-              <a:t>Sender adds the Transmit Timestamp</a:t>
-            </a:r>
-          </a:p>
-          <a:p>
-            <a:r>
-              <a:rPr lang="en-US" sz="1400" dirty="0"/>
-              <a:t>Reflector adds the Receive Timestamp at fixed offset locally provisioned (consistently in the network)</a:t>
-            </a:r>
-          </a:p>
-          <a:p>
-            <a:pPr lvl="1"/>
-            <a:r>
-              <a:rPr lang="en-US" sz="1400" dirty="0"/>
-              <a:t>For TWAMP Light packets, it is at offset-byte 16 from the start of the payload</a:t>
-            </a:r>
-          </a:p>
-          <a:p>
-            <a:endParaRPr lang="en-US" sz="1400" dirty="0"/>
-          </a:p>
-        </p:txBody>
-      </p:sp>
-      <p:sp>
-        <p:nvSpPr>
-          <p:cNvPr id="4" name="Footer Placeholder 3"/>
-          <p:cNvSpPr>
-            <a:spLocks noGrp="1"/>
-          </p:cNvSpPr>
-          <p:nvPr>
-            <p:ph type="ftr" sz="quarter" idx="11"/>
-          </p:nvPr>
-        </p:nvSpPr>
-        <p:spPr>
-          <a:xfrm>
-            <a:off x="3124200" y="4786312"/>
-            <a:ext cx="2895600" cy="357188"/>
-          </a:xfrm>
-        </p:spPr>
-        <p:txBody>
-          <a:bodyPr/>
-          <a:lstStyle/>
-          <a:p>
-            <a:r>
-              <a:rPr lang="en-CA" dirty="0"/>
-              <a:t>108</a:t>
-            </a:r>
-            <a:r>
-              <a:rPr lang="en-CA" baseline="30000" dirty="0"/>
-              <a:t>th</a:t>
-            </a:r>
-            <a:r>
-              <a:rPr lang="en-CA" dirty="0"/>
-              <a:t> IETF @ Madrid</a:t>
-            </a:r>
+            <a:pPr>
+              <a:defRPr/>
+            </a:pPr>
+            <a:fld id="{BD6E0F59-1DD8-40FC-9C92-B6295CBA6CCA}" type="slidenum">
+              <a:rPr lang="en-US" altLang="zh-CN" smtClean="0"/>
+              <a:pPr>
+                <a:defRPr/>
+              </a:pPr>
+              <a:t>8</a:t>
+            </a:fld>
+            <a:endParaRPr lang="en-US" altLang="zh-CN" dirty="0"/>
           </a:p>
         </p:txBody>
       </p:sp>
     </p:spTree>
     <p:extLst>
       <p:ext uri="{BB962C8B-B14F-4D97-AF65-F5344CB8AC3E}">
-        <p14:creationId xmlns:p14="http://schemas.microsoft.com/office/powerpoint/2010/main" val="3909069486"/>
+        <p14:creationId xmlns:p14="http://schemas.microsoft.com/office/powerpoint/2010/main" val="3722295587"/>
       </p:ext>
     </p:extLst>
   </p:cSld>
@@ -15316,7 +15688,7 @@
         </p:nvSpPr>
         <p:spPr>
           <a:xfrm>
-            <a:off x="457200" y="-19050"/>
+            <a:off x="381000" y="-19050"/>
             <a:ext cx="8458200" cy="857250"/>
           </a:xfrm>
         </p:spPr>
@@ -15332,7 +15704,7 @@
                 <a:latin typeface="Calibri Light" panose="020F0302020204030204" pitchFamily="34" charset="0"/>
                 <a:cs typeface="Calibri Light" panose="020F0302020204030204" pitchFamily="34" charset="0"/>
               </a:rPr>
-              <a:t>STAMP Probe Message</a:t>
+              <a:t>TWAMP Light Probe Message</a:t>
             </a:r>
           </a:p>
         </p:txBody>
@@ -15380,8 +15752,8 @@
         </p:nvSpPr>
         <p:spPr>
           <a:xfrm>
-            <a:off x="152400" y="997210"/>
-            <a:ext cx="4800600" cy="3139321"/>
+            <a:off x="205902" y="887408"/>
+            <a:ext cx="4823298" cy="3693319"/>
           </a:xfrm>
           <a:prstGeom prst="rect">
             <a:avLst/>
@@ -15493,23 +15865,7 @@
                 <a:ea typeface="Courier" charset="0"/>
                 <a:cs typeface="Courier" charset="0"/>
               </a:rPr>
-              <a:t>  |         Error Estimate        |    </a:t>
-            </a:r>
-            <a:r>
-              <a:rPr lang="en-US" sz="900" b="1" dirty="0">
-                <a:latin typeface="Courier" pitchFamily="2" charset="0"/>
-                <a:ea typeface="Courier" charset="0"/>
-                <a:cs typeface="Courier" charset="0"/>
-              </a:rPr>
-              <a:t>SSID</a:t>
-            </a:r>
-            <a:r>
-              <a:rPr lang="en-US" sz="900" dirty="0">
-                <a:latin typeface="Courier" pitchFamily="2" charset="0"/>
-                <a:ea typeface="Courier" charset="0"/>
-                <a:cs typeface="Courier" charset="0"/>
-              </a:rPr>
-              <a:t>                       |</a:t>
+              <a:t>  |         Error Estimate        |    MBZ                        |</a:t>
             </a:r>
           </a:p>
           <a:p>
@@ -15767,7 +16123,87 @@
                 <a:ea typeface="Courier" charset="0"/>
                 <a:cs typeface="Courier" charset="0"/>
               </a:rPr>
-              <a:t>  |  Sender TTL   |      Padding                                  |</a:t>
+              <a:t>  |  Sender TTL   |                                               |</a:t>
+            </a:r>
+          </a:p>
+          <a:p>
+            <a:pPr>
+              <a:spcAft>
+                <a:spcPts val="0"/>
+              </a:spcAft>
+            </a:pPr>
+            <a:r>
+              <a:rPr lang="en-US" sz="900" dirty="0">
+                <a:solidFill>
+                  <a:schemeClr val="bg1">
+                    <a:lumMod val="50000"/>
+                  </a:schemeClr>
+                </a:solidFill>
+                <a:latin typeface="Courier" pitchFamily="2" charset="0"/>
+                <a:ea typeface="Courier" charset="0"/>
+                <a:cs typeface="Courier" charset="0"/>
+              </a:rPr>
+              <a:t>  +-+-+-+-+-+-+-+-+                                               |</a:t>
+            </a:r>
+          </a:p>
+          <a:p>
+            <a:pPr>
+              <a:spcAft>
+                <a:spcPts val="0"/>
+              </a:spcAft>
+            </a:pPr>
+            <a:r>
+              <a:rPr lang="en-US" sz="900" dirty="0">
+                <a:solidFill>
+                  <a:schemeClr val="bg1">
+                    <a:lumMod val="50000"/>
+                  </a:schemeClr>
+                </a:solidFill>
+                <a:latin typeface="Courier" pitchFamily="2" charset="0"/>
+                <a:ea typeface="Courier" charset="0"/>
+                <a:cs typeface="Courier" charset="0"/>
+              </a:rPr>
+              <a:t>  |                                                               |</a:t>
+            </a:r>
+          </a:p>
+          <a:p>
+            <a:pPr>
+              <a:spcAft>
+                <a:spcPts val="0"/>
+              </a:spcAft>
+            </a:pPr>
+            <a:r>
+              <a:rPr lang="en-US" sz="900" dirty="0">
+                <a:solidFill>
+                  <a:schemeClr val="bg1">
+                    <a:lumMod val="50000"/>
+                  </a:schemeClr>
+                </a:solidFill>
+                <a:latin typeface="Courier" pitchFamily="2" charset="0"/>
+                <a:ea typeface="Courier" charset="0"/>
+                <a:cs typeface="Courier" charset="0"/>
+              </a:rPr>
+              <a:t>  ~                      Padding                                  ~</a:t>
+            </a:r>
+          </a:p>
+          <a:p>
+            <a:pPr>
+              <a:spcAft>
+                <a:spcPts val="0"/>
+              </a:spcAft>
+            </a:pPr>
+            <a:r>
+              <a:rPr lang="en-US" sz="900" dirty="0">
+                <a:solidFill>
+                  <a:schemeClr val="bg1">
+                    <a:lumMod val="50000"/>
+                  </a:schemeClr>
+                </a:solidFill>
+                <a:latin typeface="Courier" pitchFamily="2" charset="0"/>
+                <a:ea typeface="Courier" charset="0"/>
+                <a:cs typeface="Courier" charset="0"/>
+              </a:rPr>
+              <a:t>  |                                                               |</a:t>
             </a:r>
           </a:p>
           <a:p>
@@ -15810,7 +16246,7 @@
               <a:rPr lang="en-CA" sz="900" dirty="0">
                 <a:latin typeface="Courier" pitchFamily="2" charset="0"/>
               </a:rPr>
-              <a:t>                  Figure: STAMP Probe Message Format</a:t>
+              <a:t>              Figure: TWAMP Light Probe Message Format</a:t>
             </a:r>
             <a:endParaRPr lang="en-US" sz="900" dirty="0">
               <a:latin typeface="Courier" pitchFamily="2" charset="0"/>
@@ -15836,8 +16272,8 @@
         </p:nvSpPr>
         <p:spPr>
           <a:xfrm>
-            <a:off x="5029200" y="1190113"/>
-            <a:ext cx="3962400" cy="2917956"/>
+            <a:off x="5029200" y="1276351"/>
+            <a:ext cx="3962400" cy="2819400"/>
           </a:xfrm>
         </p:spPr>
         <p:txBody>
@@ -15868,7 +16304,7 @@
             <a:pPr lvl="1"/>
             <a:r>
               <a:rPr lang="en-US" sz="1400" dirty="0"/>
-              <a:t>For STAMP packets, it is at offset-byte 16 from the start of the payload</a:t>
+              <a:t>For TWAMP Light packets, it is at offset-byte 16 from the start of the payload</a:t>
             </a:r>
           </a:p>
           <a:p>
@@ -15914,7 +16350,7 @@
     </p:spTree>
     <p:extLst>
       <p:ext uri="{BB962C8B-B14F-4D97-AF65-F5344CB8AC3E}">
-        <p14:creationId xmlns:p14="http://schemas.microsoft.com/office/powerpoint/2010/main" val="4096691418"/>
+        <p14:creationId xmlns:p14="http://schemas.microsoft.com/office/powerpoint/2010/main" val="3909069486"/>
       </p:ext>
     </p:extLst>
   </p:cSld>

--- a/draft-gandhi-spring-sr-enhanced-plm-01.pptx
+++ b/draft-gandhi-spring-sr-enhanced-plm-01.pptx
@@ -7872,8 +7872,8 @@
         </p:nvSpPr>
         <p:spPr>
           <a:xfrm>
-            <a:off x="990600" y="825427"/>
-            <a:ext cx="7010400" cy="3779817"/>
+            <a:off x="1295400" y="818969"/>
+            <a:ext cx="6629400" cy="3779817"/>
           </a:xfrm>
           <a:prstGeom prst="rect">
             <a:avLst/>
@@ -7939,7 +7939,7 @@
               <a:rPr lang="en-CA" sz="1200" dirty="0">
                 <a:latin typeface="Courier" pitchFamily="2" charset="0"/>
               </a:rPr>
-              <a:t>  Destination UDP Port            /  \       Network Programming Label</a:t>
+              <a:t>  Destination UDP Port            /  \      Network Programming Label</a:t>
             </a:r>
           </a:p>
           <a:p>
@@ -7952,7 +7952,7 @@
               <a:rPr lang="en-CA" sz="1200" dirty="0">
                 <a:latin typeface="Courier" pitchFamily="2" charset="0"/>
               </a:rPr>
-              <a:t>  Measurement Protocol           /    \      Timestamp2 Offset</a:t>
+              <a:t>  Measurement Protocol           /    \     Timestamp2 Offset</a:t>
             </a:r>
           </a:p>
           <a:p>
@@ -7965,7 +7965,7 @@
               <a:rPr lang="en-CA" sz="1200" dirty="0">
                 <a:latin typeface="Courier" pitchFamily="2" charset="0"/>
               </a:rPr>
-              <a:t>  PLM Type                      /      \     Timestamp Format</a:t>
+              <a:t>  PLM Type                      /      \    Timestamp Format</a:t>
             </a:r>
           </a:p>
           <a:p>
@@ -14175,7 +14175,7 @@
                 <a:ea typeface="Calibri" panose="020F0502020204030204" pitchFamily="34" charset="0"/>
                 <a:cs typeface="Times New Roman" panose="02020603050405020304" pitchFamily="18" charset="0"/>
               </a:rPr>
-              <a:t> |   R1  |--------------------||  R5   |</a:t>
+              <a:t> |   R1  |====================||  R5   |</a:t>
             </a:r>
           </a:p>
           <a:p>
@@ -15545,7 +15545,7 @@
               <a:rPr lang="en-CA" sz="1100" dirty="0">
                 <a:latin typeface="Courier" pitchFamily="2" charset="0"/>
               </a:rPr>
-              <a:t>   |   R1  |--------------------||  R5   |</a:t>
+              <a:t>   |   R1  |====================||  R5   |</a:t>
             </a:r>
           </a:p>
           <a:p>

--- a/draft-gandhi-spring-sr-enhanced-plm-01.pptx
+++ b/draft-gandhi-spring-sr-enhanced-plm-01.pptx
@@ -13797,8 +13797,8 @@
         </p:nvSpPr>
         <p:spPr>
           <a:xfrm>
-            <a:off x="457200" y="831574"/>
-            <a:ext cx="8229600" cy="3568976"/>
+            <a:off x="533400" y="877592"/>
+            <a:ext cx="8153400" cy="3035576"/>
           </a:xfrm>
         </p:spPr>
         <p:txBody>
@@ -13806,40 +13806,40 @@
           <a:lstStyle/>
           <a:p>
             <a:r>
-              <a:rPr lang="en-US" sz="1400" dirty="0"/>
+              <a:rPr lang="en-US" sz="1600" dirty="0"/>
               <a:t>March 2020</a:t>
             </a:r>
           </a:p>
           <a:p>
             <a:pPr lvl="1"/>
             <a:r>
-              <a:rPr lang="en-US" sz="1400" dirty="0"/>
+              <a:rPr lang="en-US" sz="1600" dirty="0"/>
               <a:t>Draft was published</a:t>
             </a:r>
           </a:p>
           <a:p>
             <a:r>
-              <a:rPr lang="en-US" sz="1400" dirty="0"/>
+              <a:rPr lang="en-US" sz="1600" dirty="0"/>
               <a:t>April 2020</a:t>
             </a:r>
           </a:p>
           <a:p>
             <a:pPr lvl="1"/>
             <a:r>
-              <a:rPr lang="en-US" sz="1400" dirty="0"/>
+              <a:rPr lang="en-US" sz="1600" dirty="0"/>
               <a:t>Presented </a:t>
             </a:r>
             <a:r>
-              <a:rPr lang="en-US" sz="1400" i="1" dirty="0"/>
+              <a:rPr lang="en-US" sz="1600" i="1" dirty="0"/>
               <a:t>version 00</a:t>
             </a:r>
             <a:r>
-              <a:rPr lang="en-US" sz="1400" dirty="0"/>
+              <a:rPr lang="en-US" sz="1600" dirty="0"/>
               <a:t> in IETF MPLS WG Virtual Meeting</a:t>
             </a:r>
           </a:p>
           <a:p>
-            <a:endParaRPr lang="en-US" sz="1400" i="1" dirty="0"/>
+            <a:endParaRPr lang="en-US" sz="1600" i="1" dirty="0"/>
           </a:p>
         </p:txBody>
       </p:sp>

--- a/draft-gandhi-spring-sr-enhanced-plm-01.pptx
+++ b/draft-gandhi-spring-sr-enhanced-plm-01.pptx
@@ -5,10 +5,10 @@
     <p:sldMasterId id="2147483648" r:id="rId1"/>
   </p:sldMasterIdLst>
   <p:notesMasterIdLst>
-    <p:notesMasterId r:id="rId18"/>
+    <p:notesMasterId r:id="rId15"/>
   </p:notesMasterIdLst>
   <p:handoutMasterIdLst>
-    <p:handoutMasterId r:id="rId19"/>
+    <p:handoutMasterId r:id="rId16"/>
   </p:handoutMasterIdLst>
   <p:sldIdLst>
     <p:sldId id="256" r:id="rId2"/>
@@ -19,14 +19,11 @@
     <p:sldId id="1659" r:id="rId7"/>
     <p:sldId id="1662" r:id="rId8"/>
     <p:sldId id="1674" r:id="rId9"/>
-    <p:sldId id="1658" r:id="rId10"/>
-    <p:sldId id="1663" r:id="rId11"/>
-    <p:sldId id="318" r:id="rId12"/>
-    <p:sldId id="303" r:id="rId13"/>
-    <p:sldId id="1668" r:id="rId14"/>
-    <p:sldId id="1669" r:id="rId15"/>
-    <p:sldId id="1661" r:id="rId16"/>
-    <p:sldId id="1670" r:id="rId17"/>
+    <p:sldId id="1669" r:id="rId10"/>
+    <p:sldId id="1658" r:id="rId11"/>
+    <p:sldId id="1663" r:id="rId12"/>
+    <p:sldId id="318" r:id="rId13"/>
+    <p:sldId id="303" r:id="rId14"/>
   </p:sldIdLst>
   <p:sldSz cx="9144000" cy="5143500" type="screen16x9"/>
   <p:notesSz cx="6858000" cy="9144000"/>
@@ -920,7 +917,7 @@
           <a:bodyPr/>
           <a:lstStyle/>
           <a:p>
-            <a:endParaRPr lang="en-CA" dirty="0"/>
+            <a:endParaRPr lang="en-US" dirty="0"/>
           </a:p>
         </p:txBody>
       </p:sp>
@@ -947,7 +944,7 @@
               <a:pPr>
                 <a:defRPr/>
               </a:pPr>
-              <a:t>11</a:t>
+              <a:t>10</a:t>
             </a:fld>
             <a:endParaRPr lang="en-US" altLang="zh-CN"/>
           </a:p>
@@ -956,7 +953,7 @@
     </p:spTree>
     <p:extLst>
       <p:ext uri="{BB962C8B-B14F-4D97-AF65-F5344CB8AC3E}">
-        <p14:creationId xmlns:p14="http://schemas.microsoft.com/office/powerpoint/2010/main" val="1422079827"/>
+        <p14:creationId xmlns:p14="http://schemas.microsoft.com/office/powerpoint/2010/main" val="939525286"/>
       </p:ext>
     </p:extLst>
   </p:cSld>
@@ -1010,7 +1007,7 @@
           <a:bodyPr/>
           <a:lstStyle/>
           <a:p>
-            <a:endParaRPr lang="en-US" dirty="0"/>
+            <a:endParaRPr lang="en-CA" dirty="0"/>
           </a:p>
         </p:txBody>
       </p:sp>
@@ -1046,7 +1043,7 @@
     </p:spTree>
     <p:extLst>
       <p:ext uri="{BB962C8B-B14F-4D97-AF65-F5344CB8AC3E}">
-        <p14:creationId xmlns:p14="http://schemas.microsoft.com/office/powerpoint/2010/main" val="383772479"/>
+        <p14:creationId xmlns:p14="http://schemas.microsoft.com/office/powerpoint/2010/main" val="1422079827"/>
       </p:ext>
     </p:extLst>
   </p:cSld>
@@ -1136,277 +1133,7 @@
     </p:spTree>
     <p:extLst>
       <p:ext uri="{BB962C8B-B14F-4D97-AF65-F5344CB8AC3E}">
-        <p14:creationId xmlns:p14="http://schemas.microsoft.com/office/powerpoint/2010/main" val="4176910369"/>
-      </p:ext>
-    </p:extLst>
-  </p:cSld>
-  <p:clrMapOvr>
-    <a:masterClrMapping/>
-  </p:clrMapOvr>
-</p:notes>
-</file>
-
-<file path=ppt/notesSlides/notesSlide13.xml><?xml version="1.0" encoding="utf-8"?>
-<p:notes xmlns:a="http://schemas.openxmlformats.org/drawingml/2006/main" xmlns:r="http://schemas.openxmlformats.org/officeDocument/2006/relationships" xmlns:p="http://schemas.openxmlformats.org/presentationml/2006/main">
-  <p:cSld>
-    <p:spTree>
-      <p:nvGrpSpPr>
-        <p:cNvPr id="1" name=""/>
-        <p:cNvGrpSpPr/>
-        <p:nvPr/>
-      </p:nvGrpSpPr>
-      <p:grpSpPr>
-        <a:xfrm>
-          <a:off x="0" y="0"/>
-          <a:ext cx="0" cy="0"/>
-          <a:chOff x="0" y="0"/>
-          <a:chExt cx="0" cy="0"/>
-        </a:xfrm>
-      </p:grpSpPr>
-      <p:sp>
-        <p:nvSpPr>
-          <p:cNvPr id="2" name="Slide Image Placeholder 1"/>
-          <p:cNvSpPr>
-            <a:spLocks noGrp="1" noRot="1" noChangeAspect="1"/>
-          </p:cNvSpPr>
-          <p:nvPr>
-            <p:ph type="sldImg"/>
-          </p:nvPr>
-        </p:nvSpPr>
-        <p:spPr/>
-      </p:sp>
-      <p:sp>
-        <p:nvSpPr>
-          <p:cNvPr id="3" name="Notes Placeholder 2"/>
-          <p:cNvSpPr>
-            <a:spLocks noGrp="1"/>
-          </p:cNvSpPr>
-          <p:nvPr>
-            <p:ph type="body" idx="1"/>
-          </p:nvPr>
-        </p:nvSpPr>
-        <p:spPr/>
-        <p:txBody>
-          <a:bodyPr/>
-          <a:lstStyle/>
-          <a:p>
-            <a:endParaRPr lang="en-CA" dirty="0"/>
-          </a:p>
-        </p:txBody>
-      </p:sp>
-      <p:sp>
-        <p:nvSpPr>
-          <p:cNvPr id="4" name="Slide Number Placeholder 3"/>
-          <p:cNvSpPr>
-            <a:spLocks noGrp="1"/>
-          </p:cNvSpPr>
-          <p:nvPr>
-            <p:ph type="sldNum" sz="quarter" idx="10"/>
-          </p:nvPr>
-        </p:nvSpPr>
-        <p:spPr/>
-        <p:txBody>
-          <a:bodyPr/>
-          <a:lstStyle/>
-          <a:p>
-            <a:pPr>
-              <a:defRPr/>
-            </a:pPr>
-            <a:fld id="{100938BD-FD70-4535-B0C2-13FC38CDF1BE}" type="slidenum">
-              <a:rPr lang="en-US" altLang="zh-CN" smtClean="0"/>
-              <a:pPr>
-                <a:defRPr/>
-              </a:pPr>
-              <a:t>14</a:t>
-            </a:fld>
-            <a:endParaRPr lang="en-US" altLang="zh-CN"/>
-          </a:p>
-        </p:txBody>
-      </p:sp>
-    </p:spTree>
-    <p:extLst>
-      <p:ext uri="{BB962C8B-B14F-4D97-AF65-F5344CB8AC3E}">
-        <p14:creationId xmlns:p14="http://schemas.microsoft.com/office/powerpoint/2010/main" val="870300071"/>
-      </p:ext>
-    </p:extLst>
-  </p:cSld>
-  <p:clrMapOvr>
-    <a:masterClrMapping/>
-  </p:clrMapOvr>
-</p:notes>
-</file>
-
-<file path=ppt/notesSlides/notesSlide14.xml><?xml version="1.0" encoding="utf-8"?>
-<p:notes xmlns:a="http://schemas.openxmlformats.org/drawingml/2006/main" xmlns:r="http://schemas.openxmlformats.org/officeDocument/2006/relationships" xmlns:p="http://schemas.openxmlformats.org/presentationml/2006/main">
-  <p:cSld>
-    <p:spTree>
-      <p:nvGrpSpPr>
-        <p:cNvPr id="1" name=""/>
-        <p:cNvGrpSpPr/>
-        <p:nvPr/>
-      </p:nvGrpSpPr>
-      <p:grpSpPr>
-        <a:xfrm>
-          <a:off x="0" y="0"/>
-          <a:ext cx="0" cy="0"/>
-          <a:chOff x="0" y="0"/>
-          <a:chExt cx="0" cy="0"/>
-        </a:xfrm>
-      </p:grpSpPr>
-      <p:sp>
-        <p:nvSpPr>
-          <p:cNvPr id="2" name="Slide Image Placeholder 1"/>
-          <p:cNvSpPr>
-            <a:spLocks noGrp="1" noRot="1" noChangeAspect="1"/>
-          </p:cNvSpPr>
-          <p:nvPr>
-            <p:ph type="sldImg"/>
-          </p:nvPr>
-        </p:nvSpPr>
-        <p:spPr/>
-      </p:sp>
-      <p:sp>
-        <p:nvSpPr>
-          <p:cNvPr id="3" name="Notes Placeholder 2"/>
-          <p:cNvSpPr>
-            <a:spLocks noGrp="1"/>
-          </p:cNvSpPr>
-          <p:nvPr>
-            <p:ph type="body" idx="1"/>
-          </p:nvPr>
-        </p:nvSpPr>
-        <p:spPr/>
-        <p:txBody>
-          <a:bodyPr/>
-          <a:lstStyle/>
-          <a:p>
-            <a:endParaRPr lang="en-CA" dirty="0"/>
-          </a:p>
-        </p:txBody>
-      </p:sp>
-      <p:sp>
-        <p:nvSpPr>
-          <p:cNvPr id="4" name="Slide Number Placeholder 3"/>
-          <p:cNvSpPr>
-            <a:spLocks noGrp="1"/>
-          </p:cNvSpPr>
-          <p:nvPr>
-            <p:ph type="sldNum" sz="quarter" idx="10"/>
-          </p:nvPr>
-        </p:nvSpPr>
-        <p:spPr/>
-        <p:txBody>
-          <a:bodyPr/>
-          <a:lstStyle/>
-          <a:p>
-            <a:pPr>
-              <a:defRPr/>
-            </a:pPr>
-            <a:fld id="{100938BD-FD70-4535-B0C2-13FC38CDF1BE}" type="slidenum">
-              <a:rPr lang="en-US" altLang="zh-CN" smtClean="0"/>
-              <a:pPr>
-                <a:defRPr/>
-              </a:pPr>
-              <a:t>15</a:t>
-            </a:fld>
-            <a:endParaRPr lang="en-US" altLang="zh-CN"/>
-          </a:p>
-        </p:txBody>
-      </p:sp>
-    </p:spTree>
-    <p:extLst>
-      <p:ext uri="{BB962C8B-B14F-4D97-AF65-F5344CB8AC3E}">
-        <p14:creationId xmlns:p14="http://schemas.microsoft.com/office/powerpoint/2010/main" val="1788599029"/>
-      </p:ext>
-    </p:extLst>
-  </p:cSld>
-  <p:clrMapOvr>
-    <a:masterClrMapping/>
-  </p:clrMapOvr>
-</p:notes>
-</file>
-
-<file path=ppt/notesSlides/notesSlide15.xml><?xml version="1.0" encoding="utf-8"?>
-<p:notes xmlns:a="http://schemas.openxmlformats.org/drawingml/2006/main" xmlns:r="http://schemas.openxmlformats.org/officeDocument/2006/relationships" xmlns:p="http://schemas.openxmlformats.org/presentationml/2006/main">
-  <p:cSld>
-    <p:spTree>
-      <p:nvGrpSpPr>
-        <p:cNvPr id="1" name=""/>
-        <p:cNvGrpSpPr/>
-        <p:nvPr/>
-      </p:nvGrpSpPr>
-      <p:grpSpPr>
-        <a:xfrm>
-          <a:off x="0" y="0"/>
-          <a:ext cx="0" cy="0"/>
-          <a:chOff x="0" y="0"/>
-          <a:chExt cx="0" cy="0"/>
-        </a:xfrm>
-      </p:grpSpPr>
-      <p:sp>
-        <p:nvSpPr>
-          <p:cNvPr id="2" name="Slide Image Placeholder 1"/>
-          <p:cNvSpPr>
-            <a:spLocks noGrp="1" noRot="1" noChangeAspect="1"/>
-          </p:cNvSpPr>
-          <p:nvPr>
-            <p:ph type="sldImg"/>
-          </p:nvPr>
-        </p:nvSpPr>
-        <p:spPr/>
-      </p:sp>
-      <p:sp>
-        <p:nvSpPr>
-          <p:cNvPr id="3" name="Notes Placeholder 2"/>
-          <p:cNvSpPr>
-            <a:spLocks noGrp="1"/>
-          </p:cNvSpPr>
-          <p:nvPr>
-            <p:ph type="body" idx="1"/>
-          </p:nvPr>
-        </p:nvSpPr>
-        <p:spPr/>
-        <p:txBody>
-          <a:bodyPr/>
-          <a:lstStyle/>
-          <a:p>
-            <a:endParaRPr lang="en-US" dirty="0"/>
-          </a:p>
-        </p:txBody>
-      </p:sp>
-      <p:sp>
-        <p:nvSpPr>
-          <p:cNvPr id="4" name="Slide Number Placeholder 3"/>
-          <p:cNvSpPr>
-            <a:spLocks noGrp="1"/>
-          </p:cNvSpPr>
-          <p:nvPr>
-            <p:ph type="sldNum" sz="quarter" idx="10"/>
-          </p:nvPr>
-        </p:nvSpPr>
-        <p:spPr/>
-        <p:txBody>
-          <a:bodyPr/>
-          <a:lstStyle/>
-          <a:p>
-            <a:pPr>
-              <a:defRPr/>
-            </a:pPr>
-            <a:fld id="{100938BD-FD70-4535-B0C2-13FC38CDF1BE}" type="slidenum">
-              <a:rPr lang="en-US" altLang="zh-CN" smtClean="0"/>
-              <a:pPr>
-                <a:defRPr/>
-              </a:pPr>
-              <a:t>16</a:t>
-            </a:fld>
-            <a:endParaRPr lang="en-US" altLang="zh-CN"/>
-          </a:p>
-        </p:txBody>
-      </p:sp>
-    </p:spTree>
-    <p:extLst>
-      <p:ext uri="{BB962C8B-B14F-4D97-AF65-F5344CB8AC3E}">
-        <p14:creationId xmlns:p14="http://schemas.microsoft.com/office/powerpoint/2010/main" val="2437151870"/>
+        <p14:creationId xmlns:p14="http://schemas.microsoft.com/office/powerpoint/2010/main" val="383772479"/>
       </p:ext>
     </p:extLst>
   </p:cSld>
@@ -2090,7 +1817,7 @@
           <a:bodyPr/>
           <a:lstStyle/>
           <a:p>
-            <a:endParaRPr lang="en-US" dirty="0"/>
+            <a:endParaRPr lang="en-CA" dirty="0"/>
           </a:p>
         </p:txBody>
       </p:sp>
@@ -2126,7 +1853,7 @@
     </p:spTree>
     <p:extLst>
       <p:ext uri="{BB962C8B-B14F-4D97-AF65-F5344CB8AC3E}">
-        <p14:creationId xmlns:p14="http://schemas.microsoft.com/office/powerpoint/2010/main" val="939525286"/>
+        <p14:creationId xmlns:p14="http://schemas.microsoft.com/office/powerpoint/2010/main" val="1667011172"/>
       </p:ext>
     </p:extLst>
   </p:cSld>
@@ -5709,13 +5436,7 @@
       </p:grpSpPr>
       <p:sp>
         <p:nvSpPr>
-          <p:cNvPr id="2" name="Title 1">
-            <a:extLst>
-              <a:ext uri="{FF2B5EF4-FFF2-40B4-BE49-F238E27FC236}">
-                <a16:creationId xmlns:a16="http://schemas.microsoft.com/office/drawing/2014/main" id="{9A6F4236-AC14-394A-A36C-F2BD8CED3237}"/>
-              </a:ext>
-            </a:extLst>
-          </p:cNvPr>
+          <p:cNvPr id="2" name="Title 1"/>
           <p:cNvSpPr>
             <a:spLocks noGrp="1"/>
           </p:cNvSpPr>
@@ -5725,7 +5446,7 @@
         </p:nvSpPr>
         <p:spPr>
           <a:xfrm>
-            <a:off x="457200" y="-19050"/>
+            <a:off x="457200" y="0"/>
             <a:ext cx="8229600" cy="857250"/>
           </a:xfrm>
         </p:spPr>
@@ -5741,30 +5462,143 @@
                 <a:latin typeface="Calibri Light" panose="020F0302020204030204" pitchFamily="34" charset="0"/>
                 <a:cs typeface="Calibri Light" panose="020F0302020204030204" pitchFamily="34" charset="0"/>
               </a:rPr>
-              <a:t>Example Provisioning Model</a:t>
-            </a:r>
-          </a:p>
-        </p:txBody>
-      </p:sp>
-      <p:sp>
-        <p:nvSpPr>
-          <p:cNvPr id="4" name="Footer Placeholder 3">
-            <a:extLst>
-              <a:ext uri="{FF2B5EF4-FFF2-40B4-BE49-F238E27FC236}">
-                <a16:creationId xmlns:a16="http://schemas.microsoft.com/office/drawing/2014/main" id="{643D160E-CC3C-EB46-A6F1-43B8E2996F46}"/>
-              </a:ext>
-            </a:extLst>
-          </p:cNvPr>
+              <a:t>ECMP Support for SR Paths</a:t>
+            </a:r>
+          </a:p>
+        </p:txBody>
+      </p:sp>
+      <p:sp>
+        <p:nvSpPr>
+          <p:cNvPr id="3" name="Content Placeholder 2"/>
           <p:cNvSpPr>
             <a:spLocks noGrp="1"/>
           </p:cNvSpPr>
           <p:nvPr>
-            <p:ph type="ftr" sz="quarter" idx="11"/>
+            <p:ph idx="1"/>
           </p:nvPr>
         </p:nvSpPr>
         <p:spPr>
           <a:xfrm>
-            <a:off x="3124200" y="4775368"/>
+            <a:off x="419100" y="912200"/>
+            <a:ext cx="8305800" cy="3564549"/>
+          </a:xfrm>
+        </p:spPr>
+        <p:txBody>
+          <a:bodyPr/>
+          <a:lstStyle/>
+          <a:p>
+            <a:pPr>
+              <a:lnSpc>
+                <a:spcPts val="2280"/>
+              </a:lnSpc>
+              <a:spcBef>
+                <a:spcPts val="0"/>
+              </a:spcBef>
+            </a:pPr>
+            <a:r>
+              <a:rPr lang="en-US" sz="1600" dirty="0"/>
+              <a:t>SR Paths can have ECMP between the ingress and transit nodes, between transit nodes and between transit and egress nodes.</a:t>
+            </a:r>
+          </a:p>
+          <a:p>
+            <a:pPr>
+              <a:lnSpc>
+                <a:spcPts val="2280"/>
+              </a:lnSpc>
+              <a:spcBef>
+                <a:spcPts val="0"/>
+              </a:spcBef>
+            </a:pPr>
+            <a:r>
+              <a:rPr lang="en-US" sz="1600" dirty="0"/>
+              <a:t>Sending PM probe queries that can take advantage of the hashing function in forwarding plane.</a:t>
+            </a:r>
+          </a:p>
+          <a:p>
+            <a:pPr>
+              <a:lnSpc>
+                <a:spcPts val="2280"/>
+              </a:lnSpc>
+              <a:spcBef>
+                <a:spcPts val="0"/>
+              </a:spcBef>
+            </a:pPr>
+            <a:r>
+              <a:rPr lang="en-US" sz="1600" dirty="0"/>
+              <a:t>Existing forwarding mechanisms are applicable to PM probe messages. Examples are:</a:t>
+            </a:r>
+          </a:p>
+          <a:p>
+            <a:pPr lvl="1">
+              <a:lnSpc>
+                <a:spcPts val="2280"/>
+              </a:lnSpc>
+              <a:spcBef>
+                <a:spcPts val="0"/>
+              </a:spcBef>
+            </a:pPr>
+            <a:r>
+              <a:rPr lang="en-US" sz="1600" dirty="0"/>
+              <a:t>For IPv4</a:t>
+            </a:r>
+          </a:p>
+          <a:p>
+            <a:pPr lvl="2">
+              <a:lnSpc>
+                <a:spcPts val="2280"/>
+              </a:lnSpc>
+              <a:spcBef>
+                <a:spcPts val="0"/>
+              </a:spcBef>
+            </a:pPr>
+            <a:r>
+              <a:rPr lang="en-US" sz="1600" dirty="0"/>
+              <a:t>Sweeping destination address in IPv4 header (e.g. 127/8) if return path is SR-MPLS</a:t>
+            </a:r>
+          </a:p>
+          <a:p>
+            <a:pPr lvl="1">
+              <a:lnSpc>
+                <a:spcPts val="2280"/>
+              </a:lnSpc>
+              <a:spcBef>
+                <a:spcPts val="0"/>
+              </a:spcBef>
+            </a:pPr>
+            <a:r>
+              <a:rPr lang="en-US" sz="1600" dirty="0"/>
+              <a:t>For IPv6</a:t>
+            </a:r>
+          </a:p>
+          <a:p>
+            <a:pPr lvl="2">
+              <a:lnSpc>
+                <a:spcPts val="2280"/>
+              </a:lnSpc>
+              <a:spcBef>
+                <a:spcPts val="0"/>
+              </a:spcBef>
+            </a:pPr>
+            <a:r>
+              <a:rPr lang="en-US" sz="1600" dirty="0"/>
+              <a:t>Sweeping flow label in IPv6 header</a:t>
+            </a:r>
+          </a:p>
+        </p:txBody>
+      </p:sp>
+      <p:sp>
+        <p:nvSpPr>
+          <p:cNvPr id="4" name="Footer Placeholder 3"/>
+          <p:cNvSpPr>
+            <a:spLocks noGrp="1"/>
+          </p:cNvSpPr>
+          <p:nvPr>
+            <p:ph type="ftr" sz="quarter" idx="11"/>
+          </p:nvPr>
+        </p:nvSpPr>
+        <p:spPr>
+          <a:xfrm>
+            <a:off x="3124200" y="4786312"/>
             <a:ext cx="2895600" cy="357188"/>
           </a:xfrm>
         </p:spPr>
@@ -5789,13 +5623,7 @@
       </p:sp>
       <p:sp>
         <p:nvSpPr>
-          <p:cNvPr id="5" name="Slide Number Placeholder 4">
-            <a:extLst>
-              <a:ext uri="{FF2B5EF4-FFF2-40B4-BE49-F238E27FC236}">
-                <a16:creationId xmlns:a16="http://schemas.microsoft.com/office/drawing/2014/main" id="{A8B868AE-B105-7547-A646-14FCDF91C2DD}"/>
-              </a:ext>
-            </a:extLst>
-          </p:cNvPr>
+          <p:cNvPr id="5" name="Slide Number Placeholder 4"/>
           <p:cNvSpPr>
             <a:spLocks noGrp="1"/>
           </p:cNvSpPr>
@@ -5822,278 +5650,10 @@
           </a:p>
         </p:txBody>
       </p:sp>
-      <p:sp>
-        <p:nvSpPr>
-          <p:cNvPr id="7" name="Rectangle 6">
-            <a:extLst>
-              <a:ext uri="{FF2B5EF4-FFF2-40B4-BE49-F238E27FC236}">
-                <a16:creationId xmlns:a16="http://schemas.microsoft.com/office/drawing/2014/main" id="{AA6E66CA-28BC-2C4A-BC04-4600D8FEBF3B}"/>
-              </a:ext>
-            </a:extLst>
-          </p:cNvPr>
-          <p:cNvSpPr/>
-          <p:nvPr/>
-        </p:nvSpPr>
-        <p:spPr>
-          <a:xfrm>
-            <a:off x="1295400" y="818969"/>
-            <a:ext cx="6629400" cy="3779817"/>
-          </a:xfrm>
-          <a:prstGeom prst="rect">
-            <a:avLst/>
-          </a:prstGeom>
-          <a:solidFill>
-            <a:schemeClr val="accent6">
-              <a:lumMod val="20000"/>
-              <a:lumOff val="80000"/>
-            </a:schemeClr>
-          </a:solidFill>
-        </p:spPr>
-        <p:txBody>
-          <a:bodyPr wrap="square">
-            <a:spAutoFit/>
-          </a:bodyPr>
-          <a:lstStyle/>
-          <a:p>
-            <a:pPr>
-              <a:lnSpc>
-                <a:spcPts val="1640"/>
-              </a:lnSpc>
-            </a:pPr>
-            <a:r>
-              <a:rPr lang="en-CA" sz="1200" dirty="0">
-                <a:latin typeface="Courier" pitchFamily="2" charset="0"/>
-              </a:rPr>
-              <a:t>                             +------------+</a:t>
-            </a:r>
-          </a:p>
-          <a:p>
-            <a:pPr>
-              <a:lnSpc>
-                <a:spcPts val="1640"/>
-              </a:lnSpc>
-            </a:pPr>
-            <a:r>
-              <a:rPr lang="en-CA" sz="1200" dirty="0">
-                <a:latin typeface="Courier" pitchFamily="2" charset="0"/>
-              </a:rPr>
-              <a:t>                             | Controller |</a:t>
-            </a:r>
-          </a:p>
-          <a:p>
-            <a:pPr>
-              <a:lnSpc>
-                <a:spcPts val="1640"/>
-              </a:lnSpc>
-            </a:pPr>
-            <a:r>
-              <a:rPr lang="en-CA" sz="1200" dirty="0">
-                <a:latin typeface="Courier" pitchFamily="2" charset="0"/>
-              </a:rPr>
-              <a:t>                             +------------+</a:t>
-            </a:r>
-          </a:p>
-          <a:p>
-            <a:pPr>
-              <a:lnSpc>
-                <a:spcPts val="1640"/>
-              </a:lnSpc>
-            </a:pPr>
-            <a:r>
-              <a:rPr lang="en-CA" sz="1200" dirty="0">
-                <a:latin typeface="Courier" pitchFamily="2" charset="0"/>
-              </a:rPr>
-              <a:t>  Destination UDP Port            /  \      Network Programming Label</a:t>
-            </a:r>
-          </a:p>
-          <a:p>
-            <a:pPr>
-              <a:lnSpc>
-                <a:spcPts val="1640"/>
-              </a:lnSpc>
-            </a:pPr>
-            <a:r>
-              <a:rPr lang="en-CA" sz="1200" dirty="0">
-                <a:latin typeface="Courier" pitchFamily="2" charset="0"/>
-              </a:rPr>
-              <a:t>  Measurement Protocol           /    \     Timestamp2 Offset</a:t>
-            </a:r>
-          </a:p>
-          <a:p>
-            <a:pPr>
-              <a:lnSpc>
-                <a:spcPts val="1640"/>
-              </a:lnSpc>
-            </a:pPr>
-            <a:r>
-              <a:rPr lang="en-CA" sz="1200" dirty="0">
-                <a:latin typeface="Courier" pitchFamily="2" charset="0"/>
-              </a:rPr>
-              <a:t>  PLM Type                      /      \    Timestamp Format</a:t>
-            </a:r>
-          </a:p>
-          <a:p>
-            <a:pPr>
-              <a:lnSpc>
-                <a:spcPts val="1640"/>
-              </a:lnSpc>
-            </a:pPr>
-            <a:r>
-              <a:rPr lang="en-CA" sz="1200" dirty="0">
-                <a:latin typeface="Courier" pitchFamily="2" charset="0"/>
-              </a:rPr>
-              <a:t>     LB or Enhanced LB         /        \</a:t>
-            </a:r>
-          </a:p>
-          <a:p>
-            <a:pPr>
-              <a:lnSpc>
-                <a:spcPts val="1640"/>
-              </a:lnSpc>
-            </a:pPr>
-            <a:r>
-              <a:rPr lang="en-CA" sz="1200" dirty="0">
-                <a:latin typeface="Courier" pitchFamily="2" charset="0"/>
-              </a:rPr>
-              <a:t>  Authentication Mode &amp; Key   /          \     </a:t>
-            </a:r>
-          </a:p>
-          <a:p>
-            <a:pPr>
-              <a:lnSpc>
-                <a:spcPts val="1640"/>
-              </a:lnSpc>
-            </a:pPr>
-            <a:r>
-              <a:rPr lang="en-CA" sz="1200" dirty="0">
-                <a:latin typeface="Courier" pitchFamily="2" charset="0"/>
-              </a:rPr>
-              <a:t>  Network Programming Label  /            \</a:t>
-            </a:r>
-          </a:p>
-          <a:p>
-            <a:pPr>
-              <a:lnSpc>
-                <a:spcPts val="1640"/>
-              </a:lnSpc>
-            </a:pPr>
-            <a:r>
-              <a:rPr lang="en-CA" sz="1200" dirty="0">
-                <a:latin typeface="Courier" pitchFamily="2" charset="0"/>
-              </a:rPr>
-              <a:t>  Timestamp Format          /              \</a:t>
-            </a:r>
-          </a:p>
-          <a:p>
-            <a:pPr>
-              <a:lnSpc>
-                <a:spcPts val="1640"/>
-              </a:lnSpc>
-            </a:pPr>
-            <a:r>
-              <a:rPr lang="en-CA" sz="1200" dirty="0">
-                <a:latin typeface="Courier" pitchFamily="2" charset="0"/>
-              </a:rPr>
-              <a:t>                           /                \ </a:t>
-            </a:r>
-          </a:p>
-          <a:p>
-            <a:pPr>
-              <a:lnSpc>
-                <a:spcPts val="1640"/>
-              </a:lnSpc>
-            </a:pPr>
-            <a:r>
-              <a:rPr lang="en-CA" sz="1200" dirty="0">
-                <a:latin typeface="Courier" pitchFamily="2" charset="0"/>
-              </a:rPr>
-              <a:t>                          v                  v</a:t>
-            </a:r>
-          </a:p>
-          <a:p>
-            <a:pPr>
-              <a:lnSpc>
-                <a:spcPts val="1640"/>
-              </a:lnSpc>
-            </a:pPr>
-            <a:r>
-              <a:rPr lang="en-CA" sz="1200" dirty="0">
-                <a:latin typeface="Courier" pitchFamily="2" charset="0"/>
-              </a:rPr>
-              <a:t>                     +-------+            +-------+</a:t>
-            </a:r>
-          </a:p>
-          <a:p>
-            <a:pPr>
-              <a:lnSpc>
-                <a:spcPts val="1640"/>
-              </a:lnSpc>
-            </a:pPr>
-            <a:r>
-              <a:rPr lang="en-CA" sz="1200" dirty="0">
-                <a:latin typeface="Courier" pitchFamily="2" charset="0"/>
-              </a:rPr>
-              <a:t>                     |       |  SR Path   |       |</a:t>
-            </a:r>
-          </a:p>
-          <a:p>
-            <a:pPr>
-              <a:lnSpc>
-                <a:spcPts val="1640"/>
-              </a:lnSpc>
-            </a:pPr>
-            <a:r>
-              <a:rPr lang="en-CA" sz="1200" dirty="0">
-                <a:latin typeface="Courier" pitchFamily="2" charset="0"/>
-              </a:rPr>
-              <a:t>                     |   R1  |============|   R5  |</a:t>
-            </a:r>
-          </a:p>
-          <a:p>
-            <a:pPr>
-              <a:lnSpc>
-                <a:spcPts val="1640"/>
-              </a:lnSpc>
-            </a:pPr>
-            <a:r>
-              <a:rPr lang="en-CA" sz="1200" dirty="0">
-                <a:latin typeface="Courier" pitchFamily="2" charset="0"/>
-              </a:rPr>
-              <a:t>                     |       |            |       |</a:t>
-            </a:r>
-          </a:p>
-          <a:p>
-            <a:pPr>
-              <a:lnSpc>
-                <a:spcPts val="1640"/>
-              </a:lnSpc>
-            </a:pPr>
-            <a:r>
-              <a:rPr lang="en-CA" sz="1200" dirty="0">
-                <a:latin typeface="Courier" pitchFamily="2" charset="0"/>
-              </a:rPr>
-              <a:t>                     +-------+            +-------+</a:t>
-            </a:r>
-          </a:p>
-          <a:p>
-            <a:pPr>
-              <a:lnSpc>
-                <a:spcPts val="1640"/>
-              </a:lnSpc>
-            </a:pPr>
-            <a:r>
-              <a:rPr lang="en-CA" sz="1200" dirty="0">
-                <a:latin typeface="Courier" pitchFamily="2" charset="0"/>
-              </a:rPr>
-              <a:t>                      Sender              Reflector</a:t>
-            </a:r>
-          </a:p>
-        </p:txBody>
-      </p:sp>
     </p:spTree>
     <p:extLst>
       <p:ext uri="{BB962C8B-B14F-4D97-AF65-F5344CB8AC3E}">
-        <p14:creationId xmlns:p14="http://schemas.microsoft.com/office/powerpoint/2010/main" val="21907870"/>
+        <p14:creationId xmlns:p14="http://schemas.microsoft.com/office/powerpoint/2010/main" val="3637512675"/>
       </p:ext>
     </p:extLst>
   </p:cSld>
@@ -6122,6 +5682,419 @@
       </p:grpSpPr>
       <p:sp>
         <p:nvSpPr>
+          <p:cNvPr id="2" name="Title 1">
+            <a:extLst>
+              <a:ext uri="{FF2B5EF4-FFF2-40B4-BE49-F238E27FC236}">
+                <a16:creationId xmlns:a16="http://schemas.microsoft.com/office/drawing/2014/main" id="{9A6F4236-AC14-394A-A36C-F2BD8CED3237}"/>
+              </a:ext>
+            </a:extLst>
+          </p:cNvPr>
+          <p:cNvSpPr>
+            <a:spLocks noGrp="1"/>
+          </p:cNvSpPr>
+          <p:nvPr>
+            <p:ph type="title"/>
+          </p:nvPr>
+        </p:nvSpPr>
+        <p:spPr>
+          <a:xfrm>
+            <a:off x="457200" y="-19050"/>
+            <a:ext cx="8229600" cy="857250"/>
+          </a:xfrm>
+        </p:spPr>
+        <p:txBody>
+          <a:bodyPr/>
+          <a:lstStyle/>
+          <a:p>
+            <a:r>
+              <a:rPr lang="en-US" sz="3600" dirty="0">
+                <a:solidFill>
+                  <a:srgbClr val="0070C0"/>
+                </a:solidFill>
+                <a:latin typeface="Calibri Light" panose="020F0302020204030204" pitchFamily="34" charset="0"/>
+                <a:cs typeface="Calibri Light" panose="020F0302020204030204" pitchFamily="34" charset="0"/>
+              </a:rPr>
+              <a:t>Example Provisioning Model</a:t>
+            </a:r>
+          </a:p>
+        </p:txBody>
+      </p:sp>
+      <p:sp>
+        <p:nvSpPr>
+          <p:cNvPr id="4" name="Footer Placeholder 3">
+            <a:extLst>
+              <a:ext uri="{FF2B5EF4-FFF2-40B4-BE49-F238E27FC236}">
+                <a16:creationId xmlns:a16="http://schemas.microsoft.com/office/drawing/2014/main" id="{643D160E-CC3C-EB46-A6F1-43B8E2996F46}"/>
+              </a:ext>
+            </a:extLst>
+          </p:cNvPr>
+          <p:cNvSpPr>
+            <a:spLocks noGrp="1"/>
+          </p:cNvSpPr>
+          <p:nvPr>
+            <p:ph type="ftr" sz="quarter" idx="11"/>
+          </p:nvPr>
+        </p:nvSpPr>
+        <p:spPr>
+          <a:xfrm>
+            <a:off x="3124200" y="4775368"/>
+            <a:ext cx="2895600" cy="357188"/>
+          </a:xfrm>
+        </p:spPr>
+        <p:txBody>
+          <a:bodyPr/>
+          <a:lstStyle/>
+          <a:p>
+            <a:r>
+              <a:rPr lang="en-CA" dirty="0"/>
+              <a:t>108</a:t>
+            </a:r>
+            <a:r>
+              <a:rPr lang="en-CA" baseline="30000" dirty="0"/>
+              <a:t>th</a:t>
+            </a:r>
+            <a:r>
+              <a:rPr lang="en-CA" dirty="0"/>
+              <a:t> IETF @ Madrid</a:t>
+            </a:r>
+          </a:p>
+        </p:txBody>
+      </p:sp>
+      <p:sp>
+        <p:nvSpPr>
+          <p:cNvPr id="5" name="Slide Number Placeholder 4">
+            <a:extLst>
+              <a:ext uri="{FF2B5EF4-FFF2-40B4-BE49-F238E27FC236}">
+                <a16:creationId xmlns:a16="http://schemas.microsoft.com/office/drawing/2014/main" id="{A8B868AE-B105-7547-A646-14FCDF91C2DD}"/>
+              </a:ext>
+            </a:extLst>
+          </p:cNvPr>
+          <p:cNvSpPr>
+            <a:spLocks noGrp="1"/>
+          </p:cNvSpPr>
+          <p:nvPr>
+            <p:ph type="sldNum" sz="quarter" idx="12"/>
+          </p:nvPr>
+        </p:nvSpPr>
+        <p:spPr/>
+        <p:txBody>
+          <a:bodyPr/>
+          <a:lstStyle/>
+          <a:p>
+            <a:pPr>
+              <a:defRPr/>
+            </a:pPr>
+            <a:fld id="{BD6E0F59-1DD8-40FC-9C92-B6295CBA6CCA}" type="slidenum">
+              <a:rPr lang="en-US" altLang="zh-CN" smtClean="0"/>
+              <a:pPr>
+                <a:defRPr/>
+              </a:pPr>
+              <a:t>11</a:t>
+            </a:fld>
+            <a:endParaRPr lang="en-US" altLang="zh-CN"/>
+          </a:p>
+        </p:txBody>
+      </p:sp>
+      <p:sp>
+        <p:nvSpPr>
+          <p:cNvPr id="7" name="Rectangle 6">
+            <a:extLst>
+              <a:ext uri="{FF2B5EF4-FFF2-40B4-BE49-F238E27FC236}">
+                <a16:creationId xmlns:a16="http://schemas.microsoft.com/office/drawing/2014/main" id="{AA6E66CA-28BC-2C4A-BC04-4600D8FEBF3B}"/>
+              </a:ext>
+            </a:extLst>
+          </p:cNvPr>
+          <p:cNvSpPr/>
+          <p:nvPr/>
+        </p:nvSpPr>
+        <p:spPr>
+          <a:xfrm>
+            <a:off x="1295400" y="818969"/>
+            <a:ext cx="6629400" cy="3779817"/>
+          </a:xfrm>
+          <a:prstGeom prst="rect">
+            <a:avLst/>
+          </a:prstGeom>
+          <a:solidFill>
+            <a:schemeClr val="accent6">
+              <a:lumMod val="20000"/>
+              <a:lumOff val="80000"/>
+            </a:schemeClr>
+          </a:solidFill>
+        </p:spPr>
+        <p:txBody>
+          <a:bodyPr wrap="square">
+            <a:spAutoFit/>
+          </a:bodyPr>
+          <a:lstStyle/>
+          <a:p>
+            <a:pPr>
+              <a:lnSpc>
+                <a:spcPts val="1640"/>
+              </a:lnSpc>
+            </a:pPr>
+            <a:r>
+              <a:rPr lang="en-CA" sz="1200" dirty="0">
+                <a:latin typeface="Courier" pitchFamily="2" charset="0"/>
+              </a:rPr>
+              <a:t>                             +------------+</a:t>
+            </a:r>
+          </a:p>
+          <a:p>
+            <a:pPr>
+              <a:lnSpc>
+                <a:spcPts val="1640"/>
+              </a:lnSpc>
+            </a:pPr>
+            <a:r>
+              <a:rPr lang="en-CA" sz="1200" dirty="0">
+                <a:latin typeface="Courier" pitchFamily="2" charset="0"/>
+              </a:rPr>
+              <a:t>                             | Controller |</a:t>
+            </a:r>
+          </a:p>
+          <a:p>
+            <a:pPr>
+              <a:lnSpc>
+                <a:spcPts val="1640"/>
+              </a:lnSpc>
+            </a:pPr>
+            <a:r>
+              <a:rPr lang="en-CA" sz="1200" dirty="0">
+                <a:latin typeface="Courier" pitchFamily="2" charset="0"/>
+              </a:rPr>
+              <a:t>                             +------------+</a:t>
+            </a:r>
+          </a:p>
+          <a:p>
+            <a:pPr>
+              <a:lnSpc>
+                <a:spcPts val="1640"/>
+              </a:lnSpc>
+            </a:pPr>
+            <a:r>
+              <a:rPr lang="en-CA" sz="1200" dirty="0">
+                <a:latin typeface="Courier" pitchFamily="2" charset="0"/>
+              </a:rPr>
+              <a:t>  Destination UDP Port            /  \      Network Programming Label</a:t>
+            </a:r>
+          </a:p>
+          <a:p>
+            <a:pPr>
+              <a:lnSpc>
+                <a:spcPts val="1640"/>
+              </a:lnSpc>
+            </a:pPr>
+            <a:r>
+              <a:rPr lang="en-CA" sz="1200" dirty="0">
+                <a:latin typeface="Courier" pitchFamily="2" charset="0"/>
+              </a:rPr>
+              <a:t>  Measurement Protocol           /    \     Timestamp2 Offset</a:t>
+            </a:r>
+          </a:p>
+          <a:p>
+            <a:pPr>
+              <a:lnSpc>
+                <a:spcPts val="1640"/>
+              </a:lnSpc>
+            </a:pPr>
+            <a:r>
+              <a:rPr lang="en-CA" sz="1200" dirty="0">
+                <a:latin typeface="Courier" pitchFamily="2" charset="0"/>
+              </a:rPr>
+              <a:t>  PLM Type                      /      \    Timestamp Format</a:t>
+            </a:r>
+          </a:p>
+          <a:p>
+            <a:pPr>
+              <a:lnSpc>
+                <a:spcPts val="1640"/>
+              </a:lnSpc>
+            </a:pPr>
+            <a:r>
+              <a:rPr lang="en-CA" sz="1200" dirty="0">
+                <a:latin typeface="Courier" pitchFamily="2" charset="0"/>
+              </a:rPr>
+              <a:t>     LB or Enhanced LB         /        \</a:t>
+            </a:r>
+          </a:p>
+          <a:p>
+            <a:pPr>
+              <a:lnSpc>
+                <a:spcPts val="1640"/>
+              </a:lnSpc>
+            </a:pPr>
+            <a:r>
+              <a:rPr lang="en-CA" sz="1200" dirty="0">
+                <a:latin typeface="Courier" pitchFamily="2" charset="0"/>
+              </a:rPr>
+              <a:t>  Authentication Mode &amp; Key   /          \     </a:t>
+            </a:r>
+          </a:p>
+          <a:p>
+            <a:pPr>
+              <a:lnSpc>
+                <a:spcPts val="1640"/>
+              </a:lnSpc>
+            </a:pPr>
+            <a:r>
+              <a:rPr lang="en-CA" sz="1200" dirty="0">
+                <a:latin typeface="Courier" pitchFamily="2" charset="0"/>
+              </a:rPr>
+              <a:t>  Network Programming Label  /            \</a:t>
+            </a:r>
+          </a:p>
+          <a:p>
+            <a:pPr>
+              <a:lnSpc>
+                <a:spcPts val="1640"/>
+              </a:lnSpc>
+            </a:pPr>
+            <a:r>
+              <a:rPr lang="en-CA" sz="1200" dirty="0">
+                <a:latin typeface="Courier" pitchFamily="2" charset="0"/>
+              </a:rPr>
+              <a:t>  Timestamp Format          /              \</a:t>
+            </a:r>
+          </a:p>
+          <a:p>
+            <a:pPr>
+              <a:lnSpc>
+                <a:spcPts val="1640"/>
+              </a:lnSpc>
+            </a:pPr>
+            <a:r>
+              <a:rPr lang="en-CA" sz="1200" dirty="0">
+                <a:latin typeface="Courier" pitchFamily="2" charset="0"/>
+              </a:rPr>
+              <a:t>                           /                \ </a:t>
+            </a:r>
+          </a:p>
+          <a:p>
+            <a:pPr>
+              <a:lnSpc>
+                <a:spcPts val="1640"/>
+              </a:lnSpc>
+            </a:pPr>
+            <a:r>
+              <a:rPr lang="en-CA" sz="1200" dirty="0">
+                <a:latin typeface="Courier" pitchFamily="2" charset="0"/>
+              </a:rPr>
+              <a:t>                          v                  v</a:t>
+            </a:r>
+          </a:p>
+          <a:p>
+            <a:pPr>
+              <a:lnSpc>
+                <a:spcPts val="1640"/>
+              </a:lnSpc>
+            </a:pPr>
+            <a:r>
+              <a:rPr lang="en-CA" sz="1200" dirty="0">
+                <a:latin typeface="Courier" pitchFamily="2" charset="0"/>
+              </a:rPr>
+              <a:t>                     +-------+            +-------+</a:t>
+            </a:r>
+          </a:p>
+          <a:p>
+            <a:pPr>
+              <a:lnSpc>
+                <a:spcPts val="1640"/>
+              </a:lnSpc>
+            </a:pPr>
+            <a:r>
+              <a:rPr lang="en-CA" sz="1200" dirty="0">
+                <a:latin typeface="Courier" pitchFamily="2" charset="0"/>
+              </a:rPr>
+              <a:t>                     |       |  SR Path   |       |</a:t>
+            </a:r>
+          </a:p>
+          <a:p>
+            <a:pPr>
+              <a:lnSpc>
+                <a:spcPts val="1640"/>
+              </a:lnSpc>
+            </a:pPr>
+            <a:r>
+              <a:rPr lang="en-CA" sz="1200" dirty="0">
+                <a:latin typeface="Courier" pitchFamily="2" charset="0"/>
+              </a:rPr>
+              <a:t>                     |   R1  |============|   R5  |</a:t>
+            </a:r>
+          </a:p>
+          <a:p>
+            <a:pPr>
+              <a:lnSpc>
+                <a:spcPts val="1640"/>
+              </a:lnSpc>
+            </a:pPr>
+            <a:r>
+              <a:rPr lang="en-CA" sz="1200" dirty="0">
+                <a:latin typeface="Courier" pitchFamily="2" charset="0"/>
+              </a:rPr>
+              <a:t>                     |       |            |       |</a:t>
+            </a:r>
+          </a:p>
+          <a:p>
+            <a:pPr>
+              <a:lnSpc>
+                <a:spcPts val="1640"/>
+              </a:lnSpc>
+            </a:pPr>
+            <a:r>
+              <a:rPr lang="en-CA" sz="1200" dirty="0">
+                <a:latin typeface="Courier" pitchFamily="2" charset="0"/>
+              </a:rPr>
+              <a:t>                     +-------+            +-------+</a:t>
+            </a:r>
+          </a:p>
+          <a:p>
+            <a:pPr>
+              <a:lnSpc>
+                <a:spcPts val="1640"/>
+              </a:lnSpc>
+            </a:pPr>
+            <a:r>
+              <a:rPr lang="en-CA" sz="1200" dirty="0">
+                <a:latin typeface="Courier" pitchFamily="2" charset="0"/>
+              </a:rPr>
+              <a:t>                      Sender              Reflector</a:t>
+            </a:r>
+          </a:p>
+        </p:txBody>
+      </p:sp>
+    </p:spTree>
+    <p:extLst>
+      <p:ext uri="{BB962C8B-B14F-4D97-AF65-F5344CB8AC3E}">
+        <p14:creationId xmlns:p14="http://schemas.microsoft.com/office/powerpoint/2010/main" val="21907870"/>
+      </p:ext>
+    </p:extLst>
+  </p:cSld>
+  <p:clrMapOvr>
+    <a:masterClrMapping/>
+  </p:clrMapOvr>
+</p:sld>
+</file>
+
+<file path=ppt/slides/slide12.xml><?xml version="1.0" encoding="utf-8"?>
+<p:sld xmlns:a="http://schemas.openxmlformats.org/drawingml/2006/main" xmlns:r="http://schemas.openxmlformats.org/officeDocument/2006/relationships" xmlns:p="http://schemas.openxmlformats.org/presentationml/2006/main">
+  <p:cSld>
+    <p:spTree>
+      <p:nvGrpSpPr>
+        <p:cNvPr id="1" name=""/>
+        <p:cNvGrpSpPr/>
+        <p:nvPr/>
+      </p:nvGrpSpPr>
+      <p:grpSpPr>
+        <a:xfrm>
+          <a:off x="0" y="0"/>
+          <a:ext cx="0" cy="0"/>
+          <a:chOff x="0" y="0"/>
+          <a:chExt cx="0" cy="0"/>
+        </a:xfrm>
+      </p:grpSpPr>
+      <p:sp>
+        <p:nvSpPr>
           <p:cNvPr id="2" name="Title 1"/>
           <p:cNvSpPr>
             <a:spLocks noGrp="1"/>
@@ -6253,7 +6226,7 @@
               <a:pPr>
                 <a:defRPr/>
               </a:pPr>
-              <a:t>11</a:t>
+              <a:t>12</a:t>
             </a:fld>
             <a:endParaRPr lang="en-US" altLang="zh-CN"/>
           </a:p>
@@ -6272,7 +6245,7 @@
 </p:sld>
 </file>
 
-<file path=ppt/slides/slide12.xml><?xml version="1.0" encoding="utf-8"?>
+<file path=ppt/slides/slide13.xml><?xml version="1.0" encoding="utf-8"?>
 <p:sld xmlns:a="http://schemas.openxmlformats.org/drawingml/2006/main" xmlns:r="http://schemas.openxmlformats.org/officeDocument/2006/relationships" xmlns:p="http://schemas.openxmlformats.org/presentationml/2006/main">
   <p:cSld>
     <p:spTree>
@@ -6536,7 +6509,7 @@
               <a:pPr>
                 <a:defRPr/>
               </a:pPr>
-              <a:t>12</a:t>
+              <a:t>13</a:t>
             </a:fld>
             <a:endParaRPr lang="en-US" altLang="zh-CN"/>
           </a:p>
@@ -6546,1526 +6519,6 @@
     <p:extLst>
       <p:ext uri="{BB962C8B-B14F-4D97-AF65-F5344CB8AC3E}">
         <p14:creationId xmlns:p14="http://schemas.microsoft.com/office/powerpoint/2010/main" val="15840811"/>
-      </p:ext>
-    </p:extLst>
-  </p:cSld>
-  <p:clrMapOvr>
-    <a:masterClrMapping/>
-  </p:clrMapOvr>
-</p:sld>
-</file>
-
-<file path=ppt/slides/slide13.xml><?xml version="1.0" encoding="utf-8"?>
-<p:sld xmlns:a="http://schemas.openxmlformats.org/drawingml/2006/main" xmlns:r="http://schemas.openxmlformats.org/officeDocument/2006/relationships" xmlns:p="http://schemas.openxmlformats.org/presentationml/2006/main">
-  <p:cSld>
-    <p:spTree>
-      <p:nvGrpSpPr>
-        <p:cNvPr id="1" name=""/>
-        <p:cNvGrpSpPr/>
-        <p:nvPr/>
-      </p:nvGrpSpPr>
-      <p:grpSpPr>
-        <a:xfrm>
-          <a:off x="0" y="0"/>
-          <a:ext cx="0" cy="0"/>
-          <a:chOff x="0" y="0"/>
-          <a:chExt cx="0" cy="0"/>
-        </a:xfrm>
-      </p:grpSpPr>
-      <p:sp>
-        <p:nvSpPr>
-          <p:cNvPr id="4" name="Footer Placeholder 3"/>
-          <p:cNvSpPr>
-            <a:spLocks noGrp="1"/>
-          </p:cNvSpPr>
-          <p:nvPr>
-            <p:ph type="ftr" sz="quarter" idx="11"/>
-          </p:nvPr>
-        </p:nvSpPr>
-        <p:spPr>
-          <a:xfrm>
-            <a:off x="3124200" y="4786312"/>
-            <a:ext cx="2895600" cy="357188"/>
-          </a:xfrm>
-        </p:spPr>
-        <p:txBody>
-          <a:bodyPr/>
-          <a:lstStyle/>
-          <a:p>
-            <a:r>
-              <a:rPr lang="en-CA" dirty="0"/>
-              <a:t>108</a:t>
-            </a:r>
-            <a:r>
-              <a:rPr lang="en-CA" baseline="30000" dirty="0"/>
-              <a:t>th</a:t>
-            </a:r>
-            <a:r>
-              <a:rPr lang="en-CA" dirty="0"/>
-              <a:t> IETF @ Madrid</a:t>
-            </a:r>
-          </a:p>
-        </p:txBody>
-      </p:sp>
-      <p:sp>
-        <p:nvSpPr>
-          <p:cNvPr id="5" name="Rectangle 2"/>
-          <p:cNvSpPr txBox="1">
-            <a:spLocks noChangeArrowheads="1"/>
-          </p:cNvSpPr>
-          <p:nvPr/>
-        </p:nvSpPr>
-        <p:spPr bwMode="auto">
-          <a:xfrm>
-            <a:off x="685800" y="1657350"/>
-            <a:ext cx="7772400" cy="1102519"/>
-          </a:xfrm>
-          <a:prstGeom prst="rect">
-            <a:avLst/>
-          </a:prstGeom>
-          <a:noFill/>
-          <a:ln w="9525">
-            <a:noFill/>
-            <a:miter lim="800000"/>
-            <a:headEnd/>
-            <a:tailEnd/>
-          </a:ln>
-          <a:effectLst/>
-        </p:spPr>
-        <p:txBody>
-          <a:bodyPr vert="horz" wrap="square" lIns="91440" tIns="45720" rIns="91440" bIns="45720" numCol="1" anchor="ctr" anchorCtr="0" compatLnSpc="1">
-            <a:prstTxWarp prst="textNoShape">
-              <a:avLst/>
-            </a:prstTxWarp>
-          </a:bodyPr>
-          <a:lstStyle>
-            <a:lvl1pPr algn="ctr" rtl="0" eaLnBrk="0" fontAlgn="base" hangingPunct="0">
-              <a:spcBef>
-                <a:spcPct val="0"/>
-              </a:spcBef>
-              <a:spcAft>
-                <a:spcPct val="0"/>
-              </a:spcAft>
-              <a:defRPr sz="4400">
-                <a:solidFill>
-                  <a:schemeClr val="tx2"/>
-                </a:solidFill>
-                <a:latin typeface="+mj-lt"/>
-                <a:ea typeface="+mj-ea"/>
-                <a:cs typeface="+mj-cs"/>
-              </a:defRPr>
-            </a:lvl1pPr>
-            <a:lvl2pPr algn="ctr" rtl="0" eaLnBrk="0" fontAlgn="base" hangingPunct="0">
-              <a:spcBef>
-                <a:spcPct val="0"/>
-              </a:spcBef>
-              <a:spcAft>
-                <a:spcPct val="0"/>
-              </a:spcAft>
-              <a:defRPr sz="4400">
-                <a:solidFill>
-                  <a:schemeClr val="tx2"/>
-                </a:solidFill>
-                <a:latin typeface="Arial" charset="0"/>
-                <a:ea typeface="宋体" pitchFamily="2" charset="-122"/>
-              </a:defRPr>
-            </a:lvl2pPr>
-            <a:lvl3pPr algn="ctr" rtl="0" eaLnBrk="0" fontAlgn="base" hangingPunct="0">
-              <a:spcBef>
-                <a:spcPct val="0"/>
-              </a:spcBef>
-              <a:spcAft>
-                <a:spcPct val="0"/>
-              </a:spcAft>
-              <a:defRPr sz="4400">
-                <a:solidFill>
-                  <a:schemeClr val="tx2"/>
-                </a:solidFill>
-                <a:latin typeface="Arial" charset="0"/>
-                <a:ea typeface="宋体" pitchFamily="2" charset="-122"/>
-              </a:defRPr>
-            </a:lvl3pPr>
-            <a:lvl4pPr algn="ctr" rtl="0" eaLnBrk="0" fontAlgn="base" hangingPunct="0">
-              <a:spcBef>
-                <a:spcPct val="0"/>
-              </a:spcBef>
-              <a:spcAft>
-                <a:spcPct val="0"/>
-              </a:spcAft>
-              <a:defRPr sz="4400">
-                <a:solidFill>
-                  <a:schemeClr val="tx2"/>
-                </a:solidFill>
-                <a:latin typeface="Arial" charset="0"/>
-                <a:ea typeface="宋体" pitchFamily="2" charset="-122"/>
-              </a:defRPr>
-            </a:lvl4pPr>
-            <a:lvl5pPr algn="ctr" rtl="0" eaLnBrk="0" fontAlgn="base" hangingPunct="0">
-              <a:spcBef>
-                <a:spcPct val="0"/>
-              </a:spcBef>
-              <a:spcAft>
-                <a:spcPct val="0"/>
-              </a:spcAft>
-              <a:defRPr sz="4400">
-                <a:solidFill>
-                  <a:schemeClr val="tx2"/>
-                </a:solidFill>
-                <a:latin typeface="Arial" charset="0"/>
-                <a:ea typeface="宋体" pitchFamily="2" charset="-122"/>
-              </a:defRPr>
-            </a:lvl5pPr>
-            <a:lvl6pPr marL="457200" algn="ctr" rtl="0" fontAlgn="base">
-              <a:spcBef>
-                <a:spcPct val="0"/>
-              </a:spcBef>
-              <a:spcAft>
-                <a:spcPct val="0"/>
-              </a:spcAft>
-              <a:defRPr sz="4400">
-                <a:solidFill>
-                  <a:schemeClr val="tx2"/>
-                </a:solidFill>
-                <a:latin typeface="Arial" charset="0"/>
-                <a:ea typeface="宋体" pitchFamily="2" charset="-122"/>
-              </a:defRPr>
-            </a:lvl6pPr>
-            <a:lvl7pPr marL="914400" algn="ctr" rtl="0" fontAlgn="base">
-              <a:spcBef>
-                <a:spcPct val="0"/>
-              </a:spcBef>
-              <a:spcAft>
-                <a:spcPct val="0"/>
-              </a:spcAft>
-              <a:defRPr sz="4400">
-                <a:solidFill>
-                  <a:schemeClr val="tx2"/>
-                </a:solidFill>
-                <a:latin typeface="Arial" charset="0"/>
-                <a:ea typeface="宋体" pitchFamily="2" charset="-122"/>
-              </a:defRPr>
-            </a:lvl7pPr>
-            <a:lvl8pPr marL="1371600" algn="ctr" rtl="0" fontAlgn="base">
-              <a:spcBef>
-                <a:spcPct val="0"/>
-              </a:spcBef>
-              <a:spcAft>
-                <a:spcPct val="0"/>
-              </a:spcAft>
-              <a:defRPr sz="4400">
-                <a:solidFill>
-                  <a:schemeClr val="tx2"/>
-                </a:solidFill>
-                <a:latin typeface="Arial" charset="0"/>
-                <a:ea typeface="宋体" pitchFamily="2" charset="-122"/>
-              </a:defRPr>
-            </a:lvl8pPr>
-            <a:lvl9pPr marL="1828800" algn="ctr" rtl="0" fontAlgn="base">
-              <a:spcBef>
-                <a:spcPct val="0"/>
-              </a:spcBef>
-              <a:spcAft>
-                <a:spcPct val="0"/>
-              </a:spcAft>
-              <a:defRPr sz="4400">
-                <a:solidFill>
-                  <a:schemeClr val="tx2"/>
-                </a:solidFill>
-                <a:latin typeface="Arial" charset="0"/>
-                <a:ea typeface="宋体" pitchFamily="2" charset="-122"/>
-              </a:defRPr>
-            </a:lvl9pPr>
-          </a:lstStyle>
-          <a:p>
-            <a:pPr eaLnBrk="1" hangingPunct="1">
-              <a:defRPr/>
-            </a:pPr>
-            <a:r>
-              <a:rPr lang="en-US" altLang="zh-CN" sz="4000" kern="0" dirty="0">
-                <a:effectLst>
-                  <a:outerShdw blurRad="38100" dist="38100" dir="2700000" algn="tl">
-                    <a:srgbClr val="C0C0C0"/>
-                  </a:outerShdw>
-                </a:effectLst>
-                <a:latin typeface="Calibri" charset="0"/>
-                <a:ea typeface="Calibri" charset="0"/>
-                <a:cs typeface="Calibri" charset="0"/>
-              </a:rPr>
-              <a:t>Backup</a:t>
-            </a:r>
-          </a:p>
-        </p:txBody>
-      </p:sp>
-      <p:sp>
-        <p:nvSpPr>
-          <p:cNvPr id="2" name="Slide Number Placeholder 1"/>
-          <p:cNvSpPr>
-            <a:spLocks noGrp="1"/>
-          </p:cNvSpPr>
-          <p:nvPr>
-            <p:ph type="sldNum" sz="quarter" idx="12"/>
-          </p:nvPr>
-        </p:nvSpPr>
-        <p:spPr/>
-        <p:txBody>
-          <a:bodyPr/>
-          <a:lstStyle/>
-          <a:p>
-            <a:pPr>
-              <a:defRPr/>
-            </a:pPr>
-            <a:fld id="{BD6E0F59-1DD8-40FC-9C92-B6295CBA6CCA}" type="slidenum">
-              <a:rPr lang="en-US" altLang="zh-CN" smtClean="0"/>
-              <a:pPr>
-                <a:defRPr/>
-              </a:pPr>
-              <a:t>13</a:t>
-            </a:fld>
-            <a:endParaRPr lang="en-US" altLang="zh-CN"/>
-          </a:p>
-        </p:txBody>
-      </p:sp>
-    </p:spTree>
-    <p:extLst>
-      <p:ext uri="{BB962C8B-B14F-4D97-AF65-F5344CB8AC3E}">
-        <p14:creationId xmlns:p14="http://schemas.microsoft.com/office/powerpoint/2010/main" val="3744222723"/>
-      </p:ext>
-    </p:extLst>
-  </p:cSld>
-  <p:clrMapOvr>
-    <a:masterClrMapping/>
-  </p:clrMapOvr>
-</p:sld>
-</file>
-
-<file path=ppt/slides/slide14.xml><?xml version="1.0" encoding="utf-8"?>
-<p:sld xmlns:a="http://schemas.openxmlformats.org/drawingml/2006/main" xmlns:r="http://schemas.openxmlformats.org/officeDocument/2006/relationships" xmlns:p="http://schemas.openxmlformats.org/presentationml/2006/main">
-  <p:cSld>
-    <p:spTree>
-      <p:nvGrpSpPr>
-        <p:cNvPr id="1" name=""/>
-        <p:cNvGrpSpPr/>
-        <p:nvPr/>
-      </p:nvGrpSpPr>
-      <p:grpSpPr>
-        <a:xfrm>
-          <a:off x="0" y="0"/>
-          <a:ext cx="0" cy="0"/>
-          <a:chOff x="0" y="0"/>
-          <a:chExt cx="0" cy="0"/>
-        </a:xfrm>
-      </p:grpSpPr>
-      <p:sp>
-        <p:nvSpPr>
-          <p:cNvPr id="2" name="Title 1"/>
-          <p:cNvSpPr>
-            <a:spLocks noGrp="1"/>
-          </p:cNvSpPr>
-          <p:nvPr>
-            <p:ph type="title"/>
-          </p:nvPr>
-        </p:nvSpPr>
-        <p:spPr>
-          <a:xfrm>
-            <a:off x="0" y="0"/>
-            <a:ext cx="9144000" cy="640642"/>
-          </a:xfrm>
-        </p:spPr>
-        <p:txBody>
-          <a:bodyPr/>
-          <a:lstStyle/>
-          <a:p>
-            <a:r>
-              <a:rPr lang="en-US" sz="3000" dirty="0">
-                <a:solidFill>
-                  <a:srgbClr val="0070C0"/>
-                </a:solidFill>
-                <a:latin typeface="Calibri Light" panose="020F0302020204030204" pitchFamily="34" charset="0"/>
-                <a:cs typeface="Calibri Light" panose="020F0302020204030204" pitchFamily="34" charset="0"/>
-              </a:rPr>
-              <a:t>SRv6 with Timestamp and Forward Function Example 1</a:t>
-            </a:r>
-          </a:p>
-        </p:txBody>
-      </p:sp>
-      <p:sp>
-        <p:nvSpPr>
-          <p:cNvPr id="4" name="Footer Placeholder 3"/>
-          <p:cNvSpPr>
-            <a:spLocks noGrp="1"/>
-          </p:cNvSpPr>
-          <p:nvPr>
-            <p:ph type="ftr" sz="quarter" idx="11"/>
-          </p:nvPr>
-        </p:nvSpPr>
-        <p:spPr>
-          <a:xfrm>
-            <a:off x="2836126" y="4786312"/>
-            <a:ext cx="2895600" cy="357188"/>
-          </a:xfrm>
-        </p:spPr>
-        <p:txBody>
-          <a:bodyPr/>
-          <a:lstStyle/>
-          <a:p>
-            <a:r>
-              <a:rPr lang="en-CA" dirty="0"/>
-              <a:t>108</a:t>
-            </a:r>
-            <a:r>
-              <a:rPr lang="en-CA" baseline="30000" dirty="0"/>
-              <a:t>th</a:t>
-            </a:r>
-            <a:r>
-              <a:rPr lang="en-CA" dirty="0"/>
-              <a:t> IETF @ Madrid</a:t>
-            </a:r>
-          </a:p>
-        </p:txBody>
-      </p:sp>
-      <p:sp>
-        <p:nvSpPr>
-          <p:cNvPr id="5" name="Slide Number Placeholder 4"/>
-          <p:cNvSpPr>
-            <a:spLocks noGrp="1"/>
-          </p:cNvSpPr>
-          <p:nvPr>
-            <p:ph type="sldNum" sz="quarter" idx="12"/>
-          </p:nvPr>
-        </p:nvSpPr>
-        <p:spPr/>
-        <p:txBody>
-          <a:bodyPr/>
-          <a:lstStyle/>
-          <a:p>
-            <a:pPr>
-              <a:defRPr/>
-            </a:pPr>
-            <a:fld id="{BD6E0F59-1DD8-40FC-9C92-B6295CBA6CCA}" type="slidenum">
-              <a:rPr lang="en-US" altLang="zh-CN" smtClean="0"/>
-              <a:pPr>
-                <a:defRPr/>
-              </a:pPr>
-              <a:t>14</a:t>
-            </a:fld>
-            <a:endParaRPr lang="en-US" altLang="zh-CN"/>
-          </a:p>
-        </p:txBody>
-      </p:sp>
-      <p:sp>
-        <p:nvSpPr>
-          <p:cNvPr id="6" name="Rectangle 5">
-            <a:extLst>
-              <a:ext uri="{FF2B5EF4-FFF2-40B4-BE49-F238E27FC236}">
-                <a16:creationId xmlns:a16="http://schemas.microsoft.com/office/drawing/2014/main" id="{4C15A4CE-6545-5142-97A8-EDA8B07CB60B}"/>
-              </a:ext>
-            </a:extLst>
-          </p:cNvPr>
-          <p:cNvSpPr/>
-          <p:nvPr/>
-        </p:nvSpPr>
-        <p:spPr>
-          <a:xfrm>
-            <a:off x="207227" y="735032"/>
-            <a:ext cx="5050573" cy="3970318"/>
-          </a:xfrm>
-          <a:prstGeom prst="rect">
-            <a:avLst/>
-          </a:prstGeom>
-          <a:solidFill>
-            <a:schemeClr val="accent6">
-              <a:lumMod val="20000"/>
-              <a:lumOff val="80000"/>
-            </a:schemeClr>
-          </a:solidFill>
-        </p:spPr>
-        <p:txBody>
-          <a:bodyPr wrap="square">
-            <a:spAutoFit/>
-          </a:bodyPr>
-          <a:lstStyle/>
-          <a:p>
-            <a:r>
-              <a:rPr lang="en-CA" sz="900" dirty="0">
-                <a:latin typeface="Courier" pitchFamily="2" charset="0"/>
-              </a:rPr>
-              <a:t>  +---------------------------------------------------------------+</a:t>
-            </a:r>
-          </a:p>
-          <a:p>
-            <a:r>
-              <a:rPr lang="en-CA" sz="900" dirty="0">
-                <a:latin typeface="Courier" pitchFamily="2" charset="0"/>
-              </a:rPr>
-              <a:t>  | IP Header                                                     |</a:t>
-            </a:r>
-          </a:p>
-          <a:p>
-            <a:r>
-              <a:rPr lang="en-CA" sz="900" dirty="0">
-                <a:latin typeface="Courier" pitchFamily="2" charset="0"/>
-              </a:rPr>
-              <a:t>  .  Source IP Address = Sender IPv6 Address                      .</a:t>
-            </a:r>
-          </a:p>
-          <a:p>
-            <a:r>
-              <a:rPr lang="en-CA" sz="900" dirty="0">
-                <a:latin typeface="Courier" pitchFamily="2" charset="0"/>
-              </a:rPr>
-              <a:t>  .  Destination IP Address = Next IPv6 Address                   .</a:t>
-            </a:r>
-          </a:p>
-          <a:p>
-            <a:r>
-              <a:rPr lang="en-CA" sz="900" dirty="0">
-                <a:latin typeface="Courier" pitchFamily="2" charset="0"/>
-              </a:rPr>
-              <a:t>  .                                                               .</a:t>
-            </a:r>
-          </a:p>
-          <a:p>
-            <a:r>
-              <a:rPr lang="en-CA" sz="900" dirty="0">
-                <a:latin typeface="Courier" pitchFamily="2" charset="0"/>
-              </a:rPr>
-              <a:t>  +---------------------------------------------------------------+</a:t>
-            </a:r>
-          </a:p>
-          <a:p>
-            <a:r>
-              <a:rPr lang="en-CA" sz="900" dirty="0">
-                <a:latin typeface="Courier" pitchFamily="2" charset="0"/>
-              </a:rPr>
-              <a:t>  |  SRH as specified in RFC 8754                                 |</a:t>
-            </a:r>
-          </a:p>
-          <a:p>
-            <a:r>
-              <a:rPr lang="en-CA" sz="900" dirty="0">
-                <a:latin typeface="Courier" pitchFamily="2" charset="0"/>
-              </a:rPr>
-              <a:t>  .   &lt;Segment List&gt;                                              .</a:t>
-            </a:r>
-          </a:p>
-          <a:p>
-            <a:r>
-              <a:rPr lang="en-CA" sz="900" dirty="0">
-                <a:latin typeface="Courier" pitchFamily="2" charset="0"/>
-              </a:rPr>
-              <a:t>  .  END.TSF with Target SID                                      .</a:t>
-            </a:r>
-          </a:p>
-          <a:p>
-            <a:r>
-              <a:rPr lang="en-CA" sz="900" dirty="0">
-                <a:latin typeface="Courier" pitchFamily="2" charset="0"/>
-              </a:rPr>
-              <a:t>  .                                                               .</a:t>
-            </a:r>
-          </a:p>
-          <a:p>
-            <a:r>
-              <a:rPr lang="en-CA" sz="900" dirty="0">
-                <a:latin typeface="Courier" pitchFamily="2" charset="0"/>
-              </a:rPr>
-              <a:t>  +---------------------------------------------------------------+</a:t>
-            </a:r>
-          </a:p>
-          <a:p>
-            <a:r>
-              <a:rPr lang="en-CA" sz="900" dirty="0">
-                <a:latin typeface="Courier" pitchFamily="2" charset="0"/>
-              </a:rPr>
-              <a:t>  | IP Header                                                     |</a:t>
-            </a:r>
-          </a:p>
-          <a:p>
-            <a:r>
-              <a:rPr lang="en-CA" sz="900" dirty="0">
-                <a:latin typeface="Courier" pitchFamily="2" charset="0"/>
-              </a:rPr>
-              <a:t>  .  Source IP Address = </a:t>
-            </a:r>
-            <a:r>
-              <a:rPr lang="en-CA" sz="900" b="1" dirty="0">
-                <a:latin typeface="Courier" pitchFamily="2" charset="0"/>
-              </a:rPr>
-              <a:t>Reflector</a:t>
-            </a:r>
-            <a:r>
-              <a:rPr lang="en-CA" sz="900" dirty="0">
-                <a:latin typeface="Courier" pitchFamily="2" charset="0"/>
-              </a:rPr>
-              <a:t> IPv6 Address                   .</a:t>
-            </a:r>
-          </a:p>
-          <a:p>
-            <a:r>
-              <a:rPr lang="en-CA" sz="900" dirty="0">
-                <a:latin typeface="Courier" pitchFamily="2" charset="0"/>
-              </a:rPr>
-              <a:t>  .  Destination IP Address = </a:t>
-            </a:r>
-            <a:r>
-              <a:rPr lang="en-CA" sz="900" b="1" dirty="0">
-                <a:latin typeface="Courier" pitchFamily="2" charset="0"/>
-              </a:rPr>
-              <a:t>Sender</a:t>
-            </a:r>
-            <a:r>
-              <a:rPr lang="en-CA" sz="900" dirty="0">
-                <a:latin typeface="Courier" pitchFamily="2" charset="0"/>
-              </a:rPr>
-              <a:t> IPv6 Address                 .</a:t>
-            </a:r>
-          </a:p>
-          <a:p>
-            <a:r>
-              <a:rPr lang="en-CA" sz="900" dirty="0">
-                <a:latin typeface="Courier" pitchFamily="2" charset="0"/>
-              </a:rPr>
-              <a:t>  .                                                               .</a:t>
-            </a:r>
-          </a:p>
-          <a:p>
-            <a:r>
-              <a:rPr lang="en-CA" sz="900" dirty="0">
-                <a:latin typeface="Courier" pitchFamily="2" charset="0"/>
-              </a:rPr>
-              <a:t>  +---------------------------------------------------------------+</a:t>
-            </a:r>
-          </a:p>
-          <a:p>
-            <a:r>
-              <a:rPr lang="en-CA" sz="900" dirty="0">
-                <a:latin typeface="Courier" pitchFamily="2" charset="0"/>
-              </a:rPr>
-              <a:t>  | UDP Header                                                    |</a:t>
-            </a:r>
-          </a:p>
-          <a:p>
-            <a:r>
-              <a:rPr lang="en-CA" sz="900" dirty="0">
-                <a:latin typeface="Courier" pitchFamily="2" charset="0"/>
-              </a:rPr>
-              <a:t>  .  Source Port = As chosen by Sender                            .</a:t>
-            </a:r>
-          </a:p>
-          <a:p>
-            <a:r>
-              <a:rPr lang="en-CA" sz="900" dirty="0">
-                <a:latin typeface="Courier" pitchFamily="2" charset="0"/>
-              </a:rPr>
-              <a:t>  .  Destination Port = User-configured Port                      .</a:t>
-            </a:r>
-          </a:p>
-          <a:p>
-            <a:r>
-              <a:rPr lang="en-CA" sz="900" dirty="0">
-                <a:latin typeface="Courier" pitchFamily="2" charset="0"/>
-              </a:rPr>
-              <a:t>  .                                                               .</a:t>
-            </a:r>
-          </a:p>
-          <a:p>
-            <a:r>
-              <a:rPr lang="en-CA" sz="900" dirty="0">
-                <a:latin typeface="Courier" pitchFamily="2" charset="0"/>
-              </a:rPr>
-              <a:t>  +-+-+-+-+-+-+-+-+-+-+-+-+-+-+-+-+-+-+-+-+-+-+-+-+-+-+-+-+-+-+-+-+</a:t>
-            </a:r>
-          </a:p>
-          <a:p>
-            <a:r>
-              <a:rPr lang="en-CA" sz="900" dirty="0">
-                <a:latin typeface="Courier" pitchFamily="2" charset="0"/>
-              </a:rPr>
-              <a:t>  |  Payload as defined in Section 4.2.1 of RFC 5357 |            |</a:t>
-            </a:r>
-          </a:p>
-          <a:p>
-            <a:r>
-              <a:rPr lang="en-CA" sz="900" dirty="0">
-                <a:latin typeface="Courier" pitchFamily="2" charset="0"/>
-              </a:rPr>
-              <a:t>  |  Payload as defined in Section 4.2 of RFC 8762                |</a:t>
-            </a:r>
-          </a:p>
-          <a:p>
-            <a:r>
-              <a:rPr lang="en-CA" sz="900" dirty="0">
-                <a:latin typeface="Courier" pitchFamily="2" charset="0"/>
-              </a:rPr>
-              <a:t>  .                                                               .</a:t>
-            </a:r>
-          </a:p>
-          <a:p>
-            <a:r>
-              <a:rPr lang="en-CA" sz="900" dirty="0">
-                <a:latin typeface="Courier" pitchFamily="2" charset="0"/>
-              </a:rPr>
-              <a:t>  +---------------------------------------------------------------+</a:t>
-            </a:r>
-          </a:p>
-          <a:p>
-            <a:r>
-              <a:rPr lang="en-CA" sz="900" dirty="0">
-                <a:latin typeface="Courier" pitchFamily="2" charset="0"/>
-              </a:rPr>
-              <a:t> </a:t>
-            </a:r>
-          </a:p>
-          <a:p>
-            <a:r>
-              <a:rPr lang="en-CA" sz="900" dirty="0">
-                <a:latin typeface="Courier" pitchFamily="2" charset="0"/>
-              </a:rPr>
-              <a:t>Example 1: Probe Message for SRv6 with Endpoint Function </a:t>
-            </a:r>
-            <a:r>
-              <a:rPr lang="en-CA" sz="900" b="1" dirty="0">
-                <a:latin typeface="Courier" pitchFamily="2" charset="0"/>
-              </a:rPr>
-              <a:t>IP</a:t>
-            </a:r>
-            <a:r>
-              <a:rPr lang="en-CA" sz="900" dirty="0">
-                <a:latin typeface="Courier" pitchFamily="2" charset="0"/>
-              </a:rPr>
-              <a:t> Return Path</a:t>
-            </a:r>
-            <a:endParaRPr lang="en-US" sz="900" dirty="0">
-              <a:latin typeface="Courier" pitchFamily="2" charset="0"/>
-            </a:endParaRPr>
-          </a:p>
-        </p:txBody>
-      </p:sp>
-      <p:sp>
-        <p:nvSpPr>
-          <p:cNvPr id="8" name="Content Placeholder 7">
-            <a:extLst>
-              <a:ext uri="{FF2B5EF4-FFF2-40B4-BE49-F238E27FC236}">
-                <a16:creationId xmlns:a16="http://schemas.microsoft.com/office/drawing/2014/main" id="{FC6E1890-536D-9D49-8207-C42BBF301FF3}"/>
-              </a:ext>
-            </a:extLst>
-          </p:cNvPr>
-          <p:cNvSpPr>
-            <a:spLocks noGrp="1"/>
-          </p:cNvSpPr>
-          <p:nvPr>
-            <p:ph idx="1"/>
-          </p:nvPr>
-        </p:nvSpPr>
-        <p:spPr>
-          <a:xfrm>
-            <a:off x="5352372" y="1047750"/>
-            <a:ext cx="3678973" cy="2895600"/>
-          </a:xfrm>
-        </p:spPr>
-        <p:txBody>
-          <a:bodyPr/>
-          <a:lstStyle/>
-          <a:p>
-            <a:r>
-              <a:rPr lang="en-US" sz="1400" dirty="0"/>
-              <a:t>Endpoint Function END.TSF is defined for Timestamp and Forward and carried for the Reflector node SID</a:t>
-            </a:r>
-          </a:p>
-          <a:p>
-            <a:r>
-              <a:rPr lang="en-US" sz="1400" dirty="0"/>
-              <a:t>Reverse Path is IP</a:t>
-            </a:r>
-          </a:p>
-          <a:p>
-            <a:r>
-              <a:rPr lang="en-US" sz="1400" dirty="0"/>
-              <a:t>Reflector node removes SRH</a:t>
-            </a:r>
-          </a:p>
-          <a:p>
-            <a:r>
-              <a:rPr lang="en-US" sz="1400" dirty="0"/>
-              <a:t>Inner IPv6 header is required</a:t>
-            </a:r>
-          </a:p>
-          <a:p>
-            <a:pPr lvl="1"/>
-            <a:r>
-              <a:rPr lang="en-US" sz="1400" dirty="0"/>
-              <a:t>Source and Destination Addresses are swapped to represent the Reverse direction path in the inner IPv6 header</a:t>
-            </a:r>
-          </a:p>
-          <a:p>
-            <a:endParaRPr lang="en-US" sz="1400" dirty="0"/>
-          </a:p>
-        </p:txBody>
-      </p:sp>
-    </p:spTree>
-    <p:extLst>
-      <p:ext uri="{BB962C8B-B14F-4D97-AF65-F5344CB8AC3E}">
-        <p14:creationId xmlns:p14="http://schemas.microsoft.com/office/powerpoint/2010/main" val="94110022"/>
-      </p:ext>
-    </p:extLst>
-  </p:cSld>
-  <p:clrMapOvr>
-    <a:masterClrMapping/>
-  </p:clrMapOvr>
-</p:sld>
-</file>
-
-<file path=ppt/slides/slide15.xml><?xml version="1.0" encoding="utf-8"?>
-<p:sld xmlns:a="http://schemas.openxmlformats.org/drawingml/2006/main" xmlns:r="http://schemas.openxmlformats.org/officeDocument/2006/relationships" xmlns:p="http://schemas.openxmlformats.org/presentationml/2006/main">
-  <p:cSld>
-    <p:spTree>
-      <p:nvGrpSpPr>
-        <p:cNvPr id="1" name=""/>
-        <p:cNvGrpSpPr/>
-        <p:nvPr/>
-      </p:nvGrpSpPr>
-      <p:grpSpPr>
-        <a:xfrm>
-          <a:off x="0" y="0"/>
-          <a:ext cx="0" cy="0"/>
-          <a:chOff x="0" y="0"/>
-          <a:chExt cx="0" cy="0"/>
-        </a:xfrm>
-      </p:grpSpPr>
-      <p:sp>
-        <p:nvSpPr>
-          <p:cNvPr id="2" name="Title 1"/>
-          <p:cNvSpPr>
-            <a:spLocks noGrp="1"/>
-          </p:cNvSpPr>
-          <p:nvPr>
-            <p:ph type="title"/>
-          </p:nvPr>
-        </p:nvSpPr>
-        <p:spPr>
-          <a:xfrm>
-            <a:off x="0" y="0"/>
-            <a:ext cx="9144000" cy="742950"/>
-          </a:xfrm>
-        </p:spPr>
-        <p:txBody>
-          <a:bodyPr/>
-          <a:lstStyle/>
-          <a:p>
-            <a:r>
-              <a:rPr lang="en-US" sz="3000" dirty="0">
-                <a:solidFill>
-                  <a:srgbClr val="0070C0"/>
-                </a:solidFill>
-                <a:latin typeface="Calibri Light" panose="020F0302020204030204" pitchFamily="34" charset="0"/>
-                <a:cs typeface="Calibri Light" panose="020F0302020204030204" pitchFamily="34" charset="0"/>
-              </a:rPr>
-              <a:t>SRv6 with Timestamp and Forward Function Example 2</a:t>
-            </a:r>
-          </a:p>
-        </p:txBody>
-      </p:sp>
-      <p:sp>
-        <p:nvSpPr>
-          <p:cNvPr id="4" name="Footer Placeholder 3"/>
-          <p:cNvSpPr>
-            <a:spLocks noGrp="1"/>
-          </p:cNvSpPr>
-          <p:nvPr>
-            <p:ph type="ftr" sz="quarter" idx="11"/>
-          </p:nvPr>
-        </p:nvSpPr>
-        <p:spPr>
-          <a:xfrm>
-            <a:off x="3124200" y="4788339"/>
-            <a:ext cx="2895600" cy="357188"/>
-          </a:xfrm>
-        </p:spPr>
-        <p:txBody>
-          <a:bodyPr/>
-          <a:lstStyle/>
-          <a:p>
-            <a:r>
-              <a:rPr lang="en-CA" dirty="0"/>
-              <a:t>108</a:t>
-            </a:r>
-            <a:r>
-              <a:rPr lang="en-CA" baseline="30000" dirty="0"/>
-              <a:t>th</a:t>
-            </a:r>
-            <a:r>
-              <a:rPr lang="en-CA" dirty="0"/>
-              <a:t> IETF @ Madrid</a:t>
-            </a:r>
-          </a:p>
-        </p:txBody>
-      </p:sp>
-      <p:sp>
-        <p:nvSpPr>
-          <p:cNvPr id="5" name="Slide Number Placeholder 4"/>
-          <p:cNvSpPr>
-            <a:spLocks noGrp="1"/>
-          </p:cNvSpPr>
-          <p:nvPr>
-            <p:ph type="sldNum" sz="quarter" idx="12"/>
-          </p:nvPr>
-        </p:nvSpPr>
-        <p:spPr/>
-        <p:txBody>
-          <a:bodyPr/>
-          <a:lstStyle/>
-          <a:p>
-            <a:pPr>
-              <a:defRPr/>
-            </a:pPr>
-            <a:fld id="{BD6E0F59-1DD8-40FC-9C92-B6295CBA6CCA}" type="slidenum">
-              <a:rPr lang="en-US" altLang="zh-CN" smtClean="0"/>
-              <a:pPr>
-                <a:defRPr/>
-              </a:pPr>
-              <a:t>15</a:t>
-            </a:fld>
-            <a:endParaRPr lang="en-US" altLang="zh-CN" dirty="0"/>
-          </a:p>
-        </p:txBody>
-      </p:sp>
-      <p:sp>
-        <p:nvSpPr>
-          <p:cNvPr id="6" name="Rectangle 5">
-            <a:extLst>
-              <a:ext uri="{FF2B5EF4-FFF2-40B4-BE49-F238E27FC236}">
-                <a16:creationId xmlns:a16="http://schemas.microsoft.com/office/drawing/2014/main" id="{4C15A4CE-6545-5142-97A8-EDA8B07CB60B}"/>
-              </a:ext>
-            </a:extLst>
-          </p:cNvPr>
-          <p:cNvSpPr/>
-          <p:nvPr/>
-        </p:nvSpPr>
-        <p:spPr>
-          <a:xfrm>
-            <a:off x="198895" y="735032"/>
-            <a:ext cx="5105400" cy="3970318"/>
-          </a:xfrm>
-          <a:prstGeom prst="rect">
-            <a:avLst/>
-          </a:prstGeom>
-          <a:solidFill>
-            <a:schemeClr val="accent6">
-              <a:lumMod val="20000"/>
-              <a:lumOff val="80000"/>
-            </a:schemeClr>
-          </a:solidFill>
-        </p:spPr>
-        <p:txBody>
-          <a:bodyPr wrap="square">
-            <a:spAutoFit/>
-          </a:bodyPr>
-          <a:lstStyle/>
-          <a:p>
-            <a:r>
-              <a:rPr lang="en-CA" sz="900" dirty="0">
-                <a:latin typeface="Courier" pitchFamily="2" charset="0"/>
-              </a:rPr>
-              <a:t>  +---------------------------------------------------------------+</a:t>
-            </a:r>
-          </a:p>
-          <a:p>
-            <a:r>
-              <a:rPr lang="en-CA" sz="900" dirty="0">
-                <a:latin typeface="Courier" pitchFamily="2" charset="0"/>
-              </a:rPr>
-              <a:t>  | IP Header                                                     |</a:t>
-            </a:r>
-          </a:p>
-          <a:p>
-            <a:r>
-              <a:rPr lang="en-CA" sz="900" dirty="0">
-                <a:latin typeface="Courier" pitchFamily="2" charset="0"/>
-              </a:rPr>
-              <a:t>  .  Source IP Address = Sender IPv6 Address                      .</a:t>
-            </a:r>
-          </a:p>
-          <a:p>
-            <a:r>
-              <a:rPr lang="en-CA" sz="900" dirty="0">
-                <a:latin typeface="Courier" pitchFamily="2" charset="0"/>
-              </a:rPr>
-              <a:t>  .  Destination IP Address = Next IPv6 Address                   .</a:t>
-            </a:r>
-          </a:p>
-          <a:p>
-            <a:r>
-              <a:rPr lang="en-CA" sz="900" dirty="0">
-                <a:latin typeface="Courier" pitchFamily="2" charset="0"/>
-              </a:rPr>
-              <a:t>  .                                                               .</a:t>
-            </a:r>
-          </a:p>
-          <a:p>
-            <a:r>
-              <a:rPr lang="en-CA" sz="900" dirty="0">
-                <a:latin typeface="Courier" pitchFamily="2" charset="0"/>
-              </a:rPr>
-              <a:t>  +---------------------------------------------------------------+</a:t>
-            </a:r>
-          </a:p>
-          <a:p>
-            <a:r>
-              <a:rPr lang="en-CA" sz="900" dirty="0">
-                <a:latin typeface="Courier" pitchFamily="2" charset="0"/>
-              </a:rPr>
-              <a:t>  |  SRH as specified in RFC 8754                                 |</a:t>
-            </a:r>
-          </a:p>
-          <a:p>
-            <a:r>
-              <a:rPr lang="en-CA" sz="900" dirty="0">
-                <a:latin typeface="Courier" pitchFamily="2" charset="0"/>
-              </a:rPr>
-              <a:t>  .   &lt;Segment List&gt;                                              .</a:t>
-            </a:r>
-          </a:p>
-          <a:p>
-            <a:r>
-              <a:rPr lang="en-CA" sz="900" dirty="0">
-                <a:latin typeface="Courier" pitchFamily="2" charset="0"/>
-              </a:rPr>
-              <a:t>  .  END.TSF with Target SID                                      .</a:t>
-            </a:r>
-          </a:p>
-          <a:p>
-            <a:r>
-              <a:rPr lang="en-CA" sz="900" dirty="0">
-                <a:latin typeface="Courier" pitchFamily="2" charset="0"/>
-              </a:rPr>
-              <a:t>  .                                                               .</a:t>
-            </a:r>
-          </a:p>
-          <a:p>
-            <a:r>
-              <a:rPr lang="en-CA" sz="900" dirty="0">
-                <a:latin typeface="Courier" pitchFamily="2" charset="0"/>
-              </a:rPr>
-              <a:t>  +---------------------------------------------------------------+</a:t>
-            </a:r>
-          </a:p>
-          <a:p>
-            <a:r>
-              <a:rPr lang="en-CA" sz="900" dirty="0">
-                <a:latin typeface="Courier" pitchFamily="2" charset="0"/>
-              </a:rPr>
-              <a:t>  | IP Header (Optional)                                          |</a:t>
-            </a:r>
-          </a:p>
-          <a:p>
-            <a:r>
-              <a:rPr lang="en-CA" sz="900" dirty="0">
-                <a:latin typeface="Courier" pitchFamily="2" charset="0"/>
-              </a:rPr>
-              <a:t>  .  Source IP Address = </a:t>
-            </a:r>
-            <a:r>
-              <a:rPr lang="en-CA" sz="900" b="1" dirty="0">
-                <a:latin typeface="Courier" pitchFamily="2" charset="0"/>
-              </a:rPr>
-              <a:t>Reflector</a:t>
-            </a:r>
-            <a:r>
-              <a:rPr lang="en-CA" sz="900" dirty="0">
-                <a:latin typeface="Courier" pitchFamily="2" charset="0"/>
-              </a:rPr>
-              <a:t> IPv6 Address                   .</a:t>
-            </a:r>
-          </a:p>
-          <a:p>
-            <a:r>
-              <a:rPr lang="en-CA" sz="900" dirty="0">
-                <a:latin typeface="Courier" pitchFamily="2" charset="0"/>
-              </a:rPr>
-              <a:t>  .  Destination IP Address = </a:t>
-            </a:r>
-            <a:r>
-              <a:rPr lang="en-CA" sz="900" b="1" dirty="0">
-                <a:latin typeface="Courier" pitchFamily="2" charset="0"/>
-              </a:rPr>
-              <a:t>Sender</a:t>
-            </a:r>
-            <a:r>
-              <a:rPr lang="en-CA" sz="900" dirty="0">
-                <a:latin typeface="Courier" pitchFamily="2" charset="0"/>
-              </a:rPr>
-              <a:t> IPv6 Address                 .</a:t>
-            </a:r>
-          </a:p>
-          <a:p>
-            <a:r>
-              <a:rPr lang="en-CA" sz="900" dirty="0">
-                <a:latin typeface="Courier" pitchFamily="2" charset="0"/>
-              </a:rPr>
-              <a:t>  .                                                               .</a:t>
-            </a:r>
-          </a:p>
-          <a:p>
-            <a:r>
-              <a:rPr lang="en-CA" sz="900" dirty="0">
-                <a:latin typeface="Courier" pitchFamily="2" charset="0"/>
-              </a:rPr>
-              <a:t>  +---------------------------------------------------------------+</a:t>
-            </a:r>
-          </a:p>
-          <a:p>
-            <a:r>
-              <a:rPr lang="en-CA" sz="900" dirty="0">
-                <a:latin typeface="Courier" pitchFamily="2" charset="0"/>
-              </a:rPr>
-              <a:t>  | UDP Header                                                    |</a:t>
-            </a:r>
-          </a:p>
-          <a:p>
-            <a:r>
-              <a:rPr lang="en-CA" sz="900" dirty="0">
-                <a:latin typeface="Courier" pitchFamily="2" charset="0"/>
-              </a:rPr>
-              <a:t>  .  Source Port = As chosen by Sender                            .</a:t>
-            </a:r>
-          </a:p>
-          <a:p>
-            <a:r>
-              <a:rPr lang="en-CA" sz="900" dirty="0">
-                <a:latin typeface="Courier" pitchFamily="2" charset="0"/>
-              </a:rPr>
-              <a:t>  .  Destination Port = User-configured Port                      .</a:t>
-            </a:r>
-          </a:p>
-          <a:p>
-            <a:r>
-              <a:rPr lang="en-CA" sz="900" dirty="0">
-                <a:latin typeface="Courier" pitchFamily="2" charset="0"/>
-              </a:rPr>
-              <a:t>  .                                                               .</a:t>
-            </a:r>
-          </a:p>
-          <a:p>
-            <a:r>
-              <a:rPr lang="en-CA" sz="900" dirty="0">
-                <a:latin typeface="Courier" pitchFamily="2" charset="0"/>
-              </a:rPr>
-              <a:t>  +-+-+-+-+-+-+-+-+-+-+-+-+-+-+-+-+-+-+-+-+-+-+-+-+-+-+-+-+-+-+-+-+</a:t>
-            </a:r>
-          </a:p>
-          <a:p>
-            <a:r>
-              <a:rPr lang="en-CA" sz="900" dirty="0">
-                <a:latin typeface="Courier" pitchFamily="2" charset="0"/>
-              </a:rPr>
-              <a:t>  |  Payload as defined in Section 4.2.1 of RFC 5357 |            |</a:t>
-            </a:r>
-          </a:p>
-          <a:p>
-            <a:r>
-              <a:rPr lang="en-CA" sz="900" dirty="0">
-                <a:latin typeface="Courier" pitchFamily="2" charset="0"/>
-              </a:rPr>
-              <a:t>  |  Payload as defined in Section 4.2 of RFC 8762                |</a:t>
-            </a:r>
-          </a:p>
-          <a:p>
-            <a:r>
-              <a:rPr lang="en-CA" sz="900" dirty="0">
-                <a:latin typeface="Courier" pitchFamily="2" charset="0"/>
-              </a:rPr>
-              <a:t>  .                                                               .</a:t>
-            </a:r>
-          </a:p>
-          <a:p>
-            <a:r>
-              <a:rPr lang="en-CA" sz="900" dirty="0">
-                <a:latin typeface="Courier" pitchFamily="2" charset="0"/>
-              </a:rPr>
-              <a:t>  +---------------------------------------------------------------+</a:t>
-            </a:r>
-          </a:p>
-          <a:p>
-            <a:r>
-              <a:rPr lang="en-CA" sz="900" dirty="0">
-                <a:latin typeface="Courier" pitchFamily="2" charset="0"/>
-              </a:rPr>
-              <a:t> </a:t>
-            </a:r>
-          </a:p>
-          <a:p>
-            <a:r>
-              <a:rPr lang="en-CA" sz="900" dirty="0">
-                <a:latin typeface="Courier" pitchFamily="2" charset="0"/>
-              </a:rPr>
-              <a:t>Example 2: Probe Message for SRv6 with Endpoint Function </a:t>
-            </a:r>
-            <a:r>
-              <a:rPr lang="en-CA" sz="900" b="1" dirty="0">
-                <a:latin typeface="Courier" pitchFamily="2" charset="0"/>
-              </a:rPr>
-              <a:t>SR</a:t>
-            </a:r>
-            <a:r>
-              <a:rPr lang="en-CA" sz="900" dirty="0">
-                <a:latin typeface="Courier" pitchFamily="2" charset="0"/>
-              </a:rPr>
-              <a:t> Return Path</a:t>
-            </a:r>
-            <a:endParaRPr lang="en-US" sz="900" dirty="0">
-              <a:latin typeface="Courier" pitchFamily="2" charset="0"/>
-            </a:endParaRPr>
-          </a:p>
-        </p:txBody>
-      </p:sp>
-      <p:sp>
-        <p:nvSpPr>
-          <p:cNvPr id="8" name="Content Placeholder 7">
-            <a:extLst>
-              <a:ext uri="{FF2B5EF4-FFF2-40B4-BE49-F238E27FC236}">
-                <a16:creationId xmlns:a16="http://schemas.microsoft.com/office/drawing/2014/main" id="{FC6E1890-536D-9D49-8207-C42BBF301FF3}"/>
-              </a:ext>
-            </a:extLst>
-          </p:cNvPr>
-          <p:cNvSpPr>
-            <a:spLocks noGrp="1"/>
-          </p:cNvSpPr>
-          <p:nvPr>
-            <p:ph idx="1"/>
-          </p:nvPr>
-        </p:nvSpPr>
-        <p:spPr>
-          <a:xfrm>
-            <a:off x="5410200" y="1200150"/>
-            <a:ext cx="3547946" cy="2743200"/>
-          </a:xfrm>
-        </p:spPr>
-        <p:txBody>
-          <a:bodyPr/>
-          <a:lstStyle/>
-          <a:p>
-            <a:r>
-              <a:rPr lang="en-US" sz="1400" dirty="0"/>
-              <a:t>Endpoint Function END.TSF is defined for Timestamp and Forward and carried for the Reflector node SID</a:t>
-            </a:r>
-          </a:p>
-          <a:p>
-            <a:r>
-              <a:rPr lang="en-US" sz="1400" dirty="0"/>
-              <a:t>Reverse direction SR path carried in SRH</a:t>
-            </a:r>
-          </a:p>
-          <a:p>
-            <a:r>
-              <a:rPr lang="en-US" sz="1400" dirty="0"/>
-              <a:t>Reflector node does not remove the SRH</a:t>
-            </a:r>
-          </a:p>
-          <a:p>
-            <a:r>
-              <a:rPr lang="en-US" sz="1400" dirty="0"/>
-              <a:t>Inner IPv6 header is optional and not required</a:t>
-            </a:r>
-          </a:p>
-          <a:p>
-            <a:pPr lvl="1"/>
-            <a:r>
-              <a:rPr lang="en-US" sz="1400" dirty="0"/>
-              <a:t>Source and Destination Addresses are swapped to represent the Reverse direction path in the inner IPv6 header</a:t>
-            </a:r>
-          </a:p>
-          <a:p>
-            <a:endParaRPr lang="en-US" sz="1400" dirty="0"/>
-          </a:p>
-        </p:txBody>
-      </p:sp>
-    </p:spTree>
-    <p:extLst>
-      <p:ext uri="{BB962C8B-B14F-4D97-AF65-F5344CB8AC3E}">
-        <p14:creationId xmlns:p14="http://schemas.microsoft.com/office/powerpoint/2010/main" val="1703487410"/>
-      </p:ext>
-    </p:extLst>
-  </p:cSld>
-  <p:clrMapOvr>
-    <a:masterClrMapping/>
-  </p:clrMapOvr>
-</p:sld>
-</file>
-
-<file path=ppt/slides/slide16.xml><?xml version="1.0" encoding="utf-8"?>
-<p:sld xmlns:a="http://schemas.openxmlformats.org/drawingml/2006/main" xmlns:r="http://schemas.openxmlformats.org/officeDocument/2006/relationships" xmlns:p="http://schemas.openxmlformats.org/presentationml/2006/main">
-  <p:cSld>
-    <p:spTree>
-      <p:nvGrpSpPr>
-        <p:cNvPr id="1" name=""/>
-        <p:cNvGrpSpPr/>
-        <p:nvPr/>
-      </p:nvGrpSpPr>
-      <p:grpSpPr>
-        <a:xfrm>
-          <a:off x="0" y="0"/>
-          <a:ext cx="0" cy="0"/>
-          <a:chOff x="0" y="0"/>
-          <a:chExt cx="0" cy="0"/>
-        </a:xfrm>
-      </p:grpSpPr>
-      <p:sp>
-        <p:nvSpPr>
-          <p:cNvPr id="4" name="Footer Placeholder 3"/>
-          <p:cNvSpPr>
-            <a:spLocks noGrp="1"/>
-          </p:cNvSpPr>
-          <p:nvPr>
-            <p:ph type="ftr" sz="quarter" idx="11"/>
-          </p:nvPr>
-        </p:nvSpPr>
-        <p:spPr>
-          <a:xfrm>
-            <a:off x="3124200" y="4786312"/>
-            <a:ext cx="2895600" cy="357188"/>
-          </a:xfrm>
-        </p:spPr>
-        <p:txBody>
-          <a:bodyPr/>
-          <a:lstStyle/>
-          <a:p>
-            <a:r>
-              <a:rPr lang="en-CA" dirty="0"/>
-              <a:t>108</a:t>
-            </a:r>
-            <a:r>
-              <a:rPr lang="en-CA" baseline="30000" dirty="0"/>
-              <a:t>th</a:t>
-            </a:r>
-            <a:r>
-              <a:rPr lang="en-CA" dirty="0"/>
-              <a:t> IETF @ Madrid</a:t>
-            </a:r>
-          </a:p>
-        </p:txBody>
-      </p:sp>
-      <p:sp>
-        <p:nvSpPr>
-          <p:cNvPr id="5" name="Rectangle 2"/>
-          <p:cNvSpPr txBox="1">
-            <a:spLocks noChangeArrowheads="1"/>
-          </p:cNvSpPr>
-          <p:nvPr/>
-        </p:nvSpPr>
-        <p:spPr bwMode="auto">
-          <a:xfrm>
-            <a:off x="685800" y="1657350"/>
-            <a:ext cx="7772400" cy="1102519"/>
-          </a:xfrm>
-          <a:prstGeom prst="rect">
-            <a:avLst/>
-          </a:prstGeom>
-          <a:noFill/>
-          <a:ln w="9525">
-            <a:noFill/>
-            <a:miter lim="800000"/>
-            <a:headEnd/>
-            <a:tailEnd/>
-          </a:ln>
-          <a:effectLst/>
-        </p:spPr>
-        <p:txBody>
-          <a:bodyPr vert="horz" wrap="square" lIns="91440" tIns="45720" rIns="91440" bIns="45720" numCol="1" anchor="ctr" anchorCtr="0" compatLnSpc="1">
-            <a:prstTxWarp prst="textNoShape">
-              <a:avLst/>
-            </a:prstTxWarp>
-          </a:bodyPr>
-          <a:lstStyle>
-            <a:lvl1pPr algn="ctr" rtl="0" eaLnBrk="0" fontAlgn="base" hangingPunct="0">
-              <a:spcBef>
-                <a:spcPct val="0"/>
-              </a:spcBef>
-              <a:spcAft>
-                <a:spcPct val="0"/>
-              </a:spcAft>
-              <a:defRPr sz="4400">
-                <a:solidFill>
-                  <a:schemeClr val="tx2"/>
-                </a:solidFill>
-                <a:latin typeface="+mj-lt"/>
-                <a:ea typeface="+mj-ea"/>
-                <a:cs typeface="+mj-cs"/>
-              </a:defRPr>
-            </a:lvl1pPr>
-            <a:lvl2pPr algn="ctr" rtl="0" eaLnBrk="0" fontAlgn="base" hangingPunct="0">
-              <a:spcBef>
-                <a:spcPct val="0"/>
-              </a:spcBef>
-              <a:spcAft>
-                <a:spcPct val="0"/>
-              </a:spcAft>
-              <a:defRPr sz="4400">
-                <a:solidFill>
-                  <a:schemeClr val="tx2"/>
-                </a:solidFill>
-                <a:latin typeface="Arial" charset="0"/>
-                <a:ea typeface="宋体" pitchFamily="2" charset="-122"/>
-              </a:defRPr>
-            </a:lvl2pPr>
-            <a:lvl3pPr algn="ctr" rtl="0" eaLnBrk="0" fontAlgn="base" hangingPunct="0">
-              <a:spcBef>
-                <a:spcPct val="0"/>
-              </a:spcBef>
-              <a:spcAft>
-                <a:spcPct val="0"/>
-              </a:spcAft>
-              <a:defRPr sz="4400">
-                <a:solidFill>
-                  <a:schemeClr val="tx2"/>
-                </a:solidFill>
-                <a:latin typeface="Arial" charset="0"/>
-                <a:ea typeface="宋体" pitchFamily="2" charset="-122"/>
-              </a:defRPr>
-            </a:lvl3pPr>
-            <a:lvl4pPr algn="ctr" rtl="0" eaLnBrk="0" fontAlgn="base" hangingPunct="0">
-              <a:spcBef>
-                <a:spcPct val="0"/>
-              </a:spcBef>
-              <a:spcAft>
-                <a:spcPct val="0"/>
-              </a:spcAft>
-              <a:defRPr sz="4400">
-                <a:solidFill>
-                  <a:schemeClr val="tx2"/>
-                </a:solidFill>
-                <a:latin typeface="Arial" charset="0"/>
-                <a:ea typeface="宋体" pitchFamily="2" charset="-122"/>
-              </a:defRPr>
-            </a:lvl4pPr>
-            <a:lvl5pPr algn="ctr" rtl="0" eaLnBrk="0" fontAlgn="base" hangingPunct="0">
-              <a:spcBef>
-                <a:spcPct val="0"/>
-              </a:spcBef>
-              <a:spcAft>
-                <a:spcPct val="0"/>
-              </a:spcAft>
-              <a:defRPr sz="4400">
-                <a:solidFill>
-                  <a:schemeClr val="tx2"/>
-                </a:solidFill>
-                <a:latin typeface="Arial" charset="0"/>
-                <a:ea typeface="宋体" pitchFamily="2" charset="-122"/>
-              </a:defRPr>
-            </a:lvl5pPr>
-            <a:lvl6pPr marL="457200" algn="ctr" rtl="0" fontAlgn="base">
-              <a:spcBef>
-                <a:spcPct val="0"/>
-              </a:spcBef>
-              <a:spcAft>
-                <a:spcPct val="0"/>
-              </a:spcAft>
-              <a:defRPr sz="4400">
-                <a:solidFill>
-                  <a:schemeClr val="tx2"/>
-                </a:solidFill>
-                <a:latin typeface="Arial" charset="0"/>
-                <a:ea typeface="宋体" pitchFamily="2" charset="-122"/>
-              </a:defRPr>
-            </a:lvl6pPr>
-            <a:lvl7pPr marL="914400" algn="ctr" rtl="0" fontAlgn="base">
-              <a:spcBef>
-                <a:spcPct val="0"/>
-              </a:spcBef>
-              <a:spcAft>
-                <a:spcPct val="0"/>
-              </a:spcAft>
-              <a:defRPr sz="4400">
-                <a:solidFill>
-                  <a:schemeClr val="tx2"/>
-                </a:solidFill>
-                <a:latin typeface="Arial" charset="0"/>
-                <a:ea typeface="宋体" pitchFamily="2" charset="-122"/>
-              </a:defRPr>
-            </a:lvl7pPr>
-            <a:lvl8pPr marL="1371600" algn="ctr" rtl="0" fontAlgn="base">
-              <a:spcBef>
-                <a:spcPct val="0"/>
-              </a:spcBef>
-              <a:spcAft>
-                <a:spcPct val="0"/>
-              </a:spcAft>
-              <a:defRPr sz="4400">
-                <a:solidFill>
-                  <a:schemeClr val="tx2"/>
-                </a:solidFill>
-                <a:latin typeface="Arial" charset="0"/>
-                <a:ea typeface="宋体" pitchFamily="2" charset="-122"/>
-              </a:defRPr>
-            </a:lvl8pPr>
-            <a:lvl9pPr marL="1828800" algn="ctr" rtl="0" fontAlgn="base">
-              <a:spcBef>
-                <a:spcPct val="0"/>
-              </a:spcBef>
-              <a:spcAft>
-                <a:spcPct val="0"/>
-              </a:spcAft>
-              <a:defRPr sz="4400">
-                <a:solidFill>
-                  <a:schemeClr val="tx2"/>
-                </a:solidFill>
-                <a:latin typeface="Arial" charset="0"/>
-                <a:ea typeface="宋体" pitchFamily="2" charset="-122"/>
-              </a:defRPr>
-            </a:lvl9pPr>
-          </a:lstStyle>
-          <a:p>
-            <a:pPr eaLnBrk="1" hangingPunct="1">
-              <a:defRPr/>
-            </a:pPr>
-            <a:r>
-              <a:rPr lang="en-US" altLang="zh-CN" sz="4000" kern="0" dirty="0">
-                <a:effectLst>
-                  <a:outerShdw blurRad="38100" dist="38100" dir="2700000" algn="tl">
-                    <a:srgbClr val="C0C0C0"/>
-                  </a:outerShdw>
-                </a:effectLst>
-                <a:latin typeface="Calibri" charset="0"/>
-                <a:ea typeface="Calibri" charset="0"/>
-                <a:cs typeface="Calibri" charset="0"/>
-              </a:rPr>
-              <a:t>Thank you</a:t>
-            </a:r>
-          </a:p>
-        </p:txBody>
-      </p:sp>
-      <p:sp>
-        <p:nvSpPr>
-          <p:cNvPr id="2" name="Slide Number Placeholder 1"/>
-          <p:cNvSpPr>
-            <a:spLocks noGrp="1"/>
-          </p:cNvSpPr>
-          <p:nvPr>
-            <p:ph type="sldNum" sz="quarter" idx="12"/>
-          </p:nvPr>
-        </p:nvSpPr>
-        <p:spPr/>
-        <p:txBody>
-          <a:bodyPr/>
-          <a:lstStyle/>
-          <a:p>
-            <a:pPr>
-              <a:defRPr/>
-            </a:pPr>
-            <a:fld id="{BD6E0F59-1DD8-40FC-9C92-B6295CBA6CCA}" type="slidenum">
-              <a:rPr lang="en-US" altLang="zh-CN" smtClean="0"/>
-              <a:pPr>
-                <a:defRPr/>
-              </a:pPr>
-              <a:t>16</a:t>
-            </a:fld>
-            <a:endParaRPr lang="en-US" altLang="zh-CN"/>
-          </a:p>
-        </p:txBody>
-      </p:sp>
-    </p:spTree>
-    <p:extLst>
-      <p:ext uri="{BB962C8B-B14F-4D97-AF65-F5344CB8AC3E}">
-        <p14:creationId xmlns:p14="http://schemas.microsoft.com/office/powerpoint/2010/main" val="14540097"/>
       </p:ext>
     </p:extLst>
   </p:cSld>
@@ -9608,8 +8061,8 @@
         </p:nvSpPr>
         <p:spPr>
           <a:xfrm>
-            <a:off x="381000" y="1812250"/>
-            <a:ext cx="3861226" cy="2893100"/>
+            <a:off x="316648" y="1662158"/>
+            <a:ext cx="4089826" cy="3093154"/>
           </a:xfrm>
           <a:prstGeom prst="rect">
             <a:avLst/>
@@ -9628,7 +8081,7 @@
           <a:lstStyle/>
           <a:p>
             <a:r>
-              <a:rPr lang="en-CA" sz="700" dirty="0">
+              <a:rPr lang="en-CA" sz="750" dirty="0">
                 <a:latin typeface="Courier" pitchFamily="2" charset="0"/>
               </a:rPr>
               <a:t>  +-+-+-+-+-+-+-+-+-+-+-+-+-+-+-+-+-+-+-+-+-+-+-+-+-+-+-+-+-+-+-+-+</a:t>
@@ -9641,7 +8094,7 @@
               </a:spcAft>
             </a:pPr>
             <a:r>
-              <a:rPr lang="en-US" sz="700" dirty="0">
+              <a:rPr lang="en-US" sz="750" dirty="0">
                 <a:latin typeface="Courier" pitchFamily="2" charset="0"/>
                 <a:ea typeface="Courier" charset="0"/>
                 <a:cs typeface="Courier" charset="0"/>
@@ -9656,7 +8109,7 @@
               </a:spcAft>
             </a:pPr>
             <a:r>
-              <a:rPr lang="en-US" sz="700" dirty="0">
+              <a:rPr lang="en-US" sz="750" dirty="0">
                 <a:latin typeface="Courier" pitchFamily="2" charset="0"/>
                 <a:ea typeface="Courier" charset="0"/>
                 <a:cs typeface="Courier" charset="0"/>
@@ -9671,7 +8124,7 @@
               </a:spcAft>
             </a:pPr>
             <a:r>
-              <a:rPr lang="en-US" sz="700" dirty="0">
+              <a:rPr lang="en-US" sz="750" dirty="0">
                 <a:latin typeface="Courier" pitchFamily="2" charset="0"/>
                 <a:ea typeface="Courier" charset="0"/>
                 <a:cs typeface="Courier" charset="0"/>
@@ -9686,7 +8139,7 @@
               </a:spcAft>
             </a:pPr>
             <a:r>
-              <a:rPr lang="en-US" sz="700" dirty="0">
+              <a:rPr lang="en-US" sz="750" dirty="0">
                 <a:latin typeface="Courier" pitchFamily="2" charset="0"/>
                 <a:ea typeface="Courier" charset="0"/>
                 <a:cs typeface="Courier" charset="0"/>
@@ -9701,7 +8154,7 @@
               </a:spcAft>
             </a:pPr>
             <a:r>
-              <a:rPr lang="en-US" sz="700" dirty="0">
+              <a:rPr lang="en-US" sz="750" dirty="0">
                 <a:latin typeface="Courier" pitchFamily="2" charset="0"/>
                 <a:ea typeface="Courier" charset="0"/>
                 <a:cs typeface="Courier" charset="0"/>
@@ -9716,7 +8169,7 @@
               </a:spcAft>
             </a:pPr>
             <a:r>
-              <a:rPr lang="en-US" sz="700" dirty="0">
+              <a:rPr lang="en-US" sz="750" dirty="0">
                 <a:latin typeface="Courier" pitchFamily="2" charset="0"/>
                 <a:ea typeface="Courier" charset="0"/>
                 <a:cs typeface="Courier" charset="0"/>
@@ -9731,7 +8184,7 @@
               </a:spcAft>
             </a:pPr>
             <a:r>
-              <a:rPr lang="en-US" sz="700" dirty="0">
+              <a:rPr lang="en-US" sz="750" dirty="0">
                 <a:latin typeface="Courier" pitchFamily="2" charset="0"/>
                 <a:ea typeface="Courier" charset="0"/>
                 <a:cs typeface="Courier" charset="0"/>
@@ -9746,7 +8199,7 @@
               </a:spcAft>
             </a:pPr>
             <a:r>
-              <a:rPr lang="en-US" sz="700" dirty="0">
+              <a:rPr lang="en-US" sz="750" dirty="0">
                 <a:solidFill>
                   <a:schemeClr val="tx2"/>
                 </a:solidFill>
@@ -9757,7 +8210,7 @@
               <a:t>  |         </a:t>
             </a:r>
             <a:r>
-              <a:rPr lang="en-US" sz="700" dirty="0">
+              <a:rPr lang="en-US" sz="750" dirty="0">
                 <a:solidFill>
                   <a:srgbClr val="0070C0"/>
                 </a:solidFill>
@@ -9768,7 +8221,7 @@
               <a:t>Receive Timestamp                                     </a:t>
             </a:r>
             <a:r>
-              <a:rPr lang="en-US" sz="700" dirty="0">
+              <a:rPr lang="en-US" sz="750" dirty="0">
                 <a:solidFill>
                   <a:schemeClr val="tx2"/>
                 </a:solidFill>
@@ -9786,7 +8239,7 @@
               </a:spcAft>
             </a:pPr>
             <a:r>
-              <a:rPr lang="en-US" sz="700" dirty="0">
+              <a:rPr lang="en-US" sz="750" dirty="0">
                 <a:latin typeface="Courier" pitchFamily="2" charset="0"/>
                 <a:ea typeface="Courier" charset="0"/>
                 <a:cs typeface="Courier" charset="0"/>
@@ -9801,7 +8254,7 @@
               </a:spcAft>
             </a:pPr>
             <a:r>
-              <a:rPr lang="en-US" sz="700" dirty="0">
+              <a:rPr lang="en-US" sz="750" dirty="0">
                 <a:latin typeface="Courier" pitchFamily="2" charset="0"/>
                 <a:ea typeface="Courier" charset="0"/>
                 <a:cs typeface="Courier" charset="0"/>
@@ -9816,7 +8269,7 @@
               </a:spcAft>
             </a:pPr>
             <a:r>
-              <a:rPr lang="en-US" sz="700" dirty="0">
+              <a:rPr lang="en-US" sz="750" dirty="0">
                 <a:solidFill>
                   <a:schemeClr val="bg2">
                     <a:lumMod val="50000"/>
@@ -9829,7 +8282,7 @@
               <a:t>  </a:t>
             </a:r>
             <a:r>
-              <a:rPr lang="en-US" sz="700" dirty="0">
+              <a:rPr lang="en-US" sz="750" dirty="0">
                 <a:solidFill>
                   <a:schemeClr val="bg1">
                     <a:lumMod val="50000"/>
@@ -9849,7 +8302,7 @@
               </a:spcAft>
             </a:pPr>
             <a:r>
-              <a:rPr lang="en-US" sz="700" dirty="0">
+              <a:rPr lang="en-US" sz="750" dirty="0">
                 <a:solidFill>
                   <a:schemeClr val="bg1">
                     <a:lumMod val="50000"/>
@@ -9869,7 +8322,7 @@
               </a:spcAft>
             </a:pPr>
             <a:r>
-              <a:rPr lang="en-US" sz="700" dirty="0">
+              <a:rPr lang="en-US" sz="750" dirty="0">
                 <a:solidFill>
                   <a:schemeClr val="bg1">
                     <a:lumMod val="50000"/>
@@ -9889,7 +8342,7 @@
               </a:spcAft>
             </a:pPr>
             <a:r>
-              <a:rPr lang="en-US" sz="700" dirty="0">
+              <a:rPr lang="en-US" sz="750" dirty="0">
                 <a:solidFill>
                   <a:schemeClr val="bg1">
                     <a:lumMod val="50000"/>
@@ -9909,7 +8362,7 @@
               </a:spcAft>
             </a:pPr>
             <a:r>
-              <a:rPr lang="en-US" sz="700" dirty="0">
+              <a:rPr lang="en-US" sz="750" dirty="0">
                 <a:solidFill>
                   <a:schemeClr val="bg1">
                     <a:lumMod val="50000"/>
@@ -9929,7 +8382,7 @@
               </a:spcAft>
             </a:pPr>
             <a:r>
-              <a:rPr lang="en-US" sz="700" dirty="0">
+              <a:rPr lang="en-US" sz="750" dirty="0">
                 <a:solidFill>
                   <a:schemeClr val="bg1">
                     <a:lumMod val="50000"/>
@@ -9949,7 +8402,7 @@
               </a:spcAft>
             </a:pPr>
             <a:r>
-              <a:rPr lang="en-US" sz="700" dirty="0">
+              <a:rPr lang="en-US" sz="750" dirty="0">
                 <a:solidFill>
                   <a:schemeClr val="bg1">
                     <a:lumMod val="50000"/>
@@ -9969,7 +8422,7 @@
               </a:spcAft>
             </a:pPr>
             <a:r>
-              <a:rPr lang="en-US" sz="700" dirty="0">
+              <a:rPr lang="en-US" sz="750" dirty="0">
                 <a:solidFill>
                   <a:schemeClr val="bg1">
                     <a:lumMod val="50000"/>
@@ -9989,7 +8442,7 @@
               </a:spcAft>
             </a:pPr>
             <a:r>
-              <a:rPr lang="en-US" sz="700" dirty="0">
+              <a:rPr lang="en-US" sz="750" dirty="0">
                 <a:solidFill>
                   <a:schemeClr val="bg1">
                     <a:lumMod val="50000"/>
@@ -10009,7 +8462,7 @@
               </a:spcAft>
             </a:pPr>
             <a:r>
-              <a:rPr lang="en-US" sz="700" dirty="0">
+              <a:rPr lang="en-US" sz="750" dirty="0">
                 <a:solidFill>
                   <a:schemeClr val="bg1">
                     <a:lumMod val="50000"/>
@@ -10029,7 +8482,7 @@
               </a:spcAft>
             </a:pPr>
             <a:r>
-              <a:rPr lang="en-US" sz="700" dirty="0">
+              <a:rPr lang="en-US" sz="750" dirty="0">
                 <a:solidFill>
                   <a:schemeClr val="bg1">
                     <a:lumMod val="50000"/>
@@ -10049,7 +8502,7 @@
               </a:spcAft>
             </a:pPr>
             <a:r>
-              <a:rPr lang="en-US" sz="700" dirty="0">
+              <a:rPr lang="en-US" sz="750" dirty="0">
                 <a:solidFill>
                   <a:schemeClr val="bg1">
                     <a:lumMod val="50000"/>
@@ -10069,7 +8522,7 @@
               </a:spcAft>
             </a:pPr>
             <a:r>
-              <a:rPr lang="en-US" sz="700" dirty="0">
+              <a:rPr lang="en-US" sz="750" dirty="0">
                 <a:solidFill>
                   <a:schemeClr val="bg1">
                     <a:lumMod val="50000"/>
@@ -10088,7 +8541,7 @@
                 <a:spcPts val="0"/>
               </a:spcAft>
             </a:pPr>
-            <a:endParaRPr lang="en-CA" sz="700" dirty="0">
+            <a:endParaRPr lang="en-CA" sz="750" dirty="0">
               <a:solidFill>
                 <a:schemeClr val="bg2">
                   <a:lumMod val="50000"/>
@@ -10099,12 +8552,12 @@
           </a:p>
           <a:p>
             <a:r>
-              <a:rPr lang="en-CA" sz="700" dirty="0">
+              <a:rPr lang="en-CA" sz="750" dirty="0">
                 <a:latin typeface="Courier" pitchFamily="2" charset="0"/>
               </a:rPr>
               <a:t>              Figure: TWAMP Light Probe Message Format</a:t>
             </a:r>
-            <a:endParaRPr lang="en-US" sz="700" dirty="0">
+            <a:endParaRPr lang="en-US" sz="750" dirty="0">
               <a:latin typeface="Courier" pitchFamily="2" charset="0"/>
             </a:endParaRPr>
           </a:p>
@@ -10129,7 +8582,7 @@
         <p:spPr>
           <a:xfrm>
             <a:off x="381000" y="711977"/>
-            <a:ext cx="8433225" cy="1021574"/>
+            <a:ext cx="8433225" cy="857250"/>
           </a:xfrm>
         </p:spPr>
         <p:txBody>
@@ -10153,9 +8606,6 @@
               <a:rPr lang="en-US" sz="1400" dirty="0"/>
               <a:t>E.g. offset-byte 16 from the start of the payload</a:t>
             </a:r>
-          </a:p>
-          <a:p>
-            <a:endParaRPr lang="en-US" sz="1400" dirty="0"/>
           </a:p>
         </p:txBody>
       </p:sp>
@@ -10208,8 +8658,8 @@
         </p:nvSpPr>
         <p:spPr>
           <a:xfrm>
-            <a:off x="4547025" y="1812250"/>
-            <a:ext cx="4267200" cy="2462213"/>
+            <a:off x="4673174" y="1662158"/>
+            <a:ext cx="4089826" cy="2631490"/>
           </a:xfrm>
           <a:prstGeom prst="rect">
             <a:avLst/>
@@ -10228,7 +8678,7 @@
           <a:lstStyle/>
           <a:p>
             <a:r>
-              <a:rPr lang="en-CA" sz="700" dirty="0">
+              <a:rPr lang="en-CA" sz="750" dirty="0">
                 <a:latin typeface="Courier" pitchFamily="2" charset="0"/>
               </a:rPr>
               <a:t>  +-+-+-+-+-+-+-+-+-+-+-+-+-+-+-+-+-+-+-+-+-+-+-+-+-+-+-+-+-+-+-+-+</a:t>
@@ -10241,7 +8691,7 @@
               </a:spcAft>
             </a:pPr>
             <a:r>
-              <a:rPr lang="en-US" sz="700" dirty="0">
+              <a:rPr lang="en-US" sz="750" dirty="0">
                 <a:latin typeface="Courier" pitchFamily="2" charset="0"/>
                 <a:ea typeface="Courier" charset="0"/>
                 <a:cs typeface="Courier" charset="0"/>
@@ -10256,7 +8706,7 @@
               </a:spcAft>
             </a:pPr>
             <a:r>
-              <a:rPr lang="en-US" sz="700" dirty="0">
+              <a:rPr lang="en-US" sz="750" dirty="0">
                 <a:latin typeface="Courier" pitchFamily="2" charset="0"/>
                 <a:ea typeface="Courier" charset="0"/>
                 <a:cs typeface="Courier" charset="0"/>
@@ -10271,7 +8721,7 @@
               </a:spcAft>
             </a:pPr>
             <a:r>
-              <a:rPr lang="en-US" sz="700" dirty="0">
+              <a:rPr lang="en-US" sz="750" dirty="0">
                 <a:latin typeface="Courier" pitchFamily="2" charset="0"/>
                 <a:ea typeface="Courier" charset="0"/>
                 <a:cs typeface="Courier" charset="0"/>
@@ -10286,7 +8736,7 @@
               </a:spcAft>
             </a:pPr>
             <a:r>
-              <a:rPr lang="en-US" sz="700" dirty="0">
+              <a:rPr lang="en-US" sz="750" dirty="0">
                 <a:latin typeface="Courier" pitchFamily="2" charset="0"/>
                 <a:ea typeface="Courier" charset="0"/>
                 <a:cs typeface="Courier" charset="0"/>
@@ -10301,7 +8751,7 @@
               </a:spcAft>
             </a:pPr>
             <a:r>
-              <a:rPr lang="en-US" sz="700" dirty="0">
+              <a:rPr lang="en-US" sz="750" dirty="0">
                 <a:latin typeface="Courier" pitchFamily="2" charset="0"/>
                 <a:ea typeface="Courier" charset="0"/>
                 <a:cs typeface="Courier" charset="0"/>
@@ -10316,7 +8766,7 @@
               </a:spcAft>
             </a:pPr>
             <a:r>
-              <a:rPr lang="en-US" sz="700" dirty="0">
+              <a:rPr lang="en-US" sz="750" dirty="0">
                 <a:latin typeface="Courier" pitchFamily="2" charset="0"/>
                 <a:ea typeface="Courier" charset="0"/>
                 <a:cs typeface="Courier" charset="0"/>
@@ -10324,7 +8774,7 @@
               <a:t>  |         Error Estimate        |    </a:t>
             </a:r>
             <a:r>
-              <a:rPr lang="en-US" sz="700" b="1" dirty="0">
+              <a:rPr lang="en-US" sz="750" b="1" dirty="0">
                 <a:latin typeface="Courier" pitchFamily="2" charset="0"/>
                 <a:ea typeface="Courier" charset="0"/>
                 <a:cs typeface="Courier" charset="0"/>
@@ -10332,7 +8782,7 @@
               <a:t>SSID</a:t>
             </a:r>
             <a:r>
-              <a:rPr lang="en-US" sz="700" dirty="0">
+              <a:rPr lang="en-US" sz="750" dirty="0">
                 <a:latin typeface="Courier" pitchFamily="2" charset="0"/>
                 <a:ea typeface="Courier" charset="0"/>
                 <a:cs typeface="Courier" charset="0"/>
@@ -10347,7 +8797,7 @@
               </a:spcAft>
             </a:pPr>
             <a:r>
-              <a:rPr lang="en-US" sz="700" dirty="0">
+              <a:rPr lang="en-US" sz="750" dirty="0">
                 <a:latin typeface="Courier" pitchFamily="2" charset="0"/>
                 <a:ea typeface="Courier" charset="0"/>
                 <a:cs typeface="Courier" charset="0"/>
@@ -10362,7 +8812,7 @@
               </a:spcAft>
             </a:pPr>
             <a:r>
-              <a:rPr lang="en-US" sz="700" dirty="0">
+              <a:rPr lang="en-US" sz="750" dirty="0">
                 <a:solidFill>
                   <a:schemeClr val="tx2"/>
                 </a:solidFill>
@@ -10373,7 +8823,7 @@
               <a:t>  |         </a:t>
             </a:r>
             <a:r>
-              <a:rPr lang="en-US" sz="700" dirty="0">
+              <a:rPr lang="en-US" sz="750" dirty="0">
                 <a:solidFill>
                   <a:srgbClr val="0070C0"/>
                 </a:solidFill>
@@ -10384,7 +8834,7 @@
               <a:t>Receive Timestamp                                     </a:t>
             </a:r>
             <a:r>
-              <a:rPr lang="en-US" sz="700" dirty="0">
+              <a:rPr lang="en-US" sz="750" dirty="0">
                 <a:solidFill>
                   <a:schemeClr val="tx2"/>
                 </a:solidFill>
@@ -10402,7 +8852,7 @@
               </a:spcAft>
             </a:pPr>
             <a:r>
-              <a:rPr lang="en-US" sz="700" dirty="0">
+              <a:rPr lang="en-US" sz="750" dirty="0">
                 <a:latin typeface="Courier" pitchFamily="2" charset="0"/>
                 <a:ea typeface="Courier" charset="0"/>
                 <a:cs typeface="Courier" charset="0"/>
@@ -10417,7 +8867,7 @@
               </a:spcAft>
             </a:pPr>
             <a:r>
-              <a:rPr lang="en-US" sz="700" dirty="0">
+              <a:rPr lang="en-US" sz="750" dirty="0">
                 <a:latin typeface="Courier" pitchFamily="2" charset="0"/>
                 <a:ea typeface="Courier" charset="0"/>
                 <a:cs typeface="Courier" charset="0"/>
@@ -10432,7 +8882,7 @@
               </a:spcAft>
             </a:pPr>
             <a:r>
-              <a:rPr lang="en-US" sz="700" dirty="0">
+              <a:rPr lang="en-US" sz="750" dirty="0">
                 <a:solidFill>
                   <a:schemeClr val="bg2">
                     <a:lumMod val="50000"/>
@@ -10445,7 +8895,7 @@
               <a:t>  </a:t>
             </a:r>
             <a:r>
-              <a:rPr lang="en-US" sz="700" dirty="0">
+              <a:rPr lang="en-US" sz="750" dirty="0">
                 <a:solidFill>
                   <a:schemeClr val="bg1">
                     <a:lumMod val="50000"/>
@@ -10465,7 +8915,7 @@
               </a:spcAft>
             </a:pPr>
             <a:r>
-              <a:rPr lang="en-US" sz="700" dirty="0">
+              <a:rPr lang="en-US" sz="750" dirty="0">
                 <a:solidFill>
                   <a:schemeClr val="bg1">
                     <a:lumMod val="50000"/>
@@ -10485,7 +8935,7 @@
               </a:spcAft>
             </a:pPr>
             <a:r>
-              <a:rPr lang="en-US" sz="700" dirty="0">
+              <a:rPr lang="en-US" sz="750" dirty="0">
                 <a:solidFill>
                   <a:schemeClr val="bg1">
                     <a:lumMod val="50000"/>
@@ -10505,7 +8955,7 @@
               </a:spcAft>
             </a:pPr>
             <a:r>
-              <a:rPr lang="en-US" sz="700" dirty="0">
+              <a:rPr lang="en-US" sz="750" dirty="0">
                 <a:solidFill>
                   <a:schemeClr val="bg1">
                     <a:lumMod val="50000"/>
@@ -10525,7 +8975,7 @@
               </a:spcAft>
             </a:pPr>
             <a:r>
-              <a:rPr lang="en-US" sz="700" dirty="0">
+              <a:rPr lang="en-US" sz="750" dirty="0">
                 <a:solidFill>
                   <a:schemeClr val="bg1">
                     <a:lumMod val="50000"/>
@@ -10545,7 +8995,7 @@
               </a:spcAft>
             </a:pPr>
             <a:r>
-              <a:rPr lang="en-US" sz="700" dirty="0">
+              <a:rPr lang="en-US" sz="750" dirty="0">
                 <a:solidFill>
                   <a:schemeClr val="bg1">
                     <a:lumMod val="50000"/>
@@ -10565,7 +9015,7 @@
               </a:spcAft>
             </a:pPr>
             <a:r>
-              <a:rPr lang="en-US" sz="700" dirty="0">
+              <a:rPr lang="en-US" sz="750" dirty="0">
                 <a:solidFill>
                   <a:schemeClr val="bg1">
                     <a:lumMod val="50000"/>
@@ -10585,7 +9035,7 @@
               </a:spcAft>
             </a:pPr>
             <a:r>
-              <a:rPr lang="en-US" sz="700" dirty="0">
+              <a:rPr lang="en-US" sz="750" dirty="0">
                 <a:solidFill>
                   <a:schemeClr val="bg1">
                     <a:lumMod val="50000"/>
@@ -10605,7 +9055,7 @@
               </a:spcAft>
             </a:pPr>
             <a:r>
-              <a:rPr lang="en-US" sz="700" dirty="0">
+              <a:rPr lang="en-US" sz="750" dirty="0">
                 <a:solidFill>
                   <a:schemeClr val="bg1">
                     <a:lumMod val="50000"/>
@@ -10624,7 +9074,7 @@
                 <a:spcPts val="0"/>
               </a:spcAft>
             </a:pPr>
-            <a:endParaRPr lang="en-CA" sz="700" dirty="0">
+            <a:endParaRPr lang="en-CA" sz="750" dirty="0">
               <a:solidFill>
                 <a:schemeClr val="bg2">
                   <a:lumMod val="50000"/>
@@ -10635,12 +9085,12 @@
           </a:p>
           <a:p>
             <a:r>
-              <a:rPr lang="en-CA" sz="700" dirty="0">
+              <a:rPr lang="en-CA" sz="750" dirty="0">
                 <a:latin typeface="Courier" pitchFamily="2" charset="0"/>
               </a:rPr>
               <a:t>                  Figure: STAMP Probe Message Format</a:t>
             </a:r>
-            <a:endParaRPr lang="en-US" sz="700" dirty="0">
+            <a:endParaRPr lang="en-US" sz="750" dirty="0">
               <a:latin typeface="Courier" pitchFamily="2" charset="0"/>
             </a:endParaRPr>
           </a:p>
@@ -10787,8 +9237,8 @@
         </p:nvSpPr>
         <p:spPr>
           <a:xfrm>
-            <a:off x="272062" y="677495"/>
-            <a:ext cx="4669573" cy="4108817"/>
+            <a:off x="256014" y="615196"/>
+            <a:ext cx="4669573" cy="4247317"/>
           </a:xfrm>
           <a:prstGeom prst="rect">
             <a:avLst/>
@@ -10810,7 +9260,7 @@
               <a:rPr lang="en-CA" sz="900" dirty="0">
                 <a:latin typeface="Courier" pitchFamily="2" charset="0"/>
               </a:rPr>
-              <a:t> 0                   1                   2                   3     0 1 2 3 4 5 6 7 8 9 0 1 2 3 4 5 6 7 8 9 0 1 2 3 4 5 6 7 8 9 0 1     +-+-+-+-+-+-+-+-+-+-+-+-+-+-+-+-+-+-+-+-+-+-+-+-+-+-+-+-+-+-+-+-+     |            Label(1)                   | TC  |S|      TTL      |     +-+-+-+-+-+-+-+-+-+-+-+-+-+-+-+-+-+-+-+-+-+-+-+-+-+-+-+-+-+-+-+-+     .                                                               .     .                                                               .     .                                                               .     +-+-+-+-+-+-+-+-+-+-+-+-+-+-+-+-+-+-+-+-+-+-+-+-+-+-+-+-+-+-+-+-+     |            Label(n)                   | TC  |S|      TTL      |     +-+-+-+-+-+-+-+-+-+-+-+-+-+-+-+-+-+-+-+-+-+-+-+-+-+-+-+-+-+-+-+-+     |            </a:t>
+              <a:t>0 1 2 3 4 5 6 7 8 9 0 1 2 3 4 5 6 7 8 9 0 1 2 3 4 5 6 7 8 9 0 1     +-+-+-+-+-+-+-+-+-+-+-+-+-+-+-+-+-+-+-+-+-+-+-+-+-+-+-+-+-+-+-+-+     |            Label(1)                   | TC  |S|      TTL      |     +-+-+-+-+-+-+-+-+-+-+-+-+-+-+-+-+-+-+-+-+-+-+-+-+-+-+-+-+-+-+-+-+     .                                                               .     .                                                               .     .                                                               .     +-+-+-+-+-+-+-+-+-+-+-+-+-+-+-+-+-+-+-+-+-+-+-+-+-+-+-+-+-+-+-+-+     |            Label(n)                   | TC  |S|      TTL      |     +-+-+-+-+-+-+-+-+-+-+-+-+-+-+-+-+-+-+-+-+-+-+-+-+-+-+-+-+-+-+-+-+     |            </a:t>
             </a:r>
             <a:r>
               <a:rPr lang="en-CA" sz="900" b="1" dirty="0">
@@ -10846,7 +9296,23 @@
               <a:rPr lang="en-CA" sz="900" dirty="0">
                 <a:latin typeface="Courier" pitchFamily="2" charset="0"/>
               </a:rPr>
-              <a:t> IPv4 or IPv6 Address         .     .  Protocol = UDP                                               .     .                                                               .     +---------------------------------------------------------------+     | UDP Header                                                    |     .  Source Port = As chosen by Sender                            .     .  Destination Port = User-configured Port                      .     .                                                               .     +-+-+-+-+-+-+-+-+-+-+-+-+-+-+-+-+-+-+-+-+-+-+-+-+-+-+-+-+-+-+-+-+     |  Payload as defined in Section 4.2.1 of RFC 5357              |     |  Payload as defined in Section 4.2 of RFC 8762                |     .                                                               .     +---------------------------------------------------------------+     Figure 6: Example Probe Message for SR-MPLS with Timestamp Label</a:t>
+              <a:t> IPv4 or IPv6 Address         .     .  Protocol = UDP                                               .     .                                                               .     +---------------------------------------------------------------+     | UDP Header                                                    |     .  Source Port = As chosen by Sender                            .     .  Destination Port = User-configured Port                      .     .                                                               .     +-+-+-+-+-+-+-+-+-+-+-+-+-+-+-+-+-+-+-+-+-+-+-+-+-+-+-+-+-+-+-+-+     |  Payload as defined in Section 4.2.1 of RFC 5357              |     |  Payload as defined in Section 4.2 of RFC 8762                |     .                                                               .     +---------------------------------------------------------------+</a:t>
+            </a:r>
+          </a:p>
+          <a:p>
+            <a:r>
+              <a:rPr lang="en-CA" sz="900" dirty="0">
+                <a:latin typeface="Courier" pitchFamily="2" charset="0"/>
+              </a:rPr>
+              <a:t>    </a:t>
+            </a:r>
+          </a:p>
+          <a:p>
+            <a:r>
+              <a:rPr lang="en-CA" sz="900" dirty="0">
+                <a:latin typeface="Courier" pitchFamily="2" charset="0"/>
+              </a:rPr>
+              <a:t>     Example Probe Message for SR-MPLS with Timestamp Label</a:t>
             </a:r>
             <a:endParaRPr lang="en-US" sz="900" dirty="0">
               <a:latin typeface="Courier" pitchFamily="2" charset="0"/>
@@ -10944,8 +9410,8 @@
         </p:nvSpPr>
         <p:spPr>
           <a:xfrm>
-            <a:off x="457200" y="0"/>
-            <a:ext cx="8229600" cy="857250"/>
+            <a:off x="0" y="0"/>
+            <a:ext cx="9144000" cy="640642"/>
           </a:xfrm>
         </p:spPr>
         <p:txBody>
@@ -10953,150 +9419,31 @@
           <a:lstStyle/>
           <a:p>
             <a:r>
-              <a:rPr lang="en-US" sz="3600" dirty="0">
+              <a:rPr lang="en-US" sz="3000" dirty="0">
                 <a:solidFill>
                   <a:srgbClr val="0070C0"/>
                 </a:solidFill>
                 <a:latin typeface="Calibri Light" panose="020F0302020204030204" pitchFamily="34" charset="0"/>
                 <a:cs typeface="Calibri Light" panose="020F0302020204030204" pitchFamily="34" charset="0"/>
               </a:rPr>
-              <a:t>ECMP Support for SR Paths</a:t>
-            </a:r>
-          </a:p>
-        </p:txBody>
-      </p:sp>
-      <p:sp>
-        <p:nvSpPr>
-          <p:cNvPr id="3" name="Content Placeholder 2"/>
+              <a:t>SRv6 with Timestamp and Forward Function</a:t>
+            </a:r>
+          </a:p>
+        </p:txBody>
+      </p:sp>
+      <p:sp>
+        <p:nvSpPr>
+          <p:cNvPr id="4" name="Footer Placeholder 3"/>
           <p:cNvSpPr>
             <a:spLocks noGrp="1"/>
           </p:cNvSpPr>
           <p:nvPr>
-            <p:ph idx="1"/>
+            <p:ph type="ftr" sz="quarter" idx="11"/>
           </p:nvPr>
         </p:nvSpPr>
         <p:spPr>
           <a:xfrm>
-            <a:off x="419100" y="912200"/>
-            <a:ext cx="8305800" cy="3564549"/>
-          </a:xfrm>
-        </p:spPr>
-        <p:txBody>
-          <a:bodyPr/>
-          <a:lstStyle/>
-          <a:p>
-            <a:pPr>
-              <a:lnSpc>
-                <a:spcPts val="2280"/>
-              </a:lnSpc>
-              <a:spcBef>
-                <a:spcPts val="0"/>
-              </a:spcBef>
-            </a:pPr>
-            <a:r>
-              <a:rPr lang="en-US" sz="1600" dirty="0"/>
-              <a:t>SR Paths can have ECMP between the ingress and transit nodes, between transit nodes and between transit and egress nodes.</a:t>
-            </a:r>
-          </a:p>
-          <a:p>
-            <a:pPr>
-              <a:lnSpc>
-                <a:spcPts val="2280"/>
-              </a:lnSpc>
-              <a:spcBef>
-                <a:spcPts val="0"/>
-              </a:spcBef>
-            </a:pPr>
-            <a:r>
-              <a:rPr lang="en-US" sz="1600" dirty="0"/>
-              <a:t>Sending PM probe queries that can take advantage of the hashing function in forwarding plane.</a:t>
-            </a:r>
-          </a:p>
-          <a:p>
-            <a:pPr>
-              <a:lnSpc>
-                <a:spcPts val="2280"/>
-              </a:lnSpc>
-              <a:spcBef>
-                <a:spcPts val="0"/>
-              </a:spcBef>
-            </a:pPr>
-            <a:r>
-              <a:rPr lang="en-US" sz="1600" dirty="0"/>
-              <a:t>Existing forwarding mechanisms are applicable to PM probe messages. Examples are:</a:t>
-            </a:r>
-          </a:p>
-          <a:p>
-            <a:pPr lvl="1">
-              <a:lnSpc>
-                <a:spcPts val="2280"/>
-              </a:lnSpc>
-              <a:spcBef>
-                <a:spcPts val="0"/>
-              </a:spcBef>
-            </a:pPr>
-            <a:r>
-              <a:rPr lang="en-US" sz="1600" dirty="0"/>
-              <a:t>For IPv4</a:t>
-            </a:r>
-          </a:p>
-          <a:p>
-            <a:pPr lvl="2">
-              <a:lnSpc>
-                <a:spcPts val="2280"/>
-              </a:lnSpc>
-              <a:spcBef>
-                <a:spcPts val="0"/>
-              </a:spcBef>
-            </a:pPr>
-            <a:r>
-              <a:rPr lang="en-US" sz="1600" dirty="0"/>
-              <a:t>Sweeping destination address in IPv4 header (e.g. 127/8) when return path is SR-MPLS</a:t>
-            </a:r>
-          </a:p>
-          <a:p>
-            <a:pPr lvl="1">
-              <a:lnSpc>
-                <a:spcPts val="2280"/>
-              </a:lnSpc>
-              <a:spcBef>
-                <a:spcPts val="0"/>
-              </a:spcBef>
-            </a:pPr>
-            <a:r>
-              <a:rPr lang="en-US" sz="1600" dirty="0"/>
-              <a:t>For IPv6</a:t>
-            </a:r>
-          </a:p>
-          <a:p>
-            <a:pPr lvl="2">
-              <a:lnSpc>
-                <a:spcPts val="2280"/>
-              </a:lnSpc>
-              <a:spcBef>
-                <a:spcPts val="0"/>
-              </a:spcBef>
-            </a:pPr>
-            <a:r>
-              <a:rPr lang="en-US" sz="1600" dirty="0"/>
-              <a:t>Sweeping flow label in IPv6 header</a:t>
-            </a:r>
-          </a:p>
-        </p:txBody>
-      </p:sp>
-      <p:sp>
-        <p:nvSpPr>
-          <p:cNvPr id="4" name="Footer Placeholder 3"/>
-          <p:cNvSpPr>
-            <a:spLocks noGrp="1"/>
-          </p:cNvSpPr>
-          <p:nvPr>
-            <p:ph type="ftr" sz="quarter" idx="11"/>
-          </p:nvPr>
-        </p:nvSpPr>
-        <p:spPr>
-          <a:xfrm>
-            <a:off x="3124200" y="4786312"/>
+            <a:off x="2836126" y="4786312"/>
             <a:ext cx="2895600" cy="357188"/>
           </a:xfrm>
         </p:spPr>
@@ -11148,10 +9495,362 @@
           </a:p>
         </p:txBody>
       </p:sp>
+      <p:sp>
+        <p:nvSpPr>
+          <p:cNvPr id="6" name="Rectangle 5">
+            <a:extLst>
+              <a:ext uri="{FF2B5EF4-FFF2-40B4-BE49-F238E27FC236}">
+                <a16:creationId xmlns:a16="http://schemas.microsoft.com/office/drawing/2014/main" id="{4C15A4CE-6545-5142-97A8-EDA8B07CB60B}"/>
+              </a:ext>
+            </a:extLst>
+          </p:cNvPr>
+          <p:cNvSpPr/>
+          <p:nvPr/>
+        </p:nvSpPr>
+        <p:spPr>
+          <a:xfrm>
+            <a:off x="309966" y="797568"/>
+            <a:ext cx="4898173" cy="3831818"/>
+          </a:xfrm>
+          <a:prstGeom prst="rect">
+            <a:avLst/>
+          </a:prstGeom>
+          <a:solidFill>
+            <a:schemeClr val="accent6">
+              <a:lumMod val="20000"/>
+              <a:lumOff val="80000"/>
+            </a:schemeClr>
+          </a:solidFill>
+        </p:spPr>
+        <p:txBody>
+          <a:bodyPr wrap="square">
+            <a:spAutoFit/>
+          </a:bodyPr>
+          <a:lstStyle/>
+          <a:p>
+            <a:r>
+              <a:rPr lang="en-CA" sz="900" dirty="0">
+                <a:latin typeface="Courier" pitchFamily="2" charset="0"/>
+              </a:rPr>
+              <a:t>  +---------------------------------------------------------------+</a:t>
+            </a:r>
+          </a:p>
+          <a:p>
+            <a:r>
+              <a:rPr lang="en-CA" sz="900" dirty="0">
+                <a:latin typeface="Courier" pitchFamily="2" charset="0"/>
+              </a:rPr>
+              <a:t>  | IP Header                                                     |</a:t>
+            </a:r>
+          </a:p>
+          <a:p>
+            <a:r>
+              <a:rPr lang="en-CA" sz="900" dirty="0">
+                <a:latin typeface="Courier" pitchFamily="2" charset="0"/>
+              </a:rPr>
+              <a:t>  .  Source IP Address = Sender IPv6 Address                      .</a:t>
+            </a:r>
+          </a:p>
+          <a:p>
+            <a:r>
+              <a:rPr lang="en-CA" sz="900" dirty="0">
+                <a:latin typeface="Courier" pitchFamily="2" charset="0"/>
+              </a:rPr>
+              <a:t>  .  Destination IP Address = Next IPv6 Address                   .</a:t>
+            </a:r>
+          </a:p>
+          <a:p>
+            <a:r>
+              <a:rPr lang="en-CA" sz="900" dirty="0">
+                <a:latin typeface="Courier" pitchFamily="2" charset="0"/>
+              </a:rPr>
+              <a:t>  .                                                               .</a:t>
+            </a:r>
+          </a:p>
+          <a:p>
+            <a:r>
+              <a:rPr lang="en-CA" sz="900" dirty="0">
+                <a:latin typeface="Courier" pitchFamily="2" charset="0"/>
+              </a:rPr>
+              <a:t>  +---------------------------------------------------------------+</a:t>
+            </a:r>
+          </a:p>
+          <a:p>
+            <a:r>
+              <a:rPr lang="en-CA" sz="900" dirty="0">
+                <a:latin typeface="Courier" pitchFamily="2" charset="0"/>
+              </a:rPr>
+              <a:t>  |  SRH as specified in RFC 8754                                 |</a:t>
+            </a:r>
+          </a:p>
+          <a:p>
+            <a:r>
+              <a:rPr lang="en-CA" sz="900" dirty="0">
+                <a:latin typeface="Courier" pitchFamily="2" charset="0"/>
+              </a:rPr>
+              <a:t>  .   &lt;Segment List&gt;                                              .</a:t>
+            </a:r>
+          </a:p>
+          <a:p>
+            <a:r>
+              <a:rPr lang="en-CA" sz="900" dirty="0">
+                <a:latin typeface="Courier" pitchFamily="2" charset="0"/>
+              </a:rPr>
+              <a:t>  .  END.TSF with Target SID                                      .</a:t>
+            </a:r>
+          </a:p>
+          <a:p>
+            <a:r>
+              <a:rPr lang="en-CA" sz="900" dirty="0">
+                <a:latin typeface="Courier" pitchFamily="2" charset="0"/>
+              </a:rPr>
+              <a:t>  .                                                               .</a:t>
+            </a:r>
+          </a:p>
+          <a:p>
+            <a:r>
+              <a:rPr lang="en-CA" sz="900" dirty="0">
+                <a:latin typeface="Courier" pitchFamily="2" charset="0"/>
+              </a:rPr>
+              <a:t>  +---------------------------------------------------------------+</a:t>
+            </a:r>
+          </a:p>
+          <a:p>
+            <a:r>
+              <a:rPr lang="en-CA" sz="900" dirty="0">
+                <a:latin typeface="Courier" pitchFamily="2" charset="0"/>
+              </a:rPr>
+              <a:t>  | IP Header                                                     |</a:t>
+            </a:r>
+          </a:p>
+          <a:p>
+            <a:r>
+              <a:rPr lang="en-CA" sz="900" dirty="0">
+                <a:latin typeface="Courier" pitchFamily="2" charset="0"/>
+              </a:rPr>
+              <a:t>  .  Source IP Address = </a:t>
+            </a:r>
+            <a:r>
+              <a:rPr lang="en-CA" sz="900" b="1" dirty="0">
+                <a:latin typeface="Courier" pitchFamily="2" charset="0"/>
+              </a:rPr>
+              <a:t>Reflector</a:t>
+            </a:r>
+            <a:r>
+              <a:rPr lang="en-CA" sz="900" dirty="0">
+                <a:latin typeface="Courier" pitchFamily="2" charset="0"/>
+              </a:rPr>
+              <a:t> IPv6 Address                   .</a:t>
+            </a:r>
+          </a:p>
+          <a:p>
+            <a:r>
+              <a:rPr lang="en-CA" sz="900" dirty="0">
+                <a:latin typeface="Courier" pitchFamily="2" charset="0"/>
+              </a:rPr>
+              <a:t>  .  Destination IP Address = </a:t>
+            </a:r>
+            <a:r>
+              <a:rPr lang="en-CA" sz="900" b="1" dirty="0">
+                <a:latin typeface="Courier" pitchFamily="2" charset="0"/>
+              </a:rPr>
+              <a:t>Sender</a:t>
+            </a:r>
+            <a:r>
+              <a:rPr lang="en-CA" sz="900" dirty="0">
+                <a:latin typeface="Courier" pitchFamily="2" charset="0"/>
+              </a:rPr>
+              <a:t> IPv6 Address                 .</a:t>
+            </a:r>
+          </a:p>
+          <a:p>
+            <a:r>
+              <a:rPr lang="en-CA" sz="900" dirty="0">
+                <a:latin typeface="Courier" pitchFamily="2" charset="0"/>
+              </a:rPr>
+              <a:t>  .                                                               .</a:t>
+            </a:r>
+          </a:p>
+          <a:p>
+            <a:r>
+              <a:rPr lang="en-CA" sz="900" dirty="0">
+                <a:latin typeface="Courier" pitchFamily="2" charset="0"/>
+              </a:rPr>
+              <a:t>  +---------------------------------------------------------------+</a:t>
+            </a:r>
+          </a:p>
+          <a:p>
+            <a:r>
+              <a:rPr lang="en-CA" sz="900" dirty="0">
+                <a:latin typeface="Courier" pitchFamily="2" charset="0"/>
+              </a:rPr>
+              <a:t>  | UDP Header                                                    |</a:t>
+            </a:r>
+          </a:p>
+          <a:p>
+            <a:r>
+              <a:rPr lang="en-CA" sz="900" dirty="0">
+                <a:latin typeface="Courier" pitchFamily="2" charset="0"/>
+              </a:rPr>
+              <a:t>  .  Source Port = As chosen by Sender                            .</a:t>
+            </a:r>
+          </a:p>
+          <a:p>
+            <a:r>
+              <a:rPr lang="en-CA" sz="900" dirty="0">
+                <a:latin typeface="Courier" pitchFamily="2" charset="0"/>
+              </a:rPr>
+              <a:t>  .  Destination Port = User-configured Port                      .</a:t>
+            </a:r>
+          </a:p>
+          <a:p>
+            <a:r>
+              <a:rPr lang="en-CA" sz="900" dirty="0">
+                <a:latin typeface="Courier" pitchFamily="2" charset="0"/>
+              </a:rPr>
+              <a:t>  .                                                               .</a:t>
+            </a:r>
+          </a:p>
+          <a:p>
+            <a:r>
+              <a:rPr lang="en-CA" sz="900" dirty="0">
+                <a:latin typeface="Courier" pitchFamily="2" charset="0"/>
+              </a:rPr>
+              <a:t>  +-+-+-+-+-+-+-+-+-+-+-+-+-+-+-+-+-+-+-+-+-+-+-+-+-+-+-+-+-+-+-+-+</a:t>
+            </a:r>
+          </a:p>
+          <a:p>
+            <a:r>
+              <a:rPr lang="en-CA" sz="900" dirty="0">
+                <a:latin typeface="Courier" pitchFamily="2" charset="0"/>
+              </a:rPr>
+              <a:t>  |  Payload as defined in Section 4.2.1 of RFC 5357 |            |</a:t>
+            </a:r>
+          </a:p>
+          <a:p>
+            <a:r>
+              <a:rPr lang="en-CA" sz="900" dirty="0">
+                <a:latin typeface="Courier" pitchFamily="2" charset="0"/>
+              </a:rPr>
+              <a:t>  |  Payload as defined in Section 4.2 of RFC 8762                |</a:t>
+            </a:r>
+          </a:p>
+          <a:p>
+            <a:r>
+              <a:rPr lang="en-CA" sz="900" dirty="0">
+                <a:latin typeface="Courier" pitchFamily="2" charset="0"/>
+              </a:rPr>
+              <a:t>  .                                                               .</a:t>
+            </a:r>
+          </a:p>
+          <a:p>
+            <a:r>
+              <a:rPr lang="en-CA" sz="900" dirty="0">
+                <a:latin typeface="Courier" pitchFamily="2" charset="0"/>
+              </a:rPr>
+              <a:t>  +---------------------------------------------------------------+</a:t>
+            </a:r>
+          </a:p>
+          <a:p>
+            <a:r>
+              <a:rPr lang="en-CA" sz="900" dirty="0">
+                <a:latin typeface="Courier" pitchFamily="2" charset="0"/>
+              </a:rPr>
+              <a:t> </a:t>
+            </a:r>
+          </a:p>
+          <a:p>
+            <a:r>
+              <a:rPr lang="en-CA" sz="900" dirty="0">
+                <a:latin typeface="Courier" pitchFamily="2" charset="0"/>
+              </a:rPr>
+              <a:t>        Example Probe Message for SRv6 with Endpoint Function</a:t>
+            </a:r>
+            <a:endParaRPr lang="en-US" sz="900" dirty="0">
+              <a:latin typeface="Courier" pitchFamily="2" charset="0"/>
+            </a:endParaRPr>
+          </a:p>
+        </p:txBody>
+      </p:sp>
+      <p:sp>
+        <p:nvSpPr>
+          <p:cNvPr id="8" name="Content Placeholder 7">
+            <a:extLst>
+              <a:ext uri="{FF2B5EF4-FFF2-40B4-BE49-F238E27FC236}">
+                <a16:creationId xmlns:a16="http://schemas.microsoft.com/office/drawing/2014/main" id="{FC6E1890-536D-9D49-8207-C42BBF301FF3}"/>
+              </a:ext>
+            </a:extLst>
+          </p:cNvPr>
+          <p:cNvSpPr>
+            <a:spLocks noGrp="1"/>
+          </p:cNvSpPr>
+          <p:nvPr>
+            <p:ph idx="1"/>
+          </p:nvPr>
+        </p:nvSpPr>
+        <p:spPr>
+          <a:xfrm>
+            <a:off x="5246885" y="989897"/>
+            <a:ext cx="3678973" cy="3276600"/>
+          </a:xfrm>
+        </p:spPr>
+        <p:txBody>
+          <a:bodyPr/>
+          <a:lstStyle/>
+          <a:p>
+            <a:r>
+              <a:rPr lang="en-US" sz="1400" dirty="0"/>
+              <a:t>Endpoint Function END.TSF is defined for Timestamp and Forward and carried for the Reflector node SID</a:t>
+            </a:r>
+          </a:p>
+          <a:p>
+            <a:r>
+              <a:rPr lang="en-US" sz="1400" dirty="0"/>
+              <a:t>Reverse path can be IP</a:t>
+            </a:r>
+          </a:p>
+          <a:p>
+            <a:pPr lvl="1"/>
+            <a:r>
+              <a:rPr lang="en-US" sz="1400" dirty="0"/>
+              <a:t>Reflector node removes SRH</a:t>
+            </a:r>
+          </a:p>
+          <a:p>
+            <a:r>
+              <a:rPr lang="en-US" sz="1400" dirty="0"/>
+              <a:t>Reverse path can be SR</a:t>
+            </a:r>
+          </a:p>
+          <a:p>
+            <a:pPr lvl="1"/>
+            <a:r>
+              <a:rPr lang="en-US" sz="1400" dirty="0"/>
+              <a:t>Reverse direction SR path carried in SRH</a:t>
+            </a:r>
+          </a:p>
+          <a:p>
+            <a:pPr lvl="1"/>
+            <a:r>
+              <a:rPr lang="en-US" sz="1400" dirty="0"/>
+              <a:t>Reflector node does not remove the SRH</a:t>
+            </a:r>
+          </a:p>
+          <a:p>
+            <a:r>
+              <a:rPr lang="en-US" sz="1400" dirty="0"/>
+              <a:t>Source and Destination Addresses are swapped to represent the Reverse direction path in the inner IPv6 header</a:t>
+            </a:r>
+          </a:p>
+          <a:p>
+            <a:endParaRPr lang="en-US" sz="1400" dirty="0"/>
+          </a:p>
+        </p:txBody>
+      </p:sp>
     </p:spTree>
     <p:extLst>
       <p:ext uri="{BB962C8B-B14F-4D97-AF65-F5344CB8AC3E}">
-        <p14:creationId xmlns:p14="http://schemas.microsoft.com/office/powerpoint/2010/main" val="3637512675"/>
+        <p14:creationId xmlns:p14="http://schemas.microsoft.com/office/powerpoint/2010/main" val="3310436608"/>
       </p:ext>
     </p:extLst>
   </p:cSld>

--- a/draft-gandhi-spring-sr-enhanced-plm-01.pptx
+++ b/draft-gandhi-spring-sr-enhanced-plm-01.pptx
@@ -256,7 +256,7 @@
           <a:p>
             <a:fld id="{E8FA3DB5-7722-3F4F-947D-12B203669AD7}" type="datetimeFigureOut">
               <a:rPr lang="en-US" smtClean="0"/>
-              <a:t>5/9/20</a:t>
+              <a:t>5/9/2020</a:t>
             </a:fld>
             <a:endParaRPr lang="en-US"/>
           </a:p>
@@ -7315,7 +7315,7 @@
             </a:pPr>
             <a:r>
               <a:rPr lang="en-US" sz="1400" dirty="0"/>
-              <a:t>Probe messages are not punted on the remote node (endpoint/reflector) out of fast-path</a:t>
+              <a:t>Probe messages are not punted on the reflector out of fast-path</a:t>
             </a:r>
           </a:p>
           <a:p>
@@ -7497,7 +7497,7 @@
                 <a:ea typeface="Calibri" panose="020F0502020204030204" pitchFamily="34" charset="0"/>
                 <a:cs typeface="Times New Roman" panose="02020603050405020304" pitchFamily="18" charset="0"/>
               </a:rPr>
-              <a:t>  Sender                      Reflector Endpoint</a:t>
+              <a:t>  Sender                       Reflector</a:t>
             </a:r>
           </a:p>
           <a:p>
@@ -7749,7 +7749,7 @@
             </a:pPr>
             <a:r>
               <a:rPr lang="en-CA" sz="1200" dirty="0"/>
-              <a:t>The endpoint node adds the receive timestamp in the payload of the received TWAMP Light or STAMP probe message without punting the probe message</a:t>
+              <a:t>The reflector node adds the receive timestamp in the payload of the received TWAMP Light or STAMP probe message without punting the probe message</a:t>
             </a:r>
           </a:p>
           <a:p>
@@ -7763,7 +7763,7 @@
             </a:pPr>
             <a:r>
               <a:rPr lang="en-CA" sz="1200" dirty="0"/>
-              <a:t>Only add the receive timestamp if the source address in the probe message matches the local node address</a:t>
+              <a:t>Only adds the receive timestamp if the source address in the probe message matches the local node address</a:t>
             </a:r>
           </a:p>
           <a:p>
@@ -7878,7 +7878,7 @@
               <a:rPr lang="en-CA" sz="1100" dirty="0">
                 <a:latin typeface="Courier" pitchFamily="2" charset="0"/>
               </a:rPr>
-              <a:t>    Sender                       Reflector Endpoint</a:t>
+              <a:t>    Sender                       Reflector</a:t>
             </a:r>
           </a:p>
           <a:p>
@@ -9237,8 +9237,8 @@
         </p:nvSpPr>
         <p:spPr>
           <a:xfrm>
-            <a:off x="256014" y="615196"/>
-            <a:ext cx="4669573" cy="4247317"/>
+            <a:off x="256014" y="615197"/>
+            <a:ext cx="4620786" cy="4108817"/>
           </a:xfrm>
           <a:prstGeom prst="rect">
             <a:avLst/>
@@ -9278,13 +9278,13 @@
               <a:rPr lang="en-CA" sz="900" b="1" dirty="0">
                 <a:latin typeface="Courier" pitchFamily="2" charset="0"/>
               </a:rPr>
-              <a:t>Endpoint</a:t>
+              <a:t>Reflector</a:t>
             </a:r>
             <a:r>
               <a:rPr lang="en-CA" sz="900" dirty="0">
                 <a:latin typeface="Courier" pitchFamily="2" charset="0"/>
               </a:rPr>
-              <a:t> IPv4 or IPv6 Address            .     .  Destination IP Address = </a:t>
+              <a:t> IPv4 or IPv6 Address           .     .  Destination IP Address = </a:t>
             </a:r>
             <a:r>
               <a:rPr lang="en-CA" sz="900" b="1" dirty="0">

--- a/draft-gandhi-spring-sr-enhanced-plm-01.pptx
+++ b/draft-gandhi-spring-sr-enhanced-plm-01.pptx
@@ -5810,7 +5810,7 @@
         <p:spPr>
           <a:xfrm>
             <a:off x="1295400" y="818969"/>
-            <a:ext cx="6629400" cy="3779817"/>
+            <a:ext cx="6629400" cy="3780522"/>
           </a:xfrm>
           <a:prstGeom prst="rect">
             <a:avLst/>
@@ -7287,7 +7287,7 @@
             </a:pPr>
             <a:r>
               <a:rPr lang="en-US" sz="1400" dirty="0"/>
-              <a:t>Liveness monitoring for SR Policy uses PM probes (TWAMP Light/STAMP delay measurement messages) in Loopback Mode</a:t>
+              <a:t>Use PM probes (TWAMP Light/STAMP delay measurement messages) in Loopback Mode</a:t>
             </a:r>
           </a:p>
           <a:p>

--- a/draft-gandhi-spring-sr-enhanced-plm-01.pptx
+++ b/draft-gandhi-spring-sr-enhanced-plm-01.pptx
@@ -7357,7 +7357,7 @@
             </a:pPr>
             <a:r>
               <a:rPr lang="en-US" sz="1400" dirty="0"/>
-              <a:t>Round-trip delay metrics are notified when consecutive M number of probe messages have delay values exceed the configured thresholds</a:t>
+              <a:t>Round-trip delay (t4 - t1) metrics are notified when consecutive M number of probe messages have delay values exceed the configured thresholds</a:t>
             </a:r>
           </a:p>
           <a:p>
@@ -7387,7 +7387,7 @@
         </p:nvSpPr>
         <p:spPr>
           <a:xfrm>
-            <a:off x="2209800" y="893624"/>
+            <a:off x="2209800" y="819150"/>
             <a:ext cx="4648200" cy="1754326"/>
           </a:xfrm>
           <a:prstGeom prst="rect">
@@ -7704,7 +7704,7 @@
         <p:spPr>
           <a:xfrm>
             <a:off x="374374" y="2647950"/>
-            <a:ext cx="8395252" cy="2138362"/>
+            <a:ext cx="8395252" cy="2286000"/>
           </a:xfrm>
         </p:spPr>
         <p:txBody>
@@ -7791,7 +7791,7 @@
             </a:pPr>
             <a:r>
               <a:rPr lang="en-US" sz="1200" dirty="0"/>
-              <a:t>One-way delay metrics are notified when consecutive M number of probe messages have delay values exceed the configured thresholds</a:t>
+              <a:t>One-way delay (t2 – t1) metrics are notified when consecutive M number of probe messages have delay values exceed the configured thresholds</a:t>
             </a:r>
           </a:p>
         </p:txBody>

--- a/draft-gandhi-spring-sr-enhanced-plm-01.pptx
+++ b/draft-gandhi-spring-sr-enhanced-plm-01.pptx
@@ -7217,7 +7217,7 @@
                 <a:latin typeface="Calibri Light" panose="020F0302020204030204" pitchFamily="34" charset="0"/>
                 <a:cs typeface="Calibri Light" panose="020F0302020204030204" pitchFamily="34" charset="0"/>
               </a:rPr>
-              <a:t>Liveness and Performance Monitoring of SR Policy</a:t>
+              <a:t>Performance and Liveness Monitoring of SR Policy</a:t>
             </a:r>
           </a:p>
         </p:txBody>
@@ -7287,7 +7287,7 @@
             </a:pPr>
             <a:r>
               <a:rPr lang="en-US" sz="1400" dirty="0"/>
-              <a:t>Use PM probes (TWAMP Light/STAMP delay measurement messages) in Loopback Mode</a:t>
+              <a:t>Using PM probes (TWAMP Light/STAMP delay measurement messages) in Loopback Mode</a:t>
             </a:r>
           </a:p>
           <a:p>
@@ -7651,7 +7651,7 @@
                 <a:latin typeface="Calibri Light" panose="020F0302020204030204" pitchFamily="34" charset="0"/>
                 <a:cs typeface="Calibri Light" panose="020F0302020204030204" pitchFamily="34" charset="0"/>
               </a:rPr>
-              <a:t>Enhanced Liveness and Performance Monitoring of SR Policy</a:t>
+              <a:t>Enhanced Performance and Liveness Monitoring of SR Policy</a:t>
             </a:r>
           </a:p>
         </p:txBody>
@@ -7704,7 +7704,7 @@
         <p:spPr>
           <a:xfrm>
             <a:off x="374374" y="2647950"/>
-            <a:ext cx="8395252" cy="2286000"/>
+            <a:ext cx="8395252" cy="2138362"/>
           </a:xfrm>
         </p:spPr>
         <p:txBody>
@@ -7721,7 +7721,7 @@
             </a:pPr>
             <a:r>
               <a:rPr lang="en-CA" sz="1200" dirty="0"/>
-              <a:t>Use PM probes in loopback mode enabled with network programming function</a:t>
+              <a:t>Using PM probes in loopback mode enabled with network programming function</a:t>
             </a:r>
           </a:p>
           <a:p>
@@ -7749,7 +7749,7 @@
             </a:pPr>
             <a:r>
               <a:rPr lang="en-CA" sz="1200" dirty="0"/>
-              <a:t>The reflector node adds the receive timestamp in the payload of the received TWAMP Light or STAMP probe message without punting the probe message</a:t>
+              <a:t>Reflector node adds the receive timestamp in the payload of the received probe message without punting the message</a:t>
             </a:r>
           </a:p>
           <a:p>

--- a/draft-gandhi-spring-sr-enhanced-plm-01.pptx
+++ b/draft-gandhi-spring-sr-enhanced-plm-01.pptx
@@ -256,7 +256,7 @@
           <a:p>
             <a:fld id="{E8FA3DB5-7722-3F4F-947D-12B203669AD7}" type="datetimeFigureOut">
               <a:rPr lang="en-US" smtClean="0"/>
-              <a:t>5/9/2020</a:t>
+              <a:t>5/10/20</a:t>
             </a:fld>
             <a:endParaRPr lang="en-US"/>
           </a:p>
@@ -5114,13 +5114,13 @@
         </p:spPr>
         <p:txBody>
           <a:bodyPr>
-            <a:normAutofit fontScale="90000"/>
+            <a:normAutofit/>
           </a:bodyPr>
           <a:lstStyle/>
           <a:p>
             <a:r>
               <a:rPr lang="en-US" sz="3600" dirty="0"/>
-              <a:t>Enhanced Performance Measurement and Liveness Monitoring in Segment Routing Networks</a:t>
+              <a:t>Performance Delay and Liveness Monitoring in Segment Routing Networks</a:t>
             </a:r>
           </a:p>
         </p:txBody>
@@ -5902,7 +5902,7 @@
               <a:rPr lang="en-CA" sz="1200" dirty="0">
                 <a:latin typeface="Courier" pitchFamily="2" charset="0"/>
               </a:rPr>
-              <a:t>  PLM Type                      /      \    Timestamp Format</a:t>
+              <a:t>  PDLM Type                     /      \    Timestamp Format</a:t>
             </a:r>
           </a:p>
           <a:p>
@@ -6779,7 +6779,7 @@
             </a:pPr>
             <a:r>
               <a:rPr lang="en-US" sz="1400" dirty="0"/>
-              <a:t>Performance Delay Measurement &amp; Liveness Monitoring in SR networks</a:t>
+              <a:t>Performance Delay &amp; Liveness Monitoring in SR networks</a:t>
             </a:r>
           </a:p>
           <a:p>
@@ -6892,19 +6892,8 @@
             </a:r>
           </a:p>
           <a:p>
-            <a:pPr lvl="1">
-              <a:buFont typeface="Wingdings" charset="2"/>
-              <a:buChar char="§"/>
-            </a:pPr>
-            <a:r>
-              <a:rPr lang="en-US" sz="1400" dirty="0"/>
-              <a:t>User-configured IP/UDP path for probe messages</a:t>
-            </a:r>
-          </a:p>
-          <a:p>
-            <a:pPr lvl="1">
-              <a:buFont typeface="Wingdings" charset="2"/>
-              <a:buChar char="§"/>
+            <a:pPr marL="457200" lvl="1" indent="0">
+              <a:buNone/>
             </a:pPr>
             <a:endParaRPr lang="en-US" sz="1400" dirty="0"/>
           </a:p>
@@ -7202,7 +7191,7 @@
         <p:spPr>
           <a:xfrm>
             <a:off x="304800" y="0"/>
-            <a:ext cx="8382000" cy="857250"/>
+            <a:ext cx="8382000" cy="716757"/>
           </a:xfrm>
         </p:spPr>
         <p:txBody>
@@ -7210,14 +7199,14 @@
           <a:lstStyle/>
           <a:p>
             <a:r>
-              <a:rPr lang="en-US" sz="3200" dirty="0">
+              <a:rPr lang="en-US" sz="2800" dirty="0">
                 <a:solidFill>
                   <a:srgbClr val="0070C0"/>
                 </a:solidFill>
                 <a:latin typeface="Calibri Light" panose="020F0302020204030204" pitchFamily="34" charset="0"/>
                 <a:cs typeface="Calibri Light" panose="020F0302020204030204" pitchFamily="34" charset="0"/>
               </a:rPr>
-              <a:t>Performance and Liveness Monitoring of SR Policy</a:t>
+              <a:t>Performance Delay and Liveness Monitoring of SR Policy</a:t>
             </a:r>
           </a:p>
         </p:txBody>
@@ -7635,8 +7624,8 @@
         </p:nvSpPr>
         <p:spPr>
           <a:xfrm>
-            <a:off x="114300" y="0"/>
-            <a:ext cx="8915400" cy="786646"/>
+            <a:off x="57150" y="0"/>
+            <a:ext cx="9029700" cy="710446"/>
           </a:xfrm>
         </p:spPr>
         <p:txBody>
@@ -7644,14 +7633,14 @@
           <a:lstStyle/>
           <a:p>
             <a:r>
-              <a:rPr lang="en-US" sz="2800" dirty="0">
+              <a:rPr lang="en-US" sz="2600" dirty="0">
                 <a:solidFill>
                   <a:srgbClr val="0070C0"/>
                 </a:solidFill>
                 <a:latin typeface="Calibri Light" panose="020F0302020204030204" pitchFamily="34" charset="0"/>
                 <a:cs typeface="Calibri Light" panose="020F0302020204030204" pitchFamily="34" charset="0"/>
               </a:rPr>
-              <a:t>Enhanced Performance and Liveness Monitoring of SR Policy</a:t>
+              <a:t>Enhanced Performance Delay and Liveness Monitoring of SR Policy</a:t>
             </a:r>
           </a:p>
         </p:txBody>
@@ -7703,7 +7692,7 @@
         </p:nvSpPr>
         <p:spPr>
           <a:xfrm>
-            <a:off x="374374" y="2647950"/>
+            <a:off x="374374" y="2719388"/>
             <a:ext cx="8395252" cy="2138362"/>
           </a:xfrm>
         </p:spPr>
@@ -7997,8 +7986,8 @@
         </p:nvSpPr>
         <p:spPr>
           <a:xfrm>
-            <a:off x="381000" y="-19050"/>
-            <a:ext cx="8458200" cy="857250"/>
+            <a:off x="152400" y="-19050"/>
+            <a:ext cx="8686800" cy="731027"/>
           </a:xfrm>
         </p:spPr>
         <p:txBody>
@@ -8006,14 +7995,14 @@
           <a:lstStyle/>
           <a:p>
             <a:r>
-              <a:rPr lang="en-US" sz="3600" dirty="0">
+              <a:rPr lang="en-US" sz="3000" dirty="0">
                 <a:solidFill>
                   <a:srgbClr val="0070C0"/>
                 </a:solidFill>
                 <a:latin typeface="Calibri Light" panose="020F0302020204030204" pitchFamily="34" charset="0"/>
                 <a:cs typeface="Calibri Light" panose="020F0302020204030204" pitchFamily="34" charset="0"/>
               </a:rPr>
-              <a:t>Probe Message – Enhanced Loopback Mode</a:t>
+              <a:t>Probe Message with Timestamp and Forward Function</a:t>
             </a:r>
           </a:p>
         </p:txBody>
@@ -9312,7 +9301,7 @@
               <a:rPr lang="en-CA" sz="900" dirty="0">
                 <a:latin typeface="Courier" pitchFamily="2" charset="0"/>
               </a:rPr>
-              <a:t>     Example Probe Message for SR-MPLS with Timestamp Label</a:t>
+              <a:t>     Example Probe Message with Timestamp Label for SR-MPLS</a:t>
             </a:r>
             <a:endParaRPr lang="en-US" sz="900" dirty="0">
               <a:latin typeface="Courier" pitchFamily="2" charset="0"/>
@@ -9509,8 +9498,8 @@
         </p:nvSpPr>
         <p:spPr>
           <a:xfrm>
-            <a:off x="309966" y="797568"/>
-            <a:ext cx="4898173" cy="3831818"/>
+            <a:off x="309966" y="742950"/>
+            <a:ext cx="4936919" cy="3810000"/>
           </a:xfrm>
           <a:prstGeom prst="rect">
             <a:avLst/>
@@ -9764,7 +9753,7 @@
               <a:rPr lang="en-CA" sz="900" dirty="0">
                 <a:latin typeface="Courier" pitchFamily="2" charset="0"/>
               </a:rPr>
-              <a:t>        Example Probe Message for SRv6 with Endpoint Function</a:t>
+              <a:t>        Example Probe Message with Endpoint Function for SRv6</a:t>
             </a:r>
             <a:endParaRPr lang="en-US" sz="900" dirty="0">
               <a:latin typeface="Courier" pitchFamily="2" charset="0"/>

--- a/draft-gandhi-spring-sr-enhanced-plm-01.pptx
+++ b/draft-gandhi-spring-sr-enhanced-plm-01.pptx
@@ -5699,7 +5699,7 @@
         <p:spPr>
           <a:xfrm>
             <a:off x="457200" y="-19050"/>
-            <a:ext cx="8229600" cy="857250"/>
+            <a:ext cx="8229600" cy="753591"/>
           </a:xfrm>
         </p:spPr>
         <p:txBody>
@@ -5902,7 +5902,7 @@
               <a:rPr lang="en-CA" sz="1200" dirty="0">
                 <a:latin typeface="Courier" pitchFamily="2" charset="0"/>
               </a:rPr>
-              <a:t>  PDLM Type                     /      \    Timestamp Format</a:t>
+              <a:t>  PDLM Mode                     /      \    Timestamp Format</a:t>
             </a:r>
           </a:p>
           <a:p>
@@ -9226,7 +9226,7 @@
         </p:nvSpPr>
         <p:spPr>
           <a:xfrm>
-            <a:off x="256014" y="615197"/>
+            <a:off x="332214" y="615197"/>
             <a:ext cx="4620786" cy="4108817"/>
           </a:xfrm>
           <a:prstGeom prst="rect">

--- a/draft-gandhi-spring-sr-enhanced-plm-01.pptx
+++ b/draft-gandhi-spring-sr-enhanced-plm-01.pptx
@@ -7377,7 +7377,7 @@
         <p:spPr>
           <a:xfrm>
             <a:off x="2209800" y="819150"/>
-            <a:ext cx="4648200" cy="1754326"/>
+            <a:ext cx="4419600" cy="1754326"/>
           </a:xfrm>
           <a:prstGeom prst="rect">
             <a:avLst/>
@@ -9585,7 +9585,7 @@
               <a:rPr lang="en-CA" sz="900" dirty="0">
                 <a:latin typeface="Courier" pitchFamily="2" charset="0"/>
               </a:rPr>
-              <a:t>  .  END.TSF with Target SID                                      .</a:t>
+              <a:t>  .   END.TSF with Target SID                                     .</a:t>
             </a:r>
           </a:p>
           <a:p>

--- a/draft-gandhi-spring-sr-enhanced-plm-01.pptx
+++ b/draft-gandhi-spring-sr-enhanced-plm-01.pptx
@@ -256,7 +256,7 @@
           <a:p>
             <a:fld id="{E8FA3DB5-7722-3F4F-947D-12B203669AD7}" type="datetimeFigureOut">
               <a:rPr lang="en-US" smtClean="0"/>
-              <a:t>5/10/20</a:t>
+              <a:t>5/11/2020</a:t>
             </a:fld>
             <a:endParaRPr lang="en-US"/>
           </a:p>
@@ -5809,8 +5809,8 @@
         </p:nvSpPr>
         <p:spPr>
           <a:xfrm>
-            <a:off x="1295400" y="818969"/>
-            <a:ext cx="6629400" cy="3780522"/>
+            <a:off x="1295400" y="901412"/>
+            <a:ext cx="6629400" cy="3575338"/>
           </a:xfrm>
           <a:prstGeom prst="rect">
             <a:avLst/>
@@ -5876,7 +5876,7 @@
               <a:rPr lang="en-CA" sz="1200" dirty="0">
                 <a:latin typeface="Courier" pitchFamily="2" charset="0"/>
               </a:rPr>
-              <a:t>  Destination UDP Port            /  \      Network Programming Label</a:t>
+              <a:t>  Destination UDP Port           /    \      Network Programming Label</a:t>
             </a:r>
           </a:p>
           <a:p>
@@ -5889,7 +5889,7 @@
               <a:rPr lang="en-CA" sz="1200" dirty="0">
                 <a:latin typeface="Courier" pitchFamily="2" charset="0"/>
               </a:rPr>
-              <a:t>  Measurement Protocol           /    \     Timestamp2 Offset</a:t>
+              <a:t>  Measurement Protocol          /      \     Timestamp2 Offset</a:t>
             </a:r>
           </a:p>
           <a:p>
@@ -5902,7 +5902,7 @@
               <a:rPr lang="en-CA" sz="1200" dirty="0">
                 <a:latin typeface="Courier" pitchFamily="2" charset="0"/>
               </a:rPr>
-              <a:t>  PDLM Mode                     /      \    Timestamp Format</a:t>
+              <a:t>  PDLM Mode                    /        \    Timestamp Format</a:t>
             </a:r>
           </a:p>
           <a:p>
@@ -5915,20 +5915,7 @@
               <a:rPr lang="en-CA" sz="1200" dirty="0">
                 <a:latin typeface="Courier" pitchFamily="2" charset="0"/>
               </a:rPr>
-              <a:t>     LB or Enhanced LB         /        \</a:t>
-            </a:r>
-          </a:p>
-          <a:p>
-            <a:pPr>
-              <a:lnSpc>
-                <a:spcPts val="1640"/>
-              </a:lnSpc>
-            </a:pPr>
-            <a:r>
-              <a:rPr lang="en-CA" sz="1200" dirty="0">
-                <a:latin typeface="Courier" pitchFamily="2" charset="0"/>
-              </a:rPr>
-              <a:t>  Authentication Mode &amp; Key   /          \     </a:t>
+              <a:t>     LB or Enhanced LB        /          \</a:t>
             </a:r>
           </a:p>
           <a:p>

--- a/draft-gandhi-spring-sr-enhanced-plm-01.pptx
+++ b/draft-gandhi-spring-sr-enhanced-plm-01.pptx
@@ -256,7 +256,7 @@
           <a:p>
             <a:fld id="{E8FA3DB5-7722-3F4F-947D-12B203669AD7}" type="datetimeFigureOut">
               <a:rPr lang="en-US" smtClean="0"/>
-              <a:t>5/11/2020</a:t>
+              <a:t>6/4/20</a:t>
             </a:fld>
             <a:endParaRPr lang="en-US"/>
           </a:p>
@@ -5993,7 +5993,7 @@
               <a:rPr lang="en-CA" sz="1200" dirty="0">
                 <a:latin typeface="Courier" pitchFamily="2" charset="0"/>
               </a:rPr>
-              <a:t>                     |       |  SR Path   |       |</a:t>
+              <a:t>                     |       |            |       |</a:t>
             </a:r>
           </a:p>
           <a:p>
@@ -6019,7 +6019,7 @@
               <a:rPr lang="en-CA" sz="1200" dirty="0">
                 <a:latin typeface="Courier" pitchFamily="2" charset="0"/>
               </a:rPr>
-              <a:t>                     |       |            |       |</a:t>
+              <a:t>                     |       |  SR Path   |       |</a:t>
             </a:r>
           </a:p>
           <a:p>
@@ -7245,8 +7245,8 @@
         </p:nvSpPr>
         <p:spPr>
           <a:xfrm>
-            <a:off x="393768" y="2712525"/>
-            <a:ext cx="8319052" cy="2328582"/>
+            <a:off x="393768" y="2745394"/>
+            <a:ext cx="8319052" cy="1971394"/>
           </a:xfrm>
         </p:spPr>
         <p:txBody>
@@ -7291,21 +7291,7 @@
             </a:pPr>
             <a:r>
               <a:rPr lang="en-US" sz="1400" dirty="0"/>
-              <a:t>Probe messages are not punted on the reflector out of fast-path</a:t>
-            </a:r>
-          </a:p>
-          <a:p>
-            <a:pPr>
-              <a:lnSpc>
-                <a:spcPts val="1960"/>
-              </a:lnSpc>
-              <a:spcBef>
-                <a:spcPts val="0"/>
-              </a:spcBef>
-            </a:pPr>
-            <a:r>
-              <a:rPr lang="en-US" sz="1400" dirty="0"/>
-              <a:t>Return path can be IP or SR</a:t>
+              <a:t>Probe messages are not punted on the reflector node out of fast-path</a:t>
             </a:r>
           </a:p>
           <a:p>
@@ -7364,7 +7350,7 @@
         <p:spPr>
           <a:xfrm>
             <a:off x="2209800" y="819150"/>
-            <a:ext cx="4419600" cy="1754326"/>
+            <a:ext cx="4572000" cy="1754326"/>
           </a:xfrm>
           <a:prstGeom prst="rect">
             <a:avLst/>
@@ -7398,7 +7384,7 @@
                 <a:ea typeface="Calibri" panose="020F0502020204030204" pitchFamily="34" charset="0"/>
                 <a:cs typeface="Times New Roman" panose="02020603050405020304" pitchFamily="18" charset="0"/>
               </a:rPr>
-              <a:t> +-------+ t1     Probe        +-------+</a:t>
+              <a:t> +-------+ t1   Probe          +-------+</a:t>
             </a:r>
           </a:p>
           <a:p>
@@ -7488,7 +7474,7 @@
                 <a:ea typeface="Calibri" panose="020F0502020204030204" pitchFamily="34" charset="0"/>
                 <a:cs typeface="Times New Roman" panose="02020603050405020304" pitchFamily="18" charset="0"/>
               </a:rPr>
-              <a:t>                              (Simply Forward)</a:t>
+              <a:t>                               (Simply Forward)</a:t>
             </a:r>
           </a:p>
           <a:p>
@@ -7620,6 +7606,16 @@
           <a:lstStyle/>
           <a:p>
             <a:r>
+              <a:rPr lang="en-US" sz="2600" b="1" dirty="0">
+                <a:solidFill>
+                  <a:srgbClr val="0070C0"/>
+                </a:solidFill>
+                <a:latin typeface="Calibri Light" panose="020F0302020204030204" pitchFamily="34" charset="0"/>
+                <a:cs typeface="Calibri Light" panose="020F0302020204030204" pitchFamily="34" charset="0"/>
+              </a:rPr>
+              <a:t>Enhanced</a:t>
+            </a:r>
+            <a:r>
               <a:rPr lang="en-US" sz="2600" dirty="0">
                 <a:solidFill>
                   <a:srgbClr val="0070C0"/>
@@ -7627,7 +7623,7 @@
                 <a:latin typeface="Calibri Light" panose="020F0302020204030204" pitchFamily="34" charset="0"/>
                 <a:cs typeface="Calibri Light" panose="020F0302020204030204" pitchFamily="34" charset="0"/>
               </a:rPr>
-              <a:t>Enhanced Performance Delay and Liveness Monitoring of SR Policy</a:t>
+              <a:t> Performance Delay and Liveness Monitoring of SR Policy</a:t>
             </a:r>
           </a:p>
         </p:txBody>
@@ -7739,7 +7735,7 @@
             </a:pPr>
             <a:r>
               <a:rPr lang="en-CA" sz="1200" dirty="0"/>
-              <a:t>Only adds the receive timestamp if the source address in the probe message matches the local node address</a:t>
+              <a:t>Only adds the receive timestamp if the source address or destination address in the probe message matches the local node address</a:t>
             </a:r>
           </a:p>
           <a:p>
@@ -7814,7 +7810,7 @@
               <a:rPr lang="en-CA" sz="1100" dirty="0">
                 <a:latin typeface="Courier" pitchFamily="2" charset="0"/>
               </a:rPr>
-              <a:t>   +-------+ t1    Probe      t2 +-------+</a:t>
+              <a:t>   +-------+ t1   Probe       t2 +-------+</a:t>
             </a:r>
           </a:p>
           <a:p>
@@ -7846,7 +7842,7 @@
               <a:rPr lang="en-CA" sz="1100" dirty="0">
                 <a:latin typeface="Courier" pitchFamily="2" charset="0"/>
               </a:rPr>
-              <a:t>   +-------+     Return Probe    +-------+</a:t>
+              <a:t>   +-------+      Return Probe   +-------+</a:t>
             </a:r>
           </a:p>
           <a:p>
@@ -9021,7 +9017,7 @@
                 <a:ea typeface="Courier" charset="0"/>
                 <a:cs typeface="Courier" charset="0"/>
               </a:rPr>
-              <a:t>  |  Sender TTL   |      Padding                                  |</a:t>
+              <a:t>  |  Sender TTL   |      MBZ                                      |</a:t>
             </a:r>
           </a:p>
           <a:p>
@@ -9214,7 +9210,7 @@
         <p:spPr>
           <a:xfrm>
             <a:off x="332214" y="615197"/>
-            <a:ext cx="4620786" cy="4108817"/>
+            <a:ext cx="4620786" cy="4247317"/>
           </a:xfrm>
           <a:prstGeom prst="rect">
             <a:avLst/>
@@ -9236,7 +9232,7 @@
               <a:rPr lang="en-CA" sz="900" dirty="0">
                 <a:latin typeface="Courier" pitchFamily="2" charset="0"/>
               </a:rPr>
-              <a:t>0 1 2 3 4 5 6 7 8 9 0 1 2 3 4 5 6 7 8 9 0 1 2 3 4 5 6 7 8 9 0 1     +-+-+-+-+-+-+-+-+-+-+-+-+-+-+-+-+-+-+-+-+-+-+-+-+-+-+-+-+-+-+-+-+     |            Label(1)                   | TC  |S|      TTL      |     +-+-+-+-+-+-+-+-+-+-+-+-+-+-+-+-+-+-+-+-+-+-+-+-+-+-+-+-+-+-+-+-+     .                                                               .     .                                                               .     .                                                               .     +-+-+-+-+-+-+-+-+-+-+-+-+-+-+-+-+-+-+-+-+-+-+-+-+-+-+-+-+-+-+-+-+     |            Label(n)                   | TC  |S|      TTL      |     +-+-+-+-+-+-+-+-+-+-+-+-+-+-+-+-+-+-+-+-+-+-+-+-+-+-+-+-+-+-+-+-+     |            </a:t>
+              <a:t>0 1 2 3 4 5 6 7 8 9 0 1 2 3 4 5 6 7 8 9 0 1 2 3 4 5 6 7 8 9 0 1   +-+-+-+-+-+-+-+-+-+-+-+-+-+-+-+-+-+-+-+-+-+-+-+-+-+-+-+-+-+-+-+-+ |            Label(1)                   | TC  |S|      TTL      | +-+-+-+-+-+-+-+-+-+-+-+-+-+-+-+-+-+-+-+-+-+-+-+-+-+-+-+-+-+-+-+-+ .                                                               . .                                                               . .                                                               . +-+-+-+-+-+-+-+-+-+-+-+-+-+-+-+-+-+-+-+-+-+-+-+-+-+-+-+-+-+-+-+-+ |            Label(n)                   | TC  |S|      TTL      | +-+-+-+-+-+-+-+-+-+-+-+-+-+-+-+-+-+-+-+-+-+-+-+-+-+-+-+-+-+-+-+-+ |            </a:t>
             </a:r>
             <a:r>
               <a:rPr lang="en-CA" sz="900" b="1" dirty="0">
@@ -9248,7 +9244,7 @@
               <a:rPr lang="en-CA" sz="900" dirty="0">
                 <a:latin typeface="Courier" pitchFamily="2" charset="0"/>
               </a:rPr>
-              <a:t>| TC  |S|      TTL      |     +---------------------------------------------------------------+     | IP Header                                                     |     .  Source IP Address = </a:t>
+              <a:t>| TC  |S|      TTL      | +-+-+-+-+-+-+-+-+-+-+-+-+-+-+-+-+-+-+-+-+-+-+-+-+-+-+-+-+-+-+-+-+ | IP Header                                                     | .  Source IP Address = </a:t>
             </a:r>
             <a:r>
               <a:rPr lang="en-CA" sz="900" b="1" dirty="0">
@@ -9260,7 +9256,7 @@
               <a:rPr lang="en-CA" sz="900" dirty="0">
                 <a:latin typeface="Courier" pitchFamily="2" charset="0"/>
               </a:rPr>
-              <a:t> IPv4 or IPv6 Address           .     .  Destination IP Address = </a:t>
+              <a:t> IPv4 or IPv6 Address           . .  Destination IP Address = </a:t>
             </a:r>
             <a:r>
               <a:rPr lang="en-CA" sz="900" b="1" dirty="0">
@@ -9272,7 +9268,7 @@
               <a:rPr lang="en-CA" sz="900" dirty="0">
                 <a:latin typeface="Courier" pitchFamily="2" charset="0"/>
               </a:rPr>
-              <a:t> IPv4 or IPv6 Address         .     .  Protocol = UDP                                               .     .                                                               .     +---------------------------------------------------------------+     | UDP Header                                                    |     .  Source Port = As chosen by Sender                            .     .  Destination Port = User-configured Port                      .     .                                                               .     +-+-+-+-+-+-+-+-+-+-+-+-+-+-+-+-+-+-+-+-+-+-+-+-+-+-+-+-+-+-+-+-+     |  Payload as defined in Section 4.2.1 of RFC 5357              |     |  Payload as defined in Section 4.2 of RFC 8762                |     .                                                               .     +---------------------------------------------------------------+</a:t>
+              <a:t> IPv4 or IPv6 Address         . .  Protocol = UDP                                               . .                                                               . +---------------------------------------------------------------+ | UDP Header                                                    | .  Source Port = As chosen by Sender                            . .  Destination Port = User-configured Port                      . .                                                               . +---------------------------------------------------------------+ |  Payload as defined in Section 4.2.1 of RFC 5357              | |  Payload as defined in Section 4.2 of RFC 8762                | .                                                               . +---------------------------------------------------------------+</a:t>
             </a:r>
           </a:p>
           <a:p>
@@ -9486,7 +9482,7 @@
         <p:spPr>
           <a:xfrm>
             <a:off x="309966" y="742950"/>
-            <a:ext cx="4936919" cy="3810000"/>
+            <a:ext cx="4936919" cy="3970318"/>
           </a:xfrm>
           <a:prstGeom prst="rect">
             <a:avLst/>
@@ -9532,7 +9528,7 @@
               <a:rPr lang="en-CA" sz="900" dirty="0">
                 <a:latin typeface="Courier" pitchFamily="2" charset="0"/>
               </a:rPr>
-              <a:t>  .  Destination IP Address = Next IPv6 Address                   .</a:t>
+              <a:t>  .  Destination IP Address = Destination IPv6 Address            .</a:t>
             </a:r>
           </a:p>
           <a:p>
@@ -9556,7 +9552,7 @@
               <a:rPr lang="en-CA" sz="900" dirty="0">
                 <a:latin typeface="Courier" pitchFamily="2" charset="0"/>
               </a:rPr>
-              <a:t>  |  SRH as specified in RFC 8754                                 |</a:t>
+              <a:t>  | SRH as specified in RFC 8754                                  |</a:t>
             </a:r>
           </a:p>
           <a:p>
@@ -9564,7 +9560,7 @@
               <a:rPr lang="en-CA" sz="900" dirty="0">
                 <a:latin typeface="Courier" pitchFamily="2" charset="0"/>
               </a:rPr>
-              <a:t>  .   &lt;Segment List&gt;                                              .</a:t>
+              <a:t>  .  &lt;Segment List&gt;                                               .</a:t>
             </a:r>
           </a:p>
           <a:p>
@@ -9572,7 +9568,7 @@
               <a:rPr lang="en-CA" sz="900" dirty="0">
                 <a:latin typeface="Courier" pitchFamily="2" charset="0"/>
               </a:rPr>
-              <a:t>  .   END.TSF with Target SID                                     .</a:t>
+              <a:t>  .  END.TSF with Target SID                                      .</a:t>
             </a:r>
           </a:p>
           <a:p>
@@ -9692,7 +9688,7 @@
               <a:rPr lang="en-CA" sz="900" dirty="0">
                 <a:latin typeface="Courier" pitchFamily="2" charset="0"/>
               </a:rPr>
-              <a:t>  +-+-+-+-+-+-+-+-+-+-+-+-+-+-+-+-+-+-+-+-+-+-+-+-+-+-+-+-+-+-+-+-+</a:t>
+              <a:t>  +---------------------------------------------------------------+</a:t>
             </a:r>
           </a:p>
           <a:p>

--- a/draft-gandhi-spring-sr-enhanced-plm-01.pptx
+++ b/draft-gandhi-spring-sr-enhanced-plm-01.pptx
@@ -7305,7 +7305,7 @@
             </a:pPr>
             <a:r>
               <a:rPr lang="en-US" sz="1400" dirty="0"/>
-              <a:t>Liveness failure is notified when consecutive N number of probe messages are not received back at the sender</a:t>
+              <a:t>Liveness failure is notified when consecutive N number of return probe messages are not received at the sender</a:t>
             </a:r>
           </a:p>
           <a:p>
@@ -7749,7 +7749,7 @@
             </a:pPr>
             <a:r>
               <a:rPr lang="en-US" sz="1200" dirty="0"/>
-              <a:t>Liveness failure is notified when consecutive N number of probe messages are not received back at the sender</a:t>
+              <a:t>Liveness failure is notified when consecutive N number of return probe messages are not received at the sender</a:t>
             </a:r>
           </a:p>
           <a:p>

--- a/draft-gandhi-spring-sr-enhanced-plm-01.pptx
+++ b/draft-gandhi-spring-sr-enhanced-plm-01.pptx
@@ -256,7 +256,7 @@
           <a:p>
             <a:fld id="{E8FA3DB5-7722-3F4F-947D-12B203669AD7}" type="datetimeFigureOut">
               <a:rPr lang="en-US" smtClean="0"/>
-              <a:t>6/4/20</a:t>
+              <a:t>6/6/2020</a:t>
             </a:fld>
             <a:endParaRPr lang="en-US"/>
           </a:p>
@@ -5120,7 +5120,7 @@
           <a:p>
             <a:r>
               <a:rPr lang="en-US" sz="3600" dirty="0"/>
-              <a:t>Performance Delay and Liveness Monitoring in Segment Routing Networks</a:t>
+              <a:t>Enhanced Performance Delay and Liveness Monitoring in Segment Routing Networks</a:t>
             </a:r>
           </a:p>
         </p:txBody>
@@ -5553,7 +5553,15 @@
             </a:pPr>
             <a:r>
               <a:rPr lang="en-US" sz="1600" dirty="0"/>
-              <a:t>Sweeping destination address in IPv4 header (e.g. 127/8) if return path is SR-MPLS</a:t>
+              <a:t>Sweeping destination address in IPv4 header (e.g. 127/8) if return path is </a:t>
+            </a:r>
+            <a:r>
+              <a:rPr lang="en-US" sz="1600" b="1" dirty="0"/>
+              <a:t>also</a:t>
+            </a:r>
+            <a:r>
+              <a:rPr lang="en-US" sz="1600" dirty="0"/>
+              <a:t> SR-MPLS</a:t>
             </a:r>
           </a:p>
           <a:p>
@@ -6744,7 +6752,7 @@
         <p:spPr>
           <a:xfrm>
             <a:off x="685800" y="857250"/>
-            <a:ext cx="7772400" cy="3619500"/>
+            <a:ext cx="8001000" cy="3619500"/>
           </a:xfrm>
         </p:spPr>
         <p:txBody>
@@ -6846,7 +6854,7 @@
             </a:pPr>
             <a:r>
               <a:rPr lang="en-US" sz="1400" dirty="0"/>
-              <a:t>Higher scale and faster detection interval (e.g. packets not punted out of fast-path)</a:t>
+              <a:t>Higher scale and faster detection interval (e.g. packets not punted from fast-path in forwarding)</a:t>
             </a:r>
           </a:p>
           <a:p>
@@ -7985,7 +7993,7 @@
                 <a:latin typeface="Calibri Light" panose="020F0302020204030204" pitchFamily="34" charset="0"/>
                 <a:cs typeface="Calibri Light" panose="020F0302020204030204" pitchFamily="34" charset="0"/>
               </a:rPr>
-              <a:t>Probe Message with Timestamp and Forward Function</a:t>
+              <a:t>Probe Message for Timestamp and Forward Function</a:t>
             </a:r>
           </a:p>
         </p:txBody>
@@ -8033,7 +8041,7 @@
         </p:nvSpPr>
         <p:spPr>
           <a:xfrm>
-            <a:off x="316648" y="1662158"/>
+            <a:off x="316648" y="1764596"/>
             <a:ext cx="4089826" cy="3093154"/>
           </a:xfrm>
           <a:prstGeom prst="rect">
@@ -8172,36 +8180,11 @@
             </a:pPr>
             <a:r>
               <a:rPr lang="en-US" sz="750" dirty="0">
-                <a:solidFill>
-                  <a:schemeClr val="tx2"/>
-                </a:solidFill>
                 <a:latin typeface="Courier" pitchFamily="2" charset="0"/>
                 <a:ea typeface="Courier" charset="0"/>
                 <a:cs typeface="Courier" charset="0"/>
               </a:rPr>
-              <a:t>  |         </a:t>
-            </a:r>
-            <a:r>
-              <a:rPr lang="en-US" sz="750" dirty="0">
-                <a:solidFill>
-                  <a:srgbClr val="0070C0"/>
-                </a:solidFill>
-                <a:latin typeface="Courier" pitchFamily="2" charset="0"/>
-                <a:ea typeface="Courier" charset="0"/>
-                <a:cs typeface="Courier" charset="0"/>
-              </a:rPr>
-              <a:t>Receive Timestamp                                     </a:t>
-            </a:r>
-            <a:r>
-              <a:rPr lang="en-US" sz="750" dirty="0">
-                <a:solidFill>
-                  <a:schemeClr val="tx2"/>
-                </a:solidFill>
-                <a:latin typeface="Courier" pitchFamily="2" charset="0"/>
-                <a:ea typeface="Courier" charset="0"/>
-                <a:cs typeface="Courier" charset="0"/>
-              </a:rPr>
-              <a:t>|</a:t>
+              <a:t>  |         Receive Timestamp                                     |</a:t>
             </a:r>
           </a:p>
           <a:p>
@@ -8242,29 +8225,11 @@
             </a:pPr>
             <a:r>
               <a:rPr lang="en-US" sz="750" dirty="0">
-                <a:solidFill>
-                  <a:schemeClr val="bg2">
-                    <a:lumMod val="50000"/>
-                  </a:schemeClr>
-                </a:solidFill>
                 <a:latin typeface="Courier" pitchFamily="2" charset="0"/>
                 <a:ea typeface="Courier" charset="0"/>
                 <a:cs typeface="Courier" charset="0"/>
               </a:rPr>
-              <a:t>  </a:t>
-            </a:r>
-            <a:r>
-              <a:rPr lang="en-US" sz="750" dirty="0">
-                <a:solidFill>
-                  <a:schemeClr val="bg1">
-                    <a:lumMod val="50000"/>
-                  </a:schemeClr>
-                </a:solidFill>
-                <a:latin typeface="Courier" pitchFamily="2" charset="0"/>
-                <a:ea typeface="Courier" charset="0"/>
-                <a:cs typeface="Courier" charset="0"/>
-              </a:rPr>
-              <a:t>|                      Sender Sequence Number                   |</a:t>
+              <a:t>  |                      Sender Sequence Number                   |</a:t>
             </a:r>
           </a:p>
           <a:p>
@@ -8275,11 +8240,6 @@
             </a:pPr>
             <a:r>
               <a:rPr lang="en-US" sz="750" dirty="0">
-                <a:solidFill>
-                  <a:schemeClr val="bg1">
-                    <a:lumMod val="50000"/>
-                  </a:schemeClr>
-                </a:solidFill>
                 <a:latin typeface="Courier" pitchFamily="2" charset="0"/>
                 <a:ea typeface="Courier" charset="0"/>
                 <a:cs typeface="Courier" charset="0"/>
@@ -8553,8 +8513,8 @@
         </p:nvSpPr>
         <p:spPr>
           <a:xfrm>
-            <a:off x="381000" y="711977"/>
-            <a:ext cx="8433225" cy="857250"/>
+            <a:off x="381002" y="669114"/>
+            <a:ext cx="8433225" cy="988236"/>
           </a:xfrm>
         </p:spPr>
         <p:txBody>
@@ -8563,13 +8523,13 @@
           <a:p>
             <a:r>
               <a:rPr lang="en-US" sz="1400" dirty="0"/>
-              <a:t>Sender adds the Transmit Timestamp</a:t>
+              <a:t>Sender adds Transmit Timestamp (t1)</a:t>
             </a:r>
           </a:p>
           <a:p>
             <a:r>
               <a:rPr lang="en-US" sz="1400" dirty="0"/>
-              <a:t>Reflector adds the Receive Timestamp at fixed offset locally provisioned (consistently in the network)</a:t>
+              <a:t>Reflector adds Receive Timestamp (t2) at fixed offset in payload locally provisioned (consistently in the network)</a:t>
             </a:r>
           </a:p>
           <a:p>
@@ -8630,7 +8590,7 @@
         </p:nvSpPr>
         <p:spPr>
           <a:xfrm>
-            <a:off x="4673174" y="1662158"/>
+            <a:off x="4673174" y="1769060"/>
             <a:ext cx="4089826" cy="2631490"/>
           </a:xfrm>
           <a:prstGeom prst="rect">
@@ -8785,36 +8745,11 @@
             </a:pPr>
             <a:r>
               <a:rPr lang="en-US" sz="750" dirty="0">
-                <a:solidFill>
-                  <a:schemeClr val="tx2"/>
-                </a:solidFill>
                 <a:latin typeface="Courier" pitchFamily="2" charset="0"/>
                 <a:ea typeface="Courier" charset="0"/>
                 <a:cs typeface="Courier" charset="0"/>
               </a:rPr>
-              <a:t>  |         </a:t>
-            </a:r>
-            <a:r>
-              <a:rPr lang="en-US" sz="750" dirty="0">
-                <a:solidFill>
-                  <a:srgbClr val="0070C0"/>
-                </a:solidFill>
-                <a:latin typeface="Courier" pitchFamily="2" charset="0"/>
-                <a:ea typeface="Courier" charset="0"/>
-                <a:cs typeface="Courier" charset="0"/>
-              </a:rPr>
-              <a:t>Receive Timestamp                                     </a:t>
-            </a:r>
-            <a:r>
-              <a:rPr lang="en-US" sz="750" dirty="0">
-                <a:solidFill>
-                  <a:schemeClr val="tx2"/>
-                </a:solidFill>
-                <a:latin typeface="Courier" pitchFamily="2" charset="0"/>
-                <a:ea typeface="Courier" charset="0"/>
-                <a:cs typeface="Courier" charset="0"/>
-              </a:rPr>
-              <a:t>|</a:t>
+              <a:t>  |         Receive Timestamp                                     |</a:t>
             </a:r>
           </a:p>
           <a:p>
@@ -8855,29 +8790,11 @@
             </a:pPr>
             <a:r>
               <a:rPr lang="en-US" sz="750" dirty="0">
-                <a:solidFill>
-                  <a:schemeClr val="bg2">
-                    <a:lumMod val="50000"/>
-                  </a:schemeClr>
-                </a:solidFill>
                 <a:latin typeface="Courier" pitchFamily="2" charset="0"/>
                 <a:ea typeface="Courier" charset="0"/>
                 <a:cs typeface="Courier" charset="0"/>
               </a:rPr>
-              <a:t>  </a:t>
-            </a:r>
-            <a:r>
-              <a:rPr lang="en-US" sz="750" dirty="0">
-                <a:solidFill>
-                  <a:schemeClr val="bg1">
-                    <a:lumMod val="50000"/>
-                  </a:schemeClr>
-                </a:solidFill>
-                <a:latin typeface="Courier" pitchFamily="2" charset="0"/>
-                <a:ea typeface="Courier" charset="0"/>
-                <a:cs typeface="Courier" charset="0"/>
-              </a:rPr>
-              <a:t>|                      Sender Sequence Number                   |</a:t>
+              <a:t>  |                      Sender Sequence Number                   |</a:t>
             </a:r>
           </a:p>
           <a:p>
@@ -8888,11 +8805,6 @@
             </a:pPr>
             <a:r>
               <a:rPr lang="en-US" sz="750" dirty="0">
-                <a:solidFill>
-                  <a:schemeClr val="bg1">
-                    <a:lumMod val="50000"/>
-                  </a:schemeClr>
-                </a:solidFill>
                 <a:latin typeface="Courier" pitchFamily="2" charset="0"/>
                 <a:ea typeface="Courier" charset="0"/>
                 <a:cs typeface="Courier" charset="0"/>
@@ -9210,7 +9122,7 @@
         <p:spPr>
           <a:xfrm>
             <a:off x="332214" y="615197"/>
-            <a:ext cx="4620786" cy="4247317"/>
+            <a:ext cx="4696986" cy="4108817"/>
           </a:xfrm>
           <a:prstGeom prst="rect">
             <a:avLst/>
@@ -9268,7 +9180,7 @@
               <a:rPr lang="en-CA" sz="900" dirty="0">
                 <a:latin typeface="Courier" pitchFamily="2" charset="0"/>
               </a:rPr>
-              <a:t> IPv4 or IPv6 Address         . .  Protocol = UDP                                               . .                                                               . +---------------------------------------------------------------+ | UDP Header                                                    | .  Source Port = As chosen by Sender                            . .  Destination Port = User-configured Port                      . .                                                               . +---------------------------------------------------------------+ |  Payload as defined in Section 4.2.1 of RFC 5357              | |  Payload as defined in Section 4.2 of RFC 8762                | .                                                               . +---------------------------------------------------------------+</a:t>
+              <a:t> IPv4 or IPv6 Address         . .  Protocol = UDP                                               . .                                                               . +---------------------------------------------------------------+ | UDP Header                                                    | .  Source Port = As chosen by Sender                            . .  Destination Port = User-configured Port                      . .                                                               . +---------------------------------------------------------------+ |  Payload as defined in Section 4.2.1 of RFC 5357 Or           | |  Payload as defined in Section 4.2 of RFC 8762                | .                                                               . +---------------------------------------------------------------+</a:t>
             </a:r>
           </a:p>
           <a:p>
@@ -9320,7 +9232,7 @@
           <a:p>
             <a:r>
               <a:rPr lang="en-US" sz="1600" dirty="0"/>
-              <a:t>Extended Special-purpose label (TBA1) is defined for Timestamp and Forward network function</a:t>
+              <a:t>Extended Special-purpose label (TBA1) is defined for Timestamp and Forward network programming</a:t>
             </a:r>
           </a:p>
           <a:p>
@@ -9696,7 +9608,7 @@
               <a:rPr lang="en-CA" sz="900" dirty="0">
                 <a:latin typeface="Courier" pitchFamily="2" charset="0"/>
               </a:rPr>
-              <a:t>  |  Payload as defined in Section 4.2.1 of RFC 5357 |            |</a:t>
+              <a:t>  |  Payload as defined in Section 4.2.1 of RFC 5357 Or           |</a:t>
             </a:r>
           </a:p>
           <a:p>
@@ -9772,7 +9684,7 @@
           <a:p>
             <a:r>
               <a:rPr lang="en-US" sz="1400" dirty="0"/>
-              <a:t>Endpoint Function END.TSF is defined for Timestamp and Forward and carried for the Reflector node SID</a:t>
+              <a:t>Endpoint Function END.TSF is defined for Timestamp and Forward network programming and is carried for the Reflector node SID</a:t>
             </a:r>
           </a:p>
           <a:p>
